--- a/Advanced Es6 & TypeScript.pptx
+++ b/Advanced Es6 & TypeScript.pptx
@@ -409,7 +409,7 @@
             <a:fld id="{1D8BD707-D9CF-40AE-B4C6-C98DA3205C09}" type="datetimeFigureOut">
               <a:rPr lang="en-US" smtClean="0"/>
               <a:pPr/>
-              <a:t>11/18/2018</a:t>
+              <a:t>11/20/2018</a:t>
             </a:fld>
             <a:endParaRPr lang="en-US"/>
           </a:p>
@@ -610,7 +610,7 @@
             <a:fld id="{1D8BD707-D9CF-40AE-B4C6-C98DA3205C09}" type="datetimeFigureOut">
               <a:rPr lang="en-US" smtClean="0"/>
               <a:pPr/>
-              <a:t>11/18/2018</a:t>
+              <a:t>11/20/2018</a:t>
             </a:fld>
             <a:endParaRPr lang="en-US"/>
           </a:p>
@@ -802,7 +802,7 @@
             <a:fld id="{1D8BD707-D9CF-40AE-B4C6-C98DA3205C09}" type="datetimeFigureOut">
               <a:rPr lang="en-US" smtClean="0"/>
               <a:pPr/>
-              <a:t>11/18/2018</a:t>
+              <a:t>11/20/2018</a:t>
             </a:fld>
             <a:endParaRPr lang="en-US"/>
           </a:p>
@@ -996,7 +996,7 @@
             <a:fld id="{1D8BD707-D9CF-40AE-B4C6-C98DA3205C09}" type="datetimeFigureOut">
               <a:rPr lang="en-US" smtClean="0"/>
               <a:pPr/>
-              <a:t>11/18/2018</a:t>
+              <a:t>11/20/2018</a:t>
             </a:fld>
             <a:endParaRPr lang="en-US"/>
           </a:p>
@@ -1224,7 +1224,7 @@
             <a:fld id="{1D8BD707-D9CF-40AE-B4C6-C98DA3205C09}" type="datetimeFigureOut">
               <a:rPr lang="en-US" smtClean="0"/>
               <a:pPr/>
-              <a:t>11/18/2018</a:t>
+              <a:t>11/20/2018</a:t>
             </a:fld>
             <a:endParaRPr lang="en-US"/>
           </a:p>
@@ -1517,7 +1517,7 @@
             <a:fld id="{1D8BD707-D9CF-40AE-B4C6-C98DA3205C09}" type="datetimeFigureOut">
               <a:rPr lang="en-US" smtClean="0"/>
               <a:pPr/>
-              <a:t>11/18/2018</a:t>
+              <a:t>11/20/2018</a:t>
             </a:fld>
             <a:endParaRPr lang="en-US"/>
           </a:p>
@@ -1950,7 +1950,7 @@
             <a:fld id="{1D8BD707-D9CF-40AE-B4C6-C98DA3205C09}" type="datetimeFigureOut">
               <a:rPr lang="en-US" smtClean="0"/>
               <a:pPr/>
-              <a:t>11/18/2018</a:t>
+              <a:t>11/20/2018</a:t>
             </a:fld>
             <a:endParaRPr lang="en-US"/>
           </a:p>
@@ -2078,7 +2078,7 @@
             <a:fld id="{1D8BD707-D9CF-40AE-B4C6-C98DA3205C09}" type="datetimeFigureOut">
               <a:rPr lang="en-US" smtClean="0"/>
               <a:pPr/>
-              <a:t>11/18/2018</a:t>
+              <a:t>11/20/2018</a:t>
             </a:fld>
             <a:endParaRPr lang="en-US"/>
           </a:p>
@@ -2183,7 +2183,7 @@
             <a:fld id="{1D8BD707-D9CF-40AE-B4C6-C98DA3205C09}" type="datetimeFigureOut">
               <a:rPr lang="en-US" smtClean="0"/>
               <a:pPr/>
-              <a:t>11/18/2018</a:t>
+              <a:t>11/20/2018</a:t>
             </a:fld>
             <a:endParaRPr lang="en-US"/>
           </a:p>
@@ -2454,7 +2454,7 @@
             <a:fld id="{1D8BD707-D9CF-40AE-B4C6-C98DA3205C09}" type="datetimeFigureOut">
               <a:rPr lang="en-US" smtClean="0"/>
               <a:pPr/>
-              <a:t>11/18/2018</a:t>
+              <a:t>11/20/2018</a:t>
             </a:fld>
             <a:endParaRPr lang="en-US"/>
           </a:p>
@@ -2820,7 +2820,7 @@
             <a:fld id="{1D8BD707-D9CF-40AE-B4C6-C98DA3205C09}" type="datetimeFigureOut">
               <a:rPr lang="en-US" smtClean="0"/>
               <a:pPr/>
-              <a:t>11/18/2018</a:t>
+              <a:t>11/20/2018</a:t>
             </a:fld>
             <a:endParaRPr lang="en-US"/>
           </a:p>
@@ -3177,7 +3177,7 @@
             <a:fld id="{1D8BD707-D9CF-40AE-B4C6-C98DA3205C09}" type="datetimeFigureOut">
               <a:rPr lang="en-US" smtClean="0"/>
               <a:pPr/>
-              <a:t>11/18/2018</a:t>
+              <a:t>11/20/2018</a:t>
             </a:fld>
             <a:endParaRPr lang="en-US"/>
           </a:p>
@@ -3653,7 +3653,7 @@
             </a:r>
             <a:r>
               <a:rPr lang="en-US" sz="3600" dirty="0" smtClean="0"/>
-              <a:t>TypeScript Programming</a:t>
+              <a:t>TypeScript</a:t>
             </a:r>
             <a:endParaRPr lang="he-IL" sz="3600" dirty="0"/>
           </a:p>
@@ -3813,11 +3813,16 @@
             </a:r>
             <a:r>
               <a:rPr lang="en-US" sz="2000" dirty="0" smtClean="0"/>
-              <a:t>the compiler </a:t>
-            </a:r>
+              <a:t>the compiler requires every</a:t>
+            </a:r>
+          </a:p>
+          <a:p>
+            <a:pPr algn="l" rtl="0">
+              <a:buNone/>
+            </a:pPr>
             <a:r>
               <a:rPr lang="en-US" sz="2000" dirty="0" smtClean="0"/>
-              <a:t>requires every</a:t>
+              <a:t>reference to a local variable of a type that doesn’t include</a:t>
             </a:r>
           </a:p>
           <a:p>
@@ -3826,82 +3831,16 @@
             </a:pPr>
             <a:r>
               <a:rPr lang="en-US" sz="2000" dirty="0" smtClean="0"/>
-              <a:t>reference to a local variable </a:t>
-            </a:r>
+              <a:t>undefined to be in preceded by an assignment to that</a:t>
+            </a:r>
+          </a:p>
+          <a:p>
+            <a:pPr algn="l" rtl="0">
+              <a:buNone/>
+            </a:pPr>
             <a:r>
               <a:rPr lang="en-US" sz="2000" dirty="0" smtClean="0"/>
-              <a:t>of</a:t>
-            </a:r>
-            <a:r>
-              <a:rPr lang="en-US" sz="2000" dirty="0" smtClean="0"/>
-              <a:t> </a:t>
-            </a:r>
-            <a:r>
-              <a:rPr lang="en-US" sz="2000" dirty="0" smtClean="0"/>
-              <a:t>a </a:t>
-            </a:r>
-            <a:r>
-              <a:rPr lang="en-US" sz="2000" dirty="0" smtClean="0"/>
-              <a:t>type that </a:t>
-            </a:r>
-            <a:r>
-              <a:rPr lang="en-US" sz="2000" dirty="0" smtClean="0"/>
-              <a:t>doesn’t </a:t>
-            </a:r>
-            <a:r>
-              <a:rPr lang="en-US" sz="2000" dirty="0" smtClean="0"/>
-              <a:t>include</a:t>
-            </a:r>
-            <a:endParaRPr lang="en-US" sz="2000" dirty="0" smtClean="0"/>
-          </a:p>
-          <a:p>
-            <a:pPr algn="l" rtl="0">
-              <a:buNone/>
-            </a:pPr>
-            <a:r>
-              <a:rPr lang="en-US" sz="2000" dirty="0" smtClean="0"/>
-              <a:t>undefined</a:t>
-            </a:r>
-            <a:r>
-              <a:rPr lang="en-US" sz="2000" dirty="0" smtClean="0"/>
-              <a:t> to be </a:t>
-            </a:r>
-            <a:r>
-              <a:rPr lang="en-US" sz="2000" dirty="0" smtClean="0"/>
-              <a:t>in</a:t>
-            </a:r>
-            <a:r>
-              <a:rPr lang="en-US" sz="2000" dirty="0" smtClean="0"/>
-              <a:t> </a:t>
-            </a:r>
-            <a:r>
-              <a:rPr lang="en-US" sz="2000" dirty="0" smtClean="0"/>
-              <a:t>preceded </a:t>
-            </a:r>
-            <a:r>
-              <a:rPr lang="en-US" sz="2000" dirty="0" smtClean="0"/>
-              <a:t>by an assignment to </a:t>
-            </a:r>
-            <a:r>
-              <a:rPr lang="en-US" sz="2000" dirty="0" smtClean="0"/>
-              <a:t>that</a:t>
-            </a:r>
-          </a:p>
-          <a:p>
-            <a:pPr algn="l" rtl="0">
-              <a:buNone/>
-            </a:pPr>
-            <a:r>
-              <a:rPr lang="en-US" sz="2000" dirty="0" smtClean="0"/>
-              <a:t>variable every </a:t>
-            </a:r>
-            <a:r>
-              <a:rPr lang="en-US" sz="2000" dirty="0" smtClean="0"/>
-              <a:t>possible preceding code </a:t>
-            </a:r>
-            <a:r>
-              <a:rPr lang="en-US" sz="2000" dirty="0" smtClean="0"/>
-              <a:t>path.</a:t>
+              <a:t>variable every possible preceding code path.</a:t>
             </a:r>
             <a:endParaRPr lang="he-IL" sz="2000" dirty="0"/>
           </a:p>
@@ -4005,6 +3944,38 @@
               <a:rPr lang="en-US" sz="2400" dirty="0" smtClean="0"/>
               <a:t>Optional parameters and properties automatically </a:t>
             </a:r>
+          </a:p>
+          <a:p>
+            <a:pPr algn="l" rtl="0">
+              <a:buNone/>
+            </a:pPr>
+            <a:r>
+              <a:rPr lang="en-US" sz="2400" dirty="0" smtClean="0"/>
+              <a:t>have undefined added to their types, even when </a:t>
+            </a:r>
+          </a:p>
+          <a:p>
+            <a:pPr algn="l" rtl="0">
+              <a:buNone/>
+            </a:pPr>
+            <a:r>
+              <a:rPr lang="en-US" sz="2400" dirty="0" smtClean="0"/>
+              <a:t>their type annotations don’t specifically</a:t>
+            </a:r>
+          </a:p>
+          <a:p>
+            <a:pPr algn="l" rtl="0">
+              <a:buNone/>
+            </a:pPr>
+            <a:r>
+              <a:rPr lang="en-US" sz="2400" dirty="0" smtClean="0"/>
+              <a:t>include undefined.</a:t>
+            </a:r>
+          </a:p>
+          <a:p>
+            <a:pPr algn="l" rtl="0">
+              <a:buNone/>
+            </a:pPr>
             <a:endParaRPr lang="en-US" sz="2400" dirty="0" smtClean="0"/>
           </a:p>
           <a:p>
@@ -4012,59 +3983,9 @@
               <a:buNone/>
             </a:pPr>
             <a:r>
-              <a:rPr lang="en-US" sz="2400" dirty="0" smtClean="0"/>
-              <a:t>have undefined added to their types, even </a:t>
-            </a:r>
-            <a:r>
-              <a:rPr lang="en-US" sz="2400" dirty="0" smtClean="0"/>
-              <a:t>when </a:t>
-            </a:r>
-          </a:p>
-          <a:p>
-            <a:pPr algn="l" rtl="0">
-              <a:buNone/>
-            </a:pPr>
-            <a:r>
-              <a:rPr lang="en-US" sz="2400" dirty="0" smtClean="0"/>
-              <a:t>their type annotations don’t </a:t>
-            </a:r>
-            <a:r>
-              <a:rPr lang="en-US" sz="2400" dirty="0" smtClean="0"/>
-              <a:t>specifically</a:t>
-            </a:r>
-          </a:p>
-          <a:p>
-            <a:pPr algn="l" rtl="0">
-              <a:buNone/>
-            </a:pPr>
-            <a:r>
-              <a:rPr lang="en-US" sz="2400" dirty="0" smtClean="0"/>
-              <a:t>include undefined</a:t>
-            </a:r>
-            <a:r>
-              <a:rPr lang="en-US" sz="2400" dirty="0" smtClean="0"/>
-              <a:t>.</a:t>
-            </a:r>
-          </a:p>
-          <a:p>
-            <a:pPr algn="l" rtl="0">
-              <a:buNone/>
-            </a:pPr>
-            <a:endParaRPr lang="en-US" sz="2400" dirty="0" smtClean="0"/>
-          </a:p>
-          <a:p>
-            <a:pPr algn="l" rtl="0">
-              <a:buNone/>
-            </a:pPr>
-            <a:r>
               <a:rPr lang="en-US" sz="2300" dirty="0" smtClean="0"/>
-              <a:t>For </a:t>
-            </a:r>
-            <a:r>
-              <a:rPr lang="en-US" sz="2300" dirty="0" smtClean="0"/>
-              <a:t>example, the following two types </a:t>
-            </a:r>
-            <a:endParaRPr lang="en-US" sz="2300" dirty="0" smtClean="0"/>
+              <a:t>For example, the following two types </a:t>
+            </a:r>
           </a:p>
           <a:p>
             <a:pPr algn="l" rtl="0">
@@ -4185,22 +4106,14 @@
             <a:pPr algn="l" rtl="0"/>
             <a:r>
               <a:rPr lang="en-US" dirty="0" smtClean="0"/>
-              <a:t>In APIs, null is often retrieved in a place where an object can be expected but no object is relevant</a:t>
-            </a:r>
-            <a:r>
-              <a:rPr lang="en-US" dirty="0" smtClean="0"/>
-              <a:t>.</a:t>
+              <a:t>In APIs, null is often retrieved in a place where an object can be expected but no object is relevant.</a:t>
             </a:r>
           </a:p>
           <a:p>
             <a:pPr algn="l" rtl="0"/>
             <a:r>
               <a:rPr lang="en-US" dirty="0" smtClean="0"/>
-              <a:t>Something </a:t>
-            </a:r>
-            <a:r>
-              <a:rPr lang="en-US" dirty="0" smtClean="0"/>
-              <a:t>hasn't been initialized :</a:t>
+              <a:t>Something hasn't been initialized :</a:t>
             </a:r>
             <a:r>
               <a:rPr lang="en-US" b="1" dirty="0" smtClean="0"/>
@@ -4313,45 +4226,21 @@
             </a:r>
             <a:r>
               <a:rPr lang="en-US" dirty="0" smtClean="0"/>
-              <a:t> values), but none of them equals true or </a:t>
-            </a:r>
-            <a:r>
-              <a:rPr lang="en-US" dirty="0" smtClean="0"/>
-              <a:t>false.</a:t>
+              <a:t> values), but none of them equals true or false.</a:t>
             </a:r>
           </a:p>
           <a:p>
             <a:pPr algn="l" rtl="0"/>
             <a:r>
               <a:rPr lang="en-US" dirty="0" smtClean="0"/>
-              <a:t>In JavaScript, </a:t>
-            </a:r>
-            <a:r>
-              <a:rPr lang="en-US" dirty="0" smtClean="0"/>
-              <a:t>undefined has its own data type (undefined), null is only an </a:t>
-            </a:r>
-            <a:r>
-              <a:rPr lang="en-US" dirty="0" smtClean="0"/>
-              <a:t>object.</a:t>
+              <a:t>In JavaScript, undefined has its own data type (undefined), null is only an object.</a:t>
             </a:r>
           </a:p>
           <a:p>
             <a:pPr algn="l" rtl="0"/>
             <a:r>
               <a:rPr lang="en-US" dirty="0" smtClean="0"/>
-              <a:t>In JavaScript, </a:t>
-            </a:r>
-            <a:r>
-              <a:rPr lang="en-US" dirty="0" smtClean="0"/>
-              <a:t>null </a:t>
-            </a:r>
-            <a:r>
-              <a:rPr lang="en-US" dirty="0" smtClean="0"/>
-              <a:t>is treated as 0 in basic arithmetic operations, undefined returns </a:t>
-            </a:r>
-            <a:r>
-              <a:rPr lang="en-US" dirty="0" smtClean="0"/>
-              <a:t>‘</a:t>
+              <a:t>In JavaScript, null is treated as 0 in basic arithmetic operations, undefined returns ‘</a:t>
             </a:r>
             <a:r>
               <a:rPr lang="en-US" dirty="0" err="1" smtClean="0"/>
@@ -4361,7 +4250,6 @@
               <a:rPr lang="en-US" dirty="0" smtClean="0"/>
               <a:t>’</a:t>
             </a:r>
-            <a:endParaRPr lang="en-US" dirty="0" smtClean="0"/>
           </a:p>
           <a:p>
             <a:pPr algn="l" rtl="0"/>
@@ -4651,10 +4539,6 @@
               <a:rPr lang="en-US" dirty="0" smtClean="0"/>
               <a:t>);</a:t>
             </a:r>
-            <a:r>
-              <a:rPr lang="en-US" dirty="0" smtClean="0"/>
-              <a:t/>
-            </a:r>
             <a:br>
               <a:rPr lang="en-US" dirty="0" smtClean="0"/>
             </a:br>
@@ -4664,15 +4548,7 @@
                   <a:srgbClr val="92D050"/>
                 </a:solidFill>
               </a:rPr>
-              <a:t>// </a:t>
-            </a:r>
-            <a:r>
-              <a:rPr lang="en-US" dirty="0" smtClean="0">
-                <a:solidFill>
-                  <a:srgbClr val="92D050"/>
-                </a:solidFill>
-              </a:rPr>
-              <a:t>bye</a:t>
+              <a:t>// bye</a:t>
             </a:r>
           </a:p>
           <a:p>
@@ -4710,15 +4586,7 @@
                   <a:srgbClr val="92D050"/>
                 </a:solidFill>
               </a:rPr>
-              <a:t>// </a:t>
-            </a:r>
-            <a:r>
-              <a:rPr lang="en-US" dirty="0" smtClean="0">
-                <a:solidFill>
-                  <a:srgbClr val="92D050"/>
-                </a:solidFill>
-              </a:rPr>
-              <a:t>hi</a:t>
+              <a:t>// hi</a:t>
             </a:r>
           </a:p>
           <a:p>
@@ -4914,11 +4782,7 @@
             <a:pPr rtl="0"/>
             <a:r>
               <a:rPr lang="en-US" sz="4000" dirty="0" smtClean="0"/>
-              <a:t>‘This</a:t>
-            </a:r>
-            <a:r>
-              <a:rPr lang="en-US" sz="4000" dirty="0" smtClean="0"/>
-              <a:t>’ key word and Closure</a:t>
+              <a:t>‘This’ key word and Closure</a:t>
             </a:r>
           </a:p>
         </p:txBody>
@@ -4941,11 +4805,7 @@
             <a:pPr algn="l" rtl="0"/>
             <a:r>
               <a:rPr lang="en-US" dirty="0" smtClean="0"/>
-              <a:t>The this keyword in JavaScript (and thus TypeScript) behaves differently than it does in many other </a:t>
-            </a:r>
-            <a:r>
-              <a:rPr lang="en-US" dirty="0" smtClean="0"/>
-              <a:t>languages.</a:t>
+              <a:t>The this keyword in JavaScript (and thus TypeScript) behaves differently than it does in many other languages.</a:t>
             </a:r>
           </a:p>
           <a:p>
@@ -4999,11 +4859,7 @@
             <a:pPr rtl="0"/>
             <a:r>
               <a:rPr lang="en-US" sz="4000" dirty="0" smtClean="0"/>
-              <a:t>‘This</a:t>
-            </a:r>
-            <a:r>
-              <a:rPr lang="en-US" sz="4000" dirty="0" smtClean="0"/>
-              <a:t>’ key word and Closure</a:t>
+              <a:t>‘This’ key word and Closure</a:t>
             </a:r>
           </a:p>
         </p:txBody>
@@ -5030,11 +4886,7 @@
             </a:pPr>
             <a:r>
               <a:rPr lang="en-US" dirty="0" smtClean="0"/>
-              <a:t>What </a:t>
-            </a:r>
-            <a:r>
-              <a:rPr lang="en-US" dirty="0" smtClean="0"/>
-              <a:t>is </a:t>
+              <a:t>What is </a:t>
             </a:r>
             <a:r>
               <a:rPr lang="en-US" b="1" dirty="0" smtClean="0"/>
@@ -5042,11 +4894,7 @@
             </a:r>
             <a:r>
               <a:rPr lang="en-US" dirty="0" smtClean="0"/>
-              <a:t> in JavaScript</a:t>
-            </a:r>
-            <a:r>
-              <a:rPr lang="en-US" dirty="0" smtClean="0"/>
-              <a:t>?</a:t>
+              <a:t> in JavaScript?</a:t>
             </a:r>
           </a:p>
           <a:p>
@@ -5061,24 +4909,16 @@
             </a:pPr>
             <a:r>
               <a:rPr lang="en-US" dirty="0" smtClean="0"/>
-              <a:t>When a function is invoked in JavaScript, you </a:t>
-            </a:r>
-            <a:r>
-              <a:rPr lang="en-US" dirty="0" smtClean="0"/>
-              <a:t>can</a:t>
-            </a:r>
-          </a:p>
-          <a:p>
-            <a:pPr algn="l" rtl="0">
-              <a:buNone/>
-            </a:pPr>
-            <a:r>
-              <a:rPr lang="en-US" dirty="0" smtClean="0"/>
-              <a:t>follow these steps to determine what this will </a:t>
-            </a:r>
-            <a:r>
-              <a:rPr lang="en-US" dirty="0" smtClean="0"/>
-              <a:t>be</a:t>
+              <a:t>When a function is invoked in JavaScript, you can</a:t>
+            </a:r>
+          </a:p>
+          <a:p>
+            <a:pPr algn="l" rtl="0">
+              <a:buNone/>
+            </a:pPr>
+            <a:r>
+              <a:rPr lang="en-US" dirty="0" smtClean="0"/>
+              <a:t>follow these steps to determine what this will be</a:t>
             </a:r>
           </a:p>
           <a:p>
@@ -5108,23 +4948,14 @@
             </a:r>
             <a:r>
               <a:rPr lang="en-US" dirty="0" smtClean="0"/>
-              <a:t>, this will be the argument given to </a:t>
-            </a:r>
-            <a:r>
-              <a:rPr lang="en-US" dirty="0" smtClean="0"/>
-              <a:t>bind.</a:t>
-            </a:r>
-            <a:endParaRPr lang="en-US" dirty="0" smtClean="0"/>
+              <a:t>, this will be the argument given to bind.</a:t>
+            </a:r>
           </a:p>
           <a:p>
             <a:pPr algn="l" rtl="0"/>
             <a:r>
               <a:rPr lang="en-US" dirty="0" smtClean="0"/>
-              <a:t>If the function was invoked in </a:t>
-            </a:r>
-            <a:r>
-              <a:rPr lang="en-US" dirty="0" smtClean="0"/>
-              <a:t>the form </a:t>
+              <a:t>If the function was invoked in the form </a:t>
             </a:r>
             <a:r>
               <a:rPr lang="en-US" dirty="0" err="1" smtClean="0"/>
@@ -5132,11 +4963,7 @@
             </a:r>
             <a:r>
               <a:rPr lang="en-US" dirty="0" smtClean="0"/>
-              <a:t>(), this</a:t>
-            </a:r>
-            <a:r>
-              <a:rPr lang="en-US" dirty="0" smtClean="0"/>
-              <a:t> will be </a:t>
+              <a:t>(), this will be </a:t>
             </a:r>
             <a:r>
               <a:rPr lang="en-US" dirty="0" err="1" smtClean="0"/>
@@ -5151,29 +4978,15 @@
             <a:pPr algn="l" rtl="0"/>
             <a:r>
               <a:rPr lang="en-US" dirty="0" smtClean="0"/>
-              <a:t>If </a:t>
-            </a:r>
-            <a:r>
-              <a:rPr lang="en-US" dirty="0" smtClean="0"/>
-              <a:t>in strict mode, this will be </a:t>
-            </a:r>
-            <a:r>
-              <a:rPr lang="en-US" dirty="0" smtClean="0"/>
-              <a:t>undefined.</a:t>
-            </a:r>
-            <a:endParaRPr lang="en-US" dirty="0" smtClean="0"/>
+              <a:t>If in strict mode, this will be undefined.</a:t>
+            </a:r>
           </a:p>
           <a:p>
             <a:pPr algn="l" rtl="0"/>
             <a:r>
               <a:rPr lang="en-US" dirty="0" smtClean="0"/>
-              <a:t>Otherwise, this will be the global object (window in a browser</a:t>
-            </a:r>
-            <a:r>
-              <a:rPr lang="en-US" dirty="0" smtClean="0"/>
-              <a:t>).</a:t>
-            </a:r>
-            <a:endParaRPr lang="en-US" dirty="0" smtClean="0"/>
+              <a:t>Otherwise, this will be the global object (window in a browser).</a:t>
+            </a:r>
           </a:p>
           <a:p>
             <a:pPr algn="l" rtl="0">
@@ -5228,11 +5041,7 @@
             <a:pPr rtl="0"/>
             <a:r>
               <a:rPr lang="en-US" sz="4000" dirty="0" smtClean="0"/>
-              <a:t>‘This</a:t>
-            </a:r>
-            <a:r>
-              <a:rPr lang="en-US" sz="4000" dirty="0" smtClean="0"/>
-              <a:t>’ key word and Closure</a:t>
+              <a:t>‘This’ key word and Closure</a:t>
             </a:r>
           </a:p>
         </p:txBody>
@@ -5259,11 +5068,7 @@
             </a:pPr>
             <a:r>
               <a:rPr lang="en-US" sz="2200" dirty="0" smtClean="0"/>
-              <a:t>What </a:t>
-            </a:r>
-            <a:r>
-              <a:rPr lang="en-US" sz="2200" dirty="0" smtClean="0"/>
-              <a:t>is </a:t>
+              <a:t>What is </a:t>
             </a:r>
             <a:r>
               <a:rPr lang="en-US" sz="2200" b="1" dirty="0" smtClean="0"/>
@@ -5271,11 +5076,7 @@
             </a:r>
             <a:r>
               <a:rPr lang="en-US" sz="2200" dirty="0" smtClean="0"/>
-              <a:t> in JavaScript</a:t>
-            </a:r>
-            <a:r>
-              <a:rPr lang="en-US" sz="2200" dirty="0" smtClean="0"/>
-              <a:t>?</a:t>
+              <a:t> in JavaScript?</a:t>
             </a:r>
           </a:p>
           <a:p>
@@ -5400,15 +5201,7 @@
             <a:pPr algn="l" rtl="0"/>
             <a:r>
               <a:rPr lang="en-US" sz="2800" dirty="0" smtClean="0"/>
-              <a:t>Null </a:t>
-            </a:r>
-            <a:r>
-              <a:rPr lang="en-US" sz="2800" dirty="0" smtClean="0"/>
-              <a:t>and </a:t>
-            </a:r>
-            <a:r>
-              <a:rPr lang="en-US" sz="2800" dirty="0" smtClean="0"/>
-              <a:t>Undefined</a:t>
+              <a:t>Null and Undefined</a:t>
             </a:r>
           </a:p>
           <a:p>
@@ -5450,15 +5243,7 @@
             <a:pPr algn="l" rtl="0"/>
             <a:r>
               <a:rPr lang="en-US" sz="2800" dirty="0" smtClean="0"/>
-              <a:t>‘for’, ‘of</a:t>
-            </a:r>
-            <a:r>
-              <a:rPr lang="en-US" sz="2800" dirty="0" smtClean="0"/>
-              <a:t>’, ‘</a:t>
-            </a:r>
-            <a:r>
-              <a:rPr lang="en-US" sz="2800" dirty="0" smtClean="0"/>
-              <a:t>in’ key words and iterators</a:t>
+              <a:t>‘for’, ‘of’, ‘in’ key words and iterators</a:t>
             </a:r>
           </a:p>
           <a:p>
@@ -5560,11 +5345,7 @@
             <a:pPr rtl="0"/>
             <a:r>
               <a:rPr lang="en-US" sz="4000" dirty="0" smtClean="0"/>
-              <a:t>‘This</a:t>
-            </a:r>
-            <a:r>
-              <a:rPr lang="en-US" sz="4000" dirty="0" smtClean="0"/>
-              <a:t>’ key word and Closure</a:t>
+              <a:t>‘This’ key word and Closure</a:t>
             </a:r>
           </a:p>
         </p:txBody>
@@ -5608,11 +5389,7 @@
             </a:pPr>
             <a:r>
               <a:rPr lang="en-US" sz="2000" dirty="0" smtClean="0"/>
-              <a:t>The biggest red flag you can keep in mind is </a:t>
-            </a:r>
-            <a:r>
-              <a:rPr lang="en-US" sz="2000" dirty="0" smtClean="0"/>
-              <a:t>the</a:t>
+              <a:t>The biggest red flag you can keep in mind is the</a:t>
             </a:r>
           </a:p>
           <a:p>
@@ -5623,7 +5400,6 @@
               <a:rPr lang="en-US" sz="2000" dirty="0" smtClean="0"/>
               <a:t>use of a class method without immediately </a:t>
             </a:r>
-            <a:endParaRPr lang="en-US" sz="2000" dirty="0" smtClean="0"/>
           </a:p>
           <a:p>
             <a:pPr algn="l" rtl="0">
@@ -5631,25 +5407,16 @@
             </a:pPr>
             <a:r>
               <a:rPr lang="en-US" sz="2000" dirty="0" smtClean="0"/>
-              <a:t>invoking </a:t>
-            </a:r>
+              <a:t>invoking it. </a:t>
+            </a:r>
+          </a:p>
+          <a:p>
+            <a:pPr algn="l" rtl="0">
+              <a:buNone/>
+            </a:pPr>
             <a:r>
               <a:rPr lang="en-US" sz="2000" dirty="0" smtClean="0"/>
-              <a:t>it. </a:t>
-            </a:r>
-            <a:endParaRPr lang="en-US" sz="2000" dirty="0" smtClean="0"/>
-          </a:p>
-          <a:p>
-            <a:pPr algn="l" rtl="0">
-              <a:buNone/>
-            </a:pPr>
-            <a:r>
-              <a:rPr lang="en-US" sz="2000" dirty="0" smtClean="0"/>
-              <a:t>Any time you see a class method </a:t>
-            </a:r>
-            <a:r>
-              <a:rPr lang="en-US" sz="2000" dirty="0" smtClean="0"/>
-              <a:t>being referenced</a:t>
+              <a:t>Any time you see a class method being referenced</a:t>
             </a:r>
           </a:p>
           <a:p>
@@ -5667,11 +5434,7 @@
             </a:pPr>
             <a:r>
               <a:rPr lang="en-US" sz="2000" dirty="0" smtClean="0"/>
-              <a:t>expression</a:t>
-            </a:r>
-            <a:r>
-              <a:rPr lang="en-US" sz="2000" dirty="0" smtClean="0"/>
-              <a:t>, this might be incorrect.</a:t>
+              <a:t>expression, this might be incorrect.</a:t>
             </a:r>
             <a:endParaRPr lang="en-US" sz="2000" b="1" dirty="0" smtClean="0"/>
           </a:p>
@@ -5773,11 +5536,7 @@
             <a:pPr rtl="0"/>
             <a:r>
               <a:rPr lang="en-US" sz="4000" dirty="0" smtClean="0"/>
-              <a:t>‘This</a:t>
-            </a:r>
-            <a:r>
-              <a:rPr lang="en-US" sz="4000" dirty="0" smtClean="0"/>
-              <a:t>’ key word and Closure</a:t>
+              <a:t>‘This’ key word and Closure</a:t>
             </a:r>
           </a:p>
         </p:txBody>
@@ -5833,11 +5592,7 @@
             </a:pPr>
             <a:r>
               <a:rPr lang="en-US" sz="2000" dirty="0" smtClean="0"/>
-              <a:t>s</a:t>
-            </a:r>
-            <a:r>
-              <a:rPr lang="en-US" sz="2000" dirty="0" smtClean="0"/>
-              <a:t>o </a:t>
+              <a:t>so </a:t>
             </a:r>
             <a:r>
               <a:rPr lang="en-US" sz="2000" dirty="0" smtClean="0">
@@ -5851,7 +5606,6 @@
               <a:rPr lang="en-US" sz="2000" dirty="0" smtClean="0"/>
               <a:t>as a variable or property name.</a:t>
             </a:r>
-            <a:endParaRPr lang="en-US" sz="2000" dirty="0" smtClean="0"/>
           </a:p>
         </p:txBody>
       </p:sp>
@@ -5907,11 +5661,7 @@
             <a:pPr rtl="0"/>
             <a:r>
               <a:rPr lang="en-US" sz="4000" dirty="0" smtClean="0"/>
-              <a:t>‘This</a:t>
-            </a:r>
-            <a:r>
-              <a:rPr lang="en-US" sz="4000" dirty="0" smtClean="0"/>
-              <a:t>’ key word and Closure</a:t>
+              <a:t>‘This’ key word and Closure</a:t>
             </a:r>
           </a:p>
         </p:txBody>
@@ -6103,11 +5853,7 @@
             <a:pPr rtl="0"/>
             <a:r>
               <a:rPr lang="en-US" sz="4000" dirty="0" smtClean="0"/>
-              <a:t>‘This</a:t>
-            </a:r>
-            <a:r>
-              <a:rPr lang="en-US" sz="4000" dirty="0" smtClean="0"/>
-              <a:t>’ key word and Closure</a:t>
+              <a:t>‘This’ key word and Closure</a:t>
             </a:r>
           </a:p>
         </p:txBody>
@@ -6136,7 +5882,6 @@
               <a:rPr lang="en-US" sz="2000" dirty="0" smtClean="0"/>
               <a:t>The TypeScript compiler applies this type of transformation </a:t>
             </a:r>
-            <a:endParaRPr lang="en-US" sz="2000" dirty="0" smtClean="0"/>
           </a:p>
           <a:p>
             <a:pPr algn="l" rtl="0">
@@ -6144,25 +5889,16 @@
             </a:pPr>
             <a:r>
               <a:rPr lang="en-US" sz="2000" dirty="0" smtClean="0"/>
-              <a:t>to </a:t>
-            </a:r>
+              <a:t>to rewrite arrow function expressions into standard function </a:t>
+            </a:r>
+          </a:p>
+          <a:p>
+            <a:pPr algn="l" rtl="0">
+              <a:buNone/>
+            </a:pPr>
             <a:r>
               <a:rPr lang="en-US" sz="2000" dirty="0" smtClean="0"/>
-              <a:t>rewrite arrow function expressions into standard function </a:t>
-            </a:r>
-            <a:endParaRPr lang="en-US" sz="2000" dirty="0" smtClean="0"/>
-          </a:p>
-          <a:p>
-            <a:pPr algn="l" rtl="0">
-              <a:buNone/>
-            </a:pPr>
-            <a:r>
-              <a:rPr lang="en-US" sz="2000" dirty="0" smtClean="0"/>
-              <a:t>expressions</a:t>
-            </a:r>
-            <a:r>
-              <a:rPr lang="en-US" sz="2000" dirty="0" smtClean="0"/>
-              <a:t>.</a:t>
+              <a:t>expressions.</a:t>
             </a:r>
           </a:p>
         </p:txBody>
@@ -6219,11 +5955,7 @@
             <a:pPr rtl="0"/>
             <a:r>
               <a:rPr lang="en-US" sz="4000" dirty="0" smtClean="0"/>
-              <a:t>‘This</a:t>
-            </a:r>
-            <a:r>
-              <a:rPr lang="en-US" sz="4000" dirty="0" smtClean="0"/>
-              <a:t>’ key word and Closure</a:t>
+              <a:t>‘This’ key word and Closure</a:t>
             </a:r>
           </a:p>
         </p:txBody>
@@ -6256,43 +5988,29 @@
               <a:rPr lang="en-US" sz="2000" dirty="0" smtClean="0"/>
               <a:t> </a:t>
             </a:r>
+          </a:p>
+          <a:p>
+            <a:pPr algn="l" rtl="0">
+              <a:buNone/>
+            </a:pPr>
             <a:endParaRPr lang="en-US" sz="2000" dirty="0" smtClean="0"/>
           </a:p>
           <a:p>
             <a:pPr algn="l" rtl="0">
               <a:buNone/>
             </a:pPr>
-            <a:endParaRPr lang="en-US" sz="2000" dirty="0" smtClean="0"/>
-          </a:p>
-          <a:p>
-            <a:pPr algn="l" rtl="0">
-              <a:buNone/>
-            </a:pPr>
             <a:r>
               <a:rPr lang="en-US" sz="2000" dirty="0" smtClean="0"/>
-              <a:t>A </a:t>
-            </a:r>
+              <a:t>A function in JavaScript has access to any variables defined </a:t>
+            </a:r>
+          </a:p>
+          <a:p>
+            <a:pPr algn="l" rtl="0">
+              <a:buNone/>
+            </a:pPr>
             <a:r>
               <a:rPr lang="en-US" sz="2000" dirty="0" smtClean="0"/>
-              <a:t>function in JavaScript has access to any variables defined </a:t>
-            </a:r>
-            <a:endParaRPr lang="en-US" sz="2000" dirty="0" smtClean="0"/>
-          </a:p>
-          <a:p>
-            <a:pPr algn="l" rtl="0">
-              <a:buNone/>
-            </a:pPr>
-            <a:r>
-              <a:rPr lang="en-US" sz="2000" dirty="0" smtClean="0"/>
-              <a:t>in </a:t>
-            </a:r>
-            <a:r>
-              <a:rPr lang="en-US" sz="2000" dirty="0" smtClean="0"/>
-              <a:t>the outer </a:t>
-            </a:r>
-            <a:r>
-              <a:rPr lang="en-US" sz="2000" dirty="0" smtClean="0"/>
-              <a:t>scope.</a:t>
+              <a:t>in the outer scope.</a:t>
             </a:r>
           </a:p>
           <a:p>
@@ -6381,11 +6099,7 @@
             <a:pPr rtl="0"/>
             <a:r>
               <a:rPr lang="en-US" sz="4000" dirty="0" smtClean="0"/>
-              <a:t>‘This</a:t>
-            </a:r>
-            <a:r>
-              <a:rPr lang="en-US" sz="4000" dirty="0" smtClean="0"/>
-              <a:t>’ key word and Closure</a:t>
+              <a:t>‘This’ key word and Closure</a:t>
             </a:r>
           </a:p>
         </p:txBody>
@@ -6418,7 +6132,6 @@
               <a:rPr lang="en-US" sz="2000" dirty="0" smtClean="0"/>
               <a:t> </a:t>
             </a:r>
-            <a:endParaRPr lang="en-US" sz="2000" dirty="0" smtClean="0"/>
           </a:p>
           <a:p>
             <a:pPr algn="l" rtl="0">
@@ -6434,7 +6147,6 @@
               <a:rPr lang="en-US" sz="2000" dirty="0" smtClean="0"/>
               <a:t>You can see that the inner function has access to a variable </a:t>
             </a:r>
-            <a:endParaRPr lang="en-US" sz="2000" dirty="0" smtClean="0"/>
           </a:p>
           <a:p>
             <a:pPr algn="l" rtl="0">
@@ -6452,7 +6164,6 @@
               <a:rPr lang="en-US" sz="2000" dirty="0" smtClean="0"/>
               <a:t>) from the outer scope. </a:t>
             </a:r>
-            <a:endParaRPr lang="en-US" sz="2000" dirty="0" smtClean="0"/>
           </a:p>
           <a:p>
             <a:pPr algn="l" rtl="0">
@@ -6460,13 +6171,17 @@
             </a:pPr>
             <a:r>
               <a:rPr lang="en-US" sz="2000" dirty="0" smtClean="0"/>
-              <a:t>The variables </a:t>
-            </a:r>
+              <a:t>The variables in the outer function have been closed by (or </a:t>
+            </a:r>
+          </a:p>
+          <a:p>
+            <a:pPr algn="l" rtl="0">
+              <a:buNone/>
+            </a:pPr>
             <a:r>
               <a:rPr lang="en-US" sz="2000" dirty="0" smtClean="0"/>
-              <a:t>in the outer function have been closed by (or </a:t>
-            </a:r>
-            <a:endParaRPr lang="en-US" sz="2000" dirty="0" smtClean="0"/>
+              <a:t>bound in) the inner function. </a:t>
+            </a:r>
           </a:p>
           <a:p>
             <a:pPr algn="l" rtl="0">
@@ -6474,25 +6189,7 @@
             </a:pPr>
             <a:r>
               <a:rPr lang="en-US" sz="2000" dirty="0" smtClean="0"/>
-              <a:t>bound in</a:t>
-            </a:r>
-            <a:r>
-              <a:rPr lang="en-US" sz="2000" dirty="0" smtClean="0"/>
-              <a:t>) the inner function. </a:t>
-            </a:r>
-            <a:endParaRPr lang="en-US" sz="2000" dirty="0" smtClean="0"/>
-          </a:p>
-          <a:p>
-            <a:pPr algn="l" rtl="0">
-              <a:buNone/>
-            </a:pPr>
-            <a:r>
-              <a:rPr lang="en-US" sz="2000" dirty="0" smtClean="0"/>
-              <a:t>Hence </a:t>
-            </a:r>
-            <a:r>
-              <a:rPr lang="en-US" sz="2000" dirty="0" smtClean="0"/>
-              <a:t>the term </a:t>
+              <a:t>Hence the term </a:t>
             </a:r>
             <a:r>
               <a:rPr lang="en-US" sz="2000" b="1" dirty="0" smtClean="0"/>
@@ -6502,7 +6199,6 @@
               <a:rPr lang="en-US" sz="2000" dirty="0" smtClean="0"/>
               <a:t>. </a:t>
             </a:r>
-            <a:endParaRPr lang="en-US" sz="2000" dirty="0" smtClean="0"/>
           </a:p>
           <a:p>
             <a:pPr algn="l" rtl="0">
@@ -6510,19 +6206,7 @@
             </a:pPr>
             <a:r>
               <a:rPr lang="en-US" sz="2000" dirty="0" smtClean="0"/>
-              <a:t>The </a:t>
-            </a:r>
-            <a:r>
-              <a:rPr lang="en-US" sz="2000" dirty="0" smtClean="0"/>
-              <a:t>concept </a:t>
-            </a:r>
-            <a:r>
-              <a:rPr lang="en-US" sz="2000" dirty="0" smtClean="0"/>
-              <a:t>in </a:t>
-            </a:r>
-            <a:r>
-              <a:rPr lang="en-US" sz="2000" dirty="0" smtClean="0"/>
-              <a:t>itself is simple enough and pretty intuitive.</a:t>
+              <a:t>The concept in itself is simple enough and pretty intuitive.</a:t>
             </a:r>
           </a:p>
         </p:txBody>
@@ -6579,11 +6263,7 @@
             <a:pPr rtl="0"/>
             <a:r>
               <a:rPr lang="en-US" sz="4000" dirty="0" smtClean="0"/>
-              <a:t>‘This</a:t>
-            </a:r>
-            <a:r>
-              <a:rPr lang="en-US" sz="4000" dirty="0" smtClean="0"/>
-              <a:t>’ key word and Closure</a:t>
+              <a:t>‘This’ key word and Closure</a:t>
             </a:r>
           </a:p>
         </p:txBody>
@@ -6625,11 +6305,7 @@
             </a:pPr>
             <a:r>
               <a:rPr lang="en-US" sz="2000" dirty="0" smtClean="0"/>
-              <a:t>How to achieve private members in JavaScript?</a:t>
-            </a:r>
-            <a:r>
-              <a:rPr lang="en-US" sz="2000" dirty="0" smtClean="0"/>
-              <a:t> </a:t>
+              <a:t>How to achieve private members in JavaScript? </a:t>
             </a:r>
           </a:p>
         </p:txBody>
@@ -6712,11 +6388,7 @@
             <a:pPr rtl="0"/>
             <a:r>
               <a:rPr lang="en-US" sz="3600" dirty="0" smtClean="0"/>
-              <a:t>‘var’, ‘let’ and ‘</a:t>
-            </a:r>
-            <a:r>
-              <a:rPr lang="en-US" sz="3600" dirty="0" smtClean="0"/>
-              <a:t>const’</a:t>
+              <a:t>‘var’, ‘let’ and ‘const’</a:t>
             </a:r>
             <a:endParaRPr lang="he-IL" sz="3600" dirty="0"/>
           </a:p>
@@ -6744,73 +6416,21 @@
             </a:r>
             <a:r>
               <a:rPr lang="en-US" dirty="0" smtClean="0"/>
-              <a:t> </a:t>
-            </a:r>
-            <a:r>
-              <a:rPr lang="en-US" dirty="0" smtClean="0"/>
-              <a:t>variables </a:t>
-            </a:r>
-            <a:r>
-              <a:rPr lang="en-US" dirty="0" smtClean="0"/>
-              <a:t>in JavaScript are function </a:t>
-            </a:r>
-            <a:r>
-              <a:rPr lang="en-US" dirty="0" smtClean="0"/>
-              <a:t>scoped.</a:t>
+              <a:t> variables in JavaScript are function scoped.</a:t>
             </a:r>
           </a:p>
           <a:p>
             <a:pPr algn="l" rtl="0"/>
             <a:r>
               <a:rPr lang="en-US" dirty="0" smtClean="0"/>
-              <a:t>{ </a:t>
-            </a:r>
-            <a:r>
-              <a:rPr lang="en-US" dirty="0" smtClean="0"/>
-              <a:t>does </a:t>
-            </a:r>
-            <a:r>
-              <a:rPr lang="en-US" dirty="0" smtClean="0"/>
-              <a:t>not create a </a:t>
-            </a:r>
-            <a:r>
-              <a:rPr lang="en-US" dirty="0" smtClean="0"/>
-              <a:t>new</a:t>
-            </a:r>
-            <a:r>
-              <a:rPr lang="en-US" dirty="0" smtClean="0"/>
-              <a:t> variable </a:t>
-            </a:r>
-            <a:r>
-              <a:rPr lang="en-US" dirty="0" smtClean="0"/>
-              <a:t>scope.</a:t>
+              <a:t>{ does not create a new variable scope.</a:t>
             </a:r>
           </a:p>
           <a:p>
             <a:pPr algn="l" rtl="0"/>
             <a:r>
               <a:rPr lang="en-US" dirty="0" smtClean="0"/>
-              <a:t>TypeScript </a:t>
-            </a:r>
-            <a:r>
-              <a:rPr lang="en-US" dirty="0" smtClean="0"/>
-              <a:t>(and ES6) introduces the </a:t>
-            </a:r>
-            <a:r>
-              <a:rPr lang="en-US" dirty="0" smtClean="0"/>
-              <a:t>let and const</a:t>
-            </a:r>
-            <a:r>
-              <a:rPr lang="en-US" dirty="0" smtClean="0"/>
-              <a:t> </a:t>
-            </a:r>
-            <a:r>
-              <a:rPr lang="en-US" dirty="0" smtClean="0"/>
-              <a:t>keywords </a:t>
-            </a:r>
-            <a:r>
-              <a:rPr lang="en-US" dirty="0" smtClean="0"/>
-              <a:t>to allow you to define variables with true block scope.</a:t>
+              <a:t>TypeScript (and ES6) introduces the let and const keywords to allow you to define variables with true block scope.</a:t>
             </a:r>
             <a:endParaRPr lang="he-IL" dirty="0"/>
           </a:p>
@@ -6913,11 +6533,7 @@
             <a:pPr rtl="0"/>
             <a:r>
               <a:rPr lang="en-US" sz="3600" dirty="0" smtClean="0"/>
-              <a:t>‘var’, ‘let’ and ‘</a:t>
-            </a:r>
-            <a:r>
-              <a:rPr lang="en-US" sz="3600" dirty="0" smtClean="0"/>
-              <a:t>const’</a:t>
+              <a:t>‘var’, ‘let’ and ‘const’</a:t>
             </a:r>
             <a:endParaRPr lang="he-IL" sz="3600" dirty="0"/>
           </a:p>
@@ -6941,11 +6557,7 @@
             <a:pPr algn="l" rtl="0"/>
             <a:r>
               <a:rPr lang="en-US" dirty="0" smtClean="0"/>
-              <a:t>Functions create a new </a:t>
-            </a:r>
-            <a:r>
-              <a:rPr lang="en-US" dirty="0" smtClean="0"/>
-              <a:t>scope.</a:t>
+              <a:t>Functions create a new scope.</a:t>
             </a:r>
           </a:p>
           <a:p>
@@ -7047,11 +6659,7 @@
             <a:pPr rtl="0"/>
             <a:r>
               <a:rPr lang="en-US" sz="3600" dirty="0" smtClean="0"/>
-              <a:t>‘var’, ‘let’ and ‘</a:t>
-            </a:r>
-            <a:r>
-              <a:rPr lang="en-US" sz="3600" dirty="0" smtClean="0"/>
-              <a:t>const’</a:t>
+              <a:t>‘var’, ‘let’ and ‘const’</a:t>
             </a:r>
             <a:endParaRPr lang="he-IL" sz="3600" dirty="0"/>
           </a:p>
@@ -7109,7 +6717,6 @@
               <a:rPr lang="en-US" dirty="0" smtClean="0"/>
               <a:t>; </a:t>
             </a:r>
-            <a:endParaRPr lang="en-US" dirty="0" smtClean="0"/>
           </a:p>
           <a:p>
             <a:pPr algn="l" rtl="0">
@@ -7125,11 +6732,7 @@
             </a:r>
             <a:r>
               <a:rPr lang="en-US" dirty="0" smtClean="0"/>
-              <a:t> </a:t>
-            </a:r>
-            <a:r>
-              <a:rPr lang="en-US" dirty="0" smtClean="0"/>
-              <a:t>(</a:t>
+              <a:t> (</a:t>
             </a:r>
             <a:r>
               <a:rPr lang="en-US" dirty="0" smtClean="0">
@@ -7143,7 +6746,6 @@
               <a:rPr lang="en-US" dirty="0" smtClean="0"/>
               <a:t>) { </a:t>
             </a:r>
-            <a:endParaRPr lang="en-US" dirty="0" smtClean="0"/>
           </a:p>
           <a:p>
             <a:pPr algn="l" rtl="0">
@@ -7185,7 +6787,6 @@
               <a:rPr lang="en-US" dirty="0" smtClean="0"/>
               <a:t>; </a:t>
             </a:r>
-            <a:endParaRPr lang="en-US" dirty="0" smtClean="0"/>
           </a:p>
           <a:p>
             <a:pPr algn="l" rtl="0">
@@ -7261,7 +6862,6 @@
               <a:rPr lang="en-US" dirty="0" smtClean="0"/>
               <a:t>; </a:t>
             </a:r>
-            <a:endParaRPr lang="en-US" dirty="0" smtClean="0"/>
           </a:p>
           <a:p>
             <a:pPr algn="l" rtl="0">
@@ -7277,11 +6877,7 @@
             </a:r>
             <a:r>
               <a:rPr lang="en-US" dirty="0" smtClean="0"/>
-              <a:t> </a:t>
-            </a:r>
-            <a:r>
-              <a:rPr lang="en-US" dirty="0" smtClean="0"/>
-              <a:t>(</a:t>
+              <a:t> (</a:t>
             </a:r>
             <a:r>
               <a:rPr lang="en-US" dirty="0" smtClean="0">
@@ -7295,7 +6891,6 @@
               <a:rPr lang="en-US" dirty="0" smtClean="0"/>
               <a:t>) { </a:t>
             </a:r>
-            <a:endParaRPr lang="en-US" dirty="0" smtClean="0"/>
           </a:p>
           <a:p>
             <a:pPr algn="l" rtl="0">
@@ -7315,11 +6910,7 @@
             </a:r>
             <a:r>
               <a:rPr lang="en-US" dirty="0" smtClean="0"/>
-              <a:t> </a:t>
-            </a:r>
-            <a:r>
-              <a:rPr lang="en-US" dirty="0" smtClean="0"/>
-              <a:t>foo_1 = </a:t>
+              <a:t> foo_1 = </a:t>
             </a:r>
             <a:r>
               <a:rPr lang="en-US" dirty="0" smtClean="0">
@@ -7333,7 +6924,6 @@
               <a:rPr lang="en-US" dirty="0" smtClean="0"/>
               <a:t>; </a:t>
             </a:r>
-            <a:endParaRPr lang="en-US" dirty="0" smtClean="0"/>
           </a:p>
           <a:p>
             <a:pPr algn="l" rtl="0">
@@ -7343,7 +6933,6 @@
               <a:rPr lang="en-US" dirty="0" smtClean="0"/>
               <a:t>}</a:t>
             </a:r>
-            <a:endParaRPr lang="en-US" dirty="0" smtClean="0"/>
           </a:p>
           <a:p>
             <a:pPr algn="l" rtl="0"/>
@@ -7560,11 +7149,7 @@
             <a:pPr rtl="0"/>
             <a:r>
               <a:rPr lang="en-US" sz="3600" dirty="0" smtClean="0"/>
-              <a:t>‘var’, ‘let’ and ‘</a:t>
-            </a:r>
-            <a:r>
-              <a:rPr lang="en-US" sz="3600" dirty="0" smtClean="0"/>
-              <a:t>const’</a:t>
+              <a:t>‘var’, ‘let’ and ‘const’</a:t>
             </a:r>
             <a:endParaRPr lang="he-IL" sz="3600" dirty="0"/>
           </a:p>
@@ -7711,130 +7296,28 @@
             <a:pPr algn="l" rtl="0"/>
             <a:r>
               <a:rPr lang="en-US" sz="1700" dirty="0" smtClean="0"/>
-              <a:t>Rest parameters </a:t>
-            </a:r>
+              <a:t>Rest parameters allow you to quickly accept multiple arguments in your function and get them as an array.</a:t>
+            </a:r>
+          </a:p>
+          <a:p>
+            <a:pPr algn="l" rtl="0"/>
             <a:r>
               <a:rPr lang="en-US" sz="1700" dirty="0" smtClean="0"/>
-              <a:t>allow </a:t>
-            </a:r>
+              <a:t>Rest parameters are treated as a boundless number of optional parameters. </a:t>
+            </a:r>
+          </a:p>
+          <a:p>
+            <a:pPr algn="l" rtl="0"/>
             <a:r>
               <a:rPr lang="en-US" sz="1700" dirty="0" smtClean="0"/>
-              <a:t>you to </a:t>
-            </a:r>
+              <a:t>When passing arguments for a rest parameter, you can use as many as you want. You can even pass none. </a:t>
+            </a:r>
+          </a:p>
+          <a:p>
+            <a:pPr algn="l" rtl="0"/>
             <a:r>
               <a:rPr lang="en-US" sz="1700" dirty="0" smtClean="0"/>
-              <a:t>quickly accept </a:t>
-            </a:r>
-            <a:r>
-              <a:rPr lang="en-US" sz="1700" dirty="0" smtClean="0"/>
-              <a:t>multiple arguments </a:t>
-            </a:r>
-            <a:r>
-              <a:rPr lang="en-US" sz="1700" dirty="0" smtClean="0"/>
-              <a:t>in your function and get </a:t>
-            </a:r>
-            <a:r>
-              <a:rPr lang="en-US" sz="1700" dirty="0" smtClean="0"/>
-              <a:t>them as an </a:t>
-            </a:r>
-            <a:r>
-              <a:rPr lang="en-US" sz="1700" dirty="0" smtClean="0"/>
-              <a:t>array.</a:t>
-            </a:r>
-          </a:p>
-          <a:p>
-            <a:pPr algn="l" rtl="0"/>
-            <a:r>
-              <a:rPr lang="en-US" sz="1700" dirty="0" smtClean="0"/>
-              <a:t>Rest </a:t>
-            </a:r>
-            <a:r>
-              <a:rPr lang="en-US" sz="1700" dirty="0" smtClean="0"/>
-              <a:t>parameters are treated as a boundless number of </a:t>
-            </a:r>
-            <a:r>
-              <a:rPr lang="en-US" sz="1700" dirty="0" smtClean="0"/>
-              <a:t>optional parameters</a:t>
-            </a:r>
-            <a:r>
-              <a:rPr lang="en-US" sz="1700" dirty="0" smtClean="0"/>
-              <a:t>. </a:t>
-            </a:r>
-            <a:endParaRPr lang="en-US" sz="1700" dirty="0" smtClean="0"/>
-          </a:p>
-          <a:p>
-            <a:pPr algn="l" rtl="0"/>
-            <a:r>
-              <a:rPr lang="en-US" sz="1700" dirty="0" smtClean="0"/>
-              <a:t>When </a:t>
-            </a:r>
-            <a:r>
-              <a:rPr lang="en-US" sz="1700" dirty="0" smtClean="0"/>
-              <a:t>passing arguments for a rest </a:t>
-            </a:r>
-            <a:r>
-              <a:rPr lang="en-US" sz="1700" dirty="0" smtClean="0"/>
-              <a:t>parameter</a:t>
-            </a:r>
-            <a:r>
-              <a:rPr lang="en-US" sz="1700" dirty="0" smtClean="0"/>
-              <a:t>, you can use as many </a:t>
-            </a:r>
-            <a:r>
-              <a:rPr lang="en-US" sz="1700" dirty="0" smtClean="0"/>
-              <a:t>as </a:t>
-            </a:r>
-            <a:r>
-              <a:rPr lang="en-US" sz="1700" dirty="0" smtClean="0"/>
-              <a:t>you </a:t>
-            </a:r>
-            <a:r>
-              <a:rPr lang="en-US" sz="1700" dirty="0" smtClean="0"/>
-              <a:t>want. You </a:t>
-            </a:r>
-            <a:r>
-              <a:rPr lang="en-US" sz="1700" dirty="0" smtClean="0"/>
-              <a:t>can even </a:t>
-            </a:r>
-            <a:r>
-              <a:rPr lang="en-US" sz="1700" dirty="0" smtClean="0"/>
-              <a:t>pass </a:t>
-            </a:r>
-            <a:r>
-              <a:rPr lang="en-US" sz="1700" dirty="0" smtClean="0"/>
-              <a:t>none. </a:t>
-            </a:r>
-            <a:endParaRPr lang="en-US" sz="1700" dirty="0" smtClean="0"/>
-          </a:p>
-          <a:p>
-            <a:pPr algn="l" rtl="0"/>
-            <a:r>
-              <a:rPr lang="en-US" sz="1700" dirty="0" smtClean="0"/>
-              <a:t>The </a:t>
-            </a:r>
-            <a:r>
-              <a:rPr lang="en-US" sz="1700" dirty="0" smtClean="0"/>
-              <a:t>compiler will build an array of the arguments </a:t>
-            </a:r>
-            <a:r>
-              <a:rPr lang="en-US" sz="1700" dirty="0" smtClean="0"/>
-              <a:t>passed </a:t>
-            </a:r>
-            <a:r>
-              <a:rPr lang="en-US" sz="1700" dirty="0" smtClean="0"/>
-              <a:t>in with the </a:t>
-            </a:r>
-            <a:r>
-              <a:rPr lang="en-US" sz="1700" dirty="0" smtClean="0"/>
-              <a:t>name given </a:t>
-            </a:r>
-            <a:r>
-              <a:rPr lang="en-US" sz="1700" dirty="0" smtClean="0"/>
-              <a:t>after the ellipsis (...), allowing you to use it </a:t>
-            </a:r>
-            <a:r>
-              <a:rPr lang="en-US" sz="1700" dirty="0" smtClean="0"/>
-              <a:t>in your  function.</a:t>
+              <a:t>The compiler will build an array of the arguments passed in with the name given after the ellipsis (...), allowing you to use it in your  function.</a:t>
             </a:r>
           </a:p>
           <a:p>
@@ -7843,7 +7326,6 @@
               <a:rPr lang="en-US" sz="1700" dirty="0" smtClean="0"/>
               <a:t>Rest parameter must be the last argument (compile time error).</a:t>
             </a:r>
-            <a:endParaRPr lang="en-US" sz="1700" dirty="0" smtClean="0"/>
           </a:p>
           <a:p>
             <a:pPr algn="l" rtl="0"/>
@@ -7927,11 +7409,7 @@
             <a:pPr rtl="0"/>
             <a:r>
               <a:rPr lang="en-US" dirty="0" smtClean="0"/>
-              <a:t>Resources </a:t>
-            </a:r>
-            <a:r>
-              <a:rPr lang="en-US" dirty="0" smtClean="0"/>
-              <a:t> &amp; Useful links</a:t>
+              <a:t>Resources  &amp; Useful links</a:t>
             </a:r>
             <a:endParaRPr lang="he-IL" dirty="0"/>
           </a:p>
@@ -7962,16 +7440,7 @@
                 </a:solidFill>
                 <a:hlinkClick r:id="rId2"/>
               </a:rPr>
-              <a:t>http://</a:t>
-            </a:r>
-            <a:r>
-              <a:rPr lang="en-US" dirty="0" smtClean="0">
-                <a:solidFill>
-                  <a:srgbClr val="FF0000"/>
-                </a:solidFill>
-                <a:hlinkClick r:id="rId2"/>
-              </a:rPr>
-              <a:t>www.typescriptlang.org</a:t>
+              <a:t>http://www.typescriptlang.org</a:t>
             </a:r>
             <a:endParaRPr lang="en-US" dirty="0" smtClean="0">
               <a:solidFill>
@@ -7988,16 +7457,7 @@
                 </a:solidFill>
                 <a:hlinkClick r:id="rId3"/>
               </a:rPr>
-              <a:t>https://</a:t>
-            </a:r>
-            <a:r>
-              <a:rPr lang="en-US" dirty="0" smtClean="0">
-                <a:solidFill>
-                  <a:srgbClr val="FF0000"/>
-                </a:solidFill>
-                <a:hlinkClick r:id="rId3"/>
-              </a:rPr>
-              <a:t>github.com/unional/typescript-guidelines</a:t>
+              <a:t>https://github.com/unional/typescript-guidelines</a:t>
             </a:r>
             <a:endParaRPr lang="en-US" dirty="0" smtClean="0">
               <a:solidFill>
@@ -8014,16 +7474,7 @@
                 </a:solidFill>
                 <a:hlinkClick r:id="rId4"/>
               </a:rPr>
-              <a:t>https://</a:t>
-            </a:r>
-            <a:r>
-              <a:rPr lang="en-US" dirty="0" smtClean="0">
-                <a:solidFill>
-                  <a:srgbClr val="FF0000"/>
-                </a:solidFill>
-                <a:hlinkClick r:id="rId4"/>
-              </a:rPr>
-              <a:t>basarat.gitbooks.io/typescript</a:t>
+              <a:t>https://basarat.gitbooks.io/typescript</a:t>
             </a:r>
             <a:endParaRPr lang="en-US" dirty="0" smtClean="0">
               <a:solidFill>
@@ -8040,16 +7491,7 @@
                 </a:solidFill>
                 <a:hlinkClick r:id="rId5"/>
               </a:rPr>
-              <a:t>https://jameshenry.blog/typescript-null-and-undefined-types</a:t>
-            </a:r>
-            <a:r>
-              <a:rPr lang="en-US" dirty="0" smtClean="0">
-                <a:solidFill>
-                  <a:srgbClr val="FF0000"/>
-                </a:solidFill>
-                <a:hlinkClick r:id="rId5"/>
-              </a:rPr>
-              <a:t>/</a:t>
+              <a:t>https://jameshenry.blog/typescript-null-and-undefined-types/</a:t>
             </a:r>
             <a:endParaRPr lang="en-US" dirty="0" smtClean="0">
               <a:solidFill>
@@ -8066,16 +7508,7 @@
                 </a:solidFill>
                 <a:hlinkClick r:id="rId6"/>
               </a:rPr>
-              <a:t>https://</a:t>
-            </a:r>
-            <a:r>
-              <a:rPr lang="en-US" dirty="0" smtClean="0">
-                <a:solidFill>
-                  <a:srgbClr val="FF0000"/>
-                </a:solidFill>
-                <a:hlinkClick r:id="rId6"/>
-              </a:rPr>
-              <a:t>codeburst.io/javascript-null-vs-undefined-20f955215a2</a:t>
+              <a:t>https://codeburst.io/javascript-null-vs-undefined-20f955215a2</a:t>
             </a:r>
             <a:endParaRPr lang="en-US" dirty="0" smtClean="0">
               <a:solidFill>
@@ -8092,16 +7525,7 @@
                 </a:solidFill>
                 <a:hlinkClick r:id="rId7"/>
               </a:rPr>
-              <a:t>https://</a:t>
-            </a:r>
-            <a:r>
-              <a:rPr lang="en-US" dirty="0" smtClean="0">
-                <a:solidFill>
-                  <a:srgbClr val="FF0000"/>
-                </a:solidFill>
-                <a:hlinkClick r:id="rId7"/>
-              </a:rPr>
-              <a:t>codeburst.io/understanding-null-undefined-and-nan-b603cb74b44c</a:t>
+              <a:t>https://codeburst.io/understanding-null-undefined-and-nan-b603cb74b44c</a:t>
             </a:r>
             <a:endParaRPr lang="en-US" dirty="0" smtClean="0">
               <a:solidFill>
@@ -8118,16 +7542,7 @@
                 </a:solidFill>
                 <a:hlinkClick r:id="rId8"/>
               </a:rPr>
-              <a:t>https://</a:t>
-            </a:r>
-            <a:r>
-              <a:rPr lang="en-US" dirty="0" smtClean="0">
-                <a:solidFill>
-                  <a:srgbClr val="FF0000"/>
-                </a:solidFill>
-                <a:hlinkClick r:id="rId8"/>
-              </a:rPr>
-              <a:t>developer.mozilla.org/en-US/docs/Web/JavaScript/Reference/Global_Objects/null</a:t>
+              <a:t>https://developer.mozilla.org/en-US/docs/Web/JavaScript/Reference/Global_Objects/null</a:t>
             </a:r>
             <a:endParaRPr lang="en-US" dirty="0" smtClean="0">
               <a:solidFill>
@@ -8144,16 +7559,7 @@
                 </a:solidFill>
                 <a:hlinkClick r:id="rId9"/>
               </a:rPr>
-              <a:t>https://</a:t>
-            </a:r>
-            <a:r>
-              <a:rPr lang="en-US" dirty="0" smtClean="0">
-                <a:solidFill>
-                  <a:srgbClr val="FF0000"/>
-                </a:solidFill>
-                <a:hlinkClick r:id="rId9"/>
-              </a:rPr>
-              <a:t>github.com/Microsoft/TypeScript</a:t>
+              <a:t>https://github.com/Microsoft/TypeScript</a:t>
             </a:r>
             <a:endParaRPr lang="en-US" dirty="0" smtClean="0">
               <a:solidFill>
@@ -8721,15 +8127,7 @@
             </a:pPr>
             <a:r>
               <a:rPr lang="en-US" dirty="0" smtClean="0"/>
-              <a:t>Any </a:t>
-            </a:r>
-            <a:r>
-              <a:rPr lang="en-US" dirty="0" smtClean="0"/>
-              <a:t>Object in JavaScript (including </a:t>
-            </a:r>
-            <a:r>
-              <a:rPr lang="en-US" dirty="0" smtClean="0"/>
-              <a:t>functions, </a:t>
+              <a:t>Any Object in JavaScript (including functions, </a:t>
             </a:r>
           </a:p>
           <a:p>
@@ -8862,11 +8260,7 @@
             <a:pPr algn="l" rtl="0"/>
             <a:r>
               <a:rPr lang="en-US" dirty="0" smtClean="0"/>
-              <a:t>TypeScript has two </a:t>
-            </a:r>
-            <a:r>
-              <a:rPr lang="en-US" dirty="0" smtClean="0"/>
-              <a:t>special types, </a:t>
+              <a:t>TypeScript has two special types, </a:t>
             </a:r>
             <a:r>
               <a:rPr lang="en-US" b="1" dirty="0" smtClean="0"/>
@@ -8882,70 +8276,14 @@
             </a:r>
             <a:r>
               <a:rPr lang="en-US" dirty="0" smtClean="0"/>
-              <a:t>, </a:t>
-            </a:r>
-            <a:r>
-              <a:rPr lang="en-US" dirty="0" smtClean="0"/>
-              <a:t>that have the </a:t>
-            </a:r>
-            <a:r>
-              <a:rPr lang="en-US" dirty="0" smtClean="0"/>
-              <a:t>values </a:t>
-            </a:r>
-            <a:r>
-              <a:rPr lang="en-US" dirty="0" smtClean="0"/>
-              <a:t>null and undefined </a:t>
-            </a:r>
-            <a:r>
-              <a:rPr lang="en-US" dirty="0" smtClean="0"/>
-              <a:t>respectively.</a:t>
+              <a:t>, that have the values null and undefined respectively.</a:t>
             </a:r>
           </a:p>
           <a:p>
             <a:pPr algn="l" rtl="0"/>
             <a:r>
               <a:rPr lang="en-US" dirty="0" smtClean="0"/>
-              <a:t>By default null</a:t>
-            </a:r>
-            <a:r>
-              <a:rPr lang="en-US" dirty="0" smtClean="0"/>
-              <a:t> and undefined are valid values of every type</a:t>
-            </a:r>
-            <a:r>
-              <a:rPr lang="en-US" dirty="0" smtClean="0"/>
-              <a:t>. However, as </a:t>
-            </a:r>
-            <a:r>
-              <a:rPr lang="en-US" dirty="0" smtClean="0"/>
-              <a:t>of TypeScript 2 </a:t>
-            </a:r>
-            <a:r>
-              <a:rPr lang="en-US" dirty="0" smtClean="0"/>
-              <a:t>if </a:t>
-            </a:r>
-            <a:r>
-              <a:rPr lang="en-US" dirty="0" smtClean="0"/>
-              <a:t>a variable/parameter/return type of a function could </a:t>
-            </a:r>
-            <a:r>
-              <a:rPr lang="en-US" dirty="0" smtClean="0"/>
-              <a:t>be a</a:t>
-            </a:r>
-            <a:r>
-              <a:rPr lang="en-US" dirty="0" smtClean="0"/>
-              <a:t> </a:t>
-            </a:r>
-            <a:r>
-              <a:rPr lang="en-US" dirty="0" smtClean="0"/>
-              <a:t>string or</a:t>
-            </a:r>
-            <a:r>
-              <a:rPr lang="en-US" dirty="0" smtClean="0"/>
-              <a:t> null you will have to type it as such with a union type of both of them: string | null</a:t>
-            </a:r>
-            <a:r>
-              <a:rPr lang="en-US" dirty="0" smtClean="0"/>
-              <a:t>. Same for undefined. </a:t>
+              <a:t>By default null and undefined are valid values of every type. However, as of TypeScript 2 if a variable/parameter/return type of a function could be a string or null you will have to type it as such with a union type of both of them: string | null. Same for undefined. </a:t>
             </a:r>
           </a:p>
           <a:p>

--- a/Advanced Es6 & TypeScript.pptx
+++ b/Advanced Es6 & TypeScript.pptx
@@ -36,7 +36,30 @@
     <p:sldId id="285" r:id="rId30"/>
     <p:sldId id="286" r:id="rId31"/>
     <p:sldId id="287" r:id="rId32"/>
-    <p:sldId id="268" r:id="rId33"/>
+    <p:sldId id="288" r:id="rId33"/>
+    <p:sldId id="289" r:id="rId34"/>
+    <p:sldId id="290" r:id="rId35"/>
+    <p:sldId id="291" r:id="rId36"/>
+    <p:sldId id="292" r:id="rId37"/>
+    <p:sldId id="293" r:id="rId38"/>
+    <p:sldId id="294" r:id="rId39"/>
+    <p:sldId id="295" r:id="rId40"/>
+    <p:sldId id="296" r:id="rId41"/>
+    <p:sldId id="297" r:id="rId42"/>
+    <p:sldId id="298" r:id="rId43"/>
+    <p:sldId id="299" r:id="rId44"/>
+    <p:sldId id="301" r:id="rId45"/>
+    <p:sldId id="300" r:id="rId46"/>
+    <p:sldId id="302" r:id="rId47"/>
+    <p:sldId id="303" r:id="rId48"/>
+    <p:sldId id="304" r:id="rId49"/>
+    <p:sldId id="305" r:id="rId50"/>
+    <p:sldId id="306" r:id="rId51"/>
+    <p:sldId id="307" r:id="rId52"/>
+    <p:sldId id="308" r:id="rId53"/>
+    <p:sldId id="309" r:id="rId54"/>
+    <p:sldId id="310" r:id="rId55"/>
+    <p:sldId id="268" r:id="rId56"/>
   </p:sldIdLst>
   <p:sldSz cx="9144000" cy="6858000" type="screen4x3"/>
   <p:notesSz cx="6858000" cy="9144000"/>
@@ -135,6 +158,22 @@
       </a:defRPr>
     </a:lvl9pPr>
   </p:defaultTextStyle>
+  <p:extLst>
+    <p:ext uri="{EFAFB233-063F-42B5-8137-9DF3F51BA10A}">
+      <p15:sldGuideLst xmlns:p15="http://schemas.microsoft.com/office/powerpoint/2012/main">
+        <p15:guide id="1" orient="horz" pos="2160">
+          <p15:clr>
+            <a:srgbClr val="A4A3A4"/>
+          </p15:clr>
+        </p15:guide>
+        <p15:guide id="2" pos="2880">
+          <p15:clr>
+            <a:srgbClr val="A4A3A4"/>
+          </p15:clr>
+        </p15:guide>
+      </p15:sldGuideLst>
+    </p:ext>
+  </p:extLst>
 </p:presentation>
 </file>
 
@@ -230,9 +269,7 @@
         </p:style>
         <p:txBody>
           <a:bodyPr anchor="ctr"/>
-          <a:lstStyle>
-            <a:extLst/>
-          </a:lstStyle>
+          <a:lstStyle/>
           <a:p>
             <a:pPr algn="ctr" eaLnBrk="1" latinLnBrk="0" hangingPunct="1"/>
             <a:endParaRPr kumimoji="0" lang="en-US"/>
@@ -271,9 +308,7 @@
         </p:spPr>
         <p:txBody>
           <a:bodyPr vert="horz" wrap="square" lIns="91440" tIns="45720" rIns="91440" bIns="45720" anchor="t" compatLnSpc="1"/>
-          <a:lstStyle>
-            <a:extLst/>
-          </a:lstStyle>
+          <a:lstStyle/>
           <a:p>
             <a:endParaRPr kumimoji="0" lang="en-US"/>
           </a:p>
@@ -307,10 +342,9 @@
           </a:lstStyle>
           <a:p>
             <a:r>
-              <a:rPr kumimoji="0" lang="en-US" smtClean="0"/>
+              <a:rPr kumimoji="0" lang="en-US"/>
               <a:t>Click to edit Master title style</a:t>
             </a:r>
-            <a:endParaRPr kumimoji="0" lang="en-US"/>
           </a:p>
         </p:txBody>
       </p:sp>
@@ -370,10 +404,9 @@
           </a:lstStyle>
           <a:p>
             <a:r>
-              <a:rPr kumimoji="0" lang="en-US" smtClean="0"/>
+              <a:rPr kumimoji="0" lang="en-US"/>
               <a:t>Click to edit Master subtitle style</a:t>
             </a:r>
-            <a:endParaRPr kumimoji="0" lang="en-US"/>
           </a:p>
         </p:txBody>
       </p:sp>
@@ -524,74 +557,69 @@
         <p:spPr/>
         <p:txBody>
           <a:bodyPr/>
-          <a:lstStyle>
-            <a:extLst/>
-          </a:lstStyle>
-          <a:p>
-            <a:r>
-              <a:rPr kumimoji="0" lang="en-US" smtClean="0"/>
+          <a:lstStyle/>
+          <a:p>
+            <a:r>
+              <a:rPr kumimoji="0" lang="en-US"/>
               <a:t>Click to edit Master title style</a:t>
             </a:r>
+          </a:p>
+        </p:txBody>
+      </p:sp>
+      <p:sp>
+        <p:nvSpPr>
+          <p:cNvPr id="3" name="Vertical Text Placeholder 2"/>
+          <p:cNvSpPr>
+            <a:spLocks noGrp="1"/>
+          </p:cNvSpPr>
+          <p:nvPr>
+            <p:ph type="body" orient="vert" idx="1"/>
+          </p:nvPr>
+        </p:nvSpPr>
+        <p:spPr/>
+        <p:txBody>
+          <a:bodyPr vert="eaVert"/>
+          <a:lstStyle/>
+          <a:p>
+            <a:pPr lvl="0" eaLnBrk="1" latinLnBrk="0" hangingPunct="1"/>
+            <a:r>
+              <a:rPr lang="en-US"/>
+              <a:t>Click to edit Master text styles</a:t>
+            </a:r>
+          </a:p>
+          <a:p>
+            <a:pPr lvl="1" eaLnBrk="1" latinLnBrk="0" hangingPunct="1"/>
+            <a:r>
+              <a:rPr lang="en-US"/>
+              <a:t>Second level</a:t>
+            </a:r>
+          </a:p>
+          <a:p>
+            <a:pPr lvl="2" eaLnBrk="1" latinLnBrk="0" hangingPunct="1"/>
+            <a:r>
+              <a:rPr lang="en-US"/>
+              <a:t>Third level</a:t>
+            </a:r>
+          </a:p>
+          <a:p>
+            <a:pPr lvl="3" eaLnBrk="1" latinLnBrk="0" hangingPunct="1"/>
+            <a:r>
+              <a:rPr lang="en-US"/>
+              <a:t>Fourth level</a:t>
+            </a:r>
+          </a:p>
+          <a:p>
+            <a:pPr lvl="4" eaLnBrk="1" latinLnBrk="0" hangingPunct="1"/>
+            <a:r>
+              <a:rPr lang="en-US"/>
+              <a:t>Fifth level</a:t>
+            </a:r>
             <a:endParaRPr kumimoji="0" lang="en-US"/>
           </a:p>
         </p:txBody>
       </p:sp>
       <p:sp>
         <p:nvSpPr>
-          <p:cNvPr id="3" name="Vertical Text Placeholder 2"/>
-          <p:cNvSpPr>
-            <a:spLocks noGrp="1"/>
-          </p:cNvSpPr>
-          <p:nvPr>
-            <p:ph type="body" orient="vert" idx="1"/>
-          </p:nvPr>
-        </p:nvSpPr>
-        <p:spPr/>
-        <p:txBody>
-          <a:bodyPr vert="eaVert"/>
-          <a:lstStyle>
-            <a:extLst/>
-          </a:lstStyle>
-          <a:p>
-            <a:pPr lvl="0" eaLnBrk="1" latinLnBrk="0" hangingPunct="1"/>
-            <a:r>
-              <a:rPr lang="en-US" smtClean="0"/>
-              <a:t>Click to edit Master text styles</a:t>
-            </a:r>
-          </a:p>
-          <a:p>
-            <a:pPr lvl="1" eaLnBrk="1" latinLnBrk="0" hangingPunct="1"/>
-            <a:r>
-              <a:rPr lang="en-US" smtClean="0"/>
-              <a:t>Second level</a:t>
-            </a:r>
-          </a:p>
-          <a:p>
-            <a:pPr lvl="2" eaLnBrk="1" latinLnBrk="0" hangingPunct="1"/>
-            <a:r>
-              <a:rPr lang="en-US" smtClean="0"/>
-              <a:t>Third level</a:t>
-            </a:r>
-          </a:p>
-          <a:p>
-            <a:pPr lvl="3" eaLnBrk="1" latinLnBrk="0" hangingPunct="1"/>
-            <a:r>
-              <a:rPr lang="en-US" smtClean="0"/>
-              <a:t>Fourth level</a:t>
-            </a:r>
-          </a:p>
-          <a:p>
-            <a:pPr lvl="4" eaLnBrk="1" latinLnBrk="0" hangingPunct="1"/>
-            <a:r>
-              <a:rPr lang="en-US" smtClean="0"/>
-              <a:t>Fifth level</a:t>
-            </a:r>
-            <a:endParaRPr kumimoji="0" lang="en-US"/>
-          </a:p>
-        </p:txBody>
-      </p:sp>
-      <p:sp>
-        <p:nvSpPr>
           <p:cNvPr id="4" name="Date Placeholder 3"/>
           <p:cNvSpPr>
             <a:spLocks noGrp="1"/>
@@ -603,9 +631,7 @@
         <p:spPr/>
         <p:txBody>
           <a:bodyPr/>
-          <a:lstStyle>
-            <a:extLst/>
-          </a:lstStyle>
+          <a:lstStyle/>
           <a:p>
             <a:fld id="{1D8BD707-D9CF-40AE-B4C6-C98DA3205C09}" type="datetimeFigureOut">
               <a:rPr lang="en-US" smtClean="0"/>
@@ -629,9 +655,7 @@
         <p:spPr/>
         <p:txBody>
           <a:bodyPr/>
-          <a:lstStyle>
-            <a:extLst/>
-          </a:lstStyle>
+          <a:lstStyle/>
           <a:p>
             <a:endParaRPr lang="en-US"/>
           </a:p>
@@ -650,9 +674,7 @@
         <p:spPr/>
         <p:txBody>
           <a:bodyPr/>
-          <a:lstStyle>
-            <a:extLst/>
-          </a:lstStyle>
+          <a:lstStyle/>
           <a:p>
             <a:fld id="{B6F15528-21DE-4FAA-801E-634DDDAF4B2B}" type="slidenum">
               <a:rPr lang="en-US" smtClean="0"/>
@@ -706,15 +728,12 @@
         </p:spPr>
         <p:txBody>
           <a:bodyPr vert="eaVert" anchor="t"/>
-          <a:lstStyle>
-            <a:extLst/>
-          </a:lstStyle>
-          <a:p>
-            <a:r>
-              <a:rPr kumimoji="0" lang="en-US" smtClean="0"/>
+          <a:lstStyle/>
+          <a:p>
+            <a:r>
+              <a:rPr kumimoji="0" lang="en-US"/>
               <a:t>Click to edit Master title style</a:t>
             </a:r>
-            <a:endParaRPr kumimoji="0" lang="en-US"/>
           </a:p>
         </p:txBody>
       </p:sp>
@@ -736,41 +755,39 @@
         </p:spPr>
         <p:txBody>
           <a:bodyPr vert="eaVert"/>
-          <a:lstStyle>
-            <a:extLst/>
-          </a:lstStyle>
+          <a:lstStyle/>
           <a:p>
             <a:pPr lvl="0" eaLnBrk="1" latinLnBrk="0" hangingPunct="1"/>
             <a:r>
-              <a:rPr lang="en-US" smtClean="0"/>
+              <a:rPr lang="en-US"/>
               <a:t>Click to edit Master text styles</a:t>
             </a:r>
           </a:p>
           <a:p>
             <a:pPr lvl="1" eaLnBrk="1" latinLnBrk="0" hangingPunct="1"/>
             <a:r>
-              <a:rPr lang="en-US" smtClean="0"/>
+              <a:rPr lang="en-US"/>
               <a:t>Second level</a:t>
             </a:r>
           </a:p>
           <a:p>
             <a:pPr lvl="2" eaLnBrk="1" latinLnBrk="0" hangingPunct="1"/>
             <a:r>
-              <a:rPr lang="en-US" smtClean="0"/>
+              <a:rPr lang="en-US"/>
               <a:t>Third level</a:t>
             </a:r>
           </a:p>
           <a:p>
             <a:pPr lvl="3" eaLnBrk="1" latinLnBrk="0" hangingPunct="1"/>
             <a:r>
-              <a:rPr lang="en-US" smtClean="0"/>
+              <a:rPr lang="en-US"/>
               <a:t>Fourth level</a:t>
             </a:r>
           </a:p>
           <a:p>
             <a:pPr lvl="4" eaLnBrk="1" latinLnBrk="0" hangingPunct="1"/>
             <a:r>
-              <a:rPr lang="en-US" smtClean="0"/>
+              <a:rPr lang="en-US"/>
               <a:t>Fifth level</a:t>
             </a:r>
             <a:endParaRPr kumimoji="0" lang="en-US"/>
@@ -795,9 +812,7 @@
         </p:spPr>
         <p:txBody>
           <a:bodyPr/>
-          <a:lstStyle>
-            <a:extLst/>
-          </a:lstStyle>
+          <a:lstStyle/>
           <a:p>
             <a:fld id="{1D8BD707-D9CF-40AE-B4C6-C98DA3205C09}" type="datetimeFigureOut">
               <a:rPr lang="en-US" smtClean="0"/>
@@ -826,9 +841,7 @@
         </p:spPr>
         <p:txBody>
           <a:bodyPr/>
-          <a:lstStyle>
-            <a:extLst/>
-          </a:lstStyle>
+          <a:lstStyle/>
           <a:p>
             <a:endParaRPr lang="en-US"/>
           </a:p>
@@ -910,88 +923,81 @@
         <p:spPr/>
         <p:txBody>
           <a:bodyPr/>
-          <a:lstStyle>
-            <a:extLst/>
-          </a:lstStyle>
-          <a:p>
-            <a:r>
-              <a:rPr kumimoji="0" lang="en-US" smtClean="0"/>
+          <a:lstStyle/>
+          <a:p>
+            <a:r>
+              <a:rPr kumimoji="0" lang="en-US"/>
               <a:t>Click to edit Master title style</a:t>
             </a:r>
+          </a:p>
+        </p:txBody>
+      </p:sp>
+      <p:sp>
+        <p:nvSpPr>
+          <p:cNvPr id="3" name="Content Placeholder 2"/>
+          <p:cNvSpPr>
+            <a:spLocks noGrp="1"/>
+          </p:cNvSpPr>
+          <p:nvPr>
+            <p:ph idx="1"/>
+          </p:nvPr>
+        </p:nvSpPr>
+        <p:spPr/>
+        <p:txBody>
+          <a:bodyPr/>
+          <a:lstStyle/>
+          <a:p>
+            <a:pPr lvl="0" eaLnBrk="1" latinLnBrk="0" hangingPunct="1"/>
+            <a:r>
+              <a:rPr lang="en-US"/>
+              <a:t>Click to edit Master text styles</a:t>
+            </a:r>
+          </a:p>
+          <a:p>
+            <a:pPr lvl="1" eaLnBrk="1" latinLnBrk="0" hangingPunct="1"/>
+            <a:r>
+              <a:rPr lang="en-US"/>
+              <a:t>Second level</a:t>
+            </a:r>
+          </a:p>
+          <a:p>
+            <a:pPr lvl="2" eaLnBrk="1" latinLnBrk="0" hangingPunct="1"/>
+            <a:r>
+              <a:rPr lang="en-US"/>
+              <a:t>Third level</a:t>
+            </a:r>
+          </a:p>
+          <a:p>
+            <a:pPr lvl="3" eaLnBrk="1" latinLnBrk="0" hangingPunct="1"/>
+            <a:r>
+              <a:rPr lang="en-US"/>
+              <a:t>Fourth level</a:t>
+            </a:r>
+          </a:p>
+          <a:p>
+            <a:pPr lvl="4" eaLnBrk="1" latinLnBrk="0" hangingPunct="1"/>
+            <a:r>
+              <a:rPr lang="en-US"/>
+              <a:t>Fifth level</a:t>
+            </a:r>
             <a:endParaRPr kumimoji="0" lang="en-US"/>
           </a:p>
         </p:txBody>
       </p:sp>
       <p:sp>
         <p:nvSpPr>
-          <p:cNvPr id="3" name="Content Placeholder 2"/>
-          <p:cNvSpPr>
-            <a:spLocks noGrp="1"/>
-          </p:cNvSpPr>
-          <p:nvPr>
-            <p:ph idx="1"/>
+          <p:cNvPr id="4" name="Date Placeholder 3"/>
+          <p:cNvSpPr>
+            <a:spLocks noGrp="1"/>
+          </p:cNvSpPr>
+          <p:nvPr>
+            <p:ph type="dt" sz="half" idx="10"/>
           </p:nvPr>
         </p:nvSpPr>
         <p:spPr/>
         <p:txBody>
           <a:bodyPr/>
-          <a:lstStyle>
-            <a:extLst/>
-          </a:lstStyle>
-          <a:p>
-            <a:pPr lvl="0" eaLnBrk="1" latinLnBrk="0" hangingPunct="1"/>
-            <a:r>
-              <a:rPr lang="en-US" smtClean="0"/>
-              <a:t>Click to edit Master text styles</a:t>
-            </a:r>
-          </a:p>
-          <a:p>
-            <a:pPr lvl="1" eaLnBrk="1" latinLnBrk="0" hangingPunct="1"/>
-            <a:r>
-              <a:rPr lang="en-US" smtClean="0"/>
-              <a:t>Second level</a:t>
-            </a:r>
-          </a:p>
-          <a:p>
-            <a:pPr lvl="2" eaLnBrk="1" latinLnBrk="0" hangingPunct="1"/>
-            <a:r>
-              <a:rPr lang="en-US" smtClean="0"/>
-              <a:t>Third level</a:t>
-            </a:r>
-          </a:p>
-          <a:p>
-            <a:pPr lvl="3" eaLnBrk="1" latinLnBrk="0" hangingPunct="1"/>
-            <a:r>
-              <a:rPr lang="en-US" smtClean="0"/>
-              <a:t>Fourth level</a:t>
-            </a:r>
-          </a:p>
-          <a:p>
-            <a:pPr lvl="4" eaLnBrk="1" latinLnBrk="0" hangingPunct="1"/>
-            <a:r>
-              <a:rPr lang="en-US" smtClean="0"/>
-              <a:t>Fifth level</a:t>
-            </a:r>
-            <a:endParaRPr kumimoji="0" lang="en-US"/>
-          </a:p>
-        </p:txBody>
-      </p:sp>
-      <p:sp>
-        <p:nvSpPr>
-          <p:cNvPr id="4" name="Date Placeholder 3"/>
-          <p:cNvSpPr>
-            <a:spLocks noGrp="1"/>
-          </p:cNvSpPr>
-          <p:nvPr>
-            <p:ph type="dt" sz="half" idx="10"/>
-          </p:nvPr>
-        </p:nvSpPr>
-        <p:spPr/>
-        <p:txBody>
-          <a:bodyPr/>
-          <a:lstStyle>
-            <a:extLst/>
-          </a:lstStyle>
+          <a:lstStyle/>
           <a:p>
             <a:fld id="{1D8BD707-D9CF-40AE-B4C6-C98DA3205C09}" type="datetimeFigureOut">
               <a:rPr lang="en-US" smtClean="0"/>
@@ -1015,9 +1021,7 @@
         <p:spPr/>
         <p:txBody>
           <a:bodyPr/>
-          <a:lstStyle>
-            <a:extLst/>
-          </a:lstStyle>
+          <a:lstStyle/>
           <a:p>
             <a:endParaRPr lang="en-US"/>
           </a:p>
@@ -1036,9 +1040,7 @@
         <p:spPr/>
         <p:txBody>
           <a:bodyPr/>
-          <a:lstStyle>
-            <a:extLst/>
-          </a:lstStyle>
+          <a:lstStyle/>
           <a:p>
             <a:fld id="{B6F15528-21DE-4FAA-801E-634DDDAF4B2B}" type="slidenum">
               <a:rPr lang="en-US" smtClean="0"/>
@@ -1106,10 +1108,9 @@
           </a:lstStyle>
           <a:p>
             <a:r>
-              <a:rPr kumimoji="0" lang="en-US" smtClean="0"/>
+              <a:rPr kumimoji="0" lang="en-US"/>
               <a:t>Click to edit Master title style</a:t>
             </a:r>
-            <a:endParaRPr kumimoji="0" lang="en-US"/>
           </a:p>
         </p:txBody>
       </p:sp>
@@ -1186,7 +1187,7 @@
           <a:p>
             <a:pPr lvl="0" eaLnBrk="1" latinLnBrk="0" hangingPunct="1"/>
             <a:r>
-              <a:rPr kumimoji="0" lang="en-US" smtClean="0"/>
+              <a:rPr kumimoji="0" lang="en-US"/>
               <a:t>Click to edit Master text styles</a:t>
             </a:r>
           </a:p>
@@ -1281,9 +1282,7 @@
         </p:spPr>
         <p:txBody>
           <a:bodyPr/>
-          <a:lstStyle>
-            <a:extLst/>
-          </a:lstStyle>
+          <a:lstStyle/>
           <a:p>
             <a:fld id="{B6F15528-21DE-4FAA-801E-634DDDAF4B2B}" type="slidenum">
               <a:rPr lang="en-US" smtClean="0"/>
@@ -1337,15 +1336,12 @@
         </p:spPr>
         <p:txBody>
           <a:bodyPr/>
-          <a:lstStyle>
-            <a:extLst/>
-          </a:lstStyle>
-          <a:p>
-            <a:r>
-              <a:rPr kumimoji="0" lang="en-US" smtClean="0"/>
+          <a:lstStyle/>
+          <a:p>
+            <a:r>
+              <a:rPr kumimoji="0" lang="en-US"/>
               <a:t>Click to edit Master title style</a:t>
             </a:r>
-            <a:endParaRPr kumimoji="0" lang="en-US"/>
           </a:p>
         </p:txBody>
       </p:sp>
@@ -1388,35 +1384,35 @@
           <a:p>
             <a:pPr lvl="0" eaLnBrk="1" latinLnBrk="0" hangingPunct="1"/>
             <a:r>
-              <a:rPr lang="en-US" smtClean="0"/>
+              <a:rPr lang="en-US"/>
               <a:t>Click to edit Master text styles</a:t>
             </a:r>
           </a:p>
           <a:p>
             <a:pPr lvl="1" eaLnBrk="1" latinLnBrk="0" hangingPunct="1"/>
             <a:r>
-              <a:rPr lang="en-US" smtClean="0"/>
+              <a:rPr lang="en-US"/>
               <a:t>Second level</a:t>
             </a:r>
           </a:p>
           <a:p>
             <a:pPr lvl="2" eaLnBrk="1" latinLnBrk="0" hangingPunct="1"/>
             <a:r>
-              <a:rPr lang="en-US" smtClean="0"/>
+              <a:rPr lang="en-US"/>
               <a:t>Third level</a:t>
             </a:r>
           </a:p>
           <a:p>
             <a:pPr lvl="3" eaLnBrk="1" latinLnBrk="0" hangingPunct="1"/>
             <a:r>
-              <a:rPr lang="en-US" smtClean="0"/>
+              <a:rPr lang="en-US"/>
               <a:t>Fourth level</a:t>
             </a:r>
           </a:p>
           <a:p>
             <a:pPr lvl="4" eaLnBrk="1" latinLnBrk="0" hangingPunct="1"/>
             <a:r>
-              <a:rPr lang="en-US" smtClean="0"/>
+              <a:rPr lang="en-US"/>
               <a:t>Fifth level</a:t>
             </a:r>
             <a:endParaRPr kumimoji="0" lang="en-US"/>
@@ -1462,35 +1458,35 @@
           <a:p>
             <a:pPr lvl="0" eaLnBrk="1" latinLnBrk="0" hangingPunct="1"/>
             <a:r>
-              <a:rPr lang="en-US" smtClean="0"/>
+              <a:rPr lang="en-US"/>
               <a:t>Click to edit Master text styles</a:t>
             </a:r>
           </a:p>
           <a:p>
             <a:pPr lvl="1" eaLnBrk="1" latinLnBrk="0" hangingPunct="1"/>
             <a:r>
-              <a:rPr lang="en-US" smtClean="0"/>
+              <a:rPr lang="en-US"/>
               <a:t>Second level</a:t>
             </a:r>
           </a:p>
           <a:p>
             <a:pPr lvl="2" eaLnBrk="1" latinLnBrk="0" hangingPunct="1"/>
             <a:r>
-              <a:rPr lang="en-US" smtClean="0"/>
+              <a:rPr lang="en-US"/>
               <a:t>Third level</a:t>
             </a:r>
           </a:p>
           <a:p>
             <a:pPr lvl="3" eaLnBrk="1" latinLnBrk="0" hangingPunct="1"/>
             <a:r>
-              <a:rPr lang="en-US" smtClean="0"/>
+              <a:rPr lang="en-US"/>
               <a:t>Fourth level</a:t>
             </a:r>
           </a:p>
           <a:p>
             <a:pPr lvl="4" eaLnBrk="1" latinLnBrk="0" hangingPunct="1"/>
             <a:r>
-              <a:rPr lang="en-US" smtClean="0"/>
+              <a:rPr lang="en-US"/>
               <a:t>Fifth level</a:t>
             </a:r>
             <a:endParaRPr kumimoji="0" lang="en-US"/>
@@ -1510,9 +1506,7 @@
         <p:spPr/>
         <p:txBody>
           <a:bodyPr/>
-          <a:lstStyle>
-            <a:extLst/>
-          </a:lstStyle>
+          <a:lstStyle/>
           <a:p>
             <a:fld id="{1D8BD707-D9CF-40AE-B4C6-C98DA3205C09}" type="datetimeFigureOut">
               <a:rPr lang="en-US" smtClean="0"/>
@@ -1536,9 +1530,7 @@
         <p:spPr/>
         <p:txBody>
           <a:bodyPr/>
-          <a:lstStyle>
-            <a:extLst/>
-          </a:lstStyle>
+          <a:lstStyle/>
           <a:p>
             <a:endParaRPr lang="en-US"/>
           </a:p>
@@ -1557,9 +1549,7 @@
         <p:spPr/>
         <p:txBody>
           <a:bodyPr/>
-          <a:lstStyle>
-            <a:extLst/>
-          </a:lstStyle>
+          <a:lstStyle/>
           <a:p>
             <a:fld id="{B6F15528-21DE-4FAA-801E-634DDDAF4B2B}" type="slidenum">
               <a:rPr lang="en-US" smtClean="0"/>
@@ -1621,10 +1611,9 @@
           </a:lstStyle>
           <a:p>
             <a:r>
-              <a:rPr kumimoji="0" lang="en-US" smtClean="0"/>
+              <a:rPr kumimoji="0" lang="en-US"/>
               <a:t>Click to edit Master title style</a:t>
             </a:r>
-            <a:endParaRPr kumimoji="0" lang="en-US"/>
           </a:p>
         </p:txBody>
       </p:sp>
@@ -1699,7 +1688,7 @@
           <a:p>
             <a:pPr lvl="0" eaLnBrk="1" latinLnBrk="0" hangingPunct="1"/>
             <a:r>
-              <a:rPr kumimoji="0" lang="en-US" smtClean="0"/>
+              <a:rPr kumimoji="0" lang="en-US"/>
               <a:t>Click to edit Master text styles</a:t>
             </a:r>
           </a:p>
@@ -1776,7 +1765,7 @@
           <a:p>
             <a:pPr lvl="0" eaLnBrk="1" latinLnBrk="0" hangingPunct="1"/>
             <a:r>
-              <a:rPr kumimoji="0" lang="en-US" smtClean="0"/>
+              <a:rPr kumimoji="0" lang="en-US"/>
               <a:t>Click to edit Master text styles</a:t>
             </a:r>
           </a:p>
@@ -1821,35 +1810,35 @@
           <a:p>
             <a:pPr lvl="0" eaLnBrk="1" latinLnBrk="0" hangingPunct="1"/>
             <a:r>
-              <a:rPr lang="en-US" smtClean="0"/>
+              <a:rPr lang="en-US"/>
               <a:t>Click to edit Master text styles</a:t>
             </a:r>
           </a:p>
           <a:p>
             <a:pPr lvl="1" eaLnBrk="1" latinLnBrk="0" hangingPunct="1"/>
             <a:r>
-              <a:rPr lang="en-US" smtClean="0"/>
+              <a:rPr lang="en-US"/>
               <a:t>Second level</a:t>
             </a:r>
           </a:p>
           <a:p>
             <a:pPr lvl="2" eaLnBrk="1" latinLnBrk="0" hangingPunct="1"/>
             <a:r>
-              <a:rPr lang="en-US" smtClean="0"/>
+              <a:rPr lang="en-US"/>
               <a:t>Third level</a:t>
             </a:r>
           </a:p>
           <a:p>
             <a:pPr lvl="3" eaLnBrk="1" latinLnBrk="0" hangingPunct="1"/>
             <a:r>
-              <a:rPr lang="en-US" smtClean="0"/>
+              <a:rPr lang="en-US"/>
               <a:t>Fourth level</a:t>
             </a:r>
           </a:p>
           <a:p>
             <a:pPr lvl="4" eaLnBrk="1" latinLnBrk="0" hangingPunct="1"/>
             <a:r>
-              <a:rPr lang="en-US" smtClean="0"/>
+              <a:rPr lang="en-US"/>
               <a:t>Fifth level</a:t>
             </a:r>
             <a:endParaRPr kumimoji="0" lang="en-US"/>
@@ -1895,35 +1884,35 @@
           <a:p>
             <a:pPr lvl="0" eaLnBrk="1" latinLnBrk="0" hangingPunct="1"/>
             <a:r>
-              <a:rPr lang="en-US" smtClean="0"/>
+              <a:rPr lang="en-US"/>
               <a:t>Click to edit Master text styles</a:t>
             </a:r>
           </a:p>
           <a:p>
             <a:pPr lvl="1" eaLnBrk="1" latinLnBrk="0" hangingPunct="1"/>
             <a:r>
-              <a:rPr lang="en-US" smtClean="0"/>
+              <a:rPr lang="en-US"/>
               <a:t>Second level</a:t>
             </a:r>
           </a:p>
           <a:p>
             <a:pPr lvl="2" eaLnBrk="1" latinLnBrk="0" hangingPunct="1"/>
             <a:r>
-              <a:rPr lang="en-US" smtClean="0"/>
+              <a:rPr lang="en-US"/>
               <a:t>Third level</a:t>
             </a:r>
           </a:p>
           <a:p>
             <a:pPr lvl="3" eaLnBrk="1" latinLnBrk="0" hangingPunct="1"/>
             <a:r>
-              <a:rPr lang="en-US" smtClean="0"/>
+              <a:rPr lang="en-US"/>
               <a:t>Fourth level</a:t>
             </a:r>
           </a:p>
           <a:p>
             <a:pPr lvl="4" eaLnBrk="1" latinLnBrk="0" hangingPunct="1"/>
             <a:r>
-              <a:rPr lang="en-US" smtClean="0"/>
+              <a:rPr lang="en-US"/>
               <a:t>Fifth level</a:t>
             </a:r>
             <a:endParaRPr kumimoji="0" lang="en-US"/>
@@ -1943,9 +1932,7 @@
         <p:spPr/>
         <p:txBody>
           <a:bodyPr/>
-          <a:lstStyle>
-            <a:extLst/>
-          </a:lstStyle>
+          <a:lstStyle/>
           <a:p>
             <a:fld id="{1D8BD707-D9CF-40AE-B4C6-C98DA3205C09}" type="datetimeFigureOut">
               <a:rPr lang="en-US" smtClean="0"/>
@@ -1969,9 +1956,7 @@
         <p:spPr/>
         <p:txBody>
           <a:bodyPr/>
-          <a:lstStyle>
-            <a:extLst/>
-          </a:lstStyle>
+          <a:lstStyle/>
           <a:p>
             <a:endParaRPr lang="en-US"/>
           </a:p>
@@ -1990,9 +1975,7 @@
         <p:spPr/>
         <p:txBody>
           <a:bodyPr/>
-          <a:lstStyle>
-            <a:extLst/>
-          </a:lstStyle>
+          <a:lstStyle/>
           <a:p>
             <a:fld id="{B6F15528-21DE-4FAA-801E-634DDDAF4B2B}" type="slidenum">
               <a:rPr lang="en-US" smtClean="0"/>
@@ -2046,15 +2029,12 @@
         </p:spPr>
         <p:txBody>
           <a:bodyPr/>
-          <a:lstStyle>
-            <a:extLst/>
-          </a:lstStyle>
-          <a:p>
-            <a:r>
-              <a:rPr kumimoji="0" lang="en-US" smtClean="0"/>
+          <a:lstStyle/>
+          <a:p>
+            <a:r>
+              <a:rPr kumimoji="0" lang="en-US"/>
               <a:t>Click to edit Master title style</a:t>
             </a:r>
-            <a:endParaRPr kumimoji="0" lang="en-US"/>
           </a:p>
         </p:txBody>
       </p:sp>
@@ -2071,9 +2051,7 @@
         <p:spPr/>
         <p:txBody>
           <a:bodyPr/>
-          <a:lstStyle>
-            <a:extLst/>
-          </a:lstStyle>
+          <a:lstStyle/>
           <a:p>
             <a:fld id="{1D8BD707-D9CF-40AE-B4C6-C98DA3205C09}" type="datetimeFigureOut">
               <a:rPr lang="en-US" smtClean="0"/>
@@ -2097,9 +2075,7 @@
         <p:spPr/>
         <p:txBody>
           <a:bodyPr/>
-          <a:lstStyle>
-            <a:extLst/>
-          </a:lstStyle>
+          <a:lstStyle/>
           <a:p>
             <a:endParaRPr lang="en-US"/>
           </a:p>
@@ -2118,9 +2094,7 @@
         <p:spPr/>
         <p:txBody>
           <a:bodyPr/>
-          <a:lstStyle>
-            <a:extLst/>
-          </a:lstStyle>
+          <a:lstStyle/>
           <a:p>
             <a:fld id="{B6F15528-21DE-4FAA-801E-634DDDAF4B2B}" type="slidenum">
               <a:rPr lang="en-US" smtClean="0"/>
@@ -2230,9 +2204,7 @@
         <p:spPr/>
         <p:txBody>
           <a:bodyPr/>
-          <a:lstStyle>
-            <a:extLst/>
-          </a:lstStyle>
+          <a:lstStyle/>
           <a:p>
             <a:fld id="{B6F15528-21DE-4FAA-801E-634DDDAF4B2B}" type="slidenum">
               <a:rPr lang="en-US" smtClean="0"/>
@@ -2295,10 +2267,9 @@
           </a:lstStyle>
           <a:p>
             <a:r>
-              <a:rPr kumimoji="0" lang="en-US" smtClean="0"/>
+              <a:rPr kumimoji="0" lang="en-US"/>
               <a:t>Click to edit Master title style</a:t>
             </a:r>
-            <a:endParaRPr kumimoji="0" lang="en-US"/>
           </a:p>
         </p:txBody>
       </p:sp>
@@ -2354,7 +2325,7 @@
           <a:p>
             <a:pPr lvl="0" eaLnBrk="1" latinLnBrk="0" hangingPunct="1"/>
             <a:r>
-              <a:rPr kumimoji="0" lang="en-US" smtClean="0"/>
+              <a:rPr kumimoji="0" lang="en-US"/>
               <a:t>Click to edit Master text styles</a:t>
             </a:r>
           </a:p>
@@ -2399,35 +2370,35 @@
           <a:p>
             <a:pPr lvl="0" eaLnBrk="1" latinLnBrk="0" hangingPunct="1"/>
             <a:r>
-              <a:rPr lang="en-US" smtClean="0"/>
+              <a:rPr lang="en-US"/>
               <a:t>Click to edit Master text styles</a:t>
             </a:r>
           </a:p>
           <a:p>
             <a:pPr lvl="1" eaLnBrk="1" latinLnBrk="0" hangingPunct="1"/>
             <a:r>
-              <a:rPr lang="en-US" smtClean="0"/>
+              <a:rPr lang="en-US"/>
               <a:t>Second level</a:t>
             </a:r>
           </a:p>
           <a:p>
             <a:pPr lvl="2" eaLnBrk="1" latinLnBrk="0" hangingPunct="1"/>
             <a:r>
-              <a:rPr lang="en-US" smtClean="0"/>
+              <a:rPr lang="en-US"/>
               <a:t>Third level</a:t>
             </a:r>
           </a:p>
           <a:p>
             <a:pPr lvl="3" eaLnBrk="1" latinLnBrk="0" hangingPunct="1"/>
             <a:r>
-              <a:rPr lang="en-US" smtClean="0"/>
+              <a:rPr lang="en-US"/>
               <a:t>Fourth level</a:t>
             </a:r>
           </a:p>
           <a:p>
             <a:pPr lvl="4" eaLnBrk="1" latinLnBrk="0" hangingPunct="1"/>
             <a:r>
-              <a:rPr lang="en-US" smtClean="0"/>
+              <a:rPr lang="en-US"/>
               <a:t>Fifth level</a:t>
             </a:r>
             <a:endParaRPr kumimoji="0" lang="en-US"/>
@@ -2447,9 +2418,7 @@
         <p:spPr/>
         <p:txBody>
           <a:bodyPr/>
-          <a:lstStyle>
-            <a:extLst/>
-          </a:lstStyle>
+          <a:lstStyle/>
           <a:p>
             <a:fld id="{1D8BD707-D9CF-40AE-B4C6-C98DA3205C09}" type="datetimeFigureOut">
               <a:rPr lang="en-US" smtClean="0"/>
@@ -2473,9 +2442,7 @@
         <p:spPr/>
         <p:txBody>
           <a:bodyPr/>
-          <a:lstStyle>
-            <a:extLst/>
-          </a:lstStyle>
+          <a:lstStyle/>
           <a:p>
             <a:endParaRPr lang="en-US"/>
           </a:p>
@@ -2494,9 +2461,7 @@
         <p:spPr/>
         <p:txBody>
           <a:bodyPr/>
-          <a:lstStyle>
-            <a:extLst/>
-          </a:lstStyle>
+          <a:lstStyle/>
           <a:p>
             <a:fld id="{B6F15528-21DE-4FAA-801E-634DDDAF4B2B}" type="slidenum">
               <a:rPr lang="en-US" smtClean="0"/>
@@ -2584,9 +2549,7 @@
         </p:style>
         <p:txBody>
           <a:bodyPr rtlCol="0" anchor="ctr"/>
-          <a:lstStyle>
-            <a:extLst/>
-          </a:lstStyle>
+          <a:lstStyle/>
           <a:p>
             <a:pPr algn="ctr" eaLnBrk="1" latinLnBrk="0" hangingPunct="1"/>
             <a:endParaRPr kumimoji="0" lang="en-US"/>
@@ -2640,9 +2603,7 @@
         </p:style>
         <p:txBody>
           <a:bodyPr rtlCol="0" anchor="ctr"/>
-          <a:lstStyle>
-            <a:extLst/>
-          </a:lstStyle>
+          <a:lstStyle/>
           <a:p>
             <a:pPr algn="ctr" eaLnBrk="1" latinLnBrk="0" hangingPunct="1"/>
             <a:endParaRPr kumimoji="0" lang="en-US"/>
@@ -2716,7 +2677,7 @@
           </a:lstStyle>
           <a:p>
             <a:r>
-              <a:rPr kumimoji="0" lang="en-US" smtClean="0"/>
+              <a:rPr kumimoji="0" lang="en-US"/>
               <a:t>Click to edit Master title style</a:t>
             </a:r>
             <a:endParaRPr kumimoji="0" lang="en-US" dirty="0"/>
@@ -2794,7 +2755,7 @@
               <a:defRPr/>
             </a:pPr>
             <a:r>
-              <a:rPr kumimoji="0" lang="en-US" smtClean="0"/>
+              <a:rPr kumimoji="0" lang="en-US"/>
               <a:t>Click to edit Master text styles</a:t>
             </a:r>
           </a:p>
@@ -2813,9 +2774,7 @@
         <p:spPr/>
         <p:txBody>
           <a:bodyPr/>
-          <a:lstStyle>
-            <a:extLst/>
-          </a:lstStyle>
+          <a:lstStyle/>
           <a:p>
             <a:fld id="{1D8BD707-D9CF-40AE-B4C6-C98DA3205C09}" type="datetimeFigureOut">
               <a:rPr lang="en-US" smtClean="0"/>
@@ -2839,9 +2798,7 @@
         <p:spPr/>
         <p:txBody>
           <a:bodyPr/>
-          <a:lstStyle>
-            <a:extLst/>
-          </a:lstStyle>
+          <a:lstStyle/>
           <a:p>
             <a:endParaRPr lang="en-US"/>
           </a:p>
@@ -2860,9 +2817,7 @@
         <p:spPr/>
         <p:txBody>
           <a:bodyPr/>
-          <a:lstStyle>
-            <a:extLst/>
-          </a:lstStyle>
+          <a:lstStyle/>
           <a:p>
             <a:fld id="{B6F15528-21DE-4FAA-801E-634DDDAF4B2B}" type="slidenum">
               <a:rPr lang="en-US" smtClean="0"/>
@@ -2927,7 +2882,7 @@
           </a:lstStyle>
           <a:p>
             <a:r>
-              <a:rPr kumimoji="0" lang="en-US" smtClean="0"/>
+              <a:rPr kumimoji="0" lang="en-US"/>
               <a:t>Click icon to add picture</a:t>
             </a:r>
             <a:endParaRPr kumimoji="0" lang="en-US" dirty="0"/>
@@ -3034,9 +2989,7 @@
         </p:style>
         <p:txBody>
           <a:bodyPr anchor="ctr"/>
-          <a:lstStyle>
-            <a:extLst/>
-          </a:lstStyle>
+          <a:lstStyle/>
           <a:p>
             <a:pPr algn="ctr" eaLnBrk="1" latinLnBrk="0" hangingPunct="1"/>
             <a:endParaRPr kumimoji="0" lang="en-US"/>
@@ -3066,15 +3019,12 @@
           <a:bodyPr vert="horz" lIns="45720" tIns="0" rIns="45720" bIns="0" anchor="b" anchorCtr="0">
             <a:normAutofit/>
           </a:bodyPr>
-          <a:lstStyle>
-            <a:extLst/>
-          </a:lstStyle>
-          <a:p>
-            <a:r>
-              <a:rPr kumimoji="0" lang="en-US" smtClean="0"/>
+          <a:lstStyle/>
+          <a:p>
+            <a:r>
+              <a:rPr kumimoji="0" lang="en-US"/>
               <a:t>Click to edit Master title style</a:t>
             </a:r>
-            <a:endParaRPr kumimoji="0" lang="en-US"/>
           </a:p>
         </p:txBody>
       </p:sp>
@@ -3101,44 +3051,41 @@
           <a:bodyPr vert="horz">
             <a:normAutofit/>
           </a:bodyPr>
-          <a:lstStyle>
-            <a:extLst/>
-          </a:lstStyle>
+          <a:lstStyle/>
           <a:p>
             <a:pPr lvl="0" eaLnBrk="1" latinLnBrk="0" hangingPunct="1"/>
             <a:r>
-              <a:rPr kumimoji="0" lang="en-US" smtClean="0"/>
+              <a:rPr kumimoji="0" lang="en-US"/>
               <a:t>Click to edit Master text styles</a:t>
             </a:r>
           </a:p>
           <a:p>
             <a:pPr lvl="1" eaLnBrk="1" latinLnBrk="0" hangingPunct="1"/>
             <a:r>
-              <a:rPr kumimoji="0" lang="en-US" smtClean="0"/>
+              <a:rPr kumimoji="0" lang="en-US"/>
               <a:t>Second level</a:t>
             </a:r>
           </a:p>
           <a:p>
             <a:pPr lvl="2" eaLnBrk="1" latinLnBrk="0" hangingPunct="1"/>
             <a:r>
-              <a:rPr kumimoji="0" lang="en-US" smtClean="0"/>
+              <a:rPr kumimoji="0" lang="en-US"/>
               <a:t>Third level</a:t>
             </a:r>
           </a:p>
           <a:p>
             <a:pPr lvl="3" eaLnBrk="1" latinLnBrk="0" hangingPunct="1"/>
             <a:r>
-              <a:rPr kumimoji="0" lang="en-US" smtClean="0"/>
+              <a:rPr kumimoji="0" lang="en-US"/>
               <a:t>Fourth level</a:t>
             </a:r>
           </a:p>
           <a:p>
             <a:pPr lvl="4" eaLnBrk="1" latinLnBrk="0" hangingPunct="1"/>
             <a:r>
-              <a:rPr kumimoji="0" lang="en-US" smtClean="0"/>
+              <a:rPr kumimoji="0" lang="en-US"/>
               <a:t>Fifth level</a:t>
             </a:r>
-            <a:endParaRPr kumimoji="0" lang="en-US"/>
           </a:p>
         </p:txBody>
       </p:sp>
@@ -3644,15 +3591,15 @@
           <a:p>
             <a:pPr algn="l"/>
             <a:r>
-              <a:rPr lang="en-US" sz="3600" dirty="0" smtClean="0"/>
+              <a:rPr lang="en-US" sz="3600" dirty="0"/>
               <a:t>Advanced Es6 &amp; </a:t>
             </a:r>
             <a:r>
-              <a:rPr lang="he-IL" sz="3600" dirty="0" smtClean="0"/>
+              <a:rPr lang="he-IL" sz="3600" dirty="0"/>
               <a:t> </a:t>
             </a:r>
             <a:r>
-              <a:rPr lang="en-US" sz="3600" dirty="0" smtClean="0"/>
+              <a:rPr lang="en-US" sz="3600" dirty="0"/>
               <a:t>TypeScript</a:t>
             </a:r>
             <a:endParaRPr lang="he-IL" sz="3600" dirty="0"/>
@@ -3675,13 +3622,13 @@
           <a:lstStyle/>
           <a:p>
             <a:r>
-              <a:rPr lang="en-US" dirty="0" smtClean="0"/>
+              <a:rPr lang="en-US" dirty="0"/>
               <a:t>Israel</a:t>
             </a:r>
           </a:p>
           <a:p>
             <a:r>
-              <a:rPr lang="en-US" dirty="0" smtClean="0"/>
+              <a:rPr lang="en-US" dirty="0"/>
               <a:t>Z.</a:t>
             </a:r>
             <a:endParaRPr lang="he-IL" dirty="0"/>
@@ -3693,13 +3640,6 @@
   <p:clrMapOvr>
     <a:masterClrMapping/>
   </p:clrMapOvr>
-  <p:timing>
-    <p:tnLst>
-      <p:par>
-        <p:cTn id="1" dur="indefinite" restart="never" nodeType="tmRoot"/>
-      </p:par>
-    </p:tnLst>
-  </p:timing>
 </p:sld>
 </file>
 
@@ -3736,7 +3676,7 @@
           <a:lstStyle/>
           <a:p>
             <a:r>
-              <a:rPr lang="en-US" dirty="0" smtClean="0"/>
+              <a:rPr lang="en-US" dirty="0"/>
               <a:t>Null and undefined</a:t>
             </a:r>
             <a:endParaRPr lang="he-IL" dirty="0"/>
@@ -3763,48 +3703,48 @@
             <a:pPr algn="l" rtl="0">
               <a:buNone/>
             </a:pPr>
-            <a:endParaRPr lang="en-US" dirty="0" smtClean="0"/>
+            <a:endParaRPr lang="en-US" dirty="0"/>
           </a:p>
           <a:p>
             <a:pPr algn="l" rtl="0">
               <a:buNone/>
             </a:pPr>
-            <a:endParaRPr lang="en-US" dirty="0" smtClean="0"/>
+            <a:endParaRPr lang="en-US" dirty="0"/>
           </a:p>
           <a:p>
             <a:pPr algn="l" rtl="0">
               <a:buNone/>
             </a:pPr>
-            <a:endParaRPr lang="en-US" dirty="0" smtClean="0"/>
+            <a:endParaRPr lang="en-US" dirty="0"/>
           </a:p>
           <a:p>
             <a:pPr algn="l" rtl="0">
               <a:buNone/>
             </a:pPr>
-            <a:endParaRPr lang="en-US" dirty="0" smtClean="0"/>
+            <a:endParaRPr lang="en-US" dirty="0"/>
           </a:p>
           <a:p>
             <a:pPr algn="l" rtl="0">
               <a:buNone/>
             </a:pPr>
-            <a:endParaRPr lang="en-US" dirty="0" smtClean="0"/>
+            <a:endParaRPr lang="en-US" dirty="0"/>
           </a:p>
           <a:p>
             <a:pPr algn="l" rtl="0">
               <a:buNone/>
             </a:pPr>
-            <a:endParaRPr lang="en-US" dirty="0" smtClean="0"/>
+            <a:endParaRPr lang="en-US" dirty="0"/>
           </a:p>
           <a:p>
             <a:pPr algn="l" rtl="0">
               <a:buNone/>
             </a:pPr>
             <a:r>
-              <a:rPr lang="en-US" sz="2000" dirty="0" smtClean="0"/>
+              <a:rPr lang="en-US" sz="2000" dirty="0"/>
               <a:t>In </a:t>
             </a:r>
             <a:r>
-              <a:rPr lang="en-US" sz="2000" dirty="0" smtClean="0">
+              <a:rPr lang="en-US" sz="2000" dirty="0">
                 <a:solidFill>
                   <a:srgbClr val="FF0000"/>
                 </a:solidFill>
@@ -3812,7 +3752,7 @@
               <a:t>strict null checking mode </a:t>
             </a:r>
             <a:r>
-              <a:rPr lang="en-US" sz="2000" dirty="0" smtClean="0"/>
+              <a:rPr lang="en-US" sz="2000" dirty="0"/>
               <a:t>the compiler requires every</a:t>
             </a:r>
           </a:p>
@@ -3821,7 +3761,7 @@
               <a:buNone/>
             </a:pPr>
             <a:r>
-              <a:rPr lang="en-US" sz="2000" dirty="0" smtClean="0"/>
+              <a:rPr lang="en-US" sz="2000" dirty="0"/>
               <a:t>reference to a local variable of a type that doesn’t include</a:t>
             </a:r>
           </a:p>
@@ -3830,7 +3770,7 @@
               <a:buNone/>
             </a:pPr>
             <a:r>
-              <a:rPr lang="en-US" sz="2000" dirty="0" smtClean="0"/>
+              <a:rPr lang="en-US" sz="2000" dirty="0"/>
               <a:t>undefined to be in preceded by an assignment to that</a:t>
             </a:r>
           </a:p>
@@ -3839,7 +3779,7 @@
               <a:buNone/>
             </a:pPr>
             <a:r>
-              <a:rPr lang="en-US" sz="2000" dirty="0" smtClean="0"/>
+              <a:rPr lang="en-US" sz="2000" dirty="0"/>
               <a:t>variable every possible preceding code path.</a:t>
             </a:r>
             <a:endParaRPr lang="he-IL" sz="2000" dirty="0"/>
@@ -3913,7 +3853,7 @@
           <a:lstStyle/>
           <a:p>
             <a:r>
-              <a:rPr lang="en-US" dirty="0" smtClean="0"/>
+              <a:rPr lang="en-US" dirty="0"/>
               <a:t>Null and undefined</a:t>
             </a:r>
             <a:endParaRPr lang="he-IL" dirty="0"/>
@@ -3941,7 +3881,7 @@
               <a:buNone/>
             </a:pPr>
             <a:r>
-              <a:rPr lang="en-US" sz="2400" dirty="0" smtClean="0"/>
+              <a:rPr lang="en-US" sz="2400" dirty="0"/>
               <a:t>Optional parameters and properties automatically </a:t>
             </a:r>
           </a:p>
@@ -3950,7 +3890,7 @@
               <a:buNone/>
             </a:pPr>
             <a:r>
-              <a:rPr lang="en-US" sz="2400" dirty="0" smtClean="0"/>
+              <a:rPr lang="en-US" sz="2400" dirty="0"/>
               <a:t>have undefined added to their types, even when </a:t>
             </a:r>
           </a:p>
@@ -3959,7 +3899,7 @@
               <a:buNone/>
             </a:pPr>
             <a:r>
-              <a:rPr lang="en-US" sz="2400" dirty="0" smtClean="0"/>
+              <a:rPr lang="en-US" sz="2400" dirty="0"/>
               <a:t>their type annotations don’t specifically</a:t>
             </a:r>
           </a:p>
@@ -3968,7 +3908,7 @@
               <a:buNone/>
             </a:pPr>
             <a:r>
-              <a:rPr lang="en-US" sz="2400" dirty="0" smtClean="0"/>
+              <a:rPr lang="en-US" sz="2400" dirty="0"/>
               <a:t>include undefined.</a:t>
             </a:r>
           </a:p>
@@ -3976,14 +3916,14 @@
             <a:pPr algn="l" rtl="0">
               <a:buNone/>
             </a:pPr>
-            <a:endParaRPr lang="en-US" sz="2400" dirty="0" smtClean="0"/>
+            <a:endParaRPr lang="en-US" sz="2400" dirty="0"/>
           </a:p>
           <a:p>
             <a:pPr algn="l" rtl="0">
               <a:buNone/>
             </a:pPr>
             <a:r>
-              <a:rPr lang="en-US" sz="2300" dirty="0" smtClean="0"/>
+              <a:rPr lang="en-US" sz="2300" dirty="0"/>
               <a:t>For example, the following two types </a:t>
             </a:r>
           </a:p>
@@ -3992,7 +3932,7 @@
               <a:buNone/>
             </a:pPr>
             <a:r>
-              <a:rPr lang="en-US" sz="2300" dirty="0" smtClean="0"/>
+              <a:rPr lang="en-US" sz="2300" dirty="0"/>
               <a:t>are identical:</a:t>
             </a:r>
             <a:endParaRPr lang="he-IL" sz="2300" dirty="0"/>
@@ -4066,7 +4006,7 @@
           <a:lstStyle/>
           <a:p>
             <a:r>
-              <a:rPr lang="en-US" dirty="0" smtClean="0"/>
+              <a:rPr lang="en-US" dirty="0"/>
               <a:t>Null and undefined</a:t>
             </a:r>
             <a:endParaRPr lang="he-IL" dirty="0"/>
@@ -4090,52 +4030,52 @@
           <a:p>
             <a:pPr algn="l" rtl="0"/>
             <a:r>
-              <a:rPr lang="en-US" dirty="0" smtClean="0"/>
+              <a:rPr lang="en-US" dirty="0"/>
               <a:t>A </a:t>
             </a:r>
             <a:r>
-              <a:rPr lang="en-US" b="1" dirty="0" smtClean="0"/>
+              <a:rPr lang="en-US" b="1" dirty="0"/>
               <a:t>null</a:t>
             </a:r>
             <a:r>
-              <a:rPr lang="en-US" dirty="0" smtClean="0"/>
+              <a:rPr lang="en-US" dirty="0"/>
               <a:t> value represents a reference that points, generally intentionally, to a nonexistent or invalid object or address</a:t>
             </a:r>
           </a:p>
           <a:p>
             <a:pPr algn="l" rtl="0"/>
             <a:r>
-              <a:rPr lang="en-US" dirty="0" smtClean="0"/>
+              <a:rPr lang="en-US" dirty="0"/>
               <a:t>In APIs, null is often retrieved in a place where an object can be expected but no object is relevant.</a:t>
             </a:r>
           </a:p>
           <a:p>
             <a:pPr algn="l" rtl="0"/>
             <a:r>
-              <a:rPr lang="en-US" dirty="0" smtClean="0"/>
+              <a:rPr lang="en-US" dirty="0"/>
               <a:t>Something hasn't been initialized :</a:t>
             </a:r>
             <a:r>
-              <a:rPr lang="en-US" b="1" dirty="0" smtClean="0"/>
+              <a:rPr lang="en-US" b="1" dirty="0"/>
               <a:t> undefined</a:t>
             </a:r>
             <a:r>
-              <a:rPr lang="en-US" dirty="0" smtClean="0"/>
+              <a:rPr lang="en-US" dirty="0"/>
               <a:t>.</a:t>
             </a:r>
           </a:p>
           <a:p>
             <a:pPr algn="l" rtl="0"/>
             <a:r>
-              <a:rPr lang="en-US" dirty="0" smtClean="0"/>
+              <a:rPr lang="en-US" dirty="0"/>
               <a:t>Something is currently unavailable: </a:t>
             </a:r>
             <a:r>
-              <a:rPr lang="en-US" b="1" dirty="0" smtClean="0"/>
+              <a:rPr lang="en-US" b="1" dirty="0"/>
               <a:t>null</a:t>
             </a:r>
             <a:r>
-              <a:rPr lang="en-US" dirty="0" smtClean="0"/>
+              <a:rPr lang="en-US" dirty="0"/>
               <a:t>.</a:t>
             </a:r>
           </a:p>
@@ -4150,13 +4090,6 @@
   <p:clrMapOvr>
     <a:masterClrMapping/>
   </p:clrMapOvr>
-  <p:timing>
-    <p:tnLst>
-      <p:par>
-        <p:cTn id="1" dur="indefinite" restart="never" nodeType="tmRoot"/>
-      </p:par>
-    </p:tnLst>
-  </p:timing>
 </p:sld>
 </file>
 
@@ -4193,7 +4126,7 @@
           <a:lstStyle/>
           <a:p>
             <a:r>
-              <a:rPr lang="en-US" dirty="0" smtClean="0"/>
+              <a:rPr lang="en-US" dirty="0"/>
               <a:t>Null and undefined</a:t>
             </a:r>
             <a:endParaRPr lang="he-IL" dirty="0"/>
@@ -4217,47 +4150,47 @@
           <a:p>
             <a:pPr algn="l" rtl="0"/>
             <a:r>
-              <a:rPr lang="en-US" dirty="0" smtClean="0"/>
+              <a:rPr lang="en-US" dirty="0"/>
               <a:t>both when negated are giving true (</a:t>
             </a:r>
             <a:r>
-              <a:rPr lang="en-US" dirty="0" err="1" smtClean="0"/>
+              <a:rPr lang="en-US" dirty="0" err="1"/>
               <a:t>falsy</a:t>
             </a:r>
             <a:r>
-              <a:rPr lang="en-US" dirty="0" smtClean="0"/>
+              <a:rPr lang="en-US" dirty="0"/>
               <a:t> values), but none of them equals true or false.</a:t>
             </a:r>
           </a:p>
           <a:p>
             <a:pPr algn="l" rtl="0"/>
             <a:r>
-              <a:rPr lang="en-US" dirty="0" smtClean="0"/>
+              <a:rPr lang="en-US" dirty="0"/>
               <a:t>In JavaScript, undefined has its own data type (undefined), null is only an object.</a:t>
             </a:r>
           </a:p>
           <a:p>
             <a:pPr algn="l" rtl="0"/>
             <a:r>
-              <a:rPr lang="en-US" dirty="0" smtClean="0"/>
+              <a:rPr lang="en-US" dirty="0"/>
               <a:t>In JavaScript, null is treated as 0 in basic arithmetic operations, undefined returns ‘</a:t>
             </a:r>
             <a:r>
-              <a:rPr lang="en-US" dirty="0" err="1" smtClean="0"/>
+              <a:rPr lang="en-US" dirty="0" err="1"/>
               <a:t>NaN</a:t>
             </a:r>
             <a:r>
-              <a:rPr lang="en-US" dirty="0" smtClean="0"/>
+              <a:rPr lang="en-US" dirty="0"/>
               <a:t>’</a:t>
             </a:r>
           </a:p>
           <a:p>
             <a:pPr algn="l" rtl="0"/>
-            <a:endParaRPr lang="en-US" dirty="0" smtClean="0"/>
-          </a:p>
-          <a:p>
-            <a:pPr algn="l" rtl="0"/>
-            <a:endParaRPr lang="en-US" dirty="0" smtClean="0"/>
+            <a:endParaRPr lang="en-US" dirty="0"/>
+          </a:p>
+          <a:p>
+            <a:pPr algn="l" rtl="0"/>
+            <a:endParaRPr lang="en-US" dirty="0"/>
           </a:p>
           <a:p>
             <a:pPr algn="l" rtl="0"/>
@@ -4270,13 +4203,6 @@
   <p:clrMapOvr>
     <a:masterClrMapping/>
   </p:clrMapOvr>
-  <p:timing>
-    <p:tnLst>
-      <p:par>
-        <p:cTn id="1" dur="indefinite" restart="never" nodeType="tmRoot"/>
-      </p:par>
-    </p:tnLst>
-  </p:timing>
 </p:sld>
 </file>
 
@@ -4313,7 +4239,7 @@
           <a:lstStyle/>
           <a:p>
             <a:r>
-              <a:rPr lang="en-US" dirty="0" smtClean="0"/>
+              <a:rPr lang="en-US" dirty="0"/>
               <a:t>Null and undefined</a:t>
             </a:r>
             <a:endParaRPr lang="he-IL" dirty="0"/>
@@ -4339,7 +4265,7 @@
               <a:buNone/>
             </a:pPr>
             <a:r>
-              <a:rPr lang="en-US" dirty="0" smtClean="0"/>
+              <a:rPr lang="en-US" dirty="0"/>
               <a:t>Lets see some practical difference:</a:t>
             </a:r>
           </a:p>
@@ -4347,26 +4273,26 @@
             <a:pPr algn="l" rtl="0">
               <a:buNone/>
             </a:pPr>
-            <a:endParaRPr lang="en-US" dirty="0" smtClean="0"/>
+            <a:endParaRPr lang="en-US" dirty="0"/>
           </a:p>
           <a:p>
             <a:pPr algn="l" rtl="0">
               <a:buNone/>
             </a:pPr>
-            <a:endParaRPr lang="en-US" dirty="0" smtClean="0"/>
+            <a:endParaRPr lang="en-US" dirty="0"/>
           </a:p>
           <a:p>
             <a:pPr algn="l" rtl="0">
               <a:buNone/>
             </a:pPr>
-            <a:endParaRPr lang="en-US" dirty="0" smtClean="0"/>
+            <a:endParaRPr lang="en-US" dirty="0"/>
           </a:p>
           <a:p>
             <a:pPr algn="l" rtl="0">
               <a:buNone/>
             </a:pPr>
             <a:r>
-              <a:rPr lang="en-US" dirty="0" smtClean="0"/>
+              <a:rPr lang="en-US" dirty="0"/>
               <a:t>What is the output of:</a:t>
             </a:r>
           </a:p>
@@ -4375,15 +4301,15 @@
               <a:buAutoNum type="arabicPeriod"/>
             </a:pPr>
             <a:r>
-              <a:rPr lang="en-US" dirty="0" err="1" smtClean="0"/>
+              <a:rPr lang="en-US" dirty="0" err="1"/>
               <a:t>logHi</a:t>
             </a:r>
             <a:r>
-              <a:rPr lang="en-US" dirty="0" smtClean="0"/>
+              <a:rPr lang="en-US" dirty="0"/>
               <a:t>(</a:t>
             </a:r>
             <a:r>
-              <a:rPr lang="en-US" dirty="0" smtClean="0">
+              <a:rPr lang="en-US" dirty="0">
                 <a:solidFill>
                   <a:srgbClr val="0070C0"/>
                 </a:solidFill>
@@ -4391,7 +4317,7 @@
               <a:t>null</a:t>
             </a:r>
             <a:r>
-              <a:rPr lang="en-US" dirty="0" smtClean="0"/>
+              <a:rPr lang="en-US" dirty="0"/>
               <a:t>);</a:t>
             </a:r>
           </a:p>
@@ -4401,15 +4327,15 @@
               <a:buAutoNum type="arabicPeriod"/>
             </a:pPr>
             <a:r>
-              <a:rPr lang="en-US" dirty="0" err="1" smtClean="0"/>
+              <a:rPr lang="en-US" dirty="0" err="1"/>
               <a:t>logHi</a:t>
             </a:r>
             <a:r>
-              <a:rPr lang="en-US" dirty="0" smtClean="0"/>
+              <a:rPr lang="en-US" dirty="0"/>
               <a:t>(</a:t>
             </a:r>
             <a:r>
-              <a:rPr lang="en-US" dirty="0" smtClean="0">
+              <a:rPr lang="en-US" dirty="0">
                 <a:solidFill>
                   <a:srgbClr val="0070C0"/>
                 </a:solidFill>
@@ -4417,7 +4343,7 @@
               <a:t>undefined</a:t>
             </a:r>
             <a:r>
-              <a:rPr lang="en-US" dirty="0" smtClean="0"/>
+              <a:rPr lang="en-US" dirty="0"/>
               <a:t>);</a:t>
             </a:r>
           </a:p>
@@ -4425,7 +4351,7 @@
             <a:pPr algn="l" rtl="0">
               <a:buNone/>
             </a:pPr>
-            <a:endParaRPr lang="en-US" dirty="0" smtClean="0"/>
+            <a:endParaRPr lang="en-US" dirty="0"/>
           </a:p>
         </p:txBody>
       </p:sp>
@@ -4496,7 +4422,7 @@
           <a:lstStyle/>
           <a:p>
             <a:r>
-              <a:rPr lang="en-US" dirty="0" smtClean="0"/>
+              <a:rPr lang="en-US" dirty="0"/>
               <a:t>Null and undefined</a:t>
             </a:r>
             <a:endParaRPr lang="he-IL" dirty="0"/>
@@ -4520,15 +4446,15 @@
           <a:p>
             <a:pPr algn="l" rtl="0"/>
             <a:r>
-              <a:rPr lang="en-US" dirty="0" err="1" smtClean="0"/>
+              <a:rPr lang="en-US" dirty="0" err="1"/>
               <a:t>logHi</a:t>
             </a:r>
             <a:r>
-              <a:rPr lang="en-US" dirty="0" smtClean="0"/>
+              <a:rPr lang="en-US" dirty="0"/>
               <a:t>(</a:t>
             </a:r>
             <a:r>
-              <a:rPr lang="en-US" dirty="0" smtClean="0">
+              <a:rPr lang="en-US" dirty="0">
                 <a:solidFill>
                   <a:srgbClr val="FFC000"/>
                 </a:solidFill>
@@ -4536,14 +4462,14 @@
               <a:t>'bye'</a:t>
             </a:r>
             <a:r>
-              <a:rPr lang="en-US" dirty="0" smtClean="0"/>
+              <a:rPr lang="en-US" dirty="0"/>
               <a:t>);</a:t>
             </a:r>
             <a:br>
-              <a:rPr lang="en-US" dirty="0" smtClean="0"/>
+              <a:rPr lang="en-US" dirty="0"/>
             </a:br>
             <a:r>
-              <a:rPr lang="en-US" dirty="0" smtClean="0">
+              <a:rPr lang="en-US" dirty="0">
                 <a:solidFill>
                   <a:srgbClr val="92D050"/>
                 </a:solidFill>
@@ -4553,20 +4479,20 @@
           </a:p>
           <a:p>
             <a:pPr algn="l" rtl="0"/>
-            <a:endParaRPr lang="en-US" dirty="0" smtClean="0"/>
-          </a:p>
-          <a:p>
-            <a:pPr algn="l" rtl="0"/>
-            <a:r>
-              <a:rPr lang="en-US" dirty="0" err="1" smtClean="0"/>
+            <a:endParaRPr lang="en-US" dirty="0"/>
+          </a:p>
+          <a:p>
+            <a:pPr algn="l" rtl="0"/>
+            <a:r>
+              <a:rPr lang="en-US" dirty="0" err="1"/>
               <a:t>logHi</a:t>
             </a:r>
             <a:r>
-              <a:rPr lang="en-US" dirty="0" smtClean="0"/>
+              <a:rPr lang="en-US" dirty="0"/>
               <a:t>(</a:t>
             </a:r>
             <a:r>
-              <a:rPr lang="en-US" dirty="0" smtClean="0">
+              <a:rPr lang="en-US" dirty="0">
                 <a:solidFill>
                   <a:srgbClr val="0070C0"/>
                 </a:solidFill>
@@ -4574,14 +4500,14 @@
               <a:t>undefined</a:t>
             </a:r>
             <a:r>
-              <a:rPr lang="en-US" dirty="0" smtClean="0"/>
+              <a:rPr lang="en-US" dirty="0"/>
               <a:t>);</a:t>
             </a:r>
             <a:br>
-              <a:rPr lang="en-US" dirty="0" smtClean="0"/>
+              <a:rPr lang="en-US" dirty="0"/>
             </a:br>
             <a:r>
-              <a:rPr lang="en-US" dirty="0" smtClean="0">
+              <a:rPr lang="en-US" dirty="0">
                 <a:solidFill>
                   <a:srgbClr val="92D050"/>
                 </a:solidFill>
@@ -4591,20 +4517,20 @@
           </a:p>
           <a:p>
             <a:pPr algn="l" rtl="0"/>
-            <a:endParaRPr lang="en-US" dirty="0" smtClean="0"/>
-          </a:p>
-          <a:p>
-            <a:pPr algn="l" rtl="0"/>
-            <a:r>
-              <a:rPr lang="en-US" dirty="0" err="1" smtClean="0"/>
+            <a:endParaRPr lang="en-US" dirty="0"/>
+          </a:p>
+          <a:p>
+            <a:pPr algn="l" rtl="0"/>
+            <a:r>
+              <a:rPr lang="en-US" dirty="0" err="1"/>
               <a:t>logHi</a:t>
             </a:r>
             <a:r>
-              <a:rPr lang="en-US" dirty="0" smtClean="0"/>
+              <a:rPr lang="en-US" dirty="0"/>
               <a:t>(</a:t>
             </a:r>
             <a:r>
-              <a:rPr lang="en-US" dirty="0" smtClean="0">
+              <a:rPr lang="en-US" dirty="0">
                 <a:solidFill>
                   <a:srgbClr val="0070C0"/>
                 </a:solidFill>
@@ -4612,14 +4538,14 @@
               <a:t>null</a:t>
             </a:r>
             <a:r>
-              <a:rPr lang="en-US" dirty="0" smtClean="0"/>
+              <a:rPr lang="en-US" dirty="0"/>
               <a:t>);</a:t>
             </a:r>
             <a:br>
-              <a:rPr lang="en-US" dirty="0" smtClean="0"/>
+              <a:rPr lang="en-US" dirty="0"/>
             </a:br>
             <a:r>
-              <a:rPr lang="en-US" dirty="0" smtClean="0">
+              <a:rPr lang="en-US" dirty="0">
                 <a:solidFill>
                   <a:srgbClr val="92D050"/>
                 </a:solidFill>
@@ -4670,7 +4596,7 @@
           <a:lstStyle/>
           <a:p>
             <a:r>
-              <a:rPr lang="en-US" dirty="0" smtClean="0"/>
+              <a:rPr lang="en-US" dirty="0"/>
               <a:t>Null and undefined</a:t>
             </a:r>
             <a:endParaRPr lang="he-IL" dirty="0"/>
@@ -4696,15 +4622,15 @@
               <a:buNone/>
             </a:pPr>
             <a:r>
-              <a:rPr lang="en-US" dirty="0" smtClean="0"/>
+              <a:rPr lang="en-US" dirty="0"/>
               <a:t>How </a:t>
             </a:r>
             <a:r>
-              <a:rPr lang="en-US" b="1" dirty="0" smtClean="0"/>
+              <a:rPr lang="en-US" b="1" dirty="0"/>
               <a:t>JavaScript</a:t>
             </a:r>
             <a:r>
-              <a:rPr lang="en-US" dirty="0" smtClean="0"/>
+              <a:rPr lang="en-US" dirty="0"/>
               <a:t> sees null and undefined ? </a:t>
             </a:r>
             <a:endParaRPr lang="he-IL" dirty="0"/>
@@ -4781,7 +4707,7 @@
           <a:p>
             <a:pPr rtl="0"/>
             <a:r>
-              <a:rPr lang="en-US" sz="4000" dirty="0" smtClean="0"/>
+              <a:rPr lang="en-US" sz="4000" dirty="0"/>
               <a:t>‘This’ key word and Closure</a:t>
             </a:r>
           </a:p>
@@ -4804,13 +4730,13 @@
           <a:p>
             <a:pPr algn="l" rtl="0"/>
             <a:r>
-              <a:rPr lang="en-US" dirty="0" smtClean="0"/>
+              <a:rPr lang="en-US" dirty="0"/>
               <a:t>The this keyword in JavaScript (and thus TypeScript) behaves differently than it does in many other languages.</a:t>
             </a:r>
           </a:p>
           <a:p>
             <a:pPr algn="l" rtl="0"/>
-            <a:endParaRPr lang="en-US" dirty="0" smtClean="0"/>
+            <a:endParaRPr lang="en-US" dirty="0"/>
           </a:p>
         </p:txBody>
       </p:sp>
@@ -4858,7 +4784,7 @@
           <a:p>
             <a:pPr rtl="0"/>
             <a:r>
-              <a:rPr lang="en-US" sz="4000" dirty="0" smtClean="0"/>
+              <a:rPr lang="en-US" sz="4000" dirty="0"/>
               <a:t>‘This’ key word and Closure</a:t>
             </a:r>
           </a:p>
@@ -4885,15 +4811,15 @@
               <a:buNone/>
             </a:pPr>
             <a:r>
-              <a:rPr lang="en-US" dirty="0" smtClean="0"/>
+              <a:rPr lang="en-US" dirty="0"/>
               <a:t>What is </a:t>
             </a:r>
             <a:r>
-              <a:rPr lang="en-US" b="1" dirty="0" smtClean="0"/>
+              <a:rPr lang="en-US" b="1" dirty="0"/>
               <a:t>this</a:t>
             </a:r>
             <a:r>
-              <a:rPr lang="en-US" dirty="0" smtClean="0"/>
+              <a:rPr lang="en-US" dirty="0"/>
               <a:t> in JavaScript?</a:t>
             </a:r>
           </a:p>
@@ -4901,14 +4827,14 @@
             <a:pPr algn="l" rtl="0">
               <a:buNone/>
             </a:pPr>
-            <a:endParaRPr lang="en-US" dirty="0" smtClean="0"/>
+            <a:endParaRPr lang="en-US" dirty="0"/>
           </a:p>
           <a:p>
             <a:pPr algn="l" rtl="0">
               <a:buNone/>
             </a:pPr>
             <a:r>
-              <a:rPr lang="en-US" dirty="0" smtClean="0"/>
+              <a:rPr lang="en-US" dirty="0"/>
               <a:t>When a function is invoked in JavaScript, you can</a:t>
             </a:r>
           </a:p>
@@ -4917,7 +4843,7 @@
               <a:buNone/>
             </a:pPr>
             <a:r>
-              <a:rPr lang="en-US" dirty="0" smtClean="0"/>
+              <a:rPr lang="en-US" dirty="0"/>
               <a:t>follow these steps to determine what this will be</a:t>
             </a:r>
           </a:p>
@@ -4926,7 +4852,7 @@
               <a:buNone/>
             </a:pPr>
             <a:r>
-              <a:rPr lang="en-US" dirty="0" smtClean="0"/>
+              <a:rPr lang="en-US" dirty="0"/>
               <a:t>(these rules are in priority order):</a:t>
             </a:r>
           </a:p>
@@ -4934,57 +4860,57 @@
             <a:pPr algn="l" rtl="0">
               <a:buNone/>
             </a:pPr>
-            <a:endParaRPr lang="en-US" dirty="0" smtClean="0"/>
-          </a:p>
-          <a:p>
-            <a:pPr algn="l" rtl="0"/>
-            <a:r>
-              <a:rPr lang="en-US" dirty="0" smtClean="0"/>
+            <a:endParaRPr lang="en-US" dirty="0"/>
+          </a:p>
+          <a:p>
+            <a:pPr algn="l" rtl="0"/>
+            <a:r>
+              <a:rPr lang="en-US" dirty="0"/>
               <a:t>If the function was the result of a call to </a:t>
             </a:r>
             <a:r>
-              <a:rPr lang="en-US" dirty="0" err="1" smtClean="0"/>
+              <a:rPr lang="en-US" dirty="0" err="1"/>
               <a:t>function.bind</a:t>
             </a:r>
             <a:r>
-              <a:rPr lang="en-US" dirty="0" smtClean="0"/>
+              <a:rPr lang="en-US" dirty="0"/>
               <a:t>, this will be the argument given to bind.</a:t>
             </a:r>
           </a:p>
           <a:p>
             <a:pPr algn="l" rtl="0"/>
             <a:r>
-              <a:rPr lang="en-US" dirty="0" smtClean="0"/>
+              <a:rPr lang="en-US" dirty="0"/>
               <a:t>If the function was invoked in the form </a:t>
             </a:r>
             <a:r>
-              <a:rPr lang="en-US" dirty="0" err="1" smtClean="0"/>
+              <a:rPr lang="en-US" dirty="0" err="1"/>
               <a:t>foo.func</a:t>
             </a:r>
             <a:r>
-              <a:rPr lang="en-US" dirty="0" smtClean="0"/>
+              <a:rPr lang="en-US" dirty="0"/>
               <a:t>(), this will be </a:t>
             </a:r>
             <a:r>
-              <a:rPr lang="en-US" dirty="0" err="1" smtClean="0"/>
+              <a:rPr lang="en-US" dirty="0" err="1"/>
               <a:t>foo</a:t>
             </a:r>
             <a:r>
-              <a:rPr lang="en-US" dirty="0" smtClean="0"/>
+              <a:rPr lang="en-US" dirty="0"/>
               <a:t>.</a:t>
             </a:r>
           </a:p>
           <a:p>
             <a:pPr algn="l" rtl="0"/>
             <a:r>
-              <a:rPr lang="en-US" dirty="0" smtClean="0"/>
+              <a:rPr lang="en-US" dirty="0"/>
               <a:t>If in strict mode, this will be undefined.</a:t>
             </a:r>
           </a:p>
           <a:p>
             <a:pPr algn="l" rtl="0"/>
             <a:r>
-              <a:rPr lang="en-US" dirty="0" smtClean="0"/>
+              <a:rPr lang="en-US" dirty="0"/>
               <a:t>Otherwise, this will be the global object (window in a browser).</a:t>
             </a:r>
           </a:p>
@@ -5040,7 +4966,7 @@
           <a:p>
             <a:pPr rtl="0"/>
             <a:r>
-              <a:rPr lang="en-US" sz="4000" dirty="0" smtClean="0"/>
+              <a:rPr lang="en-US" sz="4000" dirty="0"/>
               <a:t>‘This’ key word and Closure</a:t>
             </a:r>
           </a:p>
@@ -5067,15 +4993,15 @@
               <a:buNone/>
             </a:pPr>
             <a:r>
-              <a:rPr lang="en-US" sz="2200" dirty="0" smtClean="0"/>
+              <a:rPr lang="en-US" sz="2200" dirty="0"/>
               <a:t>What is </a:t>
             </a:r>
             <a:r>
-              <a:rPr lang="en-US" sz="2200" b="1" dirty="0" smtClean="0"/>
+              <a:rPr lang="en-US" sz="2200" b="1" dirty="0"/>
               <a:t>this</a:t>
             </a:r>
             <a:r>
-              <a:rPr lang="en-US" sz="2200" dirty="0" smtClean="0"/>
+              <a:rPr lang="en-US" sz="2200" dirty="0"/>
               <a:t> in JavaScript?</a:t>
             </a:r>
           </a:p>
@@ -5083,7 +5009,7 @@
             <a:pPr algn="l" rtl="0">
               <a:buNone/>
             </a:pPr>
-            <a:endParaRPr lang="en-US" dirty="0" smtClean="0"/>
+            <a:endParaRPr lang="en-US" dirty="0"/>
           </a:p>
           <a:p>
             <a:pPr algn="l" rtl="0">
@@ -5160,7 +5086,7 @@
           <a:lstStyle/>
           <a:p>
             <a:r>
-              <a:rPr lang="en-US" dirty="0" smtClean="0"/>
+              <a:rPr lang="en-US" dirty="0"/>
               <a:t>Table of content</a:t>
             </a:r>
             <a:endParaRPr lang="he-IL" dirty="0"/>
@@ -5186,105 +5112,105 @@
           <a:p>
             <a:pPr algn="l" rtl="0"/>
             <a:r>
-              <a:rPr lang="en-US" sz="2800" dirty="0" smtClean="0"/>
+              <a:rPr lang="en-US" sz="2800" dirty="0"/>
               <a:t>Equality</a:t>
             </a:r>
           </a:p>
           <a:p>
             <a:pPr algn="l" rtl="0"/>
             <a:r>
-              <a:rPr lang="en-US" sz="2800" dirty="0" smtClean="0"/>
+              <a:rPr lang="en-US" sz="2800" dirty="0"/>
               <a:t>References</a:t>
             </a:r>
           </a:p>
           <a:p>
             <a:pPr algn="l" rtl="0"/>
             <a:r>
-              <a:rPr lang="en-US" sz="2800" dirty="0" smtClean="0"/>
+              <a:rPr lang="en-US" sz="2800" dirty="0"/>
               <a:t>Null and Undefined</a:t>
             </a:r>
           </a:p>
           <a:p>
             <a:pPr algn="l" rtl="0"/>
             <a:r>
-              <a:rPr lang="en-US" sz="2800" dirty="0" smtClean="0"/>
+              <a:rPr lang="en-US" sz="2800" dirty="0"/>
               <a:t>‘this’ key word and Closure</a:t>
             </a:r>
           </a:p>
           <a:p>
             <a:pPr algn="l" rtl="0"/>
             <a:r>
-              <a:rPr lang="en-US" sz="2800" dirty="0" smtClean="0"/>
+              <a:rPr lang="en-US" sz="2800" dirty="0"/>
               <a:t>‘var’, ‘let’ and ‘const’ key words</a:t>
             </a:r>
           </a:p>
           <a:p>
             <a:pPr algn="l" rtl="0"/>
             <a:r>
-              <a:rPr lang="en-US" sz="2800" dirty="0" smtClean="0"/>
+              <a:rPr lang="en-US" sz="2800" dirty="0"/>
               <a:t>Rest Parameters</a:t>
             </a:r>
           </a:p>
           <a:p>
             <a:pPr algn="l" rtl="0"/>
             <a:r>
-              <a:rPr lang="en-US" sz="2800" dirty="0" smtClean="0"/>
+              <a:rPr lang="en-US" sz="2800" dirty="0"/>
               <a:t>Spread operator</a:t>
             </a:r>
           </a:p>
           <a:p>
             <a:pPr algn="l" rtl="0"/>
             <a:r>
-              <a:rPr lang="en-US" sz="2800" dirty="0" smtClean="0"/>
+              <a:rPr lang="en-US" sz="2800" dirty="0"/>
               <a:t>Destructuring</a:t>
             </a:r>
           </a:p>
           <a:p>
             <a:pPr algn="l" rtl="0"/>
             <a:r>
-              <a:rPr lang="en-US" sz="2800" dirty="0" smtClean="0"/>
+              <a:rPr lang="en-US" sz="2800" dirty="0"/>
               <a:t>‘for’, ‘of’, ‘in’ key words and iterators</a:t>
             </a:r>
           </a:p>
           <a:p>
             <a:pPr algn="l" rtl="0"/>
             <a:r>
-              <a:rPr lang="en-US" sz="2800" dirty="0" smtClean="0"/>
+              <a:rPr lang="en-US" sz="2800" dirty="0"/>
               <a:t>Template strings</a:t>
             </a:r>
           </a:p>
           <a:p>
             <a:pPr algn="l" rtl="0"/>
             <a:r>
-              <a:rPr lang="en-US" sz="2800" dirty="0" smtClean="0"/>
+              <a:rPr lang="en-US" sz="2800" dirty="0"/>
               <a:t>Generators</a:t>
             </a:r>
           </a:p>
           <a:p>
             <a:pPr algn="l" rtl="0"/>
             <a:r>
-              <a:rPr lang="en-US" sz="2800" dirty="0" smtClean="0"/>
+              <a:rPr lang="en-US" sz="2800" dirty="0"/>
               <a:t>‘promise’ and async await key words</a:t>
             </a:r>
           </a:p>
           <a:p>
             <a:pPr algn="l" rtl="0"/>
             <a:r>
-              <a:rPr lang="en-US" sz="2800" dirty="0" smtClean="0"/>
+              <a:rPr lang="en-US" sz="2800" dirty="0"/>
               <a:t>Enums and union types </a:t>
             </a:r>
           </a:p>
           <a:p>
             <a:pPr algn="l" rtl="0"/>
             <a:r>
-              <a:rPr lang="en-US" sz="2800" dirty="0" smtClean="0"/>
+              <a:rPr lang="en-US" sz="2800" dirty="0"/>
               <a:t>Casting and type assertion</a:t>
             </a:r>
           </a:p>
           <a:p>
             <a:pPr algn="l" rtl="0"/>
             <a:r>
-              <a:rPr lang="en-US" sz="2800" dirty="0" smtClean="0"/>
+              <a:rPr lang="en-US" sz="2800" dirty="0"/>
               <a:t>‘typeof’ and ‘instanceof’ key words</a:t>
             </a:r>
           </a:p>
@@ -5292,7 +5218,7 @@
             <a:pPr algn="l" rtl="0">
               <a:buNone/>
             </a:pPr>
-            <a:endParaRPr lang="en-US" sz="2800" dirty="0" smtClean="0"/>
+            <a:endParaRPr lang="en-US" sz="2800" dirty="0"/>
           </a:p>
           <a:p>
             <a:pPr algn="l" rtl="0"/>
@@ -5344,7 +5270,7 @@
           <a:p>
             <a:pPr rtl="0"/>
             <a:r>
-              <a:rPr lang="en-US" sz="4000" dirty="0" smtClean="0"/>
+              <a:rPr lang="en-US" sz="4000" dirty="0"/>
               <a:t>‘This’ key word and Closure</a:t>
             </a:r>
           </a:p>
@@ -5374,21 +5300,21 @@
               <a:buNone/>
             </a:pPr>
             <a:r>
-              <a:rPr lang="en-US" sz="2400" dirty="0" smtClean="0"/>
+              <a:rPr lang="en-US" sz="2400" dirty="0"/>
               <a:t>Red Flags for </a:t>
             </a:r>
             <a:r>
-              <a:rPr lang="en-US" sz="2400" b="1" dirty="0" smtClean="0"/>
+              <a:rPr lang="en-US" sz="2400" b="1" dirty="0"/>
               <a:t>this:</a:t>
             </a:r>
-            <a:endParaRPr lang="en-US" sz="2000" b="1" dirty="0" smtClean="0"/>
+            <a:endParaRPr lang="en-US" sz="2000" b="1" dirty="0"/>
           </a:p>
           <a:p>
             <a:pPr algn="l" rtl="0">
               <a:buNone/>
             </a:pPr>
             <a:r>
-              <a:rPr lang="en-US" sz="2000" dirty="0" smtClean="0"/>
+              <a:rPr lang="en-US" sz="2000" dirty="0"/>
               <a:t>The biggest red flag you can keep in mind is the</a:t>
             </a:r>
           </a:p>
@@ -5397,7 +5323,7 @@
               <a:buNone/>
             </a:pPr>
             <a:r>
-              <a:rPr lang="en-US" sz="2000" dirty="0" smtClean="0"/>
+              <a:rPr lang="en-US" sz="2000" dirty="0"/>
               <a:t>use of a class method without immediately </a:t>
             </a:r>
           </a:p>
@@ -5406,7 +5332,7 @@
               <a:buNone/>
             </a:pPr>
             <a:r>
-              <a:rPr lang="en-US" sz="2000" dirty="0" smtClean="0"/>
+              <a:rPr lang="en-US" sz="2000" dirty="0"/>
               <a:t>invoking it. </a:t>
             </a:r>
           </a:p>
@@ -5415,7 +5341,7 @@
               <a:buNone/>
             </a:pPr>
             <a:r>
-              <a:rPr lang="en-US" sz="2000" dirty="0" smtClean="0"/>
+              <a:rPr lang="en-US" sz="2000" dirty="0"/>
               <a:t>Any time you see a class method being referenced</a:t>
             </a:r>
           </a:p>
@@ -5424,7 +5350,7 @@
               <a:buNone/>
             </a:pPr>
             <a:r>
-              <a:rPr lang="en-US" sz="2000" dirty="0" smtClean="0"/>
+              <a:rPr lang="en-US" sz="2000" dirty="0"/>
               <a:t>without being invoked as part of that same </a:t>
             </a:r>
           </a:p>
@@ -5433,22 +5359,22 @@
               <a:buNone/>
             </a:pPr>
             <a:r>
-              <a:rPr lang="en-US" sz="2000" dirty="0" smtClean="0"/>
+              <a:rPr lang="en-US" sz="2000" dirty="0"/>
               <a:t>expression, this might be incorrect.</a:t>
             </a:r>
-            <a:endParaRPr lang="en-US" sz="2000" b="1" dirty="0" smtClean="0"/>
+            <a:endParaRPr lang="en-US" sz="2000" b="1" dirty="0"/>
           </a:p>
           <a:p>
             <a:pPr algn="l" rtl="0">
               <a:buNone/>
             </a:pPr>
-            <a:endParaRPr lang="en-US" sz="2000" b="1" dirty="0" smtClean="0"/>
+            <a:endParaRPr lang="en-US" sz="2000" b="1" dirty="0"/>
           </a:p>
           <a:p>
             <a:pPr algn="l" rtl="0">
               <a:buNone/>
             </a:pPr>
-            <a:endParaRPr lang="en-US" sz="2000" dirty="0" smtClean="0"/>
+            <a:endParaRPr lang="en-US" sz="2000" dirty="0"/>
           </a:p>
           <a:p>
             <a:pPr algn="l" rtl="0">
@@ -5489,13 +5415,6 @@
   <p:clrMapOvr>
     <a:masterClrMapping/>
   </p:clrMapOvr>
-  <p:timing>
-    <p:tnLst>
-      <p:par>
-        <p:cTn id="1" dur="indefinite" restart="never" nodeType="tmRoot"/>
-      </p:par>
-    </p:tnLst>
-  </p:timing>
 </p:sld>
 </file>
 
@@ -5535,7 +5454,7 @@
           <a:p>
             <a:pPr rtl="0"/>
             <a:r>
-              <a:rPr lang="en-US" sz="4000" dirty="0" smtClean="0"/>
+              <a:rPr lang="en-US" sz="4000" dirty="0"/>
               <a:t>‘This’ key word and Closure</a:t>
             </a:r>
           </a:p>
@@ -5562,11 +5481,11 @@
               <a:buNone/>
             </a:pPr>
             <a:r>
-              <a:rPr lang="en-US" sz="2000" dirty="0" smtClean="0"/>
+              <a:rPr lang="en-US" sz="2000" dirty="0"/>
               <a:t>TypeScript uses </a:t>
             </a:r>
             <a:r>
-              <a:rPr lang="en-US" sz="2000" dirty="0" smtClean="0">
+              <a:rPr lang="en-US" sz="2000" dirty="0">
                 <a:solidFill>
                   <a:srgbClr val="FF0000"/>
                 </a:solidFill>
@@ -5574,15 +5493,15 @@
               <a:t>_this </a:t>
             </a:r>
             <a:r>
-              <a:rPr lang="en-US" sz="2000" dirty="0" smtClean="0"/>
+              <a:rPr lang="en-US" sz="2000" dirty="0"/>
               <a:t>in its </a:t>
             </a:r>
             <a:r>
-              <a:rPr lang="en-US" sz="2000" dirty="0" err="1" smtClean="0"/>
+              <a:rPr lang="en-US" sz="2000" dirty="0" err="1"/>
               <a:t>transpile</a:t>
             </a:r>
             <a:r>
-              <a:rPr lang="en-US" sz="2000" dirty="0" smtClean="0"/>
+              <a:rPr lang="en-US" sz="2000" dirty="0"/>
               <a:t> process, </a:t>
             </a:r>
           </a:p>
@@ -5591,11 +5510,11 @@
               <a:buNone/>
             </a:pPr>
             <a:r>
-              <a:rPr lang="en-US" sz="2000" dirty="0" smtClean="0"/>
+              <a:rPr lang="en-US" sz="2000" dirty="0"/>
               <a:t>so </a:t>
             </a:r>
             <a:r>
-              <a:rPr lang="en-US" sz="2000" dirty="0" smtClean="0">
+              <a:rPr lang="en-US" sz="2000" dirty="0">
                 <a:solidFill>
                   <a:srgbClr val="FF0000"/>
                 </a:solidFill>
@@ -5603,7 +5522,7 @@
               <a:t>never use _this </a:t>
             </a:r>
             <a:r>
-              <a:rPr lang="en-US" sz="2000" dirty="0" smtClean="0"/>
+              <a:rPr lang="en-US" sz="2000" dirty="0"/>
               <a:t>as a variable or property name.</a:t>
             </a:r>
           </a:p>
@@ -5614,13 +5533,6 @@
   <p:clrMapOvr>
     <a:masterClrMapping/>
   </p:clrMapOvr>
-  <p:timing>
-    <p:tnLst>
-      <p:par>
-        <p:cTn id="1" dur="indefinite" restart="never" nodeType="tmRoot"/>
-      </p:par>
-    </p:tnLst>
-  </p:timing>
 </p:sld>
 </file>
 
@@ -5660,7 +5572,7 @@
           <a:p>
             <a:pPr rtl="0"/>
             <a:r>
-              <a:rPr lang="en-US" sz="4000" dirty="0" smtClean="0"/>
+              <a:rPr lang="en-US" sz="4000" dirty="0"/>
               <a:t>‘This’ key word and Closure</a:t>
             </a:r>
           </a:p>
@@ -5690,7 +5602,7 @@
               <a:buNone/>
             </a:pPr>
             <a:r>
-              <a:rPr lang="en-US" sz="1600" dirty="0" smtClean="0"/>
+              <a:rPr lang="en-US" sz="1600" dirty="0"/>
               <a:t>For example:</a:t>
             </a:r>
           </a:p>
@@ -5701,7 +5613,7 @@
               </a:lnSpc>
               <a:buNone/>
             </a:pPr>
-            <a:endParaRPr lang="en-US" sz="1600" dirty="0" smtClean="0"/>
+            <a:endParaRPr lang="en-US" sz="1600" dirty="0"/>
           </a:p>
           <a:p>
             <a:pPr algn="l" rtl="0">
@@ -5710,7 +5622,7 @@
               </a:lnSpc>
               <a:buNone/>
             </a:pPr>
-            <a:endParaRPr lang="en-US" sz="1600" dirty="0" smtClean="0"/>
+            <a:endParaRPr lang="en-US" sz="1600" dirty="0"/>
           </a:p>
           <a:p>
             <a:pPr algn="l" rtl="0">
@@ -5719,7 +5631,7 @@
               </a:lnSpc>
               <a:buNone/>
             </a:pPr>
-            <a:endParaRPr lang="en-US" sz="1600" dirty="0" smtClean="0"/>
+            <a:endParaRPr lang="en-US" sz="1600" dirty="0"/>
           </a:p>
           <a:p>
             <a:pPr algn="l" rtl="0">
@@ -5728,7 +5640,7 @@
               </a:lnSpc>
               <a:buNone/>
             </a:pPr>
-            <a:endParaRPr lang="en-US" sz="1600" dirty="0" smtClean="0"/>
+            <a:endParaRPr lang="en-US" sz="1600" dirty="0"/>
           </a:p>
           <a:p>
             <a:pPr algn="l" rtl="0">
@@ -5738,14 +5650,13 @@
               <a:buNone/>
             </a:pPr>
             <a:r>
-              <a:rPr lang="en-US" sz="1600" dirty="0" err="1" smtClean="0"/>
+              <a:rPr lang="en-US" sz="1600" dirty="0" err="1"/>
               <a:t>Transpiles</a:t>
             </a:r>
             <a:r>
-              <a:rPr lang="en-US" sz="1600" dirty="0" smtClean="0"/>
+              <a:rPr lang="en-US" sz="1600" dirty="0"/>
               <a:t> to: </a:t>
             </a:r>
-            <a:endParaRPr lang="en-US" sz="1600" dirty="0"/>
           </a:p>
         </p:txBody>
       </p:sp>
@@ -5806,13 +5717,6 @@
   <p:clrMapOvr>
     <a:masterClrMapping/>
   </p:clrMapOvr>
-  <p:timing>
-    <p:tnLst>
-      <p:par>
-        <p:cTn id="1" dur="indefinite" restart="never" nodeType="tmRoot"/>
-      </p:par>
-    </p:tnLst>
-  </p:timing>
 </p:sld>
 </file>
 
@@ -5852,7 +5756,7 @@
           <a:p>
             <a:pPr rtl="0"/>
             <a:r>
-              <a:rPr lang="en-US" sz="4000" dirty="0" smtClean="0"/>
+              <a:rPr lang="en-US" sz="4000" dirty="0"/>
               <a:t>‘This’ key word and Closure</a:t>
             </a:r>
           </a:p>
@@ -5879,7 +5783,7 @@
               <a:buNone/>
             </a:pPr>
             <a:r>
-              <a:rPr lang="en-US" sz="2000" dirty="0" smtClean="0"/>
+              <a:rPr lang="en-US" sz="2000" dirty="0"/>
               <a:t>The TypeScript compiler applies this type of transformation </a:t>
             </a:r>
           </a:p>
@@ -5888,7 +5792,7 @@
               <a:buNone/>
             </a:pPr>
             <a:r>
-              <a:rPr lang="en-US" sz="2000" dirty="0" smtClean="0"/>
+              <a:rPr lang="en-US" sz="2000" dirty="0"/>
               <a:t>to rewrite arrow function expressions into standard function </a:t>
             </a:r>
           </a:p>
@@ -5897,7 +5801,7 @@
               <a:buNone/>
             </a:pPr>
             <a:r>
-              <a:rPr lang="en-US" sz="2000" dirty="0" smtClean="0"/>
+              <a:rPr lang="en-US" sz="2000" dirty="0"/>
               <a:t>expressions.</a:t>
             </a:r>
           </a:p>
@@ -5908,13 +5812,6 @@
   <p:clrMapOvr>
     <a:masterClrMapping/>
   </p:clrMapOvr>
-  <p:timing>
-    <p:tnLst>
-      <p:par>
-        <p:cTn id="1" dur="indefinite" restart="never" nodeType="tmRoot"/>
-      </p:par>
-    </p:tnLst>
-  </p:timing>
 </p:sld>
 </file>
 
@@ -5954,7 +5851,7 @@
           <a:p>
             <a:pPr rtl="0"/>
             <a:r>
-              <a:rPr lang="en-US" sz="4000" dirty="0" smtClean="0"/>
+              <a:rPr lang="en-US" sz="4000" dirty="0"/>
               <a:t>‘This’ key word and Closure</a:t>
             </a:r>
           </a:p>
@@ -5981,11 +5878,11 @@
               <a:buNone/>
             </a:pPr>
             <a:r>
-              <a:rPr lang="en-US" sz="2400" b="1" dirty="0" smtClean="0"/>
+              <a:rPr lang="en-US" sz="2400" b="1" dirty="0"/>
               <a:t>Closure</a:t>
             </a:r>
             <a:r>
-              <a:rPr lang="en-US" sz="2000" dirty="0" smtClean="0"/>
+              <a:rPr lang="en-US" sz="2000" dirty="0"/>
               <a:t> </a:t>
             </a:r>
           </a:p>
@@ -5993,14 +5890,14 @@
             <a:pPr algn="l" rtl="0">
               <a:buNone/>
             </a:pPr>
-            <a:endParaRPr lang="en-US" sz="2000" dirty="0" smtClean="0"/>
+            <a:endParaRPr lang="en-US" sz="2000" dirty="0"/>
           </a:p>
           <a:p>
             <a:pPr algn="l" rtl="0">
               <a:buNone/>
             </a:pPr>
             <a:r>
-              <a:rPr lang="en-US" sz="2000" dirty="0" smtClean="0"/>
+              <a:rPr lang="en-US" sz="2000" dirty="0"/>
               <a:t>A function in JavaScript has access to any variables defined </a:t>
             </a:r>
           </a:p>
@@ -6009,7 +5906,7 @@
               <a:buNone/>
             </a:pPr>
             <a:r>
-              <a:rPr lang="en-US" sz="2000" dirty="0" smtClean="0"/>
+              <a:rPr lang="en-US" sz="2000" dirty="0"/>
               <a:t>in the outer scope.</a:t>
             </a:r>
           </a:p>
@@ -6017,7 +5914,7 @@
             <a:pPr algn="l" rtl="0">
               <a:buNone/>
             </a:pPr>
-            <a:endParaRPr lang="en-US" sz="2000" dirty="0" smtClean="0"/>
+            <a:endParaRPr lang="en-US" sz="2000" dirty="0"/>
           </a:p>
         </p:txBody>
       </p:sp>
@@ -6052,13 +5949,6 @@
   <p:clrMapOvr>
     <a:masterClrMapping/>
   </p:clrMapOvr>
-  <p:timing>
-    <p:tnLst>
-      <p:par>
-        <p:cTn id="1" dur="indefinite" restart="never" nodeType="tmRoot"/>
-      </p:par>
-    </p:tnLst>
-  </p:timing>
 </p:sld>
 </file>
 
@@ -6098,7 +5988,7 @@
           <a:p>
             <a:pPr rtl="0"/>
             <a:r>
-              <a:rPr lang="en-US" sz="4000" dirty="0" smtClean="0"/>
+              <a:rPr lang="en-US" sz="4000" dirty="0"/>
               <a:t>‘This’ key word and Closure</a:t>
             </a:r>
           </a:p>
@@ -6125,11 +6015,11 @@
               <a:buNone/>
             </a:pPr>
             <a:r>
-              <a:rPr lang="en-US" sz="2400" b="1" dirty="0" smtClean="0"/>
+              <a:rPr lang="en-US" sz="2400" b="1" dirty="0"/>
               <a:t>Closure</a:t>
             </a:r>
             <a:r>
-              <a:rPr lang="en-US" sz="2000" dirty="0" smtClean="0"/>
+              <a:rPr lang="en-US" sz="2000" dirty="0"/>
               <a:t> </a:t>
             </a:r>
           </a:p>
@@ -6137,14 +6027,14 @@
             <a:pPr algn="l" rtl="0">
               <a:buNone/>
             </a:pPr>
-            <a:endParaRPr lang="en-US" sz="2000" dirty="0" smtClean="0"/>
+            <a:endParaRPr lang="en-US" sz="2000" dirty="0"/>
           </a:p>
           <a:p>
             <a:pPr algn="l" rtl="0">
               <a:buNone/>
             </a:pPr>
             <a:r>
-              <a:rPr lang="en-US" sz="2000" dirty="0" smtClean="0"/>
+              <a:rPr lang="en-US" sz="2000" dirty="0"/>
               <a:t>You can see that the inner function has access to a variable </a:t>
             </a:r>
           </a:p>
@@ -6153,15 +6043,15 @@
               <a:buNone/>
             </a:pPr>
             <a:r>
-              <a:rPr lang="en-US" sz="2000" dirty="0" smtClean="0"/>
+              <a:rPr lang="en-US" sz="2000" dirty="0"/>
               <a:t>(</a:t>
             </a:r>
             <a:r>
-              <a:rPr lang="en-US" sz="2000" dirty="0" err="1" smtClean="0"/>
+              <a:rPr lang="en-US" sz="2000" dirty="0" err="1"/>
               <a:t>variableInOuterFunction</a:t>
             </a:r>
             <a:r>
-              <a:rPr lang="en-US" sz="2000" dirty="0" smtClean="0"/>
+              <a:rPr lang="en-US" sz="2000" dirty="0"/>
               <a:t>) from the outer scope. </a:t>
             </a:r>
           </a:p>
@@ -6170,7 +6060,7 @@
               <a:buNone/>
             </a:pPr>
             <a:r>
-              <a:rPr lang="en-US" sz="2000" dirty="0" smtClean="0"/>
+              <a:rPr lang="en-US" sz="2000" dirty="0"/>
               <a:t>The variables in the outer function have been closed by (or </a:t>
             </a:r>
           </a:p>
@@ -6179,7 +6069,7 @@
               <a:buNone/>
             </a:pPr>
             <a:r>
-              <a:rPr lang="en-US" sz="2000" dirty="0" smtClean="0"/>
+              <a:rPr lang="en-US" sz="2000" dirty="0"/>
               <a:t>bound in) the inner function. </a:t>
             </a:r>
           </a:p>
@@ -6188,15 +6078,15 @@
               <a:buNone/>
             </a:pPr>
             <a:r>
-              <a:rPr lang="en-US" sz="2000" dirty="0" smtClean="0"/>
+              <a:rPr lang="en-US" sz="2000" dirty="0"/>
               <a:t>Hence the term </a:t>
             </a:r>
             <a:r>
-              <a:rPr lang="en-US" sz="2000" b="1" dirty="0" smtClean="0"/>
+              <a:rPr lang="en-US" sz="2000" b="1" dirty="0"/>
               <a:t>closure</a:t>
             </a:r>
             <a:r>
-              <a:rPr lang="en-US" sz="2000" dirty="0" smtClean="0"/>
+              <a:rPr lang="en-US" sz="2000" dirty="0"/>
               <a:t>. </a:t>
             </a:r>
           </a:p>
@@ -6205,7 +6095,7 @@
               <a:buNone/>
             </a:pPr>
             <a:r>
-              <a:rPr lang="en-US" sz="2000" dirty="0" smtClean="0"/>
+              <a:rPr lang="en-US" sz="2000" dirty="0"/>
               <a:t>The concept in itself is simple enough and pretty intuitive.</a:t>
             </a:r>
           </a:p>
@@ -6216,13 +6106,6 @@
   <p:clrMapOvr>
     <a:masterClrMapping/>
   </p:clrMapOvr>
-  <p:timing>
-    <p:tnLst>
-      <p:par>
-        <p:cTn id="1" dur="indefinite" restart="never" nodeType="tmRoot"/>
-      </p:par>
-    </p:tnLst>
-  </p:timing>
 </p:sld>
 </file>
 
@@ -6262,7 +6145,7 @@
           <a:p>
             <a:pPr rtl="0"/>
             <a:r>
-              <a:rPr lang="en-US" sz="4000" dirty="0" smtClean="0"/>
+              <a:rPr lang="en-US" sz="4000" dirty="0"/>
               <a:t>‘This’ key word and Closure</a:t>
             </a:r>
           </a:p>
@@ -6289,7 +6172,7 @@
               <a:buNone/>
             </a:pPr>
             <a:r>
-              <a:rPr lang="en-US" sz="2400" b="1" dirty="0" smtClean="0"/>
+              <a:rPr lang="en-US" sz="2400" b="1" dirty="0"/>
               <a:t>Closure</a:t>
             </a:r>
           </a:p>
@@ -6297,14 +6180,14 @@
             <a:pPr algn="l" rtl="0">
               <a:buNone/>
             </a:pPr>
-            <a:endParaRPr lang="en-US" sz="2000" dirty="0" smtClean="0"/>
+            <a:endParaRPr lang="en-US" sz="2000" dirty="0"/>
           </a:p>
           <a:p>
             <a:pPr algn="l" rtl="0">
               <a:buNone/>
             </a:pPr>
             <a:r>
-              <a:rPr lang="en-US" sz="2000" dirty="0" smtClean="0"/>
+              <a:rPr lang="en-US" sz="2000" dirty="0"/>
               <a:t>How to achieve private members in JavaScript? </a:t>
             </a:r>
           </a:p>
@@ -6341,13 +6224,6 @@
   <p:clrMapOvr>
     <a:masterClrMapping/>
   </p:clrMapOvr>
-  <p:timing>
-    <p:tnLst>
-      <p:par>
-        <p:cTn id="1" dur="indefinite" restart="never" nodeType="tmRoot"/>
-      </p:par>
-    </p:tnLst>
-  </p:timing>
 </p:sld>
 </file>
 
@@ -6387,7 +6263,7 @@
           <a:p>
             <a:pPr rtl="0"/>
             <a:r>
-              <a:rPr lang="en-US" sz="3600" dirty="0" smtClean="0"/>
+              <a:rPr lang="en-US" sz="3600" dirty="0"/>
               <a:t>‘var’, ‘let’ and ‘const’</a:t>
             </a:r>
             <a:endParaRPr lang="he-IL" sz="3600" dirty="0"/>
@@ -6411,25 +6287,25 @@
           <a:p>
             <a:pPr algn="l" rtl="0"/>
             <a:r>
-              <a:rPr lang="en-US" b="1" dirty="0" smtClean="0"/>
+              <a:rPr lang="en-US" b="1" dirty="0"/>
               <a:t>var</a:t>
             </a:r>
             <a:r>
-              <a:rPr lang="en-US" dirty="0" smtClean="0"/>
+              <a:rPr lang="en-US" dirty="0"/>
               <a:t> variables in JavaScript are function scoped.</a:t>
             </a:r>
           </a:p>
           <a:p>
             <a:pPr algn="l" rtl="0"/>
             <a:r>
-              <a:rPr lang="en-US" dirty="0" smtClean="0"/>
+              <a:rPr lang="en-US" dirty="0"/>
               <a:t>{ does not create a new variable scope.</a:t>
             </a:r>
           </a:p>
           <a:p>
             <a:pPr algn="l" rtl="0"/>
             <a:r>
-              <a:rPr lang="en-US" dirty="0" smtClean="0"/>
+              <a:rPr lang="en-US" dirty="0"/>
               <a:t>TypeScript (and ES6) introduces the let and const keywords to allow you to define variables with true block scope.</a:t>
             </a:r>
             <a:endParaRPr lang="he-IL" dirty="0"/>
@@ -6532,7 +6408,7 @@
           <a:p>
             <a:pPr rtl="0"/>
             <a:r>
-              <a:rPr lang="en-US" sz="3600" dirty="0" smtClean="0"/>
+              <a:rPr lang="en-US" sz="3600" dirty="0"/>
               <a:t>‘var’, ‘let’ and ‘const’</a:t>
             </a:r>
             <a:endParaRPr lang="he-IL" sz="3600" dirty="0"/>
@@ -6556,31 +6432,31 @@
           <a:p>
             <a:pPr algn="l" rtl="0"/>
             <a:r>
-              <a:rPr lang="en-US" dirty="0" smtClean="0"/>
+              <a:rPr lang="en-US" dirty="0"/>
               <a:t>Functions create a new scope.</a:t>
             </a:r>
           </a:p>
           <a:p>
             <a:pPr algn="l" rtl="0"/>
-            <a:endParaRPr lang="en-US" dirty="0" smtClean="0"/>
-          </a:p>
-          <a:p>
-            <a:pPr algn="l" rtl="0"/>
-            <a:endParaRPr lang="en-US" dirty="0" smtClean="0"/>
-          </a:p>
-          <a:p>
-            <a:pPr algn="l" rtl="0"/>
-            <a:endParaRPr lang="en-US" dirty="0" smtClean="0"/>
-          </a:p>
-          <a:p>
-            <a:pPr algn="l" rtl="0"/>
-            <a:endParaRPr lang="en-US" dirty="0" smtClean="0"/>
+            <a:endParaRPr lang="en-US" dirty="0"/>
+          </a:p>
+          <a:p>
+            <a:pPr algn="l" rtl="0"/>
+            <a:endParaRPr lang="en-US" dirty="0"/>
+          </a:p>
+          <a:p>
+            <a:pPr algn="l" rtl="0"/>
+            <a:endParaRPr lang="en-US" dirty="0"/>
+          </a:p>
+          <a:p>
+            <a:pPr algn="l" rtl="0"/>
+            <a:endParaRPr lang="en-US" dirty="0"/>
           </a:p>
           <a:p>
             <a:pPr algn="l" rtl="0">
               <a:buNone/>
             </a:pPr>
-            <a:endParaRPr lang="en-US" dirty="0" smtClean="0"/>
+            <a:endParaRPr lang="en-US" dirty="0"/>
           </a:p>
           <a:p>
             <a:pPr algn="l" rtl="0"/>
@@ -6658,7 +6534,7 @@
           <a:p>
             <a:pPr rtl="0"/>
             <a:r>
-              <a:rPr lang="en-US" sz="3600" dirty="0" smtClean="0"/>
+              <a:rPr lang="en-US" sz="3600" dirty="0"/>
               <a:t>‘var’, ‘let’ and ‘const’</a:t>
             </a:r>
             <a:endParaRPr lang="he-IL" sz="3600" dirty="0"/>
@@ -6686,7 +6562,7 @@
               <a:buNone/>
             </a:pPr>
             <a:r>
-              <a:rPr lang="en-US" dirty="0" smtClean="0">
+              <a:rPr lang="en-US" dirty="0">
                 <a:solidFill>
                   <a:srgbClr val="0070C0"/>
                 </a:solidFill>
@@ -6694,19 +6570,19 @@
               <a:t>var</a:t>
             </a:r>
             <a:r>
-              <a:rPr lang="en-US" dirty="0" smtClean="0"/>
+              <a:rPr lang="en-US" dirty="0"/>
               <a:t> </a:t>
             </a:r>
             <a:r>
-              <a:rPr lang="en-US" dirty="0" err="1" smtClean="0"/>
+              <a:rPr lang="en-US" dirty="0" err="1"/>
               <a:t>foo</a:t>
             </a:r>
             <a:r>
-              <a:rPr lang="en-US" dirty="0" smtClean="0"/>
+              <a:rPr lang="en-US" dirty="0"/>
               <a:t> = </a:t>
             </a:r>
             <a:r>
-              <a:rPr lang="en-US" dirty="0" smtClean="0">
+              <a:rPr lang="en-US" dirty="0">
                 <a:solidFill>
                   <a:srgbClr val="FFC000"/>
                 </a:solidFill>
@@ -6714,7 +6590,7 @@
               <a:t>'123'</a:t>
             </a:r>
             <a:r>
-              <a:rPr lang="en-US" dirty="0" smtClean="0"/>
+              <a:rPr lang="en-US" dirty="0"/>
               <a:t>; </a:t>
             </a:r>
           </a:p>
@@ -6723,7 +6599,7 @@
               <a:buNone/>
             </a:pPr>
             <a:r>
-              <a:rPr lang="en-US" dirty="0" smtClean="0">
+              <a:rPr lang="en-US" dirty="0">
                 <a:solidFill>
                   <a:srgbClr val="0070C0"/>
                 </a:solidFill>
@@ -6731,11 +6607,11 @@
               <a:t>if</a:t>
             </a:r>
             <a:r>
-              <a:rPr lang="en-US" dirty="0" smtClean="0"/>
+              <a:rPr lang="en-US" dirty="0"/>
               <a:t> (</a:t>
             </a:r>
             <a:r>
-              <a:rPr lang="en-US" dirty="0" smtClean="0">
+              <a:rPr lang="en-US" dirty="0">
                 <a:solidFill>
                   <a:srgbClr val="0070C0"/>
                 </a:solidFill>
@@ -6743,7 +6619,7 @@
               <a:t>true</a:t>
             </a:r>
             <a:r>
-              <a:rPr lang="en-US" dirty="0" smtClean="0"/>
+              <a:rPr lang="en-US" dirty="0"/>
               <a:t>) { </a:t>
             </a:r>
           </a:p>
@@ -6752,11 +6628,11 @@
               <a:buNone/>
             </a:pPr>
             <a:r>
-              <a:rPr lang="en-US" dirty="0" smtClean="0"/>
+              <a:rPr lang="en-US" dirty="0"/>
               <a:t>	</a:t>
             </a:r>
             <a:r>
-              <a:rPr lang="en-US" dirty="0" smtClean="0">
+              <a:rPr lang="en-US" dirty="0">
                 <a:solidFill>
                   <a:srgbClr val="0070C0"/>
                 </a:solidFill>
@@ -6764,19 +6640,19 @@
               <a:t>let</a:t>
             </a:r>
             <a:r>
-              <a:rPr lang="en-US" dirty="0" smtClean="0"/>
+              <a:rPr lang="en-US" dirty="0"/>
               <a:t> </a:t>
             </a:r>
             <a:r>
-              <a:rPr lang="en-US" dirty="0" err="1" smtClean="0"/>
+              <a:rPr lang="en-US" dirty="0" err="1"/>
               <a:t>foo</a:t>
             </a:r>
             <a:r>
-              <a:rPr lang="en-US" dirty="0" smtClean="0"/>
+              <a:rPr lang="en-US" dirty="0"/>
               <a:t> = </a:t>
             </a:r>
             <a:r>
-              <a:rPr lang="en-US" dirty="0" smtClean="0">
+              <a:rPr lang="en-US" dirty="0">
                 <a:solidFill>
                   <a:srgbClr val="00B050"/>
                 </a:solidFill>
@@ -6784,7 +6660,7 @@
               <a:t>123</a:t>
             </a:r>
             <a:r>
-              <a:rPr lang="en-US" dirty="0" smtClean="0"/>
+              <a:rPr lang="en-US" dirty="0"/>
               <a:t>; </a:t>
             </a:r>
           </a:p>
@@ -6793,7 +6669,7 @@
               <a:buNone/>
             </a:pPr>
             <a:r>
-              <a:rPr lang="en-US" dirty="0" smtClean="0"/>
+              <a:rPr lang="en-US" dirty="0"/>
               <a:t>} </a:t>
             </a:r>
           </a:p>
@@ -6801,14 +6677,14 @@
             <a:pPr algn="l" rtl="0">
               <a:buNone/>
             </a:pPr>
-            <a:endParaRPr lang="en-US" dirty="0" smtClean="0"/>
+            <a:endParaRPr lang="en-US" dirty="0"/>
           </a:p>
           <a:p>
             <a:pPr algn="l" rtl="0">
               <a:buNone/>
             </a:pPr>
             <a:r>
-              <a:rPr lang="en-US" dirty="0" smtClean="0">
+              <a:rPr lang="en-US" dirty="0">
                 <a:solidFill>
                   <a:srgbClr val="92D050"/>
                 </a:solidFill>
@@ -6820,7 +6696,7 @@
             <a:pPr algn="l" rtl="0">
               <a:buNone/>
             </a:pPr>
-            <a:endParaRPr lang="en-US" dirty="0" smtClean="0">
+            <a:endParaRPr lang="en-US" dirty="0">
               <a:solidFill>
                 <a:srgbClr val="92D050"/>
               </a:solidFill>
@@ -6831,7 +6707,7 @@
               <a:buNone/>
             </a:pPr>
             <a:r>
-              <a:rPr lang="en-US" dirty="0" smtClean="0">
+              <a:rPr lang="en-US" dirty="0">
                 <a:solidFill>
                   <a:srgbClr val="0070C0"/>
                 </a:solidFill>
@@ -6839,19 +6715,19 @@
               <a:t>var</a:t>
             </a:r>
             <a:r>
-              <a:rPr lang="en-US" dirty="0" smtClean="0"/>
+              <a:rPr lang="en-US" dirty="0"/>
               <a:t> </a:t>
             </a:r>
             <a:r>
-              <a:rPr lang="en-US" dirty="0" err="1" smtClean="0"/>
+              <a:rPr lang="en-US" dirty="0" err="1"/>
               <a:t>foo</a:t>
             </a:r>
             <a:r>
-              <a:rPr lang="en-US" dirty="0" smtClean="0"/>
+              <a:rPr lang="en-US" dirty="0"/>
               <a:t> = </a:t>
             </a:r>
             <a:r>
-              <a:rPr lang="en-US" dirty="0" smtClean="0">
+              <a:rPr lang="en-US" dirty="0">
                 <a:solidFill>
                   <a:srgbClr val="FFC000"/>
                 </a:solidFill>
@@ -6859,7 +6735,7 @@
               <a:t>'123'</a:t>
             </a:r>
             <a:r>
-              <a:rPr lang="en-US" dirty="0" smtClean="0"/>
+              <a:rPr lang="en-US" dirty="0"/>
               <a:t>; </a:t>
             </a:r>
           </a:p>
@@ -6868,7 +6744,7 @@
               <a:buNone/>
             </a:pPr>
             <a:r>
-              <a:rPr lang="en-US" dirty="0" smtClean="0">
+              <a:rPr lang="en-US" dirty="0">
                 <a:solidFill>
                   <a:srgbClr val="0070C0"/>
                 </a:solidFill>
@@ -6876,11 +6752,11 @@
               <a:t>if</a:t>
             </a:r>
             <a:r>
-              <a:rPr lang="en-US" dirty="0" smtClean="0"/>
+              <a:rPr lang="en-US" dirty="0"/>
               <a:t> (</a:t>
             </a:r>
             <a:r>
-              <a:rPr lang="en-US" dirty="0" smtClean="0">
+              <a:rPr lang="en-US" dirty="0">
                 <a:solidFill>
                   <a:srgbClr val="0070C0"/>
                 </a:solidFill>
@@ -6888,7 +6764,7 @@
               <a:t>true</a:t>
             </a:r>
             <a:r>
-              <a:rPr lang="en-US" dirty="0" smtClean="0"/>
+              <a:rPr lang="en-US" dirty="0"/>
               <a:t>) { </a:t>
             </a:r>
           </a:p>
@@ -6897,11 +6773,11 @@
               <a:buNone/>
             </a:pPr>
             <a:r>
-              <a:rPr lang="en-US" dirty="0" smtClean="0"/>
+              <a:rPr lang="en-US" dirty="0"/>
               <a:t>	</a:t>
             </a:r>
             <a:r>
-              <a:rPr lang="en-US" dirty="0" smtClean="0">
+              <a:rPr lang="en-US" dirty="0">
                 <a:solidFill>
                   <a:srgbClr val="0070C0"/>
                 </a:solidFill>
@@ -6909,11 +6785,11 @@
               <a:t>var</a:t>
             </a:r>
             <a:r>
-              <a:rPr lang="en-US" dirty="0" smtClean="0"/>
+              <a:rPr lang="en-US" dirty="0"/>
               <a:t> foo_1 = </a:t>
             </a:r>
             <a:r>
-              <a:rPr lang="en-US" dirty="0" smtClean="0">
+              <a:rPr lang="en-US" dirty="0">
                 <a:solidFill>
                   <a:srgbClr val="00B050"/>
                 </a:solidFill>
@@ -6921,7 +6797,7 @@
               <a:t>123</a:t>
             </a:r>
             <a:r>
-              <a:rPr lang="en-US" dirty="0" smtClean="0"/>
+              <a:rPr lang="en-US" dirty="0"/>
               <a:t>; </a:t>
             </a:r>
           </a:p>
@@ -6930,27 +6806,27 @@
               <a:buNone/>
             </a:pPr>
             <a:r>
-              <a:rPr lang="en-US" dirty="0" smtClean="0"/>
+              <a:rPr lang="en-US" dirty="0"/>
               <a:t>}</a:t>
             </a:r>
           </a:p>
           <a:p>
             <a:pPr algn="l" rtl="0"/>
-            <a:endParaRPr lang="en-US" dirty="0" smtClean="0"/>
-          </a:p>
-          <a:p>
-            <a:pPr algn="l" rtl="0"/>
-            <a:endParaRPr lang="en-US" dirty="0" smtClean="0"/>
-          </a:p>
-          <a:p>
-            <a:pPr algn="l" rtl="0"/>
-            <a:endParaRPr lang="en-US" dirty="0" smtClean="0"/>
+            <a:endParaRPr lang="en-US" dirty="0"/>
+          </a:p>
+          <a:p>
+            <a:pPr algn="l" rtl="0"/>
+            <a:endParaRPr lang="en-US" dirty="0"/>
+          </a:p>
+          <a:p>
+            <a:pPr algn="l" rtl="0"/>
+            <a:endParaRPr lang="en-US" dirty="0"/>
           </a:p>
           <a:p>
             <a:pPr algn="l" rtl="0">
               <a:buNone/>
             </a:pPr>
-            <a:endParaRPr lang="en-US" dirty="0" smtClean="0"/>
+            <a:endParaRPr lang="en-US" dirty="0"/>
           </a:p>
           <a:p>
             <a:pPr algn="l" rtl="0"/>
@@ -6999,7 +6875,7 @@
           <a:lstStyle/>
           <a:p>
             <a:r>
-              <a:rPr lang="en-US" sz="4000" dirty="0" smtClean="0"/>
+              <a:rPr lang="en-US" sz="4000" dirty="0"/>
               <a:t>Equality</a:t>
             </a:r>
             <a:endParaRPr lang="he-IL" dirty="0"/>
@@ -7023,7 +6899,7 @@
           <a:p>
             <a:pPr algn="l" rtl="0"/>
             <a:r>
-              <a:rPr lang="en-US" dirty="0" smtClean="0"/>
+              <a:rPr lang="en-US" dirty="0"/>
               <a:t>One thing to be careful about in JavaScript is</a:t>
             </a:r>
           </a:p>
@@ -7032,7 +6908,7 @@
               <a:buNone/>
             </a:pPr>
             <a:r>
-              <a:rPr lang="en-US" dirty="0" smtClean="0"/>
+              <a:rPr lang="en-US" dirty="0"/>
               <a:t>	the difference between == and ===.</a:t>
             </a:r>
           </a:p>
@@ -7040,32 +6916,32 @@
             <a:pPr algn="l" rtl="0">
               <a:buNone/>
             </a:pPr>
-            <a:endParaRPr lang="en-US" dirty="0" smtClean="0"/>
+            <a:endParaRPr lang="en-US" dirty="0"/>
           </a:p>
           <a:p>
             <a:pPr algn="l" rtl="0">
               <a:buNone/>
             </a:pPr>
-            <a:endParaRPr lang="en-US" dirty="0" smtClean="0"/>
-          </a:p>
-          <a:p>
-            <a:pPr algn="l" rtl="0"/>
-            <a:r>
-              <a:rPr lang="en-US" dirty="0" smtClean="0"/>
+            <a:endParaRPr lang="en-US" dirty="0"/>
+          </a:p>
+          <a:p>
+            <a:pPr algn="l" rtl="0"/>
+            <a:r>
+              <a:rPr lang="en-US" dirty="0"/>
               <a:t>Similar to == vs. ===, there is != vs. !==.</a:t>
             </a:r>
           </a:p>
           <a:p>
             <a:pPr algn="l" rtl="0"/>
             <a:r>
-              <a:rPr lang="en-US" dirty="0" smtClean="0"/>
+              <a:rPr lang="en-US" dirty="0"/>
               <a:t>Always use === and !==.</a:t>
             </a:r>
           </a:p>
           <a:p>
             <a:pPr algn="l" rtl="0"/>
             <a:r>
-              <a:rPr lang="en-US" dirty="0" smtClean="0"/>
+              <a:rPr lang="en-US" dirty="0"/>
               <a:t>TypeScript object equality is the same as JavaScript object equality.</a:t>
             </a:r>
           </a:p>
@@ -7102,13 +6978,6 @@
   <p:clrMapOvr>
     <a:masterClrMapping/>
   </p:clrMapOvr>
-  <p:timing>
-    <p:tnLst>
-      <p:par>
-        <p:cTn id="1" dur="indefinite" restart="never" nodeType="tmRoot"/>
-      </p:par>
-    </p:tnLst>
-  </p:timing>
 </p:sld>
 </file>
 
@@ -7148,7 +7017,7 @@
           <a:p>
             <a:pPr rtl="0"/>
             <a:r>
-              <a:rPr lang="en-US" sz="3600" dirty="0" smtClean="0"/>
+              <a:rPr lang="en-US" sz="3600" dirty="0"/>
               <a:t>‘var’, ‘let’ and ‘const’</a:t>
             </a:r>
             <a:endParaRPr lang="he-IL" sz="3600" dirty="0"/>
@@ -7176,23 +7045,23 @@
               <a:buNone/>
             </a:pPr>
             <a:r>
-              <a:rPr lang="en-US" dirty="0" smtClean="0"/>
+              <a:rPr lang="en-US" dirty="0"/>
               <a:t>What is the output?</a:t>
             </a:r>
           </a:p>
           <a:p>
             <a:pPr algn="l" rtl="0"/>
-            <a:endParaRPr lang="en-US" dirty="0" smtClean="0"/>
-          </a:p>
-          <a:p>
-            <a:pPr algn="l" rtl="0"/>
-            <a:endParaRPr lang="en-US" dirty="0" smtClean="0"/>
+            <a:endParaRPr lang="en-US" dirty="0"/>
+          </a:p>
+          <a:p>
+            <a:pPr algn="l" rtl="0"/>
+            <a:endParaRPr lang="en-US" dirty="0"/>
           </a:p>
           <a:p>
             <a:pPr algn="l" rtl="0">
               <a:buNone/>
             </a:pPr>
-            <a:endParaRPr lang="en-US" dirty="0" smtClean="0"/>
+            <a:endParaRPr lang="en-US" dirty="0"/>
           </a:p>
           <a:p>
             <a:pPr algn="l" rtl="0"/>
@@ -7269,10 +7138,9 @@
           <a:lstStyle/>
           <a:p>
             <a:r>
-              <a:rPr lang="en-US" sz="3600" dirty="0" smtClean="0"/>
+              <a:rPr lang="en-US" sz="3600" dirty="0"/>
               <a:t>Rest Parameters</a:t>
             </a:r>
-            <a:endParaRPr lang="en-US" sz="3600" dirty="0"/>
           </a:p>
         </p:txBody>
       </p:sp>
@@ -7295,41 +7163,48 @@
           <a:p>
             <a:pPr algn="l" rtl="0"/>
             <a:r>
-              <a:rPr lang="en-US" sz="1700" dirty="0" smtClean="0"/>
+              <a:rPr lang="en-US" sz="1600" dirty="0"/>
               <a:t>Rest parameters allow you to quickly accept multiple arguments in your function and get them as an array.</a:t>
             </a:r>
           </a:p>
           <a:p>
             <a:pPr algn="l" rtl="0"/>
             <a:r>
-              <a:rPr lang="en-US" sz="1700" dirty="0" smtClean="0"/>
+              <a:rPr lang="en-US" sz="1600" dirty="0"/>
+              <a:t>The rest syntax is simply three dots …</a:t>
+            </a:r>
+          </a:p>
+          <a:p>
+            <a:pPr algn="l" rtl="0"/>
+            <a:r>
+              <a:rPr lang="en-US" sz="1600" dirty="0"/>
               <a:t>Rest parameters are treated as a boundless number of optional parameters. </a:t>
             </a:r>
           </a:p>
           <a:p>
             <a:pPr algn="l" rtl="0"/>
             <a:r>
-              <a:rPr lang="en-US" sz="1700" dirty="0" smtClean="0"/>
+              <a:rPr lang="en-US" sz="1600" dirty="0"/>
               <a:t>When passing arguments for a rest parameter, you can use as many as you want. You can even pass none. </a:t>
             </a:r>
           </a:p>
           <a:p>
             <a:pPr algn="l" rtl="0"/>
             <a:r>
-              <a:rPr lang="en-US" sz="1700" dirty="0" smtClean="0"/>
+              <a:rPr lang="en-US" sz="1600" dirty="0"/>
               <a:t>The compiler will build an array of the arguments passed in with the name given after the ellipsis (...), allowing you to use it in your  function.</a:t>
             </a:r>
           </a:p>
           <a:p>
             <a:pPr algn="l" rtl="0"/>
             <a:r>
-              <a:rPr lang="en-US" sz="1700" dirty="0" smtClean="0"/>
+              <a:rPr lang="en-US" sz="1600" dirty="0"/>
               <a:t>Rest parameter must be the last argument (compile time error).</a:t>
             </a:r>
           </a:p>
           <a:p>
             <a:pPr algn="l" rtl="0"/>
-            <a:endParaRPr lang="he-IL" sz="1700" dirty="0"/>
+            <a:endParaRPr lang="he-IL" sz="1600" dirty="0"/>
           </a:p>
         </p:txBody>
       </p:sp>
@@ -7364,13 +7239,6 @@
   <p:clrMapOvr>
     <a:masterClrMapping/>
   </p:clrMapOvr>
-  <p:timing>
-    <p:tnLst>
-      <p:par>
-        <p:cTn id="1" dur="indefinite" restart="never" nodeType="tmRoot"/>
-      </p:par>
-    </p:tnLst>
-  </p:timing>
 </p:sld>
 </file>
 
@@ -7403,15 +7271,16 @@
         </p:nvSpPr>
         <p:spPr/>
         <p:txBody>
-          <a:bodyPr/>
+          <a:bodyPr>
+            <a:noAutofit/>
+          </a:bodyPr>
           <a:lstStyle/>
           <a:p>
             <a:pPr rtl="0"/>
             <a:r>
-              <a:rPr lang="en-US" dirty="0" smtClean="0"/>
-              <a:t>Resources  &amp; Useful links</a:t>
-            </a:r>
-            <a:endParaRPr lang="he-IL" dirty="0"/>
+              <a:rPr lang="en-US" sz="3600" dirty="0"/>
+              <a:t>Spread operator</a:t>
+            </a:r>
           </a:p>
         </p:txBody>
       </p:sp>
@@ -7428,184 +7297,1340 @@
         <p:spPr/>
         <p:txBody>
           <a:bodyPr>
-            <a:normAutofit fontScale="85000" lnSpcReduction="20000"/>
+            <a:normAutofit/>
           </a:bodyPr>
           <a:lstStyle/>
           <a:p>
             <a:pPr algn="l" rtl="0"/>
             <a:r>
-              <a:rPr lang="en-US" dirty="0" smtClean="0">
-                <a:solidFill>
-                  <a:srgbClr val="FF0000"/>
-                </a:solidFill>
-                <a:hlinkClick r:id="rId2"/>
-              </a:rPr>
-              <a:t>http://www.typescriptlang.org</a:t>
-            </a:r>
-            <a:endParaRPr lang="en-US" dirty="0" smtClean="0">
-              <a:solidFill>
-                <a:srgbClr val="FF0000"/>
-              </a:solidFill>
-            </a:endParaRPr>
-          </a:p>
-          <a:p>
-            <a:pPr algn="l" rtl="0"/>
-            <a:r>
-              <a:rPr lang="en-US" dirty="0" smtClean="0">
-                <a:solidFill>
-                  <a:srgbClr val="FF0000"/>
-                </a:solidFill>
-                <a:hlinkClick r:id="rId3"/>
-              </a:rPr>
-              <a:t>https://github.com/unional/typescript-guidelines</a:t>
-            </a:r>
-            <a:endParaRPr lang="en-US" dirty="0" smtClean="0">
-              <a:solidFill>
-                <a:srgbClr val="FF0000"/>
-              </a:solidFill>
-            </a:endParaRPr>
-          </a:p>
-          <a:p>
-            <a:pPr algn="l" rtl="0"/>
-            <a:r>
-              <a:rPr lang="en-US" dirty="0" smtClean="0">
-                <a:solidFill>
-                  <a:srgbClr val="FF0000"/>
-                </a:solidFill>
-                <a:hlinkClick r:id="rId4"/>
-              </a:rPr>
-              <a:t>https://basarat.gitbooks.io/typescript</a:t>
-            </a:r>
-            <a:endParaRPr lang="en-US" dirty="0" smtClean="0">
-              <a:solidFill>
-                <a:srgbClr val="FF0000"/>
-              </a:solidFill>
-            </a:endParaRPr>
-          </a:p>
-          <a:p>
-            <a:pPr algn="l" rtl="0"/>
-            <a:r>
-              <a:rPr lang="en-US" dirty="0" smtClean="0">
-                <a:solidFill>
-                  <a:srgbClr val="FF0000"/>
-                </a:solidFill>
-                <a:hlinkClick r:id="rId5"/>
-              </a:rPr>
-              <a:t>https://jameshenry.blog/typescript-null-and-undefined-types/</a:t>
-            </a:r>
-            <a:endParaRPr lang="en-US" dirty="0" smtClean="0">
-              <a:solidFill>
-                <a:srgbClr val="FF0000"/>
-              </a:solidFill>
-            </a:endParaRPr>
-          </a:p>
-          <a:p>
-            <a:pPr algn="l" rtl="0"/>
-            <a:r>
-              <a:rPr lang="en-US" dirty="0" smtClean="0">
-                <a:solidFill>
-                  <a:srgbClr val="FF0000"/>
-                </a:solidFill>
-                <a:hlinkClick r:id="rId6"/>
-              </a:rPr>
-              <a:t>https://codeburst.io/javascript-null-vs-undefined-20f955215a2</a:t>
-            </a:r>
-            <a:endParaRPr lang="en-US" dirty="0" smtClean="0">
-              <a:solidFill>
-                <a:srgbClr val="FF0000"/>
-              </a:solidFill>
-            </a:endParaRPr>
-          </a:p>
-          <a:p>
-            <a:pPr algn="l" rtl="0"/>
-            <a:r>
-              <a:rPr lang="en-US" dirty="0" smtClean="0">
-                <a:solidFill>
-                  <a:srgbClr val="FF0000"/>
-                </a:solidFill>
-                <a:hlinkClick r:id="rId7"/>
-              </a:rPr>
-              <a:t>https://codeburst.io/understanding-null-undefined-and-nan-b603cb74b44c</a:t>
-            </a:r>
-            <a:endParaRPr lang="en-US" dirty="0" smtClean="0">
-              <a:solidFill>
-                <a:srgbClr val="FF0000"/>
-              </a:solidFill>
-            </a:endParaRPr>
-          </a:p>
-          <a:p>
-            <a:pPr algn="l" rtl="0"/>
-            <a:r>
-              <a:rPr lang="en-US" dirty="0" smtClean="0">
-                <a:solidFill>
-                  <a:srgbClr val="FF0000"/>
-                </a:solidFill>
-                <a:hlinkClick r:id="rId8"/>
-              </a:rPr>
-              <a:t>https://developer.mozilla.org/en-US/docs/Web/JavaScript/Reference/Global_Objects/null</a:t>
-            </a:r>
-            <a:endParaRPr lang="en-US" dirty="0" smtClean="0">
-              <a:solidFill>
-                <a:srgbClr val="FF0000"/>
-              </a:solidFill>
-            </a:endParaRPr>
-          </a:p>
-          <a:p>
-            <a:pPr algn="l" rtl="0"/>
-            <a:r>
-              <a:rPr lang="en-US" dirty="0" smtClean="0">
-                <a:solidFill>
-                  <a:srgbClr val="FF0000"/>
-                </a:solidFill>
-                <a:hlinkClick r:id="rId9"/>
-              </a:rPr>
-              <a:t>https://github.com/Microsoft/TypeScript</a:t>
-            </a:r>
-            <a:endParaRPr lang="en-US" dirty="0" smtClean="0">
-              <a:solidFill>
-                <a:srgbClr val="FF0000"/>
-              </a:solidFill>
-            </a:endParaRPr>
-          </a:p>
-          <a:p>
-            <a:pPr algn="l" rtl="0"/>
-            <a:r>
-              <a:rPr lang="en-US" dirty="0" smtClean="0">
-                <a:solidFill>
-                  <a:srgbClr val="FF0000"/>
-                </a:solidFill>
-                <a:hlinkClick r:id="rId10"/>
-              </a:rPr>
-              <a:t>https://msdn.microsoft.com/en-us/magazine/dn890374.aspx</a:t>
-            </a:r>
-            <a:endParaRPr lang="en-US" dirty="0" smtClean="0">
-              <a:solidFill>
-                <a:srgbClr val="FF0000"/>
-              </a:solidFill>
-            </a:endParaRPr>
-          </a:p>
-          <a:p>
-            <a:pPr algn="l" rtl="0"/>
-            <a:endParaRPr lang="he-IL" dirty="0">
-              <a:solidFill>
-                <a:srgbClr val="FF0000"/>
-              </a:solidFill>
-            </a:endParaRPr>
-          </a:p>
-        </p:txBody>
-      </p:sp>
+              <a:rPr lang="en-US" sz="2000" dirty="0"/>
+              <a:t>The main objective of the spread operator is to </a:t>
+            </a:r>
+            <a:r>
+              <a:rPr lang="en-US" sz="2000" b="1" dirty="0"/>
+              <a:t>spread</a:t>
+            </a:r>
+            <a:r>
+              <a:rPr lang="en-US" sz="2000" dirty="0"/>
+              <a:t> the elements of an array or object.</a:t>
+            </a:r>
+          </a:p>
+          <a:p>
+            <a:pPr algn="l" rtl="0"/>
+            <a:r>
+              <a:rPr lang="en-US" sz="2000" dirty="0"/>
+              <a:t>The syntax is similar to rest parameters, simply three dots …</a:t>
+            </a:r>
+          </a:p>
+        </p:txBody>
+      </p:sp>
+      <p:pic>
+        <p:nvPicPr>
+          <p:cNvPr id="5" name="Picture 4" descr="A close up of a logo&#10;&#10;Description generated with very high confidence">
+            <a:extLst>
+              <a:ext uri="{FF2B5EF4-FFF2-40B4-BE49-F238E27FC236}">
+                <a16:creationId xmlns:a16="http://schemas.microsoft.com/office/drawing/2014/main" id="{DFA1FD41-22C6-4988-B10F-FC8A2E849276}"/>
+              </a:ext>
+            </a:extLst>
+          </p:cNvPr>
+          <p:cNvPicPr>
+            <a:picLocks noChangeAspect="1"/>
+          </p:cNvPicPr>
+          <p:nvPr/>
+        </p:nvPicPr>
+        <p:blipFill>
+          <a:blip r:embed="rId2">
+            <a:extLst>
+              <a:ext uri="{28A0092B-C50C-407E-A947-70E740481C1C}">
+                <a14:useLocalDpi xmlns:a14="http://schemas.microsoft.com/office/drawing/2010/main" val="0"/>
+              </a:ext>
+            </a:extLst>
+          </a:blip>
+          <a:stretch>
+            <a:fillRect/>
+          </a:stretch>
+        </p:blipFill>
+        <p:spPr>
+          <a:xfrm>
+            <a:off x="838200" y="3048000"/>
+            <a:ext cx="5105842" cy="678239"/>
+          </a:xfrm>
+          <a:prstGeom prst="rect">
+            <a:avLst/>
+          </a:prstGeom>
+        </p:spPr>
+      </p:pic>
+      <p:pic>
+        <p:nvPicPr>
+          <p:cNvPr id="7" name="Picture 6" descr="A close up of a sign&#10;&#10;Description generated with high confidence">
+            <a:extLst>
+              <a:ext uri="{FF2B5EF4-FFF2-40B4-BE49-F238E27FC236}">
+                <a16:creationId xmlns:a16="http://schemas.microsoft.com/office/drawing/2014/main" id="{FD8DFD43-961D-41D1-9771-88AE4D4E4FF2}"/>
+              </a:ext>
+            </a:extLst>
+          </p:cNvPr>
+          <p:cNvPicPr>
+            <a:picLocks noChangeAspect="1"/>
+          </p:cNvPicPr>
+          <p:nvPr/>
+        </p:nvPicPr>
+        <p:blipFill>
+          <a:blip r:embed="rId3">
+            <a:extLst>
+              <a:ext uri="{28A0092B-C50C-407E-A947-70E740481C1C}">
+                <a14:useLocalDpi xmlns:a14="http://schemas.microsoft.com/office/drawing/2010/main" val="0"/>
+              </a:ext>
+            </a:extLst>
+          </a:blip>
+          <a:stretch>
+            <a:fillRect/>
+          </a:stretch>
+        </p:blipFill>
+        <p:spPr>
+          <a:xfrm>
+            <a:off x="838200" y="4032576"/>
+            <a:ext cx="5105842" cy="883997"/>
+          </a:xfrm>
+          <a:prstGeom prst="rect">
+            <a:avLst/>
+          </a:prstGeom>
+        </p:spPr>
+      </p:pic>
     </p:spTree>
+    <p:extLst>
+      <p:ext uri="{BB962C8B-B14F-4D97-AF65-F5344CB8AC3E}">
+        <p14:creationId xmlns:p14="http://schemas.microsoft.com/office/powerpoint/2010/main" val="3891654774"/>
+      </p:ext>
+    </p:extLst>
   </p:cSld>
   <p:clrMapOvr>
     <a:masterClrMapping/>
   </p:clrMapOvr>
-  <p:timing>
-    <p:tnLst>
-      <p:par>
-        <p:cTn id="1" dur="indefinite" restart="never" nodeType="tmRoot"/>
-      </p:par>
-    </p:tnLst>
-  </p:timing>
+</p:sld>
+</file>
+
+<file path=ppt/slides/slide33.xml><?xml version="1.0" encoding="utf-8"?>
+<p:sld xmlns:a="http://schemas.openxmlformats.org/drawingml/2006/main" xmlns:r="http://schemas.openxmlformats.org/officeDocument/2006/relationships" xmlns:p="http://schemas.openxmlformats.org/presentationml/2006/main">
+  <p:cSld>
+    <p:spTree>
+      <p:nvGrpSpPr>
+        <p:cNvPr id="1" name=""/>
+        <p:cNvGrpSpPr/>
+        <p:nvPr/>
+      </p:nvGrpSpPr>
+      <p:grpSpPr>
+        <a:xfrm>
+          <a:off x="0" y="0"/>
+          <a:ext cx="0" cy="0"/>
+          <a:chOff x="0" y="0"/>
+          <a:chExt cx="0" cy="0"/>
+        </a:xfrm>
+      </p:grpSpPr>
+      <p:sp>
+        <p:nvSpPr>
+          <p:cNvPr id="2" name="Title 1"/>
+          <p:cNvSpPr>
+            <a:spLocks noGrp="1"/>
+          </p:cNvSpPr>
+          <p:nvPr>
+            <p:ph type="title"/>
+          </p:nvPr>
+        </p:nvSpPr>
+        <p:spPr/>
+        <p:txBody>
+          <a:bodyPr>
+            <a:noAutofit/>
+          </a:bodyPr>
+          <a:lstStyle/>
+          <a:p>
+            <a:pPr rtl="0"/>
+            <a:r>
+              <a:rPr lang="en-US" sz="3600" dirty="0"/>
+              <a:t>Spread operator</a:t>
+            </a:r>
+          </a:p>
+        </p:txBody>
+      </p:sp>
+      <p:sp>
+        <p:nvSpPr>
+          <p:cNvPr id="3" name="Content Placeholder 2"/>
+          <p:cNvSpPr>
+            <a:spLocks noGrp="1"/>
+          </p:cNvSpPr>
+          <p:nvPr>
+            <p:ph idx="1"/>
+          </p:nvPr>
+        </p:nvSpPr>
+        <p:spPr/>
+        <p:txBody>
+          <a:bodyPr>
+            <a:normAutofit/>
+          </a:bodyPr>
+          <a:lstStyle/>
+          <a:p>
+            <a:pPr algn="l" rtl="0"/>
+            <a:r>
+              <a:rPr lang="en-US" dirty="0"/>
+              <a:t> Spread syntax effectively goes one level deep while copying an array. Therefore, it may be unsuitable for copying objects array.</a:t>
+            </a:r>
+          </a:p>
+          <a:p>
+            <a:pPr algn="l" rtl="0"/>
+            <a:r>
+              <a:rPr lang="en-US" dirty="0"/>
+              <a:t>When using spread operator on objects it copies own enumerable properties from a provided object onto a new object.</a:t>
+            </a:r>
+            <a:endParaRPr lang="he-IL" sz="2400" dirty="0"/>
+          </a:p>
+        </p:txBody>
+      </p:sp>
+      <p:pic>
+        <p:nvPicPr>
+          <p:cNvPr id="6" name="Picture 5" descr="A screenshot of a cell phone&#10;&#10;Description generated with very high confidence">
+            <a:extLst>
+              <a:ext uri="{FF2B5EF4-FFF2-40B4-BE49-F238E27FC236}">
+                <a16:creationId xmlns:a16="http://schemas.microsoft.com/office/drawing/2014/main" id="{69FD4010-F423-4EEF-B82D-1AD7E695073F}"/>
+              </a:ext>
+            </a:extLst>
+          </p:cNvPr>
+          <p:cNvPicPr>
+            <a:picLocks noChangeAspect="1"/>
+          </p:cNvPicPr>
+          <p:nvPr/>
+        </p:nvPicPr>
+        <p:blipFill>
+          <a:blip r:embed="rId2">
+            <a:extLst>
+              <a:ext uri="{28A0092B-C50C-407E-A947-70E740481C1C}">
+                <a14:useLocalDpi xmlns:a14="http://schemas.microsoft.com/office/drawing/2010/main" val="0"/>
+              </a:ext>
+            </a:extLst>
+          </a:blip>
+          <a:stretch>
+            <a:fillRect/>
+          </a:stretch>
+        </p:blipFill>
+        <p:spPr>
+          <a:xfrm>
+            <a:off x="838200" y="4246467"/>
+            <a:ext cx="4031329" cy="2004234"/>
+          </a:xfrm>
+          <a:prstGeom prst="rect">
+            <a:avLst/>
+          </a:prstGeom>
+        </p:spPr>
+      </p:pic>
+    </p:spTree>
+    <p:extLst>
+      <p:ext uri="{BB962C8B-B14F-4D97-AF65-F5344CB8AC3E}">
+        <p14:creationId xmlns:p14="http://schemas.microsoft.com/office/powerpoint/2010/main" val="2535893048"/>
+      </p:ext>
+    </p:extLst>
+  </p:cSld>
+  <p:clrMapOvr>
+    <a:masterClrMapping/>
+  </p:clrMapOvr>
+</p:sld>
+</file>
+
+<file path=ppt/slides/slide34.xml><?xml version="1.0" encoding="utf-8"?>
+<p:sld xmlns:a="http://schemas.openxmlformats.org/drawingml/2006/main" xmlns:r="http://schemas.openxmlformats.org/officeDocument/2006/relationships" xmlns:p="http://schemas.openxmlformats.org/presentationml/2006/main">
+  <p:cSld>
+    <p:spTree>
+      <p:nvGrpSpPr>
+        <p:cNvPr id="1" name=""/>
+        <p:cNvGrpSpPr/>
+        <p:nvPr/>
+      </p:nvGrpSpPr>
+      <p:grpSpPr>
+        <a:xfrm>
+          <a:off x="0" y="0"/>
+          <a:ext cx="0" cy="0"/>
+          <a:chOff x="0" y="0"/>
+          <a:chExt cx="0" cy="0"/>
+        </a:xfrm>
+      </p:grpSpPr>
+      <p:sp>
+        <p:nvSpPr>
+          <p:cNvPr id="2" name="Title 1"/>
+          <p:cNvSpPr>
+            <a:spLocks noGrp="1"/>
+          </p:cNvSpPr>
+          <p:nvPr>
+            <p:ph type="title"/>
+          </p:nvPr>
+        </p:nvSpPr>
+        <p:spPr/>
+        <p:txBody>
+          <a:bodyPr>
+            <a:noAutofit/>
+          </a:bodyPr>
+          <a:lstStyle/>
+          <a:p>
+            <a:pPr rtl="0"/>
+            <a:r>
+              <a:rPr lang="en-US" sz="3600" dirty="0"/>
+              <a:t>Spread operator</a:t>
+            </a:r>
+          </a:p>
+        </p:txBody>
+      </p:sp>
+      <p:sp>
+        <p:nvSpPr>
+          <p:cNvPr id="3" name="Content Placeholder 2"/>
+          <p:cNvSpPr>
+            <a:spLocks noGrp="1"/>
+          </p:cNvSpPr>
+          <p:nvPr>
+            <p:ph idx="1"/>
+          </p:nvPr>
+        </p:nvSpPr>
+        <p:spPr/>
+        <p:txBody>
+          <a:bodyPr>
+            <a:normAutofit/>
+          </a:bodyPr>
+          <a:lstStyle/>
+          <a:p>
+            <a:pPr algn="l" rtl="0"/>
+            <a:r>
+              <a:rPr lang="en-US" dirty="0"/>
+              <a:t>Spread syntax (other than in the case of spread properties) can be applied only to </a:t>
+            </a:r>
+            <a:r>
+              <a:rPr lang="en-US" dirty="0" err="1"/>
+              <a:t>iterable</a:t>
+            </a:r>
+            <a:r>
+              <a:rPr lang="en-US" dirty="0"/>
+              <a:t> objects:</a:t>
+            </a:r>
+          </a:p>
+          <a:p>
+            <a:pPr algn="l" rtl="0"/>
+            <a:endParaRPr lang="en-US" sz="2400" dirty="0"/>
+          </a:p>
+          <a:p>
+            <a:pPr algn="l" rtl="0"/>
+            <a:endParaRPr lang="en-US" sz="2400" dirty="0"/>
+          </a:p>
+          <a:p>
+            <a:pPr algn="l" rtl="0"/>
+            <a:r>
+              <a:rPr lang="en-US" dirty="0"/>
+              <a:t>In a way, rest syntax is the opposite of spread syntax: spread 'expands' an array into its elements, while rest collects multiple elements and 'condenses' them into a single element.</a:t>
+            </a:r>
+            <a:endParaRPr lang="he-IL" sz="2400" dirty="0"/>
+          </a:p>
+        </p:txBody>
+      </p:sp>
+      <p:pic>
+        <p:nvPicPr>
+          <p:cNvPr id="5" name="Picture 4" descr="A picture containing object, person&#10;&#10;Description generated with high confidence">
+            <a:extLst>
+              <a:ext uri="{FF2B5EF4-FFF2-40B4-BE49-F238E27FC236}">
+                <a16:creationId xmlns:a16="http://schemas.microsoft.com/office/drawing/2014/main" id="{B0080363-033F-49EB-A899-D496874D7373}"/>
+              </a:ext>
+            </a:extLst>
+          </p:cNvPr>
+          <p:cNvPicPr>
+            <a:picLocks noChangeAspect="1"/>
+          </p:cNvPicPr>
+          <p:nvPr/>
+        </p:nvPicPr>
+        <p:blipFill>
+          <a:blip r:embed="rId2">
+            <a:extLst>
+              <a:ext uri="{28A0092B-C50C-407E-A947-70E740481C1C}">
+                <a14:useLocalDpi xmlns:a14="http://schemas.microsoft.com/office/drawing/2010/main" val="0"/>
+              </a:ext>
+            </a:extLst>
+          </a:blip>
+          <a:stretch>
+            <a:fillRect/>
+          </a:stretch>
+        </p:blipFill>
+        <p:spPr>
+          <a:xfrm>
+            <a:off x="838200" y="3135604"/>
+            <a:ext cx="5273497" cy="586791"/>
+          </a:xfrm>
+          <a:prstGeom prst="rect">
+            <a:avLst/>
+          </a:prstGeom>
+        </p:spPr>
+      </p:pic>
+    </p:spTree>
+    <p:extLst>
+      <p:ext uri="{BB962C8B-B14F-4D97-AF65-F5344CB8AC3E}">
+        <p14:creationId xmlns:p14="http://schemas.microsoft.com/office/powerpoint/2010/main" val="3702792061"/>
+      </p:ext>
+    </p:extLst>
+  </p:cSld>
+  <p:clrMapOvr>
+    <a:masterClrMapping/>
+  </p:clrMapOvr>
+</p:sld>
+</file>
+
+<file path=ppt/slides/slide35.xml><?xml version="1.0" encoding="utf-8"?>
+<p:sld xmlns:a="http://schemas.openxmlformats.org/drawingml/2006/main" xmlns:r="http://schemas.openxmlformats.org/officeDocument/2006/relationships" xmlns:p="http://schemas.openxmlformats.org/presentationml/2006/main">
+  <p:cSld>
+    <p:spTree>
+      <p:nvGrpSpPr>
+        <p:cNvPr id="1" name=""/>
+        <p:cNvGrpSpPr/>
+        <p:nvPr/>
+      </p:nvGrpSpPr>
+      <p:grpSpPr>
+        <a:xfrm>
+          <a:off x="0" y="0"/>
+          <a:ext cx="0" cy="0"/>
+          <a:chOff x="0" y="0"/>
+          <a:chExt cx="0" cy="0"/>
+        </a:xfrm>
+      </p:grpSpPr>
+      <p:sp>
+        <p:nvSpPr>
+          <p:cNvPr id="2" name="Title 1"/>
+          <p:cNvSpPr>
+            <a:spLocks noGrp="1"/>
+          </p:cNvSpPr>
+          <p:nvPr>
+            <p:ph type="title"/>
+          </p:nvPr>
+        </p:nvSpPr>
+        <p:spPr/>
+        <p:txBody>
+          <a:bodyPr>
+            <a:noAutofit/>
+          </a:bodyPr>
+          <a:lstStyle/>
+          <a:p>
+            <a:pPr rtl="0"/>
+            <a:r>
+              <a:rPr lang="en-US" sz="3600" dirty="0"/>
+              <a:t>Spread operator</a:t>
+            </a:r>
+          </a:p>
+        </p:txBody>
+      </p:sp>
+      <p:sp>
+        <p:nvSpPr>
+          <p:cNvPr id="3" name="Content Placeholder 2"/>
+          <p:cNvSpPr>
+            <a:spLocks noGrp="1"/>
+          </p:cNvSpPr>
+          <p:nvPr>
+            <p:ph idx="1"/>
+          </p:nvPr>
+        </p:nvSpPr>
+        <p:spPr>
+          <a:xfrm>
+            <a:off x="457200" y="1609416"/>
+            <a:ext cx="7239000" cy="4846320"/>
+          </a:xfrm>
+        </p:spPr>
+        <p:txBody>
+          <a:bodyPr>
+            <a:normAutofit/>
+          </a:bodyPr>
+          <a:lstStyle/>
+          <a:p>
+            <a:pPr marL="0" indent="0" algn="l" rtl="0">
+              <a:buNone/>
+            </a:pPr>
+            <a:r>
+              <a:rPr lang="en-US" sz="2400" dirty="0"/>
+              <a:t>Some useful examples:</a:t>
+            </a:r>
+          </a:p>
+          <a:p>
+            <a:pPr algn="l" rtl="0"/>
+            <a:r>
+              <a:rPr lang="en-US" sz="2000" dirty="0" err="1"/>
+              <a:t>var</a:t>
+            </a:r>
+            <a:r>
+              <a:rPr lang="en-US" sz="2000" dirty="0"/>
+              <a:t> arr1.push(…arr2) // adds arr2 to the end of arr1</a:t>
+            </a:r>
+          </a:p>
+          <a:p>
+            <a:pPr algn="l" rtl="0"/>
+            <a:r>
+              <a:rPr lang="en-US" sz="2000" dirty="0" err="1"/>
+              <a:t>var</a:t>
+            </a:r>
+            <a:r>
+              <a:rPr lang="en-US" sz="2000" dirty="0"/>
+              <a:t> arr1.unshift(…arr2) // adds arr2 to the start of arr1</a:t>
+            </a:r>
+          </a:p>
+          <a:p>
+            <a:pPr algn="l" rtl="0"/>
+            <a:r>
+              <a:rPr lang="en-US" sz="2000" dirty="0" err="1"/>
+              <a:t>var</a:t>
+            </a:r>
+            <a:r>
+              <a:rPr lang="en-US" sz="2000" dirty="0"/>
+              <a:t> arr1 = […arr2] // copy elements of arr2 to arr1</a:t>
+            </a:r>
+          </a:p>
+          <a:p>
+            <a:pPr algn="l" rtl="0"/>
+            <a:r>
+              <a:rPr lang="en-US" sz="2000" dirty="0" err="1"/>
+              <a:t>var</a:t>
+            </a:r>
+            <a:r>
+              <a:rPr lang="en-US" sz="2000" dirty="0"/>
+              <a:t> arr1 = […arr2, …arr3, …arr4] // combining multiple arrays</a:t>
+            </a:r>
+          </a:p>
+          <a:p>
+            <a:pPr algn="l" rtl="0"/>
+            <a:r>
+              <a:rPr lang="en-US" sz="2000" dirty="0" err="1"/>
+              <a:t>var</a:t>
+            </a:r>
+            <a:r>
+              <a:rPr lang="en-US" sz="2000" dirty="0"/>
+              <a:t> options = { ...</a:t>
+            </a:r>
+            <a:r>
+              <a:rPr lang="en-US" sz="2000" dirty="0" err="1"/>
+              <a:t>defaultOptions</a:t>
+            </a:r>
+            <a:r>
+              <a:rPr lang="en-US" sz="2000" dirty="0"/>
+              <a:t>, ...</a:t>
+            </a:r>
+            <a:r>
+              <a:rPr lang="en-US" sz="2000" dirty="0" err="1"/>
+              <a:t>requestOptions</a:t>
+            </a:r>
+            <a:r>
+              <a:rPr lang="en-US" sz="2000" dirty="0"/>
+              <a:t> };  </a:t>
+            </a:r>
+          </a:p>
+          <a:p>
+            <a:pPr marL="0" indent="0" algn="l" rtl="0">
+              <a:buNone/>
+            </a:pPr>
+            <a:r>
+              <a:rPr lang="en-US" sz="2000" dirty="0"/>
+              <a:t>   // merge between two objects</a:t>
+            </a:r>
+          </a:p>
+          <a:p>
+            <a:pPr algn="l" rtl="0"/>
+            <a:r>
+              <a:rPr lang="en-US" sz="2000" dirty="0" err="1"/>
+              <a:t>var</a:t>
+            </a:r>
+            <a:r>
+              <a:rPr lang="en-US" sz="2000" dirty="0"/>
+              <a:t> </a:t>
+            </a:r>
+            <a:r>
+              <a:rPr lang="en-US" sz="2000" dirty="0" err="1"/>
+              <a:t>shallowCopy</a:t>
+            </a:r>
+            <a:r>
+              <a:rPr lang="en-US" sz="2000" dirty="0"/>
+              <a:t> = { ...</a:t>
+            </a:r>
+            <a:r>
+              <a:rPr lang="en-US" sz="2000" dirty="0" err="1"/>
+              <a:t>someObj</a:t>
+            </a:r>
+            <a:r>
+              <a:rPr lang="en-US" sz="2000" dirty="0"/>
+              <a:t> };</a:t>
+            </a:r>
+          </a:p>
+        </p:txBody>
+      </p:sp>
+    </p:spTree>
+    <p:extLst>
+      <p:ext uri="{BB962C8B-B14F-4D97-AF65-F5344CB8AC3E}">
+        <p14:creationId xmlns:p14="http://schemas.microsoft.com/office/powerpoint/2010/main" val="2795344761"/>
+      </p:ext>
+    </p:extLst>
+  </p:cSld>
+  <p:clrMapOvr>
+    <a:masterClrMapping/>
+  </p:clrMapOvr>
+</p:sld>
+</file>
+
+<file path=ppt/slides/slide36.xml><?xml version="1.0" encoding="utf-8"?>
+<p:sld xmlns:a="http://schemas.openxmlformats.org/drawingml/2006/main" xmlns:r="http://schemas.openxmlformats.org/officeDocument/2006/relationships" xmlns:p="http://schemas.openxmlformats.org/presentationml/2006/main">
+  <p:cSld>
+    <p:spTree>
+      <p:nvGrpSpPr>
+        <p:cNvPr id="1" name=""/>
+        <p:cNvGrpSpPr/>
+        <p:nvPr/>
+      </p:nvGrpSpPr>
+      <p:grpSpPr>
+        <a:xfrm>
+          <a:off x="0" y="0"/>
+          <a:ext cx="0" cy="0"/>
+          <a:chOff x="0" y="0"/>
+          <a:chExt cx="0" cy="0"/>
+        </a:xfrm>
+      </p:grpSpPr>
+      <p:sp>
+        <p:nvSpPr>
+          <p:cNvPr id="2" name="Title 1"/>
+          <p:cNvSpPr>
+            <a:spLocks noGrp="1"/>
+          </p:cNvSpPr>
+          <p:nvPr>
+            <p:ph type="title"/>
+          </p:nvPr>
+        </p:nvSpPr>
+        <p:spPr/>
+        <p:txBody>
+          <a:bodyPr>
+            <a:noAutofit/>
+          </a:bodyPr>
+          <a:lstStyle/>
+          <a:p>
+            <a:pPr rtl="0"/>
+            <a:r>
+              <a:rPr lang="en-US" sz="3600" dirty="0" err="1"/>
+              <a:t>Destructuring</a:t>
+            </a:r>
+            <a:endParaRPr lang="en-US" sz="3600" dirty="0"/>
+          </a:p>
+        </p:txBody>
+      </p:sp>
+      <p:sp>
+        <p:nvSpPr>
+          <p:cNvPr id="3" name="Content Placeholder 2"/>
+          <p:cNvSpPr>
+            <a:spLocks noGrp="1"/>
+          </p:cNvSpPr>
+          <p:nvPr>
+            <p:ph idx="1"/>
+          </p:nvPr>
+        </p:nvSpPr>
+        <p:spPr>
+          <a:xfrm>
+            <a:off x="457200" y="1609416"/>
+            <a:ext cx="7239000" cy="4846320"/>
+          </a:xfrm>
+        </p:spPr>
+        <p:txBody>
+          <a:bodyPr>
+            <a:normAutofit/>
+          </a:bodyPr>
+          <a:lstStyle/>
+          <a:p>
+            <a:pPr algn="l" rtl="0"/>
+            <a:r>
+              <a:rPr lang="en-US" dirty="0"/>
+              <a:t>TypeScript supports the following forms of </a:t>
+            </a:r>
+            <a:r>
+              <a:rPr lang="en-US" dirty="0" err="1"/>
+              <a:t>Destructuring</a:t>
+            </a:r>
+            <a:r>
+              <a:rPr lang="en-US" dirty="0"/>
+              <a:t> (literally named after de-structuring i.e. breaking up the structure.</a:t>
+            </a:r>
+          </a:p>
+          <a:p>
+            <a:pPr marL="0" indent="0" algn="l" rtl="0">
+              <a:buNone/>
+            </a:pPr>
+            <a:endParaRPr lang="en-US" sz="2000" dirty="0"/>
+          </a:p>
+          <a:p>
+            <a:pPr algn="l" rtl="0"/>
+            <a:r>
+              <a:rPr lang="en-US" sz="2400" dirty="0"/>
+              <a:t>Array </a:t>
+            </a:r>
+            <a:r>
+              <a:rPr lang="en-US" sz="2400" dirty="0" err="1"/>
+              <a:t>destructuring</a:t>
+            </a:r>
+            <a:endParaRPr lang="en-US" sz="2400" dirty="0"/>
+          </a:p>
+          <a:p>
+            <a:pPr algn="l" rtl="0"/>
+            <a:endParaRPr lang="en-US" sz="2000" dirty="0"/>
+          </a:p>
+          <a:p>
+            <a:pPr algn="l" rtl="0"/>
+            <a:endParaRPr lang="en-US" sz="2000" dirty="0"/>
+          </a:p>
+          <a:p>
+            <a:pPr algn="l" rtl="0"/>
+            <a:endParaRPr lang="en-US" sz="2000" dirty="0"/>
+          </a:p>
+          <a:p>
+            <a:pPr marL="0" indent="0" algn="l" rtl="0">
+              <a:buNone/>
+            </a:pPr>
+            <a:r>
+              <a:rPr lang="en-US" sz="2000" dirty="0"/>
+              <a:t>This creates two new variables first and second, this is equivalent to:</a:t>
+            </a:r>
+          </a:p>
+        </p:txBody>
+      </p:sp>
+      <p:pic>
+        <p:nvPicPr>
+          <p:cNvPr id="5" name="Picture 4" descr="A screenshot of a cell phone&#10;&#10;Description generated with high confidence">
+            <a:extLst>
+              <a:ext uri="{FF2B5EF4-FFF2-40B4-BE49-F238E27FC236}">
+                <a16:creationId xmlns:a16="http://schemas.microsoft.com/office/drawing/2014/main" id="{3F9F6D90-DA31-4E83-8B4E-72C344CC249E}"/>
+              </a:ext>
+            </a:extLst>
+          </p:cNvPr>
+          <p:cNvPicPr>
+            <a:picLocks noChangeAspect="1"/>
+          </p:cNvPicPr>
+          <p:nvPr/>
+        </p:nvPicPr>
+        <p:blipFill>
+          <a:blip r:embed="rId2">
+            <a:extLst>
+              <a:ext uri="{28A0092B-C50C-407E-A947-70E740481C1C}">
+                <a14:useLocalDpi xmlns:a14="http://schemas.microsoft.com/office/drawing/2010/main" val="0"/>
+              </a:ext>
+            </a:extLst>
+          </a:blip>
+          <a:stretch>
+            <a:fillRect/>
+          </a:stretch>
+        </p:blipFill>
+        <p:spPr>
+          <a:xfrm>
+            <a:off x="547207" y="3810000"/>
+            <a:ext cx="3970364" cy="1021168"/>
+          </a:xfrm>
+          <a:prstGeom prst="rect">
+            <a:avLst/>
+          </a:prstGeom>
+        </p:spPr>
+      </p:pic>
+      <p:pic>
+        <p:nvPicPr>
+          <p:cNvPr id="11" name="Picture 10" descr="A picture containing object, antenna&#10;&#10;Description generated with very high confidence">
+            <a:extLst>
+              <a:ext uri="{FF2B5EF4-FFF2-40B4-BE49-F238E27FC236}">
+                <a16:creationId xmlns:a16="http://schemas.microsoft.com/office/drawing/2014/main" id="{FB7D2C99-FAA4-4A95-B934-3E9309520ABD}"/>
+              </a:ext>
+            </a:extLst>
+          </p:cNvPr>
+          <p:cNvPicPr>
+            <a:picLocks noChangeAspect="1"/>
+          </p:cNvPicPr>
+          <p:nvPr/>
+        </p:nvPicPr>
+        <p:blipFill>
+          <a:blip r:embed="rId3">
+            <a:extLst>
+              <a:ext uri="{28A0092B-C50C-407E-A947-70E740481C1C}">
+                <a14:useLocalDpi xmlns:a14="http://schemas.microsoft.com/office/drawing/2010/main" val="0"/>
+              </a:ext>
+            </a:extLst>
+          </a:blip>
+          <a:stretch>
+            <a:fillRect/>
+          </a:stretch>
+        </p:blipFill>
+        <p:spPr>
+          <a:xfrm>
+            <a:off x="533400" y="5638800"/>
+            <a:ext cx="2423370" cy="579170"/>
+          </a:xfrm>
+          <a:prstGeom prst="rect">
+            <a:avLst/>
+          </a:prstGeom>
+        </p:spPr>
+      </p:pic>
+    </p:spTree>
+    <p:extLst>
+      <p:ext uri="{BB962C8B-B14F-4D97-AF65-F5344CB8AC3E}">
+        <p14:creationId xmlns:p14="http://schemas.microsoft.com/office/powerpoint/2010/main" val="4272138416"/>
+      </p:ext>
+    </p:extLst>
+  </p:cSld>
+  <p:clrMapOvr>
+    <a:masterClrMapping/>
+  </p:clrMapOvr>
+</p:sld>
+</file>
+
+<file path=ppt/slides/slide37.xml><?xml version="1.0" encoding="utf-8"?>
+<p:sld xmlns:a="http://schemas.openxmlformats.org/drawingml/2006/main" xmlns:r="http://schemas.openxmlformats.org/officeDocument/2006/relationships" xmlns:p="http://schemas.openxmlformats.org/presentationml/2006/main">
+  <p:cSld>
+    <p:spTree>
+      <p:nvGrpSpPr>
+        <p:cNvPr id="1" name=""/>
+        <p:cNvGrpSpPr/>
+        <p:nvPr/>
+      </p:nvGrpSpPr>
+      <p:grpSpPr>
+        <a:xfrm>
+          <a:off x="0" y="0"/>
+          <a:ext cx="0" cy="0"/>
+          <a:chOff x="0" y="0"/>
+          <a:chExt cx="0" cy="0"/>
+        </a:xfrm>
+      </p:grpSpPr>
+      <p:sp>
+        <p:nvSpPr>
+          <p:cNvPr id="2" name="Title 1"/>
+          <p:cNvSpPr>
+            <a:spLocks noGrp="1"/>
+          </p:cNvSpPr>
+          <p:nvPr>
+            <p:ph type="title"/>
+          </p:nvPr>
+        </p:nvSpPr>
+        <p:spPr/>
+        <p:txBody>
+          <a:bodyPr>
+            <a:noAutofit/>
+          </a:bodyPr>
+          <a:lstStyle/>
+          <a:p>
+            <a:pPr rtl="0"/>
+            <a:r>
+              <a:rPr lang="en-US" sz="3600" dirty="0" err="1"/>
+              <a:t>Destructuring</a:t>
+            </a:r>
+            <a:endParaRPr lang="en-US" sz="3600" dirty="0"/>
+          </a:p>
+        </p:txBody>
+      </p:sp>
+      <p:sp>
+        <p:nvSpPr>
+          <p:cNvPr id="3" name="Content Placeholder 2"/>
+          <p:cNvSpPr>
+            <a:spLocks noGrp="1"/>
+          </p:cNvSpPr>
+          <p:nvPr>
+            <p:ph idx="1"/>
+          </p:nvPr>
+        </p:nvSpPr>
+        <p:spPr>
+          <a:xfrm>
+            <a:off x="457200" y="1609416"/>
+            <a:ext cx="7239000" cy="4846320"/>
+          </a:xfrm>
+        </p:spPr>
+        <p:txBody>
+          <a:bodyPr>
+            <a:normAutofit/>
+          </a:bodyPr>
+          <a:lstStyle/>
+          <a:p>
+            <a:pPr algn="l" rtl="0"/>
+            <a:r>
+              <a:rPr lang="en-US" sz="2000" dirty="0" err="1"/>
+              <a:t>Destructuring</a:t>
+            </a:r>
+            <a:r>
+              <a:rPr lang="en-US" sz="2000" dirty="0"/>
+              <a:t> works with already-declared variables as well.</a:t>
+            </a:r>
+          </a:p>
+          <a:p>
+            <a:pPr algn="l" rtl="0"/>
+            <a:r>
+              <a:rPr lang="en-US" sz="2000" dirty="0"/>
+              <a:t>Also work in function parameters</a:t>
+            </a:r>
+          </a:p>
+          <a:p>
+            <a:pPr algn="l" rtl="0"/>
+            <a:endParaRPr lang="en-US" sz="2000" dirty="0"/>
+          </a:p>
+          <a:p>
+            <a:pPr algn="l" rtl="0"/>
+            <a:endParaRPr lang="en-US" sz="2000" dirty="0"/>
+          </a:p>
+          <a:p>
+            <a:pPr algn="l" rtl="0"/>
+            <a:endParaRPr lang="en-US" sz="2000" dirty="0"/>
+          </a:p>
+          <a:p>
+            <a:pPr algn="l" rtl="0"/>
+            <a:endParaRPr lang="en-US" sz="2000" dirty="0"/>
+          </a:p>
+          <a:p>
+            <a:pPr algn="l" rtl="0"/>
+            <a:r>
+              <a:rPr lang="en-US" sz="2000" dirty="0"/>
+              <a:t>You can create a variable for the remaining items in a list:</a:t>
+            </a:r>
+          </a:p>
+        </p:txBody>
+      </p:sp>
+      <p:pic>
+        <p:nvPicPr>
+          <p:cNvPr id="6" name="Picture 5">
+            <a:extLst>
+              <a:ext uri="{FF2B5EF4-FFF2-40B4-BE49-F238E27FC236}">
+                <a16:creationId xmlns:a16="http://schemas.microsoft.com/office/drawing/2014/main" id="{F0A4DFB6-74AF-4FA9-A852-4EC36876B9C5}"/>
+              </a:ext>
+            </a:extLst>
+          </p:cNvPr>
+          <p:cNvPicPr>
+            <a:picLocks noChangeAspect="1"/>
+          </p:cNvPicPr>
+          <p:nvPr/>
+        </p:nvPicPr>
+        <p:blipFill>
+          <a:blip r:embed="rId2">
+            <a:extLst>
+              <a:ext uri="{28A0092B-C50C-407E-A947-70E740481C1C}">
+                <a14:useLocalDpi xmlns:a14="http://schemas.microsoft.com/office/drawing/2010/main" val="0"/>
+              </a:ext>
+            </a:extLst>
+          </a:blip>
+          <a:stretch>
+            <a:fillRect/>
+          </a:stretch>
+        </p:blipFill>
+        <p:spPr>
+          <a:xfrm>
+            <a:off x="609600" y="2777433"/>
+            <a:ext cx="4526672" cy="1303133"/>
+          </a:xfrm>
+          <a:prstGeom prst="rect">
+            <a:avLst/>
+          </a:prstGeom>
+        </p:spPr>
+      </p:pic>
+      <p:pic>
+        <p:nvPicPr>
+          <p:cNvPr id="8" name="Picture 7" descr="A picture containing object&#10;&#10;Description generated with high confidence">
+            <a:extLst>
+              <a:ext uri="{FF2B5EF4-FFF2-40B4-BE49-F238E27FC236}">
+                <a16:creationId xmlns:a16="http://schemas.microsoft.com/office/drawing/2014/main" id="{FBADC85D-C1DF-401F-94E3-D206392BE851}"/>
+              </a:ext>
+            </a:extLst>
+          </p:cNvPr>
+          <p:cNvPicPr>
+            <a:picLocks noChangeAspect="1"/>
+          </p:cNvPicPr>
+          <p:nvPr/>
+        </p:nvPicPr>
+        <p:blipFill>
+          <a:blip r:embed="rId3">
+            <a:extLst>
+              <a:ext uri="{28A0092B-C50C-407E-A947-70E740481C1C}">
+                <a14:useLocalDpi xmlns:a14="http://schemas.microsoft.com/office/drawing/2010/main" val="0"/>
+              </a:ext>
+            </a:extLst>
+          </a:blip>
+          <a:stretch>
+            <a:fillRect/>
+          </a:stretch>
+        </p:blipFill>
+        <p:spPr>
+          <a:xfrm>
+            <a:off x="605789" y="4827243"/>
+            <a:ext cx="4534293" cy="838273"/>
+          </a:xfrm>
+          <a:prstGeom prst="rect">
+            <a:avLst/>
+          </a:prstGeom>
+        </p:spPr>
+      </p:pic>
+    </p:spTree>
+    <p:extLst>
+      <p:ext uri="{BB962C8B-B14F-4D97-AF65-F5344CB8AC3E}">
+        <p14:creationId xmlns:p14="http://schemas.microsoft.com/office/powerpoint/2010/main" val="3070450978"/>
+      </p:ext>
+    </p:extLst>
+  </p:cSld>
+  <p:clrMapOvr>
+    <a:masterClrMapping/>
+  </p:clrMapOvr>
+</p:sld>
+</file>
+
+<file path=ppt/slides/slide38.xml><?xml version="1.0" encoding="utf-8"?>
+<p:sld xmlns:a="http://schemas.openxmlformats.org/drawingml/2006/main" xmlns:r="http://schemas.openxmlformats.org/officeDocument/2006/relationships" xmlns:p="http://schemas.openxmlformats.org/presentationml/2006/main">
+  <p:cSld>
+    <p:spTree>
+      <p:nvGrpSpPr>
+        <p:cNvPr id="1" name=""/>
+        <p:cNvGrpSpPr/>
+        <p:nvPr/>
+      </p:nvGrpSpPr>
+      <p:grpSpPr>
+        <a:xfrm>
+          <a:off x="0" y="0"/>
+          <a:ext cx="0" cy="0"/>
+          <a:chOff x="0" y="0"/>
+          <a:chExt cx="0" cy="0"/>
+        </a:xfrm>
+      </p:grpSpPr>
+      <p:sp>
+        <p:nvSpPr>
+          <p:cNvPr id="2" name="Title 1"/>
+          <p:cNvSpPr>
+            <a:spLocks noGrp="1"/>
+          </p:cNvSpPr>
+          <p:nvPr>
+            <p:ph type="title"/>
+          </p:nvPr>
+        </p:nvSpPr>
+        <p:spPr/>
+        <p:txBody>
+          <a:bodyPr>
+            <a:noAutofit/>
+          </a:bodyPr>
+          <a:lstStyle/>
+          <a:p>
+            <a:pPr rtl="0"/>
+            <a:r>
+              <a:rPr lang="en-US" sz="3600" dirty="0" err="1"/>
+              <a:t>Destructuring</a:t>
+            </a:r>
+            <a:endParaRPr lang="en-US" sz="3600" dirty="0"/>
+          </a:p>
+        </p:txBody>
+      </p:sp>
+      <p:sp>
+        <p:nvSpPr>
+          <p:cNvPr id="3" name="Content Placeholder 2"/>
+          <p:cNvSpPr>
+            <a:spLocks noGrp="1"/>
+          </p:cNvSpPr>
+          <p:nvPr>
+            <p:ph idx="1"/>
+          </p:nvPr>
+        </p:nvSpPr>
+        <p:spPr>
+          <a:xfrm>
+            <a:off x="457200" y="1609416"/>
+            <a:ext cx="7239000" cy="4846320"/>
+          </a:xfrm>
+        </p:spPr>
+        <p:txBody>
+          <a:bodyPr>
+            <a:normAutofit/>
+          </a:bodyPr>
+          <a:lstStyle/>
+          <a:p>
+            <a:pPr algn="l" rtl="0"/>
+            <a:r>
+              <a:rPr lang="en-US" sz="2000" dirty="0"/>
+              <a:t>Object </a:t>
+            </a:r>
+            <a:r>
+              <a:rPr lang="en-US" sz="2000" dirty="0" err="1"/>
+              <a:t>destructuring</a:t>
+            </a:r>
+            <a:r>
+              <a:rPr lang="en-US" sz="2000" dirty="0"/>
+              <a:t>: </a:t>
+            </a:r>
+          </a:p>
+        </p:txBody>
+      </p:sp>
+      <p:pic>
+        <p:nvPicPr>
+          <p:cNvPr id="5" name="Picture 4" descr="A screenshot of a cell phone&#10;&#10;Description generated with high confidence">
+            <a:extLst>
+              <a:ext uri="{FF2B5EF4-FFF2-40B4-BE49-F238E27FC236}">
+                <a16:creationId xmlns:a16="http://schemas.microsoft.com/office/drawing/2014/main" id="{DA995F42-1F05-46CF-929D-5BD94CA8E447}"/>
+              </a:ext>
+            </a:extLst>
+          </p:cNvPr>
+          <p:cNvPicPr>
+            <a:picLocks noChangeAspect="1"/>
+          </p:cNvPicPr>
+          <p:nvPr/>
+        </p:nvPicPr>
+        <p:blipFill>
+          <a:blip r:embed="rId2">
+            <a:extLst>
+              <a:ext uri="{28A0092B-C50C-407E-A947-70E740481C1C}">
+                <a14:useLocalDpi xmlns:a14="http://schemas.microsoft.com/office/drawing/2010/main" val="0"/>
+              </a:ext>
+            </a:extLst>
+          </a:blip>
+          <a:stretch>
+            <a:fillRect/>
+          </a:stretch>
+        </p:blipFill>
+        <p:spPr>
+          <a:xfrm>
+            <a:off x="609600" y="2209800"/>
+            <a:ext cx="3688400" cy="1569856"/>
+          </a:xfrm>
+          <a:prstGeom prst="rect">
+            <a:avLst/>
+          </a:prstGeom>
+        </p:spPr>
+      </p:pic>
+      <p:pic>
+        <p:nvPicPr>
+          <p:cNvPr id="9" name="Picture 8" descr="A close up of a logo&#10;&#10;Description generated with very high confidence">
+            <a:extLst>
+              <a:ext uri="{FF2B5EF4-FFF2-40B4-BE49-F238E27FC236}">
+                <a16:creationId xmlns:a16="http://schemas.microsoft.com/office/drawing/2014/main" id="{91DCFCB0-EA05-458A-BF6B-57EA465C1896}"/>
+              </a:ext>
+            </a:extLst>
+          </p:cNvPr>
+          <p:cNvPicPr>
+            <a:picLocks noChangeAspect="1"/>
+          </p:cNvPicPr>
+          <p:nvPr/>
+        </p:nvPicPr>
+        <p:blipFill>
+          <a:blip r:embed="rId3">
+            <a:extLst>
+              <a:ext uri="{28A0092B-C50C-407E-A947-70E740481C1C}">
+                <a14:useLocalDpi xmlns:a14="http://schemas.microsoft.com/office/drawing/2010/main" val="0"/>
+              </a:ext>
+            </a:extLst>
+          </a:blip>
+          <a:stretch>
+            <a:fillRect/>
+          </a:stretch>
+        </p:blipFill>
+        <p:spPr>
+          <a:xfrm>
+            <a:off x="609600" y="4051237"/>
+            <a:ext cx="3688400" cy="990686"/>
+          </a:xfrm>
+          <a:prstGeom prst="rect">
+            <a:avLst/>
+          </a:prstGeom>
+        </p:spPr>
+      </p:pic>
+    </p:spTree>
+    <p:extLst>
+      <p:ext uri="{BB962C8B-B14F-4D97-AF65-F5344CB8AC3E}">
+        <p14:creationId xmlns:p14="http://schemas.microsoft.com/office/powerpoint/2010/main" val="673806096"/>
+      </p:ext>
+    </p:extLst>
+  </p:cSld>
+  <p:clrMapOvr>
+    <a:masterClrMapping/>
+  </p:clrMapOvr>
+</p:sld>
+</file>
+
+<file path=ppt/slides/slide39.xml><?xml version="1.0" encoding="utf-8"?>
+<p:sld xmlns:a="http://schemas.openxmlformats.org/drawingml/2006/main" xmlns:r="http://schemas.openxmlformats.org/officeDocument/2006/relationships" xmlns:p="http://schemas.openxmlformats.org/presentationml/2006/main">
+  <p:cSld>
+    <p:spTree>
+      <p:nvGrpSpPr>
+        <p:cNvPr id="1" name=""/>
+        <p:cNvGrpSpPr/>
+        <p:nvPr/>
+      </p:nvGrpSpPr>
+      <p:grpSpPr>
+        <a:xfrm>
+          <a:off x="0" y="0"/>
+          <a:ext cx="0" cy="0"/>
+          <a:chOff x="0" y="0"/>
+          <a:chExt cx="0" cy="0"/>
+        </a:xfrm>
+      </p:grpSpPr>
+      <p:sp>
+        <p:nvSpPr>
+          <p:cNvPr id="2" name="Title 1"/>
+          <p:cNvSpPr>
+            <a:spLocks noGrp="1"/>
+          </p:cNvSpPr>
+          <p:nvPr>
+            <p:ph type="title"/>
+          </p:nvPr>
+        </p:nvSpPr>
+        <p:spPr/>
+        <p:txBody>
+          <a:bodyPr>
+            <a:noAutofit/>
+          </a:bodyPr>
+          <a:lstStyle/>
+          <a:p>
+            <a:pPr rtl="0"/>
+            <a:r>
+              <a:rPr lang="en-US" sz="3600" dirty="0"/>
+              <a:t>‘for’, ‘of’, ‘in’ and iterators</a:t>
+            </a:r>
+          </a:p>
+        </p:txBody>
+      </p:sp>
+      <p:sp>
+        <p:nvSpPr>
+          <p:cNvPr id="3" name="Content Placeholder 2"/>
+          <p:cNvSpPr>
+            <a:spLocks noGrp="1"/>
+          </p:cNvSpPr>
+          <p:nvPr>
+            <p:ph idx="1"/>
+          </p:nvPr>
+        </p:nvSpPr>
+        <p:spPr>
+          <a:xfrm>
+            <a:off x="457200" y="1609416"/>
+            <a:ext cx="7239000" cy="4846320"/>
+          </a:xfrm>
+        </p:spPr>
+        <p:txBody>
+          <a:bodyPr>
+            <a:normAutofit/>
+          </a:bodyPr>
+          <a:lstStyle/>
+          <a:p>
+            <a:pPr algn="l" rtl="0"/>
+            <a:r>
+              <a:rPr lang="en-US" sz="2000" dirty="0"/>
+              <a:t>ES6 introduced Iterator, which is an object that exposes three methods, next, return, and throw.</a:t>
+            </a:r>
+          </a:p>
+          <a:p>
+            <a:pPr algn="l" rtl="0"/>
+            <a:endParaRPr lang="en-US" sz="2000" dirty="0"/>
+          </a:p>
+          <a:p>
+            <a:pPr algn="l" rtl="0"/>
+            <a:endParaRPr lang="en-US" sz="2000" dirty="0"/>
+          </a:p>
+          <a:p>
+            <a:pPr algn="l" rtl="0"/>
+            <a:endParaRPr lang="en-US" sz="2000" dirty="0"/>
+          </a:p>
+          <a:p>
+            <a:pPr algn="l" rtl="0"/>
+            <a:endParaRPr lang="en-US" sz="2000" dirty="0"/>
+          </a:p>
+          <a:p>
+            <a:pPr algn="l" rtl="0"/>
+            <a:endParaRPr lang="en-US" sz="2000" dirty="0"/>
+          </a:p>
+          <a:p>
+            <a:pPr algn="l" rtl="0"/>
+            <a:endParaRPr lang="en-US" sz="2000" dirty="0"/>
+          </a:p>
+          <a:p>
+            <a:pPr algn="l" rtl="0"/>
+            <a:endParaRPr lang="en-US" sz="2000" dirty="0"/>
+          </a:p>
+          <a:p>
+            <a:pPr algn="l" rtl="0"/>
+            <a:endParaRPr lang="en-US" sz="2000" dirty="0"/>
+          </a:p>
+          <a:p>
+            <a:pPr algn="l" rtl="0"/>
+            <a:r>
+              <a:rPr lang="en-US" sz="2000" dirty="0"/>
+              <a:t>The desired class should implement </a:t>
+            </a:r>
+            <a:r>
+              <a:rPr lang="en-US" sz="2000" dirty="0" err="1"/>
+              <a:t>Iterable</a:t>
+            </a:r>
+            <a:r>
+              <a:rPr lang="en-US" sz="2000" dirty="0"/>
+              <a:t>&lt;T&gt; (see the next example).</a:t>
+            </a:r>
+          </a:p>
+        </p:txBody>
+      </p:sp>
+      <p:pic>
+        <p:nvPicPr>
+          <p:cNvPr id="6" name="Picture 5">
+            <a:extLst>
+              <a:ext uri="{FF2B5EF4-FFF2-40B4-BE49-F238E27FC236}">
+                <a16:creationId xmlns:a16="http://schemas.microsoft.com/office/drawing/2014/main" id="{CA7007E2-F4BB-4A93-9306-E1814CD7740D}"/>
+              </a:ext>
+            </a:extLst>
+          </p:cNvPr>
+          <p:cNvPicPr>
+            <a:picLocks noChangeAspect="1"/>
+          </p:cNvPicPr>
+          <p:nvPr/>
+        </p:nvPicPr>
+        <p:blipFill>
+          <a:blip r:embed="rId2">
+            <a:extLst>
+              <a:ext uri="{28A0092B-C50C-407E-A947-70E740481C1C}">
+                <a14:useLocalDpi xmlns:a14="http://schemas.microsoft.com/office/drawing/2010/main" val="0"/>
+              </a:ext>
+            </a:extLst>
+          </a:blip>
+          <a:stretch>
+            <a:fillRect/>
+          </a:stretch>
+        </p:blipFill>
+        <p:spPr>
+          <a:xfrm>
+            <a:off x="838200" y="2438400"/>
+            <a:ext cx="3840813" cy="1402202"/>
+          </a:xfrm>
+          <a:prstGeom prst="rect">
+            <a:avLst/>
+          </a:prstGeom>
+        </p:spPr>
+      </p:pic>
+      <p:pic>
+        <p:nvPicPr>
+          <p:cNvPr id="11" name="Picture 10" descr="A screenshot of a cell phone&#10;&#10;Description generated with high confidence">
+            <a:extLst>
+              <a:ext uri="{FF2B5EF4-FFF2-40B4-BE49-F238E27FC236}">
+                <a16:creationId xmlns:a16="http://schemas.microsoft.com/office/drawing/2014/main" id="{AD5AD4C7-C2AB-40F5-96CF-88B3788A5F14}"/>
+              </a:ext>
+            </a:extLst>
+          </p:cNvPr>
+          <p:cNvPicPr>
+            <a:picLocks noChangeAspect="1"/>
+          </p:cNvPicPr>
+          <p:nvPr/>
+        </p:nvPicPr>
+        <p:blipFill>
+          <a:blip r:embed="rId3">
+            <a:extLst>
+              <a:ext uri="{28A0092B-C50C-407E-A947-70E740481C1C}">
+                <a14:useLocalDpi xmlns:a14="http://schemas.microsoft.com/office/drawing/2010/main" val="0"/>
+              </a:ext>
+            </a:extLst>
+          </a:blip>
+          <a:stretch>
+            <a:fillRect/>
+          </a:stretch>
+        </p:blipFill>
+        <p:spPr>
+          <a:xfrm>
+            <a:off x="850641" y="4036899"/>
+            <a:ext cx="3828372" cy="1211685"/>
+          </a:xfrm>
+          <a:prstGeom prst="rect">
+            <a:avLst/>
+          </a:prstGeom>
+        </p:spPr>
+      </p:pic>
+    </p:spTree>
+    <p:extLst>
+      <p:ext uri="{BB962C8B-B14F-4D97-AF65-F5344CB8AC3E}">
+        <p14:creationId xmlns:p14="http://schemas.microsoft.com/office/powerpoint/2010/main" val="550696119"/>
+      </p:ext>
+    </p:extLst>
+  </p:cSld>
+  <p:clrMapOvr>
+    <a:masterClrMapping/>
+  </p:clrMapOvr>
 </p:sld>
 </file>
 
@@ -7642,7 +8667,7 @@
           <a:lstStyle/>
           <a:p>
             <a:r>
-              <a:rPr lang="en-US" sz="4000" dirty="0" smtClean="0"/>
+              <a:rPr lang="en-US" sz="4000" dirty="0"/>
               <a:t>Equality</a:t>
             </a:r>
             <a:endParaRPr lang="he-IL" dirty="0"/>
@@ -7668,7 +8693,7 @@
               <a:buNone/>
             </a:pPr>
             <a:r>
-              <a:rPr lang="en-US" dirty="0" smtClean="0"/>
+              <a:rPr lang="en-US" dirty="0"/>
               <a:t>Conditional statements such as the ‘if’</a:t>
             </a:r>
           </a:p>
@@ -7677,7 +8702,7 @@
               <a:buNone/>
             </a:pPr>
             <a:r>
-              <a:rPr lang="en-US" dirty="0" smtClean="0"/>
+              <a:rPr lang="en-US" dirty="0"/>
               <a:t>statement evaluate their expression using</a:t>
             </a:r>
           </a:p>
@@ -7686,15 +8711,15 @@
               <a:buNone/>
             </a:pPr>
             <a:r>
-              <a:rPr lang="en-US" dirty="0" smtClean="0"/>
+              <a:rPr lang="en-US" dirty="0"/>
               <a:t>coercion with the ’</a:t>
             </a:r>
             <a:r>
-              <a:rPr lang="en-US" dirty="0" err="1" smtClean="0"/>
+              <a:rPr lang="en-US" dirty="0" err="1"/>
               <a:t>ToBoolean</a:t>
             </a:r>
             <a:r>
-              <a:rPr lang="en-US" dirty="0" smtClean="0"/>
+              <a:rPr lang="en-US" dirty="0"/>
               <a:t>’ abstract method</a:t>
             </a:r>
           </a:p>
@@ -7703,7 +8728,7 @@
               <a:buNone/>
             </a:pPr>
             <a:r>
-              <a:rPr lang="en-US" dirty="0" smtClean="0"/>
+              <a:rPr lang="en-US" dirty="0"/>
               <a:t>and always follows the same rolls.</a:t>
             </a:r>
           </a:p>
@@ -7714,13 +8739,1600 @@
   <p:clrMapOvr>
     <a:masterClrMapping/>
   </p:clrMapOvr>
-  <p:timing>
-    <p:tnLst>
-      <p:par>
-        <p:cTn id="1" dur="indefinite" restart="never" nodeType="tmRoot"/>
-      </p:par>
-    </p:tnLst>
-  </p:timing>
+</p:sld>
+</file>
+
+<file path=ppt/slides/slide40.xml><?xml version="1.0" encoding="utf-8"?>
+<p:sld xmlns:a="http://schemas.openxmlformats.org/drawingml/2006/main" xmlns:r="http://schemas.openxmlformats.org/officeDocument/2006/relationships" xmlns:p="http://schemas.openxmlformats.org/presentationml/2006/main">
+  <p:cSld>
+    <p:spTree>
+      <p:nvGrpSpPr>
+        <p:cNvPr id="1" name=""/>
+        <p:cNvGrpSpPr/>
+        <p:nvPr/>
+      </p:nvGrpSpPr>
+      <p:grpSpPr>
+        <a:xfrm>
+          <a:off x="0" y="0"/>
+          <a:ext cx="0" cy="0"/>
+          <a:chOff x="0" y="0"/>
+          <a:chExt cx="0" cy="0"/>
+        </a:xfrm>
+      </p:grpSpPr>
+      <p:sp>
+        <p:nvSpPr>
+          <p:cNvPr id="2" name="Title 1"/>
+          <p:cNvSpPr>
+            <a:spLocks noGrp="1"/>
+          </p:cNvSpPr>
+          <p:nvPr>
+            <p:ph type="title"/>
+          </p:nvPr>
+        </p:nvSpPr>
+        <p:spPr/>
+        <p:txBody>
+          <a:bodyPr>
+            <a:noAutofit/>
+          </a:bodyPr>
+          <a:lstStyle/>
+          <a:p>
+            <a:pPr rtl="0"/>
+            <a:r>
+              <a:rPr lang="en-US" sz="3600" dirty="0"/>
+              <a:t>‘for’, ‘of’, ‘in’ and iterators</a:t>
+            </a:r>
+          </a:p>
+        </p:txBody>
+      </p:sp>
+      <p:pic>
+        <p:nvPicPr>
+          <p:cNvPr id="15" name="Content Placeholder 14" descr="A screenshot of a computer&#10;&#10;Description generated with high confidence">
+            <a:extLst>
+              <a:ext uri="{FF2B5EF4-FFF2-40B4-BE49-F238E27FC236}">
+                <a16:creationId xmlns:a16="http://schemas.microsoft.com/office/drawing/2014/main" id="{59F37A54-6A50-4C4E-BD79-BA2E6BEDF1CB}"/>
+              </a:ext>
+            </a:extLst>
+          </p:cNvPr>
+          <p:cNvPicPr>
+            <a:picLocks noGrp="1" noChangeAspect="1"/>
+          </p:cNvPicPr>
+          <p:nvPr>
+            <p:ph idx="1"/>
+          </p:nvPr>
+        </p:nvPicPr>
+        <p:blipFill>
+          <a:blip r:embed="rId2">
+            <a:extLst>
+              <a:ext uri="{28A0092B-C50C-407E-A947-70E740481C1C}">
+                <a14:useLocalDpi xmlns:a14="http://schemas.microsoft.com/office/drawing/2010/main" val="0"/>
+              </a:ext>
+            </a:extLst>
+          </a:blip>
+          <a:stretch>
+            <a:fillRect/>
+          </a:stretch>
+        </p:blipFill>
+        <p:spPr>
+          <a:xfrm>
+            <a:off x="1358426" y="1609725"/>
+            <a:ext cx="5436547" cy="4846638"/>
+          </a:xfrm>
+        </p:spPr>
+      </p:pic>
+    </p:spTree>
+    <p:extLst>
+      <p:ext uri="{BB962C8B-B14F-4D97-AF65-F5344CB8AC3E}">
+        <p14:creationId xmlns:p14="http://schemas.microsoft.com/office/powerpoint/2010/main" val="2548415198"/>
+      </p:ext>
+    </p:extLst>
+  </p:cSld>
+  <p:clrMapOvr>
+    <a:masterClrMapping/>
+  </p:clrMapOvr>
+</p:sld>
+</file>
+
+<file path=ppt/slides/slide41.xml><?xml version="1.0" encoding="utf-8"?>
+<p:sld xmlns:a="http://schemas.openxmlformats.org/drawingml/2006/main" xmlns:r="http://schemas.openxmlformats.org/officeDocument/2006/relationships" xmlns:p="http://schemas.openxmlformats.org/presentationml/2006/main">
+  <p:cSld>
+    <p:spTree>
+      <p:nvGrpSpPr>
+        <p:cNvPr id="1" name=""/>
+        <p:cNvGrpSpPr/>
+        <p:nvPr/>
+      </p:nvGrpSpPr>
+      <p:grpSpPr>
+        <a:xfrm>
+          <a:off x="0" y="0"/>
+          <a:ext cx="0" cy="0"/>
+          <a:chOff x="0" y="0"/>
+          <a:chExt cx="0" cy="0"/>
+        </a:xfrm>
+      </p:grpSpPr>
+      <p:sp>
+        <p:nvSpPr>
+          <p:cNvPr id="2" name="Title 1"/>
+          <p:cNvSpPr>
+            <a:spLocks noGrp="1"/>
+          </p:cNvSpPr>
+          <p:nvPr>
+            <p:ph type="title"/>
+          </p:nvPr>
+        </p:nvSpPr>
+        <p:spPr/>
+        <p:txBody>
+          <a:bodyPr>
+            <a:noAutofit/>
+          </a:bodyPr>
+          <a:lstStyle/>
+          <a:p>
+            <a:pPr rtl="0"/>
+            <a:r>
+              <a:rPr lang="en-US" sz="3600" dirty="0"/>
+              <a:t>‘for’, ‘of’, ‘in’ and iterators</a:t>
+            </a:r>
+          </a:p>
+        </p:txBody>
+      </p:sp>
+      <p:sp>
+        <p:nvSpPr>
+          <p:cNvPr id="4" name="Content Placeholder 3">
+            <a:extLst>
+              <a:ext uri="{FF2B5EF4-FFF2-40B4-BE49-F238E27FC236}">
+                <a16:creationId xmlns:a16="http://schemas.microsoft.com/office/drawing/2014/main" id="{D10F532C-291C-4424-AD42-7F2EA72E576C}"/>
+              </a:ext>
+            </a:extLst>
+          </p:cNvPr>
+          <p:cNvSpPr>
+            <a:spLocks noGrp="1"/>
+          </p:cNvSpPr>
+          <p:nvPr>
+            <p:ph idx="1"/>
+          </p:nvPr>
+        </p:nvSpPr>
+        <p:spPr/>
+        <p:txBody>
+          <a:bodyPr>
+            <a:normAutofit/>
+          </a:bodyPr>
+          <a:lstStyle/>
+          <a:p>
+            <a:pPr algn="l" rtl="0"/>
+            <a:r>
+              <a:rPr lang="en-US" sz="2000" dirty="0"/>
+              <a:t>The name of the method that returns all the data of the </a:t>
+            </a:r>
+            <a:r>
+              <a:rPr lang="en-US" sz="2000" dirty="0" err="1"/>
+              <a:t>iterable</a:t>
+            </a:r>
+            <a:r>
+              <a:rPr lang="en-US" sz="2000" dirty="0"/>
+              <a:t> object is ‘</a:t>
+            </a:r>
+            <a:r>
+              <a:rPr lang="en-US" sz="2000" dirty="0" err="1"/>
+              <a:t>Symbol.iterator</a:t>
+            </a:r>
+            <a:r>
+              <a:rPr lang="en-US" sz="2000" dirty="0"/>
+              <a:t>’. This is ES6 </a:t>
+            </a:r>
+            <a:r>
+              <a:rPr lang="en-US" sz="2000" dirty="0" err="1"/>
+              <a:t>standart</a:t>
+            </a:r>
+            <a:r>
+              <a:rPr lang="en-US" sz="2000" dirty="0"/>
+              <a:t>.</a:t>
+            </a:r>
+          </a:p>
+          <a:p>
+            <a:pPr algn="l" rtl="0"/>
+            <a:r>
+              <a:rPr lang="en-US" sz="2000" dirty="0"/>
+              <a:t>Symbols offer names that are unique and cannot clash with other property names. </a:t>
+            </a:r>
+          </a:p>
+          <a:p>
+            <a:pPr algn="l" rtl="0"/>
+            <a:r>
+              <a:rPr lang="en-US" sz="2000" dirty="0" err="1"/>
+              <a:t>Symbol.iterator</a:t>
+            </a:r>
+            <a:r>
+              <a:rPr lang="en-US" sz="2000" dirty="0"/>
+              <a:t> will return an object called an iterator.</a:t>
+            </a:r>
+          </a:p>
+        </p:txBody>
+      </p:sp>
+    </p:spTree>
+    <p:extLst>
+      <p:ext uri="{BB962C8B-B14F-4D97-AF65-F5344CB8AC3E}">
+        <p14:creationId xmlns:p14="http://schemas.microsoft.com/office/powerpoint/2010/main" val="2420491585"/>
+      </p:ext>
+    </p:extLst>
+  </p:cSld>
+  <p:clrMapOvr>
+    <a:masterClrMapping/>
+  </p:clrMapOvr>
+</p:sld>
+</file>
+
+<file path=ppt/slides/slide42.xml><?xml version="1.0" encoding="utf-8"?>
+<p:sld xmlns:a="http://schemas.openxmlformats.org/drawingml/2006/main" xmlns:r="http://schemas.openxmlformats.org/officeDocument/2006/relationships" xmlns:p="http://schemas.openxmlformats.org/presentationml/2006/main">
+  <p:cSld>
+    <p:spTree>
+      <p:nvGrpSpPr>
+        <p:cNvPr id="1" name=""/>
+        <p:cNvGrpSpPr/>
+        <p:nvPr/>
+      </p:nvGrpSpPr>
+      <p:grpSpPr>
+        <a:xfrm>
+          <a:off x="0" y="0"/>
+          <a:ext cx="0" cy="0"/>
+          <a:chOff x="0" y="0"/>
+          <a:chExt cx="0" cy="0"/>
+        </a:xfrm>
+      </p:grpSpPr>
+      <p:sp>
+        <p:nvSpPr>
+          <p:cNvPr id="2" name="Title 1"/>
+          <p:cNvSpPr>
+            <a:spLocks noGrp="1"/>
+          </p:cNvSpPr>
+          <p:nvPr>
+            <p:ph type="title"/>
+          </p:nvPr>
+        </p:nvSpPr>
+        <p:spPr/>
+        <p:txBody>
+          <a:bodyPr>
+            <a:noAutofit/>
+          </a:bodyPr>
+          <a:lstStyle/>
+          <a:p>
+            <a:pPr rtl="0"/>
+            <a:r>
+              <a:rPr lang="en-US" sz="3600" dirty="0"/>
+              <a:t>‘for’, ‘of’, ‘in’ and iterators</a:t>
+            </a:r>
+          </a:p>
+        </p:txBody>
+      </p:sp>
+      <p:sp>
+        <p:nvSpPr>
+          <p:cNvPr id="4" name="Content Placeholder 3">
+            <a:extLst>
+              <a:ext uri="{FF2B5EF4-FFF2-40B4-BE49-F238E27FC236}">
+                <a16:creationId xmlns:a16="http://schemas.microsoft.com/office/drawing/2014/main" id="{D10F532C-291C-4424-AD42-7F2EA72E576C}"/>
+              </a:ext>
+            </a:extLst>
+          </p:cNvPr>
+          <p:cNvSpPr>
+            <a:spLocks noGrp="1"/>
+          </p:cNvSpPr>
+          <p:nvPr>
+            <p:ph idx="1"/>
+          </p:nvPr>
+        </p:nvSpPr>
+        <p:spPr/>
+        <p:txBody>
+          <a:bodyPr>
+            <a:normAutofit/>
+          </a:bodyPr>
+          <a:lstStyle/>
+          <a:p>
+            <a:pPr algn="l" rtl="0"/>
+            <a:r>
+              <a:rPr lang="en-US" sz="2000" dirty="0"/>
+              <a:t>for… of.. Iterate over </a:t>
+            </a:r>
+            <a:r>
+              <a:rPr lang="en-US" sz="2000" dirty="0" err="1"/>
+              <a:t>Iterable</a:t>
+            </a:r>
+            <a:r>
+              <a:rPr lang="en-US" sz="2000" dirty="0"/>
+              <a:t> object e.g., arrays and other object that implementing iterator design pattern.</a:t>
+            </a:r>
+          </a:p>
+          <a:p>
+            <a:pPr algn="l" rtl="0"/>
+            <a:r>
+              <a:rPr lang="en-US" sz="2000" dirty="0"/>
+              <a:t>for… in… iterate over object keys</a:t>
+            </a:r>
+          </a:p>
+        </p:txBody>
+      </p:sp>
+      <p:pic>
+        <p:nvPicPr>
+          <p:cNvPr id="5" name="Picture 4">
+            <a:extLst>
+              <a:ext uri="{FF2B5EF4-FFF2-40B4-BE49-F238E27FC236}">
+                <a16:creationId xmlns:a16="http://schemas.microsoft.com/office/drawing/2014/main" id="{7E9EAE57-CB78-4FEB-8EAB-0D33CA8EBD80}"/>
+              </a:ext>
+            </a:extLst>
+          </p:cNvPr>
+          <p:cNvPicPr>
+            <a:picLocks noChangeAspect="1"/>
+          </p:cNvPicPr>
+          <p:nvPr/>
+        </p:nvPicPr>
+        <p:blipFill>
+          <a:blip r:embed="rId2">
+            <a:extLst>
+              <a:ext uri="{28A0092B-C50C-407E-A947-70E740481C1C}">
+                <a14:useLocalDpi xmlns:a14="http://schemas.microsoft.com/office/drawing/2010/main" val="0"/>
+              </a:ext>
+            </a:extLst>
+          </a:blip>
+          <a:stretch>
+            <a:fillRect/>
+          </a:stretch>
+        </p:blipFill>
+        <p:spPr>
+          <a:xfrm>
+            <a:off x="838201" y="2819401"/>
+            <a:ext cx="4686706" cy="1480520"/>
+          </a:xfrm>
+          <a:prstGeom prst="rect">
+            <a:avLst/>
+          </a:prstGeom>
+        </p:spPr>
+      </p:pic>
+      <p:pic>
+        <p:nvPicPr>
+          <p:cNvPr id="7" name="Picture 6" descr="A screenshot of a cell phone&#10;&#10;Description generated with very high confidence">
+            <a:extLst>
+              <a:ext uri="{FF2B5EF4-FFF2-40B4-BE49-F238E27FC236}">
+                <a16:creationId xmlns:a16="http://schemas.microsoft.com/office/drawing/2014/main" id="{A22E32BE-F5A8-4A12-8723-2B50D48F9462}"/>
+              </a:ext>
+            </a:extLst>
+          </p:cNvPr>
+          <p:cNvPicPr>
+            <a:picLocks noChangeAspect="1"/>
+          </p:cNvPicPr>
+          <p:nvPr/>
+        </p:nvPicPr>
+        <p:blipFill>
+          <a:blip r:embed="rId3">
+            <a:extLst>
+              <a:ext uri="{28A0092B-C50C-407E-A947-70E740481C1C}">
+                <a14:useLocalDpi xmlns:a14="http://schemas.microsoft.com/office/drawing/2010/main" val="0"/>
+              </a:ext>
+            </a:extLst>
+          </a:blip>
+          <a:stretch>
+            <a:fillRect/>
+          </a:stretch>
+        </p:blipFill>
+        <p:spPr>
+          <a:xfrm>
+            <a:off x="838200" y="4446297"/>
+            <a:ext cx="4686706" cy="1878304"/>
+          </a:xfrm>
+          <a:prstGeom prst="rect">
+            <a:avLst/>
+          </a:prstGeom>
+        </p:spPr>
+      </p:pic>
+    </p:spTree>
+    <p:extLst>
+      <p:ext uri="{BB962C8B-B14F-4D97-AF65-F5344CB8AC3E}">
+        <p14:creationId xmlns:p14="http://schemas.microsoft.com/office/powerpoint/2010/main" val="3296673921"/>
+      </p:ext>
+    </p:extLst>
+  </p:cSld>
+  <p:clrMapOvr>
+    <a:masterClrMapping/>
+  </p:clrMapOvr>
+</p:sld>
+</file>
+
+<file path=ppt/slides/slide43.xml><?xml version="1.0" encoding="utf-8"?>
+<p:sld xmlns:a="http://schemas.openxmlformats.org/drawingml/2006/main" xmlns:r="http://schemas.openxmlformats.org/officeDocument/2006/relationships" xmlns:p="http://schemas.openxmlformats.org/presentationml/2006/main">
+  <p:cSld>
+    <p:spTree>
+      <p:nvGrpSpPr>
+        <p:cNvPr id="1" name=""/>
+        <p:cNvGrpSpPr/>
+        <p:nvPr/>
+      </p:nvGrpSpPr>
+      <p:grpSpPr>
+        <a:xfrm>
+          <a:off x="0" y="0"/>
+          <a:ext cx="0" cy="0"/>
+          <a:chOff x="0" y="0"/>
+          <a:chExt cx="0" cy="0"/>
+        </a:xfrm>
+      </p:grpSpPr>
+      <p:sp>
+        <p:nvSpPr>
+          <p:cNvPr id="2" name="Title 1">
+            <a:extLst>
+              <a:ext uri="{FF2B5EF4-FFF2-40B4-BE49-F238E27FC236}">
+                <a16:creationId xmlns:a16="http://schemas.microsoft.com/office/drawing/2014/main" id="{562C69D3-72AE-4D1A-903B-15355CAC6E81}"/>
+              </a:ext>
+            </a:extLst>
+          </p:cNvPr>
+          <p:cNvSpPr>
+            <a:spLocks noGrp="1"/>
+          </p:cNvSpPr>
+          <p:nvPr>
+            <p:ph type="title"/>
+          </p:nvPr>
+        </p:nvSpPr>
+        <p:spPr/>
+        <p:txBody>
+          <a:bodyPr>
+            <a:normAutofit/>
+          </a:bodyPr>
+          <a:lstStyle/>
+          <a:p>
+            <a:r>
+              <a:rPr lang="en-US" sz="4000" dirty="0"/>
+              <a:t>Template strings</a:t>
+            </a:r>
+            <a:endParaRPr lang="en-US" dirty="0"/>
+          </a:p>
+        </p:txBody>
+      </p:sp>
+      <p:sp>
+        <p:nvSpPr>
+          <p:cNvPr id="3" name="Content Placeholder 2">
+            <a:extLst>
+              <a:ext uri="{FF2B5EF4-FFF2-40B4-BE49-F238E27FC236}">
+                <a16:creationId xmlns:a16="http://schemas.microsoft.com/office/drawing/2014/main" id="{3AB0ED87-3538-4957-875E-DEA297FEE413}"/>
+              </a:ext>
+            </a:extLst>
+          </p:cNvPr>
+          <p:cNvSpPr>
+            <a:spLocks noGrp="1"/>
+          </p:cNvSpPr>
+          <p:nvPr>
+            <p:ph idx="1"/>
+          </p:nvPr>
+        </p:nvSpPr>
+        <p:spPr/>
+        <p:txBody>
+          <a:bodyPr>
+            <a:normAutofit/>
+          </a:bodyPr>
+          <a:lstStyle/>
+          <a:p>
+            <a:pPr marL="0" indent="0" algn="l" rtl="0">
+              <a:buNone/>
+            </a:pPr>
+            <a:r>
+              <a:rPr lang="en-US" sz="2000" dirty="0"/>
+              <a:t>Syntactically these are strings that use backticks ( i.e. ` ) instead of single (') or double (") quotes. </a:t>
+            </a:r>
+          </a:p>
+          <a:p>
+            <a:pPr marL="0" indent="0" algn="l" rtl="0">
+              <a:buNone/>
+            </a:pPr>
+            <a:r>
+              <a:rPr lang="en-US" sz="2000" dirty="0"/>
+              <a:t>The motivation of Template Strings are:</a:t>
+            </a:r>
+          </a:p>
+          <a:p>
+            <a:pPr marL="0" indent="0" algn="l" rtl="0">
+              <a:buNone/>
+            </a:pPr>
+            <a:endParaRPr lang="en-US" sz="2000" dirty="0"/>
+          </a:p>
+          <a:p>
+            <a:pPr algn="l" rtl="0"/>
+            <a:r>
+              <a:rPr lang="en-US" sz="2000" dirty="0"/>
+              <a:t>String Interpolation</a:t>
+            </a:r>
+          </a:p>
+          <a:p>
+            <a:pPr marL="246888" lvl="1" indent="0" algn="l" rtl="0">
+              <a:buNone/>
+            </a:pPr>
+            <a:r>
+              <a:rPr lang="en-US" sz="1500" dirty="0"/>
+              <a:t>A common use case is when you want to generate some string out of some static strings + some variables. </a:t>
+            </a:r>
+          </a:p>
+          <a:p>
+            <a:pPr marL="246888" lvl="1" indent="0" algn="l" rtl="0">
+              <a:buNone/>
+            </a:pPr>
+            <a:r>
+              <a:rPr lang="en-US" sz="1500" dirty="0"/>
+              <a:t>For this you would need some </a:t>
+            </a:r>
+            <a:r>
+              <a:rPr lang="en-US" sz="1500" i="1" dirty="0"/>
+              <a:t>templating logic</a:t>
+            </a:r>
+            <a:r>
+              <a:rPr lang="en-US" sz="1500" dirty="0"/>
+              <a:t> and this is where </a:t>
+            </a:r>
+            <a:r>
+              <a:rPr lang="en-US" sz="1500" i="1" dirty="0"/>
+              <a:t>template strings</a:t>
+            </a:r>
+            <a:r>
+              <a:rPr lang="en-US" sz="1500" dirty="0"/>
+              <a:t> get their name from.</a:t>
+            </a:r>
+          </a:p>
+          <a:p>
+            <a:pPr marL="246888" lvl="1" indent="0" algn="l" rtl="0">
+              <a:buNone/>
+            </a:pPr>
+            <a:endParaRPr lang="en-US" sz="1500" dirty="0"/>
+          </a:p>
+          <a:p>
+            <a:pPr marL="0" indent="0" algn="l" rtl="0">
+              <a:buNone/>
+            </a:pPr>
+            <a:r>
+              <a:rPr lang="en-US" sz="1600" dirty="0"/>
+              <a:t>Until today you would write something like:</a:t>
+            </a:r>
+          </a:p>
+          <a:p>
+            <a:pPr marL="0" indent="0" algn="l" rtl="0">
+              <a:buNone/>
+            </a:pPr>
+            <a:endParaRPr lang="en-US" sz="1600" dirty="0"/>
+          </a:p>
+          <a:p>
+            <a:pPr marL="0" indent="0" algn="l" rtl="0">
+              <a:buNone/>
+            </a:pPr>
+            <a:r>
+              <a:rPr lang="en-US" sz="1600" dirty="0"/>
+              <a:t>From now on: </a:t>
+            </a:r>
+            <a:r>
+              <a:rPr lang="en-US" sz="2000" dirty="0"/>
+              <a:t>	</a:t>
+            </a:r>
+          </a:p>
+        </p:txBody>
+      </p:sp>
+      <p:pic>
+        <p:nvPicPr>
+          <p:cNvPr id="5" name="Picture 4" descr="A black sign with white text&#10;&#10;Description generated with high confidence">
+            <a:extLst>
+              <a:ext uri="{FF2B5EF4-FFF2-40B4-BE49-F238E27FC236}">
+                <a16:creationId xmlns:a16="http://schemas.microsoft.com/office/drawing/2014/main" id="{845D07C1-A75C-49C0-818F-A8BAFED796DF}"/>
+              </a:ext>
+            </a:extLst>
+          </p:cNvPr>
+          <p:cNvPicPr>
+            <a:picLocks noChangeAspect="1"/>
+          </p:cNvPicPr>
+          <p:nvPr/>
+        </p:nvPicPr>
+        <p:blipFill>
+          <a:blip r:embed="rId2">
+            <a:extLst>
+              <a:ext uri="{28A0092B-C50C-407E-A947-70E740481C1C}">
+                <a14:useLocalDpi xmlns:a14="http://schemas.microsoft.com/office/drawing/2010/main" val="0"/>
+              </a:ext>
+            </a:extLst>
+          </a:blip>
+          <a:stretch>
+            <a:fillRect/>
+          </a:stretch>
+        </p:blipFill>
+        <p:spPr>
+          <a:xfrm>
+            <a:off x="533400" y="5105400"/>
+            <a:ext cx="3314981" cy="403895"/>
+          </a:xfrm>
+          <a:prstGeom prst="rect">
+            <a:avLst/>
+          </a:prstGeom>
+        </p:spPr>
+      </p:pic>
+      <p:pic>
+        <p:nvPicPr>
+          <p:cNvPr id="7" name="Picture 6" descr="A black sign with white text&#10;&#10;Description generated with high confidence">
+            <a:extLst>
+              <a:ext uri="{FF2B5EF4-FFF2-40B4-BE49-F238E27FC236}">
+                <a16:creationId xmlns:a16="http://schemas.microsoft.com/office/drawing/2014/main" id="{E7261C2E-A31C-42E1-B111-1C671C85BD72}"/>
+              </a:ext>
+            </a:extLst>
+          </p:cNvPr>
+          <p:cNvPicPr>
+            <a:picLocks noChangeAspect="1"/>
+          </p:cNvPicPr>
+          <p:nvPr/>
+        </p:nvPicPr>
+        <p:blipFill>
+          <a:blip r:embed="rId3">
+            <a:extLst>
+              <a:ext uri="{28A0092B-C50C-407E-A947-70E740481C1C}">
+                <a14:useLocalDpi xmlns:a14="http://schemas.microsoft.com/office/drawing/2010/main" val="0"/>
+              </a:ext>
+            </a:extLst>
+          </a:blip>
+          <a:stretch>
+            <a:fillRect/>
+          </a:stretch>
+        </p:blipFill>
+        <p:spPr>
+          <a:xfrm>
+            <a:off x="533400" y="5867400"/>
+            <a:ext cx="3314980" cy="396274"/>
+          </a:xfrm>
+          <a:prstGeom prst="rect">
+            <a:avLst/>
+          </a:prstGeom>
+        </p:spPr>
+      </p:pic>
+    </p:spTree>
+    <p:extLst>
+      <p:ext uri="{BB962C8B-B14F-4D97-AF65-F5344CB8AC3E}">
+        <p14:creationId xmlns:p14="http://schemas.microsoft.com/office/powerpoint/2010/main" val="3254600149"/>
+      </p:ext>
+    </p:extLst>
+  </p:cSld>
+  <p:clrMapOvr>
+    <a:masterClrMapping/>
+  </p:clrMapOvr>
+</p:sld>
+</file>
+
+<file path=ppt/slides/slide44.xml><?xml version="1.0" encoding="utf-8"?>
+<p:sld xmlns:a="http://schemas.openxmlformats.org/drawingml/2006/main" xmlns:r="http://schemas.openxmlformats.org/officeDocument/2006/relationships" xmlns:p="http://schemas.openxmlformats.org/presentationml/2006/main">
+  <p:cSld>
+    <p:spTree>
+      <p:nvGrpSpPr>
+        <p:cNvPr id="1" name=""/>
+        <p:cNvGrpSpPr/>
+        <p:nvPr/>
+      </p:nvGrpSpPr>
+      <p:grpSpPr>
+        <a:xfrm>
+          <a:off x="0" y="0"/>
+          <a:ext cx="0" cy="0"/>
+          <a:chOff x="0" y="0"/>
+          <a:chExt cx="0" cy="0"/>
+        </a:xfrm>
+      </p:grpSpPr>
+      <p:sp>
+        <p:nvSpPr>
+          <p:cNvPr id="2" name="Title 1">
+            <a:extLst>
+              <a:ext uri="{FF2B5EF4-FFF2-40B4-BE49-F238E27FC236}">
+                <a16:creationId xmlns:a16="http://schemas.microsoft.com/office/drawing/2014/main" id="{562C69D3-72AE-4D1A-903B-15355CAC6E81}"/>
+              </a:ext>
+            </a:extLst>
+          </p:cNvPr>
+          <p:cNvSpPr>
+            <a:spLocks noGrp="1"/>
+          </p:cNvSpPr>
+          <p:nvPr>
+            <p:ph type="title"/>
+          </p:nvPr>
+        </p:nvSpPr>
+        <p:spPr/>
+        <p:txBody>
+          <a:bodyPr>
+            <a:normAutofit/>
+          </a:bodyPr>
+          <a:lstStyle/>
+          <a:p>
+            <a:r>
+              <a:rPr lang="en-US" sz="4000" dirty="0"/>
+              <a:t>Template strings</a:t>
+            </a:r>
+            <a:endParaRPr lang="en-US" dirty="0"/>
+          </a:p>
+        </p:txBody>
+      </p:sp>
+      <p:sp>
+        <p:nvSpPr>
+          <p:cNvPr id="3" name="Content Placeholder 2">
+            <a:extLst>
+              <a:ext uri="{FF2B5EF4-FFF2-40B4-BE49-F238E27FC236}">
+                <a16:creationId xmlns:a16="http://schemas.microsoft.com/office/drawing/2014/main" id="{3AB0ED87-3538-4957-875E-DEA297FEE413}"/>
+              </a:ext>
+            </a:extLst>
+          </p:cNvPr>
+          <p:cNvSpPr>
+            <a:spLocks noGrp="1"/>
+          </p:cNvSpPr>
+          <p:nvPr>
+            <p:ph idx="1"/>
+          </p:nvPr>
+        </p:nvSpPr>
+        <p:spPr/>
+        <p:txBody>
+          <a:bodyPr>
+            <a:normAutofit/>
+          </a:bodyPr>
+          <a:lstStyle/>
+          <a:p>
+            <a:pPr algn="l" rtl="0"/>
+            <a:r>
+              <a:rPr lang="en-US" sz="2000" dirty="0"/>
+              <a:t>Multiline Strings</a:t>
+            </a:r>
+          </a:p>
+          <a:p>
+            <a:pPr marL="246888" lvl="1" indent="0" algn="l" rtl="0">
+              <a:buNone/>
+            </a:pPr>
+            <a:r>
+              <a:rPr lang="en-US" sz="1700" dirty="0"/>
+              <a:t>Any newline characters inserted in the source are part of the template literal. Using normal strings, you would have to use </a:t>
+            </a:r>
+            <a:r>
+              <a:rPr lang="en-US" sz="1700" b="1" dirty="0"/>
+              <a:t>‘\n’</a:t>
+            </a:r>
+            <a:r>
+              <a:rPr lang="en-US" sz="1700" dirty="0"/>
+              <a:t> in order to get multi-line strings</a:t>
+            </a:r>
+          </a:p>
+          <a:p>
+            <a:pPr marL="0" indent="0" algn="l" rtl="0">
+              <a:buNone/>
+            </a:pPr>
+            <a:endParaRPr lang="en-US" sz="2000" dirty="0"/>
+          </a:p>
+          <a:p>
+            <a:pPr marL="0" indent="0" algn="l" rtl="0">
+              <a:buNone/>
+            </a:pPr>
+            <a:endParaRPr lang="en-US" sz="2000" dirty="0"/>
+          </a:p>
+          <a:p>
+            <a:pPr marL="0" indent="0" algn="l" rtl="0">
+              <a:buNone/>
+            </a:pPr>
+            <a:endParaRPr lang="en-US" sz="2000" dirty="0"/>
+          </a:p>
+          <a:p>
+            <a:pPr marL="0" indent="0" algn="l" rtl="0">
+              <a:buNone/>
+            </a:pPr>
+            <a:r>
+              <a:rPr lang="en-US" sz="1600" dirty="0"/>
+              <a:t>From now on:</a:t>
+            </a:r>
+          </a:p>
+        </p:txBody>
+      </p:sp>
+      <p:pic>
+        <p:nvPicPr>
+          <p:cNvPr id="5" name="Picture 4">
+            <a:extLst>
+              <a:ext uri="{FF2B5EF4-FFF2-40B4-BE49-F238E27FC236}">
+                <a16:creationId xmlns:a16="http://schemas.microsoft.com/office/drawing/2014/main" id="{1F80BDA8-C689-4AB0-A635-3592F969E174}"/>
+              </a:ext>
+            </a:extLst>
+          </p:cNvPr>
+          <p:cNvPicPr>
+            <a:picLocks noChangeAspect="1"/>
+          </p:cNvPicPr>
+          <p:nvPr/>
+        </p:nvPicPr>
+        <p:blipFill>
+          <a:blip r:embed="rId2">
+            <a:extLst>
+              <a:ext uri="{28A0092B-C50C-407E-A947-70E740481C1C}">
+                <a14:useLocalDpi xmlns:a14="http://schemas.microsoft.com/office/drawing/2010/main" val="0"/>
+              </a:ext>
+            </a:extLst>
+          </a:blip>
+          <a:stretch>
+            <a:fillRect/>
+          </a:stretch>
+        </p:blipFill>
+        <p:spPr>
+          <a:xfrm>
+            <a:off x="533401" y="2941277"/>
+            <a:ext cx="3733800" cy="975445"/>
+          </a:xfrm>
+          <a:prstGeom prst="rect">
+            <a:avLst/>
+          </a:prstGeom>
+        </p:spPr>
+      </p:pic>
+      <p:pic>
+        <p:nvPicPr>
+          <p:cNvPr id="6" name="Picture 5" descr="A picture containing indoor&#10;&#10;Description generated with high confidence">
+            <a:extLst>
+              <a:ext uri="{FF2B5EF4-FFF2-40B4-BE49-F238E27FC236}">
+                <a16:creationId xmlns:a16="http://schemas.microsoft.com/office/drawing/2014/main" id="{D495E4D6-0A74-4E10-A892-B0415078A6AA}"/>
+              </a:ext>
+            </a:extLst>
+          </p:cNvPr>
+          <p:cNvPicPr>
+            <a:picLocks noChangeAspect="1"/>
+          </p:cNvPicPr>
+          <p:nvPr/>
+        </p:nvPicPr>
+        <p:blipFill>
+          <a:blip r:embed="rId3">
+            <a:extLst>
+              <a:ext uri="{28A0092B-C50C-407E-A947-70E740481C1C}">
+                <a14:useLocalDpi xmlns:a14="http://schemas.microsoft.com/office/drawing/2010/main" val="0"/>
+              </a:ext>
+            </a:extLst>
+          </a:blip>
+          <a:stretch>
+            <a:fillRect/>
+          </a:stretch>
+        </p:blipFill>
+        <p:spPr>
+          <a:xfrm>
+            <a:off x="533400" y="4419600"/>
+            <a:ext cx="3733800" cy="1051651"/>
+          </a:xfrm>
+          <a:prstGeom prst="rect">
+            <a:avLst/>
+          </a:prstGeom>
+        </p:spPr>
+      </p:pic>
+    </p:spTree>
+    <p:extLst>
+      <p:ext uri="{BB962C8B-B14F-4D97-AF65-F5344CB8AC3E}">
+        <p14:creationId xmlns:p14="http://schemas.microsoft.com/office/powerpoint/2010/main" val="4150304393"/>
+      </p:ext>
+    </p:extLst>
+  </p:cSld>
+  <p:clrMapOvr>
+    <a:masterClrMapping/>
+  </p:clrMapOvr>
+</p:sld>
+</file>
+
+<file path=ppt/slides/slide45.xml><?xml version="1.0" encoding="utf-8"?>
+<p:sld xmlns:a="http://schemas.openxmlformats.org/drawingml/2006/main" xmlns:r="http://schemas.openxmlformats.org/officeDocument/2006/relationships" xmlns:p="http://schemas.openxmlformats.org/presentationml/2006/main">
+  <p:cSld>
+    <p:spTree>
+      <p:nvGrpSpPr>
+        <p:cNvPr id="1" name=""/>
+        <p:cNvGrpSpPr/>
+        <p:nvPr/>
+      </p:nvGrpSpPr>
+      <p:grpSpPr>
+        <a:xfrm>
+          <a:off x="0" y="0"/>
+          <a:ext cx="0" cy="0"/>
+          <a:chOff x="0" y="0"/>
+          <a:chExt cx="0" cy="0"/>
+        </a:xfrm>
+      </p:grpSpPr>
+      <p:sp>
+        <p:nvSpPr>
+          <p:cNvPr id="2" name="Title 1">
+            <a:extLst>
+              <a:ext uri="{FF2B5EF4-FFF2-40B4-BE49-F238E27FC236}">
+                <a16:creationId xmlns:a16="http://schemas.microsoft.com/office/drawing/2014/main" id="{562C69D3-72AE-4D1A-903B-15355CAC6E81}"/>
+              </a:ext>
+            </a:extLst>
+          </p:cNvPr>
+          <p:cNvSpPr>
+            <a:spLocks noGrp="1"/>
+          </p:cNvSpPr>
+          <p:nvPr>
+            <p:ph type="title"/>
+          </p:nvPr>
+        </p:nvSpPr>
+        <p:spPr/>
+        <p:txBody>
+          <a:bodyPr>
+            <a:normAutofit/>
+          </a:bodyPr>
+          <a:lstStyle/>
+          <a:p>
+            <a:r>
+              <a:rPr lang="en-US" sz="4000" dirty="0"/>
+              <a:t>Template strings</a:t>
+            </a:r>
+            <a:endParaRPr lang="en-US" dirty="0"/>
+          </a:p>
+        </p:txBody>
+      </p:sp>
+      <p:sp>
+        <p:nvSpPr>
+          <p:cNvPr id="3" name="Content Placeholder 2">
+            <a:extLst>
+              <a:ext uri="{FF2B5EF4-FFF2-40B4-BE49-F238E27FC236}">
+                <a16:creationId xmlns:a16="http://schemas.microsoft.com/office/drawing/2014/main" id="{3AB0ED87-3538-4957-875E-DEA297FEE413}"/>
+              </a:ext>
+            </a:extLst>
+          </p:cNvPr>
+          <p:cNvSpPr>
+            <a:spLocks noGrp="1"/>
+          </p:cNvSpPr>
+          <p:nvPr>
+            <p:ph idx="1"/>
+          </p:nvPr>
+        </p:nvSpPr>
+        <p:spPr/>
+        <p:txBody>
+          <a:bodyPr>
+            <a:normAutofit/>
+          </a:bodyPr>
+          <a:lstStyle/>
+          <a:p>
+            <a:pPr algn="l" rtl="0"/>
+            <a:r>
+              <a:rPr lang="en-US" sz="2000" dirty="0"/>
+              <a:t>Tagged Templates</a:t>
+            </a:r>
+          </a:p>
+          <a:p>
+            <a:pPr algn="l" rtl="0">
+              <a:buFont typeface="Wingdings" panose="05000000000000000000" pitchFamily="2" charset="2"/>
+              <a:buChar char="Ø"/>
+            </a:pPr>
+            <a:r>
+              <a:rPr lang="en-US" sz="2000" dirty="0"/>
+              <a:t>You can place a function (called a </a:t>
+            </a:r>
+            <a:r>
+              <a:rPr lang="en-US" sz="2000" b="1" dirty="0"/>
+              <a:t>tag</a:t>
+            </a:r>
+            <a:r>
+              <a:rPr lang="en-US" sz="2000" dirty="0"/>
+              <a:t>) before the template string and it gets the opportunity to pre process the template string literals plus the values of all the placeholder expressions and return a result.</a:t>
+            </a:r>
+          </a:p>
+          <a:p>
+            <a:pPr algn="l" rtl="0">
+              <a:buFont typeface="Wingdings" panose="05000000000000000000" pitchFamily="2" charset="2"/>
+              <a:buChar char="Ø"/>
+            </a:pPr>
+            <a:r>
+              <a:rPr lang="en-US" sz="2000" dirty="0"/>
+              <a:t>Tags allow you to parse template literals with a function.</a:t>
+            </a:r>
+          </a:p>
+          <a:p>
+            <a:pPr algn="l" rtl="0">
+              <a:buFont typeface="Wingdings" panose="05000000000000000000" pitchFamily="2" charset="2"/>
+              <a:buChar char="Ø"/>
+            </a:pPr>
+            <a:r>
+              <a:rPr lang="en-US" sz="2000" dirty="0"/>
+              <a:t>The first argument of a tag function contains an array of string values. </a:t>
+            </a:r>
+          </a:p>
+          <a:p>
+            <a:pPr algn="l" rtl="0">
+              <a:buFont typeface="Wingdings" panose="05000000000000000000" pitchFamily="2" charset="2"/>
+              <a:buChar char="Ø"/>
+            </a:pPr>
+            <a:r>
+              <a:rPr lang="en-US" sz="2000" dirty="0"/>
+              <a:t>The remaining arguments are related to the expressions. </a:t>
+            </a:r>
+          </a:p>
+          <a:p>
+            <a:pPr algn="l" rtl="0">
+              <a:buFont typeface="Wingdings" panose="05000000000000000000" pitchFamily="2" charset="2"/>
+              <a:buChar char="Ø"/>
+            </a:pPr>
+            <a:r>
+              <a:rPr lang="en-US" sz="2000" dirty="0"/>
+              <a:t>In the end, your function can return your manipulated string or it can return something completely different.</a:t>
+            </a:r>
+          </a:p>
+        </p:txBody>
+      </p:sp>
+    </p:spTree>
+    <p:extLst>
+      <p:ext uri="{BB962C8B-B14F-4D97-AF65-F5344CB8AC3E}">
+        <p14:creationId xmlns:p14="http://schemas.microsoft.com/office/powerpoint/2010/main" val="4015262510"/>
+      </p:ext>
+    </p:extLst>
+  </p:cSld>
+  <p:clrMapOvr>
+    <a:masterClrMapping/>
+  </p:clrMapOvr>
+</p:sld>
+</file>
+
+<file path=ppt/slides/slide46.xml><?xml version="1.0" encoding="utf-8"?>
+<p:sld xmlns:a="http://schemas.openxmlformats.org/drawingml/2006/main" xmlns:r="http://schemas.openxmlformats.org/officeDocument/2006/relationships" xmlns:p="http://schemas.openxmlformats.org/presentationml/2006/main">
+  <p:cSld>
+    <p:spTree>
+      <p:nvGrpSpPr>
+        <p:cNvPr id="1" name=""/>
+        <p:cNvGrpSpPr/>
+        <p:nvPr/>
+      </p:nvGrpSpPr>
+      <p:grpSpPr>
+        <a:xfrm>
+          <a:off x="0" y="0"/>
+          <a:ext cx="0" cy="0"/>
+          <a:chOff x="0" y="0"/>
+          <a:chExt cx="0" cy="0"/>
+        </a:xfrm>
+      </p:grpSpPr>
+      <p:sp>
+        <p:nvSpPr>
+          <p:cNvPr id="2" name="Title 1">
+            <a:extLst>
+              <a:ext uri="{FF2B5EF4-FFF2-40B4-BE49-F238E27FC236}">
+                <a16:creationId xmlns:a16="http://schemas.microsoft.com/office/drawing/2014/main" id="{562C69D3-72AE-4D1A-903B-15355CAC6E81}"/>
+              </a:ext>
+            </a:extLst>
+          </p:cNvPr>
+          <p:cNvSpPr>
+            <a:spLocks noGrp="1"/>
+          </p:cNvSpPr>
+          <p:nvPr>
+            <p:ph type="title"/>
+          </p:nvPr>
+        </p:nvSpPr>
+        <p:spPr/>
+        <p:txBody>
+          <a:bodyPr>
+            <a:normAutofit/>
+          </a:bodyPr>
+          <a:lstStyle/>
+          <a:p>
+            <a:r>
+              <a:rPr lang="en-US" sz="4000" dirty="0"/>
+              <a:t>Template strings</a:t>
+            </a:r>
+            <a:endParaRPr lang="en-US" dirty="0"/>
+          </a:p>
+        </p:txBody>
+      </p:sp>
+      <p:pic>
+        <p:nvPicPr>
+          <p:cNvPr id="5" name="Content Placeholder 4" descr="A screenshot of a cell phone&#10;&#10;Description generated with very high confidence">
+            <a:extLst>
+              <a:ext uri="{FF2B5EF4-FFF2-40B4-BE49-F238E27FC236}">
+                <a16:creationId xmlns:a16="http://schemas.microsoft.com/office/drawing/2014/main" id="{8ABC9A22-ABCC-4FBF-85A0-6908BC461883}"/>
+              </a:ext>
+            </a:extLst>
+          </p:cNvPr>
+          <p:cNvPicPr>
+            <a:picLocks noGrp="1" noChangeAspect="1"/>
+          </p:cNvPicPr>
+          <p:nvPr>
+            <p:ph idx="1"/>
+          </p:nvPr>
+        </p:nvPicPr>
+        <p:blipFill>
+          <a:blip r:embed="rId2">
+            <a:extLst>
+              <a:ext uri="{28A0092B-C50C-407E-A947-70E740481C1C}">
+                <a14:useLocalDpi xmlns:a14="http://schemas.microsoft.com/office/drawing/2010/main" val="0"/>
+              </a:ext>
+            </a:extLst>
+          </a:blip>
+          <a:stretch>
+            <a:fillRect/>
+          </a:stretch>
+        </p:blipFill>
+        <p:spPr>
+          <a:xfrm>
+            <a:off x="533400" y="1752600"/>
+            <a:ext cx="6881456" cy="2987299"/>
+          </a:xfrm>
+        </p:spPr>
+      </p:pic>
+      <p:sp>
+        <p:nvSpPr>
+          <p:cNvPr id="6" name="Rectangle 5">
+            <a:extLst>
+              <a:ext uri="{FF2B5EF4-FFF2-40B4-BE49-F238E27FC236}">
+                <a16:creationId xmlns:a16="http://schemas.microsoft.com/office/drawing/2014/main" id="{A282A978-4FEE-4CB8-B9D7-06D85291FFAA}"/>
+              </a:ext>
+            </a:extLst>
+          </p:cNvPr>
+          <p:cNvSpPr/>
+          <p:nvPr/>
+        </p:nvSpPr>
+        <p:spPr>
+          <a:xfrm>
+            <a:off x="533400" y="5105400"/>
+            <a:ext cx="4724400" cy="369332"/>
+          </a:xfrm>
+          <a:prstGeom prst="rect">
+            <a:avLst/>
+          </a:prstGeom>
+        </p:spPr>
+        <p:txBody>
+          <a:bodyPr wrap="square">
+            <a:spAutoFit/>
+          </a:bodyPr>
+          <a:lstStyle/>
+          <a:p>
+            <a:r>
+              <a:rPr lang="en-US" dirty="0"/>
+              <a:t>Check out some real life uses </a:t>
+            </a:r>
+            <a:r>
+              <a:rPr lang="en-US" dirty="0">
+                <a:hlinkClick r:id="rId3"/>
+              </a:rPr>
+              <a:t>here</a:t>
+            </a:r>
+            <a:endParaRPr lang="he-IL" dirty="0"/>
+          </a:p>
+        </p:txBody>
+      </p:sp>
+    </p:spTree>
+    <p:extLst>
+      <p:ext uri="{BB962C8B-B14F-4D97-AF65-F5344CB8AC3E}">
+        <p14:creationId xmlns:p14="http://schemas.microsoft.com/office/powerpoint/2010/main" val="615500950"/>
+      </p:ext>
+    </p:extLst>
+  </p:cSld>
+  <p:clrMapOvr>
+    <a:masterClrMapping/>
+  </p:clrMapOvr>
+</p:sld>
+</file>
+
+<file path=ppt/slides/slide47.xml><?xml version="1.0" encoding="utf-8"?>
+<p:sld xmlns:a="http://schemas.openxmlformats.org/drawingml/2006/main" xmlns:r="http://schemas.openxmlformats.org/officeDocument/2006/relationships" xmlns:p="http://schemas.openxmlformats.org/presentationml/2006/main">
+  <p:cSld>
+    <p:spTree>
+      <p:nvGrpSpPr>
+        <p:cNvPr id="1" name=""/>
+        <p:cNvGrpSpPr/>
+        <p:nvPr/>
+      </p:nvGrpSpPr>
+      <p:grpSpPr>
+        <a:xfrm>
+          <a:off x="0" y="0"/>
+          <a:ext cx="0" cy="0"/>
+          <a:chOff x="0" y="0"/>
+          <a:chExt cx="0" cy="0"/>
+        </a:xfrm>
+      </p:grpSpPr>
+      <p:sp>
+        <p:nvSpPr>
+          <p:cNvPr id="2" name="Title 1">
+            <a:extLst>
+              <a:ext uri="{FF2B5EF4-FFF2-40B4-BE49-F238E27FC236}">
+                <a16:creationId xmlns:a16="http://schemas.microsoft.com/office/drawing/2014/main" id="{562C69D3-72AE-4D1A-903B-15355CAC6E81}"/>
+              </a:ext>
+            </a:extLst>
+          </p:cNvPr>
+          <p:cNvSpPr>
+            <a:spLocks noGrp="1"/>
+          </p:cNvSpPr>
+          <p:nvPr>
+            <p:ph type="title"/>
+          </p:nvPr>
+        </p:nvSpPr>
+        <p:spPr/>
+        <p:txBody>
+          <a:bodyPr>
+            <a:normAutofit/>
+          </a:bodyPr>
+          <a:lstStyle/>
+          <a:p>
+            <a:r>
+              <a:rPr lang="en-US" sz="4000" dirty="0"/>
+              <a:t>Generators</a:t>
+            </a:r>
+            <a:endParaRPr lang="en-US" dirty="0"/>
+          </a:p>
+        </p:txBody>
+      </p:sp>
+      <p:sp>
+        <p:nvSpPr>
+          <p:cNvPr id="4" name="Content Placeholder 3">
+            <a:extLst>
+              <a:ext uri="{FF2B5EF4-FFF2-40B4-BE49-F238E27FC236}">
+                <a16:creationId xmlns:a16="http://schemas.microsoft.com/office/drawing/2014/main" id="{4E16AD08-9757-44E6-9F27-5C22032A8853}"/>
+              </a:ext>
+            </a:extLst>
+          </p:cNvPr>
+          <p:cNvSpPr>
+            <a:spLocks noGrp="1"/>
+          </p:cNvSpPr>
+          <p:nvPr>
+            <p:ph idx="1"/>
+          </p:nvPr>
+        </p:nvSpPr>
+        <p:spPr/>
+        <p:txBody>
+          <a:bodyPr>
+            <a:normAutofit/>
+          </a:bodyPr>
+          <a:lstStyle/>
+          <a:p>
+            <a:pPr algn="l" rtl="0"/>
+            <a:r>
+              <a:rPr lang="en-US" sz="2000" dirty="0"/>
+              <a:t>function * is the syntax used to create a generator function. </a:t>
+            </a:r>
+          </a:p>
+          <a:p>
+            <a:pPr algn="l" rtl="0"/>
+            <a:r>
+              <a:rPr lang="en-US" sz="2000" dirty="0"/>
+              <a:t>Calling a generator function returns a generator object. </a:t>
+            </a:r>
+          </a:p>
+          <a:p>
+            <a:pPr algn="l" rtl="0"/>
+            <a:r>
+              <a:rPr lang="en-US" sz="2000" dirty="0"/>
+              <a:t>The generator object just follows the iterator interface (i.e. the next, return and throw functions).</a:t>
+            </a:r>
+          </a:p>
+          <a:p>
+            <a:pPr algn="l" rtl="0"/>
+            <a:r>
+              <a:rPr lang="en-US" sz="2000" dirty="0"/>
+              <a:t>Generator functions can be used to create lazy iterators.</a:t>
+            </a:r>
+          </a:p>
+        </p:txBody>
+      </p:sp>
+      <p:pic>
+        <p:nvPicPr>
+          <p:cNvPr id="9" name="Picture 8" descr="A screenshot of a cell phone&#10;&#10;Description generated with very high confidence">
+            <a:extLst>
+              <a:ext uri="{FF2B5EF4-FFF2-40B4-BE49-F238E27FC236}">
+                <a16:creationId xmlns:a16="http://schemas.microsoft.com/office/drawing/2014/main" id="{2FB4387B-7185-4428-9733-543090554F08}"/>
+              </a:ext>
+            </a:extLst>
+          </p:cNvPr>
+          <p:cNvPicPr>
+            <a:picLocks noChangeAspect="1"/>
+          </p:cNvPicPr>
+          <p:nvPr/>
+        </p:nvPicPr>
+        <p:blipFill>
+          <a:blip r:embed="rId2">
+            <a:extLst>
+              <a:ext uri="{28A0092B-C50C-407E-A947-70E740481C1C}">
+                <a14:useLocalDpi xmlns:a14="http://schemas.microsoft.com/office/drawing/2010/main" val="0"/>
+              </a:ext>
+            </a:extLst>
+          </a:blip>
+          <a:stretch>
+            <a:fillRect/>
+          </a:stretch>
+        </p:blipFill>
+        <p:spPr>
+          <a:xfrm>
+            <a:off x="838200" y="3889052"/>
+            <a:ext cx="5585944" cy="2727056"/>
+          </a:xfrm>
+          <a:prstGeom prst="rect">
+            <a:avLst/>
+          </a:prstGeom>
+        </p:spPr>
+      </p:pic>
+    </p:spTree>
+    <p:extLst>
+      <p:ext uri="{BB962C8B-B14F-4D97-AF65-F5344CB8AC3E}">
+        <p14:creationId xmlns:p14="http://schemas.microsoft.com/office/powerpoint/2010/main" val="2554437475"/>
+      </p:ext>
+    </p:extLst>
+  </p:cSld>
+  <p:clrMapOvr>
+    <a:masterClrMapping/>
+  </p:clrMapOvr>
+</p:sld>
+</file>
+
+<file path=ppt/slides/slide48.xml><?xml version="1.0" encoding="utf-8"?>
+<p:sld xmlns:a="http://schemas.openxmlformats.org/drawingml/2006/main" xmlns:r="http://schemas.openxmlformats.org/officeDocument/2006/relationships" xmlns:p="http://schemas.openxmlformats.org/presentationml/2006/main">
+  <p:cSld>
+    <p:spTree>
+      <p:nvGrpSpPr>
+        <p:cNvPr id="1" name=""/>
+        <p:cNvGrpSpPr/>
+        <p:nvPr/>
+      </p:nvGrpSpPr>
+      <p:grpSpPr>
+        <a:xfrm>
+          <a:off x="0" y="0"/>
+          <a:ext cx="0" cy="0"/>
+          <a:chOff x="0" y="0"/>
+          <a:chExt cx="0" cy="0"/>
+        </a:xfrm>
+      </p:grpSpPr>
+      <p:sp>
+        <p:nvSpPr>
+          <p:cNvPr id="2" name="Title 1">
+            <a:extLst>
+              <a:ext uri="{FF2B5EF4-FFF2-40B4-BE49-F238E27FC236}">
+                <a16:creationId xmlns:a16="http://schemas.microsoft.com/office/drawing/2014/main" id="{562C69D3-72AE-4D1A-903B-15355CAC6E81}"/>
+              </a:ext>
+            </a:extLst>
+          </p:cNvPr>
+          <p:cNvSpPr>
+            <a:spLocks noGrp="1"/>
+          </p:cNvSpPr>
+          <p:nvPr>
+            <p:ph type="title"/>
+          </p:nvPr>
+        </p:nvSpPr>
+        <p:spPr/>
+        <p:txBody>
+          <a:bodyPr>
+            <a:normAutofit/>
+          </a:bodyPr>
+          <a:lstStyle/>
+          <a:p>
+            <a:r>
+              <a:rPr lang="en-US" sz="4000" dirty="0"/>
+              <a:t>Generators</a:t>
+            </a:r>
+            <a:endParaRPr lang="en-US" dirty="0"/>
+          </a:p>
+        </p:txBody>
+      </p:sp>
+      <p:sp>
+        <p:nvSpPr>
+          <p:cNvPr id="4" name="Content Placeholder 3">
+            <a:extLst>
+              <a:ext uri="{FF2B5EF4-FFF2-40B4-BE49-F238E27FC236}">
+                <a16:creationId xmlns:a16="http://schemas.microsoft.com/office/drawing/2014/main" id="{4E16AD08-9757-44E6-9F27-5C22032A8853}"/>
+              </a:ext>
+            </a:extLst>
+          </p:cNvPr>
+          <p:cNvSpPr>
+            <a:spLocks noGrp="1"/>
+          </p:cNvSpPr>
+          <p:nvPr>
+            <p:ph idx="1"/>
+          </p:nvPr>
+        </p:nvSpPr>
+        <p:spPr/>
+        <p:txBody>
+          <a:bodyPr>
+            <a:normAutofit/>
+          </a:bodyPr>
+          <a:lstStyle/>
+          <a:p>
+            <a:pPr algn="l" rtl="0"/>
+            <a:r>
+              <a:rPr lang="en-US" sz="2000" dirty="0"/>
+              <a:t>Generators essentially allows a function to pause its execution and pass control (fate) of the remainder of the function execution to the caller.</a:t>
+            </a:r>
+          </a:p>
+        </p:txBody>
+      </p:sp>
+      <p:pic>
+        <p:nvPicPr>
+          <p:cNvPr id="5" name="Picture 4" descr="A screenshot of a social media post&#10;&#10;Description generated with very high confidence">
+            <a:extLst>
+              <a:ext uri="{FF2B5EF4-FFF2-40B4-BE49-F238E27FC236}">
+                <a16:creationId xmlns:a16="http://schemas.microsoft.com/office/drawing/2014/main" id="{9DE2B86F-A686-436F-98D4-D1BE241AFC73}"/>
+              </a:ext>
+            </a:extLst>
+          </p:cNvPr>
+          <p:cNvPicPr>
+            <a:picLocks noChangeAspect="1"/>
+          </p:cNvPicPr>
+          <p:nvPr/>
+        </p:nvPicPr>
+        <p:blipFill>
+          <a:blip r:embed="rId2">
+            <a:extLst>
+              <a:ext uri="{28A0092B-C50C-407E-A947-70E740481C1C}">
+                <a14:useLocalDpi xmlns:a14="http://schemas.microsoft.com/office/drawing/2010/main" val="0"/>
+              </a:ext>
+            </a:extLst>
+          </a:blip>
+          <a:stretch>
+            <a:fillRect/>
+          </a:stretch>
+        </p:blipFill>
+        <p:spPr>
+          <a:xfrm>
+            <a:off x="776515" y="2743200"/>
+            <a:ext cx="6767285" cy="3513124"/>
+          </a:xfrm>
+          <a:prstGeom prst="rect">
+            <a:avLst/>
+          </a:prstGeom>
+        </p:spPr>
+      </p:pic>
+    </p:spTree>
+    <p:extLst>
+      <p:ext uri="{BB962C8B-B14F-4D97-AF65-F5344CB8AC3E}">
+        <p14:creationId xmlns:p14="http://schemas.microsoft.com/office/powerpoint/2010/main" val="2358108310"/>
+      </p:ext>
+    </p:extLst>
+  </p:cSld>
+  <p:clrMapOvr>
+    <a:masterClrMapping/>
+  </p:clrMapOvr>
+</p:sld>
+</file>
+
+<file path=ppt/slides/slide49.xml><?xml version="1.0" encoding="utf-8"?>
+<p:sld xmlns:a="http://schemas.openxmlformats.org/drawingml/2006/main" xmlns:r="http://schemas.openxmlformats.org/officeDocument/2006/relationships" xmlns:p="http://schemas.openxmlformats.org/presentationml/2006/main">
+  <p:cSld>
+    <p:spTree>
+      <p:nvGrpSpPr>
+        <p:cNvPr id="1" name=""/>
+        <p:cNvGrpSpPr/>
+        <p:nvPr/>
+      </p:nvGrpSpPr>
+      <p:grpSpPr>
+        <a:xfrm>
+          <a:off x="0" y="0"/>
+          <a:ext cx="0" cy="0"/>
+          <a:chOff x="0" y="0"/>
+          <a:chExt cx="0" cy="0"/>
+        </a:xfrm>
+      </p:grpSpPr>
+      <p:sp>
+        <p:nvSpPr>
+          <p:cNvPr id="2" name="Title 1">
+            <a:extLst>
+              <a:ext uri="{FF2B5EF4-FFF2-40B4-BE49-F238E27FC236}">
+                <a16:creationId xmlns:a16="http://schemas.microsoft.com/office/drawing/2014/main" id="{562C69D3-72AE-4D1A-903B-15355CAC6E81}"/>
+              </a:ext>
+            </a:extLst>
+          </p:cNvPr>
+          <p:cNvSpPr>
+            <a:spLocks noGrp="1"/>
+          </p:cNvSpPr>
+          <p:nvPr>
+            <p:ph type="title"/>
+          </p:nvPr>
+        </p:nvSpPr>
+        <p:spPr/>
+        <p:txBody>
+          <a:bodyPr>
+            <a:normAutofit/>
+          </a:bodyPr>
+          <a:lstStyle/>
+          <a:p>
+            <a:r>
+              <a:rPr lang="en-US" sz="4000" dirty="0"/>
+              <a:t>Generators</a:t>
+            </a:r>
+            <a:endParaRPr lang="en-US" dirty="0"/>
+          </a:p>
+        </p:txBody>
+      </p:sp>
+      <p:sp>
+        <p:nvSpPr>
+          <p:cNvPr id="4" name="Content Placeholder 3">
+            <a:extLst>
+              <a:ext uri="{FF2B5EF4-FFF2-40B4-BE49-F238E27FC236}">
+                <a16:creationId xmlns:a16="http://schemas.microsoft.com/office/drawing/2014/main" id="{4E16AD08-9757-44E6-9F27-5C22032A8853}"/>
+              </a:ext>
+            </a:extLst>
+          </p:cNvPr>
+          <p:cNvSpPr>
+            <a:spLocks noGrp="1"/>
+          </p:cNvSpPr>
+          <p:nvPr>
+            <p:ph idx="1"/>
+          </p:nvPr>
+        </p:nvSpPr>
+        <p:spPr/>
+        <p:txBody>
+          <a:bodyPr>
+            <a:normAutofit/>
+          </a:bodyPr>
+          <a:lstStyle/>
+          <a:p>
+            <a:pPr marL="0" indent="0" algn="l" rtl="0">
+              <a:buNone/>
+            </a:pPr>
+            <a:r>
+              <a:rPr lang="en-US" sz="2000" dirty="0">
+                <a:solidFill>
+                  <a:srgbClr val="92D050"/>
+                </a:solidFill>
+              </a:rPr>
+              <a:t>// Output</a:t>
+            </a:r>
+          </a:p>
+          <a:p>
+            <a:pPr marL="0" indent="0" algn="l" rtl="0">
+              <a:buNone/>
+            </a:pPr>
+            <a:r>
+              <a:rPr lang="en-US" sz="2000" dirty="0">
+                <a:solidFill>
+                  <a:srgbClr val="FFC000"/>
+                </a:solidFill>
+              </a:rPr>
+              <a:t>Starting iteration </a:t>
+            </a:r>
+          </a:p>
+          <a:p>
+            <a:pPr marL="0" indent="0" algn="l" rtl="0">
+              <a:buNone/>
+            </a:pPr>
+            <a:r>
+              <a:rPr lang="en-US" sz="2000" dirty="0">
+                <a:solidFill>
+                  <a:srgbClr val="FFC000"/>
+                </a:solidFill>
+              </a:rPr>
+              <a:t>Execution started { value: 0, done: false } </a:t>
+            </a:r>
+          </a:p>
+          <a:p>
+            <a:pPr marL="0" indent="0" algn="l" rtl="0">
+              <a:buNone/>
+            </a:pPr>
+            <a:r>
+              <a:rPr lang="en-US" sz="2000" dirty="0">
+                <a:solidFill>
+                  <a:srgbClr val="FFC000"/>
+                </a:solidFill>
+              </a:rPr>
+              <a:t>Execution resumed { value: 1, done: false }</a:t>
+            </a:r>
+          </a:p>
+          <a:p>
+            <a:pPr marL="0" indent="0" algn="l" rtl="0">
+              <a:buNone/>
+            </a:pPr>
+            <a:r>
+              <a:rPr lang="en-US" sz="2000" dirty="0">
+                <a:solidFill>
+                  <a:srgbClr val="FFC000"/>
+                </a:solidFill>
+              </a:rPr>
+              <a:t>Execution resumed { value: undefined, done: true }</a:t>
+            </a:r>
+          </a:p>
+          <a:p>
+            <a:pPr algn="l" rtl="0"/>
+            <a:r>
+              <a:rPr lang="en-US" sz="2000" dirty="0"/>
+              <a:t>The function only starts execution once next is called on the generator object. </a:t>
+            </a:r>
+          </a:p>
+          <a:p>
+            <a:pPr algn="l" rtl="0"/>
+            <a:r>
+              <a:rPr lang="en-US" sz="2000" dirty="0"/>
+              <a:t>The function pauses as soon as a yield statement is encountered. </a:t>
+            </a:r>
+          </a:p>
+          <a:p>
+            <a:pPr algn="l" rtl="0"/>
+            <a:r>
+              <a:rPr lang="en-US" sz="2000" dirty="0"/>
+              <a:t>The function resumes when next is called.</a:t>
+            </a:r>
+          </a:p>
+          <a:p>
+            <a:pPr algn="l" rtl="0"/>
+            <a:endParaRPr lang="en-US" sz="2000" dirty="0"/>
+          </a:p>
+        </p:txBody>
+      </p:sp>
+    </p:spTree>
+    <p:extLst>
+      <p:ext uri="{BB962C8B-B14F-4D97-AF65-F5344CB8AC3E}">
+        <p14:creationId xmlns:p14="http://schemas.microsoft.com/office/powerpoint/2010/main" val="3206544684"/>
+      </p:ext>
+    </p:extLst>
+  </p:cSld>
+  <p:clrMapOvr>
+    <a:masterClrMapping/>
+  </p:clrMapOvr>
 </p:sld>
 </file>
 
@@ -7757,7 +10369,7 @@
           <a:lstStyle/>
           <a:p>
             <a:r>
-              <a:rPr lang="en-US" sz="4000" dirty="0" smtClean="0"/>
+              <a:rPr lang="en-US" sz="4000" dirty="0"/>
               <a:t>Equality</a:t>
             </a:r>
             <a:endParaRPr lang="he-IL" dirty="0"/>
@@ -7785,7 +10397,7 @@
               <a:buNone/>
             </a:pPr>
             <a:r>
-              <a:rPr lang="en-US" sz="1800" dirty="0" smtClean="0"/>
+              <a:rPr lang="en-US" sz="1800" dirty="0"/>
               <a:t>From ES6 specification : “The abstract</a:t>
             </a:r>
           </a:p>
@@ -7794,15 +10406,15 @@
               <a:buNone/>
             </a:pPr>
             <a:r>
-              <a:rPr lang="en-US" sz="1800" dirty="0" smtClean="0"/>
+              <a:rPr lang="en-US" sz="1800" dirty="0"/>
               <a:t>operation ‘</a:t>
             </a:r>
             <a:r>
-              <a:rPr lang="en-US" sz="1800" dirty="0" err="1" smtClean="0"/>
+              <a:rPr lang="en-US" sz="1800" dirty="0" err="1"/>
               <a:t>ToBoolean</a:t>
             </a:r>
             <a:r>
-              <a:rPr lang="en-US" sz="1800" dirty="0" smtClean="0"/>
+              <a:rPr lang="en-US" sz="1800" dirty="0"/>
               <a:t>’ converts argument to a</a:t>
             </a:r>
           </a:p>
@@ -7811,17 +10423,17 @@
               <a:buNone/>
             </a:pPr>
             <a:r>
-              <a:rPr lang="en-US" sz="1800" dirty="0" smtClean="0"/>
+              <a:rPr lang="en-US" sz="1800" dirty="0"/>
               <a:t>value of type Boolean according to </a:t>
             </a:r>
             <a:r>
-              <a:rPr lang="en-US" sz="1800" dirty="0" smtClean="0">
+              <a:rPr lang="en-US" sz="1800" dirty="0">
                 <a:hlinkClick r:id="rId2"/>
               </a:rPr>
               <a:t>table 10</a:t>
             </a:r>
             <a:r>
-              <a:rPr lang="en-US" sz="1800" dirty="0" smtClean="0"/>
+              <a:rPr lang="en-US" sz="1800" dirty="0"/>
               <a:t>”.</a:t>
             </a:r>
           </a:p>
@@ -7884,13 +10496,1150 @@
   <p:clrMapOvr>
     <a:masterClrMapping/>
   </p:clrMapOvr>
-  <p:timing>
-    <p:tnLst>
-      <p:par>
-        <p:cTn id="1" dur="indefinite" restart="never" nodeType="tmRoot"/>
-      </p:par>
-    </p:tnLst>
-  </p:timing>
+</p:sld>
+</file>
+
+<file path=ppt/slides/slide50.xml><?xml version="1.0" encoding="utf-8"?>
+<p:sld xmlns:a="http://schemas.openxmlformats.org/drawingml/2006/main" xmlns:r="http://schemas.openxmlformats.org/officeDocument/2006/relationships" xmlns:p="http://schemas.openxmlformats.org/presentationml/2006/main">
+  <p:cSld>
+    <p:spTree>
+      <p:nvGrpSpPr>
+        <p:cNvPr id="1" name=""/>
+        <p:cNvGrpSpPr/>
+        <p:nvPr/>
+      </p:nvGrpSpPr>
+      <p:grpSpPr>
+        <a:xfrm>
+          <a:off x="0" y="0"/>
+          <a:ext cx="0" cy="0"/>
+          <a:chOff x="0" y="0"/>
+          <a:chExt cx="0" cy="0"/>
+        </a:xfrm>
+      </p:grpSpPr>
+      <p:sp>
+        <p:nvSpPr>
+          <p:cNvPr id="2" name="Title 1">
+            <a:extLst>
+              <a:ext uri="{FF2B5EF4-FFF2-40B4-BE49-F238E27FC236}">
+                <a16:creationId xmlns:a16="http://schemas.microsoft.com/office/drawing/2014/main" id="{562C69D3-72AE-4D1A-903B-15355CAC6E81}"/>
+              </a:ext>
+            </a:extLst>
+          </p:cNvPr>
+          <p:cNvSpPr>
+            <a:spLocks noGrp="1"/>
+          </p:cNvSpPr>
+          <p:nvPr>
+            <p:ph type="title"/>
+          </p:nvPr>
+        </p:nvSpPr>
+        <p:spPr/>
+        <p:txBody>
+          <a:bodyPr>
+            <a:normAutofit/>
+          </a:bodyPr>
+          <a:lstStyle/>
+          <a:p>
+            <a:r>
+              <a:rPr lang="en-US" sz="4000" dirty="0"/>
+              <a:t>Generators</a:t>
+            </a:r>
+            <a:endParaRPr lang="en-US" dirty="0"/>
+          </a:p>
+        </p:txBody>
+      </p:sp>
+      <p:sp>
+        <p:nvSpPr>
+          <p:cNvPr id="4" name="Content Placeholder 3">
+            <a:extLst>
+              <a:ext uri="{FF2B5EF4-FFF2-40B4-BE49-F238E27FC236}">
+                <a16:creationId xmlns:a16="http://schemas.microsoft.com/office/drawing/2014/main" id="{4E16AD08-9757-44E6-9F27-5C22032A8853}"/>
+              </a:ext>
+            </a:extLst>
+          </p:cNvPr>
+          <p:cNvSpPr>
+            <a:spLocks noGrp="1"/>
+          </p:cNvSpPr>
+          <p:nvPr>
+            <p:ph idx="1"/>
+          </p:nvPr>
+        </p:nvSpPr>
+        <p:spPr/>
+        <p:txBody>
+          <a:bodyPr>
+            <a:normAutofit/>
+          </a:bodyPr>
+          <a:lstStyle/>
+          <a:p>
+            <a:pPr algn="l" rtl="0"/>
+            <a:r>
+              <a:rPr lang="en-US" sz="2000" dirty="0"/>
+              <a:t>you can control the resulting value of the yield expression using </a:t>
+            </a:r>
+            <a:r>
+              <a:rPr lang="en-US" sz="2000" dirty="0" err="1"/>
+              <a:t>iterator.next</a:t>
+            </a:r>
+            <a:r>
+              <a:rPr lang="en-US" sz="2000" dirty="0"/>
+              <a:t>(</a:t>
+            </a:r>
+            <a:r>
+              <a:rPr lang="en-US" sz="2000" dirty="0" err="1"/>
+              <a:t>valueToInject</a:t>
+            </a:r>
+            <a:r>
+              <a:rPr lang="en-US" sz="2000" dirty="0"/>
+              <a:t>).</a:t>
+            </a:r>
+          </a:p>
+          <a:p>
+            <a:pPr algn="l" rtl="0"/>
+            <a:r>
+              <a:rPr lang="en-US" sz="2000" dirty="0"/>
+              <a:t>yield allows a generator function to pause its communication and pass control to an external system.</a:t>
+            </a:r>
+          </a:p>
+          <a:p>
+            <a:pPr algn="l" rtl="0"/>
+            <a:endParaRPr lang="en-US" sz="2000" dirty="0"/>
+          </a:p>
+          <a:p>
+            <a:pPr algn="l" rtl="0"/>
+            <a:endParaRPr lang="en-US" sz="2000" dirty="0"/>
+          </a:p>
+          <a:p>
+            <a:pPr algn="l" rtl="0"/>
+            <a:endParaRPr lang="en-US" sz="2000" dirty="0"/>
+          </a:p>
+          <a:p>
+            <a:pPr algn="l" rtl="0"/>
+            <a:endParaRPr lang="en-US" sz="2000" dirty="0"/>
+          </a:p>
+          <a:p>
+            <a:pPr algn="l" rtl="0"/>
+            <a:endParaRPr lang="en-US" sz="2000" dirty="0"/>
+          </a:p>
+          <a:p>
+            <a:pPr algn="l" rtl="0"/>
+            <a:endParaRPr lang="en-US" sz="2000" dirty="0"/>
+          </a:p>
+          <a:p>
+            <a:pPr algn="l" rtl="0"/>
+            <a:endParaRPr lang="en-US" sz="2000" dirty="0"/>
+          </a:p>
+          <a:p>
+            <a:pPr algn="l" rtl="0"/>
+            <a:endParaRPr lang="en-US" sz="2000" dirty="0"/>
+          </a:p>
+          <a:p>
+            <a:pPr algn="l" rtl="0"/>
+            <a:endParaRPr lang="en-US" sz="2000" dirty="0"/>
+          </a:p>
+          <a:p>
+            <a:pPr marL="0" indent="0" algn="l" rtl="0">
+              <a:buNone/>
+            </a:pPr>
+            <a:endParaRPr lang="en-US" sz="2000" dirty="0"/>
+          </a:p>
+        </p:txBody>
+      </p:sp>
+      <p:pic>
+        <p:nvPicPr>
+          <p:cNvPr id="6" name="Picture 5" descr="A picture containing screenshot&#10;&#10;Description generated with high confidence">
+            <a:extLst>
+              <a:ext uri="{FF2B5EF4-FFF2-40B4-BE49-F238E27FC236}">
+                <a16:creationId xmlns:a16="http://schemas.microsoft.com/office/drawing/2014/main" id="{07DF4370-E3A3-4182-B6C6-3E7C5504D8E4}"/>
+              </a:ext>
+            </a:extLst>
+          </p:cNvPr>
+          <p:cNvPicPr>
+            <a:picLocks noChangeAspect="1"/>
+          </p:cNvPicPr>
+          <p:nvPr/>
+        </p:nvPicPr>
+        <p:blipFill>
+          <a:blip r:embed="rId2">
+            <a:extLst>
+              <a:ext uri="{28A0092B-C50C-407E-A947-70E740481C1C}">
+                <a14:useLocalDpi xmlns:a14="http://schemas.microsoft.com/office/drawing/2010/main" val="0"/>
+              </a:ext>
+            </a:extLst>
+          </a:blip>
+          <a:stretch>
+            <a:fillRect/>
+          </a:stretch>
+        </p:blipFill>
+        <p:spPr>
+          <a:xfrm>
+            <a:off x="762000" y="3200400"/>
+            <a:ext cx="4389500" cy="3002540"/>
+          </a:xfrm>
+          <a:prstGeom prst="rect">
+            <a:avLst/>
+          </a:prstGeom>
+        </p:spPr>
+      </p:pic>
+    </p:spTree>
+    <p:extLst>
+      <p:ext uri="{BB962C8B-B14F-4D97-AF65-F5344CB8AC3E}">
+        <p14:creationId xmlns:p14="http://schemas.microsoft.com/office/powerpoint/2010/main" val="998836353"/>
+      </p:ext>
+    </p:extLst>
+  </p:cSld>
+  <p:clrMapOvr>
+    <a:masterClrMapping/>
+  </p:clrMapOvr>
+</p:sld>
+</file>
+
+<file path=ppt/slides/slide51.xml><?xml version="1.0" encoding="utf-8"?>
+<p:sld xmlns:a="http://schemas.openxmlformats.org/drawingml/2006/main" xmlns:r="http://schemas.openxmlformats.org/officeDocument/2006/relationships" xmlns:p="http://schemas.openxmlformats.org/presentationml/2006/main">
+  <p:cSld>
+    <p:spTree>
+      <p:nvGrpSpPr>
+        <p:cNvPr id="1" name=""/>
+        <p:cNvGrpSpPr/>
+        <p:nvPr/>
+      </p:nvGrpSpPr>
+      <p:grpSpPr>
+        <a:xfrm>
+          <a:off x="0" y="0"/>
+          <a:ext cx="0" cy="0"/>
+          <a:chOff x="0" y="0"/>
+          <a:chExt cx="0" cy="0"/>
+        </a:xfrm>
+      </p:grpSpPr>
+      <p:sp>
+        <p:nvSpPr>
+          <p:cNvPr id="2" name="Title 1">
+            <a:extLst>
+              <a:ext uri="{FF2B5EF4-FFF2-40B4-BE49-F238E27FC236}">
+                <a16:creationId xmlns:a16="http://schemas.microsoft.com/office/drawing/2014/main" id="{562C69D3-72AE-4D1A-903B-15355CAC6E81}"/>
+              </a:ext>
+            </a:extLst>
+          </p:cNvPr>
+          <p:cNvSpPr>
+            <a:spLocks noGrp="1"/>
+          </p:cNvSpPr>
+          <p:nvPr>
+            <p:ph type="title"/>
+          </p:nvPr>
+        </p:nvSpPr>
+        <p:spPr/>
+        <p:txBody>
+          <a:bodyPr>
+            <a:normAutofit/>
+          </a:bodyPr>
+          <a:lstStyle/>
+          <a:p>
+            <a:r>
+              <a:rPr lang="en-US" sz="4000" dirty="0"/>
+              <a:t>Generators</a:t>
+            </a:r>
+            <a:endParaRPr lang="en-US" dirty="0"/>
+          </a:p>
+        </p:txBody>
+      </p:sp>
+      <p:sp>
+        <p:nvSpPr>
+          <p:cNvPr id="4" name="Content Placeholder 3">
+            <a:extLst>
+              <a:ext uri="{FF2B5EF4-FFF2-40B4-BE49-F238E27FC236}">
+                <a16:creationId xmlns:a16="http://schemas.microsoft.com/office/drawing/2014/main" id="{4E16AD08-9757-44E6-9F27-5C22032A8853}"/>
+              </a:ext>
+            </a:extLst>
+          </p:cNvPr>
+          <p:cNvSpPr>
+            <a:spLocks noGrp="1"/>
+          </p:cNvSpPr>
+          <p:nvPr>
+            <p:ph idx="1"/>
+          </p:nvPr>
+        </p:nvSpPr>
+        <p:spPr/>
+        <p:txBody>
+          <a:bodyPr>
+            <a:normAutofit fontScale="92500" lnSpcReduction="20000"/>
+          </a:bodyPr>
+          <a:lstStyle/>
+          <a:p>
+            <a:pPr marL="0" indent="0" algn="l" rtl="0">
+              <a:buNone/>
+            </a:pPr>
+            <a:r>
+              <a:rPr lang="en-US" sz="2000" dirty="0"/>
+              <a:t>There will be times when we want to combine the values of one or more generators into a single one. </a:t>
+            </a:r>
+          </a:p>
+          <a:p>
+            <a:pPr marL="0" indent="0" algn="l" rtl="0">
+              <a:buNone/>
+            </a:pPr>
+            <a:r>
+              <a:rPr lang="en-US" sz="2000" dirty="0"/>
+              <a:t>Or, we want to factor out generator logic into a separate function so that it can be used multiple times.</a:t>
+            </a:r>
+          </a:p>
+          <a:p>
+            <a:pPr marL="0" indent="0" algn="l" rtl="0">
+              <a:buNone/>
+            </a:pPr>
+            <a:r>
+              <a:rPr lang="en-US" sz="2000" dirty="0"/>
+              <a:t>With “regular” programming we would just create the factored out function and call it as needed. </a:t>
+            </a:r>
+          </a:p>
+          <a:p>
+            <a:pPr marL="0" indent="0" algn="l" rtl="0">
+              <a:buNone/>
+            </a:pPr>
+            <a:r>
+              <a:rPr lang="en-US" sz="2000" dirty="0"/>
+              <a:t>However, it’s not as simple in generator land. </a:t>
+            </a:r>
+          </a:p>
+          <a:p>
+            <a:pPr marL="0" indent="0" algn="l" rtl="0">
+              <a:buNone/>
+            </a:pPr>
+            <a:r>
+              <a:rPr lang="en-US" sz="2000" dirty="0"/>
+              <a:t>We don’t want to call the helper generator function to get back its return value. </a:t>
+            </a:r>
+          </a:p>
+          <a:p>
+            <a:pPr marL="0" indent="0" algn="l" rtl="0">
+              <a:buNone/>
+            </a:pPr>
+            <a:r>
+              <a:rPr lang="en-US" sz="2000" dirty="0"/>
+              <a:t>If we did that, we’d just get a new generator for that helper generator function. </a:t>
+            </a:r>
+          </a:p>
+          <a:p>
+            <a:pPr marL="0" indent="0" algn="l" rtl="0">
+              <a:buNone/>
+            </a:pPr>
+            <a:r>
+              <a:rPr lang="en-US" sz="2000" dirty="0"/>
+              <a:t>We actually want it to continue to yield into our current generator. </a:t>
+            </a:r>
+          </a:p>
+          <a:p>
+            <a:pPr marL="0" indent="0" algn="l" rtl="0">
+              <a:buNone/>
+            </a:pPr>
+            <a:r>
+              <a:rPr lang="en-US" sz="2000" dirty="0"/>
+              <a:t>What we want to do is delegate the generator’s population to another generator function. </a:t>
+            </a:r>
+          </a:p>
+          <a:p>
+            <a:pPr marL="0" indent="0" algn="l" rtl="0">
+              <a:buNone/>
+            </a:pPr>
+            <a:r>
+              <a:rPr lang="en-US" sz="2000" dirty="0"/>
+              <a:t>And we can do this using yield*</a:t>
+            </a:r>
+          </a:p>
+          <a:p>
+            <a:pPr marL="0" indent="0" algn="l" rtl="0">
+              <a:buNone/>
+            </a:pPr>
+            <a:endParaRPr lang="en-US" sz="2000" dirty="0"/>
+          </a:p>
+        </p:txBody>
+      </p:sp>
+    </p:spTree>
+    <p:extLst>
+      <p:ext uri="{BB962C8B-B14F-4D97-AF65-F5344CB8AC3E}">
+        <p14:creationId xmlns:p14="http://schemas.microsoft.com/office/powerpoint/2010/main" val="879855724"/>
+      </p:ext>
+    </p:extLst>
+  </p:cSld>
+  <p:clrMapOvr>
+    <a:masterClrMapping/>
+  </p:clrMapOvr>
+</p:sld>
+</file>
+
+<file path=ppt/slides/slide52.xml><?xml version="1.0" encoding="utf-8"?>
+<p:sld xmlns:a="http://schemas.openxmlformats.org/drawingml/2006/main" xmlns:r="http://schemas.openxmlformats.org/officeDocument/2006/relationships" xmlns:p="http://schemas.openxmlformats.org/presentationml/2006/main">
+  <p:cSld>
+    <p:spTree>
+      <p:nvGrpSpPr>
+        <p:cNvPr id="1" name=""/>
+        <p:cNvGrpSpPr/>
+        <p:nvPr/>
+      </p:nvGrpSpPr>
+      <p:grpSpPr>
+        <a:xfrm>
+          <a:off x="0" y="0"/>
+          <a:ext cx="0" cy="0"/>
+          <a:chOff x="0" y="0"/>
+          <a:chExt cx="0" cy="0"/>
+        </a:xfrm>
+      </p:grpSpPr>
+      <p:sp>
+        <p:nvSpPr>
+          <p:cNvPr id="2" name="Title 1">
+            <a:extLst>
+              <a:ext uri="{FF2B5EF4-FFF2-40B4-BE49-F238E27FC236}">
+                <a16:creationId xmlns:a16="http://schemas.microsoft.com/office/drawing/2014/main" id="{562C69D3-72AE-4D1A-903B-15355CAC6E81}"/>
+              </a:ext>
+            </a:extLst>
+          </p:cNvPr>
+          <p:cNvSpPr>
+            <a:spLocks noGrp="1"/>
+          </p:cNvSpPr>
+          <p:nvPr>
+            <p:ph type="title"/>
+          </p:nvPr>
+        </p:nvSpPr>
+        <p:spPr/>
+        <p:txBody>
+          <a:bodyPr>
+            <a:normAutofit/>
+          </a:bodyPr>
+          <a:lstStyle/>
+          <a:p>
+            <a:r>
+              <a:rPr lang="en-US" sz="4000" dirty="0"/>
+              <a:t>Generators</a:t>
+            </a:r>
+            <a:endParaRPr lang="en-US" dirty="0"/>
+          </a:p>
+        </p:txBody>
+      </p:sp>
+      <p:sp>
+        <p:nvSpPr>
+          <p:cNvPr id="7" name="Content Placeholder 6">
+            <a:extLst>
+              <a:ext uri="{FF2B5EF4-FFF2-40B4-BE49-F238E27FC236}">
+                <a16:creationId xmlns:a16="http://schemas.microsoft.com/office/drawing/2014/main" id="{68D05B38-F585-4758-B4C1-0D42E95590A5}"/>
+              </a:ext>
+            </a:extLst>
+          </p:cNvPr>
+          <p:cNvSpPr>
+            <a:spLocks noGrp="1"/>
+          </p:cNvSpPr>
+          <p:nvPr>
+            <p:ph idx="1"/>
+          </p:nvPr>
+        </p:nvSpPr>
+        <p:spPr/>
+        <p:txBody>
+          <a:bodyPr/>
+          <a:lstStyle/>
+          <a:p>
+            <a:pPr algn="l" rtl="0"/>
+            <a:r>
+              <a:rPr lang="en-US" dirty="0"/>
+              <a:t>What it the output?</a:t>
+            </a:r>
+          </a:p>
+        </p:txBody>
+      </p:sp>
+      <p:pic>
+        <p:nvPicPr>
+          <p:cNvPr id="9" name="Picture 8" descr="A screenshot of a cell phone&#10;&#10;Description generated with very high confidence">
+            <a:extLst>
+              <a:ext uri="{FF2B5EF4-FFF2-40B4-BE49-F238E27FC236}">
+                <a16:creationId xmlns:a16="http://schemas.microsoft.com/office/drawing/2014/main" id="{30268BBF-0484-4C2A-807B-B93D738694F1}"/>
+              </a:ext>
+            </a:extLst>
+          </p:cNvPr>
+          <p:cNvPicPr>
+            <a:picLocks noChangeAspect="1"/>
+          </p:cNvPicPr>
+          <p:nvPr/>
+        </p:nvPicPr>
+        <p:blipFill>
+          <a:blip r:embed="rId2">
+            <a:extLst>
+              <a:ext uri="{28A0092B-C50C-407E-A947-70E740481C1C}">
+                <a14:useLocalDpi xmlns:a14="http://schemas.microsoft.com/office/drawing/2010/main" val="0"/>
+              </a:ext>
+            </a:extLst>
+          </a:blip>
+          <a:stretch>
+            <a:fillRect/>
+          </a:stretch>
+        </p:blipFill>
+        <p:spPr>
+          <a:xfrm>
+            <a:off x="838200" y="2133600"/>
+            <a:ext cx="4465707" cy="4008467"/>
+          </a:xfrm>
+          <a:prstGeom prst="rect">
+            <a:avLst/>
+          </a:prstGeom>
+        </p:spPr>
+      </p:pic>
+    </p:spTree>
+    <p:extLst>
+      <p:ext uri="{BB962C8B-B14F-4D97-AF65-F5344CB8AC3E}">
+        <p14:creationId xmlns:p14="http://schemas.microsoft.com/office/powerpoint/2010/main" val="760806596"/>
+      </p:ext>
+    </p:extLst>
+  </p:cSld>
+  <p:clrMapOvr>
+    <a:masterClrMapping/>
+  </p:clrMapOvr>
+</p:sld>
+</file>
+
+<file path=ppt/slides/slide53.xml><?xml version="1.0" encoding="utf-8"?>
+<p:sld xmlns:a="http://schemas.openxmlformats.org/drawingml/2006/main" xmlns:r="http://schemas.openxmlformats.org/officeDocument/2006/relationships" xmlns:p="http://schemas.openxmlformats.org/presentationml/2006/main">
+  <p:cSld>
+    <p:spTree>
+      <p:nvGrpSpPr>
+        <p:cNvPr id="1" name=""/>
+        <p:cNvGrpSpPr/>
+        <p:nvPr/>
+      </p:nvGrpSpPr>
+      <p:grpSpPr>
+        <a:xfrm>
+          <a:off x="0" y="0"/>
+          <a:ext cx="0" cy="0"/>
+          <a:chOff x="0" y="0"/>
+          <a:chExt cx="0" cy="0"/>
+        </a:xfrm>
+      </p:grpSpPr>
+      <p:sp>
+        <p:nvSpPr>
+          <p:cNvPr id="2" name="Title 1">
+            <a:extLst>
+              <a:ext uri="{FF2B5EF4-FFF2-40B4-BE49-F238E27FC236}">
+                <a16:creationId xmlns:a16="http://schemas.microsoft.com/office/drawing/2014/main" id="{562C69D3-72AE-4D1A-903B-15355CAC6E81}"/>
+              </a:ext>
+            </a:extLst>
+          </p:cNvPr>
+          <p:cNvSpPr>
+            <a:spLocks noGrp="1"/>
+          </p:cNvSpPr>
+          <p:nvPr>
+            <p:ph type="title"/>
+          </p:nvPr>
+        </p:nvSpPr>
+        <p:spPr/>
+        <p:txBody>
+          <a:bodyPr>
+            <a:normAutofit/>
+          </a:bodyPr>
+          <a:lstStyle/>
+          <a:p>
+            <a:r>
+              <a:rPr lang="en-US" sz="4000" dirty="0"/>
+              <a:t>Generators</a:t>
+            </a:r>
+            <a:endParaRPr lang="en-US" dirty="0"/>
+          </a:p>
+        </p:txBody>
+      </p:sp>
+      <p:sp>
+        <p:nvSpPr>
+          <p:cNvPr id="7" name="Content Placeholder 6">
+            <a:extLst>
+              <a:ext uri="{FF2B5EF4-FFF2-40B4-BE49-F238E27FC236}">
+                <a16:creationId xmlns:a16="http://schemas.microsoft.com/office/drawing/2014/main" id="{68D05B38-F585-4758-B4C1-0D42E95590A5}"/>
+              </a:ext>
+            </a:extLst>
+          </p:cNvPr>
+          <p:cNvSpPr>
+            <a:spLocks noGrp="1"/>
+          </p:cNvSpPr>
+          <p:nvPr>
+            <p:ph idx="1"/>
+          </p:nvPr>
+        </p:nvSpPr>
+        <p:spPr/>
+        <p:txBody>
+          <a:bodyPr>
+            <a:normAutofit lnSpcReduction="10000"/>
+          </a:bodyPr>
+          <a:lstStyle/>
+          <a:p>
+            <a:pPr algn="l" rtl="0"/>
+            <a:r>
+              <a:rPr lang="en-US" dirty="0"/>
+              <a:t> 'before'</a:t>
+            </a:r>
+          </a:p>
+          <a:p>
+            <a:pPr algn="l" rtl="0"/>
+            <a:r>
+              <a:rPr lang="en-US" dirty="0"/>
+              <a:t>  'Generators'</a:t>
+            </a:r>
+          </a:p>
+          <a:p>
+            <a:pPr algn="l" rtl="0"/>
+            <a:r>
+              <a:rPr lang="en-US" dirty="0"/>
+              <a:t>  'are'</a:t>
+            </a:r>
+          </a:p>
+          <a:p>
+            <a:pPr algn="l" rtl="0"/>
+            <a:r>
+              <a:rPr lang="en-US" dirty="0"/>
+              <a:t>  'awesome!'</a:t>
+            </a:r>
+          </a:p>
+          <a:p>
+            <a:pPr algn="l" rtl="0"/>
+            <a:r>
+              <a:rPr lang="en-US" dirty="0"/>
+              <a:t>  'between'</a:t>
+            </a:r>
+          </a:p>
+          <a:p>
+            <a:pPr algn="l" rtl="0"/>
+            <a:r>
+              <a:rPr lang="en-US" dirty="0"/>
+              <a:t>  1</a:t>
+            </a:r>
+          </a:p>
+          <a:p>
+            <a:pPr algn="l" rtl="0"/>
+            <a:r>
+              <a:rPr lang="en-US" dirty="0"/>
+              <a:t>  2</a:t>
+            </a:r>
+          </a:p>
+          <a:p>
+            <a:pPr algn="l" rtl="0"/>
+            <a:r>
+              <a:rPr lang="en-US" dirty="0"/>
+              <a:t>  3</a:t>
+            </a:r>
+          </a:p>
+          <a:p>
+            <a:pPr algn="l" rtl="0"/>
+            <a:r>
+              <a:rPr lang="en-US" dirty="0"/>
+              <a:t>  4</a:t>
+            </a:r>
+          </a:p>
+          <a:p>
+            <a:pPr algn="l" rtl="0"/>
+            <a:r>
+              <a:rPr lang="en-US" dirty="0"/>
+              <a:t>  5</a:t>
+            </a:r>
+          </a:p>
+          <a:p>
+            <a:pPr algn="l" rtl="0"/>
+            <a:r>
+              <a:rPr lang="en-US" dirty="0"/>
+              <a:t>  'after' </a:t>
+            </a:r>
+          </a:p>
+        </p:txBody>
+      </p:sp>
+    </p:spTree>
+    <p:extLst>
+      <p:ext uri="{BB962C8B-B14F-4D97-AF65-F5344CB8AC3E}">
+        <p14:creationId xmlns:p14="http://schemas.microsoft.com/office/powerpoint/2010/main" val="3115232454"/>
+      </p:ext>
+    </p:extLst>
+  </p:cSld>
+  <p:clrMapOvr>
+    <a:masterClrMapping/>
+  </p:clrMapOvr>
+</p:sld>
+</file>
+
+<file path=ppt/slides/slide54.xml><?xml version="1.0" encoding="utf-8"?>
+<p:sld xmlns:a="http://schemas.openxmlformats.org/drawingml/2006/main" xmlns:r="http://schemas.openxmlformats.org/officeDocument/2006/relationships" xmlns:p="http://schemas.openxmlformats.org/presentationml/2006/main">
+  <p:cSld>
+    <p:spTree>
+      <p:nvGrpSpPr>
+        <p:cNvPr id="1" name=""/>
+        <p:cNvGrpSpPr/>
+        <p:nvPr/>
+      </p:nvGrpSpPr>
+      <p:grpSpPr>
+        <a:xfrm>
+          <a:off x="0" y="0"/>
+          <a:ext cx="0" cy="0"/>
+          <a:chOff x="0" y="0"/>
+          <a:chExt cx="0" cy="0"/>
+        </a:xfrm>
+      </p:grpSpPr>
+      <p:sp>
+        <p:nvSpPr>
+          <p:cNvPr id="2" name="Title 1">
+            <a:extLst>
+              <a:ext uri="{FF2B5EF4-FFF2-40B4-BE49-F238E27FC236}">
+                <a16:creationId xmlns:a16="http://schemas.microsoft.com/office/drawing/2014/main" id="{7F08F2D0-A056-4E63-8D1F-1B8D1071E2CF}"/>
+              </a:ext>
+            </a:extLst>
+          </p:cNvPr>
+          <p:cNvSpPr>
+            <a:spLocks noGrp="1"/>
+          </p:cNvSpPr>
+          <p:nvPr>
+            <p:ph type="title"/>
+          </p:nvPr>
+        </p:nvSpPr>
+        <p:spPr/>
+        <p:txBody>
+          <a:bodyPr/>
+          <a:lstStyle/>
+          <a:p>
+            <a:r>
+              <a:rPr lang="en-US" sz="3600" dirty="0"/>
+              <a:t>Generators</a:t>
+            </a:r>
+            <a:endParaRPr lang="en-US" dirty="0"/>
+          </a:p>
+        </p:txBody>
+      </p:sp>
+      <p:sp>
+        <p:nvSpPr>
+          <p:cNvPr id="7" name="Content Placeholder 6">
+            <a:extLst>
+              <a:ext uri="{FF2B5EF4-FFF2-40B4-BE49-F238E27FC236}">
+                <a16:creationId xmlns:a16="http://schemas.microsoft.com/office/drawing/2014/main" id="{6909534A-08E7-449C-B591-270D34F86A51}"/>
+              </a:ext>
+            </a:extLst>
+          </p:cNvPr>
+          <p:cNvSpPr>
+            <a:spLocks noGrp="1"/>
+          </p:cNvSpPr>
+          <p:nvPr>
+            <p:ph idx="1"/>
+          </p:nvPr>
+        </p:nvSpPr>
+        <p:spPr/>
+        <p:txBody>
+          <a:bodyPr>
+            <a:normAutofit/>
+          </a:bodyPr>
+          <a:lstStyle/>
+          <a:p>
+            <a:pPr algn="l" rtl="0"/>
+            <a:r>
+              <a:rPr lang="en-US" sz="1100" dirty="0"/>
+              <a:t>binary tree example taking from </a:t>
+            </a:r>
+            <a:r>
+              <a:rPr lang="en-US" sz="1100" dirty="0">
+                <a:hlinkClick r:id="rId2"/>
+              </a:rPr>
+              <a:t>the Generators chapter </a:t>
+            </a:r>
+            <a:r>
+              <a:rPr lang="en-US" sz="1100" dirty="0"/>
+              <a:t>of </a:t>
+            </a:r>
+            <a:r>
+              <a:rPr lang="en-US" sz="1100" dirty="0">
+                <a:hlinkClick r:id="rId3"/>
+              </a:rPr>
+              <a:t>Axel </a:t>
+            </a:r>
+            <a:r>
+              <a:rPr lang="en-US" sz="1100" dirty="0" err="1">
+                <a:hlinkClick r:id="rId3"/>
+              </a:rPr>
+              <a:t>Rauschmayer’s</a:t>
+            </a:r>
+            <a:r>
+              <a:rPr lang="en-US" sz="1100" dirty="0"/>
+              <a:t> Exploring ES6 book.</a:t>
+            </a:r>
+          </a:p>
+        </p:txBody>
+      </p:sp>
+      <p:pic>
+        <p:nvPicPr>
+          <p:cNvPr id="9" name="Picture 8" descr="A screenshot of a cell phone&#10;&#10;Description generated with very high confidence">
+            <a:extLst>
+              <a:ext uri="{FF2B5EF4-FFF2-40B4-BE49-F238E27FC236}">
+                <a16:creationId xmlns:a16="http://schemas.microsoft.com/office/drawing/2014/main" id="{E0BE3555-6759-4D7F-A2EB-9336B120A522}"/>
+              </a:ext>
+            </a:extLst>
+          </p:cNvPr>
+          <p:cNvPicPr>
+            <a:picLocks noChangeAspect="1"/>
+          </p:cNvPicPr>
+          <p:nvPr/>
+        </p:nvPicPr>
+        <p:blipFill>
+          <a:blip r:embed="rId4">
+            <a:extLst>
+              <a:ext uri="{28A0092B-C50C-407E-A947-70E740481C1C}">
+                <a14:useLocalDpi xmlns:a14="http://schemas.microsoft.com/office/drawing/2010/main" val="0"/>
+              </a:ext>
+            </a:extLst>
+          </a:blip>
+          <a:stretch>
+            <a:fillRect/>
+          </a:stretch>
+        </p:blipFill>
+        <p:spPr>
+          <a:xfrm>
+            <a:off x="762000" y="1905001"/>
+            <a:ext cx="5707875" cy="4632960"/>
+          </a:xfrm>
+          <a:prstGeom prst="rect">
+            <a:avLst/>
+          </a:prstGeom>
+        </p:spPr>
+      </p:pic>
+    </p:spTree>
+    <p:extLst>
+      <p:ext uri="{BB962C8B-B14F-4D97-AF65-F5344CB8AC3E}">
+        <p14:creationId xmlns:p14="http://schemas.microsoft.com/office/powerpoint/2010/main" val="1813829724"/>
+      </p:ext>
+    </p:extLst>
+  </p:cSld>
+  <p:clrMapOvr>
+    <a:masterClrMapping/>
+  </p:clrMapOvr>
+</p:sld>
+</file>
+
+<file path=ppt/slides/slide55.xml><?xml version="1.0" encoding="utf-8"?>
+<p:sld xmlns:a="http://schemas.openxmlformats.org/drawingml/2006/main" xmlns:r="http://schemas.openxmlformats.org/officeDocument/2006/relationships" xmlns:p="http://schemas.openxmlformats.org/presentationml/2006/main">
+  <p:cSld>
+    <p:spTree>
+      <p:nvGrpSpPr>
+        <p:cNvPr id="1" name=""/>
+        <p:cNvGrpSpPr/>
+        <p:nvPr/>
+      </p:nvGrpSpPr>
+      <p:grpSpPr>
+        <a:xfrm>
+          <a:off x="0" y="0"/>
+          <a:ext cx="0" cy="0"/>
+          <a:chOff x="0" y="0"/>
+          <a:chExt cx="0" cy="0"/>
+        </a:xfrm>
+      </p:grpSpPr>
+      <p:sp>
+        <p:nvSpPr>
+          <p:cNvPr id="2" name="Title 1"/>
+          <p:cNvSpPr>
+            <a:spLocks noGrp="1"/>
+          </p:cNvSpPr>
+          <p:nvPr>
+            <p:ph type="title"/>
+          </p:nvPr>
+        </p:nvSpPr>
+        <p:spPr/>
+        <p:txBody>
+          <a:bodyPr/>
+          <a:lstStyle/>
+          <a:p>
+            <a:pPr rtl="0"/>
+            <a:r>
+              <a:rPr lang="en-US" dirty="0"/>
+              <a:t>Resources  &amp; Useful links</a:t>
+            </a:r>
+            <a:endParaRPr lang="he-IL" dirty="0"/>
+          </a:p>
+        </p:txBody>
+      </p:sp>
+      <p:sp>
+        <p:nvSpPr>
+          <p:cNvPr id="3" name="Content Placeholder 2"/>
+          <p:cNvSpPr>
+            <a:spLocks noGrp="1"/>
+          </p:cNvSpPr>
+          <p:nvPr>
+            <p:ph idx="1"/>
+          </p:nvPr>
+        </p:nvSpPr>
+        <p:spPr/>
+        <p:txBody>
+          <a:bodyPr>
+            <a:normAutofit fontScale="55000" lnSpcReduction="20000"/>
+          </a:bodyPr>
+          <a:lstStyle/>
+          <a:p>
+            <a:pPr algn="l" rtl="0"/>
+            <a:r>
+              <a:rPr lang="en-US" dirty="0">
+                <a:solidFill>
+                  <a:srgbClr val="FF0000"/>
+                </a:solidFill>
+                <a:hlinkClick r:id="rId2"/>
+              </a:rPr>
+              <a:t>http://www.typescriptlang.org</a:t>
+            </a:r>
+            <a:endParaRPr lang="en-US" dirty="0">
+              <a:solidFill>
+                <a:srgbClr val="FF0000"/>
+              </a:solidFill>
+            </a:endParaRPr>
+          </a:p>
+          <a:p>
+            <a:pPr algn="l" rtl="0"/>
+            <a:r>
+              <a:rPr lang="en-US" dirty="0">
+                <a:solidFill>
+                  <a:srgbClr val="FF0000"/>
+                </a:solidFill>
+                <a:hlinkClick r:id="rId3"/>
+              </a:rPr>
+              <a:t>https://github.com/unional/typescript-guidelines</a:t>
+            </a:r>
+            <a:endParaRPr lang="en-US" dirty="0">
+              <a:solidFill>
+                <a:srgbClr val="FF0000"/>
+              </a:solidFill>
+            </a:endParaRPr>
+          </a:p>
+          <a:p>
+            <a:pPr algn="l" rtl="0"/>
+            <a:r>
+              <a:rPr lang="en-US" dirty="0">
+                <a:solidFill>
+                  <a:srgbClr val="FF0000"/>
+                </a:solidFill>
+                <a:hlinkClick r:id="rId4"/>
+              </a:rPr>
+              <a:t>https://basarat.gitbooks.io/typescript</a:t>
+            </a:r>
+            <a:endParaRPr lang="en-US" dirty="0">
+              <a:solidFill>
+                <a:srgbClr val="FF0000"/>
+              </a:solidFill>
+            </a:endParaRPr>
+          </a:p>
+          <a:p>
+            <a:pPr algn="l" rtl="0"/>
+            <a:r>
+              <a:rPr lang="en-US" dirty="0">
+                <a:solidFill>
+                  <a:srgbClr val="FF0000"/>
+                </a:solidFill>
+                <a:hlinkClick r:id="rId5"/>
+              </a:rPr>
+              <a:t>https://jameshenry.blog/typescript-null-and-undefined-types/</a:t>
+            </a:r>
+            <a:endParaRPr lang="en-US" dirty="0">
+              <a:solidFill>
+                <a:srgbClr val="FF0000"/>
+              </a:solidFill>
+            </a:endParaRPr>
+          </a:p>
+          <a:p>
+            <a:pPr algn="l" rtl="0"/>
+            <a:r>
+              <a:rPr lang="en-US" dirty="0">
+                <a:solidFill>
+                  <a:srgbClr val="FF0000"/>
+                </a:solidFill>
+                <a:hlinkClick r:id="rId6"/>
+              </a:rPr>
+              <a:t>https://codeburst.io/javascript-null-vs-undefined-20f955215a2</a:t>
+            </a:r>
+            <a:endParaRPr lang="en-US" dirty="0">
+              <a:solidFill>
+                <a:srgbClr val="FF0000"/>
+              </a:solidFill>
+            </a:endParaRPr>
+          </a:p>
+          <a:p>
+            <a:pPr algn="l" rtl="0"/>
+            <a:r>
+              <a:rPr lang="en-US" dirty="0">
+                <a:solidFill>
+                  <a:srgbClr val="FF0000"/>
+                </a:solidFill>
+                <a:hlinkClick r:id="rId7"/>
+              </a:rPr>
+              <a:t>https://codeburst.io/understanding-null-undefined-and-nan-b603cb74b44c</a:t>
+            </a:r>
+            <a:endParaRPr lang="en-US" dirty="0">
+              <a:solidFill>
+                <a:srgbClr val="FF0000"/>
+              </a:solidFill>
+            </a:endParaRPr>
+          </a:p>
+          <a:p>
+            <a:pPr algn="l" rtl="0"/>
+            <a:r>
+              <a:rPr lang="en-US" dirty="0">
+                <a:solidFill>
+                  <a:srgbClr val="FF0000"/>
+                </a:solidFill>
+                <a:hlinkClick r:id="rId8"/>
+              </a:rPr>
+              <a:t>https://developer.mozilla.org/en-US/docs/Web/JavaScript/Reference/Global_Objects/null</a:t>
+            </a:r>
+            <a:endParaRPr lang="en-US" dirty="0">
+              <a:solidFill>
+                <a:srgbClr val="FF0000"/>
+              </a:solidFill>
+            </a:endParaRPr>
+          </a:p>
+          <a:p>
+            <a:pPr algn="l" rtl="0"/>
+            <a:r>
+              <a:rPr lang="en-US" dirty="0">
+                <a:solidFill>
+                  <a:srgbClr val="FF0000"/>
+                </a:solidFill>
+                <a:hlinkClick r:id="rId9"/>
+              </a:rPr>
+              <a:t>https://github.com/Microsoft/TypeScript</a:t>
+            </a:r>
+            <a:endParaRPr lang="en-US" dirty="0">
+              <a:solidFill>
+                <a:srgbClr val="FF0000"/>
+              </a:solidFill>
+            </a:endParaRPr>
+          </a:p>
+          <a:p>
+            <a:pPr algn="l" rtl="0"/>
+            <a:r>
+              <a:rPr lang="en-US" dirty="0">
+                <a:solidFill>
+                  <a:srgbClr val="FF0000"/>
+                </a:solidFill>
+                <a:hlinkClick r:id="rId10"/>
+              </a:rPr>
+              <a:t>https://msdn.microsoft.com/en-us/magazine/dn890374.aspx</a:t>
+            </a:r>
+            <a:endParaRPr lang="en-US" dirty="0">
+              <a:solidFill>
+                <a:srgbClr val="FF0000"/>
+              </a:solidFill>
+            </a:endParaRPr>
+          </a:p>
+          <a:p>
+            <a:pPr algn="l" rtl="0"/>
+            <a:r>
+              <a:rPr lang="en-US" dirty="0">
+                <a:solidFill>
+                  <a:srgbClr val="FF0000"/>
+                </a:solidFill>
+                <a:hlinkClick r:id="rId11"/>
+              </a:rPr>
+              <a:t>https://codeburst.io/how-this-keyword-work-in-javascript-6b31104b5ef9</a:t>
+            </a:r>
+            <a:endParaRPr lang="en-US" dirty="0">
+              <a:solidFill>
+                <a:srgbClr val="FF0000"/>
+              </a:solidFill>
+            </a:endParaRPr>
+          </a:p>
+          <a:p>
+            <a:pPr algn="l" rtl="0"/>
+            <a:r>
+              <a:rPr lang="en-US" dirty="0">
+                <a:solidFill>
+                  <a:srgbClr val="FF0000"/>
+                </a:solidFill>
+                <a:hlinkClick r:id="rId12"/>
+              </a:rPr>
+              <a:t>https://bytearcher.com/articles/es6-vs-es2015-name/</a:t>
+            </a:r>
+            <a:endParaRPr lang="en-US" dirty="0">
+              <a:solidFill>
+                <a:srgbClr val="FF0000"/>
+              </a:solidFill>
+            </a:endParaRPr>
+          </a:p>
+          <a:p>
+            <a:pPr algn="l" rtl="0"/>
+            <a:r>
+              <a:rPr lang="en-US" dirty="0">
+                <a:solidFill>
+                  <a:srgbClr val="FF0000"/>
+                </a:solidFill>
+                <a:hlinkClick r:id="rId13"/>
+              </a:rPr>
+              <a:t>https://codeburst.io/a-simple-guide-to-es6-iterators-in-javascript-with-examples-189d052c3d8e</a:t>
+            </a:r>
+            <a:endParaRPr lang="en-US" dirty="0">
+              <a:solidFill>
+                <a:srgbClr val="FF0000"/>
+              </a:solidFill>
+            </a:endParaRPr>
+          </a:p>
+          <a:p>
+            <a:pPr algn="l" rtl="0"/>
+            <a:r>
+              <a:rPr lang="en-US" dirty="0">
+                <a:solidFill>
+                  <a:srgbClr val="FF0000"/>
+                </a:solidFill>
+                <a:hlinkClick r:id="rId14"/>
+              </a:rPr>
+              <a:t>http://www.ecma-international.org/ecma-262/6.0/#sec-iteration</a:t>
+            </a:r>
+            <a:endParaRPr lang="en-US" dirty="0">
+              <a:solidFill>
+                <a:srgbClr val="FF0000"/>
+              </a:solidFill>
+            </a:endParaRPr>
+          </a:p>
+          <a:p>
+            <a:pPr algn="l" rtl="0"/>
+            <a:r>
+              <a:rPr lang="en-US" dirty="0">
+                <a:solidFill>
+                  <a:srgbClr val="FF0000"/>
+                </a:solidFill>
+                <a:hlinkClick r:id="rId15"/>
+              </a:rPr>
+              <a:t>https://www.ynonperek.com/2017/08/28/3-cool-uses-for/</a:t>
+            </a:r>
+            <a:endParaRPr lang="en-US" dirty="0">
+              <a:solidFill>
+                <a:srgbClr val="FF0000"/>
+              </a:solidFill>
+            </a:endParaRPr>
+          </a:p>
+          <a:p>
+            <a:pPr algn="l" rtl="0"/>
+            <a:r>
+              <a:rPr lang="en-US" dirty="0">
+                <a:solidFill>
+                  <a:srgbClr val="FF0000"/>
+                </a:solidFill>
+                <a:hlinkClick r:id="rId16"/>
+              </a:rPr>
+              <a:t>http://www.benmvp.com/learning-es6-generators-as-iterators/</a:t>
+            </a:r>
+            <a:endParaRPr lang="en-US" dirty="0">
+              <a:solidFill>
+                <a:srgbClr val="FF0000"/>
+              </a:solidFill>
+            </a:endParaRPr>
+          </a:p>
+          <a:p>
+            <a:pPr algn="l" rtl="0"/>
+            <a:r>
+              <a:rPr lang="en-US" dirty="0">
+                <a:solidFill>
+                  <a:srgbClr val="FF0000"/>
+                </a:solidFill>
+                <a:hlinkClick r:id="rId17"/>
+              </a:rPr>
+              <a:t>http://exploringjs.com/es6/ch_generators.html#leanpub-auto-iterating-over-trees</a:t>
+            </a:r>
+            <a:endParaRPr lang="he-IL" dirty="0">
+              <a:solidFill>
+                <a:srgbClr val="FF0000"/>
+              </a:solidFill>
+            </a:endParaRPr>
+          </a:p>
+        </p:txBody>
+      </p:sp>
+    </p:spTree>
+  </p:cSld>
+  <p:clrMapOvr>
+    <a:masterClrMapping/>
+  </p:clrMapOvr>
 </p:sld>
 </file>
 
@@ -7927,7 +11676,7 @@
           <a:lstStyle/>
           <a:p>
             <a:r>
-              <a:rPr lang="en-US" sz="4000" dirty="0" smtClean="0"/>
+              <a:rPr lang="en-US" sz="4000" dirty="0"/>
               <a:t>Equality</a:t>
             </a:r>
             <a:endParaRPr lang="he-IL" dirty="0"/>
@@ -7953,7 +11702,7 @@
               <a:buNone/>
             </a:pPr>
             <a:r>
-              <a:rPr lang="en-US" dirty="0" smtClean="0"/>
+              <a:rPr lang="en-US" dirty="0"/>
               <a:t>As mentioned at the table above, objects</a:t>
             </a:r>
           </a:p>
@@ -7962,7 +11711,7 @@
               <a:buNone/>
             </a:pPr>
             <a:r>
-              <a:rPr lang="en-US" dirty="0" smtClean="0"/>
+              <a:rPr lang="en-US" dirty="0"/>
               <a:t>Evaluated to true.</a:t>
             </a:r>
           </a:p>
@@ -7971,7 +11720,7 @@
               <a:buNone/>
             </a:pPr>
             <a:r>
-              <a:rPr lang="en-US" dirty="0" smtClean="0"/>
+              <a:rPr lang="en-US" dirty="0"/>
               <a:t>That is why even an empty array evaluates to</a:t>
             </a:r>
           </a:p>
@@ -7980,7 +11729,7 @@
               <a:buNone/>
             </a:pPr>
             <a:r>
-              <a:rPr lang="en-US" dirty="0" smtClean="0"/>
+              <a:rPr lang="en-US" dirty="0"/>
               <a:t>true.</a:t>
             </a:r>
           </a:p>
@@ -7988,14 +11737,14 @@
             <a:pPr algn="l" rtl="0">
               <a:buNone/>
             </a:pPr>
-            <a:endParaRPr lang="en-US" dirty="0" smtClean="0"/>
+            <a:endParaRPr lang="en-US" dirty="0"/>
           </a:p>
           <a:p>
             <a:pPr algn="l" rtl="0">
               <a:buNone/>
             </a:pPr>
             <a:r>
-              <a:rPr lang="en-US" dirty="0" smtClean="0">
+              <a:rPr lang="en-US" dirty="0">
                 <a:solidFill>
                   <a:srgbClr val="FF0000"/>
                 </a:solidFill>
@@ -8003,7 +11752,7 @@
               <a:t>If</a:t>
             </a:r>
             <a:r>
-              <a:rPr lang="en-US" dirty="0" smtClean="0"/>
+              <a:rPr lang="en-US" dirty="0"/>
               <a:t>([]) {</a:t>
             </a:r>
           </a:p>
@@ -8012,11 +11761,11 @@
               <a:buNone/>
             </a:pPr>
             <a:r>
-              <a:rPr lang="en-US" dirty="0" smtClean="0"/>
+              <a:rPr lang="en-US" dirty="0"/>
               <a:t>	</a:t>
             </a:r>
             <a:r>
-              <a:rPr lang="en-US" dirty="0" smtClean="0">
+              <a:rPr lang="en-US" dirty="0">
                 <a:solidFill>
                   <a:srgbClr val="92D050"/>
                 </a:solidFill>
@@ -8029,11 +11778,11 @@
               <a:buNone/>
             </a:pPr>
             <a:r>
-              <a:rPr lang="en-US" dirty="0" smtClean="0"/>
+              <a:rPr lang="en-US" dirty="0"/>
               <a:t>	</a:t>
             </a:r>
             <a:r>
-              <a:rPr lang="en-US" dirty="0" smtClean="0">
+              <a:rPr lang="en-US" dirty="0">
                 <a:solidFill>
                   <a:srgbClr val="92D050"/>
                 </a:solidFill>
@@ -8046,7 +11795,7 @@
               <a:buNone/>
             </a:pPr>
             <a:r>
-              <a:rPr lang="en-US" dirty="0" smtClean="0"/>
+              <a:rPr lang="en-US" dirty="0"/>
               <a:t>}</a:t>
             </a:r>
           </a:p>
@@ -8057,13 +11806,6 @@
   <p:clrMapOvr>
     <a:masterClrMapping/>
   </p:clrMapOvr>
-  <p:timing>
-    <p:tnLst>
-      <p:par>
-        <p:cTn id="1" dur="indefinite" restart="never" nodeType="tmRoot"/>
-      </p:par>
-    </p:tnLst>
-  </p:timing>
 </p:sld>
 </file>
 
@@ -8100,7 +11842,7 @@
           <a:lstStyle/>
           <a:p>
             <a:r>
-              <a:rPr lang="en-US" dirty="0" smtClean="0"/>
+              <a:rPr lang="en-US" dirty="0"/>
               <a:t>Equality of References</a:t>
             </a:r>
             <a:endParaRPr lang="he-IL" dirty="0"/>
@@ -8126,7 +11868,7 @@
               <a:buNone/>
             </a:pPr>
             <a:r>
-              <a:rPr lang="en-US" dirty="0" smtClean="0"/>
+              <a:rPr lang="en-US" dirty="0"/>
               <a:t>Any Object in JavaScript (including functions, </a:t>
             </a:r>
           </a:p>
@@ -8135,31 +11877,31 @@
               <a:buNone/>
             </a:pPr>
             <a:r>
-              <a:rPr lang="en-US" dirty="0" smtClean="0"/>
+              <a:rPr lang="en-US" dirty="0"/>
               <a:t>arrays, </a:t>
             </a:r>
             <a:r>
-              <a:rPr lang="en-US" dirty="0" err="1" smtClean="0"/>
+              <a:rPr lang="en-US" dirty="0" err="1"/>
               <a:t>regexp</a:t>
             </a:r>
             <a:r>
-              <a:rPr lang="en-US" dirty="0" smtClean="0"/>
+              <a:rPr lang="en-US" dirty="0"/>
               <a:t> etc) are references.</a:t>
             </a:r>
-            <a:endParaRPr lang="he-IL" dirty="0" smtClean="0"/>
+            <a:endParaRPr lang="he-IL" dirty="0"/>
           </a:p>
           <a:p>
             <a:pPr algn="l" rtl="0">
               <a:buNone/>
             </a:pPr>
-            <a:endParaRPr lang="en-US" dirty="0" smtClean="0"/>
+            <a:endParaRPr lang="en-US" dirty="0"/>
           </a:p>
           <a:p>
             <a:pPr algn="l" rtl="0">
               <a:buNone/>
             </a:pPr>
             <a:r>
-              <a:rPr lang="en-US" dirty="0" smtClean="0"/>
+              <a:rPr lang="en-US" dirty="0"/>
               <a:t>Object equality is for references:</a:t>
             </a:r>
             <a:endParaRPr lang="he-IL" dirty="0"/>
@@ -8233,7 +11975,7 @@
           <a:lstStyle/>
           <a:p>
             <a:r>
-              <a:rPr lang="en-US" dirty="0" smtClean="0"/>
+              <a:rPr lang="en-US" dirty="0"/>
               <a:t>Null and undefined</a:t>
             </a:r>
             <a:endParaRPr lang="he-IL" dirty="0"/>
@@ -8259,53 +12001,53 @@
           <a:p>
             <a:pPr algn="l" rtl="0"/>
             <a:r>
-              <a:rPr lang="en-US" dirty="0" smtClean="0"/>
+              <a:rPr lang="en-US" dirty="0"/>
               <a:t>TypeScript has two special types, </a:t>
             </a:r>
             <a:r>
-              <a:rPr lang="en-US" b="1" dirty="0" smtClean="0"/>
+              <a:rPr lang="en-US" b="1" dirty="0"/>
               <a:t>null</a:t>
             </a:r>
             <a:r>
-              <a:rPr lang="en-US" dirty="0" smtClean="0"/>
+              <a:rPr lang="en-US" dirty="0"/>
               <a:t> and </a:t>
             </a:r>
             <a:r>
-              <a:rPr lang="en-US" b="1" dirty="0" smtClean="0"/>
+              <a:rPr lang="en-US" b="1" dirty="0"/>
               <a:t>undefined</a:t>
             </a:r>
             <a:r>
-              <a:rPr lang="en-US" dirty="0" smtClean="0"/>
+              <a:rPr lang="en-US" dirty="0"/>
               <a:t>, that have the values null and undefined respectively.</a:t>
             </a:r>
           </a:p>
           <a:p>
             <a:pPr algn="l" rtl="0"/>
             <a:r>
-              <a:rPr lang="en-US" dirty="0" smtClean="0"/>
+              <a:rPr lang="en-US" dirty="0"/>
               <a:t>By default null and undefined are valid values of every type. However, as of TypeScript 2 if a variable/parameter/return type of a function could be a string or null you will have to type it as such with a union type of both of them: string | null. Same for undefined. </a:t>
             </a:r>
           </a:p>
           <a:p>
             <a:pPr algn="l" rtl="0"/>
             <a:r>
-              <a:rPr lang="en-US" dirty="0" smtClean="0"/>
+              <a:rPr lang="en-US" dirty="0"/>
               <a:t>this behavior can be change using ‘</a:t>
             </a:r>
             <a:r>
-              <a:rPr lang="en-US" dirty="0" err="1" smtClean="0"/>
+              <a:rPr lang="en-US" dirty="0" err="1"/>
               <a:t>strictNullChecks</a:t>
             </a:r>
             <a:r>
-              <a:rPr lang="en-US" dirty="0" smtClean="0"/>
+              <a:rPr lang="en-US" dirty="0"/>
               <a:t>’ flag in </a:t>
             </a:r>
             <a:r>
-              <a:rPr lang="en-US" dirty="0" err="1" smtClean="0"/>
+              <a:rPr lang="en-US" dirty="0" err="1"/>
               <a:t>tsconfig.json</a:t>
             </a:r>
             <a:r>
-              <a:rPr lang="en-US" dirty="0" smtClean="0"/>
+              <a:rPr lang="en-US" dirty="0"/>
               <a:t> file. </a:t>
             </a:r>
           </a:p>
@@ -8320,13 +12062,6 @@
   <p:clrMapOvr>
     <a:masterClrMapping/>
   </p:clrMapOvr>
-  <p:timing>
-    <p:tnLst>
-      <p:par>
-        <p:cTn id="1" dur="indefinite" restart="never" nodeType="tmRoot"/>
-      </p:par>
-    </p:tnLst>
-  </p:timing>
 </p:sld>
 </file>
 
@@ -8363,7 +12098,7 @@
           <a:lstStyle/>
           <a:p>
             <a:r>
-              <a:rPr lang="en-US" dirty="0" smtClean="0"/>
+              <a:rPr lang="en-US" dirty="0"/>
               <a:t>Null and undefined</a:t>
             </a:r>
             <a:endParaRPr lang="he-IL" dirty="0"/>
@@ -8389,7 +12124,7 @@
               <a:buNone/>
             </a:pPr>
             <a:r>
-              <a:rPr lang="en-US" dirty="0" smtClean="0"/>
+              <a:rPr lang="en-US" dirty="0"/>
               <a:t>Lets see some examples:</a:t>
             </a:r>
             <a:endParaRPr lang="he-IL" dirty="0"/>

--- a/Advanced Es6 & TypeScript.pptx
+++ b/Advanced Es6 & TypeScript.pptx
@@ -442,7 +442,7 @@
             <a:fld id="{1D8BD707-D9CF-40AE-B4C6-C98DA3205C09}" type="datetimeFigureOut">
               <a:rPr lang="en-US" smtClean="0"/>
               <a:pPr/>
-              <a:t>11/20/2018</a:t>
+              <a:t>8/15/2019</a:t>
             </a:fld>
             <a:endParaRPr lang="en-US"/>
           </a:p>
@@ -636,7 +636,7 @@
             <a:fld id="{1D8BD707-D9CF-40AE-B4C6-C98DA3205C09}" type="datetimeFigureOut">
               <a:rPr lang="en-US" smtClean="0"/>
               <a:pPr/>
-              <a:t>11/20/2018</a:t>
+              <a:t>8/15/2019</a:t>
             </a:fld>
             <a:endParaRPr lang="en-US"/>
           </a:p>
@@ -817,7 +817,7 @@
             <a:fld id="{1D8BD707-D9CF-40AE-B4C6-C98DA3205C09}" type="datetimeFigureOut">
               <a:rPr lang="en-US" smtClean="0"/>
               <a:pPr/>
-              <a:t>11/20/2018</a:t>
+              <a:t>8/15/2019</a:t>
             </a:fld>
             <a:endParaRPr lang="en-US"/>
           </a:p>
@@ -1002,7 +1002,7 @@
             <a:fld id="{1D8BD707-D9CF-40AE-B4C6-C98DA3205C09}" type="datetimeFigureOut">
               <a:rPr lang="en-US" smtClean="0"/>
               <a:pPr/>
-              <a:t>11/20/2018</a:t>
+              <a:t>8/15/2019</a:t>
             </a:fld>
             <a:endParaRPr lang="en-US"/>
           </a:p>
@@ -1225,7 +1225,7 @@
             <a:fld id="{1D8BD707-D9CF-40AE-B4C6-C98DA3205C09}" type="datetimeFigureOut">
               <a:rPr lang="en-US" smtClean="0"/>
               <a:pPr/>
-              <a:t>11/20/2018</a:t>
+              <a:t>8/15/2019</a:t>
             </a:fld>
             <a:endParaRPr lang="en-US"/>
           </a:p>
@@ -1511,7 +1511,7 @@
             <a:fld id="{1D8BD707-D9CF-40AE-B4C6-C98DA3205C09}" type="datetimeFigureOut">
               <a:rPr lang="en-US" smtClean="0"/>
               <a:pPr/>
-              <a:t>11/20/2018</a:t>
+              <a:t>8/15/2019</a:t>
             </a:fld>
             <a:endParaRPr lang="en-US"/>
           </a:p>
@@ -1937,7 +1937,7 @@
             <a:fld id="{1D8BD707-D9CF-40AE-B4C6-C98DA3205C09}" type="datetimeFigureOut">
               <a:rPr lang="en-US" smtClean="0"/>
               <a:pPr/>
-              <a:t>11/20/2018</a:t>
+              <a:t>8/15/2019</a:t>
             </a:fld>
             <a:endParaRPr lang="en-US"/>
           </a:p>
@@ -2056,7 +2056,7 @@
             <a:fld id="{1D8BD707-D9CF-40AE-B4C6-C98DA3205C09}" type="datetimeFigureOut">
               <a:rPr lang="en-US" smtClean="0"/>
               <a:pPr/>
-              <a:t>11/20/2018</a:t>
+              <a:t>8/15/2019</a:t>
             </a:fld>
             <a:endParaRPr lang="en-US"/>
           </a:p>
@@ -2157,7 +2157,7 @@
             <a:fld id="{1D8BD707-D9CF-40AE-B4C6-C98DA3205C09}" type="datetimeFigureOut">
               <a:rPr lang="en-US" smtClean="0"/>
               <a:pPr/>
-              <a:t>11/20/2018</a:t>
+              <a:t>8/15/2019</a:t>
             </a:fld>
             <a:endParaRPr lang="en-US"/>
           </a:p>
@@ -2423,7 +2423,7 @@
             <a:fld id="{1D8BD707-D9CF-40AE-B4C6-C98DA3205C09}" type="datetimeFigureOut">
               <a:rPr lang="en-US" smtClean="0"/>
               <a:pPr/>
-              <a:t>11/20/2018</a:t>
+              <a:t>8/15/2019</a:t>
             </a:fld>
             <a:endParaRPr lang="en-US"/>
           </a:p>
@@ -2779,7 +2779,7 @@
             <a:fld id="{1D8BD707-D9CF-40AE-B4C6-C98DA3205C09}" type="datetimeFigureOut">
               <a:rPr lang="en-US" smtClean="0"/>
               <a:pPr/>
-              <a:t>11/20/2018</a:t>
+              <a:t>8/15/2019</a:t>
             </a:fld>
             <a:endParaRPr lang="en-US"/>
           </a:p>
@@ -3124,7 +3124,7 @@
             <a:fld id="{1D8BD707-D9CF-40AE-B4C6-C98DA3205C09}" type="datetimeFigureOut">
               <a:rPr lang="en-US" smtClean="0"/>
               <a:pPr/>
-              <a:t>11/20/2018</a:t>
+              <a:t>8/15/2019</a:t>
             </a:fld>
             <a:endParaRPr lang="en-US"/>
           </a:p>
@@ -9972,7 +9972,7 @@
             <a:pPr algn="l" rtl="0"/>
             <a:r>
               <a:rPr lang="en-US" sz="2000" dirty="0"/>
-              <a:t>The generator object just follows the iterator interface (i.e. the next, return and throw functions).</a:t>
+              <a:t>The generator object follows the iterator interface (i.e. the next, return and throw functions).</a:t>
             </a:r>
           </a:p>
           <a:p>
@@ -9986,10 +9986,10 @@
       </p:sp>
       <p:pic>
         <p:nvPicPr>
-          <p:cNvPr id="9" name="Picture 8" descr="A screenshot of a cell phone&#10;&#10;Description generated with very high confidence">
+          <p:cNvPr id="6" name="Picture 5">
             <a:extLst>
               <a:ext uri="{FF2B5EF4-FFF2-40B4-BE49-F238E27FC236}">
-                <a16:creationId xmlns:a16="http://schemas.microsoft.com/office/drawing/2014/main" id="{2FB4387B-7185-4428-9733-543090554F08}"/>
+                <a16:creationId xmlns:a16="http://schemas.microsoft.com/office/drawing/2014/main" id="{930ECF1B-E407-4B59-A85F-F0BD84E06C14}"/>
               </a:ext>
             </a:extLst>
           </p:cNvPr>
@@ -9999,21 +9999,15 @@
           <p:nvPr/>
         </p:nvPicPr>
         <p:blipFill>
-          <a:blip r:embed="rId2">
-            <a:extLst>
-              <a:ext uri="{28A0092B-C50C-407E-A947-70E740481C1C}">
-                <a14:useLocalDpi xmlns:a14="http://schemas.microsoft.com/office/drawing/2010/main" val="0"/>
-              </a:ext>
-            </a:extLst>
-          </a:blip>
+          <a:blip r:embed="rId2"/>
           <a:stretch>
             <a:fillRect/>
           </a:stretch>
         </p:blipFill>
         <p:spPr>
           <a:xfrm>
-            <a:off x="838200" y="3889052"/>
-            <a:ext cx="5585944" cy="2727056"/>
+            <a:off x="838200" y="3842677"/>
+            <a:ext cx="4810125" cy="2681287"/>
           </a:xfrm>
           <a:prstGeom prst="rect">
             <a:avLst/>

--- a/Advanced Es6 & TypeScript.pptx
+++ b/Advanced Es6 & TypeScript.pptx
@@ -59,7 +59,12 @@
     <p:sldId id="308" r:id="rId53"/>
     <p:sldId id="309" r:id="rId54"/>
     <p:sldId id="310" r:id="rId55"/>
-    <p:sldId id="268" r:id="rId56"/>
+    <p:sldId id="311" r:id="rId56"/>
+    <p:sldId id="312" r:id="rId57"/>
+    <p:sldId id="313" r:id="rId58"/>
+    <p:sldId id="314" r:id="rId59"/>
+    <p:sldId id="316" r:id="rId60"/>
+    <p:sldId id="268" r:id="rId61"/>
   </p:sldIdLst>
   <p:sldSz cx="9144000" cy="6858000" type="screen4x3"/>
   <p:notesSz cx="6858000" cy="9144000"/>
@@ -442,7 +447,7 @@
             <a:fld id="{1D8BD707-D9CF-40AE-B4C6-C98DA3205C09}" type="datetimeFigureOut">
               <a:rPr lang="en-US" smtClean="0"/>
               <a:pPr/>
-              <a:t>8/15/2019</a:t>
+              <a:t>8/21/2019</a:t>
             </a:fld>
             <a:endParaRPr lang="en-US"/>
           </a:p>
@@ -636,7 +641,7 @@
             <a:fld id="{1D8BD707-D9CF-40AE-B4C6-C98DA3205C09}" type="datetimeFigureOut">
               <a:rPr lang="en-US" smtClean="0"/>
               <a:pPr/>
-              <a:t>8/15/2019</a:t>
+              <a:t>8/21/2019</a:t>
             </a:fld>
             <a:endParaRPr lang="en-US"/>
           </a:p>
@@ -817,7 +822,7 @@
             <a:fld id="{1D8BD707-D9CF-40AE-B4C6-C98DA3205C09}" type="datetimeFigureOut">
               <a:rPr lang="en-US" smtClean="0"/>
               <a:pPr/>
-              <a:t>8/15/2019</a:t>
+              <a:t>8/21/2019</a:t>
             </a:fld>
             <a:endParaRPr lang="en-US"/>
           </a:p>
@@ -1002,7 +1007,7 @@
             <a:fld id="{1D8BD707-D9CF-40AE-B4C6-C98DA3205C09}" type="datetimeFigureOut">
               <a:rPr lang="en-US" smtClean="0"/>
               <a:pPr/>
-              <a:t>8/15/2019</a:t>
+              <a:t>8/21/2019</a:t>
             </a:fld>
             <a:endParaRPr lang="en-US"/>
           </a:p>
@@ -1225,7 +1230,7 @@
             <a:fld id="{1D8BD707-D9CF-40AE-B4C6-C98DA3205C09}" type="datetimeFigureOut">
               <a:rPr lang="en-US" smtClean="0"/>
               <a:pPr/>
-              <a:t>8/15/2019</a:t>
+              <a:t>8/21/2019</a:t>
             </a:fld>
             <a:endParaRPr lang="en-US"/>
           </a:p>
@@ -1511,7 +1516,7 @@
             <a:fld id="{1D8BD707-D9CF-40AE-B4C6-C98DA3205C09}" type="datetimeFigureOut">
               <a:rPr lang="en-US" smtClean="0"/>
               <a:pPr/>
-              <a:t>8/15/2019</a:t>
+              <a:t>8/21/2019</a:t>
             </a:fld>
             <a:endParaRPr lang="en-US"/>
           </a:p>
@@ -1937,7 +1942,7 @@
             <a:fld id="{1D8BD707-D9CF-40AE-B4C6-C98DA3205C09}" type="datetimeFigureOut">
               <a:rPr lang="en-US" smtClean="0"/>
               <a:pPr/>
-              <a:t>8/15/2019</a:t>
+              <a:t>8/21/2019</a:t>
             </a:fld>
             <a:endParaRPr lang="en-US"/>
           </a:p>
@@ -2056,7 +2061,7 @@
             <a:fld id="{1D8BD707-D9CF-40AE-B4C6-C98DA3205C09}" type="datetimeFigureOut">
               <a:rPr lang="en-US" smtClean="0"/>
               <a:pPr/>
-              <a:t>8/15/2019</a:t>
+              <a:t>8/21/2019</a:t>
             </a:fld>
             <a:endParaRPr lang="en-US"/>
           </a:p>
@@ -2157,7 +2162,7 @@
             <a:fld id="{1D8BD707-D9CF-40AE-B4C6-C98DA3205C09}" type="datetimeFigureOut">
               <a:rPr lang="en-US" smtClean="0"/>
               <a:pPr/>
-              <a:t>8/15/2019</a:t>
+              <a:t>8/21/2019</a:t>
             </a:fld>
             <a:endParaRPr lang="en-US"/>
           </a:p>
@@ -2423,7 +2428,7 @@
             <a:fld id="{1D8BD707-D9CF-40AE-B4C6-C98DA3205C09}" type="datetimeFigureOut">
               <a:rPr lang="en-US" smtClean="0"/>
               <a:pPr/>
-              <a:t>8/15/2019</a:t>
+              <a:t>8/21/2019</a:t>
             </a:fld>
             <a:endParaRPr lang="en-US"/>
           </a:p>
@@ -2779,7 +2784,7 @@
             <a:fld id="{1D8BD707-D9CF-40AE-B4C6-C98DA3205C09}" type="datetimeFigureOut">
               <a:rPr lang="en-US" smtClean="0"/>
               <a:pPr/>
-              <a:t>8/15/2019</a:t>
+              <a:t>8/21/2019</a:t>
             </a:fld>
             <a:endParaRPr lang="en-US"/>
           </a:p>
@@ -3124,7 +3129,7 @@
             <a:fld id="{1D8BD707-D9CF-40AE-B4C6-C98DA3205C09}" type="datetimeFigureOut">
               <a:rPr lang="en-US" smtClean="0"/>
               <a:pPr/>
-              <a:t>8/15/2019</a:t>
+              <a:t>8/21/2019</a:t>
             </a:fld>
             <a:endParaRPr lang="en-US"/>
           </a:p>
@@ -5106,7 +5111,7 @@
         <p:spPr/>
         <p:txBody>
           <a:bodyPr>
-            <a:normAutofit fontScale="70000" lnSpcReduction="20000"/>
+            <a:normAutofit fontScale="62500" lnSpcReduction="20000"/>
           </a:bodyPr>
           <a:lstStyle/>
           <a:p>
@@ -5184,6 +5189,13 @@
             <a:r>
               <a:rPr lang="en-US" sz="2800" dirty="0"/>
               <a:t>Generators</a:t>
+            </a:r>
+          </a:p>
+          <a:p>
+            <a:pPr algn="l" rtl="0"/>
+            <a:r>
+              <a:rPr lang="en-US" sz="2800" dirty="0"/>
+              <a:t>Symbols</a:t>
             </a:r>
           </a:p>
           <a:p>
@@ -11317,7 +11329,13 @@
       </p:grpSpPr>
       <p:sp>
         <p:nvSpPr>
-          <p:cNvPr id="2" name="Title 1"/>
+          <p:cNvPr id="2" name="Title 1">
+            <a:extLst>
+              <a:ext uri="{FF2B5EF4-FFF2-40B4-BE49-F238E27FC236}">
+                <a16:creationId xmlns:a16="http://schemas.microsoft.com/office/drawing/2014/main" id="{D32E4462-1DA1-4153-9F5F-285C67E6182F}"/>
+              </a:ext>
+            </a:extLst>
+          </p:cNvPr>
           <p:cNvSpPr>
             <a:spLocks noGrp="1"/>
           </p:cNvSpPr>
@@ -11330,18 +11348,22 @@
           <a:bodyPr/>
           <a:lstStyle/>
           <a:p>
-            <a:pPr rtl="0"/>
-            <a:r>
-              <a:rPr lang="en-US" dirty="0"/>
-              <a:t>Resources  &amp; Useful links</a:t>
-            </a:r>
-            <a:endParaRPr lang="he-IL" dirty="0"/>
-          </a:p>
-        </p:txBody>
-      </p:sp>
-      <p:sp>
-        <p:nvSpPr>
-          <p:cNvPr id="3" name="Content Placeholder 2"/>
+            <a:r>
+              <a:rPr lang="en-US" dirty="0"/>
+              <a:t>Symbols</a:t>
+            </a:r>
+          </a:p>
+        </p:txBody>
+      </p:sp>
+      <p:sp>
+        <p:nvSpPr>
+          <p:cNvPr id="3" name="Content Placeholder 2">
+            <a:extLst>
+              <a:ext uri="{FF2B5EF4-FFF2-40B4-BE49-F238E27FC236}">
+                <a16:creationId xmlns:a16="http://schemas.microsoft.com/office/drawing/2014/main" id="{A830400D-587F-407D-A196-8BE5ADA10A80}"/>
+              </a:ext>
+            </a:extLst>
+          </p:cNvPr>
           <p:cNvSpPr>
             <a:spLocks noGrp="1"/>
           </p:cNvSpPr>
@@ -11351,285 +11373,763 @@
         </p:nvSpPr>
         <p:spPr/>
         <p:txBody>
-          <a:bodyPr>
-            <a:normAutofit fontScale="55000" lnSpcReduction="20000"/>
-          </a:bodyPr>
-          <a:lstStyle/>
-          <a:p>
-            <a:pPr algn="l" rtl="0"/>
-            <a:r>
-              <a:rPr lang="en-US" dirty="0">
+          <a:bodyPr/>
+          <a:lstStyle/>
+          <a:p>
+            <a:pPr algn="l" rtl="0"/>
+            <a:r>
+              <a:rPr lang="en-US" dirty="0"/>
+              <a:t>symbol is a primitive data type, just like number and string.</a:t>
+            </a:r>
+          </a:p>
+          <a:p>
+            <a:pPr algn="l" rtl="0"/>
+            <a:endParaRPr lang="en-US" dirty="0"/>
+          </a:p>
+          <a:p>
+            <a:pPr algn="l" rtl="0"/>
+            <a:endParaRPr lang="en-US" dirty="0"/>
+          </a:p>
+          <a:p>
+            <a:pPr algn="l" rtl="0"/>
+            <a:endParaRPr lang="en-US" dirty="0"/>
+          </a:p>
+          <a:p>
+            <a:pPr algn="l" rtl="0"/>
+            <a:r>
+              <a:rPr lang="en-US" dirty="0"/>
+              <a:t>Th Symbol constructor accepts an optional string key, which can be used for debugging but not to access the symbol itself.</a:t>
+            </a:r>
+          </a:p>
+        </p:txBody>
+      </p:sp>
+      <p:pic>
+        <p:nvPicPr>
+          <p:cNvPr id="7" name="Picture 6">
+            <a:extLst>
+              <a:ext uri="{FF2B5EF4-FFF2-40B4-BE49-F238E27FC236}">
+                <a16:creationId xmlns:a16="http://schemas.microsoft.com/office/drawing/2014/main" id="{131F2B4C-2F59-43E4-84EE-CA5A03B1F030}"/>
+              </a:ext>
+            </a:extLst>
+          </p:cNvPr>
+          <p:cNvPicPr>
+            <a:picLocks noChangeAspect="1"/>
+          </p:cNvPicPr>
+          <p:nvPr/>
+        </p:nvPicPr>
+        <p:blipFill>
+          <a:blip r:embed="rId2"/>
+          <a:stretch>
+            <a:fillRect/>
+          </a:stretch>
+        </p:blipFill>
+        <p:spPr>
+          <a:xfrm>
+            <a:off x="838200" y="2590800"/>
+            <a:ext cx="6086475" cy="1095375"/>
+          </a:xfrm>
+          <a:prstGeom prst="rect">
+            <a:avLst/>
+          </a:prstGeom>
+        </p:spPr>
+      </p:pic>
+    </p:spTree>
+    <p:extLst>
+      <p:ext uri="{BB962C8B-B14F-4D97-AF65-F5344CB8AC3E}">
+        <p14:creationId xmlns:p14="http://schemas.microsoft.com/office/powerpoint/2010/main" val="1776338169"/>
+      </p:ext>
+    </p:extLst>
+  </p:cSld>
+  <p:clrMapOvr>
+    <a:masterClrMapping/>
+  </p:clrMapOvr>
+</p:sld>
+</file>
+
+<file path=ppt/slides/slide56.xml><?xml version="1.0" encoding="utf-8"?>
+<p:sld xmlns:a="http://schemas.openxmlformats.org/drawingml/2006/main" xmlns:r="http://schemas.openxmlformats.org/officeDocument/2006/relationships" xmlns:p="http://schemas.openxmlformats.org/presentationml/2006/main">
+  <p:cSld>
+    <p:spTree>
+      <p:nvGrpSpPr>
+        <p:cNvPr id="1" name=""/>
+        <p:cNvGrpSpPr/>
+        <p:nvPr/>
+      </p:nvGrpSpPr>
+      <p:grpSpPr>
+        <a:xfrm>
+          <a:off x="0" y="0"/>
+          <a:ext cx="0" cy="0"/>
+          <a:chOff x="0" y="0"/>
+          <a:chExt cx="0" cy="0"/>
+        </a:xfrm>
+      </p:grpSpPr>
+      <p:sp>
+        <p:nvSpPr>
+          <p:cNvPr id="2" name="Title 1">
+            <a:extLst>
+              <a:ext uri="{FF2B5EF4-FFF2-40B4-BE49-F238E27FC236}">
+                <a16:creationId xmlns:a16="http://schemas.microsoft.com/office/drawing/2014/main" id="{858C8845-FECD-4834-9550-162F13043C8C}"/>
+              </a:ext>
+            </a:extLst>
+          </p:cNvPr>
+          <p:cNvSpPr>
+            <a:spLocks noGrp="1"/>
+          </p:cNvSpPr>
+          <p:nvPr>
+            <p:ph type="title"/>
+          </p:nvPr>
+        </p:nvSpPr>
+        <p:spPr/>
+        <p:txBody>
+          <a:bodyPr/>
+          <a:lstStyle/>
+          <a:p>
+            <a:r>
+              <a:rPr lang="en-US" dirty="0"/>
+              <a:t>Symbols</a:t>
+            </a:r>
+          </a:p>
+        </p:txBody>
+      </p:sp>
+      <p:sp>
+        <p:nvSpPr>
+          <p:cNvPr id="3" name="Content Placeholder 2">
+            <a:extLst>
+              <a:ext uri="{FF2B5EF4-FFF2-40B4-BE49-F238E27FC236}">
+                <a16:creationId xmlns:a16="http://schemas.microsoft.com/office/drawing/2014/main" id="{C9A6B373-5D29-4381-A1A3-748A8C485E92}"/>
+              </a:ext>
+            </a:extLst>
+          </p:cNvPr>
+          <p:cNvSpPr>
+            <a:spLocks noGrp="1"/>
+          </p:cNvSpPr>
+          <p:nvPr>
+            <p:ph idx="1"/>
+          </p:nvPr>
+        </p:nvSpPr>
+        <p:spPr/>
+        <p:txBody>
+          <a:bodyPr/>
+          <a:lstStyle/>
+          <a:p>
+            <a:pPr algn="l" rtl="0"/>
+            <a:r>
+              <a:rPr lang="en-US" dirty="0"/>
+              <a:t>Symbols are:</a:t>
+            </a:r>
+          </a:p>
+          <a:p>
+            <a:pPr lvl="1" algn="l" rtl="0"/>
+            <a:r>
+              <a:rPr lang="en-US" dirty="0"/>
+              <a:t>Immutable</a:t>
+            </a:r>
+          </a:p>
+          <a:p>
+            <a:pPr lvl="1" algn="l" rtl="0"/>
+            <a:r>
+              <a:rPr lang="en-US" dirty="0"/>
+              <a:t>Unique</a:t>
+            </a:r>
+          </a:p>
+          <a:p>
+            <a:pPr lvl="1" algn="l" rtl="0"/>
+            <a:r>
+              <a:rPr lang="en-US" dirty="0"/>
+              <a:t>Can be used as keys for object properties</a:t>
+            </a:r>
+          </a:p>
+        </p:txBody>
+      </p:sp>
+      <p:pic>
+        <p:nvPicPr>
+          <p:cNvPr id="4" name="Picture 3">
+            <a:extLst>
+              <a:ext uri="{FF2B5EF4-FFF2-40B4-BE49-F238E27FC236}">
+                <a16:creationId xmlns:a16="http://schemas.microsoft.com/office/drawing/2014/main" id="{2E559FEF-CD7D-4C90-B929-4274F2FF4A93}"/>
+              </a:ext>
+            </a:extLst>
+          </p:cNvPr>
+          <p:cNvPicPr>
+            <a:picLocks noChangeAspect="1"/>
+          </p:cNvPicPr>
+          <p:nvPr/>
+        </p:nvPicPr>
+        <p:blipFill>
+          <a:blip r:embed="rId2"/>
+          <a:stretch>
+            <a:fillRect/>
+          </a:stretch>
+        </p:blipFill>
+        <p:spPr>
+          <a:xfrm>
+            <a:off x="838200" y="3430555"/>
+            <a:ext cx="5219700" cy="1276350"/>
+          </a:xfrm>
+          <a:prstGeom prst="rect">
+            <a:avLst/>
+          </a:prstGeom>
+        </p:spPr>
+      </p:pic>
+      <p:pic>
+        <p:nvPicPr>
+          <p:cNvPr id="5" name="Picture 4">
+            <a:extLst>
+              <a:ext uri="{FF2B5EF4-FFF2-40B4-BE49-F238E27FC236}">
+                <a16:creationId xmlns:a16="http://schemas.microsoft.com/office/drawing/2014/main" id="{DE27BDB9-E9D8-42D7-9FE8-72AC7EA3CDAA}"/>
+              </a:ext>
+            </a:extLst>
+          </p:cNvPr>
+          <p:cNvPicPr>
+            <a:picLocks noChangeAspect="1"/>
+          </p:cNvPicPr>
+          <p:nvPr/>
+        </p:nvPicPr>
+        <p:blipFill>
+          <a:blip r:embed="rId3"/>
+          <a:stretch>
+            <a:fillRect/>
+          </a:stretch>
+        </p:blipFill>
+        <p:spPr>
+          <a:xfrm>
+            <a:off x="838200" y="4988886"/>
+            <a:ext cx="5219700" cy="1466850"/>
+          </a:xfrm>
+          <a:prstGeom prst="rect">
+            <a:avLst/>
+          </a:prstGeom>
+        </p:spPr>
+      </p:pic>
+    </p:spTree>
+    <p:extLst>
+      <p:ext uri="{BB962C8B-B14F-4D97-AF65-F5344CB8AC3E}">
+        <p14:creationId xmlns:p14="http://schemas.microsoft.com/office/powerpoint/2010/main" val="2586240817"/>
+      </p:ext>
+    </p:extLst>
+  </p:cSld>
+  <p:clrMapOvr>
+    <a:masterClrMapping/>
+  </p:clrMapOvr>
+</p:sld>
+</file>
+
+<file path=ppt/slides/slide57.xml><?xml version="1.0" encoding="utf-8"?>
+<p:sld xmlns:a="http://schemas.openxmlformats.org/drawingml/2006/main" xmlns:r="http://schemas.openxmlformats.org/officeDocument/2006/relationships" xmlns:p="http://schemas.openxmlformats.org/presentationml/2006/main">
+  <p:cSld>
+    <p:spTree>
+      <p:nvGrpSpPr>
+        <p:cNvPr id="1" name=""/>
+        <p:cNvGrpSpPr/>
+        <p:nvPr/>
+      </p:nvGrpSpPr>
+      <p:grpSpPr>
+        <a:xfrm>
+          <a:off x="0" y="0"/>
+          <a:ext cx="0" cy="0"/>
+          <a:chOff x="0" y="0"/>
+          <a:chExt cx="0" cy="0"/>
+        </a:xfrm>
+      </p:grpSpPr>
+      <p:sp>
+        <p:nvSpPr>
+          <p:cNvPr id="2" name="Title 1">
+            <a:extLst>
+              <a:ext uri="{FF2B5EF4-FFF2-40B4-BE49-F238E27FC236}">
+                <a16:creationId xmlns:a16="http://schemas.microsoft.com/office/drawing/2014/main" id="{D3FE3846-8C1F-4071-BFD6-CE0F51CF355E}"/>
+              </a:ext>
+            </a:extLst>
+          </p:cNvPr>
+          <p:cNvSpPr>
+            <a:spLocks noGrp="1"/>
+          </p:cNvSpPr>
+          <p:nvPr>
+            <p:ph type="title"/>
+          </p:nvPr>
+        </p:nvSpPr>
+        <p:spPr/>
+        <p:txBody>
+          <a:bodyPr/>
+          <a:lstStyle/>
+          <a:p>
+            <a:r>
+              <a:rPr lang="en-US" dirty="0"/>
+              <a:t>Symbols</a:t>
+            </a:r>
+          </a:p>
+        </p:txBody>
+      </p:sp>
+      <p:sp>
+        <p:nvSpPr>
+          <p:cNvPr id="3" name="Content Placeholder 2">
+            <a:extLst>
+              <a:ext uri="{FF2B5EF4-FFF2-40B4-BE49-F238E27FC236}">
+                <a16:creationId xmlns:a16="http://schemas.microsoft.com/office/drawing/2014/main" id="{BE97C54F-39A2-4BED-91FE-5E77AC566179}"/>
+              </a:ext>
+            </a:extLst>
+          </p:cNvPr>
+          <p:cNvSpPr>
+            <a:spLocks noGrp="1"/>
+          </p:cNvSpPr>
+          <p:nvPr>
+            <p:ph idx="1"/>
+          </p:nvPr>
+        </p:nvSpPr>
+        <p:spPr/>
+        <p:txBody>
+          <a:bodyPr/>
+          <a:lstStyle/>
+          <a:p>
+            <a:pPr algn="l" rtl="0"/>
+            <a:r>
+              <a:rPr lang="en-US" dirty="0"/>
+              <a:t>In addition to user-defined symbols, there are well-known built-in symbols.</a:t>
+            </a:r>
+          </a:p>
+          <a:p>
+            <a:pPr marL="0" indent="0" algn="l" rtl="0">
+              <a:buNone/>
+            </a:pPr>
+            <a:r>
+              <a:rPr lang="en-US" dirty="0"/>
+              <a:t>E.g.   </a:t>
+            </a:r>
+            <a:r>
+              <a:rPr lang="en-US" dirty="0" err="1"/>
+              <a:t>Symbol.iterator</a:t>
+            </a:r>
+            <a:endParaRPr lang="en-US" dirty="0"/>
+          </a:p>
+          <a:p>
+            <a:pPr marL="0" indent="0" algn="l" rtl="0">
+              <a:buNone/>
+            </a:pPr>
+            <a:r>
+              <a:rPr lang="en-US" sz="2000" i="1" dirty="0"/>
+              <a:t>A method that returns the default iterator for an object. Called by the semantics of the for-of statement.</a:t>
+            </a:r>
+          </a:p>
+        </p:txBody>
+      </p:sp>
+      <p:pic>
+        <p:nvPicPr>
+          <p:cNvPr id="6" name="Picture 5">
+            <a:extLst>
+              <a:ext uri="{FF2B5EF4-FFF2-40B4-BE49-F238E27FC236}">
+                <a16:creationId xmlns:a16="http://schemas.microsoft.com/office/drawing/2014/main" id="{B940AEB2-F8AA-436A-B187-ABC03CC19A39}"/>
+              </a:ext>
+            </a:extLst>
+          </p:cNvPr>
+          <p:cNvPicPr>
+            <a:picLocks noChangeAspect="1"/>
+          </p:cNvPicPr>
+          <p:nvPr/>
+        </p:nvPicPr>
+        <p:blipFill>
+          <a:blip r:embed="rId2"/>
+          <a:stretch>
+            <a:fillRect/>
+          </a:stretch>
+        </p:blipFill>
+        <p:spPr>
+          <a:xfrm>
+            <a:off x="581025" y="3837931"/>
+            <a:ext cx="6991350" cy="2700029"/>
+          </a:xfrm>
+          <a:prstGeom prst="rect">
+            <a:avLst/>
+          </a:prstGeom>
+        </p:spPr>
+      </p:pic>
+    </p:spTree>
+    <p:extLst>
+      <p:ext uri="{BB962C8B-B14F-4D97-AF65-F5344CB8AC3E}">
+        <p14:creationId xmlns:p14="http://schemas.microsoft.com/office/powerpoint/2010/main" val="4011531002"/>
+      </p:ext>
+    </p:extLst>
+  </p:cSld>
+  <p:clrMapOvr>
+    <a:masterClrMapping/>
+  </p:clrMapOvr>
+</p:sld>
+</file>
+
+<file path=ppt/slides/slide58.xml><?xml version="1.0" encoding="utf-8"?>
+<p:sld xmlns:a="http://schemas.openxmlformats.org/drawingml/2006/main" xmlns:r="http://schemas.openxmlformats.org/officeDocument/2006/relationships" xmlns:p="http://schemas.openxmlformats.org/presentationml/2006/main">
+  <p:cSld>
+    <p:spTree>
+      <p:nvGrpSpPr>
+        <p:cNvPr id="1" name=""/>
+        <p:cNvGrpSpPr/>
+        <p:nvPr/>
+      </p:nvGrpSpPr>
+      <p:grpSpPr>
+        <a:xfrm>
+          <a:off x="0" y="0"/>
+          <a:ext cx="0" cy="0"/>
+          <a:chOff x="0" y="0"/>
+          <a:chExt cx="0" cy="0"/>
+        </a:xfrm>
+      </p:grpSpPr>
+      <p:sp>
+        <p:nvSpPr>
+          <p:cNvPr id="2" name="Title 1">
+            <a:extLst>
+              <a:ext uri="{FF2B5EF4-FFF2-40B4-BE49-F238E27FC236}">
+                <a16:creationId xmlns:a16="http://schemas.microsoft.com/office/drawing/2014/main" id="{3C961985-BE9B-4BA9-932E-71FE70B49B84}"/>
+              </a:ext>
+            </a:extLst>
+          </p:cNvPr>
+          <p:cNvSpPr>
+            <a:spLocks noGrp="1"/>
+          </p:cNvSpPr>
+          <p:nvPr>
+            <p:ph type="title"/>
+          </p:nvPr>
+        </p:nvSpPr>
+        <p:spPr/>
+        <p:txBody>
+          <a:bodyPr/>
+          <a:lstStyle/>
+          <a:p>
+            <a:r>
+              <a:rPr lang="en-US" dirty="0"/>
+              <a:t>Symbols</a:t>
+            </a:r>
+          </a:p>
+        </p:txBody>
+      </p:sp>
+      <p:sp>
+        <p:nvSpPr>
+          <p:cNvPr id="3" name="Content Placeholder 2">
+            <a:extLst>
+              <a:ext uri="{FF2B5EF4-FFF2-40B4-BE49-F238E27FC236}">
+                <a16:creationId xmlns:a16="http://schemas.microsoft.com/office/drawing/2014/main" id="{37B7ECB4-A88C-4A14-9F0F-462D5A393D3C}"/>
+              </a:ext>
+            </a:extLst>
+          </p:cNvPr>
+          <p:cNvSpPr>
+            <a:spLocks noGrp="1"/>
+          </p:cNvSpPr>
+          <p:nvPr>
+            <p:ph idx="1"/>
+          </p:nvPr>
+        </p:nvSpPr>
+        <p:spPr/>
+        <p:txBody>
+          <a:bodyPr/>
+          <a:lstStyle/>
+          <a:p>
+            <a:pPr algn="l" rtl="0"/>
+            <a:r>
+              <a:rPr lang="en-US" dirty="0"/>
+              <a:t>Symbol registry</a:t>
+            </a:r>
+          </a:p>
+          <a:p>
+            <a:pPr lvl="1" algn="l" rtl="0">
+              <a:lnSpc>
+                <a:spcPct val="150000"/>
+              </a:lnSpc>
+            </a:pPr>
+            <a:r>
+              <a:rPr lang="en-US" sz="2000" dirty="0" err="1"/>
+              <a:t>Symbol.for</a:t>
+            </a:r>
+            <a:r>
+              <a:rPr lang="en-US" sz="2000" dirty="0"/>
+              <a:t>(key)</a:t>
+            </a:r>
+          </a:p>
+          <a:p>
+            <a:pPr marL="292608" lvl="1" indent="0" algn="l" rtl="0">
+              <a:buNone/>
+            </a:pPr>
+            <a:r>
+              <a:rPr lang="en-US" sz="1600" i="1" dirty="0">
                 <a:solidFill>
-                  <a:srgbClr val="FF0000"/>
+                  <a:schemeClr val="tx1"/>
                 </a:solidFill>
-                <a:hlinkClick r:id="rId2"/>
               </a:rPr>
-              <a:t>http://www.typescriptlang.org</a:t>
-            </a:r>
-            <a:endParaRPr lang="en-US" dirty="0">
-              <a:solidFill>
-                <a:srgbClr val="FF0000"/>
-              </a:solidFill>
-            </a:endParaRPr>
-          </a:p>
-          <a:p>
-            <a:pPr algn="l" rtl="0"/>
-            <a:r>
-              <a:rPr lang="en-US" dirty="0">
+              <a:t>“The </a:t>
+            </a:r>
+            <a:r>
+              <a:rPr lang="en-US" sz="1600" i="1" dirty="0" err="1">
                 <a:solidFill>
-                  <a:srgbClr val="FF0000"/>
+                  <a:schemeClr val="tx1"/>
                 </a:solidFill>
-                <a:hlinkClick r:id="rId3"/>
+                <a:highlight>
+                  <a:srgbClr val="C0C0C0"/>
+                </a:highlight>
               </a:rPr>
-              <a:t>https://github.com/unional/typescript-guidelines</a:t>
-            </a:r>
-            <a:endParaRPr lang="en-US" dirty="0">
-              <a:solidFill>
-                <a:srgbClr val="FF0000"/>
-              </a:solidFill>
-            </a:endParaRPr>
-          </a:p>
-          <a:p>
-            <a:pPr algn="l" rtl="0"/>
-            <a:r>
-              <a:rPr lang="en-US" dirty="0">
+              <a:t>Symbol.for</a:t>
+            </a:r>
+            <a:r>
+              <a:rPr lang="en-US" sz="1600" i="1" dirty="0">
                 <a:solidFill>
-                  <a:srgbClr val="FF0000"/>
+                  <a:schemeClr val="tx1"/>
                 </a:solidFill>
-                <a:hlinkClick r:id="rId4"/>
+                <a:highlight>
+                  <a:srgbClr val="C0C0C0"/>
+                </a:highlight>
               </a:rPr>
-              <a:t>https://basarat.gitbooks.io/typescript</a:t>
-            </a:r>
-            <a:endParaRPr lang="en-US" dirty="0">
-              <a:solidFill>
-                <a:srgbClr val="FF0000"/>
-              </a:solidFill>
-            </a:endParaRPr>
-          </a:p>
-          <a:p>
-            <a:pPr algn="l" rtl="0"/>
-            <a:r>
-              <a:rPr lang="en-US" dirty="0">
+              <a:t>(key) </a:t>
+            </a:r>
+            <a:r>
+              <a:rPr lang="en-US" sz="1600" i="1" dirty="0">
                 <a:solidFill>
-                  <a:srgbClr val="FF0000"/>
+                  <a:schemeClr val="tx1"/>
                 </a:solidFill>
-                <a:hlinkClick r:id="rId5"/>
               </a:rPr>
-              <a:t>https://jameshenry.blog/typescript-null-and-undefined-types/</a:t>
-            </a:r>
-            <a:endParaRPr lang="en-US" dirty="0">
-              <a:solidFill>
-                <a:srgbClr val="FF0000"/>
-              </a:solidFill>
-            </a:endParaRPr>
-          </a:p>
-          <a:p>
-            <a:pPr algn="l" rtl="0"/>
-            <a:r>
-              <a:rPr lang="en-US" dirty="0">
+              <a:t>method searches for existing symbols in a runtime-wide symbol registry with the given key and returns it if found. </a:t>
+            </a:r>
+          </a:p>
+          <a:p>
+            <a:pPr marL="292608" lvl="1" indent="0" algn="l" rtl="0">
+              <a:buNone/>
+            </a:pPr>
+            <a:r>
+              <a:rPr lang="en-US" sz="1600" i="1" dirty="0">
                 <a:solidFill>
-                  <a:srgbClr val="FF0000"/>
+                  <a:schemeClr val="tx1"/>
                 </a:solidFill>
-                <a:hlinkClick r:id="rId6"/>
               </a:rPr>
-              <a:t>https://codeburst.io/javascript-null-vs-undefined-20f955215a2</a:t>
-            </a:r>
-            <a:endParaRPr lang="en-US" dirty="0">
-              <a:solidFill>
-                <a:srgbClr val="FF0000"/>
-              </a:solidFill>
-            </a:endParaRPr>
-          </a:p>
-          <a:p>
-            <a:pPr algn="l" rtl="0"/>
-            <a:r>
-              <a:rPr lang="en-US" dirty="0">
+              <a:t>Otherwise a new symbol gets created in the global symbol registry with this key.”</a:t>
+            </a:r>
+          </a:p>
+          <a:p>
+            <a:pPr lvl="1" algn="l" rtl="0"/>
+            <a:endParaRPr lang="en-US" sz="2000" b="1" dirty="0"/>
+          </a:p>
+          <a:p>
+            <a:pPr lvl="1" algn="l" rtl="0"/>
+            <a:endParaRPr lang="en-US" sz="2000" b="1" dirty="0"/>
+          </a:p>
+          <a:p>
+            <a:pPr lvl="1" algn="l" rtl="0"/>
+            <a:endParaRPr lang="en-US" sz="2000" dirty="0"/>
+          </a:p>
+        </p:txBody>
+      </p:sp>
+      <p:pic>
+        <p:nvPicPr>
+          <p:cNvPr id="5" name="Picture 4">
+            <a:extLst>
+              <a:ext uri="{FF2B5EF4-FFF2-40B4-BE49-F238E27FC236}">
+                <a16:creationId xmlns:a16="http://schemas.microsoft.com/office/drawing/2014/main" id="{7886B179-B93C-4CDA-8209-EB70382E7770}"/>
+              </a:ext>
+            </a:extLst>
+          </p:cNvPr>
+          <p:cNvPicPr>
+            <a:picLocks noChangeAspect="1"/>
+          </p:cNvPicPr>
+          <p:nvPr/>
+        </p:nvPicPr>
+        <p:blipFill>
+          <a:blip r:embed="rId2"/>
+          <a:stretch>
+            <a:fillRect/>
+          </a:stretch>
+        </p:blipFill>
+        <p:spPr>
+          <a:xfrm>
+            <a:off x="838200" y="3886200"/>
+            <a:ext cx="6772275" cy="2433946"/>
+          </a:xfrm>
+          <a:prstGeom prst="rect">
+            <a:avLst/>
+          </a:prstGeom>
+        </p:spPr>
+      </p:pic>
+    </p:spTree>
+    <p:extLst>
+      <p:ext uri="{BB962C8B-B14F-4D97-AF65-F5344CB8AC3E}">
+        <p14:creationId xmlns:p14="http://schemas.microsoft.com/office/powerpoint/2010/main" val="3011146725"/>
+      </p:ext>
+    </p:extLst>
+  </p:cSld>
+  <p:clrMapOvr>
+    <a:masterClrMapping/>
+  </p:clrMapOvr>
+</p:sld>
+</file>
+
+<file path=ppt/slides/slide59.xml><?xml version="1.0" encoding="utf-8"?>
+<p:sld xmlns:a="http://schemas.openxmlformats.org/drawingml/2006/main" xmlns:r="http://schemas.openxmlformats.org/officeDocument/2006/relationships" xmlns:p="http://schemas.openxmlformats.org/presentationml/2006/main">
+  <p:cSld>
+    <p:spTree>
+      <p:nvGrpSpPr>
+        <p:cNvPr id="1" name=""/>
+        <p:cNvGrpSpPr/>
+        <p:nvPr/>
+      </p:nvGrpSpPr>
+      <p:grpSpPr>
+        <a:xfrm>
+          <a:off x="0" y="0"/>
+          <a:ext cx="0" cy="0"/>
+          <a:chOff x="0" y="0"/>
+          <a:chExt cx="0" cy="0"/>
+        </a:xfrm>
+      </p:grpSpPr>
+      <p:sp>
+        <p:nvSpPr>
+          <p:cNvPr id="2" name="Title 1">
+            <a:extLst>
+              <a:ext uri="{FF2B5EF4-FFF2-40B4-BE49-F238E27FC236}">
+                <a16:creationId xmlns:a16="http://schemas.microsoft.com/office/drawing/2014/main" id="{2201F607-DB8F-4E28-91E9-7D50FC941DBB}"/>
+              </a:ext>
+            </a:extLst>
+          </p:cNvPr>
+          <p:cNvSpPr>
+            <a:spLocks noGrp="1"/>
+          </p:cNvSpPr>
+          <p:nvPr>
+            <p:ph type="title"/>
+          </p:nvPr>
+        </p:nvSpPr>
+        <p:spPr/>
+        <p:txBody>
+          <a:bodyPr/>
+          <a:lstStyle/>
+          <a:p>
+            <a:r>
+              <a:rPr lang="en-US" dirty="0"/>
+              <a:t>Symbols</a:t>
+            </a:r>
+          </a:p>
+        </p:txBody>
+      </p:sp>
+      <p:sp>
+        <p:nvSpPr>
+          <p:cNvPr id="3" name="Content Placeholder 2">
+            <a:extLst>
+              <a:ext uri="{FF2B5EF4-FFF2-40B4-BE49-F238E27FC236}">
+                <a16:creationId xmlns:a16="http://schemas.microsoft.com/office/drawing/2014/main" id="{8DD35AA3-71FC-45D7-9CDE-974490470840}"/>
+              </a:ext>
+            </a:extLst>
+          </p:cNvPr>
+          <p:cNvSpPr>
+            <a:spLocks noGrp="1"/>
+          </p:cNvSpPr>
+          <p:nvPr>
+            <p:ph idx="1"/>
+          </p:nvPr>
+        </p:nvSpPr>
+        <p:spPr/>
+        <p:txBody>
+          <a:bodyPr/>
+          <a:lstStyle/>
+          <a:p>
+            <a:pPr algn="l" rtl="0"/>
+            <a:r>
+              <a:rPr lang="en-US" dirty="0"/>
+              <a:t>Symbol registry</a:t>
+            </a:r>
+          </a:p>
+          <a:p>
+            <a:pPr lvl="1" algn="l" rtl="0">
+              <a:lnSpc>
+                <a:spcPct val="150000"/>
+              </a:lnSpc>
+            </a:pPr>
+            <a:r>
+              <a:rPr lang="en-US" sz="2000" dirty="0" err="1"/>
+              <a:t>Symbol.keyFor</a:t>
+            </a:r>
+            <a:r>
+              <a:rPr lang="en-US" sz="2000" dirty="0"/>
+              <a:t>(symbol)</a:t>
+            </a:r>
+          </a:p>
+          <a:p>
+            <a:pPr marL="292608" lvl="1" indent="0" algn="l" rtl="0">
+              <a:buNone/>
+            </a:pPr>
+            <a:r>
+              <a:rPr lang="en-US" sz="1600" i="1" dirty="0">
                 <a:solidFill>
-                  <a:srgbClr val="FF0000"/>
+                  <a:schemeClr val="tx1"/>
                 </a:solidFill>
-                <a:hlinkClick r:id="rId7"/>
               </a:rPr>
-              <a:t>https://codeburst.io/understanding-null-undefined-and-nan-b603cb74b44c</a:t>
-            </a:r>
-            <a:endParaRPr lang="en-US" dirty="0">
-              <a:solidFill>
-                <a:srgbClr val="FF0000"/>
-              </a:solidFill>
-            </a:endParaRPr>
-          </a:p>
-          <a:p>
-            <a:pPr algn="l" rtl="0"/>
-            <a:r>
-              <a:rPr lang="en-US" dirty="0">
+              <a:t>“The </a:t>
+            </a:r>
+            <a:r>
+              <a:rPr lang="en-US" sz="1600" i="1" dirty="0" err="1">
                 <a:solidFill>
-                  <a:srgbClr val="FF0000"/>
+                  <a:schemeClr val="tx1"/>
                 </a:solidFill>
-                <a:hlinkClick r:id="rId8"/>
               </a:rPr>
-              <a:t>https://developer.mozilla.org/en-US/docs/Web/JavaScript/Reference/Global_Objects/null</a:t>
-            </a:r>
-            <a:endParaRPr lang="en-US" dirty="0">
-              <a:solidFill>
-                <a:srgbClr val="FF0000"/>
-              </a:solidFill>
-            </a:endParaRPr>
-          </a:p>
-          <a:p>
-            <a:pPr algn="l" rtl="0"/>
-            <a:r>
-              <a:rPr lang="en-US" dirty="0">
+              <a:t>Symbol.keyFor</a:t>
+            </a:r>
+            <a:r>
+              <a:rPr lang="en-US" sz="1600" i="1" dirty="0">
                 <a:solidFill>
-                  <a:srgbClr val="FF0000"/>
+                  <a:schemeClr val="tx1"/>
                 </a:solidFill>
-                <a:hlinkClick r:id="rId9"/>
               </a:rPr>
-              <a:t>https://github.com/Microsoft/TypeScript</a:t>
-            </a:r>
-            <a:endParaRPr lang="en-US" dirty="0">
-              <a:solidFill>
-                <a:srgbClr val="FF0000"/>
-              </a:solidFill>
-            </a:endParaRPr>
-          </a:p>
-          <a:p>
-            <a:pPr algn="l" rtl="0"/>
-            <a:r>
-              <a:rPr lang="en-US" dirty="0">
+              <a:t>(</a:t>
+            </a:r>
+            <a:r>
+              <a:rPr lang="en-US" sz="1600" i="1" dirty="0" err="1">
                 <a:solidFill>
-                  <a:srgbClr val="FF0000"/>
+                  <a:schemeClr val="tx1"/>
                 </a:solidFill>
-                <a:hlinkClick r:id="rId10"/>
               </a:rPr>
-              <a:t>https://msdn.microsoft.com/en-us/magazine/dn890374.aspx</a:t>
-            </a:r>
-            <a:endParaRPr lang="en-US" dirty="0">
-              <a:solidFill>
-                <a:srgbClr val="FF0000"/>
-              </a:solidFill>
-            </a:endParaRPr>
-          </a:p>
-          <a:p>
-            <a:pPr algn="l" rtl="0"/>
-            <a:r>
-              <a:rPr lang="en-US" dirty="0">
+              <a:t>sym</a:t>
+            </a:r>
+            <a:r>
+              <a:rPr lang="en-US" sz="1600" i="1" dirty="0">
                 <a:solidFill>
-                  <a:srgbClr val="FF0000"/>
+                  <a:schemeClr val="tx1"/>
                 </a:solidFill>
-                <a:hlinkClick r:id="rId11"/>
               </a:rPr>
-              <a:t>https://codeburst.io/how-this-keyword-work-in-javascript-6b31104b5ef9</a:t>
-            </a:r>
-            <a:endParaRPr lang="en-US" dirty="0">
-              <a:solidFill>
-                <a:srgbClr val="FF0000"/>
-              </a:solidFill>
-            </a:endParaRPr>
-          </a:p>
-          <a:p>
-            <a:pPr algn="l" rtl="0"/>
-            <a:r>
-              <a:rPr lang="en-US" dirty="0">
-                <a:solidFill>
-                  <a:srgbClr val="FF0000"/>
-                </a:solidFill>
-                <a:hlinkClick r:id="rId12"/>
-              </a:rPr>
-              <a:t>https://bytearcher.com/articles/es6-vs-es2015-name/</a:t>
-            </a:r>
-            <a:endParaRPr lang="en-US" dirty="0">
-              <a:solidFill>
-                <a:srgbClr val="FF0000"/>
-              </a:solidFill>
-            </a:endParaRPr>
-          </a:p>
-          <a:p>
-            <a:pPr algn="l" rtl="0"/>
-            <a:r>
-              <a:rPr lang="en-US" dirty="0">
-                <a:solidFill>
-                  <a:srgbClr val="FF0000"/>
-                </a:solidFill>
-                <a:hlinkClick r:id="rId13"/>
-              </a:rPr>
-              <a:t>https://codeburst.io/a-simple-guide-to-es6-iterators-in-javascript-with-examples-189d052c3d8e</a:t>
-            </a:r>
-            <a:endParaRPr lang="en-US" dirty="0">
-              <a:solidFill>
-                <a:srgbClr val="FF0000"/>
-              </a:solidFill>
-            </a:endParaRPr>
-          </a:p>
-          <a:p>
-            <a:pPr algn="l" rtl="0"/>
-            <a:r>
-              <a:rPr lang="en-US" dirty="0">
-                <a:solidFill>
-                  <a:srgbClr val="FF0000"/>
-                </a:solidFill>
-                <a:hlinkClick r:id="rId14"/>
-              </a:rPr>
-              <a:t>http://www.ecma-international.org/ecma-262/6.0/#sec-iteration</a:t>
-            </a:r>
-            <a:endParaRPr lang="en-US" dirty="0">
-              <a:solidFill>
-                <a:srgbClr val="FF0000"/>
-              </a:solidFill>
-            </a:endParaRPr>
-          </a:p>
-          <a:p>
-            <a:pPr algn="l" rtl="0"/>
-            <a:r>
-              <a:rPr lang="en-US" dirty="0">
-                <a:solidFill>
-                  <a:srgbClr val="FF0000"/>
-                </a:solidFill>
-                <a:hlinkClick r:id="rId15"/>
-              </a:rPr>
-              <a:t>https://www.ynonperek.com/2017/08/28/3-cool-uses-for/</a:t>
-            </a:r>
-            <a:endParaRPr lang="en-US" dirty="0">
-              <a:solidFill>
-                <a:srgbClr val="FF0000"/>
-              </a:solidFill>
-            </a:endParaRPr>
-          </a:p>
-          <a:p>
-            <a:pPr algn="l" rtl="0"/>
-            <a:r>
-              <a:rPr lang="en-US" dirty="0">
-                <a:solidFill>
-                  <a:srgbClr val="FF0000"/>
-                </a:solidFill>
-                <a:hlinkClick r:id="rId16"/>
-              </a:rPr>
-              <a:t>http://www.benmvp.com/learning-es6-generators-as-iterators/</a:t>
-            </a:r>
-            <a:endParaRPr lang="en-US" dirty="0">
-              <a:solidFill>
-                <a:srgbClr val="FF0000"/>
-              </a:solidFill>
-            </a:endParaRPr>
-          </a:p>
-          <a:p>
-            <a:pPr algn="l" rtl="0"/>
-            <a:r>
-              <a:rPr lang="en-US" dirty="0">
-                <a:solidFill>
-                  <a:srgbClr val="FF0000"/>
-                </a:solidFill>
-                <a:hlinkClick r:id="rId17"/>
-              </a:rPr>
-              <a:t>http://exploringjs.com/es6/ch_generators.html#leanpub-auto-iterating-over-trees</a:t>
-            </a:r>
-            <a:endParaRPr lang="he-IL" dirty="0">
-              <a:solidFill>
-                <a:srgbClr val="FF0000"/>
-              </a:solidFill>
-            </a:endParaRPr>
-          </a:p>
-        </p:txBody>
-      </p:sp>
+              <a:t>) method retrieves a shared symbol key from the global symbol registry for the given symbol.”</a:t>
+            </a:r>
+          </a:p>
+          <a:p>
+            <a:pPr marL="0" indent="0" algn="l" rtl="0">
+              <a:buNone/>
+            </a:pPr>
+            <a:endParaRPr lang="en-US" dirty="0"/>
+          </a:p>
+        </p:txBody>
+      </p:sp>
+      <p:pic>
+        <p:nvPicPr>
+          <p:cNvPr id="6" name="Picture 5">
+            <a:extLst>
+              <a:ext uri="{FF2B5EF4-FFF2-40B4-BE49-F238E27FC236}">
+                <a16:creationId xmlns:a16="http://schemas.microsoft.com/office/drawing/2014/main" id="{DADFD72D-4E67-4131-BF06-60ABDFCF2201}"/>
+              </a:ext>
+            </a:extLst>
+          </p:cNvPr>
+          <p:cNvPicPr>
+            <a:picLocks noChangeAspect="1"/>
+          </p:cNvPicPr>
+          <p:nvPr/>
+        </p:nvPicPr>
+        <p:blipFill>
+          <a:blip r:embed="rId2"/>
+          <a:stretch>
+            <a:fillRect/>
+          </a:stretch>
+        </p:blipFill>
+        <p:spPr>
+          <a:xfrm>
+            <a:off x="801266" y="3352800"/>
+            <a:ext cx="6915150" cy="2733675"/>
+          </a:xfrm>
+          <a:prstGeom prst="rect">
+            <a:avLst/>
+          </a:prstGeom>
+        </p:spPr>
+      </p:pic>
     </p:spTree>
+    <p:extLst>
+      <p:ext uri="{BB962C8B-B14F-4D97-AF65-F5344CB8AC3E}">
+        <p14:creationId xmlns:p14="http://schemas.microsoft.com/office/powerpoint/2010/main" val="658983501"/>
+      </p:ext>
+    </p:extLst>
   </p:cSld>
   <p:clrMapOvr>
     <a:masterClrMapping/>
@@ -11792,6 +12292,369 @@
               <a:rPr lang="en-US" dirty="0"/>
               <a:t>}</a:t>
             </a:r>
+          </a:p>
+        </p:txBody>
+      </p:sp>
+    </p:spTree>
+  </p:cSld>
+  <p:clrMapOvr>
+    <a:masterClrMapping/>
+  </p:clrMapOvr>
+</p:sld>
+</file>
+
+<file path=ppt/slides/slide60.xml><?xml version="1.0" encoding="utf-8"?>
+<p:sld xmlns:a="http://schemas.openxmlformats.org/drawingml/2006/main" xmlns:r="http://schemas.openxmlformats.org/officeDocument/2006/relationships" xmlns:p="http://schemas.openxmlformats.org/presentationml/2006/main">
+  <p:cSld>
+    <p:spTree>
+      <p:nvGrpSpPr>
+        <p:cNvPr id="1" name=""/>
+        <p:cNvGrpSpPr/>
+        <p:nvPr/>
+      </p:nvGrpSpPr>
+      <p:grpSpPr>
+        <a:xfrm>
+          <a:off x="0" y="0"/>
+          <a:ext cx="0" cy="0"/>
+          <a:chOff x="0" y="0"/>
+          <a:chExt cx="0" cy="0"/>
+        </a:xfrm>
+      </p:grpSpPr>
+      <p:sp>
+        <p:nvSpPr>
+          <p:cNvPr id="2" name="Title 1"/>
+          <p:cNvSpPr>
+            <a:spLocks noGrp="1"/>
+          </p:cNvSpPr>
+          <p:nvPr>
+            <p:ph type="title"/>
+          </p:nvPr>
+        </p:nvSpPr>
+        <p:spPr/>
+        <p:txBody>
+          <a:bodyPr/>
+          <a:lstStyle/>
+          <a:p>
+            <a:pPr rtl="0"/>
+            <a:r>
+              <a:rPr lang="en-US" dirty="0"/>
+              <a:t>Resources &amp; Useful links</a:t>
+            </a:r>
+            <a:endParaRPr lang="he-IL" dirty="0"/>
+          </a:p>
+        </p:txBody>
+      </p:sp>
+      <p:sp>
+        <p:nvSpPr>
+          <p:cNvPr id="3" name="Content Placeholder 2"/>
+          <p:cNvSpPr>
+            <a:spLocks noGrp="1"/>
+          </p:cNvSpPr>
+          <p:nvPr>
+            <p:ph idx="1"/>
+          </p:nvPr>
+        </p:nvSpPr>
+        <p:spPr/>
+        <p:txBody>
+          <a:bodyPr>
+            <a:normAutofit fontScale="47500" lnSpcReduction="20000"/>
+          </a:bodyPr>
+          <a:lstStyle/>
+          <a:p>
+            <a:pPr algn="l" rtl="0"/>
+            <a:r>
+              <a:rPr lang="en-US" dirty="0">
+                <a:solidFill>
+                  <a:srgbClr val="FF0000"/>
+                </a:solidFill>
+                <a:hlinkClick r:id="rId2"/>
+              </a:rPr>
+              <a:t>http://www.typescriptlang.org</a:t>
+            </a:r>
+            <a:endParaRPr lang="en-US" dirty="0">
+              <a:solidFill>
+                <a:srgbClr val="FF0000"/>
+              </a:solidFill>
+            </a:endParaRPr>
+          </a:p>
+          <a:p>
+            <a:pPr algn="l" rtl="0"/>
+            <a:r>
+              <a:rPr lang="en-US" dirty="0">
+                <a:solidFill>
+                  <a:srgbClr val="FF0000"/>
+                </a:solidFill>
+                <a:hlinkClick r:id="rId3"/>
+              </a:rPr>
+              <a:t>https://github.com/unional/typescript-guidelines</a:t>
+            </a:r>
+            <a:endParaRPr lang="en-US" dirty="0">
+              <a:solidFill>
+                <a:srgbClr val="FF0000"/>
+              </a:solidFill>
+            </a:endParaRPr>
+          </a:p>
+          <a:p>
+            <a:pPr algn="l" rtl="0"/>
+            <a:r>
+              <a:rPr lang="en-US" dirty="0">
+                <a:solidFill>
+                  <a:srgbClr val="FF0000"/>
+                </a:solidFill>
+                <a:hlinkClick r:id="rId4"/>
+              </a:rPr>
+              <a:t>https://basarat.gitbooks.io/typescript</a:t>
+            </a:r>
+            <a:endParaRPr lang="en-US" dirty="0">
+              <a:solidFill>
+                <a:srgbClr val="FF0000"/>
+              </a:solidFill>
+            </a:endParaRPr>
+          </a:p>
+          <a:p>
+            <a:pPr algn="l" rtl="0"/>
+            <a:r>
+              <a:rPr lang="en-US" dirty="0">
+                <a:solidFill>
+                  <a:srgbClr val="FF0000"/>
+                </a:solidFill>
+                <a:hlinkClick r:id="rId5"/>
+              </a:rPr>
+              <a:t>https://jameshenry.blog/typescript-null-and-undefined-types/</a:t>
+            </a:r>
+            <a:endParaRPr lang="en-US" dirty="0">
+              <a:solidFill>
+                <a:srgbClr val="FF0000"/>
+              </a:solidFill>
+            </a:endParaRPr>
+          </a:p>
+          <a:p>
+            <a:pPr algn="l" rtl="0"/>
+            <a:r>
+              <a:rPr lang="en-US" dirty="0">
+                <a:solidFill>
+                  <a:srgbClr val="FF0000"/>
+                </a:solidFill>
+                <a:hlinkClick r:id="rId6"/>
+              </a:rPr>
+              <a:t>https://codeburst.io/javascript-null-vs-undefined-20f955215a2</a:t>
+            </a:r>
+            <a:endParaRPr lang="en-US" dirty="0">
+              <a:solidFill>
+                <a:srgbClr val="FF0000"/>
+              </a:solidFill>
+            </a:endParaRPr>
+          </a:p>
+          <a:p>
+            <a:pPr algn="l" rtl="0"/>
+            <a:r>
+              <a:rPr lang="en-US" dirty="0">
+                <a:solidFill>
+                  <a:srgbClr val="FF0000"/>
+                </a:solidFill>
+                <a:hlinkClick r:id="rId7"/>
+              </a:rPr>
+              <a:t>https://codeburst.io/understanding-null-undefined-and-nan-b603cb74b44c</a:t>
+            </a:r>
+            <a:endParaRPr lang="en-US" dirty="0">
+              <a:solidFill>
+                <a:srgbClr val="FF0000"/>
+              </a:solidFill>
+            </a:endParaRPr>
+          </a:p>
+          <a:p>
+            <a:pPr algn="l" rtl="0"/>
+            <a:r>
+              <a:rPr lang="en-US" dirty="0">
+                <a:solidFill>
+                  <a:srgbClr val="FF0000"/>
+                </a:solidFill>
+                <a:hlinkClick r:id="rId8"/>
+              </a:rPr>
+              <a:t>https://developer.mozilla.org/en-US/docs/Web/JavaScript/Reference/Global_Objects/null</a:t>
+            </a:r>
+            <a:endParaRPr lang="en-US" dirty="0">
+              <a:solidFill>
+                <a:srgbClr val="FF0000"/>
+              </a:solidFill>
+            </a:endParaRPr>
+          </a:p>
+          <a:p>
+            <a:pPr algn="l" rtl="0"/>
+            <a:r>
+              <a:rPr lang="en-US" dirty="0">
+                <a:solidFill>
+                  <a:srgbClr val="FF0000"/>
+                </a:solidFill>
+                <a:hlinkClick r:id="rId9"/>
+              </a:rPr>
+              <a:t>https://github.com/Microsoft/TypeScript</a:t>
+            </a:r>
+            <a:endParaRPr lang="en-US" dirty="0">
+              <a:solidFill>
+                <a:srgbClr val="FF0000"/>
+              </a:solidFill>
+            </a:endParaRPr>
+          </a:p>
+          <a:p>
+            <a:pPr algn="l" rtl="0"/>
+            <a:r>
+              <a:rPr lang="en-US" dirty="0">
+                <a:solidFill>
+                  <a:srgbClr val="FF0000"/>
+                </a:solidFill>
+                <a:hlinkClick r:id="rId10"/>
+              </a:rPr>
+              <a:t>https://msdn.microsoft.com/en-us/magazine/dn890374.aspx</a:t>
+            </a:r>
+            <a:endParaRPr lang="en-US" dirty="0">
+              <a:solidFill>
+                <a:srgbClr val="FF0000"/>
+              </a:solidFill>
+            </a:endParaRPr>
+          </a:p>
+          <a:p>
+            <a:pPr algn="l" rtl="0"/>
+            <a:r>
+              <a:rPr lang="en-US" dirty="0">
+                <a:solidFill>
+                  <a:srgbClr val="FF0000"/>
+                </a:solidFill>
+                <a:hlinkClick r:id="rId11"/>
+              </a:rPr>
+              <a:t>https://codeburst.io/how-this-keyword-work-in-javascript-6b31104b5ef9</a:t>
+            </a:r>
+            <a:endParaRPr lang="en-US" dirty="0">
+              <a:solidFill>
+                <a:srgbClr val="FF0000"/>
+              </a:solidFill>
+            </a:endParaRPr>
+          </a:p>
+          <a:p>
+            <a:pPr algn="l" rtl="0"/>
+            <a:r>
+              <a:rPr lang="en-US" dirty="0">
+                <a:solidFill>
+                  <a:srgbClr val="FF0000"/>
+                </a:solidFill>
+                <a:hlinkClick r:id="rId12"/>
+              </a:rPr>
+              <a:t>https://bytearcher.com/articles/es6-vs-es2015-name/</a:t>
+            </a:r>
+            <a:endParaRPr lang="en-US" dirty="0">
+              <a:solidFill>
+                <a:srgbClr val="FF0000"/>
+              </a:solidFill>
+            </a:endParaRPr>
+          </a:p>
+          <a:p>
+            <a:pPr algn="l" rtl="0"/>
+            <a:r>
+              <a:rPr lang="en-US" dirty="0">
+                <a:solidFill>
+                  <a:srgbClr val="FF0000"/>
+                </a:solidFill>
+                <a:hlinkClick r:id="rId13"/>
+              </a:rPr>
+              <a:t>https://codeburst.io/a-simple-guide-to-es6-iterators-in-javascript-with-examples-189d052c3d8e</a:t>
+            </a:r>
+            <a:endParaRPr lang="en-US" dirty="0">
+              <a:solidFill>
+                <a:srgbClr val="FF0000"/>
+              </a:solidFill>
+            </a:endParaRPr>
+          </a:p>
+          <a:p>
+            <a:pPr algn="l" rtl="0"/>
+            <a:r>
+              <a:rPr lang="en-US" dirty="0">
+                <a:solidFill>
+                  <a:srgbClr val="FF0000"/>
+                </a:solidFill>
+                <a:hlinkClick r:id="rId14"/>
+              </a:rPr>
+              <a:t>http://www.ecma-international.org/ecma-262/6.0/#sec-iteration</a:t>
+            </a:r>
+            <a:endParaRPr lang="en-US" dirty="0">
+              <a:solidFill>
+                <a:srgbClr val="FF0000"/>
+              </a:solidFill>
+            </a:endParaRPr>
+          </a:p>
+          <a:p>
+            <a:pPr algn="l" rtl="0"/>
+            <a:r>
+              <a:rPr lang="en-US" dirty="0">
+                <a:solidFill>
+                  <a:srgbClr val="FF0000"/>
+                </a:solidFill>
+                <a:hlinkClick r:id="rId15"/>
+              </a:rPr>
+              <a:t>https://www.ynonperek.com/2017/08/28/3-cool-uses-for/</a:t>
+            </a:r>
+            <a:endParaRPr lang="en-US" dirty="0">
+              <a:solidFill>
+                <a:srgbClr val="FF0000"/>
+              </a:solidFill>
+            </a:endParaRPr>
+          </a:p>
+          <a:p>
+            <a:pPr algn="l" rtl="0"/>
+            <a:r>
+              <a:rPr lang="en-US" dirty="0">
+                <a:solidFill>
+                  <a:srgbClr val="FF0000"/>
+                </a:solidFill>
+                <a:hlinkClick r:id="rId16"/>
+              </a:rPr>
+              <a:t>http://www.benmvp.com/learning-es6-generators-as-iterators/</a:t>
+            </a:r>
+            <a:endParaRPr lang="en-US" dirty="0">
+              <a:solidFill>
+                <a:srgbClr val="FF0000"/>
+              </a:solidFill>
+            </a:endParaRPr>
+          </a:p>
+          <a:p>
+            <a:pPr algn="l" rtl="0"/>
+            <a:r>
+              <a:rPr lang="en-US" dirty="0">
+                <a:solidFill>
+                  <a:srgbClr val="FF0000"/>
+                </a:solidFill>
+                <a:hlinkClick r:id="rId17"/>
+              </a:rPr>
+              <a:t>http://exploringjs.com/es6/ch_generators.html#leanpub-auto-iterating-over-trees</a:t>
+            </a:r>
+            <a:endParaRPr lang="en-US" dirty="0">
+              <a:solidFill>
+                <a:srgbClr val="FF0000"/>
+              </a:solidFill>
+            </a:endParaRPr>
+          </a:p>
+          <a:p>
+            <a:pPr algn="l" rtl="0"/>
+            <a:r>
+              <a:rPr lang="en-US" dirty="0">
+                <a:hlinkClick r:id="rId18"/>
+              </a:rPr>
+              <a:t>https://www.typescriptlang.org/docs/handbook/symbols.html</a:t>
+            </a:r>
+            <a:endParaRPr lang="en-US" dirty="0"/>
+          </a:p>
+          <a:p>
+            <a:pPr algn="l" rtl="0"/>
+            <a:r>
+              <a:rPr lang="en-US" dirty="0">
+                <a:hlinkClick r:id="rId19"/>
+              </a:rPr>
+              <a:t>https://developer.mozilla.org/en-US/docs/Web/JavaScript/Reference/Global_Objects/Symbol</a:t>
+            </a:r>
+            <a:endParaRPr lang="he-IL" dirty="0">
+              <a:solidFill>
+                <a:srgbClr val="FF0000"/>
+              </a:solidFill>
+            </a:endParaRPr>
           </a:p>
         </p:txBody>
       </p:sp>

--- a/Advanced Es6 & TypeScript.pptx
+++ b/Advanced Es6 & TypeScript.pptx
@@ -165,7 +165,7 @@
   </p:defaultTextStyle>
   <p:extLst>
     <p:ext uri="{EFAFB233-063F-42B5-8137-9DF3F51BA10A}">
-      <p15:sldGuideLst xmlns:p15="http://schemas.microsoft.com/office/powerpoint/2012/main">
+      <p15:sldGuideLst xmlns:p15="http://schemas.microsoft.com/office/powerpoint/2012/main" xmlns="">
         <p15:guide id="1" orient="horz" pos="2160">
           <p15:clr>
             <a:srgbClr val="A4A3A4"/>
@@ -447,7 +447,7 @@
             <a:fld id="{1D8BD707-D9CF-40AE-B4C6-C98DA3205C09}" type="datetimeFigureOut">
               <a:rPr lang="en-US" smtClean="0"/>
               <a:pPr/>
-              <a:t>8/21/2019</a:t>
+              <a:t>9/21/2019</a:t>
             </a:fld>
             <a:endParaRPr lang="en-US"/>
           </a:p>
@@ -641,7 +641,7 @@
             <a:fld id="{1D8BD707-D9CF-40AE-B4C6-C98DA3205C09}" type="datetimeFigureOut">
               <a:rPr lang="en-US" smtClean="0"/>
               <a:pPr/>
-              <a:t>8/21/2019</a:t>
+              <a:t>9/21/2019</a:t>
             </a:fld>
             <a:endParaRPr lang="en-US"/>
           </a:p>
@@ -822,7 +822,7 @@
             <a:fld id="{1D8BD707-D9CF-40AE-B4C6-C98DA3205C09}" type="datetimeFigureOut">
               <a:rPr lang="en-US" smtClean="0"/>
               <a:pPr/>
-              <a:t>8/21/2019</a:t>
+              <a:t>9/21/2019</a:t>
             </a:fld>
             <a:endParaRPr lang="en-US"/>
           </a:p>
@@ -1007,7 +1007,7 @@
             <a:fld id="{1D8BD707-D9CF-40AE-B4C6-C98DA3205C09}" type="datetimeFigureOut">
               <a:rPr lang="en-US" smtClean="0"/>
               <a:pPr/>
-              <a:t>8/21/2019</a:t>
+              <a:t>9/21/2019</a:t>
             </a:fld>
             <a:endParaRPr lang="en-US"/>
           </a:p>
@@ -1230,7 +1230,7 @@
             <a:fld id="{1D8BD707-D9CF-40AE-B4C6-C98DA3205C09}" type="datetimeFigureOut">
               <a:rPr lang="en-US" smtClean="0"/>
               <a:pPr/>
-              <a:t>8/21/2019</a:t>
+              <a:t>9/21/2019</a:t>
             </a:fld>
             <a:endParaRPr lang="en-US"/>
           </a:p>
@@ -1516,7 +1516,7 @@
             <a:fld id="{1D8BD707-D9CF-40AE-B4C6-C98DA3205C09}" type="datetimeFigureOut">
               <a:rPr lang="en-US" smtClean="0"/>
               <a:pPr/>
-              <a:t>8/21/2019</a:t>
+              <a:t>9/21/2019</a:t>
             </a:fld>
             <a:endParaRPr lang="en-US"/>
           </a:p>
@@ -1942,7 +1942,7 @@
             <a:fld id="{1D8BD707-D9CF-40AE-B4C6-C98DA3205C09}" type="datetimeFigureOut">
               <a:rPr lang="en-US" smtClean="0"/>
               <a:pPr/>
-              <a:t>8/21/2019</a:t>
+              <a:t>9/21/2019</a:t>
             </a:fld>
             <a:endParaRPr lang="en-US"/>
           </a:p>
@@ -2061,7 +2061,7 @@
             <a:fld id="{1D8BD707-D9CF-40AE-B4C6-C98DA3205C09}" type="datetimeFigureOut">
               <a:rPr lang="en-US" smtClean="0"/>
               <a:pPr/>
-              <a:t>8/21/2019</a:t>
+              <a:t>9/21/2019</a:t>
             </a:fld>
             <a:endParaRPr lang="en-US"/>
           </a:p>
@@ -2162,7 +2162,7 @@
             <a:fld id="{1D8BD707-D9CF-40AE-B4C6-C98DA3205C09}" type="datetimeFigureOut">
               <a:rPr lang="en-US" smtClean="0"/>
               <a:pPr/>
-              <a:t>8/21/2019</a:t>
+              <a:t>9/21/2019</a:t>
             </a:fld>
             <a:endParaRPr lang="en-US"/>
           </a:p>
@@ -2428,7 +2428,7 @@
             <a:fld id="{1D8BD707-D9CF-40AE-B4C6-C98DA3205C09}" type="datetimeFigureOut">
               <a:rPr lang="en-US" smtClean="0"/>
               <a:pPr/>
-              <a:t>8/21/2019</a:t>
+              <a:t>9/21/2019</a:t>
             </a:fld>
             <a:endParaRPr lang="en-US"/>
           </a:p>
@@ -2784,7 +2784,7 @@
             <a:fld id="{1D8BD707-D9CF-40AE-B4C6-C98DA3205C09}" type="datetimeFigureOut">
               <a:rPr lang="en-US" smtClean="0"/>
               <a:pPr/>
-              <a:t>8/21/2019</a:t>
+              <a:t>9/21/2019</a:t>
             </a:fld>
             <a:endParaRPr lang="en-US"/>
           </a:p>
@@ -3129,7 +3129,7 @@
             <a:fld id="{1D8BD707-D9CF-40AE-B4C6-C98DA3205C09}" type="datetimeFigureOut">
               <a:rPr lang="en-US" smtClean="0"/>
               <a:pPr/>
-              <a:t>8/21/2019</a:t>
+              <a:t>9/21/2019</a:t>
             </a:fld>
             <a:endParaRPr lang="en-US"/>
           </a:p>
@@ -4908,15 +4908,17 @@
           <a:p>
             <a:pPr algn="l" rtl="0"/>
             <a:r>
-              <a:rPr lang="en-US" dirty="0"/>
-              <a:t>If in strict mode, this will be undefined.</a:t>
-            </a:r>
-          </a:p>
-          <a:p>
-            <a:pPr algn="l" rtl="0"/>
-            <a:r>
-              <a:rPr lang="en-US" dirty="0"/>
-              <a:t>Otherwise, this will be the global object (window in a browser).</a:t>
+              <a:rPr lang="en-US" dirty="0" smtClean="0"/>
+              <a:t>In a global context, If in strict mode, this will be undefined.</a:t>
+            </a:r>
+          </a:p>
+          <a:p>
+            <a:pPr algn="l" rtl="0">
+              <a:buNone/>
+            </a:pPr>
+            <a:r>
+              <a:rPr lang="en-US" dirty="0" smtClean="0"/>
+              <a:t>	Otherwise, this will be the global object (window in a browser).</a:t>
             </a:r>
           </a:p>
           <a:p>
@@ -5194,16 +5196,10 @@
           <a:p>
             <a:pPr algn="l" rtl="0"/>
             <a:r>
-              <a:rPr lang="en-US" sz="2800" dirty="0"/>
+              <a:rPr lang="en-US" sz="2800" dirty="0" smtClean="0"/>
               <a:t>Symbols</a:t>
             </a:r>
-          </a:p>
-          <a:p>
-            <a:pPr algn="l" rtl="0"/>
-            <a:r>
-              <a:rPr lang="en-US" sz="2800" dirty="0"/>
-              <a:t>‘promise’ and async await key words</a:t>
-            </a:r>
+            <a:endParaRPr lang="en-US" sz="2800" dirty="0"/>
           </a:p>
           <a:p>
             <a:pPr algn="l" rtl="0"/>
@@ -5211,6 +5207,15 @@
               <a:rPr lang="en-US" sz="2800" dirty="0"/>
               <a:t>Enums and union types </a:t>
             </a:r>
+            <a:endParaRPr lang="en-US" sz="2800" dirty="0" smtClean="0"/>
+          </a:p>
+          <a:p>
+            <a:pPr algn="l" rtl="0"/>
+            <a:r>
+              <a:rPr lang="en-US" sz="2800" dirty="0" smtClean="0"/>
+              <a:t>‘promise’ and async await key words</a:t>
+            </a:r>
+            <a:endParaRPr lang="en-US" sz="2800" dirty="0"/>
           </a:p>
           <a:p>
             <a:pPr algn="l" rtl="0"/>
@@ -6310,8 +6315,12 @@
           <a:p>
             <a:pPr algn="l" rtl="0"/>
             <a:r>
-              <a:rPr lang="en-US" dirty="0"/>
-              <a:t>{ does not create a new variable scope.</a:t>
+              <a:rPr lang="en-US" dirty="0" smtClean="0"/>
+              <a:t>‘{‘ does </a:t>
+            </a:r>
+            <a:r>
+              <a:rPr lang="en-US" dirty="0"/>
+              <a:t>not create a new variable scope.</a:t>
             </a:r>
           </a:p>
           <a:p>
@@ -7341,7 +7350,7 @@
           <p:cNvPr id="5" name="Picture 4" descr="A close up of a logo&#10;&#10;Description generated with very high confidence">
             <a:extLst>
               <a:ext uri="{FF2B5EF4-FFF2-40B4-BE49-F238E27FC236}">
-                <a16:creationId xmlns:a16="http://schemas.microsoft.com/office/drawing/2014/main" id="{DFA1FD41-22C6-4988-B10F-FC8A2E849276}"/>
+                <a16:creationId xmlns:a16="http://schemas.microsoft.com/office/drawing/2014/main" xmlns="" id="{DFA1FD41-22C6-4988-B10F-FC8A2E849276}"/>
               </a:ext>
             </a:extLst>
           </p:cNvPr>
@@ -7351,10 +7360,10 @@
           <p:nvPr/>
         </p:nvPicPr>
         <p:blipFill>
-          <a:blip r:embed="rId2">
+          <a:blip r:embed="rId2" cstate="print">
             <a:extLst>
               <a:ext uri="{28A0092B-C50C-407E-A947-70E740481C1C}">
-                <a14:useLocalDpi xmlns:a14="http://schemas.microsoft.com/office/drawing/2010/main" val="0"/>
+                <a14:useLocalDpi xmlns:a14="http://schemas.microsoft.com/office/drawing/2010/main" xmlns="" val="0"/>
               </a:ext>
             </a:extLst>
           </a:blip>
@@ -7377,7 +7386,7 @@
           <p:cNvPr id="7" name="Picture 6" descr="A close up of a sign&#10;&#10;Description generated with high confidence">
             <a:extLst>
               <a:ext uri="{FF2B5EF4-FFF2-40B4-BE49-F238E27FC236}">
-                <a16:creationId xmlns:a16="http://schemas.microsoft.com/office/drawing/2014/main" id="{FD8DFD43-961D-41D1-9771-88AE4D4E4FF2}"/>
+                <a16:creationId xmlns:a16="http://schemas.microsoft.com/office/drawing/2014/main" xmlns="" id="{FD8DFD43-961D-41D1-9771-88AE4D4E4FF2}"/>
               </a:ext>
             </a:extLst>
           </p:cNvPr>
@@ -7387,10 +7396,10 @@
           <p:nvPr/>
         </p:nvPicPr>
         <p:blipFill>
-          <a:blip r:embed="rId3">
+          <a:blip r:embed="rId3" cstate="print">
             <a:extLst>
               <a:ext uri="{28A0092B-C50C-407E-A947-70E740481C1C}">
-                <a14:useLocalDpi xmlns:a14="http://schemas.microsoft.com/office/drawing/2010/main" val="0"/>
+                <a14:useLocalDpi xmlns:a14="http://schemas.microsoft.com/office/drawing/2010/main" xmlns="" val="0"/>
               </a:ext>
             </a:extLst>
           </a:blip>
@@ -7411,7 +7420,7 @@
     </p:spTree>
     <p:extLst>
       <p:ext uri="{BB962C8B-B14F-4D97-AF65-F5344CB8AC3E}">
-        <p14:creationId xmlns:p14="http://schemas.microsoft.com/office/powerpoint/2010/main" val="3891654774"/>
+        <p14:creationId xmlns:p14="http://schemas.microsoft.com/office/powerpoint/2010/main" xmlns="" val="3891654774"/>
       </p:ext>
     </p:extLst>
   </p:cSld>
@@ -7501,7 +7510,7 @@
           <p:cNvPr id="6" name="Picture 5" descr="A screenshot of a cell phone&#10;&#10;Description generated with very high confidence">
             <a:extLst>
               <a:ext uri="{FF2B5EF4-FFF2-40B4-BE49-F238E27FC236}">
-                <a16:creationId xmlns:a16="http://schemas.microsoft.com/office/drawing/2014/main" id="{69FD4010-F423-4EEF-B82D-1AD7E695073F}"/>
+                <a16:creationId xmlns:a16="http://schemas.microsoft.com/office/drawing/2014/main" xmlns="" id="{69FD4010-F423-4EEF-B82D-1AD7E695073F}"/>
               </a:ext>
             </a:extLst>
           </p:cNvPr>
@@ -7511,10 +7520,10 @@
           <p:nvPr/>
         </p:nvPicPr>
         <p:blipFill>
-          <a:blip r:embed="rId2">
+          <a:blip r:embed="rId2" cstate="print">
             <a:extLst>
               <a:ext uri="{28A0092B-C50C-407E-A947-70E740481C1C}">
-                <a14:useLocalDpi xmlns:a14="http://schemas.microsoft.com/office/drawing/2010/main" val="0"/>
+                <a14:useLocalDpi xmlns:a14="http://schemas.microsoft.com/office/drawing/2010/main" xmlns="" val="0"/>
               </a:ext>
             </a:extLst>
           </a:blip>
@@ -7535,7 +7544,7 @@
     </p:spTree>
     <p:extLst>
       <p:ext uri="{BB962C8B-B14F-4D97-AF65-F5344CB8AC3E}">
-        <p14:creationId xmlns:p14="http://schemas.microsoft.com/office/powerpoint/2010/main" val="2535893048"/>
+        <p14:creationId xmlns:p14="http://schemas.microsoft.com/office/powerpoint/2010/main" xmlns="" val="2535893048"/>
       </p:ext>
     </p:extLst>
   </p:cSld>
@@ -7641,7 +7650,7 @@
           <p:cNvPr id="5" name="Picture 4" descr="A picture containing object, person&#10;&#10;Description generated with high confidence">
             <a:extLst>
               <a:ext uri="{FF2B5EF4-FFF2-40B4-BE49-F238E27FC236}">
-                <a16:creationId xmlns:a16="http://schemas.microsoft.com/office/drawing/2014/main" id="{B0080363-033F-49EB-A899-D496874D7373}"/>
+                <a16:creationId xmlns:a16="http://schemas.microsoft.com/office/drawing/2014/main" xmlns="" id="{B0080363-033F-49EB-A899-D496874D7373}"/>
               </a:ext>
             </a:extLst>
           </p:cNvPr>
@@ -7651,10 +7660,10 @@
           <p:nvPr/>
         </p:nvPicPr>
         <p:blipFill>
-          <a:blip r:embed="rId2">
+          <a:blip r:embed="rId2" cstate="print">
             <a:extLst>
               <a:ext uri="{28A0092B-C50C-407E-A947-70E740481C1C}">
-                <a14:useLocalDpi xmlns:a14="http://schemas.microsoft.com/office/drawing/2010/main" val="0"/>
+                <a14:useLocalDpi xmlns:a14="http://schemas.microsoft.com/office/drawing/2010/main" xmlns="" val="0"/>
               </a:ext>
             </a:extLst>
           </a:blip>
@@ -7675,7 +7684,7 @@
     </p:spTree>
     <p:extLst>
       <p:ext uri="{BB962C8B-B14F-4D97-AF65-F5344CB8AC3E}">
-        <p14:creationId xmlns:p14="http://schemas.microsoft.com/office/powerpoint/2010/main" val="3702792061"/>
+        <p14:creationId xmlns:p14="http://schemas.microsoft.com/office/powerpoint/2010/main" xmlns="" val="3702792061"/>
       </p:ext>
     </p:extLst>
   </p:cSld>
@@ -7760,45 +7769,49 @@
           <a:p>
             <a:pPr algn="l" rtl="0"/>
             <a:r>
-              <a:rPr lang="en-US" sz="2000" dirty="0" err="1"/>
-              <a:t>var</a:t>
+              <a:rPr lang="en-US" sz="2000" dirty="0" smtClean="0"/>
+              <a:t>arr1.push</a:t>
             </a:r>
             <a:r>
               <a:rPr lang="en-US" sz="2000" dirty="0"/>
-              <a:t> arr1.push(…arr2) // adds arr2 to the end of arr1</a:t>
-            </a:r>
-          </a:p>
-          <a:p>
-            <a:pPr algn="l" rtl="0"/>
-            <a:r>
-              <a:rPr lang="en-US" sz="2000" dirty="0" err="1"/>
-              <a:t>var</a:t>
+              <a:t>(…arr2) // adds arr2 to the end of arr1</a:t>
+            </a:r>
+          </a:p>
+          <a:p>
+            <a:pPr algn="l" rtl="0"/>
+            <a:r>
+              <a:rPr lang="en-US" sz="2000" dirty="0" smtClean="0"/>
+              <a:t>arr1.unshift</a:t>
             </a:r>
             <a:r>
               <a:rPr lang="en-US" sz="2000" dirty="0"/>
-              <a:t> arr1.unshift(…arr2) // adds arr2 to the start of arr1</a:t>
-            </a:r>
-          </a:p>
-          <a:p>
-            <a:pPr algn="l" rtl="0"/>
-            <a:r>
-              <a:rPr lang="en-US" sz="2000" dirty="0" err="1"/>
-              <a:t>var</a:t>
+              <a:t>(…arr2) // adds arr2 to the start of arr1</a:t>
+            </a:r>
+          </a:p>
+          <a:p>
+            <a:pPr algn="l" rtl="0"/>
+            <a:r>
+              <a:rPr lang="en-US" sz="2000" dirty="0" smtClean="0"/>
+              <a:t>v</a:t>
+            </a:r>
+            <a:r>
+              <a:rPr lang="en-US" sz="2000" dirty="0" smtClean="0"/>
+              <a:t>ar arr1 </a:t>
             </a:r>
             <a:r>
               <a:rPr lang="en-US" sz="2000" dirty="0"/>
-              <a:t> arr1 = […arr2] // copy elements of arr2 to arr1</a:t>
-            </a:r>
-          </a:p>
-          <a:p>
-            <a:pPr algn="l" rtl="0"/>
-            <a:r>
-              <a:rPr lang="en-US" sz="2000" dirty="0" err="1"/>
-              <a:t>var</a:t>
+              <a:t>= […arr2] // copy elements of arr2 to arr1</a:t>
+            </a:r>
+          </a:p>
+          <a:p>
+            <a:pPr algn="l" rtl="0"/>
+            <a:r>
+              <a:rPr lang="en-US" sz="2000" dirty="0" smtClean="0"/>
+              <a:t>var arr1 </a:t>
             </a:r>
             <a:r>
               <a:rPr lang="en-US" sz="2000" dirty="0"/>
-              <a:t> arr1 = […arr2, …arr3, …arr4] // combining multiple arrays</a:t>
+              <a:t>= […arr2, …arr3, …arr4] // combining multiple arrays</a:t>
             </a:r>
           </a:p>
           <a:p>
@@ -7869,7 +7882,7 @@
     </p:spTree>
     <p:extLst>
       <p:ext uri="{BB962C8B-B14F-4D97-AF65-F5344CB8AC3E}">
-        <p14:creationId xmlns:p14="http://schemas.microsoft.com/office/powerpoint/2010/main" val="2795344761"/>
+        <p14:creationId xmlns:p14="http://schemas.microsoft.com/office/powerpoint/2010/main" xmlns="" val="2795344761"/>
       </p:ext>
     </p:extLst>
   </p:cSld>
@@ -8004,7 +8017,7 @@
           <p:cNvPr id="5" name="Picture 4" descr="A screenshot of a cell phone&#10;&#10;Description generated with high confidence">
             <a:extLst>
               <a:ext uri="{FF2B5EF4-FFF2-40B4-BE49-F238E27FC236}">
-                <a16:creationId xmlns:a16="http://schemas.microsoft.com/office/drawing/2014/main" id="{3F9F6D90-DA31-4E83-8B4E-72C344CC249E}"/>
+                <a16:creationId xmlns:a16="http://schemas.microsoft.com/office/drawing/2014/main" xmlns="" id="{3F9F6D90-DA31-4E83-8B4E-72C344CC249E}"/>
               </a:ext>
             </a:extLst>
           </p:cNvPr>
@@ -8014,10 +8027,10 @@
           <p:nvPr/>
         </p:nvPicPr>
         <p:blipFill>
-          <a:blip r:embed="rId2">
+          <a:blip r:embed="rId2" cstate="print">
             <a:extLst>
               <a:ext uri="{28A0092B-C50C-407E-A947-70E740481C1C}">
-                <a14:useLocalDpi xmlns:a14="http://schemas.microsoft.com/office/drawing/2010/main" val="0"/>
+                <a14:useLocalDpi xmlns:a14="http://schemas.microsoft.com/office/drawing/2010/main" xmlns="" val="0"/>
               </a:ext>
             </a:extLst>
           </a:blip>
@@ -8040,7 +8053,7 @@
           <p:cNvPr id="11" name="Picture 10" descr="A picture containing object, antenna&#10;&#10;Description generated with very high confidence">
             <a:extLst>
               <a:ext uri="{FF2B5EF4-FFF2-40B4-BE49-F238E27FC236}">
-                <a16:creationId xmlns:a16="http://schemas.microsoft.com/office/drawing/2014/main" id="{FB7D2C99-FAA4-4A95-B934-3E9309520ABD}"/>
+                <a16:creationId xmlns:a16="http://schemas.microsoft.com/office/drawing/2014/main" xmlns="" id="{FB7D2C99-FAA4-4A95-B934-3E9309520ABD}"/>
               </a:ext>
             </a:extLst>
           </p:cNvPr>
@@ -8050,10 +8063,10 @@
           <p:nvPr/>
         </p:nvPicPr>
         <p:blipFill>
-          <a:blip r:embed="rId3">
+          <a:blip r:embed="rId3" cstate="print">
             <a:extLst>
               <a:ext uri="{28A0092B-C50C-407E-A947-70E740481C1C}">
-                <a14:useLocalDpi xmlns:a14="http://schemas.microsoft.com/office/drawing/2010/main" val="0"/>
+                <a14:useLocalDpi xmlns:a14="http://schemas.microsoft.com/office/drawing/2010/main" xmlns="" val="0"/>
               </a:ext>
             </a:extLst>
           </a:blip>
@@ -8074,7 +8087,7 @@
     </p:spTree>
     <p:extLst>
       <p:ext uri="{BB962C8B-B14F-4D97-AF65-F5344CB8AC3E}">
-        <p14:creationId xmlns:p14="http://schemas.microsoft.com/office/powerpoint/2010/main" val="4272138416"/>
+        <p14:creationId xmlns:p14="http://schemas.microsoft.com/office/powerpoint/2010/main" xmlns="" val="4272138416"/>
       </p:ext>
     </p:extLst>
   </p:cSld>
@@ -8196,7 +8209,7 @@
           <p:cNvPr id="6" name="Picture 5">
             <a:extLst>
               <a:ext uri="{FF2B5EF4-FFF2-40B4-BE49-F238E27FC236}">
-                <a16:creationId xmlns:a16="http://schemas.microsoft.com/office/drawing/2014/main" id="{F0A4DFB6-74AF-4FA9-A852-4EC36876B9C5}"/>
+                <a16:creationId xmlns:a16="http://schemas.microsoft.com/office/drawing/2014/main" xmlns="" id="{F0A4DFB6-74AF-4FA9-A852-4EC36876B9C5}"/>
               </a:ext>
             </a:extLst>
           </p:cNvPr>
@@ -8206,10 +8219,10 @@
           <p:nvPr/>
         </p:nvPicPr>
         <p:blipFill>
-          <a:blip r:embed="rId2">
+          <a:blip r:embed="rId2" cstate="print">
             <a:extLst>
               <a:ext uri="{28A0092B-C50C-407E-A947-70E740481C1C}">
-                <a14:useLocalDpi xmlns:a14="http://schemas.microsoft.com/office/drawing/2010/main" val="0"/>
+                <a14:useLocalDpi xmlns:a14="http://schemas.microsoft.com/office/drawing/2010/main" xmlns="" val="0"/>
               </a:ext>
             </a:extLst>
           </a:blip>
@@ -8232,7 +8245,7 @@
           <p:cNvPr id="8" name="Picture 7" descr="A picture containing object&#10;&#10;Description generated with high confidence">
             <a:extLst>
               <a:ext uri="{FF2B5EF4-FFF2-40B4-BE49-F238E27FC236}">
-                <a16:creationId xmlns:a16="http://schemas.microsoft.com/office/drawing/2014/main" id="{FBADC85D-C1DF-401F-94E3-D206392BE851}"/>
+                <a16:creationId xmlns:a16="http://schemas.microsoft.com/office/drawing/2014/main" xmlns="" id="{FBADC85D-C1DF-401F-94E3-D206392BE851}"/>
               </a:ext>
             </a:extLst>
           </p:cNvPr>
@@ -8242,10 +8255,10 @@
           <p:nvPr/>
         </p:nvPicPr>
         <p:blipFill>
-          <a:blip r:embed="rId3">
+          <a:blip r:embed="rId3" cstate="print">
             <a:extLst>
               <a:ext uri="{28A0092B-C50C-407E-A947-70E740481C1C}">
-                <a14:useLocalDpi xmlns:a14="http://schemas.microsoft.com/office/drawing/2010/main" val="0"/>
+                <a14:useLocalDpi xmlns:a14="http://schemas.microsoft.com/office/drawing/2010/main" xmlns="" val="0"/>
               </a:ext>
             </a:extLst>
           </a:blip>
@@ -8266,7 +8279,7 @@
     </p:spTree>
     <p:extLst>
       <p:ext uri="{BB962C8B-B14F-4D97-AF65-F5344CB8AC3E}">
-        <p14:creationId xmlns:p14="http://schemas.microsoft.com/office/powerpoint/2010/main" val="3070450978"/>
+        <p14:creationId xmlns:p14="http://schemas.microsoft.com/office/powerpoint/2010/main" xmlns="" val="3070450978"/>
       </p:ext>
     </p:extLst>
   </p:cSld>
@@ -8362,7 +8375,7 @@
           <p:cNvPr id="5" name="Picture 4" descr="A screenshot of a cell phone&#10;&#10;Description generated with high confidence">
             <a:extLst>
               <a:ext uri="{FF2B5EF4-FFF2-40B4-BE49-F238E27FC236}">
-                <a16:creationId xmlns:a16="http://schemas.microsoft.com/office/drawing/2014/main" id="{DA995F42-1F05-46CF-929D-5BD94CA8E447}"/>
+                <a16:creationId xmlns:a16="http://schemas.microsoft.com/office/drawing/2014/main" xmlns="" id="{DA995F42-1F05-46CF-929D-5BD94CA8E447}"/>
               </a:ext>
             </a:extLst>
           </p:cNvPr>
@@ -8372,10 +8385,10 @@
           <p:nvPr/>
         </p:nvPicPr>
         <p:blipFill>
-          <a:blip r:embed="rId2">
+          <a:blip r:embed="rId2" cstate="print">
             <a:extLst>
               <a:ext uri="{28A0092B-C50C-407E-A947-70E740481C1C}">
-                <a14:useLocalDpi xmlns:a14="http://schemas.microsoft.com/office/drawing/2010/main" val="0"/>
+                <a14:useLocalDpi xmlns:a14="http://schemas.microsoft.com/office/drawing/2010/main" xmlns="" val="0"/>
               </a:ext>
             </a:extLst>
           </a:blip>
@@ -8398,7 +8411,7 @@
           <p:cNvPr id="9" name="Picture 8" descr="A close up of a logo&#10;&#10;Description generated with very high confidence">
             <a:extLst>
               <a:ext uri="{FF2B5EF4-FFF2-40B4-BE49-F238E27FC236}">
-                <a16:creationId xmlns:a16="http://schemas.microsoft.com/office/drawing/2014/main" id="{91DCFCB0-EA05-458A-BF6B-57EA465C1896}"/>
+                <a16:creationId xmlns:a16="http://schemas.microsoft.com/office/drawing/2014/main" xmlns="" id="{91DCFCB0-EA05-458A-BF6B-57EA465C1896}"/>
               </a:ext>
             </a:extLst>
           </p:cNvPr>
@@ -8408,10 +8421,10 @@
           <p:nvPr/>
         </p:nvPicPr>
         <p:blipFill>
-          <a:blip r:embed="rId3">
+          <a:blip r:embed="rId3" cstate="print">
             <a:extLst>
               <a:ext uri="{28A0092B-C50C-407E-A947-70E740481C1C}">
-                <a14:useLocalDpi xmlns:a14="http://schemas.microsoft.com/office/drawing/2010/main" val="0"/>
+                <a14:useLocalDpi xmlns:a14="http://schemas.microsoft.com/office/drawing/2010/main" xmlns="" val="0"/>
               </a:ext>
             </a:extLst>
           </a:blip>
@@ -8432,7 +8445,7 @@
     </p:spTree>
     <p:extLst>
       <p:ext uri="{BB962C8B-B14F-4D97-AF65-F5344CB8AC3E}">
-        <p14:creationId xmlns:p14="http://schemas.microsoft.com/office/powerpoint/2010/main" val="673806096"/>
+        <p14:creationId xmlns:p14="http://schemas.microsoft.com/office/powerpoint/2010/main" xmlns="" val="673806096"/>
       </p:ext>
     </p:extLst>
   </p:cSld>
@@ -8566,7 +8579,7 @@
           <p:cNvPr id="6" name="Picture 5">
             <a:extLst>
               <a:ext uri="{FF2B5EF4-FFF2-40B4-BE49-F238E27FC236}">
-                <a16:creationId xmlns:a16="http://schemas.microsoft.com/office/drawing/2014/main" id="{CA7007E2-F4BB-4A93-9306-E1814CD7740D}"/>
+                <a16:creationId xmlns:a16="http://schemas.microsoft.com/office/drawing/2014/main" xmlns="" id="{CA7007E2-F4BB-4A93-9306-E1814CD7740D}"/>
               </a:ext>
             </a:extLst>
           </p:cNvPr>
@@ -8576,10 +8589,10 @@
           <p:nvPr/>
         </p:nvPicPr>
         <p:blipFill>
-          <a:blip r:embed="rId2">
+          <a:blip r:embed="rId2" cstate="print">
             <a:extLst>
               <a:ext uri="{28A0092B-C50C-407E-A947-70E740481C1C}">
-                <a14:useLocalDpi xmlns:a14="http://schemas.microsoft.com/office/drawing/2010/main" val="0"/>
+                <a14:useLocalDpi xmlns:a14="http://schemas.microsoft.com/office/drawing/2010/main" xmlns="" val="0"/>
               </a:ext>
             </a:extLst>
           </a:blip>
@@ -8602,7 +8615,7 @@
           <p:cNvPr id="11" name="Picture 10" descr="A screenshot of a cell phone&#10;&#10;Description generated with high confidence">
             <a:extLst>
               <a:ext uri="{FF2B5EF4-FFF2-40B4-BE49-F238E27FC236}">
-                <a16:creationId xmlns:a16="http://schemas.microsoft.com/office/drawing/2014/main" id="{AD5AD4C7-C2AB-40F5-96CF-88B3788A5F14}"/>
+                <a16:creationId xmlns:a16="http://schemas.microsoft.com/office/drawing/2014/main" xmlns="" id="{AD5AD4C7-C2AB-40F5-96CF-88B3788A5F14}"/>
               </a:ext>
             </a:extLst>
           </p:cNvPr>
@@ -8612,10 +8625,10 @@
           <p:nvPr/>
         </p:nvPicPr>
         <p:blipFill>
-          <a:blip r:embed="rId3">
+          <a:blip r:embed="rId3" cstate="print">
             <a:extLst>
               <a:ext uri="{28A0092B-C50C-407E-A947-70E740481C1C}">
-                <a14:useLocalDpi xmlns:a14="http://schemas.microsoft.com/office/drawing/2010/main" val="0"/>
+                <a14:useLocalDpi xmlns:a14="http://schemas.microsoft.com/office/drawing/2010/main" xmlns="" val="0"/>
               </a:ext>
             </a:extLst>
           </a:blip>
@@ -8636,7 +8649,7 @@
     </p:spTree>
     <p:extLst>
       <p:ext uri="{BB962C8B-B14F-4D97-AF65-F5344CB8AC3E}">
-        <p14:creationId xmlns:p14="http://schemas.microsoft.com/office/powerpoint/2010/main" val="550696119"/>
+        <p14:creationId xmlns:p14="http://schemas.microsoft.com/office/powerpoint/2010/main" xmlns="" val="550696119"/>
       </p:ext>
     </p:extLst>
   </p:cSld>
@@ -8801,7 +8814,7 @@
           <p:cNvPr id="15" name="Content Placeholder 14" descr="A screenshot of a computer&#10;&#10;Description generated with high confidence">
             <a:extLst>
               <a:ext uri="{FF2B5EF4-FFF2-40B4-BE49-F238E27FC236}">
-                <a16:creationId xmlns:a16="http://schemas.microsoft.com/office/drawing/2014/main" id="{59F37A54-6A50-4C4E-BD79-BA2E6BEDF1CB}"/>
+                <a16:creationId xmlns:a16="http://schemas.microsoft.com/office/drawing/2014/main" xmlns="" id="{59F37A54-6A50-4C4E-BD79-BA2E6BEDF1CB}"/>
               </a:ext>
             </a:extLst>
           </p:cNvPr>
@@ -8813,10 +8826,10 @@
           </p:nvPr>
         </p:nvPicPr>
         <p:blipFill>
-          <a:blip r:embed="rId2">
+          <a:blip r:embed="rId2" cstate="print">
             <a:extLst>
               <a:ext uri="{28A0092B-C50C-407E-A947-70E740481C1C}">
-                <a14:useLocalDpi xmlns:a14="http://schemas.microsoft.com/office/drawing/2010/main" val="0"/>
+                <a14:useLocalDpi xmlns:a14="http://schemas.microsoft.com/office/drawing/2010/main" xmlns="" val="0"/>
               </a:ext>
             </a:extLst>
           </a:blip>
@@ -8834,7 +8847,7 @@
     </p:spTree>
     <p:extLst>
       <p:ext uri="{BB962C8B-B14F-4D97-AF65-F5344CB8AC3E}">
-        <p14:creationId xmlns:p14="http://schemas.microsoft.com/office/powerpoint/2010/main" val="2548415198"/>
+        <p14:creationId xmlns:p14="http://schemas.microsoft.com/office/powerpoint/2010/main" xmlns="" val="2548415198"/>
       </p:ext>
     </p:extLst>
   </p:cSld>
@@ -8891,7 +8904,7 @@
           <p:cNvPr id="4" name="Content Placeholder 3">
             <a:extLst>
               <a:ext uri="{FF2B5EF4-FFF2-40B4-BE49-F238E27FC236}">
-                <a16:creationId xmlns:a16="http://schemas.microsoft.com/office/drawing/2014/main" id="{D10F532C-291C-4424-AD42-7F2EA72E576C}"/>
+                <a16:creationId xmlns:a16="http://schemas.microsoft.com/office/drawing/2014/main" xmlns="" id="{D10F532C-291C-4424-AD42-7F2EA72E576C}"/>
               </a:ext>
             </a:extLst>
           </p:cNvPr>
@@ -8962,7 +8975,7 @@
     </p:spTree>
     <p:extLst>
       <p:ext uri="{BB962C8B-B14F-4D97-AF65-F5344CB8AC3E}">
-        <p14:creationId xmlns:p14="http://schemas.microsoft.com/office/powerpoint/2010/main" val="2420491585"/>
+        <p14:creationId xmlns:p14="http://schemas.microsoft.com/office/powerpoint/2010/main" xmlns="" val="2420491585"/>
       </p:ext>
     </p:extLst>
   </p:cSld>
@@ -9019,7 +9032,7 @@
           <p:cNvPr id="4" name="Content Placeholder 3">
             <a:extLst>
               <a:ext uri="{FF2B5EF4-FFF2-40B4-BE49-F238E27FC236}">
-                <a16:creationId xmlns:a16="http://schemas.microsoft.com/office/drawing/2014/main" id="{D10F532C-291C-4424-AD42-7F2EA72E576C}"/>
+                <a16:creationId xmlns:a16="http://schemas.microsoft.com/office/drawing/2014/main" xmlns="" id="{D10F532C-291C-4424-AD42-7F2EA72E576C}"/>
               </a:ext>
             </a:extLst>
           </p:cNvPr>
@@ -9065,7 +9078,7 @@
           <p:cNvPr id="5" name="Picture 4">
             <a:extLst>
               <a:ext uri="{FF2B5EF4-FFF2-40B4-BE49-F238E27FC236}">
-                <a16:creationId xmlns:a16="http://schemas.microsoft.com/office/drawing/2014/main" id="{7E9EAE57-CB78-4FEB-8EAB-0D33CA8EBD80}"/>
+                <a16:creationId xmlns:a16="http://schemas.microsoft.com/office/drawing/2014/main" xmlns="" id="{7E9EAE57-CB78-4FEB-8EAB-0D33CA8EBD80}"/>
               </a:ext>
             </a:extLst>
           </p:cNvPr>
@@ -9075,10 +9088,10 @@
           <p:nvPr/>
         </p:nvPicPr>
         <p:blipFill>
-          <a:blip r:embed="rId2">
+          <a:blip r:embed="rId2" cstate="print">
             <a:extLst>
               <a:ext uri="{28A0092B-C50C-407E-A947-70E740481C1C}">
-                <a14:useLocalDpi xmlns:a14="http://schemas.microsoft.com/office/drawing/2010/main" val="0"/>
+                <a14:useLocalDpi xmlns:a14="http://schemas.microsoft.com/office/drawing/2010/main" xmlns="" val="0"/>
               </a:ext>
             </a:extLst>
           </a:blip>
@@ -9101,7 +9114,7 @@
           <p:cNvPr id="7" name="Picture 6" descr="A screenshot of a cell phone&#10;&#10;Description generated with very high confidence">
             <a:extLst>
               <a:ext uri="{FF2B5EF4-FFF2-40B4-BE49-F238E27FC236}">
-                <a16:creationId xmlns:a16="http://schemas.microsoft.com/office/drawing/2014/main" id="{A22E32BE-F5A8-4A12-8723-2B50D48F9462}"/>
+                <a16:creationId xmlns:a16="http://schemas.microsoft.com/office/drawing/2014/main" xmlns="" id="{A22E32BE-F5A8-4A12-8723-2B50D48F9462}"/>
               </a:ext>
             </a:extLst>
           </p:cNvPr>
@@ -9111,10 +9124,10 @@
           <p:nvPr/>
         </p:nvPicPr>
         <p:blipFill>
-          <a:blip r:embed="rId3">
+          <a:blip r:embed="rId3" cstate="print">
             <a:extLst>
               <a:ext uri="{28A0092B-C50C-407E-A947-70E740481C1C}">
-                <a14:useLocalDpi xmlns:a14="http://schemas.microsoft.com/office/drawing/2010/main" val="0"/>
+                <a14:useLocalDpi xmlns:a14="http://schemas.microsoft.com/office/drawing/2010/main" xmlns="" val="0"/>
               </a:ext>
             </a:extLst>
           </a:blip>
@@ -9135,7 +9148,7 @@
     </p:spTree>
     <p:extLst>
       <p:ext uri="{BB962C8B-B14F-4D97-AF65-F5344CB8AC3E}">
-        <p14:creationId xmlns:p14="http://schemas.microsoft.com/office/powerpoint/2010/main" val="3296673921"/>
+        <p14:creationId xmlns:p14="http://schemas.microsoft.com/office/powerpoint/2010/main" xmlns="" val="3296673921"/>
       </p:ext>
     </p:extLst>
   </p:cSld>
@@ -9167,7 +9180,7 @@
           <p:cNvPr id="2" name="Title 1">
             <a:extLst>
               <a:ext uri="{FF2B5EF4-FFF2-40B4-BE49-F238E27FC236}">
-                <a16:creationId xmlns:a16="http://schemas.microsoft.com/office/drawing/2014/main" id="{562C69D3-72AE-4D1A-903B-15355CAC6E81}"/>
+                <a16:creationId xmlns:a16="http://schemas.microsoft.com/office/drawing/2014/main" xmlns="" id="{562C69D3-72AE-4D1A-903B-15355CAC6E81}"/>
               </a:ext>
             </a:extLst>
           </p:cNvPr>
@@ -9198,7 +9211,7 @@
           <p:cNvPr id="3" name="Content Placeholder 2">
             <a:extLst>
               <a:ext uri="{FF2B5EF4-FFF2-40B4-BE49-F238E27FC236}">
-                <a16:creationId xmlns:a16="http://schemas.microsoft.com/office/drawing/2014/main" id="{3AB0ED87-3538-4957-875E-DEA297FEE413}"/>
+                <a16:creationId xmlns:a16="http://schemas.microsoft.com/office/drawing/2014/main" xmlns="" id="{3AB0ED87-3538-4957-875E-DEA297FEE413}"/>
               </a:ext>
             </a:extLst>
           </p:cNvPr>
@@ -9321,7 +9334,7 @@
           <p:cNvPr id="5" name="Picture 4" descr="A black sign with white text&#10;&#10;Description generated with high confidence">
             <a:extLst>
               <a:ext uri="{FF2B5EF4-FFF2-40B4-BE49-F238E27FC236}">
-                <a16:creationId xmlns:a16="http://schemas.microsoft.com/office/drawing/2014/main" id="{845D07C1-A75C-49C0-818F-A8BAFED796DF}"/>
+                <a16:creationId xmlns:a16="http://schemas.microsoft.com/office/drawing/2014/main" xmlns="" id="{845D07C1-A75C-49C0-818F-A8BAFED796DF}"/>
               </a:ext>
             </a:extLst>
           </p:cNvPr>
@@ -9331,10 +9344,10 @@
           <p:nvPr/>
         </p:nvPicPr>
         <p:blipFill>
-          <a:blip r:embed="rId2">
+          <a:blip r:embed="rId2" cstate="print">
             <a:extLst>
               <a:ext uri="{28A0092B-C50C-407E-A947-70E740481C1C}">
-                <a14:useLocalDpi xmlns:a14="http://schemas.microsoft.com/office/drawing/2010/main" val="0"/>
+                <a14:useLocalDpi xmlns:a14="http://schemas.microsoft.com/office/drawing/2010/main" xmlns="" val="0"/>
               </a:ext>
             </a:extLst>
           </a:blip>
@@ -9357,7 +9370,7 @@
           <p:cNvPr id="7" name="Picture 6" descr="A black sign with white text&#10;&#10;Description generated with high confidence">
             <a:extLst>
               <a:ext uri="{FF2B5EF4-FFF2-40B4-BE49-F238E27FC236}">
-                <a16:creationId xmlns:a16="http://schemas.microsoft.com/office/drawing/2014/main" id="{E7261C2E-A31C-42E1-B111-1C671C85BD72}"/>
+                <a16:creationId xmlns:a16="http://schemas.microsoft.com/office/drawing/2014/main" xmlns="" id="{E7261C2E-A31C-42E1-B111-1C671C85BD72}"/>
               </a:ext>
             </a:extLst>
           </p:cNvPr>
@@ -9367,10 +9380,10 @@
           <p:nvPr/>
         </p:nvPicPr>
         <p:blipFill>
-          <a:blip r:embed="rId3">
+          <a:blip r:embed="rId3" cstate="print">
             <a:extLst>
               <a:ext uri="{28A0092B-C50C-407E-A947-70E740481C1C}">
-                <a14:useLocalDpi xmlns:a14="http://schemas.microsoft.com/office/drawing/2010/main" val="0"/>
+                <a14:useLocalDpi xmlns:a14="http://schemas.microsoft.com/office/drawing/2010/main" xmlns="" val="0"/>
               </a:ext>
             </a:extLst>
           </a:blip>
@@ -9391,7 +9404,7 @@
     </p:spTree>
     <p:extLst>
       <p:ext uri="{BB962C8B-B14F-4D97-AF65-F5344CB8AC3E}">
-        <p14:creationId xmlns:p14="http://schemas.microsoft.com/office/powerpoint/2010/main" val="3254600149"/>
+        <p14:creationId xmlns:p14="http://schemas.microsoft.com/office/powerpoint/2010/main" xmlns="" val="3254600149"/>
       </p:ext>
     </p:extLst>
   </p:cSld>
@@ -9423,7 +9436,7 @@
           <p:cNvPr id="2" name="Title 1">
             <a:extLst>
               <a:ext uri="{FF2B5EF4-FFF2-40B4-BE49-F238E27FC236}">
-                <a16:creationId xmlns:a16="http://schemas.microsoft.com/office/drawing/2014/main" id="{562C69D3-72AE-4D1A-903B-15355CAC6E81}"/>
+                <a16:creationId xmlns:a16="http://schemas.microsoft.com/office/drawing/2014/main" xmlns="" id="{562C69D3-72AE-4D1A-903B-15355CAC6E81}"/>
               </a:ext>
             </a:extLst>
           </p:cNvPr>
@@ -9454,7 +9467,7 @@
           <p:cNvPr id="3" name="Content Placeholder 2">
             <a:extLst>
               <a:ext uri="{FF2B5EF4-FFF2-40B4-BE49-F238E27FC236}">
-                <a16:creationId xmlns:a16="http://schemas.microsoft.com/office/drawing/2014/main" id="{3AB0ED87-3538-4957-875E-DEA297FEE413}"/>
+                <a16:creationId xmlns:a16="http://schemas.microsoft.com/office/drawing/2014/main" xmlns="" id="{3AB0ED87-3538-4957-875E-DEA297FEE413}"/>
               </a:ext>
             </a:extLst>
           </p:cNvPr>
@@ -9529,7 +9542,7 @@
           <p:cNvPr id="5" name="Picture 4">
             <a:extLst>
               <a:ext uri="{FF2B5EF4-FFF2-40B4-BE49-F238E27FC236}">
-                <a16:creationId xmlns:a16="http://schemas.microsoft.com/office/drawing/2014/main" id="{1F80BDA8-C689-4AB0-A635-3592F969E174}"/>
+                <a16:creationId xmlns:a16="http://schemas.microsoft.com/office/drawing/2014/main" xmlns="" id="{1F80BDA8-C689-4AB0-A635-3592F969E174}"/>
               </a:ext>
             </a:extLst>
           </p:cNvPr>
@@ -9539,10 +9552,10 @@
           <p:nvPr/>
         </p:nvPicPr>
         <p:blipFill>
-          <a:blip r:embed="rId2">
+          <a:blip r:embed="rId2" cstate="print">
             <a:extLst>
               <a:ext uri="{28A0092B-C50C-407E-A947-70E740481C1C}">
-                <a14:useLocalDpi xmlns:a14="http://schemas.microsoft.com/office/drawing/2010/main" val="0"/>
+                <a14:useLocalDpi xmlns:a14="http://schemas.microsoft.com/office/drawing/2010/main" xmlns="" val="0"/>
               </a:ext>
             </a:extLst>
           </a:blip>
@@ -9565,7 +9578,7 @@
           <p:cNvPr id="6" name="Picture 5" descr="A picture containing indoor&#10;&#10;Description generated with high confidence">
             <a:extLst>
               <a:ext uri="{FF2B5EF4-FFF2-40B4-BE49-F238E27FC236}">
-                <a16:creationId xmlns:a16="http://schemas.microsoft.com/office/drawing/2014/main" id="{D495E4D6-0A74-4E10-A892-B0415078A6AA}"/>
+                <a16:creationId xmlns:a16="http://schemas.microsoft.com/office/drawing/2014/main" xmlns="" id="{D495E4D6-0A74-4E10-A892-B0415078A6AA}"/>
               </a:ext>
             </a:extLst>
           </p:cNvPr>
@@ -9575,10 +9588,10 @@
           <p:nvPr/>
         </p:nvPicPr>
         <p:blipFill>
-          <a:blip r:embed="rId3">
+          <a:blip r:embed="rId3" cstate="print">
             <a:extLst>
               <a:ext uri="{28A0092B-C50C-407E-A947-70E740481C1C}">
-                <a14:useLocalDpi xmlns:a14="http://schemas.microsoft.com/office/drawing/2010/main" val="0"/>
+                <a14:useLocalDpi xmlns:a14="http://schemas.microsoft.com/office/drawing/2010/main" xmlns="" val="0"/>
               </a:ext>
             </a:extLst>
           </a:blip>
@@ -9599,7 +9612,7 @@
     </p:spTree>
     <p:extLst>
       <p:ext uri="{BB962C8B-B14F-4D97-AF65-F5344CB8AC3E}">
-        <p14:creationId xmlns:p14="http://schemas.microsoft.com/office/powerpoint/2010/main" val="4150304393"/>
+        <p14:creationId xmlns:p14="http://schemas.microsoft.com/office/powerpoint/2010/main" xmlns="" val="4150304393"/>
       </p:ext>
     </p:extLst>
   </p:cSld>
@@ -9631,7 +9644,7 @@
           <p:cNvPr id="2" name="Title 1">
             <a:extLst>
               <a:ext uri="{FF2B5EF4-FFF2-40B4-BE49-F238E27FC236}">
-                <a16:creationId xmlns:a16="http://schemas.microsoft.com/office/drawing/2014/main" id="{562C69D3-72AE-4D1A-903B-15355CAC6E81}"/>
+                <a16:creationId xmlns:a16="http://schemas.microsoft.com/office/drawing/2014/main" xmlns="" id="{562C69D3-72AE-4D1A-903B-15355CAC6E81}"/>
               </a:ext>
             </a:extLst>
           </p:cNvPr>
@@ -9662,7 +9675,7 @@
           <p:cNvPr id="3" name="Content Placeholder 2">
             <a:extLst>
               <a:ext uri="{FF2B5EF4-FFF2-40B4-BE49-F238E27FC236}">
-                <a16:creationId xmlns:a16="http://schemas.microsoft.com/office/drawing/2014/main" id="{3AB0ED87-3538-4957-875E-DEA297FEE413}"/>
+                <a16:creationId xmlns:a16="http://schemas.microsoft.com/office/drawing/2014/main" xmlns="" id="{3AB0ED87-3538-4957-875E-DEA297FEE413}"/>
               </a:ext>
             </a:extLst>
           </p:cNvPr>
@@ -9749,7 +9762,7 @@
     </p:spTree>
     <p:extLst>
       <p:ext uri="{BB962C8B-B14F-4D97-AF65-F5344CB8AC3E}">
-        <p14:creationId xmlns:p14="http://schemas.microsoft.com/office/powerpoint/2010/main" val="4015262510"/>
+        <p14:creationId xmlns:p14="http://schemas.microsoft.com/office/powerpoint/2010/main" xmlns="" val="4015262510"/>
       </p:ext>
     </p:extLst>
   </p:cSld>
@@ -9781,7 +9794,7 @@
           <p:cNvPr id="2" name="Title 1">
             <a:extLst>
               <a:ext uri="{FF2B5EF4-FFF2-40B4-BE49-F238E27FC236}">
-                <a16:creationId xmlns:a16="http://schemas.microsoft.com/office/drawing/2014/main" id="{562C69D3-72AE-4D1A-903B-15355CAC6E81}"/>
+                <a16:creationId xmlns:a16="http://schemas.microsoft.com/office/drawing/2014/main" xmlns="" id="{562C69D3-72AE-4D1A-903B-15355CAC6E81}"/>
               </a:ext>
             </a:extLst>
           </p:cNvPr>
@@ -9812,7 +9825,7 @@
           <p:cNvPr id="5" name="Content Placeholder 4" descr="A screenshot of a cell phone&#10;&#10;Description generated with very high confidence">
             <a:extLst>
               <a:ext uri="{FF2B5EF4-FFF2-40B4-BE49-F238E27FC236}">
-                <a16:creationId xmlns:a16="http://schemas.microsoft.com/office/drawing/2014/main" id="{8ABC9A22-ABCC-4FBF-85A0-6908BC461883}"/>
+                <a16:creationId xmlns:a16="http://schemas.microsoft.com/office/drawing/2014/main" xmlns="" id="{8ABC9A22-ABCC-4FBF-85A0-6908BC461883}"/>
               </a:ext>
             </a:extLst>
           </p:cNvPr>
@@ -9824,10 +9837,10 @@
           </p:nvPr>
         </p:nvPicPr>
         <p:blipFill>
-          <a:blip r:embed="rId2">
+          <a:blip r:embed="rId2" cstate="print">
             <a:extLst>
               <a:ext uri="{28A0092B-C50C-407E-A947-70E740481C1C}">
-                <a14:useLocalDpi xmlns:a14="http://schemas.microsoft.com/office/drawing/2010/main" val="0"/>
+                <a14:useLocalDpi xmlns:a14="http://schemas.microsoft.com/office/drawing/2010/main" xmlns="" val="0"/>
               </a:ext>
             </a:extLst>
           </a:blip>
@@ -9847,7 +9860,7 @@
           <p:cNvPr id="6" name="Rectangle 5">
             <a:extLst>
               <a:ext uri="{FF2B5EF4-FFF2-40B4-BE49-F238E27FC236}">
-                <a16:creationId xmlns:a16="http://schemas.microsoft.com/office/drawing/2014/main" id="{A282A978-4FEE-4CB8-B9D7-06D85291FFAA}"/>
+                <a16:creationId xmlns:a16="http://schemas.microsoft.com/office/drawing/2014/main" xmlns="" id="{A282A978-4FEE-4CB8-B9D7-06D85291FFAA}"/>
               </a:ext>
             </a:extLst>
           </p:cNvPr>
@@ -9886,7 +9899,7 @@
     </p:spTree>
     <p:extLst>
       <p:ext uri="{BB962C8B-B14F-4D97-AF65-F5344CB8AC3E}">
-        <p14:creationId xmlns:p14="http://schemas.microsoft.com/office/powerpoint/2010/main" val="615500950"/>
+        <p14:creationId xmlns:p14="http://schemas.microsoft.com/office/powerpoint/2010/main" xmlns="" val="615500950"/>
       </p:ext>
     </p:extLst>
   </p:cSld>
@@ -9918,7 +9931,7 @@
           <p:cNvPr id="2" name="Title 1">
             <a:extLst>
               <a:ext uri="{FF2B5EF4-FFF2-40B4-BE49-F238E27FC236}">
-                <a16:creationId xmlns:a16="http://schemas.microsoft.com/office/drawing/2014/main" id="{562C69D3-72AE-4D1A-903B-15355CAC6E81}"/>
+                <a16:creationId xmlns:a16="http://schemas.microsoft.com/office/drawing/2014/main" xmlns="" id="{562C69D3-72AE-4D1A-903B-15355CAC6E81}"/>
               </a:ext>
             </a:extLst>
           </p:cNvPr>
@@ -9949,7 +9962,7 @@
           <p:cNvPr id="4" name="Content Placeholder 3">
             <a:extLst>
               <a:ext uri="{FF2B5EF4-FFF2-40B4-BE49-F238E27FC236}">
-                <a16:creationId xmlns:a16="http://schemas.microsoft.com/office/drawing/2014/main" id="{4E16AD08-9757-44E6-9F27-5C22032A8853}"/>
+                <a16:creationId xmlns:a16="http://schemas.microsoft.com/office/drawing/2014/main" xmlns="" id="{4E16AD08-9757-44E6-9F27-5C22032A8853}"/>
               </a:ext>
             </a:extLst>
           </p:cNvPr>
@@ -10001,7 +10014,7 @@
           <p:cNvPr id="6" name="Picture 5">
             <a:extLst>
               <a:ext uri="{FF2B5EF4-FFF2-40B4-BE49-F238E27FC236}">
-                <a16:creationId xmlns:a16="http://schemas.microsoft.com/office/drawing/2014/main" id="{930ECF1B-E407-4B59-A85F-F0BD84E06C14}"/>
+                <a16:creationId xmlns:a16="http://schemas.microsoft.com/office/drawing/2014/main" xmlns="" id="{930ECF1B-E407-4B59-A85F-F0BD84E06C14}"/>
               </a:ext>
             </a:extLst>
           </p:cNvPr>
@@ -10011,7 +10024,7 @@
           <p:nvPr/>
         </p:nvPicPr>
         <p:blipFill>
-          <a:blip r:embed="rId2"/>
+          <a:blip r:embed="rId2" cstate="print"/>
           <a:stretch>
             <a:fillRect/>
           </a:stretch>
@@ -10029,7 +10042,7 @@
     </p:spTree>
     <p:extLst>
       <p:ext uri="{BB962C8B-B14F-4D97-AF65-F5344CB8AC3E}">
-        <p14:creationId xmlns:p14="http://schemas.microsoft.com/office/powerpoint/2010/main" val="2554437475"/>
+        <p14:creationId xmlns:p14="http://schemas.microsoft.com/office/powerpoint/2010/main" xmlns="" val="2554437475"/>
       </p:ext>
     </p:extLst>
   </p:cSld>
@@ -10061,7 +10074,7 @@
           <p:cNvPr id="2" name="Title 1">
             <a:extLst>
               <a:ext uri="{FF2B5EF4-FFF2-40B4-BE49-F238E27FC236}">
-                <a16:creationId xmlns:a16="http://schemas.microsoft.com/office/drawing/2014/main" id="{562C69D3-72AE-4D1A-903B-15355CAC6E81}"/>
+                <a16:creationId xmlns:a16="http://schemas.microsoft.com/office/drawing/2014/main" xmlns="" id="{562C69D3-72AE-4D1A-903B-15355CAC6E81}"/>
               </a:ext>
             </a:extLst>
           </p:cNvPr>
@@ -10092,7 +10105,7 @@
           <p:cNvPr id="4" name="Content Placeholder 3">
             <a:extLst>
               <a:ext uri="{FF2B5EF4-FFF2-40B4-BE49-F238E27FC236}">
-                <a16:creationId xmlns:a16="http://schemas.microsoft.com/office/drawing/2014/main" id="{4E16AD08-9757-44E6-9F27-5C22032A8853}"/>
+                <a16:creationId xmlns:a16="http://schemas.microsoft.com/office/drawing/2014/main" xmlns="" id="{4E16AD08-9757-44E6-9F27-5C22032A8853}"/>
               </a:ext>
             </a:extLst>
           </p:cNvPr>
@@ -10123,7 +10136,7 @@
           <p:cNvPr id="5" name="Picture 4" descr="A screenshot of a social media post&#10;&#10;Description generated with very high confidence">
             <a:extLst>
               <a:ext uri="{FF2B5EF4-FFF2-40B4-BE49-F238E27FC236}">
-                <a16:creationId xmlns:a16="http://schemas.microsoft.com/office/drawing/2014/main" id="{9DE2B86F-A686-436F-98D4-D1BE241AFC73}"/>
+                <a16:creationId xmlns:a16="http://schemas.microsoft.com/office/drawing/2014/main" xmlns="" id="{9DE2B86F-A686-436F-98D4-D1BE241AFC73}"/>
               </a:ext>
             </a:extLst>
           </p:cNvPr>
@@ -10133,10 +10146,10 @@
           <p:nvPr/>
         </p:nvPicPr>
         <p:blipFill>
-          <a:blip r:embed="rId2">
+          <a:blip r:embed="rId2" cstate="print">
             <a:extLst>
               <a:ext uri="{28A0092B-C50C-407E-A947-70E740481C1C}">
-                <a14:useLocalDpi xmlns:a14="http://schemas.microsoft.com/office/drawing/2010/main" val="0"/>
+                <a14:useLocalDpi xmlns:a14="http://schemas.microsoft.com/office/drawing/2010/main" xmlns="" val="0"/>
               </a:ext>
             </a:extLst>
           </a:blip>
@@ -10157,7 +10170,7 @@
     </p:spTree>
     <p:extLst>
       <p:ext uri="{BB962C8B-B14F-4D97-AF65-F5344CB8AC3E}">
-        <p14:creationId xmlns:p14="http://schemas.microsoft.com/office/powerpoint/2010/main" val="2358108310"/>
+        <p14:creationId xmlns:p14="http://schemas.microsoft.com/office/powerpoint/2010/main" xmlns="" val="2358108310"/>
       </p:ext>
     </p:extLst>
   </p:cSld>
@@ -10189,7 +10202,7 @@
           <p:cNvPr id="2" name="Title 1">
             <a:extLst>
               <a:ext uri="{FF2B5EF4-FFF2-40B4-BE49-F238E27FC236}">
-                <a16:creationId xmlns:a16="http://schemas.microsoft.com/office/drawing/2014/main" id="{562C69D3-72AE-4D1A-903B-15355CAC6E81}"/>
+                <a16:creationId xmlns:a16="http://schemas.microsoft.com/office/drawing/2014/main" xmlns="" id="{562C69D3-72AE-4D1A-903B-15355CAC6E81}"/>
               </a:ext>
             </a:extLst>
           </p:cNvPr>
@@ -10220,7 +10233,7 @@
           <p:cNvPr id="4" name="Content Placeholder 3">
             <a:extLst>
               <a:ext uri="{FF2B5EF4-FFF2-40B4-BE49-F238E27FC236}">
-                <a16:creationId xmlns:a16="http://schemas.microsoft.com/office/drawing/2014/main" id="{4E16AD08-9757-44E6-9F27-5C22032A8853}"/>
+                <a16:creationId xmlns:a16="http://schemas.microsoft.com/office/drawing/2014/main" xmlns="" id="{4E16AD08-9757-44E6-9F27-5C22032A8853}"/>
               </a:ext>
             </a:extLst>
           </p:cNvPr>
@@ -10332,7 +10345,7 @@
     </p:spTree>
     <p:extLst>
       <p:ext uri="{BB962C8B-B14F-4D97-AF65-F5344CB8AC3E}">
-        <p14:creationId xmlns:p14="http://schemas.microsoft.com/office/powerpoint/2010/main" val="3206544684"/>
+        <p14:creationId xmlns:p14="http://schemas.microsoft.com/office/powerpoint/2010/main" xmlns="" val="3206544684"/>
       </p:ext>
     </p:extLst>
   </p:cSld>
@@ -10527,7 +10540,7 @@
           <p:cNvPr id="2" name="Title 1">
             <a:extLst>
               <a:ext uri="{FF2B5EF4-FFF2-40B4-BE49-F238E27FC236}">
-                <a16:creationId xmlns:a16="http://schemas.microsoft.com/office/drawing/2014/main" id="{562C69D3-72AE-4D1A-903B-15355CAC6E81}"/>
+                <a16:creationId xmlns:a16="http://schemas.microsoft.com/office/drawing/2014/main" xmlns="" id="{562C69D3-72AE-4D1A-903B-15355CAC6E81}"/>
               </a:ext>
             </a:extLst>
           </p:cNvPr>
@@ -10558,7 +10571,7 @@
           <p:cNvPr id="4" name="Content Placeholder 3">
             <a:extLst>
               <a:ext uri="{FF2B5EF4-FFF2-40B4-BE49-F238E27FC236}">
-                <a16:creationId xmlns:a16="http://schemas.microsoft.com/office/drawing/2014/main" id="{4E16AD08-9757-44E6-9F27-5C22032A8853}"/>
+                <a16:creationId xmlns:a16="http://schemas.microsoft.com/office/drawing/2014/main" xmlns="" id="{4E16AD08-9757-44E6-9F27-5C22032A8853}"/>
               </a:ext>
             </a:extLst>
           </p:cNvPr>
@@ -10651,44 +10664,40 @@
       </p:sp>
       <p:pic>
         <p:nvPicPr>
-          <p:cNvPr id="6" name="Picture 5" descr="A picture containing screenshot&#10;&#10;Description generated with high confidence">
-            <a:extLst>
-              <a:ext uri="{FF2B5EF4-FFF2-40B4-BE49-F238E27FC236}">
-                <a16:creationId xmlns:a16="http://schemas.microsoft.com/office/drawing/2014/main" id="{07DF4370-E3A3-4182-B6C6-3E7C5504D8E4}"/>
-              </a:ext>
-            </a:extLst>
-          </p:cNvPr>
+          <p:cNvPr id="1026" name="Picture 2"/>
           <p:cNvPicPr>
-            <a:picLocks noChangeAspect="1"/>
+            <a:picLocks noChangeAspect="1" noChangeArrowheads="1"/>
           </p:cNvPicPr>
           <p:nvPr/>
         </p:nvPicPr>
         <p:blipFill>
-          <a:blip r:embed="rId2">
-            <a:extLst>
-              <a:ext uri="{28A0092B-C50C-407E-A947-70E740481C1C}">
-                <a14:useLocalDpi xmlns:a14="http://schemas.microsoft.com/office/drawing/2010/main" val="0"/>
-              </a:ext>
-            </a:extLst>
-          </a:blip>
+          <a:blip r:embed="rId2" cstate="print"/>
+          <a:srcRect/>
           <a:stretch>
             <a:fillRect/>
           </a:stretch>
         </p:blipFill>
-        <p:spPr>
+        <p:spPr bwMode="auto">
           <a:xfrm>
-            <a:off x="762000" y="3200400"/>
-            <a:ext cx="4389500" cy="3002540"/>
+            <a:off x="838200" y="3048000"/>
+            <a:ext cx="4162425" cy="2857500"/>
           </a:xfrm>
           <a:prstGeom prst="rect">
             <a:avLst/>
           </a:prstGeom>
+          <a:noFill/>
+          <a:ln w="9525">
+            <a:noFill/>
+            <a:miter lim="800000"/>
+            <a:headEnd/>
+            <a:tailEnd/>
+          </a:ln>
         </p:spPr>
       </p:pic>
     </p:spTree>
     <p:extLst>
       <p:ext uri="{BB962C8B-B14F-4D97-AF65-F5344CB8AC3E}">
-        <p14:creationId xmlns:p14="http://schemas.microsoft.com/office/powerpoint/2010/main" val="998836353"/>
+        <p14:creationId xmlns:p14="http://schemas.microsoft.com/office/powerpoint/2010/main" xmlns="" val="998836353"/>
       </p:ext>
     </p:extLst>
   </p:cSld>
@@ -10720,7 +10729,7 @@
           <p:cNvPr id="2" name="Title 1">
             <a:extLst>
               <a:ext uri="{FF2B5EF4-FFF2-40B4-BE49-F238E27FC236}">
-                <a16:creationId xmlns:a16="http://schemas.microsoft.com/office/drawing/2014/main" id="{562C69D3-72AE-4D1A-903B-15355CAC6E81}"/>
+                <a16:creationId xmlns:a16="http://schemas.microsoft.com/office/drawing/2014/main" xmlns="" id="{562C69D3-72AE-4D1A-903B-15355CAC6E81}"/>
               </a:ext>
             </a:extLst>
           </p:cNvPr>
@@ -10751,7 +10760,7 @@
           <p:cNvPr id="4" name="Content Placeholder 3">
             <a:extLst>
               <a:ext uri="{FF2B5EF4-FFF2-40B4-BE49-F238E27FC236}">
-                <a16:creationId xmlns:a16="http://schemas.microsoft.com/office/drawing/2014/main" id="{4E16AD08-9757-44E6-9F27-5C22032A8853}"/>
+                <a16:creationId xmlns:a16="http://schemas.microsoft.com/office/drawing/2014/main" xmlns="" id="{4E16AD08-9757-44E6-9F27-5C22032A8853}"/>
               </a:ext>
             </a:extLst>
           </p:cNvPr>
@@ -10860,7 +10869,7 @@
     </p:spTree>
     <p:extLst>
       <p:ext uri="{BB962C8B-B14F-4D97-AF65-F5344CB8AC3E}">
-        <p14:creationId xmlns:p14="http://schemas.microsoft.com/office/powerpoint/2010/main" val="879855724"/>
+        <p14:creationId xmlns:p14="http://schemas.microsoft.com/office/powerpoint/2010/main" xmlns="" val="879855724"/>
       </p:ext>
     </p:extLst>
   </p:cSld>
@@ -10892,7 +10901,7 @@
           <p:cNvPr id="2" name="Title 1">
             <a:extLst>
               <a:ext uri="{FF2B5EF4-FFF2-40B4-BE49-F238E27FC236}">
-                <a16:creationId xmlns:a16="http://schemas.microsoft.com/office/drawing/2014/main" id="{562C69D3-72AE-4D1A-903B-15355CAC6E81}"/>
+                <a16:creationId xmlns:a16="http://schemas.microsoft.com/office/drawing/2014/main" xmlns="" id="{562C69D3-72AE-4D1A-903B-15355CAC6E81}"/>
               </a:ext>
             </a:extLst>
           </p:cNvPr>
@@ -10923,7 +10932,7 @@
           <p:cNvPr id="7" name="Content Placeholder 6">
             <a:extLst>
               <a:ext uri="{FF2B5EF4-FFF2-40B4-BE49-F238E27FC236}">
-                <a16:creationId xmlns:a16="http://schemas.microsoft.com/office/drawing/2014/main" id="{68D05B38-F585-4758-B4C1-0D42E95590A5}"/>
+                <a16:creationId xmlns:a16="http://schemas.microsoft.com/office/drawing/2014/main" xmlns="" id="{68D05B38-F585-4758-B4C1-0D42E95590A5}"/>
               </a:ext>
             </a:extLst>
           </p:cNvPr>
@@ -10952,7 +10961,7 @@
           <p:cNvPr id="9" name="Picture 8" descr="A screenshot of a cell phone&#10;&#10;Description generated with very high confidence">
             <a:extLst>
               <a:ext uri="{FF2B5EF4-FFF2-40B4-BE49-F238E27FC236}">
-                <a16:creationId xmlns:a16="http://schemas.microsoft.com/office/drawing/2014/main" id="{30268BBF-0484-4C2A-807B-B93D738694F1}"/>
+                <a16:creationId xmlns:a16="http://schemas.microsoft.com/office/drawing/2014/main" xmlns="" id="{30268BBF-0484-4C2A-807B-B93D738694F1}"/>
               </a:ext>
             </a:extLst>
           </p:cNvPr>
@@ -10962,10 +10971,10 @@
           <p:nvPr/>
         </p:nvPicPr>
         <p:blipFill>
-          <a:blip r:embed="rId2">
+          <a:blip r:embed="rId2" cstate="print">
             <a:extLst>
               <a:ext uri="{28A0092B-C50C-407E-A947-70E740481C1C}">
-                <a14:useLocalDpi xmlns:a14="http://schemas.microsoft.com/office/drawing/2010/main" val="0"/>
+                <a14:useLocalDpi xmlns:a14="http://schemas.microsoft.com/office/drawing/2010/main" xmlns="" val="0"/>
               </a:ext>
             </a:extLst>
           </a:blip>
@@ -10986,7 +10995,7 @@
     </p:spTree>
     <p:extLst>
       <p:ext uri="{BB962C8B-B14F-4D97-AF65-F5344CB8AC3E}">
-        <p14:creationId xmlns:p14="http://schemas.microsoft.com/office/powerpoint/2010/main" val="760806596"/>
+        <p14:creationId xmlns:p14="http://schemas.microsoft.com/office/powerpoint/2010/main" xmlns="" val="760806596"/>
       </p:ext>
     </p:extLst>
   </p:cSld>
@@ -11018,7 +11027,7 @@
           <p:cNvPr id="2" name="Title 1">
             <a:extLst>
               <a:ext uri="{FF2B5EF4-FFF2-40B4-BE49-F238E27FC236}">
-                <a16:creationId xmlns:a16="http://schemas.microsoft.com/office/drawing/2014/main" id="{562C69D3-72AE-4D1A-903B-15355CAC6E81}"/>
+                <a16:creationId xmlns:a16="http://schemas.microsoft.com/office/drawing/2014/main" xmlns="" id="{562C69D3-72AE-4D1A-903B-15355CAC6E81}"/>
               </a:ext>
             </a:extLst>
           </p:cNvPr>
@@ -11049,7 +11058,7 @@
           <p:cNvPr id="7" name="Content Placeholder 6">
             <a:extLst>
               <a:ext uri="{FF2B5EF4-FFF2-40B4-BE49-F238E27FC236}">
-                <a16:creationId xmlns:a16="http://schemas.microsoft.com/office/drawing/2014/main" id="{68D05B38-F585-4758-B4C1-0D42E95590A5}"/>
+                <a16:creationId xmlns:a16="http://schemas.microsoft.com/office/drawing/2014/main" xmlns="" id="{68D05B38-F585-4758-B4C1-0D42E95590A5}"/>
               </a:ext>
             </a:extLst>
           </p:cNvPr>
@@ -11148,7 +11157,7 @@
     </p:spTree>
     <p:extLst>
       <p:ext uri="{BB962C8B-B14F-4D97-AF65-F5344CB8AC3E}">
-        <p14:creationId xmlns:p14="http://schemas.microsoft.com/office/powerpoint/2010/main" val="3115232454"/>
+        <p14:creationId xmlns:p14="http://schemas.microsoft.com/office/powerpoint/2010/main" xmlns="" val="3115232454"/>
       </p:ext>
     </p:extLst>
   </p:cSld>
@@ -11180,7 +11189,7 @@
           <p:cNvPr id="2" name="Title 1">
             <a:extLst>
               <a:ext uri="{FF2B5EF4-FFF2-40B4-BE49-F238E27FC236}">
-                <a16:creationId xmlns:a16="http://schemas.microsoft.com/office/drawing/2014/main" id="{7F08F2D0-A056-4E63-8D1F-1B8D1071E2CF}"/>
+                <a16:creationId xmlns:a16="http://schemas.microsoft.com/office/drawing/2014/main" xmlns="" id="{7F08F2D0-A056-4E63-8D1F-1B8D1071E2CF}"/>
               </a:ext>
             </a:extLst>
           </p:cNvPr>
@@ -11209,7 +11218,7 @@
           <p:cNvPr id="7" name="Content Placeholder 6">
             <a:extLst>
               <a:ext uri="{FF2B5EF4-FFF2-40B4-BE49-F238E27FC236}">
-                <a16:creationId xmlns:a16="http://schemas.microsoft.com/office/drawing/2014/main" id="{6909534A-08E7-449C-B591-270D34F86A51}"/>
+                <a16:creationId xmlns:a16="http://schemas.microsoft.com/office/drawing/2014/main" xmlns="" id="{6909534A-08E7-449C-B591-270D34F86A51}"/>
               </a:ext>
             </a:extLst>
           </p:cNvPr>
@@ -11266,7 +11275,7 @@
           <p:cNvPr id="9" name="Picture 8" descr="A screenshot of a cell phone&#10;&#10;Description generated with very high confidence">
             <a:extLst>
               <a:ext uri="{FF2B5EF4-FFF2-40B4-BE49-F238E27FC236}">
-                <a16:creationId xmlns:a16="http://schemas.microsoft.com/office/drawing/2014/main" id="{E0BE3555-6759-4D7F-A2EB-9336B120A522}"/>
+                <a16:creationId xmlns:a16="http://schemas.microsoft.com/office/drawing/2014/main" xmlns="" id="{E0BE3555-6759-4D7F-A2EB-9336B120A522}"/>
               </a:ext>
             </a:extLst>
           </p:cNvPr>
@@ -11276,10 +11285,10 @@
           <p:nvPr/>
         </p:nvPicPr>
         <p:blipFill>
-          <a:blip r:embed="rId4">
+          <a:blip r:embed="rId4" cstate="print">
             <a:extLst>
               <a:ext uri="{28A0092B-C50C-407E-A947-70E740481C1C}">
-                <a14:useLocalDpi xmlns:a14="http://schemas.microsoft.com/office/drawing/2010/main" val="0"/>
+                <a14:useLocalDpi xmlns:a14="http://schemas.microsoft.com/office/drawing/2010/main" xmlns="" val="0"/>
               </a:ext>
             </a:extLst>
           </a:blip>
@@ -11300,7 +11309,7 @@
     </p:spTree>
     <p:extLst>
       <p:ext uri="{BB962C8B-B14F-4D97-AF65-F5344CB8AC3E}">
-        <p14:creationId xmlns:p14="http://schemas.microsoft.com/office/powerpoint/2010/main" val="1813829724"/>
+        <p14:creationId xmlns:p14="http://schemas.microsoft.com/office/powerpoint/2010/main" xmlns="" val="1813829724"/>
       </p:ext>
     </p:extLst>
   </p:cSld>
@@ -11332,7 +11341,7 @@
           <p:cNvPr id="2" name="Title 1">
             <a:extLst>
               <a:ext uri="{FF2B5EF4-FFF2-40B4-BE49-F238E27FC236}">
-                <a16:creationId xmlns:a16="http://schemas.microsoft.com/office/drawing/2014/main" id="{D32E4462-1DA1-4153-9F5F-285C67E6182F}"/>
+                <a16:creationId xmlns:a16="http://schemas.microsoft.com/office/drawing/2014/main" xmlns="" id="{D32E4462-1DA1-4153-9F5F-285C67E6182F}"/>
               </a:ext>
             </a:extLst>
           </p:cNvPr>
@@ -11360,7 +11369,7 @@
           <p:cNvPr id="3" name="Content Placeholder 2">
             <a:extLst>
               <a:ext uri="{FF2B5EF4-FFF2-40B4-BE49-F238E27FC236}">
-                <a16:creationId xmlns:a16="http://schemas.microsoft.com/office/drawing/2014/main" id="{A830400D-587F-407D-A196-8BE5ADA10A80}"/>
+                <a16:creationId xmlns:a16="http://schemas.microsoft.com/office/drawing/2014/main" xmlns="" id="{A830400D-587F-407D-A196-8BE5ADA10A80}"/>
               </a:ext>
             </a:extLst>
           </p:cNvPr>
@@ -11397,8 +11406,12 @@
           <a:p>
             <a:pPr algn="l" rtl="0"/>
             <a:r>
-              <a:rPr lang="en-US" dirty="0"/>
-              <a:t>Th Symbol constructor accepts an optional string key, which can be used for debugging but not to access the symbol itself.</a:t>
+              <a:rPr lang="en-US" dirty="0" smtClean="0"/>
+              <a:t>The </a:t>
+            </a:r>
+            <a:r>
+              <a:rPr lang="en-US" dirty="0"/>
+              <a:t>Symbol constructor accepts an optional string key, which can be used for debugging but not to access the symbol itself.</a:t>
             </a:r>
           </a:p>
         </p:txBody>
@@ -11408,7 +11421,7 @@
           <p:cNvPr id="7" name="Picture 6">
             <a:extLst>
               <a:ext uri="{FF2B5EF4-FFF2-40B4-BE49-F238E27FC236}">
-                <a16:creationId xmlns:a16="http://schemas.microsoft.com/office/drawing/2014/main" id="{131F2B4C-2F59-43E4-84EE-CA5A03B1F030}"/>
+                <a16:creationId xmlns:a16="http://schemas.microsoft.com/office/drawing/2014/main" xmlns="" id="{131F2B4C-2F59-43E4-84EE-CA5A03B1F030}"/>
               </a:ext>
             </a:extLst>
           </p:cNvPr>
@@ -11418,7 +11431,7 @@
           <p:nvPr/>
         </p:nvPicPr>
         <p:blipFill>
-          <a:blip r:embed="rId2"/>
+          <a:blip r:embed="rId2" cstate="print"/>
           <a:stretch>
             <a:fillRect/>
           </a:stretch>
@@ -11436,7 +11449,7 @@
     </p:spTree>
     <p:extLst>
       <p:ext uri="{BB962C8B-B14F-4D97-AF65-F5344CB8AC3E}">
-        <p14:creationId xmlns:p14="http://schemas.microsoft.com/office/powerpoint/2010/main" val="1776338169"/>
+        <p14:creationId xmlns:p14="http://schemas.microsoft.com/office/powerpoint/2010/main" xmlns="" val="1776338169"/>
       </p:ext>
     </p:extLst>
   </p:cSld>
@@ -11468,7 +11481,7 @@
           <p:cNvPr id="2" name="Title 1">
             <a:extLst>
               <a:ext uri="{FF2B5EF4-FFF2-40B4-BE49-F238E27FC236}">
-                <a16:creationId xmlns:a16="http://schemas.microsoft.com/office/drawing/2014/main" id="{858C8845-FECD-4834-9550-162F13043C8C}"/>
+                <a16:creationId xmlns:a16="http://schemas.microsoft.com/office/drawing/2014/main" xmlns="" id="{858C8845-FECD-4834-9550-162F13043C8C}"/>
               </a:ext>
             </a:extLst>
           </p:cNvPr>
@@ -11496,7 +11509,7 @@
           <p:cNvPr id="3" name="Content Placeholder 2">
             <a:extLst>
               <a:ext uri="{FF2B5EF4-FFF2-40B4-BE49-F238E27FC236}">
-                <a16:creationId xmlns:a16="http://schemas.microsoft.com/office/drawing/2014/main" id="{C9A6B373-5D29-4381-A1A3-748A8C485E92}"/>
+                <a16:creationId xmlns:a16="http://schemas.microsoft.com/office/drawing/2014/main" xmlns="" id="{C9A6B373-5D29-4381-A1A3-748A8C485E92}"/>
               </a:ext>
             </a:extLst>
           </p:cNvPr>
@@ -11546,7 +11559,7 @@
           <p:cNvPr id="4" name="Picture 3">
             <a:extLst>
               <a:ext uri="{FF2B5EF4-FFF2-40B4-BE49-F238E27FC236}">
-                <a16:creationId xmlns:a16="http://schemas.microsoft.com/office/drawing/2014/main" id="{2E559FEF-CD7D-4C90-B929-4274F2FF4A93}"/>
+                <a16:creationId xmlns:a16="http://schemas.microsoft.com/office/drawing/2014/main" xmlns="" id="{2E559FEF-CD7D-4C90-B929-4274F2FF4A93}"/>
               </a:ext>
             </a:extLst>
           </p:cNvPr>
@@ -11556,7 +11569,7 @@
           <p:nvPr/>
         </p:nvPicPr>
         <p:blipFill>
-          <a:blip r:embed="rId2"/>
+          <a:blip r:embed="rId2" cstate="print"/>
           <a:stretch>
             <a:fillRect/>
           </a:stretch>
@@ -11576,7 +11589,7 @@
           <p:cNvPr id="5" name="Picture 4">
             <a:extLst>
               <a:ext uri="{FF2B5EF4-FFF2-40B4-BE49-F238E27FC236}">
-                <a16:creationId xmlns:a16="http://schemas.microsoft.com/office/drawing/2014/main" id="{DE27BDB9-E9D8-42D7-9FE8-72AC7EA3CDAA}"/>
+                <a16:creationId xmlns:a16="http://schemas.microsoft.com/office/drawing/2014/main" xmlns="" id="{DE27BDB9-E9D8-42D7-9FE8-72AC7EA3CDAA}"/>
               </a:ext>
             </a:extLst>
           </p:cNvPr>
@@ -11586,7 +11599,7 @@
           <p:nvPr/>
         </p:nvPicPr>
         <p:blipFill>
-          <a:blip r:embed="rId3"/>
+          <a:blip r:embed="rId3" cstate="print"/>
           <a:stretch>
             <a:fillRect/>
           </a:stretch>
@@ -11604,7 +11617,7 @@
     </p:spTree>
     <p:extLst>
       <p:ext uri="{BB962C8B-B14F-4D97-AF65-F5344CB8AC3E}">
-        <p14:creationId xmlns:p14="http://schemas.microsoft.com/office/powerpoint/2010/main" val="2586240817"/>
+        <p14:creationId xmlns:p14="http://schemas.microsoft.com/office/powerpoint/2010/main" xmlns="" val="2586240817"/>
       </p:ext>
     </p:extLst>
   </p:cSld>
@@ -11636,7 +11649,7 @@
           <p:cNvPr id="2" name="Title 1">
             <a:extLst>
               <a:ext uri="{FF2B5EF4-FFF2-40B4-BE49-F238E27FC236}">
-                <a16:creationId xmlns:a16="http://schemas.microsoft.com/office/drawing/2014/main" id="{D3FE3846-8C1F-4071-BFD6-CE0F51CF355E}"/>
+                <a16:creationId xmlns:a16="http://schemas.microsoft.com/office/drawing/2014/main" xmlns="" id="{D3FE3846-8C1F-4071-BFD6-CE0F51CF355E}"/>
               </a:ext>
             </a:extLst>
           </p:cNvPr>
@@ -11664,7 +11677,7 @@
           <p:cNvPr id="3" name="Content Placeholder 2">
             <a:extLst>
               <a:ext uri="{FF2B5EF4-FFF2-40B4-BE49-F238E27FC236}">
-                <a16:creationId xmlns:a16="http://schemas.microsoft.com/office/drawing/2014/main" id="{BE97C54F-39A2-4BED-91FE-5E77AC566179}"/>
+                <a16:creationId xmlns:a16="http://schemas.microsoft.com/office/drawing/2014/main" xmlns="" id="{BE97C54F-39A2-4BED-91FE-5E77AC566179}"/>
               </a:ext>
             </a:extLst>
           </p:cNvPr>
@@ -11716,7 +11729,7 @@
           <p:cNvPr id="6" name="Picture 5">
             <a:extLst>
               <a:ext uri="{FF2B5EF4-FFF2-40B4-BE49-F238E27FC236}">
-                <a16:creationId xmlns:a16="http://schemas.microsoft.com/office/drawing/2014/main" id="{B940AEB2-F8AA-436A-B187-ABC03CC19A39}"/>
+                <a16:creationId xmlns:a16="http://schemas.microsoft.com/office/drawing/2014/main" xmlns="" id="{B940AEB2-F8AA-436A-B187-ABC03CC19A39}"/>
               </a:ext>
             </a:extLst>
           </p:cNvPr>
@@ -11726,7 +11739,7 @@
           <p:nvPr/>
         </p:nvPicPr>
         <p:blipFill>
-          <a:blip r:embed="rId2"/>
+          <a:blip r:embed="rId2" cstate="print"/>
           <a:stretch>
             <a:fillRect/>
           </a:stretch>
@@ -11744,7 +11757,7 @@
     </p:spTree>
     <p:extLst>
       <p:ext uri="{BB962C8B-B14F-4D97-AF65-F5344CB8AC3E}">
-        <p14:creationId xmlns:p14="http://schemas.microsoft.com/office/powerpoint/2010/main" val="4011531002"/>
+        <p14:creationId xmlns:p14="http://schemas.microsoft.com/office/powerpoint/2010/main" xmlns="" val="4011531002"/>
       </p:ext>
     </p:extLst>
   </p:cSld>
@@ -11776,7 +11789,7 @@
           <p:cNvPr id="2" name="Title 1">
             <a:extLst>
               <a:ext uri="{FF2B5EF4-FFF2-40B4-BE49-F238E27FC236}">
-                <a16:creationId xmlns:a16="http://schemas.microsoft.com/office/drawing/2014/main" id="{3C961985-BE9B-4BA9-932E-71FE70B49B84}"/>
+                <a16:creationId xmlns:a16="http://schemas.microsoft.com/office/drawing/2014/main" xmlns="" id="{3C961985-BE9B-4BA9-932E-71FE70B49B84}"/>
               </a:ext>
             </a:extLst>
           </p:cNvPr>
@@ -11804,7 +11817,7 @@
           <p:cNvPr id="3" name="Content Placeholder 2">
             <a:extLst>
               <a:ext uri="{FF2B5EF4-FFF2-40B4-BE49-F238E27FC236}">
-                <a16:creationId xmlns:a16="http://schemas.microsoft.com/office/drawing/2014/main" id="{37B7ECB4-A88C-4A14-9F0F-462D5A393D3C}"/>
+                <a16:creationId xmlns:a16="http://schemas.microsoft.com/office/drawing/2014/main" xmlns="" id="{37B7ECB4-A88C-4A14-9F0F-462D5A393D3C}"/>
               </a:ext>
             </a:extLst>
           </p:cNvPr>
@@ -11916,7 +11929,7 @@
           <p:cNvPr id="5" name="Picture 4">
             <a:extLst>
               <a:ext uri="{FF2B5EF4-FFF2-40B4-BE49-F238E27FC236}">
-                <a16:creationId xmlns:a16="http://schemas.microsoft.com/office/drawing/2014/main" id="{7886B179-B93C-4CDA-8209-EB70382E7770}"/>
+                <a16:creationId xmlns:a16="http://schemas.microsoft.com/office/drawing/2014/main" xmlns="" id="{7886B179-B93C-4CDA-8209-EB70382E7770}"/>
               </a:ext>
             </a:extLst>
           </p:cNvPr>
@@ -11926,7 +11939,7 @@
           <p:nvPr/>
         </p:nvPicPr>
         <p:blipFill>
-          <a:blip r:embed="rId2"/>
+          <a:blip r:embed="rId2" cstate="print"/>
           <a:stretch>
             <a:fillRect/>
           </a:stretch>
@@ -11944,7 +11957,7 @@
     </p:spTree>
     <p:extLst>
       <p:ext uri="{BB962C8B-B14F-4D97-AF65-F5344CB8AC3E}">
-        <p14:creationId xmlns:p14="http://schemas.microsoft.com/office/powerpoint/2010/main" val="3011146725"/>
+        <p14:creationId xmlns:p14="http://schemas.microsoft.com/office/powerpoint/2010/main" xmlns="" val="3011146725"/>
       </p:ext>
     </p:extLst>
   </p:cSld>
@@ -11976,7 +11989,7 @@
           <p:cNvPr id="2" name="Title 1">
             <a:extLst>
               <a:ext uri="{FF2B5EF4-FFF2-40B4-BE49-F238E27FC236}">
-                <a16:creationId xmlns:a16="http://schemas.microsoft.com/office/drawing/2014/main" id="{2201F607-DB8F-4E28-91E9-7D50FC941DBB}"/>
+                <a16:creationId xmlns:a16="http://schemas.microsoft.com/office/drawing/2014/main" xmlns="" id="{2201F607-DB8F-4E28-91E9-7D50FC941DBB}"/>
               </a:ext>
             </a:extLst>
           </p:cNvPr>
@@ -12004,7 +12017,7 @@
           <p:cNvPr id="3" name="Content Placeholder 2">
             <a:extLst>
               <a:ext uri="{FF2B5EF4-FFF2-40B4-BE49-F238E27FC236}">
-                <a16:creationId xmlns:a16="http://schemas.microsoft.com/office/drawing/2014/main" id="{8DD35AA3-71FC-45D7-9CDE-974490470840}"/>
+                <a16:creationId xmlns:a16="http://schemas.microsoft.com/office/drawing/2014/main" xmlns="" id="{8DD35AA3-71FC-45D7-9CDE-974490470840}"/>
               </a:ext>
             </a:extLst>
           </p:cNvPr>
@@ -12099,7 +12112,7 @@
           <p:cNvPr id="6" name="Picture 5">
             <a:extLst>
               <a:ext uri="{FF2B5EF4-FFF2-40B4-BE49-F238E27FC236}">
-                <a16:creationId xmlns:a16="http://schemas.microsoft.com/office/drawing/2014/main" id="{DADFD72D-4E67-4131-BF06-60ABDFCF2201}"/>
+                <a16:creationId xmlns:a16="http://schemas.microsoft.com/office/drawing/2014/main" xmlns="" id="{DADFD72D-4E67-4131-BF06-60ABDFCF2201}"/>
               </a:ext>
             </a:extLst>
           </p:cNvPr>
@@ -12109,7 +12122,7 @@
           <p:nvPr/>
         </p:nvPicPr>
         <p:blipFill>
-          <a:blip r:embed="rId2"/>
+          <a:blip r:embed="rId2" cstate="print"/>
           <a:stretch>
             <a:fillRect/>
           </a:stretch>
@@ -12127,7 +12140,7 @@
     </p:spTree>
     <p:extLst>
       <p:ext uri="{BB962C8B-B14F-4D97-AF65-F5344CB8AC3E}">
-        <p14:creationId xmlns:p14="http://schemas.microsoft.com/office/powerpoint/2010/main" val="658983501"/>
+        <p14:creationId xmlns:p14="http://schemas.microsoft.com/office/powerpoint/2010/main" xmlns="" val="658983501"/>
       </p:ext>
     </p:extLst>
   </p:cSld>
@@ -12403,9 +12416,18 @@
                 </a:solidFill>
                 <a:hlinkClick r:id="rId4"/>
               </a:rPr>
-              <a:t>https://basarat.gitbooks.io/typescript</a:t>
-            </a:r>
-            <a:endParaRPr lang="en-US" dirty="0">
+              <a:t>https://</a:t>
+            </a:r>
+            <a:r>
+              <a:rPr lang="en-US" dirty="0" smtClean="0">
+                <a:solidFill>
+                  <a:srgbClr val="FF0000"/>
+                </a:solidFill>
+                <a:hlinkClick r:id="rId4"/>
+              </a:rPr>
+              <a:t>basarat.gitbooks.io/typescript</a:t>
+            </a:r>
+            <a:endParaRPr lang="en-US" dirty="0" smtClean="0">
               <a:solidFill>
                 <a:srgbClr val="FF0000"/>
               </a:solidFill>
@@ -12414,30 +12436,26 @@
           <a:p>
             <a:pPr algn="l" rtl="0"/>
             <a:r>
-              <a:rPr lang="en-US" dirty="0">
-                <a:solidFill>
-                  <a:srgbClr val="FF0000"/>
-                </a:solidFill>
+              <a:rPr lang="en-US" dirty="0" smtClean="0">
                 <a:hlinkClick r:id="rId5"/>
               </a:rPr>
-              <a:t>https://jameshenry.blog/typescript-null-and-undefined-types/</a:t>
-            </a:r>
-            <a:endParaRPr lang="en-US" dirty="0">
-              <a:solidFill>
-                <a:srgbClr val="FF0000"/>
-              </a:solidFill>
-            </a:endParaRPr>
-          </a:p>
-          <a:p>
-            <a:pPr algn="l" rtl="0"/>
-            <a:r>
-              <a:rPr lang="en-US" dirty="0">
-                <a:solidFill>
-                  <a:srgbClr val="FF0000"/>
-                </a:solidFill>
+              <a:t>https://</a:t>
+            </a:r>
+            <a:r>
+              <a:rPr lang="en-US" dirty="0" smtClean="0">
+                <a:hlinkClick r:id="rId5"/>
+              </a:rPr>
+              <a:t>dev.to/aman_singh/abstract-operations-the-key-to-understand-coercion-in-javascript-453i</a:t>
+            </a:r>
+            <a:endParaRPr lang="en-US" dirty="0" smtClean="0"/>
+          </a:p>
+          <a:p>
+            <a:pPr algn="l" rtl="0"/>
+            <a:r>
+              <a:rPr lang="en-US" dirty="0" smtClean="0">
                 <a:hlinkClick r:id="rId6"/>
               </a:rPr>
-              <a:t>https://codeburst.io/javascript-null-vs-undefined-20f955215a2</a:t>
+              <a:t>https://tc39.es/ecma262/#sec-abstract-operations</a:t>
             </a:r>
             <a:endParaRPr lang="en-US" dirty="0">
               <a:solidFill>
@@ -12454,7 +12472,7 @@
                 </a:solidFill>
                 <a:hlinkClick r:id="rId7"/>
               </a:rPr>
-              <a:t>https://codeburst.io/understanding-null-undefined-and-nan-b603cb74b44c</a:t>
+              <a:t>https://jameshenry.blog/typescript-null-and-undefined-types/</a:t>
             </a:r>
             <a:endParaRPr lang="en-US" dirty="0">
               <a:solidFill>
@@ -12471,7 +12489,7 @@
                 </a:solidFill>
                 <a:hlinkClick r:id="rId8"/>
               </a:rPr>
-              <a:t>https://developer.mozilla.org/en-US/docs/Web/JavaScript/Reference/Global_Objects/null</a:t>
+              <a:t>https://codeburst.io/javascript-null-vs-undefined-20f955215a2</a:t>
             </a:r>
             <a:endParaRPr lang="en-US" dirty="0">
               <a:solidFill>
@@ -12488,7 +12506,7 @@
                 </a:solidFill>
                 <a:hlinkClick r:id="rId9"/>
               </a:rPr>
-              <a:t>https://github.com/Microsoft/TypeScript</a:t>
+              <a:t>https://codeburst.io/understanding-null-undefined-and-nan-b603cb74b44c</a:t>
             </a:r>
             <a:endParaRPr lang="en-US" dirty="0">
               <a:solidFill>
@@ -12505,7 +12523,7 @@
                 </a:solidFill>
                 <a:hlinkClick r:id="rId10"/>
               </a:rPr>
-              <a:t>https://msdn.microsoft.com/en-us/magazine/dn890374.aspx</a:t>
+              <a:t>https://developer.mozilla.org/en-US/docs/Web/JavaScript/Reference/Global_Objects/null</a:t>
             </a:r>
             <a:endParaRPr lang="en-US" dirty="0">
               <a:solidFill>
@@ -12522,7 +12540,7 @@
                 </a:solidFill>
                 <a:hlinkClick r:id="rId11"/>
               </a:rPr>
-              <a:t>https://codeburst.io/how-this-keyword-work-in-javascript-6b31104b5ef9</a:t>
+              <a:t>https://github.com/Microsoft/TypeScript</a:t>
             </a:r>
             <a:endParaRPr lang="en-US" dirty="0">
               <a:solidFill>
@@ -12539,7 +12557,7 @@
                 </a:solidFill>
                 <a:hlinkClick r:id="rId12"/>
               </a:rPr>
-              <a:t>https://bytearcher.com/articles/es6-vs-es2015-name/</a:t>
+              <a:t>https://msdn.microsoft.com/en-us/magazine/dn890374.aspx</a:t>
             </a:r>
             <a:endParaRPr lang="en-US" dirty="0">
               <a:solidFill>
@@ -12556,7 +12574,7 @@
                 </a:solidFill>
                 <a:hlinkClick r:id="rId13"/>
               </a:rPr>
-              <a:t>https://codeburst.io/a-simple-guide-to-es6-iterators-in-javascript-with-examples-189d052c3d8e</a:t>
+              <a:t>https://codeburst.io/how-this-keyword-work-in-javascript-6b31104b5ef9</a:t>
             </a:r>
             <a:endParaRPr lang="en-US" dirty="0">
               <a:solidFill>
@@ -12573,7 +12591,7 @@
                 </a:solidFill>
                 <a:hlinkClick r:id="rId14"/>
               </a:rPr>
-              <a:t>http://www.ecma-international.org/ecma-262/6.0/#sec-iteration</a:t>
+              <a:t>https://bytearcher.com/articles/es6-vs-es2015-name/</a:t>
             </a:r>
             <a:endParaRPr lang="en-US" dirty="0">
               <a:solidFill>
@@ -12590,7 +12608,7 @@
                 </a:solidFill>
                 <a:hlinkClick r:id="rId15"/>
               </a:rPr>
-              <a:t>https://www.ynonperek.com/2017/08/28/3-cool-uses-for/</a:t>
+              <a:t>https://codeburst.io/a-simple-guide-to-es6-iterators-in-javascript-with-examples-189d052c3d8e</a:t>
             </a:r>
             <a:endParaRPr lang="en-US" dirty="0">
               <a:solidFill>
@@ -12607,7 +12625,7 @@
                 </a:solidFill>
                 <a:hlinkClick r:id="rId16"/>
               </a:rPr>
-              <a:t>http://www.benmvp.com/learning-es6-generators-as-iterators/</a:t>
+              <a:t>http://www.ecma-international.org/ecma-262/6.0/#sec-iteration</a:t>
             </a:r>
             <a:endParaRPr lang="en-US" dirty="0">
               <a:solidFill>
@@ -12624,7 +12642,7 @@
                 </a:solidFill>
                 <a:hlinkClick r:id="rId17"/>
               </a:rPr>
-              <a:t>http://exploringjs.com/es6/ch_generators.html#leanpub-auto-iterating-over-trees</a:t>
+              <a:t>https://www.ynonperek.com/2017/08/28/3-cool-uses-for/</a:t>
             </a:r>
             <a:endParaRPr lang="en-US" dirty="0">
               <a:solidFill>
@@ -12636,8 +12654,42 @@
             <a:pPr algn="l" rtl="0"/>
             <a:r>
               <a:rPr lang="en-US" dirty="0">
+                <a:solidFill>
+                  <a:srgbClr val="FF0000"/>
+                </a:solidFill>
                 <a:hlinkClick r:id="rId18"/>
               </a:rPr>
+              <a:t>http://www.benmvp.com/learning-es6-generators-as-iterators/</a:t>
+            </a:r>
+            <a:endParaRPr lang="en-US" dirty="0">
+              <a:solidFill>
+                <a:srgbClr val="FF0000"/>
+              </a:solidFill>
+            </a:endParaRPr>
+          </a:p>
+          <a:p>
+            <a:pPr algn="l" rtl="0"/>
+            <a:r>
+              <a:rPr lang="en-US" dirty="0">
+                <a:solidFill>
+                  <a:srgbClr val="FF0000"/>
+                </a:solidFill>
+                <a:hlinkClick r:id="rId19"/>
+              </a:rPr>
+              <a:t>http://exploringjs.com/es6/ch_generators.html#leanpub-auto-iterating-over-trees</a:t>
+            </a:r>
+            <a:endParaRPr lang="en-US" dirty="0">
+              <a:solidFill>
+                <a:srgbClr val="FF0000"/>
+              </a:solidFill>
+            </a:endParaRPr>
+          </a:p>
+          <a:p>
+            <a:pPr algn="l" rtl="0"/>
+            <a:r>
+              <a:rPr lang="en-US" dirty="0">
+                <a:hlinkClick r:id="rId20"/>
+              </a:rPr>
               <a:t>https://www.typescriptlang.org/docs/handbook/symbols.html</a:t>
             </a:r>
             <a:endParaRPr lang="en-US" dirty="0"/>
@@ -12646,7 +12698,7 @@
             <a:pPr algn="l" rtl="0"/>
             <a:r>
               <a:rPr lang="en-US" dirty="0">
-                <a:hlinkClick r:id="rId19"/>
+                <a:hlinkClick r:id="rId21"/>
               </a:rPr>
               <a:t>https://developer.mozilla.org/en-US/docs/Web/JavaScript/Reference/Global_Objects/Symbol</a:t>
             </a:r>

--- a/Advanced Es6 & TypeScript.pptx
+++ b/Advanced Es6 & TypeScript.pptx
@@ -35,36 +35,42 @@
     <p:sldId id="284" r:id="rId29"/>
     <p:sldId id="285" r:id="rId30"/>
     <p:sldId id="286" r:id="rId31"/>
-    <p:sldId id="287" r:id="rId32"/>
-    <p:sldId id="288" r:id="rId33"/>
-    <p:sldId id="289" r:id="rId34"/>
-    <p:sldId id="290" r:id="rId35"/>
-    <p:sldId id="291" r:id="rId36"/>
-    <p:sldId id="292" r:id="rId37"/>
-    <p:sldId id="293" r:id="rId38"/>
-    <p:sldId id="294" r:id="rId39"/>
-    <p:sldId id="295" r:id="rId40"/>
-    <p:sldId id="296" r:id="rId41"/>
-    <p:sldId id="297" r:id="rId42"/>
-    <p:sldId id="298" r:id="rId43"/>
-    <p:sldId id="299" r:id="rId44"/>
-    <p:sldId id="301" r:id="rId45"/>
-    <p:sldId id="300" r:id="rId46"/>
-    <p:sldId id="302" r:id="rId47"/>
-    <p:sldId id="303" r:id="rId48"/>
-    <p:sldId id="304" r:id="rId49"/>
-    <p:sldId id="305" r:id="rId50"/>
-    <p:sldId id="306" r:id="rId51"/>
-    <p:sldId id="307" r:id="rId52"/>
-    <p:sldId id="308" r:id="rId53"/>
-    <p:sldId id="309" r:id="rId54"/>
-    <p:sldId id="310" r:id="rId55"/>
-    <p:sldId id="311" r:id="rId56"/>
-    <p:sldId id="312" r:id="rId57"/>
-    <p:sldId id="313" r:id="rId58"/>
-    <p:sldId id="314" r:id="rId59"/>
-    <p:sldId id="316" r:id="rId60"/>
-    <p:sldId id="268" r:id="rId61"/>
+    <p:sldId id="317" r:id="rId32"/>
+    <p:sldId id="318" r:id="rId33"/>
+    <p:sldId id="319" r:id="rId34"/>
+    <p:sldId id="320" r:id="rId35"/>
+    <p:sldId id="287" r:id="rId36"/>
+    <p:sldId id="288" r:id="rId37"/>
+    <p:sldId id="289" r:id="rId38"/>
+    <p:sldId id="290" r:id="rId39"/>
+    <p:sldId id="291" r:id="rId40"/>
+    <p:sldId id="292" r:id="rId41"/>
+    <p:sldId id="293" r:id="rId42"/>
+    <p:sldId id="294" r:id="rId43"/>
+    <p:sldId id="295" r:id="rId44"/>
+    <p:sldId id="299" r:id="rId45"/>
+    <p:sldId id="301" r:id="rId46"/>
+    <p:sldId id="300" r:id="rId47"/>
+    <p:sldId id="322" r:id="rId48"/>
+    <p:sldId id="321" r:id="rId49"/>
+    <p:sldId id="302" r:id="rId50"/>
+    <p:sldId id="296" r:id="rId51"/>
+    <p:sldId id="297" r:id="rId52"/>
+    <p:sldId id="298" r:id="rId53"/>
+    <p:sldId id="303" r:id="rId54"/>
+    <p:sldId id="304" r:id="rId55"/>
+    <p:sldId id="305" r:id="rId56"/>
+    <p:sldId id="306" r:id="rId57"/>
+    <p:sldId id="307" r:id="rId58"/>
+    <p:sldId id="308" r:id="rId59"/>
+    <p:sldId id="309" r:id="rId60"/>
+    <p:sldId id="310" r:id="rId61"/>
+    <p:sldId id="311" r:id="rId62"/>
+    <p:sldId id="312" r:id="rId63"/>
+    <p:sldId id="313" r:id="rId64"/>
+    <p:sldId id="314" r:id="rId65"/>
+    <p:sldId id="316" r:id="rId66"/>
+    <p:sldId id="268" r:id="rId67"/>
   </p:sldIdLst>
   <p:sldSz cx="9144000" cy="6858000" type="screen4x3"/>
   <p:notesSz cx="6858000" cy="9144000"/>
@@ -165,7 +171,7 @@
   </p:defaultTextStyle>
   <p:extLst>
     <p:ext uri="{EFAFB233-063F-42B5-8137-9DF3F51BA10A}">
-      <p15:sldGuideLst xmlns:p15="http://schemas.microsoft.com/office/powerpoint/2012/main" xmlns="">
+      <p15:sldGuideLst xmlns:p15="http://schemas.microsoft.com/office/powerpoint/2012/main">
         <p15:guide id="1" orient="horz" pos="2160">
           <p15:clr>
             <a:srgbClr val="A4A3A4"/>
@@ -447,7 +453,7 @@
             <a:fld id="{1D8BD707-D9CF-40AE-B4C6-C98DA3205C09}" type="datetimeFigureOut">
               <a:rPr lang="en-US" smtClean="0"/>
               <a:pPr/>
-              <a:t>9/21/2019</a:t>
+              <a:t>12/29/20</a:t>
             </a:fld>
             <a:endParaRPr lang="en-US"/>
           </a:p>
@@ -641,7 +647,7 @@
             <a:fld id="{1D8BD707-D9CF-40AE-B4C6-C98DA3205C09}" type="datetimeFigureOut">
               <a:rPr lang="en-US" smtClean="0"/>
               <a:pPr/>
-              <a:t>9/21/2019</a:t>
+              <a:t>12/29/20</a:t>
             </a:fld>
             <a:endParaRPr lang="en-US"/>
           </a:p>
@@ -822,7 +828,7 @@
             <a:fld id="{1D8BD707-D9CF-40AE-B4C6-C98DA3205C09}" type="datetimeFigureOut">
               <a:rPr lang="en-US" smtClean="0"/>
               <a:pPr/>
-              <a:t>9/21/2019</a:t>
+              <a:t>12/29/20</a:t>
             </a:fld>
             <a:endParaRPr lang="en-US"/>
           </a:p>
@@ -1007,7 +1013,7 @@
             <a:fld id="{1D8BD707-D9CF-40AE-B4C6-C98DA3205C09}" type="datetimeFigureOut">
               <a:rPr lang="en-US" smtClean="0"/>
               <a:pPr/>
-              <a:t>9/21/2019</a:t>
+              <a:t>12/29/20</a:t>
             </a:fld>
             <a:endParaRPr lang="en-US"/>
           </a:p>
@@ -1230,7 +1236,7 @@
             <a:fld id="{1D8BD707-D9CF-40AE-B4C6-C98DA3205C09}" type="datetimeFigureOut">
               <a:rPr lang="en-US" smtClean="0"/>
               <a:pPr/>
-              <a:t>9/21/2019</a:t>
+              <a:t>12/29/20</a:t>
             </a:fld>
             <a:endParaRPr lang="en-US"/>
           </a:p>
@@ -1516,7 +1522,7 @@
             <a:fld id="{1D8BD707-D9CF-40AE-B4C6-C98DA3205C09}" type="datetimeFigureOut">
               <a:rPr lang="en-US" smtClean="0"/>
               <a:pPr/>
-              <a:t>9/21/2019</a:t>
+              <a:t>12/29/20</a:t>
             </a:fld>
             <a:endParaRPr lang="en-US"/>
           </a:p>
@@ -1942,7 +1948,7 @@
             <a:fld id="{1D8BD707-D9CF-40AE-B4C6-C98DA3205C09}" type="datetimeFigureOut">
               <a:rPr lang="en-US" smtClean="0"/>
               <a:pPr/>
-              <a:t>9/21/2019</a:t>
+              <a:t>12/29/20</a:t>
             </a:fld>
             <a:endParaRPr lang="en-US"/>
           </a:p>
@@ -2061,7 +2067,7 @@
             <a:fld id="{1D8BD707-D9CF-40AE-B4C6-C98DA3205C09}" type="datetimeFigureOut">
               <a:rPr lang="en-US" smtClean="0"/>
               <a:pPr/>
-              <a:t>9/21/2019</a:t>
+              <a:t>12/29/20</a:t>
             </a:fld>
             <a:endParaRPr lang="en-US"/>
           </a:p>
@@ -2162,7 +2168,7 @@
             <a:fld id="{1D8BD707-D9CF-40AE-B4C6-C98DA3205C09}" type="datetimeFigureOut">
               <a:rPr lang="en-US" smtClean="0"/>
               <a:pPr/>
-              <a:t>9/21/2019</a:t>
+              <a:t>12/29/20</a:t>
             </a:fld>
             <a:endParaRPr lang="en-US"/>
           </a:p>
@@ -2428,7 +2434,7 @@
             <a:fld id="{1D8BD707-D9CF-40AE-B4C6-C98DA3205C09}" type="datetimeFigureOut">
               <a:rPr lang="en-US" smtClean="0"/>
               <a:pPr/>
-              <a:t>9/21/2019</a:t>
+              <a:t>12/29/20</a:t>
             </a:fld>
             <a:endParaRPr lang="en-US"/>
           </a:p>
@@ -2784,7 +2790,7 @@
             <a:fld id="{1D8BD707-D9CF-40AE-B4C6-C98DA3205C09}" type="datetimeFigureOut">
               <a:rPr lang="en-US" smtClean="0"/>
               <a:pPr/>
-              <a:t>9/21/2019</a:t>
+              <a:t>12/29/20</a:t>
             </a:fld>
             <a:endParaRPr lang="en-US"/>
           </a:p>
@@ -3129,7 +3135,7 @@
             <a:fld id="{1D8BD707-D9CF-40AE-B4C6-C98DA3205C09}" type="datetimeFigureOut">
               <a:rPr lang="en-US" smtClean="0"/>
               <a:pPr/>
-              <a:t>9/21/2019</a:t>
+              <a:t>12/29/20</a:t>
             </a:fld>
             <a:endParaRPr lang="en-US"/>
           </a:p>
@@ -4908,7 +4914,7 @@
           <a:p>
             <a:pPr algn="l" rtl="0"/>
             <a:r>
-              <a:rPr lang="en-US" dirty="0" smtClean="0"/>
+              <a:rPr lang="en-US" dirty="0"/>
               <a:t>In a global context, If in strict mode, this will be undefined.</a:t>
             </a:r>
           </a:p>
@@ -4917,7 +4923,7 @@
               <a:buNone/>
             </a:pPr>
             <a:r>
-              <a:rPr lang="en-US" dirty="0" smtClean="0"/>
+              <a:rPr lang="en-US" dirty="0"/>
               <a:t>	Otherwise, this will be the global object (window in a browser).</a:t>
             </a:r>
           </a:p>
@@ -5196,10 +5202,9 @@
           <a:p>
             <a:pPr algn="l" rtl="0"/>
             <a:r>
-              <a:rPr lang="en-US" sz="2800" dirty="0" smtClean="0"/>
+              <a:rPr lang="en-US" sz="2800" dirty="0"/>
               <a:t>Symbols</a:t>
             </a:r>
-            <a:endParaRPr lang="en-US" sz="2800" dirty="0"/>
           </a:p>
           <a:p>
             <a:pPr algn="l" rtl="0"/>
@@ -5207,15 +5212,13 @@
               <a:rPr lang="en-US" sz="2800" dirty="0"/>
               <a:t>Enums and union types </a:t>
             </a:r>
-            <a:endParaRPr lang="en-US" sz="2800" dirty="0" smtClean="0"/>
-          </a:p>
-          <a:p>
-            <a:pPr algn="l" rtl="0"/>
-            <a:r>
-              <a:rPr lang="en-US" sz="2800" dirty="0" smtClean="0"/>
+          </a:p>
+          <a:p>
+            <a:pPr algn="l" rtl="0"/>
+            <a:r>
+              <a:rPr lang="en-US" sz="2800" dirty="0"/>
               <a:t>‘promise’ and async await key words</a:t>
             </a:r>
-            <a:endParaRPr lang="en-US" sz="2800" dirty="0"/>
           </a:p>
           <a:p>
             <a:pPr algn="l" rtl="0"/>
@@ -6315,12 +6318,8 @@
           <a:p>
             <a:pPr algn="l" rtl="0"/>
             <a:r>
-              <a:rPr lang="en-US" dirty="0" smtClean="0"/>
-              <a:t>‘{‘ does </a:t>
-            </a:r>
-            <a:r>
-              <a:rPr lang="en-US" dirty="0"/>
-              <a:t>not create a new variable scope.</a:t>
+              <a:rPr lang="en-US" dirty="0"/>
+              <a:t>‘{‘ does not create a new variable scope.</a:t>
             </a:r>
           </a:p>
           <a:p>
@@ -7158,6 +7157,821 @@
           </a:bodyPr>
           <a:lstStyle/>
           <a:p>
+            <a:pPr rtl="0"/>
+            <a:r>
+              <a:rPr lang="en-US" sz="3600" dirty="0"/>
+              <a:t>Enums</a:t>
+            </a:r>
+            <a:endParaRPr lang="he-IL" sz="3600" dirty="0"/>
+          </a:p>
+        </p:txBody>
+      </p:sp>
+      <p:sp>
+        <p:nvSpPr>
+          <p:cNvPr id="3" name="Content Placeholder 2"/>
+          <p:cNvSpPr>
+            <a:spLocks noGrp="1"/>
+          </p:cNvSpPr>
+          <p:nvPr>
+            <p:ph idx="1"/>
+          </p:nvPr>
+        </p:nvSpPr>
+        <p:spPr>
+          <a:xfrm>
+            <a:off x="457200" y="1609416"/>
+            <a:ext cx="7696200" cy="4846320"/>
+          </a:xfrm>
+        </p:spPr>
+        <p:txBody>
+          <a:bodyPr>
+            <a:normAutofit/>
+          </a:bodyPr>
+          <a:lstStyle/>
+          <a:p>
+            <a:pPr algn="l" rtl="0">
+              <a:buNone/>
+            </a:pPr>
+            <a:r>
+              <a:rPr lang="en-US" sz="2000" dirty="0"/>
+              <a:t>Enums allow a developer to define a set of named constants.</a:t>
+            </a:r>
+          </a:p>
+          <a:p>
+            <a:pPr algn="l" rtl="0"/>
+            <a:endParaRPr lang="en-US" sz="2000" dirty="0"/>
+          </a:p>
+          <a:p>
+            <a:pPr algn="l" rtl="0"/>
+            <a:endParaRPr lang="en-US" sz="2000" dirty="0"/>
+          </a:p>
+          <a:p>
+            <a:pPr algn="l" rtl="0"/>
+            <a:endParaRPr lang="en-US" sz="2000" dirty="0"/>
+          </a:p>
+          <a:p>
+            <a:pPr algn="l" rtl="0">
+              <a:buNone/>
+            </a:pPr>
+            <a:endParaRPr lang="en-US" sz="2000" dirty="0"/>
+          </a:p>
+          <a:p>
+            <a:pPr marL="0" indent="0" algn="l" rtl="0">
+              <a:buNone/>
+            </a:pPr>
+            <a:endParaRPr lang="en-US" sz="2000" dirty="0"/>
+          </a:p>
+          <a:p>
+            <a:pPr marL="0" indent="0" algn="l" rtl="0">
+              <a:buNone/>
+            </a:pPr>
+            <a:endParaRPr lang="en-US" sz="2000" dirty="0"/>
+          </a:p>
+          <a:p>
+            <a:pPr algn="l" rtl="0"/>
+            <a:r>
+              <a:rPr lang="en-US" sz="2000" dirty="0"/>
+              <a:t>Numeric </a:t>
+            </a:r>
+            <a:r>
+              <a:rPr lang="en-US" sz="2000" dirty="0" err="1"/>
+              <a:t>enums</a:t>
+            </a:r>
+            <a:r>
+              <a:rPr lang="en-US" sz="2000" dirty="0"/>
+              <a:t> are auto incremented from the last initialized value.</a:t>
+            </a:r>
+          </a:p>
+          <a:p>
+            <a:pPr algn="l" rtl="0"/>
+            <a:r>
+              <a:rPr lang="en-US" sz="2000" dirty="0"/>
+              <a:t>The default first value is 0.</a:t>
+            </a:r>
+          </a:p>
+          <a:p>
+            <a:pPr algn="l" rtl="0"/>
+            <a:r>
+              <a:rPr lang="en-US" sz="2000" dirty="0"/>
+              <a:t>We will always prefer to initialize the first value with a number the is different from 0.</a:t>
+            </a:r>
+            <a:endParaRPr lang="he-IL" sz="2000" dirty="0"/>
+          </a:p>
+        </p:txBody>
+      </p:sp>
+      <p:pic>
+        <p:nvPicPr>
+          <p:cNvPr id="7" name="Picture 6">
+            <a:extLst>
+              <a:ext uri="{FF2B5EF4-FFF2-40B4-BE49-F238E27FC236}">
+                <a16:creationId xmlns:a16="http://schemas.microsoft.com/office/drawing/2014/main" id="{66A69C12-B144-214A-800B-052480017BA3}"/>
+              </a:ext>
+            </a:extLst>
+          </p:cNvPr>
+          <p:cNvPicPr>
+            <a:picLocks noChangeAspect="1"/>
+          </p:cNvPicPr>
+          <p:nvPr/>
+        </p:nvPicPr>
+        <p:blipFill>
+          <a:blip r:embed="rId2">
+            <a:extLst>
+              <a:ext uri="{28A0092B-C50C-407E-A947-70E740481C1C}">
+                <a14:useLocalDpi xmlns:a14="http://schemas.microsoft.com/office/drawing/2010/main" val="0"/>
+              </a:ext>
+            </a:extLst>
+          </a:blip>
+          <a:stretch>
+            <a:fillRect/>
+          </a:stretch>
+        </p:blipFill>
+        <p:spPr>
+          <a:xfrm>
+            <a:off x="457200" y="2051376"/>
+            <a:ext cx="3263900" cy="1981200"/>
+          </a:xfrm>
+          <a:prstGeom prst="rect">
+            <a:avLst/>
+          </a:prstGeom>
+        </p:spPr>
+      </p:pic>
+    </p:spTree>
+    <p:extLst>
+      <p:ext uri="{BB962C8B-B14F-4D97-AF65-F5344CB8AC3E}">
+        <p14:creationId xmlns:p14="http://schemas.microsoft.com/office/powerpoint/2010/main" val="4119834260"/>
+      </p:ext>
+    </p:extLst>
+  </p:cSld>
+  <p:clrMapOvr>
+    <a:masterClrMapping/>
+  </p:clrMapOvr>
+</p:sld>
+</file>
+
+<file path=ppt/slides/slide32.xml><?xml version="1.0" encoding="utf-8"?>
+<p:sld xmlns:a="http://schemas.openxmlformats.org/drawingml/2006/main" xmlns:r="http://schemas.openxmlformats.org/officeDocument/2006/relationships" xmlns:p="http://schemas.openxmlformats.org/presentationml/2006/main">
+  <p:cSld>
+    <p:spTree>
+      <p:nvGrpSpPr>
+        <p:cNvPr id="1" name=""/>
+        <p:cNvGrpSpPr/>
+        <p:nvPr/>
+      </p:nvGrpSpPr>
+      <p:grpSpPr>
+        <a:xfrm>
+          <a:off x="0" y="0"/>
+          <a:ext cx="0" cy="0"/>
+          <a:chOff x="0" y="0"/>
+          <a:chExt cx="0" cy="0"/>
+        </a:xfrm>
+      </p:grpSpPr>
+      <p:sp>
+        <p:nvSpPr>
+          <p:cNvPr id="2" name="Title 1"/>
+          <p:cNvSpPr>
+            <a:spLocks noGrp="1"/>
+          </p:cNvSpPr>
+          <p:nvPr>
+            <p:ph type="title"/>
+          </p:nvPr>
+        </p:nvSpPr>
+        <p:spPr/>
+        <p:txBody>
+          <a:bodyPr>
+            <a:noAutofit/>
+          </a:bodyPr>
+          <a:lstStyle/>
+          <a:p>
+            <a:pPr rtl="0"/>
+            <a:r>
+              <a:rPr lang="en-US" sz="3600" dirty="0"/>
+              <a:t>Enums</a:t>
+            </a:r>
+            <a:endParaRPr lang="he-IL" sz="3600" dirty="0"/>
+          </a:p>
+        </p:txBody>
+      </p:sp>
+      <p:sp>
+        <p:nvSpPr>
+          <p:cNvPr id="3" name="Content Placeholder 2"/>
+          <p:cNvSpPr>
+            <a:spLocks noGrp="1"/>
+          </p:cNvSpPr>
+          <p:nvPr>
+            <p:ph idx="1"/>
+          </p:nvPr>
+        </p:nvSpPr>
+        <p:spPr>
+          <a:xfrm>
+            <a:off x="457200" y="1609416"/>
+            <a:ext cx="7696200" cy="4846320"/>
+          </a:xfrm>
+        </p:spPr>
+        <p:txBody>
+          <a:bodyPr>
+            <a:normAutofit/>
+          </a:bodyPr>
+          <a:lstStyle/>
+          <a:p>
+            <a:pPr algn="l" rtl="0">
+              <a:buNone/>
+            </a:pPr>
+            <a:r>
+              <a:rPr lang="en-US" sz="2000" dirty="0"/>
+              <a:t>Usage example.</a:t>
+            </a:r>
+          </a:p>
+          <a:p>
+            <a:pPr algn="l" rtl="0">
+              <a:buNone/>
+            </a:pPr>
+            <a:endParaRPr lang="en-US" sz="2000" dirty="0"/>
+          </a:p>
+          <a:p>
+            <a:pPr algn="l" rtl="0">
+              <a:buNone/>
+            </a:pPr>
+            <a:endParaRPr lang="en-US" sz="2000" dirty="0"/>
+          </a:p>
+          <a:p>
+            <a:pPr algn="l" rtl="0">
+              <a:buNone/>
+            </a:pPr>
+            <a:endParaRPr lang="en-US" sz="2000" dirty="0"/>
+          </a:p>
+          <a:p>
+            <a:pPr algn="l" rtl="0">
+              <a:buNone/>
+            </a:pPr>
+            <a:endParaRPr lang="en-US" sz="2000" dirty="0"/>
+          </a:p>
+          <a:p>
+            <a:pPr algn="l" rtl="0">
+              <a:buNone/>
+            </a:pPr>
+            <a:endParaRPr lang="en-US" sz="2000" dirty="0"/>
+          </a:p>
+          <a:p>
+            <a:pPr algn="l" rtl="0">
+              <a:buNone/>
+            </a:pPr>
+            <a:endParaRPr lang="en-US" sz="2000" dirty="0"/>
+          </a:p>
+          <a:p>
+            <a:pPr algn="l" rtl="0">
+              <a:buNone/>
+            </a:pPr>
+            <a:r>
+              <a:rPr lang="en-US" sz="2000" dirty="0"/>
+              <a:t>Enums can also have string values.</a:t>
+            </a:r>
+            <a:endParaRPr lang="he-IL" sz="2000" dirty="0"/>
+          </a:p>
+        </p:txBody>
+      </p:sp>
+      <p:pic>
+        <p:nvPicPr>
+          <p:cNvPr id="9" name="Picture 8" descr="Text&#10;&#10;Description automatically generated">
+            <a:extLst>
+              <a:ext uri="{FF2B5EF4-FFF2-40B4-BE49-F238E27FC236}">
+                <a16:creationId xmlns:a16="http://schemas.microsoft.com/office/drawing/2014/main" id="{F754BF07-D40C-8146-AB6F-4F6C6964090D}"/>
+              </a:ext>
+            </a:extLst>
+          </p:cNvPr>
+          <p:cNvPicPr>
+            <a:picLocks noChangeAspect="1"/>
+          </p:cNvPicPr>
+          <p:nvPr/>
+        </p:nvPicPr>
+        <p:blipFill>
+          <a:blip r:embed="rId2">
+            <a:extLst>
+              <a:ext uri="{28A0092B-C50C-407E-A947-70E740481C1C}">
+                <a14:useLocalDpi xmlns:a14="http://schemas.microsoft.com/office/drawing/2010/main" val="0"/>
+              </a:ext>
+            </a:extLst>
+          </a:blip>
+          <a:stretch>
+            <a:fillRect/>
+          </a:stretch>
+        </p:blipFill>
+        <p:spPr>
+          <a:xfrm>
+            <a:off x="553107" y="2070445"/>
+            <a:ext cx="3505200" cy="1985779"/>
+          </a:xfrm>
+          <a:prstGeom prst="rect">
+            <a:avLst/>
+          </a:prstGeom>
+        </p:spPr>
+      </p:pic>
+      <p:pic>
+        <p:nvPicPr>
+          <p:cNvPr id="5" name="Picture 4" descr="Text&#10;&#10;Description automatically generated">
+            <a:extLst>
+              <a:ext uri="{FF2B5EF4-FFF2-40B4-BE49-F238E27FC236}">
+                <a16:creationId xmlns:a16="http://schemas.microsoft.com/office/drawing/2014/main" id="{00952052-5DCD-2145-8001-16EC70D779A0}"/>
+              </a:ext>
+            </a:extLst>
+          </p:cNvPr>
+          <p:cNvPicPr>
+            <a:picLocks noChangeAspect="1"/>
+          </p:cNvPicPr>
+          <p:nvPr/>
+        </p:nvPicPr>
+        <p:blipFill>
+          <a:blip r:embed="rId3">
+            <a:extLst>
+              <a:ext uri="{28A0092B-C50C-407E-A947-70E740481C1C}">
+                <a14:useLocalDpi xmlns:a14="http://schemas.microsoft.com/office/drawing/2010/main" val="0"/>
+              </a:ext>
+            </a:extLst>
+          </a:blip>
+          <a:stretch>
+            <a:fillRect/>
+          </a:stretch>
+        </p:blipFill>
+        <p:spPr>
+          <a:xfrm>
+            <a:off x="553107" y="4724400"/>
+            <a:ext cx="2799693" cy="1599825"/>
+          </a:xfrm>
+          <a:prstGeom prst="rect">
+            <a:avLst/>
+          </a:prstGeom>
+        </p:spPr>
+      </p:pic>
+    </p:spTree>
+    <p:extLst>
+      <p:ext uri="{BB962C8B-B14F-4D97-AF65-F5344CB8AC3E}">
+        <p14:creationId xmlns:p14="http://schemas.microsoft.com/office/powerpoint/2010/main" val="1117430550"/>
+      </p:ext>
+    </p:extLst>
+  </p:cSld>
+  <p:clrMapOvr>
+    <a:masterClrMapping/>
+  </p:clrMapOvr>
+</p:sld>
+</file>
+
+<file path=ppt/slides/slide33.xml><?xml version="1.0" encoding="utf-8"?>
+<p:sld xmlns:a="http://schemas.openxmlformats.org/drawingml/2006/main" xmlns:r="http://schemas.openxmlformats.org/officeDocument/2006/relationships" xmlns:p="http://schemas.openxmlformats.org/presentationml/2006/main">
+  <p:cSld>
+    <p:spTree>
+      <p:nvGrpSpPr>
+        <p:cNvPr id="1" name=""/>
+        <p:cNvGrpSpPr/>
+        <p:nvPr/>
+      </p:nvGrpSpPr>
+      <p:grpSpPr>
+        <a:xfrm>
+          <a:off x="0" y="0"/>
+          <a:ext cx="0" cy="0"/>
+          <a:chOff x="0" y="0"/>
+          <a:chExt cx="0" cy="0"/>
+        </a:xfrm>
+      </p:grpSpPr>
+      <p:sp>
+        <p:nvSpPr>
+          <p:cNvPr id="2" name="Title 1"/>
+          <p:cNvSpPr>
+            <a:spLocks noGrp="1"/>
+          </p:cNvSpPr>
+          <p:nvPr>
+            <p:ph type="title"/>
+          </p:nvPr>
+        </p:nvSpPr>
+        <p:spPr/>
+        <p:txBody>
+          <a:bodyPr>
+            <a:noAutofit/>
+          </a:bodyPr>
+          <a:lstStyle/>
+          <a:p>
+            <a:pPr rtl="0"/>
+            <a:r>
+              <a:rPr lang="en-US" dirty="0"/>
+              <a:t>union types</a:t>
+            </a:r>
+            <a:r>
+              <a:rPr lang="en-IL" sz="3600" dirty="0"/>
+              <a:t> &amp; type alias</a:t>
+            </a:r>
+            <a:r>
+              <a:rPr lang="en-US" sz="3600" dirty="0"/>
+              <a:t> </a:t>
+            </a:r>
+            <a:endParaRPr lang="he-IL" sz="3600" dirty="0"/>
+          </a:p>
+        </p:txBody>
+      </p:sp>
+      <p:sp>
+        <p:nvSpPr>
+          <p:cNvPr id="3" name="Content Placeholder 2"/>
+          <p:cNvSpPr>
+            <a:spLocks noGrp="1"/>
+          </p:cNvSpPr>
+          <p:nvPr>
+            <p:ph idx="1"/>
+          </p:nvPr>
+        </p:nvSpPr>
+        <p:spPr>
+          <a:xfrm>
+            <a:off x="457200" y="1609415"/>
+            <a:ext cx="7543800" cy="5011089"/>
+          </a:xfrm>
+        </p:spPr>
+        <p:txBody>
+          <a:bodyPr>
+            <a:normAutofit/>
+          </a:bodyPr>
+          <a:lstStyle/>
+          <a:p>
+            <a:pPr algn="l" rtl="0"/>
+            <a:r>
+              <a:rPr lang="en-US" sz="2000" dirty="0"/>
+              <a:t>TypeScript provides convenient syntax for providing names for         type annotations that you would like to use in more than one place</a:t>
+            </a:r>
+          </a:p>
+          <a:p>
+            <a:pPr algn="l" rtl="0"/>
+            <a:r>
+              <a:rPr lang="en-US" sz="2000" dirty="0"/>
+              <a:t>Type aliases create a new name for a type.</a:t>
+            </a:r>
+          </a:p>
+          <a:p>
+            <a:pPr algn="l" rtl="0">
+              <a:buNone/>
+            </a:pPr>
+            <a:endParaRPr lang="en-US" sz="2000" dirty="0"/>
+          </a:p>
+          <a:p>
+            <a:pPr algn="l" rtl="0">
+              <a:buNone/>
+            </a:pPr>
+            <a:endParaRPr lang="en-US" sz="2000" dirty="0"/>
+          </a:p>
+          <a:p>
+            <a:pPr algn="l" rtl="0">
+              <a:buNone/>
+            </a:pPr>
+            <a:endParaRPr lang="en-US" sz="2000" dirty="0"/>
+          </a:p>
+          <a:p>
+            <a:pPr algn="l" rtl="0">
+              <a:buNone/>
+            </a:pPr>
+            <a:endParaRPr lang="en-US" sz="2000" dirty="0"/>
+          </a:p>
+          <a:p>
+            <a:pPr algn="l" rtl="0"/>
+            <a:r>
+              <a:rPr lang="en-US" sz="2000" dirty="0"/>
+              <a:t>Type alias can be used like an interface.</a:t>
+            </a:r>
+            <a:endParaRPr lang="he-IL" sz="2000" dirty="0"/>
+          </a:p>
+        </p:txBody>
+      </p:sp>
+      <p:pic>
+        <p:nvPicPr>
+          <p:cNvPr id="6" name="Picture 5" descr="Graphical user interface, text, application&#10;&#10;Description automatically generated">
+            <a:extLst>
+              <a:ext uri="{FF2B5EF4-FFF2-40B4-BE49-F238E27FC236}">
+                <a16:creationId xmlns:a16="http://schemas.microsoft.com/office/drawing/2014/main" id="{2568F38E-00BD-FE49-AE36-D87E97677297}"/>
+              </a:ext>
+            </a:extLst>
+          </p:cNvPr>
+          <p:cNvPicPr>
+            <a:picLocks noChangeAspect="1"/>
+          </p:cNvPicPr>
+          <p:nvPr/>
+        </p:nvPicPr>
+        <p:blipFill>
+          <a:blip r:embed="rId2">
+            <a:extLst>
+              <a:ext uri="{28A0092B-C50C-407E-A947-70E740481C1C}">
+                <a14:useLocalDpi xmlns:a14="http://schemas.microsoft.com/office/drawing/2010/main" val="0"/>
+              </a:ext>
+            </a:extLst>
+          </a:blip>
+          <a:stretch>
+            <a:fillRect/>
+          </a:stretch>
+        </p:blipFill>
+        <p:spPr>
+          <a:xfrm>
+            <a:off x="457200" y="3124200"/>
+            <a:ext cx="4031707" cy="1285621"/>
+          </a:xfrm>
+          <a:prstGeom prst="rect">
+            <a:avLst/>
+          </a:prstGeom>
+        </p:spPr>
+      </p:pic>
+      <p:pic>
+        <p:nvPicPr>
+          <p:cNvPr id="8" name="Picture 7" descr="A picture containing text, device, meter&#10;&#10;Description automatically generated">
+            <a:extLst>
+              <a:ext uri="{FF2B5EF4-FFF2-40B4-BE49-F238E27FC236}">
+                <a16:creationId xmlns:a16="http://schemas.microsoft.com/office/drawing/2014/main" id="{26EA1583-CCF5-9449-8C9E-F17699F4542F}"/>
+              </a:ext>
+            </a:extLst>
+          </p:cNvPr>
+          <p:cNvPicPr>
+            <a:picLocks noChangeAspect="1"/>
+          </p:cNvPicPr>
+          <p:nvPr/>
+        </p:nvPicPr>
+        <p:blipFill>
+          <a:blip r:embed="rId3">
+            <a:extLst>
+              <a:ext uri="{28A0092B-C50C-407E-A947-70E740481C1C}">
+                <a14:useLocalDpi xmlns:a14="http://schemas.microsoft.com/office/drawing/2010/main" val="0"/>
+              </a:ext>
+            </a:extLst>
+          </a:blip>
+          <a:stretch>
+            <a:fillRect/>
+          </a:stretch>
+        </p:blipFill>
+        <p:spPr>
+          <a:xfrm>
+            <a:off x="457200" y="5145247"/>
+            <a:ext cx="2425700" cy="1286604"/>
+          </a:xfrm>
+          <a:prstGeom prst="rect">
+            <a:avLst/>
+          </a:prstGeom>
+        </p:spPr>
+      </p:pic>
+      <p:pic>
+        <p:nvPicPr>
+          <p:cNvPr id="11" name="Picture 10" descr="Text&#10;&#10;Description automatically generated">
+            <a:extLst>
+              <a:ext uri="{FF2B5EF4-FFF2-40B4-BE49-F238E27FC236}">
+                <a16:creationId xmlns:a16="http://schemas.microsoft.com/office/drawing/2014/main" id="{08D41D35-8EDB-6643-81B7-10CB80EFDE28}"/>
+              </a:ext>
+            </a:extLst>
+          </p:cNvPr>
+          <p:cNvPicPr>
+            <a:picLocks noChangeAspect="1"/>
+          </p:cNvPicPr>
+          <p:nvPr/>
+        </p:nvPicPr>
+        <p:blipFill>
+          <a:blip r:embed="rId4">
+            <a:extLst>
+              <a:ext uri="{28A0092B-C50C-407E-A947-70E740481C1C}">
+                <a14:useLocalDpi xmlns:a14="http://schemas.microsoft.com/office/drawing/2010/main" val="0"/>
+              </a:ext>
+            </a:extLst>
+          </a:blip>
+          <a:stretch>
+            <a:fillRect/>
+          </a:stretch>
+        </p:blipFill>
+        <p:spPr>
+          <a:xfrm>
+            <a:off x="3016250" y="5146230"/>
+            <a:ext cx="2425700" cy="1285621"/>
+          </a:xfrm>
+          <a:prstGeom prst="rect">
+            <a:avLst/>
+          </a:prstGeom>
+        </p:spPr>
+      </p:pic>
+    </p:spTree>
+    <p:extLst>
+      <p:ext uri="{BB962C8B-B14F-4D97-AF65-F5344CB8AC3E}">
+        <p14:creationId xmlns:p14="http://schemas.microsoft.com/office/powerpoint/2010/main" val="662325588"/>
+      </p:ext>
+    </p:extLst>
+  </p:cSld>
+  <p:clrMapOvr>
+    <a:masterClrMapping/>
+  </p:clrMapOvr>
+</p:sld>
+</file>
+
+<file path=ppt/slides/slide34.xml><?xml version="1.0" encoding="utf-8"?>
+<p:sld xmlns:a="http://schemas.openxmlformats.org/drawingml/2006/main" xmlns:r="http://schemas.openxmlformats.org/officeDocument/2006/relationships" xmlns:p="http://schemas.openxmlformats.org/presentationml/2006/main">
+  <p:cSld>
+    <p:spTree>
+      <p:nvGrpSpPr>
+        <p:cNvPr id="1" name=""/>
+        <p:cNvGrpSpPr/>
+        <p:nvPr/>
+      </p:nvGrpSpPr>
+      <p:grpSpPr>
+        <a:xfrm>
+          <a:off x="0" y="0"/>
+          <a:ext cx="0" cy="0"/>
+          <a:chOff x="0" y="0"/>
+          <a:chExt cx="0" cy="0"/>
+        </a:xfrm>
+      </p:grpSpPr>
+      <p:sp>
+        <p:nvSpPr>
+          <p:cNvPr id="2" name="Title 1"/>
+          <p:cNvSpPr>
+            <a:spLocks noGrp="1"/>
+          </p:cNvSpPr>
+          <p:nvPr>
+            <p:ph type="title"/>
+          </p:nvPr>
+        </p:nvSpPr>
+        <p:spPr/>
+        <p:txBody>
+          <a:bodyPr>
+            <a:noAutofit/>
+          </a:bodyPr>
+          <a:lstStyle/>
+          <a:p>
+            <a:pPr rtl="0"/>
+            <a:r>
+              <a:rPr lang="en-US" dirty="0"/>
+              <a:t>union types</a:t>
+            </a:r>
+            <a:r>
+              <a:rPr lang="en-IL" sz="3600" dirty="0"/>
+              <a:t> &amp; type alias</a:t>
+            </a:r>
+            <a:r>
+              <a:rPr lang="en-US" sz="3600" dirty="0"/>
+              <a:t> </a:t>
+            </a:r>
+            <a:endParaRPr lang="he-IL" sz="3600" dirty="0"/>
+          </a:p>
+        </p:txBody>
+      </p:sp>
+      <p:sp>
+        <p:nvSpPr>
+          <p:cNvPr id="3" name="Content Placeholder 2"/>
+          <p:cNvSpPr>
+            <a:spLocks noGrp="1"/>
+          </p:cNvSpPr>
+          <p:nvPr>
+            <p:ph idx="1"/>
+          </p:nvPr>
+        </p:nvSpPr>
+        <p:spPr>
+          <a:xfrm>
+            <a:off x="457200" y="1609416"/>
+            <a:ext cx="7696200" cy="4846320"/>
+          </a:xfrm>
+        </p:spPr>
+        <p:txBody>
+          <a:bodyPr>
+            <a:normAutofit/>
+          </a:bodyPr>
+          <a:lstStyle/>
+          <a:p>
+            <a:pPr algn="l" rtl="0"/>
+            <a:r>
+              <a:rPr lang="en-US" sz="2000" dirty="0"/>
+              <a:t>Unlike an interface you can give a type alias to literally any type annotation.</a:t>
+            </a:r>
+            <a:endParaRPr lang="he-IL" sz="2000" dirty="0"/>
+          </a:p>
+          <a:p>
+            <a:pPr algn="l" rtl="0"/>
+            <a:endParaRPr lang="he-IL" sz="2000" dirty="0"/>
+          </a:p>
+          <a:p>
+            <a:pPr algn="l" rtl="0"/>
+            <a:endParaRPr lang="he-IL" sz="2000" dirty="0"/>
+          </a:p>
+          <a:p>
+            <a:pPr algn="l" rtl="0"/>
+            <a:endParaRPr lang="he-IL" sz="2000" dirty="0"/>
+          </a:p>
+          <a:p>
+            <a:pPr algn="l" rtl="0"/>
+            <a:endParaRPr lang="he-IL" sz="2000" dirty="0"/>
+          </a:p>
+          <a:p>
+            <a:pPr algn="l" rtl="0"/>
+            <a:endParaRPr lang="he-IL" sz="2000" dirty="0"/>
+          </a:p>
+          <a:p>
+            <a:pPr algn="l" rtl="0"/>
+            <a:endParaRPr lang="he-IL" sz="2000" dirty="0"/>
+          </a:p>
+          <a:p>
+            <a:pPr algn="l" rtl="0"/>
+            <a:endParaRPr lang="he-IL" sz="2000" dirty="0"/>
+          </a:p>
+          <a:p>
+            <a:pPr algn="l" rtl="0"/>
+            <a:endParaRPr lang="he-IL" sz="2000" dirty="0"/>
+          </a:p>
+          <a:p>
+            <a:pPr algn="l" rtl="0"/>
+            <a:endParaRPr lang="he-IL" sz="2000" dirty="0"/>
+          </a:p>
+          <a:p>
+            <a:pPr algn="l" rtl="0"/>
+            <a:r>
+              <a:rPr lang="en-US" sz="2000" dirty="0"/>
+              <a:t>If you need to have hierarchies of Type annotations use an interface. They can be used with implements and extends.</a:t>
+            </a:r>
+          </a:p>
+          <a:p>
+            <a:pPr algn="l" rtl="0"/>
+            <a:endParaRPr lang="en-US" sz="2000" dirty="0"/>
+          </a:p>
+          <a:p>
+            <a:pPr marL="0" indent="0" algn="l" rtl="0">
+              <a:buNone/>
+            </a:pPr>
+            <a:endParaRPr lang="he-IL" sz="2000" dirty="0"/>
+          </a:p>
+        </p:txBody>
+      </p:sp>
+      <p:pic>
+        <p:nvPicPr>
+          <p:cNvPr id="5" name="Picture 4" descr="Graphical user interface, text&#10;&#10;Description automatically generated">
+            <a:extLst>
+              <a:ext uri="{FF2B5EF4-FFF2-40B4-BE49-F238E27FC236}">
+                <a16:creationId xmlns:a16="http://schemas.microsoft.com/office/drawing/2014/main" id="{BC1D4D06-6C00-4244-AC35-6A2EEACB65C1}"/>
+              </a:ext>
+            </a:extLst>
+          </p:cNvPr>
+          <p:cNvPicPr>
+            <a:picLocks noChangeAspect="1"/>
+          </p:cNvPicPr>
+          <p:nvPr/>
+        </p:nvPicPr>
+        <p:blipFill>
+          <a:blip r:embed="rId2">
+            <a:extLst>
+              <a:ext uri="{28A0092B-C50C-407E-A947-70E740481C1C}">
+                <a14:useLocalDpi xmlns:a14="http://schemas.microsoft.com/office/drawing/2010/main" val="0"/>
+              </a:ext>
+            </a:extLst>
+          </a:blip>
+          <a:stretch>
+            <a:fillRect/>
+          </a:stretch>
+        </p:blipFill>
+        <p:spPr>
+          <a:xfrm>
+            <a:off x="457200" y="2362200"/>
+            <a:ext cx="3124200" cy="2993298"/>
+          </a:xfrm>
+          <a:prstGeom prst="rect">
+            <a:avLst/>
+          </a:prstGeom>
+        </p:spPr>
+      </p:pic>
+    </p:spTree>
+    <p:extLst>
+      <p:ext uri="{BB962C8B-B14F-4D97-AF65-F5344CB8AC3E}">
+        <p14:creationId xmlns:p14="http://schemas.microsoft.com/office/powerpoint/2010/main" val="2443234333"/>
+      </p:ext>
+    </p:extLst>
+  </p:cSld>
+  <p:clrMapOvr>
+    <a:masterClrMapping/>
+  </p:clrMapOvr>
+</p:sld>
+</file>
+
+<file path=ppt/slides/slide35.xml><?xml version="1.0" encoding="utf-8"?>
+<p:sld xmlns:a="http://schemas.openxmlformats.org/drawingml/2006/main" xmlns:r="http://schemas.openxmlformats.org/officeDocument/2006/relationships" xmlns:p="http://schemas.openxmlformats.org/presentationml/2006/main">
+  <p:cSld>
+    <p:spTree>
+      <p:nvGrpSpPr>
+        <p:cNvPr id="1" name=""/>
+        <p:cNvGrpSpPr/>
+        <p:nvPr/>
+      </p:nvGrpSpPr>
+      <p:grpSpPr>
+        <a:xfrm>
+          <a:off x="0" y="0"/>
+          <a:ext cx="0" cy="0"/>
+          <a:chOff x="0" y="0"/>
+          <a:chExt cx="0" cy="0"/>
+        </a:xfrm>
+      </p:grpSpPr>
+      <p:sp>
+        <p:nvSpPr>
+          <p:cNvPr id="2" name="Title 1"/>
+          <p:cNvSpPr>
+            <a:spLocks noGrp="1"/>
+          </p:cNvSpPr>
+          <p:nvPr>
+            <p:ph type="title"/>
+          </p:nvPr>
+        </p:nvSpPr>
+        <p:spPr/>
+        <p:txBody>
+          <a:bodyPr>
+            <a:noAutofit/>
+          </a:bodyPr>
+          <a:lstStyle/>
+          <a:p>
             <a:r>
               <a:rPr lang="en-US" sz="3600" dirty="0"/>
               <a:t>Rest Parameters</a:t>
@@ -7263,7 +8077,7 @@
 </p:sld>
 </file>
 
-<file path=ppt/slides/slide32.xml><?xml version="1.0" encoding="utf-8"?>
+<file path=ppt/slides/slide36.xml><?xml version="1.0" encoding="utf-8"?>
 <p:sld xmlns:a="http://schemas.openxmlformats.org/drawingml/2006/main" xmlns:r="http://schemas.openxmlformats.org/officeDocument/2006/relationships" xmlns:p="http://schemas.openxmlformats.org/presentationml/2006/main">
   <p:cSld>
     <p:spTree>
@@ -7350,7 +8164,7 @@
           <p:cNvPr id="5" name="Picture 4" descr="A close up of a logo&#10;&#10;Description generated with very high confidence">
             <a:extLst>
               <a:ext uri="{FF2B5EF4-FFF2-40B4-BE49-F238E27FC236}">
-                <a16:creationId xmlns:a16="http://schemas.microsoft.com/office/drawing/2014/main" xmlns="" id="{DFA1FD41-22C6-4988-B10F-FC8A2E849276}"/>
+                <a16:creationId xmlns:a16="http://schemas.microsoft.com/office/drawing/2014/main" id="{DFA1FD41-22C6-4988-B10F-FC8A2E849276}"/>
               </a:ext>
             </a:extLst>
           </p:cNvPr>
@@ -7363,7 +8177,7 @@
           <a:blip r:embed="rId2" cstate="print">
             <a:extLst>
               <a:ext uri="{28A0092B-C50C-407E-A947-70E740481C1C}">
-                <a14:useLocalDpi xmlns:a14="http://schemas.microsoft.com/office/drawing/2010/main" xmlns="" val="0"/>
+                <a14:useLocalDpi xmlns:a14="http://schemas.microsoft.com/office/drawing/2010/main" val="0"/>
               </a:ext>
             </a:extLst>
           </a:blip>
@@ -7386,7 +8200,7 @@
           <p:cNvPr id="7" name="Picture 6" descr="A close up of a sign&#10;&#10;Description generated with high confidence">
             <a:extLst>
               <a:ext uri="{FF2B5EF4-FFF2-40B4-BE49-F238E27FC236}">
-                <a16:creationId xmlns:a16="http://schemas.microsoft.com/office/drawing/2014/main" xmlns="" id="{FD8DFD43-961D-41D1-9771-88AE4D4E4FF2}"/>
+                <a16:creationId xmlns:a16="http://schemas.microsoft.com/office/drawing/2014/main" id="{FD8DFD43-961D-41D1-9771-88AE4D4E4FF2}"/>
               </a:ext>
             </a:extLst>
           </p:cNvPr>
@@ -7399,7 +8213,7 @@
           <a:blip r:embed="rId3" cstate="print">
             <a:extLst>
               <a:ext uri="{28A0092B-C50C-407E-A947-70E740481C1C}">
-                <a14:useLocalDpi xmlns:a14="http://schemas.microsoft.com/office/drawing/2010/main" xmlns="" val="0"/>
+                <a14:useLocalDpi xmlns:a14="http://schemas.microsoft.com/office/drawing/2010/main" val="0"/>
               </a:ext>
             </a:extLst>
           </a:blip>
@@ -7420,674 +8234,7 @@
     </p:spTree>
     <p:extLst>
       <p:ext uri="{BB962C8B-B14F-4D97-AF65-F5344CB8AC3E}">
-        <p14:creationId xmlns:p14="http://schemas.microsoft.com/office/powerpoint/2010/main" xmlns="" val="3891654774"/>
-      </p:ext>
-    </p:extLst>
-  </p:cSld>
-  <p:clrMapOvr>
-    <a:masterClrMapping/>
-  </p:clrMapOvr>
-</p:sld>
-</file>
-
-<file path=ppt/slides/slide33.xml><?xml version="1.0" encoding="utf-8"?>
-<p:sld xmlns:a="http://schemas.openxmlformats.org/drawingml/2006/main" xmlns:r="http://schemas.openxmlformats.org/officeDocument/2006/relationships" xmlns:p="http://schemas.openxmlformats.org/presentationml/2006/main">
-  <p:cSld>
-    <p:spTree>
-      <p:nvGrpSpPr>
-        <p:cNvPr id="1" name=""/>
-        <p:cNvGrpSpPr/>
-        <p:nvPr/>
-      </p:nvGrpSpPr>
-      <p:grpSpPr>
-        <a:xfrm>
-          <a:off x="0" y="0"/>
-          <a:ext cx="0" cy="0"/>
-          <a:chOff x="0" y="0"/>
-          <a:chExt cx="0" cy="0"/>
-        </a:xfrm>
-      </p:grpSpPr>
-      <p:sp>
-        <p:nvSpPr>
-          <p:cNvPr id="2" name="Title 1"/>
-          <p:cNvSpPr>
-            <a:spLocks noGrp="1"/>
-          </p:cNvSpPr>
-          <p:nvPr>
-            <p:ph type="title"/>
-          </p:nvPr>
-        </p:nvSpPr>
-        <p:spPr/>
-        <p:txBody>
-          <a:bodyPr>
-            <a:noAutofit/>
-          </a:bodyPr>
-          <a:lstStyle/>
-          <a:p>
-            <a:pPr rtl="0"/>
-            <a:r>
-              <a:rPr lang="en-US" sz="3600" dirty="0"/>
-              <a:t>Spread operator</a:t>
-            </a:r>
-          </a:p>
-        </p:txBody>
-      </p:sp>
-      <p:sp>
-        <p:nvSpPr>
-          <p:cNvPr id="3" name="Content Placeholder 2"/>
-          <p:cNvSpPr>
-            <a:spLocks noGrp="1"/>
-          </p:cNvSpPr>
-          <p:nvPr>
-            <p:ph idx="1"/>
-          </p:nvPr>
-        </p:nvSpPr>
-        <p:spPr/>
-        <p:txBody>
-          <a:bodyPr>
-            <a:normAutofit/>
-          </a:bodyPr>
-          <a:lstStyle/>
-          <a:p>
-            <a:pPr algn="l" rtl="0"/>
-            <a:r>
-              <a:rPr lang="en-US" dirty="0"/>
-              <a:t> Spread syntax effectively goes one level deep while copying an array. Therefore, it may be unsuitable for copying objects array.</a:t>
-            </a:r>
-          </a:p>
-          <a:p>
-            <a:pPr algn="l" rtl="0"/>
-            <a:r>
-              <a:rPr lang="en-US" dirty="0"/>
-              <a:t>When using spread operator on objects it copies own enumerable properties from a provided object onto a new object.</a:t>
-            </a:r>
-            <a:endParaRPr lang="he-IL" sz="2400" dirty="0"/>
-          </a:p>
-        </p:txBody>
-      </p:sp>
-      <p:pic>
-        <p:nvPicPr>
-          <p:cNvPr id="6" name="Picture 5" descr="A screenshot of a cell phone&#10;&#10;Description generated with very high confidence">
-            <a:extLst>
-              <a:ext uri="{FF2B5EF4-FFF2-40B4-BE49-F238E27FC236}">
-                <a16:creationId xmlns:a16="http://schemas.microsoft.com/office/drawing/2014/main" xmlns="" id="{69FD4010-F423-4EEF-B82D-1AD7E695073F}"/>
-              </a:ext>
-            </a:extLst>
-          </p:cNvPr>
-          <p:cNvPicPr>
-            <a:picLocks noChangeAspect="1"/>
-          </p:cNvPicPr>
-          <p:nvPr/>
-        </p:nvPicPr>
-        <p:blipFill>
-          <a:blip r:embed="rId2" cstate="print">
-            <a:extLst>
-              <a:ext uri="{28A0092B-C50C-407E-A947-70E740481C1C}">
-                <a14:useLocalDpi xmlns:a14="http://schemas.microsoft.com/office/drawing/2010/main" xmlns="" val="0"/>
-              </a:ext>
-            </a:extLst>
-          </a:blip>
-          <a:stretch>
-            <a:fillRect/>
-          </a:stretch>
-        </p:blipFill>
-        <p:spPr>
-          <a:xfrm>
-            <a:off x="838200" y="4246467"/>
-            <a:ext cx="4031329" cy="2004234"/>
-          </a:xfrm>
-          <a:prstGeom prst="rect">
-            <a:avLst/>
-          </a:prstGeom>
-        </p:spPr>
-      </p:pic>
-    </p:spTree>
-    <p:extLst>
-      <p:ext uri="{BB962C8B-B14F-4D97-AF65-F5344CB8AC3E}">
-        <p14:creationId xmlns:p14="http://schemas.microsoft.com/office/powerpoint/2010/main" xmlns="" val="2535893048"/>
-      </p:ext>
-    </p:extLst>
-  </p:cSld>
-  <p:clrMapOvr>
-    <a:masterClrMapping/>
-  </p:clrMapOvr>
-</p:sld>
-</file>
-
-<file path=ppt/slides/slide34.xml><?xml version="1.0" encoding="utf-8"?>
-<p:sld xmlns:a="http://schemas.openxmlformats.org/drawingml/2006/main" xmlns:r="http://schemas.openxmlformats.org/officeDocument/2006/relationships" xmlns:p="http://schemas.openxmlformats.org/presentationml/2006/main">
-  <p:cSld>
-    <p:spTree>
-      <p:nvGrpSpPr>
-        <p:cNvPr id="1" name=""/>
-        <p:cNvGrpSpPr/>
-        <p:nvPr/>
-      </p:nvGrpSpPr>
-      <p:grpSpPr>
-        <a:xfrm>
-          <a:off x="0" y="0"/>
-          <a:ext cx="0" cy="0"/>
-          <a:chOff x="0" y="0"/>
-          <a:chExt cx="0" cy="0"/>
-        </a:xfrm>
-      </p:grpSpPr>
-      <p:sp>
-        <p:nvSpPr>
-          <p:cNvPr id="2" name="Title 1"/>
-          <p:cNvSpPr>
-            <a:spLocks noGrp="1"/>
-          </p:cNvSpPr>
-          <p:nvPr>
-            <p:ph type="title"/>
-          </p:nvPr>
-        </p:nvSpPr>
-        <p:spPr/>
-        <p:txBody>
-          <a:bodyPr>
-            <a:noAutofit/>
-          </a:bodyPr>
-          <a:lstStyle/>
-          <a:p>
-            <a:pPr rtl="0"/>
-            <a:r>
-              <a:rPr lang="en-US" sz="3600" dirty="0"/>
-              <a:t>Spread operator</a:t>
-            </a:r>
-          </a:p>
-        </p:txBody>
-      </p:sp>
-      <p:sp>
-        <p:nvSpPr>
-          <p:cNvPr id="3" name="Content Placeholder 2"/>
-          <p:cNvSpPr>
-            <a:spLocks noGrp="1"/>
-          </p:cNvSpPr>
-          <p:nvPr>
-            <p:ph idx="1"/>
-          </p:nvPr>
-        </p:nvSpPr>
-        <p:spPr/>
-        <p:txBody>
-          <a:bodyPr>
-            <a:normAutofit/>
-          </a:bodyPr>
-          <a:lstStyle/>
-          <a:p>
-            <a:pPr algn="l" rtl="0"/>
-            <a:r>
-              <a:rPr lang="en-US" dirty="0"/>
-              <a:t>Spread syntax (other than in the case of spread properties) can be applied only to </a:t>
-            </a:r>
-            <a:r>
-              <a:rPr lang="en-US" dirty="0" err="1"/>
-              <a:t>iterable</a:t>
-            </a:r>
-            <a:r>
-              <a:rPr lang="en-US" dirty="0"/>
-              <a:t> objects:</a:t>
-            </a:r>
-          </a:p>
-          <a:p>
-            <a:pPr algn="l" rtl="0"/>
-            <a:endParaRPr lang="en-US" sz="2400" dirty="0"/>
-          </a:p>
-          <a:p>
-            <a:pPr algn="l" rtl="0"/>
-            <a:endParaRPr lang="en-US" sz="2400" dirty="0"/>
-          </a:p>
-          <a:p>
-            <a:pPr algn="l" rtl="0"/>
-            <a:r>
-              <a:rPr lang="en-US" dirty="0"/>
-              <a:t>In a way, rest syntax is the opposite of spread syntax: spread 'expands' an array into its elements, while rest collects multiple elements and 'condenses' them into a single element.</a:t>
-            </a:r>
-            <a:endParaRPr lang="he-IL" sz="2400" dirty="0"/>
-          </a:p>
-        </p:txBody>
-      </p:sp>
-      <p:pic>
-        <p:nvPicPr>
-          <p:cNvPr id="5" name="Picture 4" descr="A picture containing object, person&#10;&#10;Description generated with high confidence">
-            <a:extLst>
-              <a:ext uri="{FF2B5EF4-FFF2-40B4-BE49-F238E27FC236}">
-                <a16:creationId xmlns:a16="http://schemas.microsoft.com/office/drawing/2014/main" xmlns="" id="{B0080363-033F-49EB-A899-D496874D7373}"/>
-              </a:ext>
-            </a:extLst>
-          </p:cNvPr>
-          <p:cNvPicPr>
-            <a:picLocks noChangeAspect="1"/>
-          </p:cNvPicPr>
-          <p:nvPr/>
-        </p:nvPicPr>
-        <p:blipFill>
-          <a:blip r:embed="rId2" cstate="print">
-            <a:extLst>
-              <a:ext uri="{28A0092B-C50C-407E-A947-70E740481C1C}">
-                <a14:useLocalDpi xmlns:a14="http://schemas.microsoft.com/office/drawing/2010/main" xmlns="" val="0"/>
-              </a:ext>
-            </a:extLst>
-          </a:blip>
-          <a:stretch>
-            <a:fillRect/>
-          </a:stretch>
-        </p:blipFill>
-        <p:spPr>
-          <a:xfrm>
-            <a:off x="838200" y="3135604"/>
-            <a:ext cx="5273497" cy="586791"/>
-          </a:xfrm>
-          <a:prstGeom prst="rect">
-            <a:avLst/>
-          </a:prstGeom>
-        </p:spPr>
-      </p:pic>
-    </p:spTree>
-    <p:extLst>
-      <p:ext uri="{BB962C8B-B14F-4D97-AF65-F5344CB8AC3E}">
-        <p14:creationId xmlns:p14="http://schemas.microsoft.com/office/powerpoint/2010/main" xmlns="" val="3702792061"/>
-      </p:ext>
-    </p:extLst>
-  </p:cSld>
-  <p:clrMapOvr>
-    <a:masterClrMapping/>
-  </p:clrMapOvr>
-</p:sld>
-</file>
-
-<file path=ppt/slides/slide35.xml><?xml version="1.0" encoding="utf-8"?>
-<p:sld xmlns:a="http://schemas.openxmlformats.org/drawingml/2006/main" xmlns:r="http://schemas.openxmlformats.org/officeDocument/2006/relationships" xmlns:p="http://schemas.openxmlformats.org/presentationml/2006/main">
-  <p:cSld>
-    <p:spTree>
-      <p:nvGrpSpPr>
-        <p:cNvPr id="1" name=""/>
-        <p:cNvGrpSpPr/>
-        <p:nvPr/>
-      </p:nvGrpSpPr>
-      <p:grpSpPr>
-        <a:xfrm>
-          <a:off x="0" y="0"/>
-          <a:ext cx="0" cy="0"/>
-          <a:chOff x="0" y="0"/>
-          <a:chExt cx="0" cy="0"/>
-        </a:xfrm>
-      </p:grpSpPr>
-      <p:sp>
-        <p:nvSpPr>
-          <p:cNvPr id="2" name="Title 1"/>
-          <p:cNvSpPr>
-            <a:spLocks noGrp="1"/>
-          </p:cNvSpPr>
-          <p:nvPr>
-            <p:ph type="title"/>
-          </p:nvPr>
-        </p:nvSpPr>
-        <p:spPr/>
-        <p:txBody>
-          <a:bodyPr>
-            <a:noAutofit/>
-          </a:bodyPr>
-          <a:lstStyle/>
-          <a:p>
-            <a:pPr rtl="0"/>
-            <a:r>
-              <a:rPr lang="en-US" sz="3600" dirty="0"/>
-              <a:t>Spread operator</a:t>
-            </a:r>
-          </a:p>
-        </p:txBody>
-      </p:sp>
-      <p:sp>
-        <p:nvSpPr>
-          <p:cNvPr id="3" name="Content Placeholder 2"/>
-          <p:cNvSpPr>
-            <a:spLocks noGrp="1"/>
-          </p:cNvSpPr>
-          <p:nvPr>
-            <p:ph idx="1"/>
-          </p:nvPr>
-        </p:nvSpPr>
-        <p:spPr>
-          <a:xfrm>
-            <a:off x="457200" y="1609416"/>
-            <a:ext cx="7239000" cy="4846320"/>
-          </a:xfrm>
-        </p:spPr>
-        <p:txBody>
-          <a:bodyPr>
-            <a:normAutofit/>
-          </a:bodyPr>
-          <a:lstStyle/>
-          <a:p>
-            <a:pPr marL="0" indent="0" algn="l" rtl="0">
-              <a:buNone/>
-            </a:pPr>
-            <a:r>
-              <a:rPr lang="en-US" sz="2400" dirty="0"/>
-              <a:t>Some useful examples:</a:t>
-            </a:r>
-          </a:p>
-          <a:p>
-            <a:pPr algn="l" rtl="0"/>
-            <a:r>
-              <a:rPr lang="en-US" sz="2000" dirty="0" smtClean="0"/>
-              <a:t>arr1.push</a:t>
-            </a:r>
-            <a:r>
-              <a:rPr lang="en-US" sz="2000" dirty="0"/>
-              <a:t>(…arr2) // adds arr2 to the end of arr1</a:t>
-            </a:r>
-          </a:p>
-          <a:p>
-            <a:pPr algn="l" rtl="0"/>
-            <a:r>
-              <a:rPr lang="en-US" sz="2000" dirty="0" smtClean="0"/>
-              <a:t>arr1.unshift</a:t>
-            </a:r>
-            <a:r>
-              <a:rPr lang="en-US" sz="2000" dirty="0"/>
-              <a:t>(…arr2) // adds arr2 to the start of arr1</a:t>
-            </a:r>
-          </a:p>
-          <a:p>
-            <a:pPr algn="l" rtl="0"/>
-            <a:r>
-              <a:rPr lang="en-US" sz="2000" dirty="0" smtClean="0"/>
-              <a:t>v</a:t>
-            </a:r>
-            <a:r>
-              <a:rPr lang="en-US" sz="2000" dirty="0" smtClean="0"/>
-              <a:t>ar arr1 </a:t>
-            </a:r>
-            <a:r>
-              <a:rPr lang="en-US" sz="2000" dirty="0"/>
-              <a:t>= […arr2] // copy elements of arr2 to arr1</a:t>
-            </a:r>
-          </a:p>
-          <a:p>
-            <a:pPr algn="l" rtl="0"/>
-            <a:r>
-              <a:rPr lang="en-US" sz="2000" dirty="0" smtClean="0"/>
-              <a:t>var arr1 </a:t>
-            </a:r>
-            <a:r>
-              <a:rPr lang="en-US" sz="2000" dirty="0"/>
-              <a:t>= […arr2, …arr3, …arr4] // combining multiple arrays</a:t>
-            </a:r>
-          </a:p>
-          <a:p>
-            <a:pPr algn="l" rtl="0"/>
-            <a:r>
-              <a:rPr lang="en-US" sz="2000" dirty="0" err="1"/>
-              <a:t>var</a:t>
-            </a:r>
-            <a:r>
-              <a:rPr lang="en-US" sz="2000" dirty="0"/>
-              <a:t> options = { ...</a:t>
-            </a:r>
-            <a:r>
-              <a:rPr lang="en-US" sz="2000" dirty="0" err="1"/>
-              <a:t>defaultOptions</a:t>
-            </a:r>
-            <a:r>
-              <a:rPr lang="en-US" sz="2000" dirty="0"/>
-              <a:t>, ...</a:t>
-            </a:r>
-            <a:r>
-              <a:rPr lang="en-US" sz="2000" dirty="0" err="1"/>
-              <a:t>requestOptions</a:t>
-            </a:r>
-            <a:r>
-              <a:rPr lang="en-US" sz="2000" dirty="0"/>
-              <a:t> };  </a:t>
-            </a:r>
-          </a:p>
-          <a:p>
-            <a:pPr marL="0" indent="0" algn="l" rtl="0">
-              <a:buNone/>
-            </a:pPr>
-            <a:r>
-              <a:rPr lang="en-US" sz="2000" dirty="0"/>
-              <a:t>   // merge between two objects</a:t>
-            </a:r>
-          </a:p>
-          <a:p>
-            <a:pPr algn="l" rtl="0"/>
-            <a:r>
-              <a:rPr lang="en-US" sz="2000" dirty="0" err="1"/>
-              <a:t>var</a:t>
-            </a:r>
-            <a:r>
-              <a:rPr lang="en-US" sz="2000" dirty="0"/>
-              <a:t> </a:t>
-            </a:r>
-            <a:r>
-              <a:rPr lang="en-US" sz="2000" dirty="0" err="1"/>
-              <a:t>shallowCopy</a:t>
-            </a:r>
-            <a:r>
-              <a:rPr lang="en-US" sz="2000" dirty="0"/>
-              <a:t> = { ...</a:t>
-            </a:r>
-            <a:r>
-              <a:rPr lang="en-US" sz="2000" dirty="0" err="1"/>
-              <a:t>someObj</a:t>
-            </a:r>
-            <a:r>
-              <a:rPr lang="en-US" sz="2000" dirty="0"/>
-              <a:t> };</a:t>
-            </a:r>
-          </a:p>
-        </p:txBody>
-      </p:sp>
-    </p:spTree>
-    <p:extLst>
-      <p:ext uri="{BB962C8B-B14F-4D97-AF65-F5344CB8AC3E}">
-        <p14:creationId xmlns:p14="http://schemas.microsoft.com/office/powerpoint/2010/main" xmlns="" val="2795344761"/>
-      </p:ext>
-    </p:extLst>
-  </p:cSld>
-  <p:clrMapOvr>
-    <a:masterClrMapping/>
-  </p:clrMapOvr>
-</p:sld>
-</file>
-
-<file path=ppt/slides/slide36.xml><?xml version="1.0" encoding="utf-8"?>
-<p:sld xmlns:a="http://schemas.openxmlformats.org/drawingml/2006/main" xmlns:r="http://schemas.openxmlformats.org/officeDocument/2006/relationships" xmlns:p="http://schemas.openxmlformats.org/presentationml/2006/main">
-  <p:cSld>
-    <p:spTree>
-      <p:nvGrpSpPr>
-        <p:cNvPr id="1" name=""/>
-        <p:cNvGrpSpPr/>
-        <p:nvPr/>
-      </p:nvGrpSpPr>
-      <p:grpSpPr>
-        <a:xfrm>
-          <a:off x="0" y="0"/>
-          <a:ext cx="0" cy="0"/>
-          <a:chOff x="0" y="0"/>
-          <a:chExt cx="0" cy="0"/>
-        </a:xfrm>
-      </p:grpSpPr>
-      <p:sp>
-        <p:nvSpPr>
-          <p:cNvPr id="2" name="Title 1"/>
-          <p:cNvSpPr>
-            <a:spLocks noGrp="1"/>
-          </p:cNvSpPr>
-          <p:nvPr>
-            <p:ph type="title"/>
-          </p:nvPr>
-        </p:nvSpPr>
-        <p:spPr/>
-        <p:txBody>
-          <a:bodyPr>
-            <a:noAutofit/>
-          </a:bodyPr>
-          <a:lstStyle/>
-          <a:p>
-            <a:pPr rtl="0"/>
-            <a:r>
-              <a:rPr lang="en-US" sz="3600" dirty="0" err="1"/>
-              <a:t>Destructuring</a:t>
-            </a:r>
-            <a:endParaRPr lang="en-US" sz="3600" dirty="0"/>
-          </a:p>
-        </p:txBody>
-      </p:sp>
-      <p:sp>
-        <p:nvSpPr>
-          <p:cNvPr id="3" name="Content Placeholder 2"/>
-          <p:cNvSpPr>
-            <a:spLocks noGrp="1"/>
-          </p:cNvSpPr>
-          <p:nvPr>
-            <p:ph idx="1"/>
-          </p:nvPr>
-        </p:nvSpPr>
-        <p:spPr>
-          <a:xfrm>
-            <a:off x="457200" y="1609416"/>
-            <a:ext cx="7239000" cy="4846320"/>
-          </a:xfrm>
-        </p:spPr>
-        <p:txBody>
-          <a:bodyPr>
-            <a:normAutofit/>
-          </a:bodyPr>
-          <a:lstStyle/>
-          <a:p>
-            <a:pPr algn="l" rtl="0"/>
-            <a:r>
-              <a:rPr lang="en-US" dirty="0"/>
-              <a:t>TypeScript supports the following forms of </a:t>
-            </a:r>
-            <a:r>
-              <a:rPr lang="en-US" dirty="0" err="1"/>
-              <a:t>Destructuring</a:t>
-            </a:r>
-            <a:r>
-              <a:rPr lang="en-US" dirty="0"/>
-              <a:t> (literally named after de-structuring i.e. breaking up the structure.</a:t>
-            </a:r>
-          </a:p>
-          <a:p>
-            <a:pPr marL="0" indent="0" algn="l" rtl="0">
-              <a:buNone/>
-            </a:pPr>
-            <a:endParaRPr lang="en-US" sz="2000" dirty="0"/>
-          </a:p>
-          <a:p>
-            <a:pPr algn="l" rtl="0"/>
-            <a:r>
-              <a:rPr lang="en-US" sz="2400" dirty="0"/>
-              <a:t>Array </a:t>
-            </a:r>
-            <a:r>
-              <a:rPr lang="en-US" sz="2400" dirty="0" err="1"/>
-              <a:t>destructuring</a:t>
-            </a:r>
-            <a:endParaRPr lang="en-US" sz="2400" dirty="0"/>
-          </a:p>
-          <a:p>
-            <a:pPr algn="l" rtl="0"/>
-            <a:endParaRPr lang="en-US" sz="2000" dirty="0"/>
-          </a:p>
-          <a:p>
-            <a:pPr algn="l" rtl="0"/>
-            <a:endParaRPr lang="en-US" sz="2000" dirty="0"/>
-          </a:p>
-          <a:p>
-            <a:pPr algn="l" rtl="0"/>
-            <a:endParaRPr lang="en-US" sz="2000" dirty="0"/>
-          </a:p>
-          <a:p>
-            <a:pPr marL="0" indent="0" algn="l" rtl="0">
-              <a:buNone/>
-            </a:pPr>
-            <a:r>
-              <a:rPr lang="en-US" sz="2000" dirty="0"/>
-              <a:t>This creates two new variables first and second, this is equivalent to:</a:t>
-            </a:r>
-          </a:p>
-        </p:txBody>
-      </p:sp>
-      <p:pic>
-        <p:nvPicPr>
-          <p:cNvPr id="5" name="Picture 4" descr="A screenshot of a cell phone&#10;&#10;Description generated with high confidence">
-            <a:extLst>
-              <a:ext uri="{FF2B5EF4-FFF2-40B4-BE49-F238E27FC236}">
-                <a16:creationId xmlns:a16="http://schemas.microsoft.com/office/drawing/2014/main" xmlns="" id="{3F9F6D90-DA31-4E83-8B4E-72C344CC249E}"/>
-              </a:ext>
-            </a:extLst>
-          </p:cNvPr>
-          <p:cNvPicPr>
-            <a:picLocks noChangeAspect="1"/>
-          </p:cNvPicPr>
-          <p:nvPr/>
-        </p:nvPicPr>
-        <p:blipFill>
-          <a:blip r:embed="rId2" cstate="print">
-            <a:extLst>
-              <a:ext uri="{28A0092B-C50C-407E-A947-70E740481C1C}">
-                <a14:useLocalDpi xmlns:a14="http://schemas.microsoft.com/office/drawing/2010/main" xmlns="" val="0"/>
-              </a:ext>
-            </a:extLst>
-          </a:blip>
-          <a:stretch>
-            <a:fillRect/>
-          </a:stretch>
-        </p:blipFill>
-        <p:spPr>
-          <a:xfrm>
-            <a:off x="547207" y="3810000"/>
-            <a:ext cx="3970364" cy="1021168"/>
-          </a:xfrm>
-          <a:prstGeom prst="rect">
-            <a:avLst/>
-          </a:prstGeom>
-        </p:spPr>
-      </p:pic>
-      <p:pic>
-        <p:nvPicPr>
-          <p:cNvPr id="11" name="Picture 10" descr="A picture containing object, antenna&#10;&#10;Description generated with very high confidence">
-            <a:extLst>
-              <a:ext uri="{FF2B5EF4-FFF2-40B4-BE49-F238E27FC236}">
-                <a16:creationId xmlns:a16="http://schemas.microsoft.com/office/drawing/2014/main" xmlns="" id="{FB7D2C99-FAA4-4A95-B934-3E9309520ABD}"/>
-              </a:ext>
-            </a:extLst>
-          </p:cNvPr>
-          <p:cNvPicPr>
-            <a:picLocks noChangeAspect="1"/>
-          </p:cNvPicPr>
-          <p:nvPr/>
-        </p:nvPicPr>
-        <p:blipFill>
-          <a:blip r:embed="rId3" cstate="print">
-            <a:extLst>
-              <a:ext uri="{28A0092B-C50C-407E-A947-70E740481C1C}">
-                <a14:useLocalDpi xmlns:a14="http://schemas.microsoft.com/office/drawing/2010/main" xmlns="" val="0"/>
-              </a:ext>
-            </a:extLst>
-          </a:blip>
-          <a:stretch>
-            <a:fillRect/>
-          </a:stretch>
-        </p:blipFill>
-        <p:spPr>
-          <a:xfrm>
-            <a:off x="533400" y="5638800"/>
-            <a:ext cx="2423370" cy="579170"/>
-          </a:xfrm>
-          <a:prstGeom prst="rect">
-            <a:avLst/>
-          </a:prstGeom>
-        </p:spPr>
-      </p:pic>
-    </p:spTree>
-    <p:extLst>
-      <p:ext uri="{BB962C8B-B14F-4D97-AF65-F5344CB8AC3E}">
-        <p14:creationId xmlns:p14="http://schemas.microsoft.com/office/powerpoint/2010/main" xmlns="" val="4272138416"/>
+        <p14:creationId xmlns:p14="http://schemas.microsoft.com/office/powerpoint/2010/main" val="3891654774"/>
       </p:ext>
     </p:extLst>
   </p:cSld>
@@ -8133,10 +8280,9 @@
           <a:p>
             <a:pPr rtl="0"/>
             <a:r>
-              <a:rPr lang="en-US" sz="3600" dirty="0" err="1"/>
-              <a:t>Destructuring</a:t>
-            </a:r>
-            <a:endParaRPr lang="en-US" sz="3600" dirty="0"/>
+              <a:rPr lang="en-US" sz="3600" dirty="0"/>
+              <a:t>Spread operator</a:t>
+            </a:r>
           </a:p>
         </p:txBody>
       </p:sp>
@@ -8150,12 +8296,7 @@
             <p:ph idx="1"/>
           </p:nvPr>
         </p:nvSpPr>
-        <p:spPr>
-          <a:xfrm>
-            <a:off x="457200" y="1609416"/>
-            <a:ext cx="7239000" cy="4846320"/>
-          </a:xfrm>
-        </p:spPr>
+        <p:spPr/>
         <p:txBody>
           <a:bodyPr>
             <a:normAutofit/>
@@ -8164,52 +8305,26 @@
           <a:p>
             <a:pPr algn="l" rtl="0"/>
             <a:r>
-              <a:rPr lang="en-US" sz="2000" dirty="0" err="1"/>
-              <a:t>Destructuring</a:t>
-            </a:r>
-            <a:r>
-              <a:rPr lang="en-US" sz="2000" dirty="0"/>
-              <a:t> works with already-declared variables as well.</a:t>
-            </a:r>
-          </a:p>
-          <a:p>
-            <a:pPr algn="l" rtl="0"/>
-            <a:r>
-              <a:rPr lang="en-US" sz="2000" dirty="0"/>
-              <a:t>Also work in function parameters</a:t>
-            </a:r>
-          </a:p>
-          <a:p>
-            <a:pPr algn="l" rtl="0"/>
-            <a:endParaRPr lang="en-US" sz="2000" dirty="0"/>
-          </a:p>
-          <a:p>
-            <a:pPr algn="l" rtl="0"/>
-            <a:endParaRPr lang="en-US" sz="2000" dirty="0"/>
-          </a:p>
-          <a:p>
-            <a:pPr algn="l" rtl="0"/>
-            <a:endParaRPr lang="en-US" sz="2000" dirty="0"/>
-          </a:p>
-          <a:p>
-            <a:pPr algn="l" rtl="0"/>
-            <a:endParaRPr lang="en-US" sz="2000" dirty="0"/>
-          </a:p>
-          <a:p>
-            <a:pPr algn="l" rtl="0"/>
-            <a:r>
-              <a:rPr lang="en-US" sz="2000" dirty="0"/>
-              <a:t>You can create a variable for the remaining items in a list:</a:t>
-            </a:r>
+              <a:rPr lang="en-US" dirty="0"/>
+              <a:t> Spread syntax effectively goes one level deep while copying an array. Therefore, it may be unsuitable for copying objects array.</a:t>
+            </a:r>
+          </a:p>
+          <a:p>
+            <a:pPr algn="l" rtl="0"/>
+            <a:r>
+              <a:rPr lang="en-US" dirty="0"/>
+              <a:t>When using spread operator on objects it copies own enumerable properties from a provided object onto a new object.</a:t>
+            </a:r>
+            <a:endParaRPr lang="he-IL" sz="2400" dirty="0"/>
           </a:p>
         </p:txBody>
       </p:sp>
       <p:pic>
         <p:nvPicPr>
-          <p:cNvPr id="6" name="Picture 5">
+          <p:cNvPr id="6" name="Picture 5" descr="A screenshot of a cell phone&#10;&#10;Description generated with very high confidence">
             <a:extLst>
               <a:ext uri="{FF2B5EF4-FFF2-40B4-BE49-F238E27FC236}">
-                <a16:creationId xmlns:a16="http://schemas.microsoft.com/office/drawing/2014/main" xmlns="" id="{F0A4DFB6-74AF-4FA9-A852-4EC36876B9C5}"/>
+                <a16:creationId xmlns:a16="http://schemas.microsoft.com/office/drawing/2014/main" id="{69FD4010-F423-4EEF-B82D-1AD7E695073F}"/>
               </a:ext>
             </a:extLst>
           </p:cNvPr>
@@ -8222,7 +8337,7 @@
           <a:blip r:embed="rId2" cstate="print">
             <a:extLst>
               <a:ext uri="{28A0092B-C50C-407E-A947-70E740481C1C}">
-                <a14:useLocalDpi xmlns:a14="http://schemas.microsoft.com/office/drawing/2010/main" xmlns="" val="0"/>
+                <a14:useLocalDpi xmlns:a14="http://schemas.microsoft.com/office/drawing/2010/main" val="0"/>
               </a:ext>
             </a:extLst>
           </a:blip>
@@ -8232,44 +8347,8 @@
         </p:blipFill>
         <p:spPr>
           <a:xfrm>
-            <a:off x="609600" y="2777433"/>
-            <a:ext cx="4526672" cy="1303133"/>
-          </a:xfrm>
-          <a:prstGeom prst="rect">
-            <a:avLst/>
-          </a:prstGeom>
-        </p:spPr>
-      </p:pic>
-      <p:pic>
-        <p:nvPicPr>
-          <p:cNvPr id="8" name="Picture 7" descr="A picture containing object&#10;&#10;Description generated with high confidence">
-            <a:extLst>
-              <a:ext uri="{FF2B5EF4-FFF2-40B4-BE49-F238E27FC236}">
-                <a16:creationId xmlns:a16="http://schemas.microsoft.com/office/drawing/2014/main" xmlns="" id="{FBADC85D-C1DF-401F-94E3-D206392BE851}"/>
-              </a:ext>
-            </a:extLst>
-          </p:cNvPr>
-          <p:cNvPicPr>
-            <a:picLocks noChangeAspect="1"/>
-          </p:cNvPicPr>
-          <p:nvPr/>
-        </p:nvPicPr>
-        <p:blipFill>
-          <a:blip r:embed="rId3" cstate="print">
-            <a:extLst>
-              <a:ext uri="{28A0092B-C50C-407E-A947-70E740481C1C}">
-                <a14:useLocalDpi xmlns:a14="http://schemas.microsoft.com/office/drawing/2010/main" xmlns="" val="0"/>
-              </a:ext>
-            </a:extLst>
-          </a:blip>
-          <a:stretch>
-            <a:fillRect/>
-          </a:stretch>
-        </p:blipFill>
-        <p:spPr>
-          <a:xfrm>
-            <a:off x="605789" y="4827243"/>
-            <a:ext cx="4534293" cy="838273"/>
+            <a:off x="838200" y="4246467"/>
+            <a:ext cx="4031329" cy="2004234"/>
           </a:xfrm>
           <a:prstGeom prst="rect">
             <a:avLst/>
@@ -8279,7 +8358,7 @@
     </p:spTree>
     <p:extLst>
       <p:ext uri="{BB962C8B-B14F-4D97-AF65-F5344CB8AC3E}">
-        <p14:creationId xmlns:p14="http://schemas.microsoft.com/office/powerpoint/2010/main" xmlns="" val="3070450978"/>
+        <p14:creationId xmlns:p14="http://schemas.microsoft.com/office/powerpoint/2010/main" val="2535893048"/>
       </p:ext>
     </p:extLst>
   </p:cSld>
@@ -8325,10 +8404,9 @@
           <a:p>
             <a:pPr rtl="0"/>
             <a:r>
-              <a:rPr lang="en-US" sz="3600" dirty="0" err="1"/>
-              <a:t>Destructuring</a:t>
-            </a:r>
-            <a:endParaRPr lang="en-US" sz="3600" dirty="0"/>
+              <a:rPr lang="en-US" sz="3600" dirty="0"/>
+              <a:t>Spread operator</a:t>
+            </a:r>
           </a:p>
         </p:txBody>
       </p:sp>
@@ -8342,12 +8420,7 @@
             <p:ph idx="1"/>
           </p:nvPr>
         </p:nvSpPr>
-        <p:spPr>
-          <a:xfrm>
-            <a:off x="457200" y="1609416"/>
-            <a:ext cx="7239000" cy="4846320"/>
-          </a:xfrm>
-        </p:spPr>
+        <p:spPr/>
         <p:txBody>
           <a:bodyPr>
             <a:normAutofit/>
@@ -8356,26 +8429,42 @@
           <a:p>
             <a:pPr algn="l" rtl="0"/>
             <a:r>
-              <a:rPr lang="en-US" sz="2000" dirty="0"/>
-              <a:t>Object </a:t>
-            </a:r>
-            <a:r>
-              <a:rPr lang="en-US" sz="2000" dirty="0" err="1"/>
-              <a:t>destructuring</a:t>
-            </a:r>
-            <a:r>
-              <a:rPr lang="en-US" sz="2000" dirty="0"/>
-              <a:t>: </a:t>
-            </a:r>
+              <a:rPr lang="en-US" dirty="0"/>
+              <a:t>Spread syntax (other than in the case of spread properties) can be applied only to </a:t>
+            </a:r>
+            <a:r>
+              <a:rPr lang="en-US" dirty="0" err="1"/>
+              <a:t>iterable</a:t>
+            </a:r>
+            <a:r>
+              <a:rPr lang="en-US" dirty="0"/>
+              <a:t> objects:</a:t>
+            </a:r>
+          </a:p>
+          <a:p>
+            <a:pPr algn="l" rtl="0"/>
+            <a:endParaRPr lang="en-US" sz="2400" dirty="0"/>
+          </a:p>
+          <a:p>
+            <a:pPr algn="l" rtl="0"/>
+            <a:endParaRPr lang="en-US" sz="2400" dirty="0"/>
+          </a:p>
+          <a:p>
+            <a:pPr algn="l" rtl="0"/>
+            <a:r>
+              <a:rPr lang="en-US" dirty="0"/>
+              <a:t>In a way, rest syntax is the opposite of spread syntax: spread 'expands' an array into its elements, while rest collects multiple elements and 'condenses' them into a single element.</a:t>
+            </a:r>
+            <a:endParaRPr lang="he-IL" sz="2400" dirty="0"/>
           </a:p>
         </p:txBody>
       </p:sp>
       <p:pic>
         <p:nvPicPr>
-          <p:cNvPr id="5" name="Picture 4" descr="A screenshot of a cell phone&#10;&#10;Description generated with high confidence">
+          <p:cNvPr id="5" name="Picture 4" descr="A picture containing object, person&#10;&#10;Description generated with high confidence">
             <a:extLst>
               <a:ext uri="{FF2B5EF4-FFF2-40B4-BE49-F238E27FC236}">
-                <a16:creationId xmlns:a16="http://schemas.microsoft.com/office/drawing/2014/main" xmlns="" id="{DA995F42-1F05-46CF-929D-5BD94CA8E447}"/>
+                <a16:creationId xmlns:a16="http://schemas.microsoft.com/office/drawing/2014/main" id="{B0080363-033F-49EB-A899-D496874D7373}"/>
               </a:ext>
             </a:extLst>
           </p:cNvPr>
@@ -8388,7 +8477,7 @@
           <a:blip r:embed="rId2" cstate="print">
             <a:extLst>
               <a:ext uri="{28A0092B-C50C-407E-A947-70E740481C1C}">
-                <a14:useLocalDpi xmlns:a14="http://schemas.microsoft.com/office/drawing/2010/main" xmlns="" val="0"/>
+                <a14:useLocalDpi xmlns:a14="http://schemas.microsoft.com/office/drawing/2010/main" val="0"/>
               </a:ext>
             </a:extLst>
           </a:blip>
@@ -8398,44 +8487,8 @@
         </p:blipFill>
         <p:spPr>
           <a:xfrm>
-            <a:off x="609600" y="2209800"/>
-            <a:ext cx="3688400" cy="1569856"/>
-          </a:xfrm>
-          <a:prstGeom prst="rect">
-            <a:avLst/>
-          </a:prstGeom>
-        </p:spPr>
-      </p:pic>
-      <p:pic>
-        <p:nvPicPr>
-          <p:cNvPr id="9" name="Picture 8" descr="A close up of a logo&#10;&#10;Description generated with very high confidence">
-            <a:extLst>
-              <a:ext uri="{FF2B5EF4-FFF2-40B4-BE49-F238E27FC236}">
-                <a16:creationId xmlns:a16="http://schemas.microsoft.com/office/drawing/2014/main" xmlns="" id="{91DCFCB0-EA05-458A-BF6B-57EA465C1896}"/>
-              </a:ext>
-            </a:extLst>
-          </p:cNvPr>
-          <p:cNvPicPr>
-            <a:picLocks noChangeAspect="1"/>
-          </p:cNvPicPr>
-          <p:nvPr/>
-        </p:nvPicPr>
-        <p:blipFill>
-          <a:blip r:embed="rId3" cstate="print">
-            <a:extLst>
-              <a:ext uri="{28A0092B-C50C-407E-A947-70E740481C1C}">
-                <a14:useLocalDpi xmlns:a14="http://schemas.microsoft.com/office/drawing/2010/main" xmlns="" val="0"/>
-              </a:ext>
-            </a:extLst>
-          </a:blip>
-          <a:stretch>
-            <a:fillRect/>
-          </a:stretch>
-        </p:blipFill>
-        <p:spPr>
-          <a:xfrm>
-            <a:off x="609600" y="4051237"/>
-            <a:ext cx="3688400" cy="990686"/>
+            <a:off x="838200" y="3135604"/>
+            <a:ext cx="5273497" cy="586791"/>
           </a:xfrm>
           <a:prstGeom prst="rect">
             <a:avLst/>
@@ -8445,7 +8498,7 @@
     </p:spTree>
     <p:extLst>
       <p:ext uri="{BB962C8B-B14F-4D97-AF65-F5344CB8AC3E}">
-        <p14:creationId xmlns:p14="http://schemas.microsoft.com/office/powerpoint/2010/main" xmlns="" val="673806096"/>
+        <p14:creationId xmlns:p14="http://schemas.microsoft.com/office/powerpoint/2010/main" val="3702792061"/>
       </p:ext>
     </p:extLst>
   </p:cSld>
@@ -8492,7 +8545,7 @@
             <a:pPr rtl="0"/>
             <a:r>
               <a:rPr lang="en-US" sz="3600" dirty="0"/>
-              <a:t>‘for’, ‘of’, ‘in’ and iterators</a:t>
+              <a:t>Spread operator</a:t>
             </a:r>
           </a:p>
         </p:txBody>
@@ -8519,137 +8572,111 @@
           </a:bodyPr>
           <a:lstStyle/>
           <a:p>
+            <a:pPr marL="0" indent="0" algn="l" rtl="0">
+              <a:buNone/>
+            </a:pPr>
+            <a:r>
+              <a:rPr lang="en-US" sz="2400" dirty="0"/>
+              <a:t>Some useful examples:</a:t>
+            </a:r>
+          </a:p>
+          <a:p>
             <a:pPr algn="l" rtl="0"/>
             <a:r>
               <a:rPr lang="en-US" sz="2000" dirty="0"/>
-              <a:t>ES6 introduced Iterator, which is an object that exposes three methods, next, return, and throw.</a:t>
-            </a:r>
-          </a:p>
-          <a:p>
-            <a:pPr algn="l" rtl="0"/>
-            <a:endParaRPr lang="en-US" sz="2000" dirty="0"/>
-          </a:p>
-          <a:p>
-            <a:pPr algn="l" rtl="0"/>
-            <a:endParaRPr lang="en-US" sz="2000" dirty="0"/>
-          </a:p>
-          <a:p>
-            <a:pPr algn="l" rtl="0"/>
-            <a:endParaRPr lang="en-US" sz="2000" dirty="0"/>
-          </a:p>
-          <a:p>
-            <a:pPr algn="l" rtl="0"/>
-            <a:endParaRPr lang="en-US" sz="2000" dirty="0"/>
-          </a:p>
-          <a:p>
-            <a:pPr algn="l" rtl="0"/>
-            <a:endParaRPr lang="en-US" sz="2000" dirty="0"/>
-          </a:p>
-          <a:p>
-            <a:pPr algn="l" rtl="0"/>
-            <a:endParaRPr lang="en-US" sz="2000" dirty="0"/>
-          </a:p>
-          <a:p>
-            <a:pPr algn="l" rtl="0"/>
-            <a:endParaRPr lang="en-US" sz="2000" dirty="0"/>
-          </a:p>
-          <a:p>
-            <a:pPr algn="l" rtl="0"/>
-            <a:endParaRPr lang="en-US" sz="2000" dirty="0"/>
+              <a:t>arr1.push(…arr2) // adds arr2 to the end of arr1</a:t>
+            </a:r>
           </a:p>
           <a:p>
             <a:pPr algn="l" rtl="0"/>
             <a:r>
               <a:rPr lang="en-US" sz="2000" dirty="0"/>
-              <a:t>The desired class should implement </a:t>
-            </a:r>
+              <a:t>arr1.unshift(…arr2) // adds arr2 to the start of arr1</a:t>
+            </a:r>
+          </a:p>
+          <a:p>
+            <a:pPr algn="l" rtl="0"/>
+            <a:r>
+              <a:rPr lang="en-US" sz="2000" dirty="0"/>
+              <a:t>var arr1 = […arr2] // copy elements of arr2 to arr1</a:t>
+            </a:r>
+          </a:p>
+          <a:p>
+            <a:pPr algn="l" rtl="0"/>
+            <a:r>
+              <a:rPr lang="en-US" sz="2000" dirty="0"/>
+              <a:t>var arr1 = […arr2, …arr3, …arr4] // combining multiple arrays</a:t>
+            </a:r>
+          </a:p>
+          <a:p>
+            <a:pPr algn="l" rtl="0"/>
             <a:r>
               <a:rPr lang="en-US" sz="2000" dirty="0" err="1"/>
-              <a:t>Iterable</a:t>
+              <a:t>var</a:t>
             </a:r>
             <a:r>
               <a:rPr lang="en-US" sz="2000" dirty="0"/>
-              <a:t>&lt;T&gt; (see the next example).</a:t>
-            </a:r>
-          </a:p>
-        </p:txBody>
-      </p:sp>
-      <p:pic>
-        <p:nvPicPr>
-          <p:cNvPr id="6" name="Picture 5">
-            <a:extLst>
-              <a:ext uri="{FF2B5EF4-FFF2-40B4-BE49-F238E27FC236}">
-                <a16:creationId xmlns:a16="http://schemas.microsoft.com/office/drawing/2014/main" xmlns="" id="{CA7007E2-F4BB-4A93-9306-E1814CD7740D}"/>
-              </a:ext>
-            </a:extLst>
-          </p:cNvPr>
-          <p:cNvPicPr>
-            <a:picLocks noChangeAspect="1"/>
-          </p:cNvPicPr>
-          <p:nvPr/>
-        </p:nvPicPr>
-        <p:blipFill>
-          <a:blip r:embed="rId2" cstate="print">
-            <a:extLst>
-              <a:ext uri="{28A0092B-C50C-407E-A947-70E740481C1C}">
-                <a14:useLocalDpi xmlns:a14="http://schemas.microsoft.com/office/drawing/2010/main" xmlns="" val="0"/>
-              </a:ext>
-            </a:extLst>
-          </a:blip>
-          <a:stretch>
-            <a:fillRect/>
-          </a:stretch>
-        </p:blipFill>
-        <p:spPr>
-          <a:xfrm>
-            <a:off x="838200" y="2438400"/>
-            <a:ext cx="3840813" cy="1402202"/>
-          </a:xfrm>
-          <a:prstGeom prst="rect">
-            <a:avLst/>
-          </a:prstGeom>
-        </p:spPr>
-      </p:pic>
-      <p:pic>
-        <p:nvPicPr>
-          <p:cNvPr id="11" name="Picture 10" descr="A screenshot of a cell phone&#10;&#10;Description generated with high confidence">
-            <a:extLst>
-              <a:ext uri="{FF2B5EF4-FFF2-40B4-BE49-F238E27FC236}">
-                <a16:creationId xmlns:a16="http://schemas.microsoft.com/office/drawing/2014/main" xmlns="" id="{AD5AD4C7-C2AB-40F5-96CF-88B3788A5F14}"/>
-              </a:ext>
-            </a:extLst>
-          </p:cNvPr>
-          <p:cNvPicPr>
-            <a:picLocks noChangeAspect="1"/>
-          </p:cNvPicPr>
-          <p:nvPr/>
-        </p:nvPicPr>
-        <p:blipFill>
-          <a:blip r:embed="rId3" cstate="print">
-            <a:extLst>
-              <a:ext uri="{28A0092B-C50C-407E-A947-70E740481C1C}">
-                <a14:useLocalDpi xmlns:a14="http://schemas.microsoft.com/office/drawing/2010/main" xmlns="" val="0"/>
-              </a:ext>
-            </a:extLst>
-          </a:blip>
-          <a:stretch>
-            <a:fillRect/>
-          </a:stretch>
-        </p:blipFill>
-        <p:spPr>
-          <a:xfrm>
-            <a:off x="850641" y="4036899"/>
-            <a:ext cx="3828372" cy="1211685"/>
-          </a:xfrm>
-          <a:prstGeom prst="rect">
-            <a:avLst/>
-          </a:prstGeom>
-        </p:spPr>
-      </p:pic>
+              <a:t> options = { ...</a:t>
+            </a:r>
+            <a:r>
+              <a:rPr lang="en-US" sz="2000" dirty="0" err="1"/>
+              <a:t>defaultOptions</a:t>
+            </a:r>
+            <a:r>
+              <a:rPr lang="en-US" sz="2000" dirty="0"/>
+              <a:t>, ...</a:t>
+            </a:r>
+            <a:r>
+              <a:rPr lang="en-US" sz="2000" dirty="0" err="1"/>
+              <a:t>requestOptions</a:t>
+            </a:r>
+            <a:r>
+              <a:rPr lang="en-US" sz="2000" dirty="0"/>
+              <a:t> };  </a:t>
+            </a:r>
+          </a:p>
+          <a:p>
+            <a:pPr marL="0" indent="0" algn="l" rtl="0">
+              <a:buNone/>
+            </a:pPr>
+            <a:r>
+              <a:rPr lang="en-US" sz="2000" dirty="0"/>
+              <a:t>   // merge between two objects</a:t>
+            </a:r>
+          </a:p>
+          <a:p>
+            <a:pPr algn="l" rtl="0"/>
+            <a:r>
+              <a:rPr lang="en-US" sz="2000" dirty="0" err="1"/>
+              <a:t>var</a:t>
+            </a:r>
+            <a:r>
+              <a:rPr lang="en-US" sz="2000" dirty="0"/>
+              <a:t> </a:t>
+            </a:r>
+            <a:r>
+              <a:rPr lang="en-US" sz="2000" dirty="0" err="1"/>
+              <a:t>shallowCopy</a:t>
+            </a:r>
+            <a:r>
+              <a:rPr lang="en-US" sz="2000" dirty="0"/>
+              <a:t> = { ...</a:t>
+            </a:r>
+            <a:r>
+              <a:rPr lang="en-US" sz="2000" dirty="0" err="1"/>
+              <a:t>someObj</a:t>
+            </a:r>
+            <a:r>
+              <a:rPr lang="en-US" sz="2000" dirty="0"/>
+              <a:t> };</a:t>
+            </a:r>
+          </a:p>
+        </p:txBody>
+      </p:sp>
     </p:spTree>
     <p:extLst>
       <p:ext uri="{BB962C8B-B14F-4D97-AF65-F5344CB8AC3E}">
-        <p14:creationId xmlns:p14="http://schemas.microsoft.com/office/powerpoint/2010/main" xmlns="" val="550696119"/>
+        <p14:creationId xmlns:p14="http://schemas.microsoft.com/office/powerpoint/2010/main" val="2795344761"/>
       </p:ext>
     </p:extLst>
   </p:cSld>
@@ -8803,33 +8830,109 @@
           <a:p>
             <a:pPr rtl="0"/>
             <a:r>
-              <a:rPr lang="en-US" sz="3600" dirty="0"/>
-              <a:t>‘for’, ‘of’, ‘in’ and iterators</a:t>
+              <a:rPr lang="en-US" sz="3600" dirty="0" err="1"/>
+              <a:t>Destructuring</a:t>
+            </a:r>
+            <a:endParaRPr lang="en-US" sz="3600" dirty="0"/>
+          </a:p>
+        </p:txBody>
+      </p:sp>
+      <p:sp>
+        <p:nvSpPr>
+          <p:cNvPr id="3" name="Content Placeholder 2"/>
+          <p:cNvSpPr>
+            <a:spLocks noGrp="1"/>
+          </p:cNvSpPr>
+          <p:nvPr>
+            <p:ph idx="1"/>
+          </p:nvPr>
+        </p:nvSpPr>
+        <p:spPr>
+          <a:xfrm>
+            <a:off x="457200" y="1609416"/>
+            <a:ext cx="7239000" cy="4846320"/>
+          </a:xfrm>
+        </p:spPr>
+        <p:txBody>
+          <a:bodyPr>
+            <a:normAutofit/>
+          </a:bodyPr>
+          <a:lstStyle/>
+          <a:p>
+            <a:pPr algn="l" rtl="0"/>
+            <a:r>
+              <a:rPr lang="en-US" dirty="0"/>
+              <a:t>TypeScript supports the following forms of </a:t>
+            </a:r>
+            <a:r>
+              <a:rPr lang="en-US" dirty="0" err="1"/>
+              <a:t>Destructuring</a:t>
+            </a:r>
+            <a:r>
+              <a:rPr lang="en-US" dirty="0"/>
+              <a:t> (literally named after de-structuring i.e. breaking up the structure.</a:t>
+            </a:r>
+          </a:p>
+          <a:p>
+            <a:pPr marL="0" indent="0" algn="l" rtl="0">
+              <a:buNone/>
+            </a:pPr>
+            <a:endParaRPr lang="en-US" sz="2000" dirty="0"/>
+          </a:p>
+          <a:p>
+            <a:pPr algn="l" rtl="0"/>
+            <a:r>
+              <a:rPr lang="en-US" sz="2400" dirty="0"/>
+              <a:t>Array </a:t>
+            </a:r>
+            <a:r>
+              <a:rPr lang="en-US" sz="2400" dirty="0" err="1"/>
+              <a:t>destructuring</a:t>
+            </a:r>
+            <a:endParaRPr lang="en-US" sz="2400" dirty="0"/>
+          </a:p>
+          <a:p>
+            <a:pPr algn="l" rtl="0"/>
+            <a:endParaRPr lang="en-US" sz="2000" dirty="0"/>
+          </a:p>
+          <a:p>
+            <a:pPr algn="l" rtl="0"/>
+            <a:endParaRPr lang="en-US" sz="2000" dirty="0"/>
+          </a:p>
+          <a:p>
+            <a:pPr algn="l" rtl="0"/>
+            <a:endParaRPr lang="en-US" sz="2000" dirty="0"/>
+          </a:p>
+          <a:p>
+            <a:pPr marL="0" indent="0" algn="l" rtl="0">
+              <a:buNone/>
+            </a:pPr>
+            <a:r>
+              <a:rPr lang="en-US" sz="2000" dirty="0"/>
+              <a:t>This creates two new variables first and second, this is equivalent to:</a:t>
             </a:r>
           </a:p>
         </p:txBody>
       </p:sp>
       <p:pic>
         <p:nvPicPr>
-          <p:cNvPr id="15" name="Content Placeholder 14" descr="A screenshot of a computer&#10;&#10;Description generated with high confidence">
+          <p:cNvPr id="5" name="Picture 4" descr="A screenshot of a cell phone&#10;&#10;Description generated with high confidence">
             <a:extLst>
               <a:ext uri="{FF2B5EF4-FFF2-40B4-BE49-F238E27FC236}">
-                <a16:creationId xmlns:a16="http://schemas.microsoft.com/office/drawing/2014/main" xmlns="" id="{59F37A54-6A50-4C4E-BD79-BA2E6BEDF1CB}"/>
+                <a16:creationId xmlns:a16="http://schemas.microsoft.com/office/drawing/2014/main" id="{3F9F6D90-DA31-4E83-8B4E-72C344CC249E}"/>
               </a:ext>
             </a:extLst>
           </p:cNvPr>
           <p:cNvPicPr>
-            <a:picLocks noGrp="1" noChangeAspect="1"/>
+            <a:picLocks noChangeAspect="1"/>
           </p:cNvPicPr>
-          <p:nvPr>
-            <p:ph idx="1"/>
-          </p:nvPr>
+          <p:nvPr/>
         </p:nvPicPr>
         <p:blipFill>
           <a:blip r:embed="rId2" cstate="print">
             <a:extLst>
               <a:ext uri="{28A0092B-C50C-407E-A947-70E740481C1C}">
-                <a14:useLocalDpi xmlns:a14="http://schemas.microsoft.com/office/drawing/2010/main" xmlns="" val="0"/>
+                <a14:useLocalDpi xmlns:a14="http://schemas.microsoft.com/office/drawing/2010/main" val="0"/>
               </a:ext>
             </a:extLst>
           </a:blip>
@@ -8839,15 +8942,54 @@
         </p:blipFill>
         <p:spPr>
           <a:xfrm>
-            <a:off x="1358426" y="1609725"/>
-            <a:ext cx="5436547" cy="4846638"/>
+            <a:off x="547207" y="3810000"/>
+            <a:ext cx="3970364" cy="1021168"/>
           </a:xfrm>
+          <a:prstGeom prst="rect">
+            <a:avLst/>
+          </a:prstGeom>
+        </p:spPr>
+      </p:pic>
+      <p:pic>
+        <p:nvPicPr>
+          <p:cNvPr id="11" name="Picture 10" descr="A picture containing object, antenna&#10;&#10;Description generated with very high confidence">
+            <a:extLst>
+              <a:ext uri="{FF2B5EF4-FFF2-40B4-BE49-F238E27FC236}">
+                <a16:creationId xmlns:a16="http://schemas.microsoft.com/office/drawing/2014/main" id="{FB7D2C99-FAA4-4A95-B934-3E9309520ABD}"/>
+              </a:ext>
+            </a:extLst>
+          </p:cNvPr>
+          <p:cNvPicPr>
+            <a:picLocks noChangeAspect="1"/>
+          </p:cNvPicPr>
+          <p:nvPr/>
+        </p:nvPicPr>
+        <p:blipFill>
+          <a:blip r:embed="rId3" cstate="print">
+            <a:extLst>
+              <a:ext uri="{28A0092B-C50C-407E-A947-70E740481C1C}">
+                <a14:useLocalDpi xmlns:a14="http://schemas.microsoft.com/office/drawing/2010/main" val="0"/>
+              </a:ext>
+            </a:extLst>
+          </a:blip>
+          <a:stretch>
+            <a:fillRect/>
+          </a:stretch>
+        </p:blipFill>
+        <p:spPr>
+          <a:xfrm>
+            <a:off x="533400" y="5638800"/>
+            <a:ext cx="2423370" cy="579170"/>
+          </a:xfrm>
+          <a:prstGeom prst="rect">
+            <a:avLst/>
+          </a:prstGeom>
         </p:spPr>
       </p:pic>
     </p:spTree>
     <p:extLst>
       <p:ext uri="{BB962C8B-B14F-4D97-AF65-F5344CB8AC3E}">
-        <p14:creationId xmlns:p14="http://schemas.microsoft.com/office/powerpoint/2010/main" xmlns="" val="2548415198"/>
+        <p14:creationId xmlns:p14="http://schemas.microsoft.com/office/powerpoint/2010/main" val="4272138416"/>
       </p:ext>
     </p:extLst>
   </p:cSld>
@@ -8893,89 +9035,153 @@
           <a:p>
             <a:pPr rtl="0"/>
             <a:r>
-              <a:rPr lang="en-US" sz="3600" dirty="0"/>
-              <a:t>‘for’, ‘of’, ‘in’ and iterators</a:t>
-            </a:r>
-          </a:p>
-        </p:txBody>
-      </p:sp>
-      <p:sp>
-        <p:nvSpPr>
-          <p:cNvPr id="4" name="Content Placeholder 3">
+              <a:rPr lang="en-US" sz="3600" dirty="0" err="1"/>
+              <a:t>Destructuring</a:t>
+            </a:r>
+            <a:endParaRPr lang="en-US" sz="3600" dirty="0"/>
+          </a:p>
+        </p:txBody>
+      </p:sp>
+      <p:sp>
+        <p:nvSpPr>
+          <p:cNvPr id="3" name="Content Placeholder 2"/>
+          <p:cNvSpPr>
+            <a:spLocks noGrp="1"/>
+          </p:cNvSpPr>
+          <p:nvPr>
+            <p:ph idx="1"/>
+          </p:nvPr>
+        </p:nvSpPr>
+        <p:spPr>
+          <a:xfrm>
+            <a:off x="457200" y="1609416"/>
+            <a:ext cx="7239000" cy="4846320"/>
+          </a:xfrm>
+        </p:spPr>
+        <p:txBody>
+          <a:bodyPr>
+            <a:normAutofit/>
+          </a:bodyPr>
+          <a:lstStyle/>
+          <a:p>
+            <a:pPr algn="l" rtl="0"/>
+            <a:r>
+              <a:rPr lang="en-US" sz="2000" dirty="0" err="1"/>
+              <a:t>Destructuring</a:t>
+            </a:r>
+            <a:r>
+              <a:rPr lang="en-US" sz="2000" dirty="0"/>
+              <a:t> works with already-declared variables as well.</a:t>
+            </a:r>
+          </a:p>
+          <a:p>
+            <a:pPr algn="l" rtl="0"/>
+            <a:r>
+              <a:rPr lang="en-US" sz="2000" dirty="0"/>
+              <a:t>Also work in function parameters</a:t>
+            </a:r>
+          </a:p>
+          <a:p>
+            <a:pPr algn="l" rtl="0"/>
+            <a:endParaRPr lang="en-US" sz="2000" dirty="0"/>
+          </a:p>
+          <a:p>
+            <a:pPr algn="l" rtl="0"/>
+            <a:endParaRPr lang="en-US" sz="2000" dirty="0"/>
+          </a:p>
+          <a:p>
+            <a:pPr algn="l" rtl="0"/>
+            <a:endParaRPr lang="en-US" sz="2000" dirty="0"/>
+          </a:p>
+          <a:p>
+            <a:pPr algn="l" rtl="0"/>
+            <a:endParaRPr lang="en-US" sz="2000" dirty="0"/>
+          </a:p>
+          <a:p>
+            <a:pPr algn="l" rtl="0"/>
+            <a:r>
+              <a:rPr lang="en-US" sz="2000" dirty="0"/>
+              <a:t>You can create a variable for the remaining items in a list:</a:t>
+            </a:r>
+          </a:p>
+        </p:txBody>
+      </p:sp>
+      <p:pic>
+        <p:nvPicPr>
+          <p:cNvPr id="6" name="Picture 5">
             <a:extLst>
               <a:ext uri="{FF2B5EF4-FFF2-40B4-BE49-F238E27FC236}">
-                <a16:creationId xmlns:a16="http://schemas.microsoft.com/office/drawing/2014/main" xmlns="" id="{D10F532C-291C-4424-AD42-7F2EA72E576C}"/>
+                <a16:creationId xmlns:a16="http://schemas.microsoft.com/office/drawing/2014/main" id="{F0A4DFB6-74AF-4FA9-A852-4EC36876B9C5}"/>
               </a:ext>
             </a:extLst>
           </p:cNvPr>
-          <p:cNvSpPr>
-            <a:spLocks noGrp="1"/>
-          </p:cNvSpPr>
-          <p:nvPr>
-            <p:ph idx="1"/>
-          </p:nvPr>
-        </p:nvSpPr>
-        <p:spPr/>
-        <p:txBody>
-          <a:bodyPr>
-            <a:normAutofit/>
-          </a:bodyPr>
-          <a:lstStyle/>
-          <a:p>
-            <a:pPr algn="l" rtl="0"/>
-            <a:r>
-              <a:rPr lang="en-US" sz="2000" dirty="0"/>
-              <a:t>The name of the method that returns all the data of the </a:t>
-            </a:r>
-            <a:r>
-              <a:rPr lang="en-US" sz="2000" dirty="0" err="1"/>
-              <a:t>iterable</a:t>
-            </a:r>
-            <a:r>
-              <a:rPr lang="en-US" sz="2000" dirty="0"/>
-              <a:t> object is ‘</a:t>
-            </a:r>
-            <a:r>
-              <a:rPr lang="en-US" sz="2000" dirty="0" err="1"/>
-              <a:t>Symbol.iterator</a:t>
-            </a:r>
-            <a:r>
-              <a:rPr lang="en-US" sz="2000" dirty="0"/>
-              <a:t>’. This is ES6 </a:t>
-            </a:r>
-            <a:r>
-              <a:rPr lang="en-US" sz="2000" dirty="0" err="1"/>
-              <a:t>standart</a:t>
-            </a:r>
-            <a:r>
-              <a:rPr lang="en-US" sz="2000" dirty="0"/>
-              <a:t>.</a:t>
-            </a:r>
-          </a:p>
-          <a:p>
-            <a:pPr algn="l" rtl="0"/>
-            <a:r>
-              <a:rPr lang="en-US" sz="2000" dirty="0"/>
-              <a:t>Symbols offer names that are unique and cannot clash with other property names. </a:t>
-            </a:r>
-          </a:p>
-          <a:p>
-            <a:pPr algn="l" rtl="0"/>
-            <a:r>
-              <a:rPr lang="en-US" sz="2000" dirty="0" err="1"/>
-              <a:t>Symbol.iterator</a:t>
-            </a:r>
-            <a:r>
-              <a:rPr lang="en-US" sz="2000" dirty="0"/>
-              <a:t> will return an object called an iterator.</a:t>
-            </a:r>
-          </a:p>
-        </p:txBody>
-      </p:sp>
+          <p:cNvPicPr>
+            <a:picLocks noChangeAspect="1"/>
+          </p:cNvPicPr>
+          <p:nvPr/>
+        </p:nvPicPr>
+        <p:blipFill>
+          <a:blip r:embed="rId2" cstate="print">
+            <a:extLst>
+              <a:ext uri="{28A0092B-C50C-407E-A947-70E740481C1C}">
+                <a14:useLocalDpi xmlns:a14="http://schemas.microsoft.com/office/drawing/2010/main" val="0"/>
+              </a:ext>
+            </a:extLst>
+          </a:blip>
+          <a:stretch>
+            <a:fillRect/>
+          </a:stretch>
+        </p:blipFill>
+        <p:spPr>
+          <a:xfrm>
+            <a:off x="609600" y="2777433"/>
+            <a:ext cx="4526672" cy="1303133"/>
+          </a:xfrm>
+          <a:prstGeom prst="rect">
+            <a:avLst/>
+          </a:prstGeom>
+        </p:spPr>
+      </p:pic>
+      <p:pic>
+        <p:nvPicPr>
+          <p:cNvPr id="8" name="Picture 7" descr="A picture containing object&#10;&#10;Description generated with high confidence">
+            <a:extLst>
+              <a:ext uri="{FF2B5EF4-FFF2-40B4-BE49-F238E27FC236}">
+                <a16:creationId xmlns:a16="http://schemas.microsoft.com/office/drawing/2014/main" id="{FBADC85D-C1DF-401F-94E3-D206392BE851}"/>
+              </a:ext>
+            </a:extLst>
+          </p:cNvPr>
+          <p:cNvPicPr>
+            <a:picLocks noChangeAspect="1"/>
+          </p:cNvPicPr>
+          <p:nvPr/>
+        </p:nvPicPr>
+        <p:blipFill>
+          <a:blip r:embed="rId3" cstate="print">
+            <a:extLst>
+              <a:ext uri="{28A0092B-C50C-407E-A947-70E740481C1C}">
+                <a14:useLocalDpi xmlns:a14="http://schemas.microsoft.com/office/drawing/2010/main" val="0"/>
+              </a:ext>
+            </a:extLst>
+          </a:blip>
+          <a:stretch>
+            <a:fillRect/>
+          </a:stretch>
+        </p:blipFill>
+        <p:spPr>
+          <a:xfrm>
+            <a:off x="605789" y="4827243"/>
+            <a:ext cx="4534293" cy="838273"/>
+          </a:xfrm>
+          <a:prstGeom prst="rect">
+            <a:avLst/>
+          </a:prstGeom>
+        </p:spPr>
+      </p:pic>
     </p:spTree>
     <p:extLst>
       <p:ext uri="{BB962C8B-B14F-4D97-AF65-F5344CB8AC3E}">
-        <p14:creationId xmlns:p14="http://schemas.microsoft.com/office/powerpoint/2010/main" xmlns="" val="2420491585"/>
+        <p14:creationId xmlns:p14="http://schemas.microsoft.com/office/powerpoint/2010/main" val="3070450978"/>
       </p:ext>
     </p:extLst>
   </p:cSld>
@@ -9021,21 +9227,16 @@
           <a:p>
             <a:pPr rtl="0"/>
             <a:r>
-              <a:rPr lang="en-US" sz="3600" dirty="0"/>
-              <a:t>‘for’, ‘of’, ‘in’ and iterators</a:t>
-            </a:r>
-          </a:p>
-        </p:txBody>
-      </p:sp>
-      <p:sp>
-        <p:nvSpPr>
-          <p:cNvPr id="4" name="Content Placeholder 3">
-            <a:extLst>
-              <a:ext uri="{FF2B5EF4-FFF2-40B4-BE49-F238E27FC236}">
-                <a16:creationId xmlns:a16="http://schemas.microsoft.com/office/drawing/2014/main" xmlns="" id="{D10F532C-291C-4424-AD42-7F2EA72E576C}"/>
-              </a:ext>
-            </a:extLst>
-          </p:cNvPr>
+              <a:rPr lang="en-US" sz="3600" dirty="0" err="1"/>
+              <a:t>Destructuring</a:t>
+            </a:r>
+            <a:endParaRPr lang="en-US" sz="3600" dirty="0"/>
+          </a:p>
+        </p:txBody>
+      </p:sp>
+      <p:sp>
+        <p:nvSpPr>
+          <p:cNvPr id="3" name="Content Placeholder 2"/>
           <p:cNvSpPr>
             <a:spLocks noGrp="1"/>
           </p:cNvSpPr>
@@ -9043,7 +9244,12 @@
             <p:ph idx="1"/>
           </p:nvPr>
         </p:nvSpPr>
-        <p:spPr/>
+        <p:spPr>
+          <a:xfrm>
+            <a:off x="457200" y="1609416"/>
+            <a:ext cx="7239000" cy="4846320"/>
+          </a:xfrm>
+        </p:spPr>
         <p:txBody>
           <a:bodyPr>
             <a:normAutofit/>
@@ -9053,32 +9259,25 @@
             <a:pPr algn="l" rtl="0"/>
             <a:r>
               <a:rPr lang="en-US" sz="2000" dirty="0"/>
-              <a:t>for… of.. Iterate over </a:t>
+              <a:t>Object </a:t>
             </a:r>
             <a:r>
               <a:rPr lang="en-US" sz="2000" dirty="0" err="1"/>
-              <a:t>Iterable</a:t>
+              <a:t>destructuring</a:t>
             </a:r>
             <a:r>
               <a:rPr lang="en-US" sz="2000" dirty="0"/>
-              <a:t> object e.g., arrays and other object that implementing iterator design pattern.</a:t>
-            </a:r>
-          </a:p>
-          <a:p>
-            <a:pPr algn="l" rtl="0"/>
-            <a:r>
-              <a:rPr lang="en-US" sz="2000" dirty="0"/>
-              <a:t>for… in… iterate over object keys</a:t>
+              <a:t>: </a:t>
             </a:r>
           </a:p>
         </p:txBody>
       </p:sp>
       <p:pic>
         <p:nvPicPr>
-          <p:cNvPr id="5" name="Picture 4">
+          <p:cNvPr id="5" name="Picture 4" descr="A screenshot of a cell phone&#10;&#10;Description generated with high confidence">
             <a:extLst>
               <a:ext uri="{FF2B5EF4-FFF2-40B4-BE49-F238E27FC236}">
-                <a16:creationId xmlns:a16="http://schemas.microsoft.com/office/drawing/2014/main" xmlns="" id="{7E9EAE57-CB78-4FEB-8EAB-0D33CA8EBD80}"/>
+                <a16:creationId xmlns:a16="http://schemas.microsoft.com/office/drawing/2014/main" id="{DA995F42-1F05-46CF-929D-5BD94CA8E447}"/>
               </a:ext>
             </a:extLst>
           </p:cNvPr>
@@ -9091,7 +9290,7 @@
           <a:blip r:embed="rId2" cstate="print">
             <a:extLst>
               <a:ext uri="{28A0092B-C50C-407E-A947-70E740481C1C}">
-                <a14:useLocalDpi xmlns:a14="http://schemas.microsoft.com/office/drawing/2010/main" xmlns="" val="0"/>
+                <a14:useLocalDpi xmlns:a14="http://schemas.microsoft.com/office/drawing/2010/main" val="0"/>
               </a:ext>
             </a:extLst>
           </a:blip>
@@ -9101,8 +9300,8 @@
         </p:blipFill>
         <p:spPr>
           <a:xfrm>
-            <a:off x="838201" y="2819401"/>
-            <a:ext cx="4686706" cy="1480520"/>
+            <a:off x="609600" y="2209800"/>
+            <a:ext cx="3688400" cy="1569856"/>
           </a:xfrm>
           <a:prstGeom prst="rect">
             <a:avLst/>
@@ -9111,10 +9310,10 @@
       </p:pic>
       <p:pic>
         <p:nvPicPr>
-          <p:cNvPr id="7" name="Picture 6" descr="A screenshot of a cell phone&#10;&#10;Description generated with very high confidence">
+          <p:cNvPr id="9" name="Picture 8" descr="A close up of a logo&#10;&#10;Description generated with very high confidence">
             <a:extLst>
               <a:ext uri="{FF2B5EF4-FFF2-40B4-BE49-F238E27FC236}">
-                <a16:creationId xmlns:a16="http://schemas.microsoft.com/office/drawing/2014/main" xmlns="" id="{A22E32BE-F5A8-4A12-8723-2B50D48F9462}"/>
+                <a16:creationId xmlns:a16="http://schemas.microsoft.com/office/drawing/2014/main" id="{91DCFCB0-EA05-458A-BF6B-57EA465C1896}"/>
               </a:ext>
             </a:extLst>
           </p:cNvPr>
@@ -9127,7 +9326,7 @@
           <a:blip r:embed="rId3" cstate="print">
             <a:extLst>
               <a:ext uri="{28A0092B-C50C-407E-A947-70E740481C1C}">
-                <a14:useLocalDpi xmlns:a14="http://schemas.microsoft.com/office/drawing/2010/main" xmlns="" val="0"/>
+                <a14:useLocalDpi xmlns:a14="http://schemas.microsoft.com/office/drawing/2010/main" val="0"/>
               </a:ext>
             </a:extLst>
           </a:blip>
@@ -9137,8 +9336,8 @@
         </p:blipFill>
         <p:spPr>
           <a:xfrm>
-            <a:off x="838200" y="4446297"/>
-            <a:ext cx="4686706" cy="1878304"/>
+            <a:off x="609600" y="4051237"/>
+            <a:ext cx="3688400" cy="990686"/>
           </a:xfrm>
           <a:prstGeom prst="rect">
             <a:avLst/>
@@ -9148,7 +9347,7 @@
     </p:spTree>
     <p:extLst>
       <p:ext uri="{BB962C8B-B14F-4D97-AF65-F5344CB8AC3E}">
-        <p14:creationId xmlns:p14="http://schemas.microsoft.com/office/powerpoint/2010/main" xmlns="" val="3296673921"/>
+        <p14:creationId xmlns:p14="http://schemas.microsoft.com/office/powerpoint/2010/main" val="673806096"/>
       </p:ext>
     </p:extLst>
   </p:cSld>
@@ -9177,13 +9376,7 @@
       </p:grpSpPr>
       <p:sp>
         <p:nvSpPr>
-          <p:cNvPr id="2" name="Title 1">
-            <a:extLst>
-              <a:ext uri="{FF2B5EF4-FFF2-40B4-BE49-F238E27FC236}">
-                <a16:creationId xmlns:a16="http://schemas.microsoft.com/office/drawing/2014/main" xmlns="" id="{562C69D3-72AE-4D1A-903B-15355CAC6E81}"/>
-              </a:ext>
-            </a:extLst>
-          </p:cNvPr>
+          <p:cNvPr id="2" name="Title 1"/>
           <p:cNvSpPr>
             <a:spLocks noGrp="1"/>
           </p:cNvSpPr>
@@ -9192,149 +9385,103 @@
           </p:nvPr>
         </p:nvSpPr>
         <p:spPr/>
+        <p:txBody>
+          <a:bodyPr>
+            <a:noAutofit/>
+          </a:bodyPr>
+          <a:lstStyle/>
+          <a:p>
+            <a:pPr rtl="0"/>
+            <a:r>
+              <a:rPr lang="en-US" sz="3600" dirty="0"/>
+              <a:t>‘for’, ‘of’, ‘in’ and iterators</a:t>
+            </a:r>
+          </a:p>
+        </p:txBody>
+      </p:sp>
+      <p:sp>
+        <p:nvSpPr>
+          <p:cNvPr id="3" name="Content Placeholder 2"/>
+          <p:cNvSpPr>
+            <a:spLocks noGrp="1"/>
+          </p:cNvSpPr>
+          <p:nvPr>
+            <p:ph idx="1"/>
+          </p:nvPr>
+        </p:nvSpPr>
+        <p:spPr>
+          <a:xfrm>
+            <a:off x="457200" y="1609416"/>
+            <a:ext cx="7239000" cy="4846320"/>
+          </a:xfrm>
+        </p:spPr>
         <p:txBody>
           <a:bodyPr>
             <a:normAutofit/>
           </a:bodyPr>
           <a:lstStyle/>
           <a:p>
-            <a:r>
-              <a:rPr lang="en-US" sz="4000" dirty="0"/>
-              <a:t>Template strings</a:t>
-            </a:r>
-            <a:endParaRPr lang="en-US" dirty="0"/>
-          </a:p>
-        </p:txBody>
-      </p:sp>
-      <p:sp>
-        <p:nvSpPr>
-          <p:cNvPr id="3" name="Content Placeholder 2">
+            <a:pPr algn="l" rtl="0"/>
+            <a:r>
+              <a:rPr lang="en-US" sz="2000" dirty="0"/>
+              <a:t>ES6 introduced Iterator, which is an object that exposes three methods, next, return, and throw.</a:t>
+            </a:r>
+          </a:p>
+          <a:p>
+            <a:pPr algn="l" rtl="0"/>
+            <a:endParaRPr lang="en-US" sz="2000" dirty="0"/>
+          </a:p>
+          <a:p>
+            <a:pPr algn="l" rtl="0"/>
+            <a:endParaRPr lang="en-US" sz="2000" dirty="0"/>
+          </a:p>
+          <a:p>
+            <a:pPr algn="l" rtl="0"/>
+            <a:endParaRPr lang="en-US" sz="2000" dirty="0"/>
+          </a:p>
+          <a:p>
+            <a:pPr algn="l" rtl="0"/>
+            <a:endParaRPr lang="en-US" sz="2000" dirty="0"/>
+          </a:p>
+          <a:p>
+            <a:pPr algn="l" rtl="0"/>
+            <a:endParaRPr lang="en-US" sz="2000" dirty="0"/>
+          </a:p>
+          <a:p>
+            <a:pPr algn="l" rtl="0"/>
+            <a:endParaRPr lang="en-US" sz="2000" dirty="0"/>
+          </a:p>
+          <a:p>
+            <a:pPr algn="l" rtl="0"/>
+            <a:endParaRPr lang="en-US" sz="2000" dirty="0"/>
+          </a:p>
+          <a:p>
+            <a:pPr algn="l" rtl="0"/>
+            <a:endParaRPr lang="en-US" sz="2000" dirty="0"/>
+          </a:p>
+          <a:p>
+            <a:pPr algn="l" rtl="0"/>
+            <a:r>
+              <a:rPr lang="en-US" sz="2000" dirty="0"/>
+              <a:t>The desired class should implement </a:t>
+            </a:r>
+            <a:r>
+              <a:rPr lang="en-US" sz="2000" dirty="0" err="1"/>
+              <a:t>Iterable</a:t>
+            </a:r>
+            <a:r>
+              <a:rPr lang="en-US" sz="2000" dirty="0"/>
+              <a:t>&lt;T&gt; (see the next example).</a:t>
+            </a:r>
+          </a:p>
+        </p:txBody>
+      </p:sp>
+      <p:pic>
+        <p:nvPicPr>
+          <p:cNvPr id="6" name="Picture 5">
             <a:extLst>
               <a:ext uri="{FF2B5EF4-FFF2-40B4-BE49-F238E27FC236}">
-                <a16:creationId xmlns:a16="http://schemas.microsoft.com/office/drawing/2014/main" xmlns="" id="{3AB0ED87-3538-4957-875E-DEA297FEE413}"/>
-              </a:ext>
-            </a:extLst>
-          </p:cNvPr>
-          <p:cNvSpPr>
-            <a:spLocks noGrp="1"/>
-          </p:cNvSpPr>
-          <p:nvPr>
-            <p:ph idx="1"/>
-          </p:nvPr>
-        </p:nvSpPr>
-        <p:spPr/>
-        <p:txBody>
-          <a:bodyPr>
-            <a:normAutofit/>
-          </a:bodyPr>
-          <a:lstStyle/>
-          <a:p>
-            <a:pPr marL="0" indent="0" algn="l" rtl="0">
-              <a:buNone/>
-            </a:pPr>
-            <a:r>
-              <a:rPr lang="en-US" sz="2000" dirty="0"/>
-              <a:t>Syntactically these are strings that use backticks ( i.e. ` ) instead of single (') or double (") quotes. </a:t>
-            </a:r>
-          </a:p>
-          <a:p>
-            <a:pPr marL="0" indent="0" algn="l" rtl="0">
-              <a:buNone/>
-            </a:pPr>
-            <a:r>
-              <a:rPr lang="en-US" sz="2000" dirty="0"/>
-              <a:t>The motivation of Template Strings are:</a:t>
-            </a:r>
-          </a:p>
-          <a:p>
-            <a:pPr marL="0" indent="0" algn="l" rtl="0">
-              <a:buNone/>
-            </a:pPr>
-            <a:endParaRPr lang="en-US" sz="2000" dirty="0"/>
-          </a:p>
-          <a:p>
-            <a:pPr algn="l" rtl="0"/>
-            <a:r>
-              <a:rPr lang="en-US" sz="2000" dirty="0"/>
-              <a:t>String Interpolation</a:t>
-            </a:r>
-          </a:p>
-          <a:p>
-            <a:pPr marL="246888" lvl="1" indent="0" algn="l" rtl="0">
-              <a:buNone/>
-            </a:pPr>
-            <a:r>
-              <a:rPr lang="en-US" sz="1500" dirty="0"/>
-              <a:t>A common use case is when you want to generate some string out of some static strings + some variables. </a:t>
-            </a:r>
-          </a:p>
-          <a:p>
-            <a:pPr marL="246888" lvl="1" indent="0" algn="l" rtl="0">
-              <a:buNone/>
-            </a:pPr>
-            <a:r>
-              <a:rPr lang="en-US" sz="1500" dirty="0"/>
-              <a:t>For this you would need some </a:t>
-            </a:r>
-            <a:r>
-              <a:rPr lang="en-US" sz="1500" i="1" dirty="0"/>
-              <a:t>templating logic</a:t>
-            </a:r>
-            <a:r>
-              <a:rPr lang="en-US" sz="1500" dirty="0"/>
-              <a:t> and this is where </a:t>
-            </a:r>
-            <a:r>
-              <a:rPr lang="en-US" sz="1500" i="1" dirty="0"/>
-              <a:t>template strings</a:t>
-            </a:r>
-            <a:r>
-              <a:rPr lang="en-US" sz="1500" dirty="0"/>
-              <a:t> get their name from.</a:t>
-            </a:r>
-          </a:p>
-          <a:p>
-            <a:pPr marL="246888" lvl="1" indent="0" algn="l" rtl="0">
-              <a:buNone/>
-            </a:pPr>
-            <a:endParaRPr lang="en-US" sz="1500" dirty="0"/>
-          </a:p>
-          <a:p>
-            <a:pPr marL="0" indent="0" algn="l" rtl="0">
-              <a:buNone/>
-            </a:pPr>
-            <a:r>
-              <a:rPr lang="en-US" sz="1600" dirty="0"/>
-              <a:t>Until today you would write something like:</a:t>
-            </a:r>
-          </a:p>
-          <a:p>
-            <a:pPr marL="0" indent="0" algn="l" rtl="0">
-              <a:buNone/>
-            </a:pPr>
-            <a:endParaRPr lang="en-US" sz="1600" dirty="0"/>
-          </a:p>
-          <a:p>
-            <a:pPr marL="0" indent="0" algn="l" rtl="0">
-              <a:buNone/>
-            </a:pPr>
-            <a:r>
-              <a:rPr lang="en-US" sz="1600" dirty="0"/>
-              <a:t>From now on: </a:t>
-            </a:r>
-            <a:r>
-              <a:rPr lang="en-US" sz="2000" dirty="0"/>
-              <a:t>	</a:t>
-            </a:r>
-          </a:p>
-        </p:txBody>
-      </p:sp>
-      <p:pic>
-        <p:nvPicPr>
-          <p:cNvPr id="5" name="Picture 4" descr="A black sign with white text&#10;&#10;Description generated with high confidence">
-            <a:extLst>
-              <a:ext uri="{FF2B5EF4-FFF2-40B4-BE49-F238E27FC236}">
-                <a16:creationId xmlns:a16="http://schemas.microsoft.com/office/drawing/2014/main" xmlns="" id="{845D07C1-A75C-49C0-818F-A8BAFED796DF}"/>
+                <a16:creationId xmlns:a16="http://schemas.microsoft.com/office/drawing/2014/main" id="{CA7007E2-F4BB-4A93-9306-E1814CD7740D}"/>
               </a:ext>
             </a:extLst>
           </p:cNvPr>
@@ -9347,7 +9494,7 @@
           <a:blip r:embed="rId2" cstate="print">
             <a:extLst>
               <a:ext uri="{28A0092B-C50C-407E-A947-70E740481C1C}">
-                <a14:useLocalDpi xmlns:a14="http://schemas.microsoft.com/office/drawing/2010/main" xmlns="" val="0"/>
+                <a14:useLocalDpi xmlns:a14="http://schemas.microsoft.com/office/drawing/2010/main" val="0"/>
               </a:ext>
             </a:extLst>
           </a:blip>
@@ -9357,8 +9504,8 @@
         </p:blipFill>
         <p:spPr>
           <a:xfrm>
-            <a:off x="533400" y="5105400"/>
-            <a:ext cx="3314981" cy="403895"/>
+            <a:off x="838200" y="2438400"/>
+            <a:ext cx="3840813" cy="1402202"/>
           </a:xfrm>
           <a:prstGeom prst="rect">
             <a:avLst/>
@@ -9367,10 +9514,10 @@
       </p:pic>
       <p:pic>
         <p:nvPicPr>
-          <p:cNvPr id="7" name="Picture 6" descr="A black sign with white text&#10;&#10;Description generated with high confidence">
+          <p:cNvPr id="11" name="Picture 10" descr="A screenshot of a cell phone&#10;&#10;Description generated with high confidence">
             <a:extLst>
               <a:ext uri="{FF2B5EF4-FFF2-40B4-BE49-F238E27FC236}">
-                <a16:creationId xmlns:a16="http://schemas.microsoft.com/office/drawing/2014/main" xmlns="" id="{E7261C2E-A31C-42E1-B111-1C671C85BD72}"/>
+                <a16:creationId xmlns:a16="http://schemas.microsoft.com/office/drawing/2014/main" id="{AD5AD4C7-C2AB-40F5-96CF-88B3788A5F14}"/>
               </a:ext>
             </a:extLst>
           </p:cNvPr>
@@ -9383,7 +9530,7 @@
           <a:blip r:embed="rId3" cstate="print">
             <a:extLst>
               <a:ext uri="{28A0092B-C50C-407E-A947-70E740481C1C}">
-                <a14:useLocalDpi xmlns:a14="http://schemas.microsoft.com/office/drawing/2010/main" xmlns="" val="0"/>
+                <a14:useLocalDpi xmlns:a14="http://schemas.microsoft.com/office/drawing/2010/main" val="0"/>
               </a:ext>
             </a:extLst>
           </a:blip>
@@ -9393,8 +9540,8 @@
         </p:blipFill>
         <p:spPr>
           <a:xfrm>
-            <a:off x="533400" y="5867400"/>
-            <a:ext cx="3314980" cy="396274"/>
+            <a:off x="850641" y="4036899"/>
+            <a:ext cx="3828372" cy="1211685"/>
           </a:xfrm>
           <a:prstGeom prst="rect">
             <a:avLst/>
@@ -9404,7 +9551,7 @@
     </p:spTree>
     <p:extLst>
       <p:ext uri="{BB962C8B-B14F-4D97-AF65-F5344CB8AC3E}">
-        <p14:creationId xmlns:p14="http://schemas.microsoft.com/office/powerpoint/2010/main" xmlns="" val="3254600149"/>
+        <p14:creationId xmlns:p14="http://schemas.microsoft.com/office/powerpoint/2010/main" val="550696119"/>
       </p:ext>
     </p:extLst>
   </p:cSld>
@@ -9436,7 +9583,7 @@
           <p:cNvPr id="2" name="Title 1">
             <a:extLst>
               <a:ext uri="{FF2B5EF4-FFF2-40B4-BE49-F238E27FC236}">
-                <a16:creationId xmlns:a16="http://schemas.microsoft.com/office/drawing/2014/main" xmlns="" id="{562C69D3-72AE-4D1A-903B-15355CAC6E81}"/>
+                <a16:creationId xmlns:a16="http://schemas.microsoft.com/office/drawing/2014/main" id="{562C69D3-72AE-4D1A-903B-15355CAC6E81}"/>
               </a:ext>
             </a:extLst>
           </p:cNvPr>
@@ -9467,7 +9614,7 @@
           <p:cNvPr id="3" name="Content Placeholder 2">
             <a:extLst>
               <a:ext uri="{FF2B5EF4-FFF2-40B4-BE49-F238E27FC236}">
-                <a16:creationId xmlns:a16="http://schemas.microsoft.com/office/drawing/2014/main" xmlns="" id="{3AB0ED87-3538-4957-875E-DEA297FEE413}"/>
+                <a16:creationId xmlns:a16="http://schemas.microsoft.com/office/drawing/2014/main" id="{3AB0ED87-3538-4957-875E-DEA297FEE413}"/>
               </a:ext>
             </a:extLst>
           </p:cNvPr>
@@ -9485,10 +9632,34 @@
           </a:bodyPr>
           <a:lstStyle/>
           <a:p>
-            <a:pPr algn="l" rtl="0"/>
+            <a:pPr marL="0" indent="0" algn="l" rtl="0">
+              <a:buNone/>
+            </a:pPr>
             <a:r>
               <a:rPr lang="en-US" sz="2000" dirty="0"/>
-              <a:t>Multiline Strings</a:t>
+              <a:t>Syntactically these are strings that use backticks ( i.e. ` ) instead of single (') or double (") quotes. </a:t>
+            </a:r>
+          </a:p>
+          <a:p>
+            <a:pPr marL="0" indent="0" algn="l" rtl="0">
+              <a:buNone/>
+            </a:pPr>
+            <a:r>
+              <a:rPr lang="en-US" sz="2000" dirty="0"/>
+              <a:t>The motivation of Template Strings are:</a:t>
+            </a:r>
+          </a:p>
+          <a:p>
+            <a:pPr marL="0" indent="0" algn="l" rtl="0">
+              <a:buNone/>
+            </a:pPr>
+            <a:endParaRPr lang="en-US" sz="2000" dirty="0"/>
+          </a:p>
+          <a:p>
+            <a:pPr algn="l" rtl="0"/>
+            <a:r>
+              <a:rPr lang="en-US" sz="2000" dirty="0"/>
+              <a:t>String Interpolation</a:t>
             </a:r>
           </a:p>
           <a:p>
@@ -9496,53 +9667,77 @@
               <a:buNone/>
             </a:pPr>
             <a:r>
-              <a:rPr lang="en-US" sz="1700" dirty="0"/>
-              <a:t>Any newline characters inserted in the source are part of the template literal. Using normal strings, you would have to use </a:t>
-            </a:r>
-            <a:r>
-              <a:rPr lang="en-US" sz="1700" b="1" dirty="0"/>
-              <a:t>‘\n’</a:t>
-            </a:r>
-            <a:r>
-              <a:rPr lang="en-US" sz="1700" dirty="0"/>
-              <a:t> in order to get multi-line strings</a:t>
-            </a:r>
+              <a:rPr lang="en-US" sz="1500" dirty="0"/>
+              <a:t>A common use case is when you want to generate some string out of some static strings + some variables. </a:t>
+            </a:r>
+          </a:p>
+          <a:p>
+            <a:pPr marL="246888" lvl="1" indent="0" algn="l" rtl="0">
+              <a:buNone/>
+            </a:pPr>
+            <a:r>
+              <a:rPr lang="en-US" sz="1500" dirty="0"/>
+              <a:t>For this you would need some </a:t>
+            </a:r>
+            <a:r>
+              <a:rPr lang="en-US" sz="1500" i="1" dirty="0"/>
+              <a:t>templating logic</a:t>
+            </a:r>
+            <a:r>
+              <a:rPr lang="en-US" sz="1500" dirty="0"/>
+              <a:t> and this is where </a:t>
+            </a:r>
+            <a:r>
+              <a:rPr lang="en-US" sz="1500" i="1" dirty="0"/>
+              <a:t>template strings</a:t>
+            </a:r>
+            <a:r>
+              <a:rPr lang="en-US" sz="1500" dirty="0"/>
+              <a:t> get their name from.</a:t>
+            </a:r>
+          </a:p>
+          <a:p>
+            <a:pPr marL="246888" lvl="1" indent="0" algn="l" rtl="0">
+              <a:buNone/>
+            </a:pPr>
+            <a:endParaRPr lang="en-US" sz="1500" dirty="0"/>
           </a:p>
           <a:p>
             <a:pPr marL="0" indent="0" algn="l" rtl="0">
               <a:buNone/>
             </a:pPr>
-            <a:endParaRPr lang="en-US" sz="2000" dirty="0"/>
+            <a:r>
+              <a:rPr lang="en-US" sz="1600" dirty="0"/>
+              <a:t>Until today you would write something like:</a:t>
+            </a:r>
           </a:p>
           <a:p>
             <a:pPr marL="0" indent="0" algn="l" rtl="0">
               <a:buNone/>
             </a:pPr>
-            <a:endParaRPr lang="en-US" sz="2000" dirty="0"/>
+            <a:endParaRPr lang="en-US" sz="1600" dirty="0"/>
           </a:p>
           <a:p>
             <a:pPr marL="0" indent="0" algn="l" rtl="0">
               <a:buNone/>
             </a:pPr>
-            <a:endParaRPr lang="en-US" sz="2000" dirty="0"/>
-          </a:p>
-          <a:p>
-            <a:pPr marL="0" indent="0" algn="l" rtl="0">
-              <a:buNone/>
-            </a:pPr>
             <a:r>
               <a:rPr lang="en-US" sz="1600" dirty="0"/>
-              <a:t>From now on:</a:t>
+              <a:t>From now on: </a:t>
+            </a:r>
+            <a:r>
+              <a:rPr lang="en-US" sz="2000" dirty="0"/>
+              <a:t>	</a:t>
             </a:r>
           </a:p>
         </p:txBody>
       </p:sp>
       <p:pic>
         <p:nvPicPr>
-          <p:cNvPr id="5" name="Picture 4">
+          <p:cNvPr id="5" name="Picture 4" descr="A black sign with white text&#10;&#10;Description generated with high confidence">
             <a:extLst>
               <a:ext uri="{FF2B5EF4-FFF2-40B4-BE49-F238E27FC236}">
-                <a16:creationId xmlns:a16="http://schemas.microsoft.com/office/drawing/2014/main" xmlns="" id="{1F80BDA8-C689-4AB0-A635-3592F969E174}"/>
+                <a16:creationId xmlns:a16="http://schemas.microsoft.com/office/drawing/2014/main" id="{845D07C1-A75C-49C0-818F-A8BAFED796DF}"/>
               </a:ext>
             </a:extLst>
           </p:cNvPr>
@@ -9555,7 +9750,7 @@
           <a:blip r:embed="rId2" cstate="print">
             <a:extLst>
               <a:ext uri="{28A0092B-C50C-407E-A947-70E740481C1C}">
-                <a14:useLocalDpi xmlns:a14="http://schemas.microsoft.com/office/drawing/2010/main" xmlns="" val="0"/>
+                <a14:useLocalDpi xmlns:a14="http://schemas.microsoft.com/office/drawing/2010/main" val="0"/>
               </a:ext>
             </a:extLst>
           </a:blip>
@@ -9565,8 +9760,8 @@
         </p:blipFill>
         <p:spPr>
           <a:xfrm>
-            <a:off x="533401" y="2941277"/>
-            <a:ext cx="3733800" cy="975445"/>
+            <a:off x="533400" y="5105400"/>
+            <a:ext cx="3314981" cy="403895"/>
           </a:xfrm>
           <a:prstGeom prst="rect">
             <a:avLst/>
@@ -9575,10 +9770,10 @@
       </p:pic>
       <p:pic>
         <p:nvPicPr>
-          <p:cNvPr id="6" name="Picture 5" descr="A picture containing indoor&#10;&#10;Description generated with high confidence">
+          <p:cNvPr id="7" name="Picture 6" descr="A black sign with white text&#10;&#10;Description generated with high confidence">
             <a:extLst>
               <a:ext uri="{FF2B5EF4-FFF2-40B4-BE49-F238E27FC236}">
-                <a16:creationId xmlns:a16="http://schemas.microsoft.com/office/drawing/2014/main" xmlns="" id="{D495E4D6-0A74-4E10-A892-B0415078A6AA}"/>
+                <a16:creationId xmlns:a16="http://schemas.microsoft.com/office/drawing/2014/main" id="{E7261C2E-A31C-42E1-B111-1C671C85BD72}"/>
               </a:ext>
             </a:extLst>
           </p:cNvPr>
@@ -9591,7 +9786,7 @@
           <a:blip r:embed="rId3" cstate="print">
             <a:extLst>
               <a:ext uri="{28A0092B-C50C-407E-A947-70E740481C1C}">
-                <a14:useLocalDpi xmlns:a14="http://schemas.microsoft.com/office/drawing/2010/main" xmlns="" val="0"/>
+                <a14:useLocalDpi xmlns:a14="http://schemas.microsoft.com/office/drawing/2010/main" val="0"/>
               </a:ext>
             </a:extLst>
           </a:blip>
@@ -9601,8 +9796,8 @@
         </p:blipFill>
         <p:spPr>
           <a:xfrm>
-            <a:off x="533400" y="4419600"/>
-            <a:ext cx="3733800" cy="1051651"/>
+            <a:off x="533400" y="5867400"/>
+            <a:ext cx="3314980" cy="396274"/>
           </a:xfrm>
           <a:prstGeom prst="rect">
             <a:avLst/>
@@ -9612,7 +9807,7 @@
     </p:spTree>
     <p:extLst>
       <p:ext uri="{BB962C8B-B14F-4D97-AF65-F5344CB8AC3E}">
-        <p14:creationId xmlns:p14="http://schemas.microsoft.com/office/powerpoint/2010/main" xmlns="" val="4150304393"/>
+        <p14:creationId xmlns:p14="http://schemas.microsoft.com/office/powerpoint/2010/main" val="3254600149"/>
       </p:ext>
     </p:extLst>
   </p:cSld>
@@ -9644,7 +9839,7 @@
           <p:cNvPr id="2" name="Title 1">
             <a:extLst>
               <a:ext uri="{FF2B5EF4-FFF2-40B4-BE49-F238E27FC236}">
-                <a16:creationId xmlns:a16="http://schemas.microsoft.com/office/drawing/2014/main" xmlns="" id="{562C69D3-72AE-4D1A-903B-15355CAC6E81}"/>
+                <a16:creationId xmlns:a16="http://schemas.microsoft.com/office/drawing/2014/main" id="{562C69D3-72AE-4D1A-903B-15355CAC6E81}"/>
               </a:ext>
             </a:extLst>
           </p:cNvPr>
@@ -9675,7 +9870,7 @@
           <p:cNvPr id="3" name="Content Placeholder 2">
             <a:extLst>
               <a:ext uri="{FF2B5EF4-FFF2-40B4-BE49-F238E27FC236}">
-                <a16:creationId xmlns:a16="http://schemas.microsoft.com/office/drawing/2014/main" xmlns="" id="{3AB0ED87-3538-4957-875E-DEA297FEE413}"/>
+                <a16:creationId xmlns:a16="http://schemas.microsoft.com/office/drawing/2014/main" id="{3AB0ED87-3538-4957-875E-DEA297FEE413}"/>
               </a:ext>
             </a:extLst>
           </p:cNvPr>
@@ -9696,73 +9891,131 @@
             <a:pPr algn="l" rtl="0"/>
             <a:r>
               <a:rPr lang="en-US" sz="2000" dirty="0"/>
-              <a:t>Tagged Templates</a:t>
-            </a:r>
-          </a:p>
-          <a:p>
-            <a:pPr algn="l" rtl="0">
-              <a:buFont typeface="Wingdings" panose="05000000000000000000" pitchFamily="2" charset="2"/>
-              <a:buChar char="Ø"/>
-            </a:pPr>
-            <a:r>
-              <a:rPr lang="en-US" sz="2000" dirty="0"/>
-              <a:t>You can place a function (called a </a:t>
-            </a:r>
-            <a:r>
-              <a:rPr lang="en-US" sz="2000" b="1" dirty="0"/>
-              <a:t>tag</a:t>
-            </a:r>
-            <a:r>
-              <a:rPr lang="en-US" sz="2000" dirty="0"/>
-              <a:t>) before the template string and it gets the opportunity to pre process the template string literals plus the values of all the placeholder expressions and return a result.</a:t>
-            </a:r>
-          </a:p>
-          <a:p>
-            <a:pPr algn="l" rtl="0">
-              <a:buFont typeface="Wingdings" panose="05000000000000000000" pitchFamily="2" charset="2"/>
-              <a:buChar char="Ø"/>
-            </a:pPr>
-            <a:r>
-              <a:rPr lang="en-US" sz="2000" dirty="0"/>
-              <a:t>Tags allow you to parse template literals with a function.</a:t>
-            </a:r>
-          </a:p>
-          <a:p>
-            <a:pPr algn="l" rtl="0">
-              <a:buFont typeface="Wingdings" panose="05000000000000000000" pitchFamily="2" charset="2"/>
-              <a:buChar char="Ø"/>
-            </a:pPr>
-            <a:r>
-              <a:rPr lang="en-US" sz="2000" dirty="0"/>
-              <a:t>The first argument of a tag function contains an array of string values. </a:t>
-            </a:r>
-          </a:p>
-          <a:p>
-            <a:pPr algn="l" rtl="0">
-              <a:buFont typeface="Wingdings" panose="05000000000000000000" pitchFamily="2" charset="2"/>
-              <a:buChar char="Ø"/>
-            </a:pPr>
-            <a:r>
-              <a:rPr lang="en-US" sz="2000" dirty="0"/>
-              <a:t>The remaining arguments are related to the expressions. </a:t>
-            </a:r>
-          </a:p>
-          <a:p>
-            <a:pPr algn="l" rtl="0">
-              <a:buFont typeface="Wingdings" panose="05000000000000000000" pitchFamily="2" charset="2"/>
-              <a:buChar char="Ø"/>
-            </a:pPr>
-            <a:r>
-              <a:rPr lang="en-US" sz="2000" dirty="0"/>
-              <a:t>In the end, your function can return your manipulated string or it can return something completely different.</a:t>
-            </a:r>
-          </a:p>
-        </p:txBody>
-      </p:sp>
+              <a:t>Multiline Strings</a:t>
+            </a:r>
+          </a:p>
+          <a:p>
+            <a:pPr marL="246888" lvl="1" indent="0" algn="l" rtl="0">
+              <a:buNone/>
+            </a:pPr>
+            <a:r>
+              <a:rPr lang="en-US" sz="1700" dirty="0"/>
+              <a:t>Any newline characters inserted in the source are part of the template literal. Using normal strings, you would have to use </a:t>
+            </a:r>
+            <a:r>
+              <a:rPr lang="en-US" sz="1700" b="1" dirty="0"/>
+              <a:t>‘\n’</a:t>
+            </a:r>
+            <a:r>
+              <a:rPr lang="en-US" sz="1700" dirty="0"/>
+              <a:t> in order to get multi-line strings</a:t>
+            </a:r>
+          </a:p>
+          <a:p>
+            <a:pPr marL="0" indent="0" algn="l" rtl="0">
+              <a:buNone/>
+            </a:pPr>
+            <a:endParaRPr lang="en-US" sz="2000" dirty="0"/>
+          </a:p>
+          <a:p>
+            <a:pPr marL="0" indent="0" algn="l" rtl="0">
+              <a:buNone/>
+            </a:pPr>
+            <a:endParaRPr lang="en-US" sz="2000" dirty="0"/>
+          </a:p>
+          <a:p>
+            <a:pPr marL="0" indent="0" algn="l" rtl="0">
+              <a:buNone/>
+            </a:pPr>
+            <a:endParaRPr lang="en-US" sz="2000" dirty="0"/>
+          </a:p>
+          <a:p>
+            <a:pPr marL="0" indent="0" algn="l" rtl="0">
+              <a:buNone/>
+            </a:pPr>
+            <a:r>
+              <a:rPr lang="en-US" sz="1600" dirty="0"/>
+              <a:t>From now on:</a:t>
+            </a:r>
+          </a:p>
+        </p:txBody>
+      </p:sp>
+      <p:pic>
+        <p:nvPicPr>
+          <p:cNvPr id="5" name="Picture 4">
+            <a:extLst>
+              <a:ext uri="{FF2B5EF4-FFF2-40B4-BE49-F238E27FC236}">
+                <a16:creationId xmlns:a16="http://schemas.microsoft.com/office/drawing/2014/main" id="{1F80BDA8-C689-4AB0-A635-3592F969E174}"/>
+              </a:ext>
+            </a:extLst>
+          </p:cNvPr>
+          <p:cNvPicPr>
+            <a:picLocks noChangeAspect="1"/>
+          </p:cNvPicPr>
+          <p:nvPr/>
+        </p:nvPicPr>
+        <p:blipFill>
+          <a:blip r:embed="rId2" cstate="print">
+            <a:extLst>
+              <a:ext uri="{28A0092B-C50C-407E-A947-70E740481C1C}">
+                <a14:useLocalDpi xmlns:a14="http://schemas.microsoft.com/office/drawing/2010/main" val="0"/>
+              </a:ext>
+            </a:extLst>
+          </a:blip>
+          <a:stretch>
+            <a:fillRect/>
+          </a:stretch>
+        </p:blipFill>
+        <p:spPr>
+          <a:xfrm>
+            <a:off x="533401" y="2941277"/>
+            <a:ext cx="3733800" cy="975445"/>
+          </a:xfrm>
+          <a:prstGeom prst="rect">
+            <a:avLst/>
+          </a:prstGeom>
+        </p:spPr>
+      </p:pic>
+      <p:pic>
+        <p:nvPicPr>
+          <p:cNvPr id="6" name="Picture 5" descr="A picture containing indoor&#10;&#10;Description generated with high confidence">
+            <a:extLst>
+              <a:ext uri="{FF2B5EF4-FFF2-40B4-BE49-F238E27FC236}">
+                <a16:creationId xmlns:a16="http://schemas.microsoft.com/office/drawing/2014/main" id="{D495E4D6-0A74-4E10-A892-B0415078A6AA}"/>
+              </a:ext>
+            </a:extLst>
+          </p:cNvPr>
+          <p:cNvPicPr>
+            <a:picLocks noChangeAspect="1"/>
+          </p:cNvPicPr>
+          <p:nvPr/>
+        </p:nvPicPr>
+        <p:blipFill>
+          <a:blip r:embed="rId3" cstate="print">
+            <a:extLst>
+              <a:ext uri="{28A0092B-C50C-407E-A947-70E740481C1C}">
+                <a14:useLocalDpi xmlns:a14="http://schemas.microsoft.com/office/drawing/2010/main" val="0"/>
+              </a:ext>
+            </a:extLst>
+          </a:blip>
+          <a:stretch>
+            <a:fillRect/>
+          </a:stretch>
+        </p:blipFill>
+        <p:spPr>
+          <a:xfrm>
+            <a:off x="533400" y="4419600"/>
+            <a:ext cx="3733800" cy="1051651"/>
+          </a:xfrm>
+          <a:prstGeom prst="rect">
+            <a:avLst/>
+          </a:prstGeom>
+        </p:spPr>
+      </p:pic>
     </p:spTree>
     <p:extLst>
       <p:ext uri="{BB962C8B-B14F-4D97-AF65-F5344CB8AC3E}">
-        <p14:creationId xmlns:p14="http://schemas.microsoft.com/office/powerpoint/2010/main" xmlns="" val="4015262510"/>
+        <p14:creationId xmlns:p14="http://schemas.microsoft.com/office/powerpoint/2010/main" val="4150304393"/>
       </p:ext>
     </p:extLst>
   </p:cSld>
@@ -9794,7 +10047,7 @@
           <p:cNvPr id="2" name="Title 1">
             <a:extLst>
               <a:ext uri="{FF2B5EF4-FFF2-40B4-BE49-F238E27FC236}">
-                <a16:creationId xmlns:a16="http://schemas.microsoft.com/office/drawing/2014/main" xmlns="" id="{562C69D3-72AE-4D1A-903B-15355CAC6E81}"/>
+                <a16:creationId xmlns:a16="http://schemas.microsoft.com/office/drawing/2014/main" id="{562C69D3-72AE-4D1A-903B-15355CAC6E81}"/>
               </a:ext>
             </a:extLst>
           </p:cNvPr>
@@ -9808,98 +10061,75 @@
         <p:spPr/>
         <p:txBody>
           <a:bodyPr>
-            <a:normAutofit/>
+            <a:normAutofit fontScale="90000"/>
           </a:bodyPr>
           <a:lstStyle/>
           <a:p>
-            <a:r>
-              <a:rPr lang="en-US" sz="4000" dirty="0"/>
-              <a:t>Template strings</a:t>
-            </a:r>
-            <a:endParaRPr lang="en-US" dirty="0"/>
-          </a:p>
-        </p:txBody>
-      </p:sp>
-      <p:pic>
-        <p:nvPicPr>
-          <p:cNvPr id="5" name="Content Placeholder 4" descr="A screenshot of a cell phone&#10;&#10;Description generated with very high confidence">
+            <a:br>
+              <a:rPr lang="en-IL" dirty="0"/>
+            </a:br>
+            <a:r>
+              <a:rPr lang="en-US" dirty="0"/>
+              <a:t>Promise and async await key words</a:t>
+            </a:r>
+          </a:p>
+        </p:txBody>
+      </p:sp>
+      <p:sp>
+        <p:nvSpPr>
+          <p:cNvPr id="3" name="Content Placeholder 2">
             <a:extLst>
               <a:ext uri="{FF2B5EF4-FFF2-40B4-BE49-F238E27FC236}">
-                <a16:creationId xmlns:a16="http://schemas.microsoft.com/office/drawing/2014/main" xmlns="" id="{8ABC9A22-ABCC-4FBF-85A0-6908BC461883}"/>
+                <a16:creationId xmlns:a16="http://schemas.microsoft.com/office/drawing/2014/main" id="{3AB0ED87-3538-4957-875E-DEA297FEE413}"/>
               </a:ext>
             </a:extLst>
           </p:cNvPr>
-          <p:cNvPicPr>
-            <a:picLocks noGrp="1" noChangeAspect="1"/>
-          </p:cNvPicPr>
+          <p:cNvSpPr>
+            <a:spLocks noGrp="1"/>
+          </p:cNvSpPr>
           <p:nvPr>
             <p:ph idx="1"/>
           </p:nvPr>
-        </p:nvPicPr>
-        <p:blipFill>
-          <a:blip r:embed="rId2" cstate="print">
-            <a:extLst>
-              <a:ext uri="{28A0092B-C50C-407E-A947-70E740481C1C}">
-                <a14:useLocalDpi xmlns:a14="http://schemas.microsoft.com/office/drawing/2010/main" xmlns="" val="0"/>
-              </a:ext>
-            </a:extLst>
-          </a:blip>
-          <a:stretch>
-            <a:fillRect/>
-          </a:stretch>
-        </p:blipFill>
-        <p:spPr>
-          <a:xfrm>
-            <a:off x="533400" y="1752600"/>
-            <a:ext cx="6881456" cy="2987299"/>
-          </a:xfrm>
-        </p:spPr>
-      </p:pic>
-      <p:sp>
-        <p:nvSpPr>
-          <p:cNvPr id="6" name="Rectangle 5">
-            <a:extLst>
-              <a:ext uri="{FF2B5EF4-FFF2-40B4-BE49-F238E27FC236}">
-                <a16:creationId xmlns:a16="http://schemas.microsoft.com/office/drawing/2014/main" xmlns="" id="{A282A978-4FEE-4CB8-B9D7-06D85291FFAA}"/>
-              </a:ext>
-            </a:extLst>
-          </p:cNvPr>
-          <p:cNvSpPr/>
-          <p:nvPr/>
-        </p:nvSpPr>
-        <p:spPr>
-          <a:xfrm>
-            <a:off x="533400" y="5105400"/>
-            <a:ext cx="4724400" cy="369332"/>
-          </a:xfrm>
-          <a:prstGeom prst="rect">
-            <a:avLst/>
-          </a:prstGeom>
-        </p:spPr>
-        <p:txBody>
-          <a:bodyPr wrap="square">
-            <a:spAutoFit/>
+        </p:nvSpPr>
+        <p:spPr/>
+        <p:txBody>
+          <a:bodyPr>
+            <a:normAutofit/>
           </a:bodyPr>
           <a:lstStyle/>
           <a:p>
-            <a:r>
-              <a:rPr lang="en-US" dirty="0"/>
-              <a:t>Check out some real life uses </a:t>
-            </a:r>
-            <a:r>
-              <a:rPr lang="en-US" dirty="0">
-                <a:hlinkClick r:id="rId3"/>
-              </a:rPr>
-              <a:t>here</a:t>
-            </a:r>
-            <a:endParaRPr lang="he-IL" dirty="0"/>
+            <a:pPr algn="l" rtl="0"/>
+            <a:r>
+              <a:rPr lang="en-US" sz="2000" dirty="0"/>
+              <a:t>The </a:t>
+            </a:r>
+            <a:r>
+              <a:rPr lang="en-US" sz="2000" b="1" dirty="0"/>
+              <a:t>Promise</a:t>
+            </a:r>
+            <a:r>
+              <a:rPr lang="en-US" sz="2000" dirty="0"/>
+              <a:t> object represents the eventual completion (or failure) of an asynchronous operation and its resulting value.</a:t>
+            </a:r>
+          </a:p>
+          <a:p>
+            <a:pPr algn="l" rtl="0"/>
+            <a:r>
+              <a:rPr lang="en-US" sz="2000" dirty="0"/>
+              <a:t>A Promise is a proxy for a value not necessarily known when the promise is </a:t>
+            </a:r>
+            <a:r>
+              <a:rPr lang="en-US" sz="2000"/>
+              <a:t>created.</a:t>
+            </a:r>
+            <a:endParaRPr lang="en-US" sz="2000" dirty="0"/>
           </a:p>
         </p:txBody>
       </p:sp>
     </p:spTree>
     <p:extLst>
       <p:ext uri="{BB962C8B-B14F-4D97-AF65-F5344CB8AC3E}">
-        <p14:creationId xmlns:p14="http://schemas.microsoft.com/office/powerpoint/2010/main" xmlns="" val="615500950"/>
+        <p14:creationId xmlns:p14="http://schemas.microsoft.com/office/powerpoint/2010/main" val="4015262510"/>
       </p:ext>
     </p:extLst>
   </p:cSld>
@@ -9931,7 +10161,7 @@
           <p:cNvPr id="2" name="Title 1">
             <a:extLst>
               <a:ext uri="{FF2B5EF4-FFF2-40B4-BE49-F238E27FC236}">
-                <a16:creationId xmlns:a16="http://schemas.microsoft.com/office/drawing/2014/main" xmlns="" id="{562C69D3-72AE-4D1A-903B-15355CAC6E81}"/>
+                <a16:creationId xmlns:a16="http://schemas.microsoft.com/office/drawing/2014/main" id="{562C69D3-72AE-4D1A-903B-15355CAC6E81}"/>
               </a:ext>
             </a:extLst>
           </p:cNvPr>
@@ -9951,7 +10181,7 @@
           <a:p>
             <a:r>
               <a:rPr lang="en-US" sz="4000" dirty="0"/>
-              <a:t>Generators</a:t>
+              <a:t>Extra</a:t>
             </a:r>
             <a:endParaRPr lang="en-US" dirty="0"/>
           </a:p>
@@ -9959,10 +10189,10 @@
       </p:sp>
       <p:sp>
         <p:nvSpPr>
-          <p:cNvPr id="4" name="Content Placeholder 3">
+          <p:cNvPr id="3" name="Content Placeholder 2">
             <a:extLst>
               <a:ext uri="{FF2B5EF4-FFF2-40B4-BE49-F238E27FC236}">
-                <a16:creationId xmlns:a16="http://schemas.microsoft.com/office/drawing/2014/main" xmlns="" id="{4E16AD08-9757-44E6-9F27-5C22032A8853}"/>
+                <a16:creationId xmlns:a16="http://schemas.microsoft.com/office/drawing/2014/main" id="{3AB0ED87-3538-4957-875E-DEA297FEE413}"/>
               </a:ext>
             </a:extLst>
           </p:cNvPr>
@@ -9980,69 +10210,35 @@
           </a:bodyPr>
           <a:lstStyle/>
           <a:p>
-            <a:pPr algn="l" rtl="0"/>
+            <a:pPr marL="0" indent="0" algn="l" rtl="0">
+              <a:buNone/>
+            </a:pPr>
             <a:r>
               <a:rPr lang="en-US" sz="2000" dirty="0"/>
-              <a:t>function * is the syntax used to create a generator function. </a:t>
-            </a:r>
-          </a:p>
-          <a:p>
-            <a:pPr algn="l" rtl="0"/>
+              <a:t>The next slides are a bit more advance.</a:t>
+            </a:r>
+          </a:p>
+          <a:p>
+            <a:pPr marL="0" indent="0" algn="l" rtl="0">
+              <a:buNone/>
+            </a:pPr>
             <a:r>
               <a:rPr lang="en-US" sz="2000" dirty="0"/>
-              <a:t>Calling a generator function returns a generator object. </a:t>
-            </a:r>
-          </a:p>
-          <a:p>
-            <a:pPr algn="l" rtl="0"/>
-            <a:r>
-              <a:rPr lang="en-US" sz="2000" dirty="0"/>
-              <a:t>The generator object follows the iterator interface (i.e. the next, return and throw functions).</a:t>
-            </a:r>
-          </a:p>
-          <a:p>
-            <a:pPr algn="l" rtl="0"/>
-            <a:r>
-              <a:rPr lang="en-US" sz="2000" dirty="0"/>
-              <a:t>Generator functions can be used to create lazy iterators.</a:t>
-            </a:r>
-          </a:p>
-        </p:txBody>
-      </p:sp>
-      <p:pic>
-        <p:nvPicPr>
-          <p:cNvPr id="6" name="Picture 5">
-            <a:extLst>
-              <a:ext uri="{FF2B5EF4-FFF2-40B4-BE49-F238E27FC236}">
-                <a16:creationId xmlns:a16="http://schemas.microsoft.com/office/drawing/2014/main" xmlns="" id="{930ECF1B-E407-4B59-A85F-F0BD84E06C14}"/>
-              </a:ext>
-            </a:extLst>
-          </p:cNvPr>
-          <p:cNvPicPr>
-            <a:picLocks noChangeAspect="1"/>
-          </p:cNvPicPr>
-          <p:nvPr/>
-        </p:nvPicPr>
-        <p:blipFill>
-          <a:blip r:embed="rId2" cstate="print"/>
-          <a:stretch>
-            <a:fillRect/>
-          </a:stretch>
-        </p:blipFill>
-        <p:spPr>
-          <a:xfrm>
-            <a:off x="838200" y="3842677"/>
-            <a:ext cx="4810125" cy="2681287"/>
-          </a:xfrm>
-          <a:prstGeom prst="rect">
-            <a:avLst/>
-          </a:prstGeom>
-        </p:spPr>
-      </p:pic>
+              <a:t>I encourage you to read them and ask about them, but they are not part of our course.</a:t>
+            </a:r>
+          </a:p>
+          <a:p>
+            <a:pPr marL="0" indent="0" algn="l" rtl="0">
+              <a:buNone/>
+            </a:pPr>
+            <a:endParaRPr lang="en-US" sz="2000" dirty="0"/>
+          </a:p>
+        </p:txBody>
+      </p:sp>
     </p:spTree>
     <p:extLst>
       <p:ext uri="{BB962C8B-B14F-4D97-AF65-F5344CB8AC3E}">
-        <p14:creationId xmlns:p14="http://schemas.microsoft.com/office/powerpoint/2010/main" xmlns="" val="2554437475"/>
+        <p14:creationId xmlns:p14="http://schemas.microsoft.com/office/powerpoint/2010/main" val="915485839"/>
       </p:ext>
     </p:extLst>
   </p:cSld>
@@ -10074,7 +10270,7 @@
           <p:cNvPr id="2" name="Title 1">
             <a:extLst>
               <a:ext uri="{FF2B5EF4-FFF2-40B4-BE49-F238E27FC236}">
-                <a16:creationId xmlns:a16="http://schemas.microsoft.com/office/drawing/2014/main" xmlns="" id="{562C69D3-72AE-4D1A-903B-15355CAC6E81}"/>
+                <a16:creationId xmlns:a16="http://schemas.microsoft.com/office/drawing/2014/main" id="{562C69D3-72AE-4D1A-903B-15355CAC6E81}"/>
               </a:ext>
             </a:extLst>
           </p:cNvPr>
@@ -10094,7 +10290,7 @@
           <a:p>
             <a:r>
               <a:rPr lang="en-US" sz="4000" dirty="0"/>
-              <a:t>Generators</a:t>
+              <a:t>Template strings</a:t>
             </a:r>
             <a:endParaRPr lang="en-US" dirty="0"/>
           </a:p>
@@ -10102,10 +10298,10 @@
       </p:sp>
       <p:sp>
         <p:nvSpPr>
-          <p:cNvPr id="4" name="Content Placeholder 3">
+          <p:cNvPr id="3" name="Content Placeholder 2">
             <a:extLst>
               <a:ext uri="{FF2B5EF4-FFF2-40B4-BE49-F238E27FC236}">
-                <a16:creationId xmlns:a16="http://schemas.microsoft.com/office/drawing/2014/main" xmlns="" id="{4E16AD08-9757-44E6-9F27-5C22032A8853}"/>
+                <a16:creationId xmlns:a16="http://schemas.microsoft.com/office/drawing/2014/main" id="{3AB0ED87-3538-4957-875E-DEA297FEE413}"/>
               </a:ext>
             </a:extLst>
           </p:cNvPr>
@@ -10126,51 +10322,73 @@
             <a:pPr algn="l" rtl="0"/>
             <a:r>
               <a:rPr lang="en-US" sz="2000" dirty="0"/>
-              <a:t>Generators essentially allows a function to pause its execution and pass control (fate) of the remainder of the function execution to the caller.</a:t>
-            </a:r>
-          </a:p>
-        </p:txBody>
-      </p:sp>
-      <p:pic>
-        <p:nvPicPr>
-          <p:cNvPr id="5" name="Picture 4" descr="A screenshot of a social media post&#10;&#10;Description generated with very high confidence">
-            <a:extLst>
-              <a:ext uri="{FF2B5EF4-FFF2-40B4-BE49-F238E27FC236}">
-                <a16:creationId xmlns:a16="http://schemas.microsoft.com/office/drawing/2014/main" xmlns="" id="{9DE2B86F-A686-436F-98D4-D1BE241AFC73}"/>
-              </a:ext>
-            </a:extLst>
-          </p:cNvPr>
-          <p:cNvPicPr>
-            <a:picLocks noChangeAspect="1"/>
-          </p:cNvPicPr>
-          <p:nvPr/>
-        </p:nvPicPr>
-        <p:blipFill>
-          <a:blip r:embed="rId2" cstate="print">
-            <a:extLst>
-              <a:ext uri="{28A0092B-C50C-407E-A947-70E740481C1C}">
-                <a14:useLocalDpi xmlns:a14="http://schemas.microsoft.com/office/drawing/2010/main" xmlns="" val="0"/>
-              </a:ext>
-            </a:extLst>
-          </a:blip>
-          <a:stretch>
-            <a:fillRect/>
-          </a:stretch>
-        </p:blipFill>
-        <p:spPr>
-          <a:xfrm>
-            <a:off x="776515" y="2743200"/>
-            <a:ext cx="6767285" cy="3513124"/>
-          </a:xfrm>
-          <a:prstGeom prst="rect">
-            <a:avLst/>
-          </a:prstGeom>
-        </p:spPr>
-      </p:pic>
+              <a:t>Tagged Templates</a:t>
+            </a:r>
+          </a:p>
+          <a:p>
+            <a:pPr algn="l" rtl="0">
+              <a:buFont typeface="Wingdings" panose="05000000000000000000" pitchFamily="2" charset="2"/>
+              <a:buChar char="Ø"/>
+            </a:pPr>
+            <a:r>
+              <a:rPr lang="en-US" sz="2000" dirty="0"/>
+              <a:t>You can place a function (called a </a:t>
+            </a:r>
+            <a:r>
+              <a:rPr lang="en-US" sz="2000" b="1" dirty="0"/>
+              <a:t>tag</a:t>
+            </a:r>
+            <a:r>
+              <a:rPr lang="en-US" sz="2000" dirty="0"/>
+              <a:t>) before the template string and it gets the opportunity to pre process the template string literals plus the values of all the placeholder expressions and return a result.</a:t>
+            </a:r>
+          </a:p>
+          <a:p>
+            <a:pPr algn="l" rtl="0">
+              <a:buFont typeface="Wingdings" panose="05000000000000000000" pitchFamily="2" charset="2"/>
+              <a:buChar char="Ø"/>
+            </a:pPr>
+            <a:r>
+              <a:rPr lang="en-US" sz="2000" dirty="0"/>
+              <a:t>Tags allow you to parse template literals with a function.</a:t>
+            </a:r>
+          </a:p>
+          <a:p>
+            <a:pPr algn="l" rtl="0">
+              <a:buFont typeface="Wingdings" panose="05000000000000000000" pitchFamily="2" charset="2"/>
+              <a:buChar char="Ø"/>
+            </a:pPr>
+            <a:r>
+              <a:rPr lang="en-US" sz="2000" dirty="0"/>
+              <a:t>The first argument of a tag function contains an array of string values. </a:t>
+            </a:r>
+          </a:p>
+          <a:p>
+            <a:pPr algn="l" rtl="0">
+              <a:buFont typeface="Wingdings" panose="05000000000000000000" pitchFamily="2" charset="2"/>
+              <a:buChar char="Ø"/>
+            </a:pPr>
+            <a:r>
+              <a:rPr lang="en-US" sz="2000" dirty="0"/>
+              <a:t>The remaining arguments are related to the expressions. </a:t>
+            </a:r>
+          </a:p>
+          <a:p>
+            <a:pPr algn="l" rtl="0">
+              <a:buFont typeface="Wingdings" panose="05000000000000000000" pitchFamily="2" charset="2"/>
+              <a:buChar char="Ø"/>
+            </a:pPr>
+            <a:r>
+              <a:rPr lang="en-US" sz="2000" dirty="0"/>
+              <a:t>In the end, your function can return your manipulated string or it can return something completely different.</a:t>
+            </a:r>
+          </a:p>
+        </p:txBody>
+      </p:sp>
     </p:spTree>
     <p:extLst>
       <p:ext uri="{BB962C8B-B14F-4D97-AF65-F5344CB8AC3E}">
-        <p14:creationId xmlns:p14="http://schemas.microsoft.com/office/powerpoint/2010/main" xmlns="" val="2358108310"/>
+        <p14:creationId xmlns:p14="http://schemas.microsoft.com/office/powerpoint/2010/main" val="3607536666"/>
       </p:ext>
     </p:extLst>
   </p:cSld>
@@ -10202,7 +10420,7 @@
           <p:cNvPr id="2" name="Title 1">
             <a:extLst>
               <a:ext uri="{FF2B5EF4-FFF2-40B4-BE49-F238E27FC236}">
-                <a16:creationId xmlns:a16="http://schemas.microsoft.com/office/drawing/2014/main" xmlns="" id="{562C69D3-72AE-4D1A-903B-15355CAC6E81}"/>
+                <a16:creationId xmlns:a16="http://schemas.microsoft.com/office/drawing/2014/main" id="{562C69D3-72AE-4D1A-903B-15355CAC6E81}"/>
               </a:ext>
             </a:extLst>
           </p:cNvPr>
@@ -10222,130 +10440,92 @@
           <a:p>
             <a:r>
               <a:rPr lang="en-US" sz="4000" dirty="0"/>
-              <a:t>Generators</a:t>
+              <a:t>Template strings</a:t>
             </a:r>
             <a:endParaRPr lang="en-US" dirty="0"/>
           </a:p>
         </p:txBody>
       </p:sp>
-      <p:sp>
-        <p:nvSpPr>
-          <p:cNvPr id="4" name="Content Placeholder 3">
+      <p:pic>
+        <p:nvPicPr>
+          <p:cNvPr id="5" name="Content Placeholder 4" descr="A screenshot of a cell phone&#10;&#10;Description generated with very high confidence">
             <a:extLst>
               <a:ext uri="{FF2B5EF4-FFF2-40B4-BE49-F238E27FC236}">
-                <a16:creationId xmlns:a16="http://schemas.microsoft.com/office/drawing/2014/main" xmlns="" id="{4E16AD08-9757-44E6-9F27-5C22032A8853}"/>
+                <a16:creationId xmlns:a16="http://schemas.microsoft.com/office/drawing/2014/main" id="{8ABC9A22-ABCC-4FBF-85A0-6908BC461883}"/>
               </a:ext>
             </a:extLst>
           </p:cNvPr>
-          <p:cNvSpPr>
-            <a:spLocks noGrp="1"/>
-          </p:cNvSpPr>
+          <p:cNvPicPr>
+            <a:picLocks noGrp="1" noChangeAspect="1"/>
+          </p:cNvPicPr>
           <p:nvPr>
             <p:ph idx="1"/>
           </p:nvPr>
-        </p:nvSpPr>
-        <p:spPr/>
-        <p:txBody>
-          <a:bodyPr>
-            <a:normAutofit/>
+        </p:nvPicPr>
+        <p:blipFill>
+          <a:blip r:embed="rId2" cstate="print">
+            <a:extLst>
+              <a:ext uri="{28A0092B-C50C-407E-A947-70E740481C1C}">
+                <a14:useLocalDpi xmlns:a14="http://schemas.microsoft.com/office/drawing/2010/main" val="0"/>
+              </a:ext>
+            </a:extLst>
+          </a:blip>
+          <a:stretch>
+            <a:fillRect/>
+          </a:stretch>
+        </p:blipFill>
+        <p:spPr>
+          <a:xfrm>
+            <a:off x="533400" y="1752600"/>
+            <a:ext cx="6881456" cy="2987299"/>
+          </a:xfrm>
+        </p:spPr>
+      </p:pic>
+      <p:sp>
+        <p:nvSpPr>
+          <p:cNvPr id="6" name="Rectangle 5">
+            <a:extLst>
+              <a:ext uri="{FF2B5EF4-FFF2-40B4-BE49-F238E27FC236}">
+                <a16:creationId xmlns:a16="http://schemas.microsoft.com/office/drawing/2014/main" id="{A282A978-4FEE-4CB8-B9D7-06D85291FFAA}"/>
+              </a:ext>
+            </a:extLst>
+          </p:cNvPr>
+          <p:cNvSpPr/>
+          <p:nvPr/>
+        </p:nvSpPr>
+        <p:spPr>
+          <a:xfrm>
+            <a:off x="533400" y="5105400"/>
+            <a:ext cx="4724400" cy="369332"/>
+          </a:xfrm>
+          <a:prstGeom prst="rect">
+            <a:avLst/>
+          </a:prstGeom>
+        </p:spPr>
+        <p:txBody>
+          <a:bodyPr wrap="square">
+            <a:spAutoFit/>
           </a:bodyPr>
           <a:lstStyle/>
           <a:p>
-            <a:pPr marL="0" indent="0" algn="l" rtl="0">
-              <a:buNone/>
-            </a:pPr>
-            <a:r>
-              <a:rPr lang="en-US" sz="2000" dirty="0">
-                <a:solidFill>
-                  <a:srgbClr val="92D050"/>
-                </a:solidFill>
+            <a:r>
+              <a:rPr lang="en-US" dirty="0"/>
+              <a:t>Check out some real life uses </a:t>
+            </a:r>
+            <a:r>
+              <a:rPr lang="en-US" dirty="0">
+                <a:hlinkClick r:id="rId3"/>
               </a:rPr>
-              <a:t>// Output</a:t>
-            </a:r>
-          </a:p>
-          <a:p>
-            <a:pPr marL="0" indent="0" algn="l" rtl="0">
-              <a:buNone/>
-            </a:pPr>
-            <a:r>
-              <a:rPr lang="en-US" sz="2000" dirty="0">
-                <a:solidFill>
-                  <a:srgbClr val="FFC000"/>
-                </a:solidFill>
-              </a:rPr>
-              <a:t>Starting iteration </a:t>
-            </a:r>
-          </a:p>
-          <a:p>
-            <a:pPr marL="0" indent="0" algn="l" rtl="0">
-              <a:buNone/>
-            </a:pPr>
-            <a:r>
-              <a:rPr lang="en-US" sz="2000" dirty="0">
-                <a:solidFill>
-                  <a:srgbClr val="FFC000"/>
-                </a:solidFill>
-              </a:rPr>
-              <a:t>Execution started { value: 0, done: false } </a:t>
-            </a:r>
-          </a:p>
-          <a:p>
-            <a:pPr marL="0" indent="0" algn="l" rtl="0">
-              <a:buNone/>
-            </a:pPr>
-            <a:r>
-              <a:rPr lang="en-US" sz="2000" dirty="0">
-                <a:solidFill>
-                  <a:srgbClr val="FFC000"/>
-                </a:solidFill>
-              </a:rPr>
-              <a:t>Execution resumed { value: 1, done: false }</a:t>
-            </a:r>
-          </a:p>
-          <a:p>
-            <a:pPr marL="0" indent="0" algn="l" rtl="0">
-              <a:buNone/>
-            </a:pPr>
-            <a:r>
-              <a:rPr lang="en-US" sz="2000" dirty="0">
-                <a:solidFill>
-                  <a:srgbClr val="FFC000"/>
-                </a:solidFill>
-              </a:rPr>
-              <a:t>Execution resumed { value: undefined, done: true }</a:t>
-            </a:r>
-          </a:p>
-          <a:p>
-            <a:pPr algn="l" rtl="0"/>
-            <a:r>
-              <a:rPr lang="en-US" sz="2000" dirty="0"/>
-              <a:t>The function only starts execution once next is called on the generator object. </a:t>
-            </a:r>
-          </a:p>
-          <a:p>
-            <a:pPr algn="l" rtl="0"/>
-            <a:r>
-              <a:rPr lang="en-US" sz="2000" dirty="0"/>
-              <a:t>The function pauses as soon as a yield statement is encountered. </a:t>
-            </a:r>
-          </a:p>
-          <a:p>
-            <a:pPr algn="l" rtl="0"/>
-            <a:r>
-              <a:rPr lang="en-US" sz="2000" dirty="0"/>
-              <a:t>The function resumes when next is called.</a:t>
-            </a:r>
-          </a:p>
-          <a:p>
-            <a:pPr algn="l" rtl="0"/>
-            <a:endParaRPr lang="en-US" sz="2000" dirty="0"/>
+              <a:t>here</a:t>
+            </a:r>
+            <a:endParaRPr lang="he-IL" dirty="0"/>
           </a:p>
         </p:txBody>
       </p:sp>
     </p:spTree>
     <p:extLst>
       <p:ext uri="{BB962C8B-B14F-4D97-AF65-F5344CB8AC3E}">
-        <p14:creationId xmlns:p14="http://schemas.microsoft.com/office/powerpoint/2010/main" xmlns="" val="3206544684"/>
+        <p14:creationId xmlns:p14="http://schemas.microsoft.com/office/powerpoint/2010/main" val="615500950"/>
       </p:ext>
     </p:extLst>
   </p:cSld>
@@ -10537,10 +10717,401 @@
       </p:grpSpPr>
       <p:sp>
         <p:nvSpPr>
+          <p:cNvPr id="2" name="Title 1"/>
+          <p:cNvSpPr>
+            <a:spLocks noGrp="1"/>
+          </p:cNvSpPr>
+          <p:nvPr>
+            <p:ph type="title"/>
+          </p:nvPr>
+        </p:nvSpPr>
+        <p:spPr/>
+        <p:txBody>
+          <a:bodyPr>
+            <a:noAutofit/>
+          </a:bodyPr>
+          <a:lstStyle/>
+          <a:p>
+            <a:pPr rtl="0"/>
+            <a:r>
+              <a:rPr lang="en-US" sz="3600" dirty="0"/>
+              <a:t>‘for’, ‘of’, ‘in’ and iterators</a:t>
+            </a:r>
+          </a:p>
+        </p:txBody>
+      </p:sp>
+      <p:pic>
+        <p:nvPicPr>
+          <p:cNvPr id="15" name="Content Placeholder 14" descr="A screenshot of a computer&#10;&#10;Description generated with high confidence">
+            <a:extLst>
+              <a:ext uri="{FF2B5EF4-FFF2-40B4-BE49-F238E27FC236}">
+                <a16:creationId xmlns:a16="http://schemas.microsoft.com/office/drawing/2014/main" id="{59F37A54-6A50-4C4E-BD79-BA2E6BEDF1CB}"/>
+              </a:ext>
+            </a:extLst>
+          </p:cNvPr>
+          <p:cNvPicPr>
+            <a:picLocks noGrp="1" noChangeAspect="1"/>
+          </p:cNvPicPr>
+          <p:nvPr>
+            <p:ph idx="1"/>
+          </p:nvPr>
+        </p:nvPicPr>
+        <p:blipFill>
+          <a:blip r:embed="rId2" cstate="print">
+            <a:extLst>
+              <a:ext uri="{28A0092B-C50C-407E-A947-70E740481C1C}">
+                <a14:useLocalDpi xmlns:a14="http://schemas.microsoft.com/office/drawing/2010/main" val="0"/>
+              </a:ext>
+            </a:extLst>
+          </a:blip>
+          <a:stretch>
+            <a:fillRect/>
+          </a:stretch>
+        </p:blipFill>
+        <p:spPr>
+          <a:xfrm>
+            <a:off x="1358426" y="1609725"/>
+            <a:ext cx="5436547" cy="4846638"/>
+          </a:xfrm>
+        </p:spPr>
+      </p:pic>
+    </p:spTree>
+    <p:extLst>
+      <p:ext uri="{BB962C8B-B14F-4D97-AF65-F5344CB8AC3E}">
+        <p14:creationId xmlns:p14="http://schemas.microsoft.com/office/powerpoint/2010/main" val="2548415198"/>
+      </p:ext>
+    </p:extLst>
+  </p:cSld>
+  <p:clrMapOvr>
+    <a:masterClrMapping/>
+  </p:clrMapOvr>
+</p:sld>
+</file>
+
+<file path=ppt/slides/slide51.xml><?xml version="1.0" encoding="utf-8"?>
+<p:sld xmlns:a="http://schemas.openxmlformats.org/drawingml/2006/main" xmlns:r="http://schemas.openxmlformats.org/officeDocument/2006/relationships" xmlns:p="http://schemas.openxmlformats.org/presentationml/2006/main">
+  <p:cSld>
+    <p:spTree>
+      <p:nvGrpSpPr>
+        <p:cNvPr id="1" name=""/>
+        <p:cNvGrpSpPr/>
+        <p:nvPr/>
+      </p:nvGrpSpPr>
+      <p:grpSpPr>
+        <a:xfrm>
+          <a:off x="0" y="0"/>
+          <a:ext cx="0" cy="0"/>
+          <a:chOff x="0" y="0"/>
+          <a:chExt cx="0" cy="0"/>
+        </a:xfrm>
+      </p:grpSpPr>
+      <p:sp>
+        <p:nvSpPr>
+          <p:cNvPr id="2" name="Title 1"/>
+          <p:cNvSpPr>
+            <a:spLocks noGrp="1"/>
+          </p:cNvSpPr>
+          <p:nvPr>
+            <p:ph type="title"/>
+          </p:nvPr>
+        </p:nvSpPr>
+        <p:spPr/>
+        <p:txBody>
+          <a:bodyPr>
+            <a:noAutofit/>
+          </a:bodyPr>
+          <a:lstStyle/>
+          <a:p>
+            <a:pPr rtl="0"/>
+            <a:r>
+              <a:rPr lang="en-US" sz="3600" dirty="0"/>
+              <a:t>‘for’, ‘of’, ‘in’ and iterators</a:t>
+            </a:r>
+          </a:p>
+        </p:txBody>
+      </p:sp>
+      <p:sp>
+        <p:nvSpPr>
+          <p:cNvPr id="4" name="Content Placeholder 3">
+            <a:extLst>
+              <a:ext uri="{FF2B5EF4-FFF2-40B4-BE49-F238E27FC236}">
+                <a16:creationId xmlns:a16="http://schemas.microsoft.com/office/drawing/2014/main" id="{D10F532C-291C-4424-AD42-7F2EA72E576C}"/>
+              </a:ext>
+            </a:extLst>
+          </p:cNvPr>
+          <p:cNvSpPr>
+            <a:spLocks noGrp="1"/>
+          </p:cNvSpPr>
+          <p:nvPr>
+            <p:ph idx="1"/>
+          </p:nvPr>
+        </p:nvSpPr>
+        <p:spPr/>
+        <p:txBody>
+          <a:bodyPr>
+            <a:normAutofit/>
+          </a:bodyPr>
+          <a:lstStyle/>
+          <a:p>
+            <a:pPr algn="l" rtl="0"/>
+            <a:r>
+              <a:rPr lang="en-US" sz="2000" dirty="0"/>
+              <a:t>The name of the method that returns all the data of the </a:t>
+            </a:r>
+            <a:r>
+              <a:rPr lang="en-US" sz="2000" dirty="0" err="1"/>
+              <a:t>iterable</a:t>
+            </a:r>
+            <a:r>
+              <a:rPr lang="en-US" sz="2000" dirty="0"/>
+              <a:t> object is ‘</a:t>
+            </a:r>
+            <a:r>
+              <a:rPr lang="en-US" sz="2000" dirty="0" err="1"/>
+              <a:t>Symbol.iterator</a:t>
+            </a:r>
+            <a:r>
+              <a:rPr lang="en-US" sz="2000" dirty="0"/>
+              <a:t>’. This is ES6 </a:t>
+            </a:r>
+            <a:r>
+              <a:rPr lang="en-US" sz="2000" dirty="0" err="1"/>
+              <a:t>standart</a:t>
+            </a:r>
+            <a:r>
+              <a:rPr lang="en-US" sz="2000" dirty="0"/>
+              <a:t>.</a:t>
+            </a:r>
+          </a:p>
+          <a:p>
+            <a:pPr algn="l" rtl="0"/>
+            <a:r>
+              <a:rPr lang="en-US" sz="2000" dirty="0"/>
+              <a:t>Symbols offer names that are unique and cannot clash with other property names. </a:t>
+            </a:r>
+          </a:p>
+          <a:p>
+            <a:pPr algn="l" rtl="0"/>
+            <a:r>
+              <a:rPr lang="en-US" sz="2000" dirty="0" err="1"/>
+              <a:t>Symbol.iterator</a:t>
+            </a:r>
+            <a:r>
+              <a:rPr lang="en-US" sz="2000" dirty="0"/>
+              <a:t> will return an object called an iterator.</a:t>
+            </a:r>
+          </a:p>
+        </p:txBody>
+      </p:sp>
+    </p:spTree>
+    <p:extLst>
+      <p:ext uri="{BB962C8B-B14F-4D97-AF65-F5344CB8AC3E}">
+        <p14:creationId xmlns:p14="http://schemas.microsoft.com/office/powerpoint/2010/main" val="2420491585"/>
+      </p:ext>
+    </p:extLst>
+  </p:cSld>
+  <p:clrMapOvr>
+    <a:masterClrMapping/>
+  </p:clrMapOvr>
+</p:sld>
+</file>
+
+<file path=ppt/slides/slide52.xml><?xml version="1.0" encoding="utf-8"?>
+<p:sld xmlns:a="http://schemas.openxmlformats.org/drawingml/2006/main" xmlns:r="http://schemas.openxmlformats.org/officeDocument/2006/relationships" xmlns:p="http://schemas.openxmlformats.org/presentationml/2006/main">
+  <p:cSld>
+    <p:spTree>
+      <p:nvGrpSpPr>
+        <p:cNvPr id="1" name=""/>
+        <p:cNvGrpSpPr/>
+        <p:nvPr/>
+      </p:nvGrpSpPr>
+      <p:grpSpPr>
+        <a:xfrm>
+          <a:off x="0" y="0"/>
+          <a:ext cx="0" cy="0"/>
+          <a:chOff x="0" y="0"/>
+          <a:chExt cx="0" cy="0"/>
+        </a:xfrm>
+      </p:grpSpPr>
+      <p:sp>
+        <p:nvSpPr>
+          <p:cNvPr id="2" name="Title 1"/>
+          <p:cNvSpPr>
+            <a:spLocks noGrp="1"/>
+          </p:cNvSpPr>
+          <p:nvPr>
+            <p:ph type="title"/>
+          </p:nvPr>
+        </p:nvSpPr>
+        <p:spPr/>
+        <p:txBody>
+          <a:bodyPr>
+            <a:noAutofit/>
+          </a:bodyPr>
+          <a:lstStyle/>
+          <a:p>
+            <a:pPr rtl="0"/>
+            <a:r>
+              <a:rPr lang="en-US" sz="3600" dirty="0"/>
+              <a:t>‘for’, ‘of’, ‘in’ and iterators</a:t>
+            </a:r>
+          </a:p>
+        </p:txBody>
+      </p:sp>
+      <p:sp>
+        <p:nvSpPr>
+          <p:cNvPr id="4" name="Content Placeholder 3">
+            <a:extLst>
+              <a:ext uri="{FF2B5EF4-FFF2-40B4-BE49-F238E27FC236}">
+                <a16:creationId xmlns:a16="http://schemas.microsoft.com/office/drawing/2014/main" id="{D10F532C-291C-4424-AD42-7F2EA72E576C}"/>
+              </a:ext>
+            </a:extLst>
+          </p:cNvPr>
+          <p:cNvSpPr>
+            <a:spLocks noGrp="1"/>
+          </p:cNvSpPr>
+          <p:nvPr>
+            <p:ph idx="1"/>
+          </p:nvPr>
+        </p:nvSpPr>
+        <p:spPr/>
+        <p:txBody>
+          <a:bodyPr>
+            <a:normAutofit/>
+          </a:bodyPr>
+          <a:lstStyle/>
+          <a:p>
+            <a:pPr algn="l" rtl="0"/>
+            <a:r>
+              <a:rPr lang="en-US" sz="2000" dirty="0"/>
+              <a:t>for… of.. Iterate over </a:t>
+            </a:r>
+            <a:r>
+              <a:rPr lang="en-US" sz="2000" dirty="0" err="1"/>
+              <a:t>Iterable</a:t>
+            </a:r>
+            <a:r>
+              <a:rPr lang="en-US" sz="2000" dirty="0"/>
+              <a:t> object e.g., arrays and other objects that implementing iterator design pattern.</a:t>
+            </a:r>
+          </a:p>
+          <a:p>
+            <a:pPr algn="l" rtl="0"/>
+            <a:r>
+              <a:rPr lang="en-US" sz="2000" dirty="0"/>
+              <a:t>for… in… iterate over object keys</a:t>
+            </a:r>
+          </a:p>
+        </p:txBody>
+      </p:sp>
+      <p:pic>
+        <p:nvPicPr>
+          <p:cNvPr id="5" name="Picture 4">
+            <a:extLst>
+              <a:ext uri="{FF2B5EF4-FFF2-40B4-BE49-F238E27FC236}">
+                <a16:creationId xmlns:a16="http://schemas.microsoft.com/office/drawing/2014/main" id="{7E9EAE57-CB78-4FEB-8EAB-0D33CA8EBD80}"/>
+              </a:ext>
+            </a:extLst>
+          </p:cNvPr>
+          <p:cNvPicPr>
+            <a:picLocks noChangeAspect="1"/>
+          </p:cNvPicPr>
+          <p:nvPr/>
+        </p:nvPicPr>
+        <p:blipFill>
+          <a:blip r:embed="rId2" cstate="print">
+            <a:extLst>
+              <a:ext uri="{28A0092B-C50C-407E-A947-70E740481C1C}">
+                <a14:useLocalDpi xmlns:a14="http://schemas.microsoft.com/office/drawing/2010/main" val="0"/>
+              </a:ext>
+            </a:extLst>
+          </a:blip>
+          <a:stretch>
+            <a:fillRect/>
+          </a:stretch>
+        </p:blipFill>
+        <p:spPr>
+          <a:xfrm>
+            <a:off x="838201" y="2819401"/>
+            <a:ext cx="4686706" cy="1480520"/>
+          </a:xfrm>
+          <a:prstGeom prst="rect">
+            <a:avLst/>
+          </a:prstGeom>
+        </p:spPr>
+      </p:pic>
+      <p:pic>
+        <p:nvPicPr>
+          <p:cNvPr id="7" name="Picture 6" descr="A screenshot of a cell phone&#10;&#10;Description generated with very high confidence">
+            <a:extLst>
+              <a:ext uri="{FF2B5EF4-FFF2-40B4-BE49-F238E27FC236}">
+                <a16:creationId xmlns:a16="http://schemas.microsoft.com/office/drawing/2014/main" id="{A22E32BE-F5A8-4A12-8723-2B50D48F9462}"/>
+              </a:ext>
+            </a:extLst>
+          </p:cNvPr>
+          <p:cNvPicPr>
+            <a:picLocks noChangeAspect="1"/>
+          </p:cNvPicPr>
+          <p:nvPr/>
+        </p:nvPicPr>
+        <p:blipFill>
+          <a:blip r:embed="rId3" cstate="print">
+            <a:extLst>
+              <a:ext uri="{28A0092B-C50C-407E-A947-70E740481C1C}">
+                <a14:useLocalDpi xmlns:a14="http://schemas.microsoft.com/office/drawing/2010/main" val="0"/>
+              </a:ext>
+            </a:extLst>
+          </a:blip>
+          <a:stretch>
+            <a:fillRect/>
+          </a:stretch>
+        </p:blipFill>
+        <p:spPr>
+          <a:xfrm>
+            <a:off x="838200" y="4446297"/>
+            <a:ext cx="4686706" cy="1878304"/>
+          </a:xfrm>
+          <a:prstGeom prst="rect">
+            <a:avLst/>
+          </a:prstGeom>
+        </p:spPr>
+      </p:pic>
+    </p:spTree>
+    <p:extLst>
+      <p:ext uri="{BB962C8B-B14F-4D97-AF65-F5344CB8AC3E}">
+        <p14:creationId xmlns:p14="http://schemas.microsoft.com/office/powerpoint/2010/main" val="3296673921"/>
+      </p:ext>
+    </p:extLst>
+  </p:cSld>
+  <p:clrMapOvr>
+    <a:masterClrMapping/>
+  </p:clrMapOvr>
+</p:sld>
+</file>
+
+<file path=ppt/slides/slide53.xml><?xml version="1.0" encoding="utf-8"?>
+<p:sld xmlns:a="http://schemas.openxmlformats.org/drawingml/2006/main" xmlns:r="http://schemas.openxmlformats.org/officeDocument/2006/relationships" xmlns:p="http://schemas.openxmlformats.org/presentationml/2006/main">
+  <p:cSld>
+    <p:spTree>
+      <p:nvGrpSpPr>
+        <p:cNvPr id="1" name=""/>
+        <p:cNvGrpSpPr/>
+        <p:nvPr/>
+      </p:nvGrpSpPr>
+      <p:grpSpPr>
+        <a:xfrm>
+          <a:off x="0" y="0"/>
+          <a:ext cx="0" cy="0"/>
+          <a:chOff x="0" y="0"/>
+          <a:chExt cx="0" cy="0"/>
+        </a:xfrm>
+      </p:grpSpPr>
+      <p:sp>
+        <p:nvSpPr>
           <p:cNvPr id="2" name="Title 1">
             <a:extLst>
               <a:ext uri="{FF2B5EF4-FFF2-40B4-BE49-F238E27FC236}">
-                <a16:creationId xmlns:a16="http://schemas.microsoft.com/office/drawing/2014/main" xmlns="" id="{562C69D3-72AE-4D1A-903B-15355CAC6E81}"/>
+                <a16:creationId xmlns:a16="http://schemas.microsoft.com/office/drawing/2014/main" id="{562C69D3-72AE-4D1A-903B-15355CAC6E81}"/>
               </a:ext>
             </a:extLst>
           </p:cNvPr>
@@ -10571,7 +11142,453 @@
           <p:cNvPr id="4" name="Content Placeholder 3">
             <a:extLst>
               <a:ext uri="{FF2B5EF4-FFF2-40B4-BE49-F238E27FC236}">
-                <a16:creationId xmlns:a16="http://schemas.microsoft.com/office/drawing/2014/main" xmlns="" id="{4E16AD08-9757-44E6-9F27-5C22032A8853}"/>
+                <a16:creationId xmlns:a16="http://schemas.microsoft.com/office/drawing/2014/main" id="{4E16AD08-9757-44E6-9F27-5C22032A8853}"/>
+              </a:ext>
+            </a:extLst>
+          </p:cNvPr>
+          <p:cNvSpPr>
+            <a:spLocks noGrp="1"/>
+          </p:cNvSpPr>
+          <p:nvPr>
+            <p:ph idx="1"/>
+          </p:nvPr>
+        </p:nvSpPr>
+        <p:spPr/>
+        <p:txBody>
+          <a:bodyPr>
+            <a:normAutofit/>
+          </a:bodyPr>
+          <a:lstStyle/>
+          <a:p>
+            <a:pPr algn="l" rtl="0"/>
+            <a:r>
+              <a:rPr lang="en-US" sz="2000" dirty="0"/>
+              <a:t>function * is the syntax used to create a generator function. </a:t>
+            </a:r>
+          </a:p>
+          <a:p>
+            <a:pPr algn="l" rtl="0"/>
+            <a:r>
+              <a:rPr lang="en-US" sz="2000" dirty="0"/>
+              <a:t>Calling a generator function returns a generator object. </a:t>
+            </a:r>
+          </a:p>
+          <a:p>
+            <a:pPr algn="l" rtl="0"/>
+            <a:r>
+              <a:rPr lang="en-US" sz="2000" dirty="0"/>
+              <a:t>The generator object follows the iterator interface (i.e. the next, return and throw functions).</a:t>
+            </a:r>
+          </a:p>
+          <a:p>
+            <a:pPr algn="l" rtl="0"/>
+            <a:r>
+              <a:rPr lang="en-US" sz="2000" dirty="0"/>
+              <a:t>Generator functions can be used to create lazy iterators.</a:t>
+            </a:r>
+          </a:p>
+        </p:txBody>
+      </p:sp>
+      <p:pic>
+        <p:nvPicPr>
+          <p:cNvPr id="6" name="Picture 5">
+            <a:extLst>
+              <a:ext uri="{FF2B5EF4-FFF2-40B4-BE49-F238E27FC236}">
+                <a16:creationId xmlns:a16="http://schemas.microsoft.com/office/drawing/2014/main" id="{930ECF1B-E407-4B59-A85F-F0BD84E06C14}"/>
+              </a:ext>
+            </a:extLst>
+          </p:cNvPr>
+          <p:cNvPicPr>
+            <a:picLocks noChangeAspect="1"/>
+          </p:cNvPicPr>
+          <p:nvPr/>
+        </p:nvPicPr>
+        <p:blipFill>
+          <a:blip r:embed="rId2" cstate="print"/>
+          <a:stretch>
+            <a:fillRect/>
+          </a:stretch>
+        </p:blipFill>
+        <p:spPr>
+          <a:xfrm>
+            <a:off x="838200" y="3842677"/>
+            <a:ext cx="4810125" cy="2681287"/>
+          </a:xfrm>
+          <a:prstGeom prst="rect">
+            <a:avLst/>
+          </a:prstGeom>
+        </p:spPr>
+      </p:pic>
+    </p:spTree>
+    <p:extLst>
+      <p:ext uri="{BB962C8B-B14F-4D97-AF65-F5344CB8AC3E}">
+        <p14:creationId xmlns:p14="http://schemas.microsoft.com/office/powerpoint/2010/main" val="2554437475"/>
+      </p:ext>
+    </p:extLst>
+  </p:cSld>
+  <p:clrMapOvr>
+    <a:masterClrMapping/>
+  </p:clrMapOvr>
+</p:sld>
+</file>
+
+<file path=ppt/slides/slide54.xml><?xml version="1.0" encoding="utf-8"?>
+<p:sld xmlns:a="http://schemas.openxmlformats.org/drawingml/2006/main" xmlns:r="http://schemas.openxmlformats.org/officeDocument/2006/relationships" xmlns:p="http://schemas.openxmlformats.org/presentationml/2006/main">
+  <p:cSld>
+    <p:spTree>
+      <p:nvGrpSpPr>
+        <p:cNvPr id="1" name=""/>
+        <p:cNvGrpSpPr/>
+        <p:nvPr/>
+      </p:nvGrpSpPr>
+      <p:grpSpPr>
+        <a:xfrm>
+          <a:off x="0" y="0"/>
+          <a:ext cx="0" cy="0"/>
+          <a:chOff x="0" y="0"/>
+          <a:chExt cx="0" cy="0"/>
+        </a:xfrm>
+      </p:grpSpPr>
+      <p:sp>
+        <p:nvSpPr>
+          <p:cNvPr id="2" name="Title 1">
+            <a:extLst>
+              <a:ext uri="{FF2B5EF4-FFF2-40B4-BE49-F238E27FC236}">
+                <a16:creationId xmlns:a16="http://schemas.microsoft.com/office/drawing/2014/main" id="{562C69D3-72AE-4D1A-903B-15355CAC6E81}"/>
+              </a:ext>
+            </a:extLst>
+          </p:cNvPr>
+          <p:cNvSpPr>
+            <a:spLocks noGrp="1"/>
+          </p:cNvSpPr>
+          <p:nvPr>
+            <p:ph type="title"/>
+          </p:nvPr>
+        </p:nvSpPr>
+        <p:spPr/>
+        <p:txBody>
+          <a:bodyPr>
+            <a:normAutofit/>
+          </a:bodyPr>
+          <a:lstStyle/>
+          <a:p>
+            <a:r>
+              <a:rPr lang="en-US" sz="4000" dirty="0"/>
+              <a:t>Generators</a:t>
+            </a:r>
+            <a:endParaRPr lang="en-US" dirty="0"/>
+          </a:p>
+        </p:txBody>
+      </p:sp>
+      <p:sp>
+        <p:nvSpPr>
+          <p:cNvPr id="4" name="Content Placeholder 3">
+            <a:extLst>
+              <a:ext uri="{FF2B5EF4-FFF2-40B4-BE49-F238E27FC236}">
+                <a16:creationId xmlns:a16="http://schemas.microsoft.com/office/drawing/2014/main" id="{4E16AD08-9757-44E6-9F27-5C22032A8853}"/>
+              </a:ext>
+            </a:extLst>
+          </p:cNvPr>
+          <p:cNvSpPr>
+            <a:spLocks noGrp="1"/>
+          </p:cNvSpPr>
+          <p:nvPr>
+            <p:ph idx="1"/>
+          </p:nvPr>
+        </p:nvSpPr>
+        <p:spPr/>
+        <p:txBody>
+          <a:bodyPr>
+            <a:normAutofit/>
+          </a:bodyPr>
+          <a:lstStyle/>
+          <a:p>
+            <a:pPr algn="l" rtl="0"/>
+            <a:r>
+              <a:rPr lang="en-US" sz="2000" dirty="0"/>
+              <a:t>Generators essentially allows a function to pause its execution and pass control (fate) of the remainder of the function execution to the caller.</a:t>
+            </a:r>
+          </a:p>
+        </p:txBody>
+      </p:sp>
+      <p:pic>
+        <p:nvPicPr>
+          <p:cNvPr id="5" name="Picture 4" descr="A screenshot of a social media post&#10;&#10;Description generated with very high confidence">
+            <a:extLst>
+              <a:ext uri="{FF2B5EF4-FFF2-40B4-BE49-F238E27FC236}">
+                <a16:creationId xmlns:a16="http://schemas.microsoft.com/office/drawing/2014/main" id="{9DE2B86F-A686-436F-98D4-D1BE241AFC73}"/>
+              </a:ext>
+            </a:extLst>
+          </p:cNvPr>
+          <p:cNvPicPr>
+            <a:picLocks noChangeAspect="1"/>
+          </p:cNvPicPr>
+          <p:nvPr/>
+        </p:nvPicPr>
+        <p:blipFill>
+          <a:blip r:embed="rId2" cstate="print">
+            <a:extLst>
+              <a:ext uri="{28A0092B-C50C-407E-A947-70E740481C1C}">
+                <a14:useLocalDpi xmlns:a14="http://schemas.microsoft.com/office/drawing/2010/main" val="0"/>
+              </a:ext>
+            </a:extLst>
+          </a:blip>
+          <a:stretch>
+            <a:fillRect/>
+          </a:stretch>
+        </p:blipFill>
+        <p:spPr>
+          <a:xfrm>
+            <a:off x="776515" y="2743200"/>
+            <a:ext cx="6767285" cy="3513124"/>
+          </a:xfrm>
+          <a:prstGeom prst="rect">
+            <a:avLst/>
+          </a:prstGeom>
+        </p:spPr>
+      </p:pic>
+    </p:spTree>
+    <p:extLst>
+      <p:ext uri="{BB962C8B-B14F-4D97-AF65-F5344CB8AC3E}">
+        <p14:creationId xmlns:p14="http://schemas.microsoft.com/office/powerpoint/2010/main" val="2358108310"/>
+      </p:ext>
+    </p:extLst>
+  </p:cSld>
+  <p:clrMapOvr>
+    <a:masterClrMapping/>
+  </p:clrMapOvr>
+</p:sld>
+</file>
+
+<file path=ppt/slides/slide55.xml><?xml version="1.0" encoding="utf-8"?>
+<p:sld xmlns:a="http://schemas.openxmlformats.org/drawingml/2006/main" xmlns:r="http://schemas.openxmlformats.org/officeDocument/2006/relationships" xmlns:p="http://schemas.openxmlformats.org/presentationml/2006/main">
+  <p:cSld>
+    <p:spTree>
+      <p:nvGrpSpPr>
+        <p:cNvPr id="1" name=""/>
+        <p:cNvGrpSpPr/>
+        <p:nvPr/>
+      </p:nvGrpSpPr>
+      <p:grpSpPr>
+        <a:xfrm>
+          <a:off x="0" y="0"/>
+          <a:ext cx="0" cy="0"/>
+          <a:chOff x="0" y="0"/>
+          <a:chExt cx="0" cy="0"/>
+        </a:xfrm>
+      </p:grpSpPr>
+      <p:sp>
+        <p:nvSpPr>
+          <p:cNvPr id="2" name="Title 1">
+            <a:extLst>
+              <a:ext uri="{FF2B5EF4-FFF2-40B4-BE49-F238E27FC236}">
+                <a16:creationId xmlns:a16="http://schemas.microsoft.com/office/drawing/2014/main" id="{562C69D3-72AE-4D1A-903B-15355CAC6E81}"/>
+              </a:ext>
+            </a:extLst>
+          </p:cNvPr>
+          <p:cNvSpPr>
+            <a:spLocks noGrp="1"/>
+          </p:cNvSpPr>
+          <p:nvPr>
+            <p:ph type="title"/>
+          </p:nvPr>
+        </p:nvSpPr>
+        <p:spPr/>
+        <p:txBody>
+          <a:bodyPr>
+            <a:normAutofit/>
+          </a:bodyPr>
+          <a:lstStyle/>
+          <a:p>
+            <a:r>
+              <a:rPr lang="en-US" sz="4000" dirty="0"/>
+              <a:t>Generators</a:t>
+            </a:r>
+            <a:endParaRPr lang="en-US" dirty="0"/>
+          </a:p>
+        </p:txBody>
+      </p:sp>
+      <p:sp>
+        <p:nvSpPr>
+          <p:cNvPr id="4" name="Content Placeholder 3">
+            <a:extLst>
+              <a:ext uri="{FF2B5EF4-FFF2-40B4-BE49-F238E27FC236}">
+                <a16:creationId xmlns:a16="http://schemas.microsoft.com/office/drawing/2014/main" id="{4E16AD08-9757-44E6-9F27-5C22032A8853}"/>
+              </a:ext>
+            </a:extLst>
+          </p:cNvPr>
+          <p:cNvSpPr>
+            <a:spLocks noGrp="1"/>
+          </p:cNvSpPr>
+          <p:nvPr>
+            <p:ph idx="1"/>
+          </p:nvPr>
+        </p:nvSpPr>
+        <p:spPr/>
+        <p:txBody>
+          <a:bodyPr>
+            <a:normAutofit/>
+          </a:bodyPr>
+          <a:lstStyle/>
+          <a:p>
+            <a:pPr marL="0" indent="0" algn="l" rtl="0">
+              <a:buNone/>
+            </a:pPr>
+            <a:r>
+              <a:rPr lang="en-US" sz="2000" dirty="0">
+                <a:solidFill>
+                  <a:srgbClr val="92D050"/>
+                </a:solidFill>
+              </a:rPr>
+              <a:t>// Output</a:t>
+            </a:r>
+          </a:p>
+          <a:p>
+            <a:pPr marL="0" indent="0" algn="l" rtl="0">
+              <a:buNone/>
+            </a:pPr>
+            <a:r>
+              <a:rPr lang="en-US" sz="2000" dirty="0">
+                <a:solidFill>
+                  <a:srgbClr val="FFC000"/>
+                </a:solidFill>
+              </a:rPr>
+              <a:t>Starting iteration </a:t>
+            </a:r>
+          </a:p>
+          <a:p>
+            <a:pPr marL="0" indent="0" algn="l" rtl="0">
+              <a:buNone/>
+            </a:pPr>
+            <a:r>
+              <a:rPr lang="en-US" sz="2000" dirty="0">
+                <a:solidFill>
+                  <a:srgbClr val="FFC000"/>
+                </a:solidFill>
+              </a:rPr>
+              <a:t>Execution started { value: 0, done: false } </a:t>
+            </a:r>
+          </a:p>
+          <a:p>
+            <a:pPr marL="0" indent="0" algn="l" rtl="0">
+              <a:buNone/>
+            </a:pPr>
+            <a:r>
+              <a:rPr lang="en-US" sz="2000" dirty="0">
+                <a:solidFill>
+                  <a:srgbClr val="FFC000"/>
+                </a:solidFill>
+              </a:rPr>
+              <a:t>Execution resumed { value: 1, done: false }</a:t>
+            </a:r>
+          </a:p>
+          <a:p>
+            <a:pPr marL="0" indent="0" algn="l" rtl="0">
+              <a:buNone/>
+            </a:pPr>
+            <a:r>
+              <a:rPr lang="en-US" sz="2000" dirty="0">
+                <a:solidFill>
+                  <a:srgbClr val="FFC000"/>
+                </a:solidFill>
+              </a:rPr>
+              <a:t>Execution resumed { value: undefined, done: true }</a:t>
+            </a:r>
+          </a:p>
+          <a:p>
+            <a:pPr algn="l" rtl="0"/>
+            <a:r>
+              <a:rPr lang="en-US" sz="2000" dirty="0"/>
+              <a:t>The function only starts execution once next is called on the generator object. </a:t>
+            </a:r>
+          </a:p>
+          <a:p>
+            <a:pPr algn="l" rtl="0"/>
+            <a:r>
+              <a:rPr lang="en-US" sz="2000" dirty="0"/>
+              <a:t>The function pauses as soon as a yield statement is encountered. </a:t>
+            </a:r>
+          </a:p>
+          <a:p>
+            <a:pPr algn="l" rtl="0"/>
+            <a:r>
+              <a:rPr lang="en-US" sz="2000" dirty="0"/>
+              <a:t>The function resumes when next is called.</a:t>
+            </a:r>
+          </a:p>
+          <a:p>
+            <a:pPr algn="l" rtl="0"/>
+            <a:endParaRPr lang="en-US" sz="2000" dirty="0"/>
+          </a:p>
+        </p:txBody>
+      </p:sp>
+    </p:spTree>
+    <p:extLst>
+      <p:ext uri="{BB962C8B-B14F-4D97-AF65-F5344CB8AC3E}">
+        <p14:creationId xmlns:p14="http://schemas.microsoft.com/office/powerpoint/2010/main" val="3206544684"/>
+      </p:ext>
+    </p:extLst>
+  </p:cSld>
+  <p:clrMapOvr>
+    <a:masterClrMapping/>
+  </p:clrMapOvr>
+</p:sld>
+</file>
+
+<file path=ppt/slides/slide56.xml><?xml version="1.0" encoding="utf-8"?>
+<p:sld xmlns:a="http://schemas.openxmlformats.org/drawingml/2006/main" xmlns:r="http://schemas.openxmlformats.org/officeDocument/2006/relationships" xmlns:p="http://schemas.openxmlformats.org/presentationml/2006/main">
+  <p:cSld>
+    <p:spTree>
+      <p:nvGrpSpPr>
+        <p:cNvPr id="1" name=""/>
+        <p:cNvGrpSpPr/>
+        <p:nvPr/>
+      </p:nvGrpSpPr>
+      <p:grpSpPr>
+        <a:xfrm>
+          <a:off x="0" y="0"/>
+          <a:ext cx="0" cy="0"/>
+          <a:chOff x="0" y="0"/>
+          <a:chExt cx="0" cy="0"/>
+        </a:xfrm>
+      </p:grpSpPr>
+      <p:sp>
+        <p:nvSpPr>
+          <p:cNvPr id="2" name="Title 1">
+            <a:extLst>
+              <a:ext uri="{FF2B5EF4-FFF2-40B4-BE49-F238E27FC236}">
+                <a16:creationId xmlns:a16="http://schemas.microsoft.com/office/drawing/2014/main" id="{562C69D3-72AE-4D1A-903B-15355CAC6E81}"/>
+              </a:ext>
+            </a:extLst>
+          </p:cNvPr>
+          <p:cNvSpPr>
+            <a:spLocks noGrp="1"/>
+          </p:cNvSpPr>
+          <p:nvPr>
+            <p:ph type="title"/>
+          </p:nvPr>
+        </p:nvSpPr>
+        <p:spPr/>
+        <p:txBody>
+          <a:bodyPr>
+            <a:normAutofit/>
+          </a:bodyPr>
+          <a:lstStyle/>
+          <a:p>
+            <a:r>
+              <a:rPr lang="en-US" sz="4000" dirty="0"/>
+              <a:t>Generators</a:t>
+            </a:r>
+            <a:endParaRPr lang="en-US" dirty="0"/>
+          </a:p>
+        </p:txBody>
+      </p:sp>
+      <p:sp>
+        <p:nvSpPr>
+          <p:cNvPr id="4" name="Content Placeholder 3">
+            <a:extLst>
+              <a:ext uri="{FF2B5EF4-FFF2-40B4-BE49-F238E27FC236}">
+                <a16:creationId xmlns:a16="http://schemas.microsoft.com/office/drawing/2014/main" id="{4E16AD08-9757-44E6-9F27-5C22032A8853}"/>
               </a:ext>
             </a:extLst>
           </p:cNvPr>
@@ -10697,7 +11714,7 @@
     </p:spTree>
     <p:extLst>
       <p:ext uri="{BB962C8B-B14F-4D97-AF65-F5344CB8AC3E}">
-        <p14:creationId xmlns:p14="http://schemas.microsoft.com/office/powerpoint/2010/main" xmlns="" val="998836353"/>
+        <p14:creationId xmlns:p14="http://schemas.microsoft.com/office/powerpoint/2010/main" val="998836353"/>
       </p:ext>
     </p:extLst>
   </p:cSld>
@@ -10707,7 +11724,7 @@
 </p:sld>
 </file>
 
-<file path=ppt/slides/slide51.xml><?xml version="1.0" encoding="utf-8"?>
+<file path=ppt/slides/slide57.xml><?xml version="1.0" encoding="utf-8"?>
 <p:sld xmlns:a="http://schemas.openxmlformats.org/drawingml/2006/main" xmlns:r="http://schemas.openxmlformats.org/officeDocument/2006/relationships" xmlns:p="http://schemas.openxmlformats.org/presentationml/2006/main">
   <p:cSld>
     <p:spTree>
@@ -10729,7 +11746,7 @@
           <p:cNvPr id="2" name="Title 1">
             <a:extLst>
               <a:ext uri="{FF2B5EF4-FFF2-40B4-BE49-F238E27FC236}">
-                <a16:creationId xmlns:a16="http://schemas.microsoft.com/office/drawing/2014/main" xmlns="" id="{562C69D3-72AE-4D1A-903B-15355CAC6E81}"/>
+                <a16:creationId xmlns:a16="http://schemas.microsoft.com/office/drawing/2014/main" id="{562C69D3-72AE-4D1A-903B-15355CAC6E81}"/>
               </a:ext>
             </a:extLst>
           </p:cNvPr>
@@ -10760,7 +11777,7 @@
           <p:cNvPr id="4" name="Content Placeholder 3">
             <a:extLst>
               <a:ext uri="{FF2B5EF4-FFF2-40B4-BE49-F238E27FC236}">
-                <a16:creationId xmlns:a16="http://schemas.microsoft.com/office/drawing/2014/main" xmlns="" id="{4E16AD08-9757-44E6-9F27-5C22032A8853}"/>
+                <a16:creationId xmlns:a16="http://schemas.microsoft.com/office/drawing/2014/main" id="{4E16AD08-9757-44E6-9F27-5C22032A8853}"/>
               </a:ext>
             </a:extLst>
           </p:cNvPr>
@@ -10869,7 +11886,7 @@
     </p:spTree>
     <p:extLst>
       <p:ext uri="{BB962C8B-B14F-4D97-AF65-F5344CB8AC3E}">
-        <p14:creationId xmlns:p14="http://schemas.microsoft.com/office/powerpoint/2010/main" xmlns="" val="879855724"/>
+        <p14:creationId xmlns:p14="http://schemas.microsoft.com/office/powerpoint/2010/main" val="879855724"/>
       </p:ext>
     </p:extLst>
   </p:cSld>
@@ -10879,7 +11896,7 @@
 </p:sld>
 </file>
 
-<file path=ppt/slides/slide52.xml><?xml version="1.0" encoding="utf-8"?>
+<file path=ppt/slides/slide58.xml><?xml version="1.0" encoding="utf-8"?>
 <p:sld xmlns:a="http://schemas.openxmlformats.org/drawingml/2006/main" xmlns:r="http://schemas.openxmlformats.org/officeDocument/2006/relationships" xmlns:p="http://schemas.openxmlformats.org/presentationml/2006/main">
   <p:cSld>
     <p:spTree>
@@ -10901,7 +11918,7 @@
           <p:cNvPr id="2" name="Title 1">
             <a:extLst>
               <a:ext uri="{FF2B5EF4-FFF2-40B4-BE49-F238E27FC236}">
-                <a16:creationId xmlns:a16="http://schemas.microsoft.com/office/drawing/2014/main" xmlns="" id="{562C69D3-72AE-4D1A-903B-15355CAC6E81}"/>
+                <a16:creationId xmlns:a16="http://schemas.microsoft.com/office/drawing/2014/main" id="{562C69D3-72AE-4D1A-903B-15355CAC6E81}"/>
               </a:ext>
             </a:extLst>
           </p:cNvPr>
@@ -10932,7 +11949,7 @@
           <p:cNvPr id="7" name="Content Placeholder 6">
             <a:extLst>
               <a:ext uri="{FF2B5EF4-FFF2-40B4-BE49-F238E27FC236}">
-                <a16:creationId xmlns:a16="http://schemas.microsoft.com/office/drawing/2014/main" xmlns="" id="{68D05B38-F585-4758-B4C1-0D42E95590A5}"/>
+                <a16:creationId xmlns:a16="http://schemas.microsoft.com/office/drawing/2014/main" id="{68D05B38-F585-4758-B4C1-0D42E95590A5}"/>
               </a:ext>
             </a:extLst>
           </p:cNvPr>
@@ -10961,7 +11978,7 @@
           <p:cNvPr id="9" name="Picture 8" descr="A screenshot of a cell phone&#10;&#10;Description generated with very high confidence">
             <a:extLst>
               <a:ext uri="{FF2B5EF4-FFF2-40B4-BE49-F238E27FC236}">
-                <a16:creationId xmlns:a16="http://schemas.microsoft.com/office/drawing/2014/main" xmlns="" id="{30268BBF-0484-4C2A-807B-B93D738694F1}"/>
+                <a16:creationId xmlns:a16="http://schemas.microsoft.com/office/drawing/2014/main" id="{30268BBF-0484-4C2A-807B-B93D738694F1}"/>
               </a:ext>
             </a:extLst>
           </p:cNvPr>
@@ -10974,7 +11991,7 @@
           <a:blip r:embed="rId2" cstate="print">
             <a:extLst>
               <a:ext uri="{28A0092B-C50C-407E-A947-70E740481C1C}">
-                <a14:useLocalDpi xmlns:a14="http://schemas.microsoft.com/office/drawing/2010/main" xmlns="" val="0"/>
+                <a14:useLocalDpi xmlns:a14="http://schemas.microsoft.com/office/drawing/2010/main" val="0"/>
               </a:ext>
             </a:extLst>
           </a:blip>
@@ -10995,7 +12012,7 @@
     </p:spTree>
     <p:extLst>
       <p:ext uri="{BB962C8B-B14F-4D97-AF65-F5344CB8AC3E}">
-        <p14:creationId xmlns:p14="http://schemas.microsoft.com/office/powerpoint/2010/main" xmlns="" val="760806596"/>
+        <p14:creationId xmlns:p14="http://schemas.microsoft.com/office/powerpoint/2010/main" val="760806596"/>
       </p:ext>
     </p:extLst>
   </p:cSld>
@@ -11005,7 +12022,7 @@
 </p:sld>
 </file>
 
-<file path=ppt/slides/slide53.xml><?xml version="1.0" encoding="utf-8"?>
+<file path=ppt/slides/slide59.xml><?xml version="1.0" encoding="utf-8"?>
 <p:sld xmlns:a="http://schemas.openxmlformats.org/drawingml/2006/main" xmlns:r="http://schemas.openxmlformats.org/officeDocument/2006/relationships" xmlns:p="http://schemas.openxmlformats.org/presentationml/2006/main">
   <p:cSld>
     <p:spTree>
@@ -11027,7 +12044,7 @@
           <p:cNvPr id="2" name="Title 1">
             <a:extLst>
               <a:ext uri="{FF2B5EF4-FFF2-40B4-BE49-F238E27FC236}">
-                <a16:creationId xmlns:a16="http://schemas.microsoft.com/office/drawing/2014/main" xmlns="" id="{562C69D3-72AE-4D1A-903B-15355CAC6E81}"/>
+                <a16:creationId xmlns:a16="http://schemas.microsoft.com/office/drawing/2014/main" id="{562C69D3-72AE-4D1A-903B-15355CAC6E81}"/>
               </a:ext>
             </a:extLst>
           </p:cNvPr>
@@ -11058,7 +12075,7 @@
           <p:cNvPr id="7" name="Content Placeholder 6">
             <a:extLst>
               <a:ext uri="{FF2B5EF4-FFF2-40B4-BE49-F238E27FC236}">
-                <a16:creationId xmlns:a16="http://schemas.microsoft.com/office/drawing/2014/main" xmlns="" id="{68D05B38-F585-4758-B4C1-0D42E95590A5}"/>
+                <a16:creationId xmlns:a16="http://schemas.microsoft.com/office/drawing/2014/main" id="{68D05B38-F585-4758-B4C1-0D42E95590A5}"/>
               </a:ext>
             </a:extLst>
           </p:cNvPr>
@@ -11157,7 +12174,7 @@
     </p:spTree>
     <p:extLst>
       <p:ext uri="{BB962C8B-B14F-4D97-AF65-F5344CB8AC3E}">
-        <p14:creationId xmlns:p14="http://schemas.microsoft.com/office/powerpoint/2010/main" xmlns="" val="3115232454"/>
+        <p14:creationId xmlns:p14="http://schemas.microsoft.com/office/powerpoint/2010/main" val="3115232454"/>
       </p:ext>
     </p:extLst>
   </p:cSld>
@@ -11167,7 +12184,7 @@
 </p:sld>
 </file>
 
-<file path=ppt/slides/slide54.xml><?xml version="1.0" encoding="utf-8"?>
+<file path=ppt/slides/slide6.xml><?xml version="1.0" encoding="utf-8"?>
 <p:sld xmlns:a="http://schemas.openxmlformats.org/drawingml/2006/main" xmlns:r="http://schemas.openxmlformats.org/officeDocument/2006/relationships" xmlns:p="http://schemas.openxmlformats.org/presentationml/2006/main">
   <p:cSld>
     <p:spTree>
@@ -11186,10 +12203,176 @@
       </p:grpSpPr>
       <p:sp>
         <p:nvSpPr>
+          <p:cNvPr id="2" name="Title 1"/>
+          <p:cNvSpPr>
+            <a:spLocks noGrp="1"/>
+          </p:cNvSpPr>
+          <p:nvPr>
+            <p:ph type="title"/>
+          </p:nvPr>
+        </p:nvSpPr>
+        <p:spPr/>
+        <p:txBody>
+          <a:bodyPr/>
+          <a:lstStyle/>
+          <a:p>
+            <a:r>
+              <a:rPr lang="en-US" sz="4000" dirty="0"/>
+              <a:t>Equality</a:t>
+            </a:r>
+            <a:endParaRPr lang="he-IL" dirty="0"/>
+          </a:p>
+        </p:txBody>
+      </p:sp>
+      <p:sp>
+        <p:nvSpPr>
+          <p:cNvPr id="3" name="Content Placeholder 2"/>
+          <p:cNvSpPr>
+            <a:spLocks noGrp="1"/>
+          </p:cNvSpPr>
+          <p:nvPr>
+            <p:ph idx="1"/>
+          </p:nvPr>
+        </p:nvSpPr>
+        <p:spPr/>
+        <p:txBody>
+          <a:bodyPr/>
+          <a:lstStyle/>
+          <a:p>
+            <a:pPr algn="l" rtl="0">
+              <a:buNone/>
+            </a:pPr>
+            <a:r>
+              <a:rPr lang="en-US" dirty="0"/>
+              <a:t>As mentioned at the table above, objects</a:t>
+            </a:r>
+          </a:p>
+          <a:p>
+            <a:pPr algn="l" rtl="0">
+              <a:buNone/>
+            </a:pPr>
+            <a:r>
+              <a:rPr lang="en-US" dirty="0"/>
+              <a:t>Evaluated to true.</a:t>
+            </a:r>
+          </a:p>
+          <a:p>
+            <a:pPr algn="l" rtl="0">
+              <a:buNone/>
+            </a:pPr>
+            <a:r>
+              <a:rPr lang="en-US" dirty="0"/>
+              <a:t>That is why even an empty array evaluates to</a:t>
+            </a:r>
+          </a:p>
+          <a:p>
+            <a:pPr algn="l" rtl="0">
+              <a:buNone/>
+            </a:pPr>
+            <a:r>
+              <a:rPr lang="en-US" dirty="0"/>
+              <a:t>true.</a:t>
+            </a:r>
+          </a:p>
+          <a:p>
+            <a:pPr algn="l" rtl="0">
+              <a:buNone/>
+            </a:pPr>
+            <a:endParaRPr lang="en-US" dirty="0"/>
+          </a:p>
+          <a:p>
+            <a:pPr algn="l" rtl="0">
+              <a:buNone/>
+            </a:pPr>
+            <a:r>
+              <a:rPr lang="en-US" dirty="0">
+                <a:solidFill>
+                  <a:srgbClr val="FF0000"/>
+                </a:solidFill>
+              </a:rPr>
+              <a:t>If</a:t>
+            </a:r>
+            <a:r>
+              <a:rPr lang="en-US" dirty="0"/>
+              <a:t>([]) {</a:t>
+            </a:r>
+          </a:p>
+          <a:p>
+            <a:pPr algn="l" rtl="0">
+              <a:buNone/>
+            </a:pPr>
+            <a:r>
+              <a:rPr lang="en-US" dirty="0"/>
+              <a:t>	</a:t>
+            </a:r>
+            <a:r>
+              <a:rPr lang="en-US" dirty="0">
+                <a:solidFill>
+                  <a:srgbClr val="92D050"/>
+                </a:solidFill>
+              </a:rPr>
+              <a:t>// true</a:t>
+            </a:r>
+          </a:p>
+          <a:p>
+            <a:pPr algn="l" rtl="0">
+              <a:buNone/>
+            </a:pPr>
+            <a:r>
+              <a:rPr lang="en-US" dirty="0"/>
+              <a:t>	</a:t>
+            </a:r>
+            <a:r>
+              <a:rPr lang="en-US" dirty="0">
+                <a:solidFill>
+                  <a:srgbClr val="92D050"/>
+                </a:solidFill>
+              </a:rPr>
+              <a:t>// an array (even an empty one) is an    object, objects will evaluate to true</a:t>
+            </a:r>
+          </a:p>
+          <a:p>
+            <a:pPr algn="l" rtl="0">
+              <a:buNone/>
+            </a:pPr>
+            <a:r>
+              <a:rPr lang="en-US" dirty="0"/>
+              <a:t>}</a:t>
+            </a:r>
+          </a:p>
+        </p:txBody>
+      </p:sp>
+    </p:spTree>
+  </p:cSld>
+  <p:clrMapOvr>
+    <a:masterClrMapping/>
+  </p:clrMapOvr>
+</p:sld>
+</file>
+
+<file path=ppt/slides/slide60.xml><?xml version="1.0" encoding="utf-8"?>
+<p:sld xmlns:a="http://schemas.openxmlformats.org/drawingml/2006/main" xmlns:r="http://schemas.openxmlformats.org/officeDocument/2006/relationships" xmlns:p="http://schemas.openxmlformats.org/presentationml/2006/main">
+  <p:cSld>
+    <p:spTree>
+      <p:nvGrpSpPr>
+        <p:cNvPr id="1" name=""/>
+        <p:cNvGrpSpPr/>
+        <p:nvPr/>
+      </p:nvGrpSpPr>
+      <p:grpSpPr>
+        <a:xfrm>
+          <a:off x="0" y="0"/>
+          <a:ext cx="0" cy="0"/>
+          <a:chOff x="0" y="0"/>
+          <a:chExt cx="0" cy="0"/>
+        </a:xfrm>
+      </p:grpSpPr>
+      <p:sp>
+        <p:nvSpPr>
           <p:cNvPr id="2" name="Title 1">
             <a:extLst>
               <a:ext uri="{FF2B5EF4-FFF2-40B4-BE49-F238E27FC236}">
-                <a16:creationId xmlns:a16="http://schemas.microsoft.com/office/drawing/2014/main" xmlns="" id="{7F08F2D0-A056-4E63-8D1F-1B8D1071E2CF}"/>
+                <a16:creationId xmlns:a16="http://schemas.microsoft.com/office/drawing/2014/main" id="{7F08F2D0-A056-4E63-8D1F-1B8D1071E2CF}"/>
               </a:ext>
             </a:extLst>
           </p:cNvPr>
@@ -11218,7 +12401,7 @@
           <p:cNvPr id="7" name="Content Placeholder 6">
             <a:extLst>
               <a:ext uri="{FF2B5EF4-FFF2-40B4-BE49-F238E27FC236}">
-                <a16:creationId xmlns:a16="http://schemas.microsoft.com/office/drawing/2014/main" xmlns="" id="{6909534A-08E7-449C-B591-270D34F86A51}"/>
+                <a16:creationId xmlns:a16="http://schemas.microsoft.com/office/drawing/2014/main" id="{6909534A-08E7-449C-B591-270D34F86A51}"/>
               </a:ext>
             </a:extLst>
           </p:cNvPr>
@@ -11275,7 +12458,7 @@
           <p:cNvPr id="9" name="Picture 8" descr="A screenshot of a cell phone&#10;&#10;Description generated with very high confidence">
             <a:extLst>
               <a:ext uri="{FF2B5EF4-FFF2-40B4-BE49-F238E27FC236}">
-                <a16:creationId xmlns:a16="http://schemas.microsoft.com/office/drawing/2014/main" xmlns="" id="{E0BE3555-6759-4D7F-A2EB-9336B120A522}"/>
+                <a16:creationId xmlns:a16="http://schemas.microsoft.com/office/drawing/2014/main" id="{E0BE3555-6759-4D7F-A2EB-9336B120A522}"/>
               </a:ext>
             </a:extLst>
           </p:cNvPr>
@@ -11288,7 +12471,7 @@
           <a:blip r:embed="rId4" cstate="print">
             <a:extLst>
               <a:ext uri="{28A0092B-C50C-407E-A947-70E740481C1C}">
-                <a14:useLocalDpi xmlns:a14="http://schemas.microsoft.com/office/drawing/2010/main" xmlns="" val="0"/>
+                <a14:useLocalDpi xmlns:a14="http://schemas.microsoft.com/office/drawing/2010/main" val="0"/>
               </a:ext>
             </a:extLst>
           </a:blip>
@@ -11309,7 +12492,7 @@
     </p:spTree>
     <p:extLst>
       <p:ext uri="{BB962C8B-B14F-4D97-AF65-F5344CB8AC3E}">
-        <p14:creationId xmlns:p14="http://schemas.microsoft.com/office/powerpoint/2010/main" xmlns="" val="1813829724"/>
+        <p14:creationId xmlns:p14="http://schemas.microsoft.com/office/powerpoint/2010/main" val="1813829724"/>
       </p:ext>
     </p:extLst>
   </p:cSld>
@@ -11319,7 +12502,7 @@
 </p:sld>
 </file>
 
-<file path=ppt/slides/slide55.xml><?xml version="1.0" encoding="utf-8"?>
+<file path=ppt/slides/slide61.xml><?xml version="1.0" encoding="utf-8"?>
 <p:sld xmlns:a="http://schemas.openxmlformats.org/drawingml/2006/main" xmlns:r="http://schemas.openxmlformats.org/officeDocument/2006/relationships" xmlns:p="http://schemas.openxmlformats.org/presentationml/2006/main">
   <p:cSld>
     <p:spTree>
@@ -11341,7 +12524,7 @@
           <p:cNvPr id="2" name="Title 1">
             <a:extLst>
               <a:ext uri="{FF2B5EF4-FFF2-40B4-BE49-F238E27FC236}">
-                <a16:creationId xmlns:a16="http://schemas.microsoft.com/office/drawing/2014/main" xmlns="" id="{D32E4462-1DA1-4153-9F5F-285C67E6182F}"/>
+                <a16:creationId xmlns:a16="http://schemas.microsoft.com/office/drawing/2014/main" id="{D32E4462-1DA1-4153-9F5F-285C67E6182F}"/>
               </a:ext>
             </a:extLst>
           </p:cNvPr>
@@ -11369,7 +12552,7 @@
           <p:cNvPr id="3" name="Content Placeholder 2">
             <a:extLst>
               <a:ext uri="{FF2B5EF4-FFF2-40B4-BE49-F238E27FC236}">
-                <a16:creationId xmlns:a16="http://schemas.microsoft.com/office/drawing/2014/main" xmlns="" id="{A830400D-587F-407D-A196-8BE5ADA10A80}"/>
+                <a16:creationId xmlns:a16="http://schemas.microsoft.com/office/drawing/2014/main" id="{A830400D-587F-407D-A196-8BE5ADA10A80}"/>
               </a:ext>
             </a:extLst>
           </p:cNvPr>
@@ -11406,12 +12589,8 @@
           <a:p>
             <a:pPr algn="l" rtl="0"/>
             <a:r>
-              <a:rPr lang="en-US" dirty="0" smtClean="0"/>
-              <a:t>The </a:t>
-            </a:r>
-            <a:r>
-              <a:rPr lang="en-US" dirty="0"/>
-              <a:t>Symbol constructor accepts an optional string key, which can be used for debugging but not to access the symbol itself.</a:t>
+              <a:rPr lang="en-US" dirty="0"/>
+              <a:t>The Symbol constructor accepts an optional string key, which can be used for debugging but not to access the symbol itself.</a:t>
             </a:r>
           </a:p>
         </p:txBody>
@@ -11421,7 +12600,7 @@
           <p:cNvPr id="7" name="Picture 6">
             <a:extLst>
               <a:ext uri="{FF2B5EF4-FFF2-40B4-BE49-F238E27FC236}">
-                <a16:creationId xmlns:a16="http://schemas.microsoft.com/office/drawing/2014/main" xmlns="" id="{131F2B4C-2F59-43E4-84EE-CA5A03B1F030}"/>
+                <a16:creationId xmlns:a16="http://schemas.microsoft.com/office/drawing/2014/main" id="{131F2B4C-2F59-43E4-84EE-CA5A03B1F030}"/>
               </a:ext>
             </a:extLst>
           </p:cNvPr>
@@ -11449,7 +12628,7 @@
     </p:spTree>
     <p:extLst>
       <p:ext uri="{BB962C8B-B14F-4D97-AF65-F5344CB8AC3E}">
-        <p14:creationId xmlns:p14="http://schemas.microsoft.com/office/powerpoint/2010/main" xmlns="" val="1776338169"/>
+        <p14:creationId xmlns:p14="http://schemas.microsoft.com/office/powerpoint/2010/main" val="1776338169"/>
       </p:ext>
     </p:extLst>
   </p:cSld>
@@ -11459,7 +12638,7 @@
 </p:sld>
 </file>
 
-<file path=ppt/slides/slide56.xml><?xml version="1.0" encoding="utf-8"?>
+<file path=ppt/slides/slide62.xml><?xml version="1.0" encoding="utf-8"?>
 <p:sld xmlns:a="http://schemas.openxmlformats.org/drawingml/2006/main" xmlns:r="http://schemas.openxmlformats.org/officeDocument/2006/relationships" xmlns:p="http://schemas.openxmlformats.org/presentationml/2006/main">
   <p:cSld>
     <p:spTree>
@@ -11481,7 +12660,7 @@
           <p:cNvPr id="2" name="Title 1">
             <a:extLst>
               <a:ext uri="{FF2B5EF4-FFF2-40B4-BE49-F238E27FC236}">
-                <a16:creationId xmlns:a16="http://schemas.microsoft.com/office/drawing/2014/main" xmlns="" id="{858C8845-FECD-4834-9550-162F13043C8C}"/>
+                <a16:creationId xmlns:a16="http://schemas.microsoft.com/office/drawing/2014/main" id="{858C8845-FECD-4834-9550-162F13043C8C}"/>
               </a:ext>
             </a:extLst>
           </p:cNvPr>
@@ -11509,7 +12688,7 @@
           <p:cNvPr id="3" name="Content Placeholder 2">
             <a:extLst>
               <a:ext uri="{FF2B5EF4-FFF2-40B4-BE49-F238E27FC236}">
-                <a16:creationId xmlns:a16="http://schemas.microsoft.com/office/drawing/2014/main" xmlns="" id="{C9A6B373-5D29-4381-A1A3-748A8C485E92}"/>
+                <a16:creationId xmlns:a16="http://schemas.microsoft.com/office/drawing/2014/main" id="{C9A6B373-5D29-4381-A1A3-748A8C485E92}"/>
               </a:ext>
             </a:extLst>
           </p:cNvPr>
@@ -11559,7 +12738,7 @@
           <p:cNvPr id="4" name="Picture 3">
             <a:extLst>
               <a:ext uri="{FF2B5EF4-FFF2-40B4-BE49-F238E27FC236}">
-                <a16:creationId xmlns:a16="http://schemas.microsoft.com/office/drawing/2014/main" xmlns="" id="{2E559FEF-CD7D-4C90-B929-4274F2FF4A93}"/>
+                <a16:creationId xmlns:a16="http://schemas.microsoft.com/office/drawing/2014/main" id="{2E559FEF-CD7D-4C90-B929-4274F2FF4A93}"/>
               </a:ext>
             </a:extLst>
           </p:cNvPr>
@@ -11589,7 +12768,7 @@
           <p:cNvPr id="5" name="Picture 4">
             <a:extLst>
               <a:ext uri="{FF2B5EF4-FFF2-40B4-BE49-F238E27FC236}">
-                <a16:creationId xmlns:a16="http://schemas.microsoft.com/office/drawing/2014/main" xmlns="" id="{DE27BDB9-E9D8-42D7-9FE8-72AC7EA3CDAA}"/>
+                <a16:creationId xmlns:a16="http://schemas.microsoft.com/office/drawing/2014/main" id="{DE27BDB9-E9D8-42D7-9FE8-72AC7EA3CDAA}"/>
               </a:ext>
             </a:extLst>
           </p:cNvPr>
@@ -11617,7 +12796,7 @@
     </p:spTree>
     <p:extLst>
       <p:ext uri="{BB962C8B-B14F-4D97-AF65-F5344CB8AC3E}">
-        <p14:creationId xmlns:p14="http://schemas.microsoft.com/office/powerpoint/2010/main" xmlns="" val="2586240817"/>
+        <p14:creationId xmlns:p14="http://schemas.microsoft.com/office/powerpoint/2010/main" val="2586240817"/>
       </p:ext>
     </p:extLst>
   </p:cSld>
@@ -11627,7 +12806,7 @@
 </p:sld>
 </file>
 
-<file path=ppt/slides/slide57.xml><?xml version="1.0" encoding="utf-8"?>
+<file path=ppt/slides/slide63.xml><?xml version="1.0" encoding="utf-8"?>
 <p:sld xmlns:a="http://schemas.openxmlformats.org/drawingml/2006/main" xmlns:r="http://schemas.openxmlformats.org/officeDocument/2006/relationships" xmlns:p="http://schemas.openxmlformats.org/presentationml/2006/main">
   <p:cSld>
     <p:spTree>
@@ -11649,7 +12828,7 @@
           <p:cNvPr id="2" name="Title 1">
             <a:extLst>
               <a:ext uri="{FF2B5EF4-FFF2-40B4-BE49-F238E27FC236}">
-                <a16:creationId xmlns:a16="http://schemas.microsoft.com/office/drawing/2014/main" xmlns="" id="{D3FE3846-8C1F-4071-BFD6-CE0F51CF355E}"/>
+                <a16:creationId xmlns:a16="http://schemas.microsoft.com/office/drawing/2014/main" id="{D3FE3846-8C1F-4071-BFD6-CE0F51CF355E}"/>
               </a:ext>
             </a:extLst>
           </p:cNvPr>
@@ -11677,7 +12856,7 @@
           <p:cNvPr id="3" name="Content Placeholder 2">
             <a:extLst>
               <a:ext uri="{FF2B5EF4-FFF2-40B4-BE49-F238E27FC236}">
-                <a16:creationId xmlns:a16="http://schemas.microsoft.com/office/drawing/2014/main" xmlns="" id="{BE97C54F-39A2-4BED-91FE-5E77AC566179}"/>
+                <a16:creationId xmlns:a16="http://schemas.microsoft.com/office/drawing/2014/main" id="{BE97C54F-39A2-4BED-91FE-5E77AC566179}"/>
               </a:ext>
             </a:extLst>
           </p:cNvPr>
@@ -11729,7 +12908,7 @@
           <p:cNvPr id="6" name="Picture 5">
             <a:extLst>
               <a:ext uri="{FF2B5EF4-FFF2-40B4-BE49-F238E27FC236}">
-                <a16:creationId xmlns:a16="http://schemas.microsoft.com/office/drawing/2014/main" xmlns="" id="{B940AEB2-F8AA-436A-B187-ABC03CC19A39}"/>
+                <a16:creationId xmlns:a16="http://schemas.microsoft.com/office/drawing/2014/main" id="{B940AEB2-F8AA-436A-B187-ABC03CC19A39}"/>
               </a:ext>
             </a:extLst>
           </p:cNvPr>
@@ -11757,7 +12936,7 @@
     </p:spTree>
     <p:extLst>
       <p:ext uri="{BB962C8B-B14F-4D97-AF65-F5344CB8AC3E}">
-        <p14:creationId xmlns:p14="http://schemas.microsoft.com/office/powerpoint/2010/main" xmlns="" val="4011531002"/>
+        <p14:creationId xmlns:p14="http://schemas.microsoft.com/office/powerpoint/2010/main" val="4011531002"/>
       </p:ext>
     </p:extLst>
   </p:cSld>
@@ -11767,7 +12946,7 @@
 </p:sld>
 </file>
 
-<file path=ppt/slides/slide58.xml><?xml version="1.0" encoding="utf-8"?>
+<file path=ppt/slides/slide64.xml><?xml version="1.0" encoding="utf-8"?>
 <p:sld xmlns:a="http://schemas.openxmlformats.org/drawingml/2006/main" xmlns:r="http://schemas.openxmlformats.org/officeDocument/2006/relationships" xmlns:p="http://schemas.openxmlformats.org/presentationml/2006/main">
   <p:cSld>
     <p:spTree>
@@ -11789,7 +12968,7 @@
           <p:cNvPr id="2" name="Title 1">
             <a:extLst>
               <a:ext uri="{FF2B5EF4-FFF2-40B4-BE49-F238E27FC236}">
-                <a16:creationId xmlns:a16="http://schemas.microsoft.com/office/drawing/2014/main" xmlns="" id="{3C961985-BE9B-4BA9-932E-71FE70B49B84}"/>
+                <a16:creationId xmlns:a16="http://schemas.microsoft.com/office/drawing/2014/main" id="{3C961985-BE9B-4BA9-932E-71FE70B49B84}"/>
               </a:ext>
             </a:extLst>
           </p:cNvPr>
@@ -11817,7 +12996,7 @@
           <p:cNvPr id="3" name="Content Placeholder 2">
             <a:extLst>
               <a:ext uri="{FF2B5EF4-FFF2-40B4-BE49-F238E27FC236}">
-                <a16:creationId xmlns:a16="http://schemas.microsoft.com/office/drawing/2014/main" xmlns="" id="{37B7ECB4-A88C-4A14-9F0F-462D5A393D3C}"/>
+                <a16:creationId xmlns:a16="http://schemas.microsoft.com/office/drawing/2014/main" id="{37B7ECB4-A88C-4A14-9F0F-462D5A393D3C}"/>
               </a:ext>
             </a:extLst>
           </p:cNvPr>
@@ -11929,7 +13108,7 @@
           <p:cNvPr id="5" name="Picture 4">
             <a:extLst>
               <a:ext uri="{FF2B5EF4-FFF2-40B4-BE49-F238E27FC236}">
-                <a16:creationId xmlns:a16="http://schemas.microsoft.com/office/drawing/2014/main" xmlns="" id="{7886B179-B93C-4CDA-8209-EB70382E7770}"/>
+                <a16:creationId xmlns:a16="http://schemas.microsoft.com/office/drawing/2014/main" id="{7886B179-B93C-4CDA-8209-EB70382E7770}"/>
               </a:ext>
             </a:extLst>
           </p:cNvPr>
@@ -11957,7 +13136,7 @@
     </p:spTree>
     <p:extLst>
       <p:ext uri="{BB962C8B-B14F-4D97-AF65-F5344CB8AC3E}">
-        <p14:creationId xmlns:p14="http://schemas.microsoft.com/office/powerpoint/2010/main" xmlns="" val="3011146725"/>
+        <p14:creationId xmlns:p14="http://schemas.microsoft.com/office/powerpoint/2010/main" val="3011146725"/>
       </p:ext>
     </p:extLst>
   </p:cSld>
@@ -11967,7 +13146,7 @@
 </p:sld>
 </file>
 
-<file path=ppt/slides/slide59.xml><?xml version="1.0" encoding="utf-8"?>
+<file path=ppt/slides/slide65.xml><?xml version="1.0" encoding="utf-8"?>
 <p:sld xmlns:a="http://schemas.openxmlformats.org/drawingml/2006/main" xmlns:r="http://schemas.openxmlformats.org/officeDocument/2006/relationships" xmlns:p="http://schemas.openxmlformats.org/presentationml/2006/main">
   <p:cSld>
     <p:spTree>
@@ -11989,7 +13168,7 @@
           <p:cNvPr id="2" name="Title 1">
             <a:extLst>
               <a:ext uri="{FF2B5EF4-FFF2-40B4-BE49-F238E27FC236}">
-                <a16:creationId xmlns:a16="http://schemas.microsoft.com/office/drawing/2014/main" xmlns="" id="{2201F607-DB8F-4E28-91E9-7D50FC941DBB}"/>
+                <a16:creationId xmlns:a16="http://schemas.microsoft.com/office/drawing/2014/main" id="{2201F607-DB8F-4E28-91E9-7D50FC941DBB}"/>
               </a:ext>
             </a:extLst>
           </p:cNvPr>
@@ -12017,7 +13196,7 @@
           <p:cNvPr id="3" name="Content Placeholder 2">
             <a:extLst>
               <a:ext uri="{FF2B5EF4-FFF2-40B4-BE49-F238E27FC236}">
-                <a16:creationId xmlns:a16="http://schemas.microsoft.com/office/drawing/2014/main" xmlns="" id="{8DD35AA3-71FC-45D7-9CDE-974490470840}"/>
+                <a16:creationId xmlns:a16="http://schemas.microsoft.com/office/drawing/2014/main" id="{8DD35AA3-71FC-45D7-9CDE-974490470840}"/>
               </a:ext>
             </a:extLst>
           </p:cNvPr>
@@ -12112,7 +13291,7 @@
           <p:cNvPr id="6" name="Picture 5">
             <a:extLst>
               <a:ext uri="{FF2B5EF4-FFF2-40B4-BE49-F238E27FC236}">
-                <a16:creationId xmlns:a16="http://schemas.microsoft.com/office/drawing/2014/main" xmlns="" id="{DADFD72D-4E67-4131-BF06-60ABDFCF2201}"/>
+                <a16:creationId xmlns:a16="http://schemas.microsoft.com/office/drawing/2014/main" id="{DADFD72D-4E67-4131-BF06-60ABDFCF2201}"/>
               </a:ext>
             </a:extLst>
           </p:cNvPr>
@@ -12140,7 +13319,7 @@
     </p:spTree>
     <p:extLst>
       <p:ext uri="{BB962C8B-B14F-4D97-AF65-F5344CB8AC3E}">
-        <p14:creationId xmlns:p14="http://schemas.microsoft.com/office/powerpoint/2010/main" xmlns="" val="658983501"/>
+        <p14:creationId xmlns:p14="http://schemas.microsoft.com/office/powerpoint/2010/main" val="658983501"/>
       </p:ext>
     </p:extLst>
   </p:cSld>
@@ -12150,7 +13329,7 @@
 </p:sld>
 </file>
 
-<file path=ppt/slides/slide6.xml><?xml version="1.0" encoding="utf-8"?>
+<file path=ppt/slides/slide66.xml><?xml version="1.0" encoding="utf-8"?>
 <p:sld xmlns:a="http://schemas.openxmlformats.org/drawingml/2006/main" xmlns:r="http://schemas.openxmlformats.org/officeDocument/2006/relationships" xmlns:p="http://schemas.openxmlformats.org/presentationml/2006/main">
   <p:cSld>
     <p:spTree>
@@ -12182,172 +13361,6 @@
           <a:bodyPr/>
           <a:lstStyle/>
           <a:p>
-            <a:r>
-              <a:rPr lang="en-US" sz="4000" dirty="0"/>
-              <a:t>Equality</a:t>
-            </a:r>
-            <a:endParaRPr lang="he-IL" dirty="0"/>
-          </a:p>
-        </p:txBody>
-      </p:sp>
-      <p:sp>
-        <p:nvSpPr>
-          <p:cNvPr id="3" name="Content Placeholder 2"/>
-          <p:cNvSpPr>
-            <a:spLocks noGrp="1"/>
-          </p:cNvSpPr>
-          <p:nvPr>
-            <p:ph idx="1"/>
-          </p:nvPr>
-        </p:nvSpPr>
-        <p:spPr/>
-        <p:txBody>
-          <a:bodyPr/>
-          <a:lstStyle/>
-          <a:p>
-            <a:pPr algn="l" rtl="0">
-              <a:buNone/>
-            </a:pPr>
-            <a:r>
-              <a:rPr lang="en-US" dirty="0"/>
-              <a:t>As mentioned at the table above, objects</a:t>
-            </a:r>
-          </a:p>
-          <a:p>
-            <a:pPr algn="l" rtl="0">
-              <a:buNone/>
-            </a:pPr>
-            <a:r>
-              <a:rPr lang="en-US" dirty="0"/>
-              <a:t>Evaluated to true.</a:t>
-            </a:r>
-          </a:p>
-          <a:p>
-            <a:pPr algn="l" rtl="0">
-              <a:buNone/>
-            </a:pPr>
-            <a:r>
-              <a:rPr lang="en-US" dirty="0"/>
-              <a:t>That is why even an empty array evaluates to</a:t>
-            </a:r>
-          </a:p>
-          <a:p>
-            <a:pPr algn="l" rtl="0">
-              <a:buNone/>
-            </a:pPr>
-            <a:r>
-              <a:rPr lang="en-US" dirty="0"/>
-              <a:t>true.</a:t>
-            </a:r>
-          </a:p>
-          <a:p>
-            <a:pPr algn="l" rtl="0">
-              <a:buNone/>
-            </a:pPr>
-            <a:endParaRPr lang="en-US" dirty="0"/>
-          </a:p>
-          <a:p>
-            <a:pPr algn="l" rtl="0">
-              <a:buNone/>
-            </a:pPr>
-            <a:r>
-              <a:rPr lang="en-US" dirty="0">
-                <a:solidFill>
-                  <a:srgbClr val="FF0000"/>
-                </a:solidFill>
-              </a:rPr>
-              <a:t>If</a:t>
-            </a:r>
-            <a:r>
-              <a:rPr lang="en-US" dirty="0"/>
-              <a:t>([]) {</a:t>
-            </a:r>
-          </a:p>
-          <a:p>
-            <a:pPr algn="l" rtl="0">
-              <a:buNone/>
-            </a:pPr>
-            <a:r>
-              <a:rPr lang="en-US" dirty="0"/>
-              <a:t>	</a:t>
-            </a:r>
-            <a:r>
-              <a:rPr lang="en-US" dirty="0">
-                <a:solidFill>
-                  <a:srgbClr val="92D050"/>
-                </a:solidFill>
-              </a:rPr>
-              <a:t>// true</a:t>
-            </a:r>
-          </a:p>
-          <a:p>
-            <a:pPr algn="l" rtl="0">
-              <a:buNone/>
-            </a:pPr>
-            <a:r>
-              <a:rPr lang="en-US" dirty="0"/>
-              <a:t>	</a:t>
-            </a:r>
-            <a:r>
-              <a:rPr lang="en-US" dirty="0">
-                <a:solidFill>
-                  <a:srgbClr val="92D050"/>
-                </a:solidFill>
-              </a:rPr>
-              <a:t>// an array (even an empty one) is an    object, objects will evaluate to true</a:t>
-            </a:r>
-          </a:p>
-          <a:p>
-            <a:pPr algn="l" rtl="0">
-              <a:buNone/>
-            </a:pPr>
-            <a:r>
-              <a:rPr lang="en-US" dirty="0"/>
-              <a:t>}</a:t>
-            </a:r>
-          </a:p>
-        </p:txBody>
-      </p:sp>
-    </p:spTree>
-  </p:cSld>
-  <p:clrMapOvr>
-    <a:masterClrMapping/>
-  </p:clrMapOvr>
-</p:sld>
-</file>
-
-<file path=ppt/slides/slide60.xml><?xml version="1.0" encoding="utf-8"?>
-<p:sld xmlns:a="http://schemas.openxmlformats.org/drawingml/2006/main" xmlns:r="http://schemas.openxmlformats.org/officeDocument/2006/relationships" xmlns:p="http://schemas.openxmlformats.org/presentationml/2006/main">
-  <p:cSld>
-    <p:spTree>
-      <p:nvGrpSpPr>
-        <p:cNvPr id="1" name=""/>
-        <p:cNvGrpSpPr/>
-        <p:nvPr/>
-      </p:nvGrpSpPr>
-      <p:grpSpPr>
-        <a:xfrm>
-          <a:off x="0" y="0"/>
-          <a:ext cx="0" cy="0"/>
-          <a:chOff x="0" y="0"/>
-          <a:chExt cx="0" cy="0"/>
-        </a:xfrm>
-      </p:grpSpPr>
-      <p:sp>
-        <p:nvSpPr>
-          <p:cNvPr id="2" name="Title 1"/>
-          <p:cNvSpPr>
-            <a:spLocks noGrp="1"/>
-          </p:cNvSpPr>
-          <p:nvPr>
-            <p:ph type="title"/>
-          </p:nvPr>
-        </p:nvSpPr>
-        <p:spPr/>
-        <p:txBody>
-          <a:bodyPr/>
-          <a:lstStyle/>
-          <a:p>
             <a:pPr rtl="0"/>
             <a:r>
               <a:rPr lang="en-US" dirty="0"/>
@@ -12416,18 +13429,9 @@
                 </a:solidFill>
                 <a:hlinkClick r:id="rId4"/>
               </a:rPr>
-              <a:t>https://</a:t>
-            </a:r>
-            <a:r>
-              <a:rPr lang="en-US" dirty="0" smtClean="0">
-                <a:solidFill>
-                  <a:srgbClr val="FF0000"/>
-                </a:solidFill>
-                <a:hlinkClick r:id="rId4"/>
-              </a:rPr>
-              <a:t>basarat.gitbooks.io/typescript</a:t>
-            </a:r>
-            <a:endParaRPr lang="en-US" dirty="0" smtClean="0">
+              <a:t>https://basarat.gitbooks.io/typescript</a:t>
+            </a:r>
+            <a:endParaRPr lang="en-US" dirty="0">
               <a:solidFill>
                 <a:srgbClr val="FF0000"/>
               </a:solidFill>
@@ -12436,23 +13440,17 @@
           <a:p>
             <a:pPr algn="l" rtl="0"/>
             <a:r>
-              <a:rPr lang="en-US" dirty="0" smtClean="0">
+              <a:rPr lang="en-US" dirty="0">
                 <a:hlinkClick r:id="rId5"/>
               </a:rPr>
-              <a:t>https://</a:t>
-            </a:r>
-            <a:r>
-              <a:rPr lang="en-US" dirty="0" smtClean="0">
-                <a:hlinkClick r:id="rId5"/>
-              </a:rPr>
-              <a:t>dev.to/aman_singh/abstract-operations-the-key-to-understand-coercion-in-javascript-453i</a:t>
-            </a:r>
-            <a:endParaRPr lang="en-US" dirty="0" smtClean="0"/>
-          </a:p>
-          <a:p>
-            <a:pPr algn="l" rtl="0"/>
-            <a:r>
-              <a:rPr lang="en-US" dirty="0" smtClean="0">
+              <a:t>https://dev.to/aman_singh/abstract-operations-the-key-to-understand-coercion-in-javascript-453i</a:t>
+            </a:r>
+            <a:endParaRPr lang="en-US" dirty="0"/>
+          </a:p>
+          <a:p>
+            <a:pPr algn="l" rtl="0"/>
+            <a:r>
+              <a:rPr lang="en-US" dirty="0">
                 <a:hlinkClick r:id="rId6"/>
               </a:rPr>
               <a:t>https://tc39.es/ecma262/#sec-abstract-operations</a:t>

--- a/Advanced Es6 & TypeScript.pptx
+++ b/Advanced Es6 & TypeScript.pptx
@@ -51,26 +51,38 @@
     <p:sldId id="299" r:id="rId45"/>
     <p:sldId id="301" r:id="rId46"/>
     <p:sldId id="300" r:id="rId47"/>
-    <p:sldId id="322" r:id="rId48"/>
-    <p:sldId id="321" r:id="rId49"/>
-    <p:sldId id="302" r:id="rId50"/>
-    <p:sldId id="296" r:id="rId51"/>
-    <p:sldId id="297" r:id="rId52"/>
-    <p:sldId id="298" r:id="rId53"/>
-    <p:sldId id="303" r:id="rId54"/>
-    <p:sldId id="304" r:id="rId55"/>
-    <p:sldId id="305" r:id="rId56"/>
-    <p:sldId id="306" r:id="rId57"/>
-    <p:sldId id="307" r:id="rId58"/>
-    <p:sldId id="308" r:id="rId59"/>
-    <p:sldId id="309" r:id="rId60"/>
-    <p:sldId id="310" r:id="rId61"/>
-    <p:sldId id="311" r:id="rId62"/>
-    <p:sldId id="312" r:id="rId63"/>
-    <p:sldId id="313" r:id="rId64"/>
-    <p:sldId id="314" r:id="rId65"/>
-    <p:sldId id="316" r:id="rId66"/>
-    <p:sldId id="268" r:id="rId67"/>
+    <p:sldId id="323" r:id="rId48"/>
+    <p:sldId id="324" r:id="rId49"/>
+    <p:sldId id="325" r:id="rId50"/>
+    <p:sldId id="326" r:id="rId51"/>
+    <p:sldId id="327" r:id="rId52"/>
+    <p:sldId id="328" r:id="rId53"/>
+    <p:sldId id="322" r:id="rId54"/>
+    <p:sldId id="330" r:id="rId55"/>
+    <p:sldId id="331" r:id="rId56"/>
+    <p:sldId id="332" r:id="rId57"/>
+    <p:sldId id="333" r:id="rId58"/>
+    <p:sldId id="334" r:id="rId59"/>
+    <p:sldId id="329" r:id="rId60"/>
+    <p:sldId id="321" r:id="rId61"/>
+    <p:sldId id="302" r:id="rId62"/>
+    <p:sldId id="296" r:id="rId63"/>
+    <p:sldId id="297" r:id="rId64"/>
+    <p:sldId id="298" r:id="rId65"/>
+    <p:sldId id="303" r:id="rId66"/>
+    <p:sldId id="304" r:id="rId67"/>
+    <p:sldId id="305" r:id="rId68"/>
+    <p:sldId id="306" r:id="rId69"/>
+    <p:sldId id="307" r:id="rId70"/>
+    <p:sldId id="308" r:id="rId71"/>
+    <p:sldId id="309" r:id="rId72"/>
+    <p:sldId id="310" r:id="rId73"/>
+    <p:sldId id="311" r:id="rId74"/>
+    <p:sldId id="312" r:id="rId75"/>
+    <p:sldId id="313" r:id="rId76"/>
+    <p:sldId id="314" r:id="rId77"/>
+    <p:sldId id="316" r:id="rId78"/>
+    <p:sldId id="268" r:id="rId79"/>
   </p:sldIdLst>
   <p:sldSz cx="9144000" cy="6858000" type="screen4x3"/>
   <p:notesSz cx="6858000" cy="9144000"/>
@@ -188,6 +200,18 @@
 </p:presentation>
 </file>
 
+<file path=ppt/commentAuthors.xml><?xml version="1.0" encoding="utf-8"?>
+<p:cmAuthorLst xmlns:a="http://schemas.openxmlformats.org/drawingml/2006/main" xmlns:r="http://schemas.openxmlformats.org/officeDocument/2006/relationships" xmlns:p="http://schemas.openxmlformats.org/presentationml/2006/main">
+  <p:cmAuthor id="1" name="Zablianov, Israel" initials="ZI" lastIdx="1" clrIdx="0">
+    <p:extLst>
+      <p:ext uri="{19B8F6BF-5375-455C-9EA6-DF929625EA0E}">
+        <p15:presenceInfo xmlns:p15="http://schemas.microsoft.com/office/powerpoint/2012/main" userId="S::iz453r@intl.att.com::798a6095-0cc1-473f-917e-05723748ab33" providerId="AD"/>
+      </p:ext>
+    </p:extLst>
+  </p:cmAuthor>
+</p:cmAuthorLst>
+</file>
+
 <file path=ppt/slideLayouts/slideLayout1.xml><?xml version="1.0" encoding="utf-8"?>
 <p:sldLayout xmlns:a="http://schemas.openxmlformats.org/drawingml/2006/main" xmlns:r="http://schemas.openxmlformats.org/officeDocument/2006/relationships" xmlns:p="http://schemas.openxmlformats.org/presentationml/2006/main" showMasterSp="0" type="title" preserve="1">
   <p:cSld name="Title Slide">
@@ -453,7 +477,7 @@
             <a:fld id="{1D8BD707-D9CF-40AE-B4C6-C98DA3205C09}" type="datetimeFigureOut">
               <a:rPr lang="en-US" smtClean="0"/>
               <a:pPr/>
-              <a:t>12/29/20</a:t>
+              <a:t>1/12/21</a:t>
             </a:fld>
             <a:endParaRPr lang="en-US"/>
           </a:p>
@@ -647,7 +671,7 @@
             <a:fld id="{1D8BD707-D9CF-40AE-B4C6-C98DA3205C09}" type="datetimeFigureOut">
               <a:rPr lang="en-US" smtClean="0"/>
               <a:pPr/>
-              <a:t>12/29/20</a:t>
+              <a:t>1/12/21</a:t>
             </a:fld>
             <a:endParaRPr lang="en-US"/>
           </a:p>
@@ -828,7 +852,7 @@
             <a:fld id="{1D8BD707-D9CF-40AE-B4C6-C98DA3205C09}" type="datetimeFigureOut">
               <a:rPr lang="en-US" smtClean="0"/>
               <a:pPr/>
-              <a:t>12/29/20</a:t>
+              <a:t>1/12/21</a:t>
             </a:fld>
             <a:endParaRPr lang="en-US"/>
           </a:p>
@@ -1013,7 +1037,7 @@
             <a:fld id="{1D8BD707-D9CF-40AE-B4C6-C98DA3205C09}" type="datetimeFigureOut">
               <a:rPr lang="en-US" smtClean="0"/>
               <a:pPr/>
-              <a:t>12/29/20</a:t>
+              <a:t>1/12/21</a:t>
             </a:fld>
             <a:endParaRPr lang="en-US"/>
           </a:p>
@@ -1236,7 +1260,7 @@
             <a:fld id="{1D8BD707-D9CF-40AE-B4C6-C98DA3205C09}" type="datetimeFigureOut">
               <a:rPr lang="en-US" smtClean="0"/>
               <a:pPr/>
-              <a:t>12/29/20</a:t>
+              <a:t>1/12/21</a:t>
             </a:fld>
             <a:endParaRPr lang="en-US"/>
           </a:p>
@@ -1522,7 +1546,7 @@
             <a:fld id="{1D8BD707-D9CF-40AE-B4C6-C98DA3205C09}" type="datetimeFigureOut">
               <a:rPr lang="en-US" smtClean="0"/>
               <a:pPr/>
-              <a:t>12/29/20</a:t>
+              <a:t>1/12/21</a:t>
             </a:fld>
             <a:endParaRPr lang="en-US"/>
           </a:p>
@@ -1948,7 +1972,7 @@
             <a:fld id="{1D8BD707-D9CF-40AE-B4C6-C98DA3205C09}" type="datetimeFigureOut">
               <a:rPr lang="en-US" smtClean="0"/>
               <a:pPr/>
-              <a:t>12/29/20</a:t>
+              <a:t>1/12/21</a:t>
             </a:fld>
             <a:endParaRPr lang="en-US"/>
           </a:p>
@@ -2067,7 +2091,7 @@
             <a:fld id="{1D8BD707-D9CF-40AE-B4C6-C98DA3205C09}" type="datetimeFigureOut">
               <a:rPr lang="en-US" smtClean="0"/>
               <a:pPr/>
-              <a:t>12/29/20</a:t>
+              <a:t>1/12/21</a:t>
             </a:fld>
             <a:endParaRPr lang="en-US"/>
           </a:p>
@@ -2168,7 +2192,7 @@
             <a:fld id="{1D8BD707-D9CF-40AE-B4C6-C98DA3205C09}" type="datetimeFigureOut">
               <a:rPr lang="en-US" smtClean="0"/>
               <a:pPr/>
-              <a:t>12/29/20</a:t>
+              <a:t>1/12/21</a:t>
             </a:fld>
             <a:endParaRPr lang="en-US"/>
           </a:p>
@@ -2434,7 +2458,7 @@
             <a:fld id="{1D8BD707-D9CF-40AE-B4C6-C98DA3205C09}" type="datetimeFigureOut">
               <a:rPr lang="en-US" smtClean="0"/>
               <a:pPr/>
-              <a:t>12/29/20</a:t>
+              <a:t>1/12/21</a:t>
             </a:fld>
             <a:endParaRPr lang="en-US"/>
           </a:p>
@@ -2790,7 +2814,7 @@
             <a:fld id="{1D8BD707-D9CF-40AE-B4C6-C98DA3205C09}" type="datetimeFigureOut">
               <a:rPr lang="en-US" smtClean="0"/>
               <a:pPr/>
-              <a:t>12/29/20</a:t>
+              <a:t>1/12/21</a:t>
             </a:fld>
             <a:endParaRPr lang="en-US"/>
           </a:p>
@@ -3135,7 +3159,7 @@
             <a:fld id="{1D8BD707-D9CF-40AE-B4C6-C98DA3205C09}" type="datetimeFigureOut">
               <a:rPr lang="en-US" smtClean="0"/>
               <a:pPr/>
-              <a:t>12/29/20</a:t>
+              <a:t>1/12/21</a:t>
             </a:fld>
             <a:endParaRPr lang="en-US"/>
           </a:p>
@@ -10061,16 +10085,13 @@
         <p:spPr/>
         <p:txBody>
           <a:bodyPr>
-            <a:normAutofit fontScale="90000"/>
+            <a:normAutofit/>
           </a:bodyPr>
           <a:lstStyle/>
           <a:p>
-            <a:br>
-              <a:rPr lang="en-IL" dirty="0"/>
-            </a:br>
             <a:r>
               <a:rPr lang="en-US" dirty="0"/>
-              <a:t>Promise and async await key words</a:t>
+              <a:t>Promise</a:t>
             </a:r>
           </a:p>
         </p:txBody>
@@ -10116,13 +10137,8 @@
             <a:pPr algn="l" rtl="0"/>
             <a:r>
               <a:rPr lang="en-US" sz="2000" dirty="0"/>
-              <a:t>A Promise is a proxy for a value not necessarily known when the promise is </a:t>
-            </a:r>
-            <a:r>
-              <a:rPr lang="en-US" sz="2000"/>
-              <a:t>created.</a:t>
-            </a:r>
-            <a:endParaRPr lang="en-US" sz="2000" dirty="0"/>
+              <a:t>A Promise is a proxy for a value not necessarily known when the promise is created.</a:t>
+            </a:r>
           </a:p>
         </p:txBody>
       </p:sp>
@@ -10180,65 +10196,86 @@
           <a:lstStyle/>
           <a:p>
             <a:r>
-              <a:rPr lang="en-US" sz="4000" dirty="0"/>
-              <a:t>Extra</a:t>
-            </a:r>
-            <a:endParaRPr lang="en-US" dirty="0"/>
-          </a:p>
-        </p:txBody>
-      </p:sp>
-      <p:sp>
-        <p:nvSpPr>
-          <p:cNvPr id="3" name="Content Placeholder 2">
+              <a:rPr lang="en-US" dirty="0"/>
+              <a:t>Promise</a:t>
+            </a:r>
+          </a:p>
+        </p:txBody>
+      </p:sp>
+      <p:pic>
+        <p:nvPicPr>
+          <p:cNvPr id="11" name="Content Placeholder 10" descr="Text&#10;&#10;Description automatically generated">
             <a:extLst>
               <a:ext uri="{FF2B5EF4-FFF2-40B4-BE49-F238E27FC236}">
-                <a16:creationId xmlns:a16="http://schemas.microsoft.com/office/drawing/2014/main" id="{3AB0ED87-3538-4957-875E-DEA297FEE413}"/>
+                <a16:creationId xmlns:a16="http://schemas.microsoft.com/office/drawing/2014/main" id="{DC5B842F-9467-CD46-9E01-3E7F80C88A83}"/>
               </a:ext>
             </a:extLst>
           </p:cNvPr>
-          <p:cNvSpPr>
-            <a:spLocks noGrp="1"/>
-          </p:cNvSpPr>
+          <p:cNvPicPr>
+            <a:picLocks noGrp="1" noChangeAspect="1"/>
+          </p:cNvPicPr>
           <p:nvPr>
             <p:ph idx="1"/>
           </p:nvPr>
-        </p:nvSpPr>
-        <p:spPr/>
-        <p:txBody>
-          <a:bodyPr>
-            <a:normAutofit/>
+        </p:nvPicPr>
+        <p:blipFill>
+          <a:blip r:embed="rId2">
+            <a:extLst>
+              <a:ext uri="{28A0092B-C50C-407E-A947-70E740481C1C}">
+                <a14:useLocalDpi xmlns:a14="http://schemas.microsoft.com/office/drawing/2010/main" val="0"/>
+              </a:ext>
+            </a:extLst>
+          </a:blip>
+          <a:stretch>
+            <a:fillRect/>
+          </a:stretch>
+        </p:blipFill>
+        <p:spPr>
+          <a:xfrm>
+            <a:off x="457200" y="2485284"/>
+            <a:ext cx="6408884" cy="4039538"/>
+          </a:xfrm>
+        </p:spPr>
+      </p:pic>
+      <p:sp>
+        <p:nvSpPr>
+          <p:cNvPr id="12" name="TextBox 11">
+            <a:extLst>
+              <a:ext uri="{FF2B5EF4-FFF2-40B4-BE49-F238E27FC236}">
+                <a16:creationId xmlns:a16="http://schemas.microsoft.com/office/drawing/2014/main" id="{09946554-B413-C242-AC1D-3D5AFCF10CCB}"/>
+              </a:ext>
+            </a:extLst>
+          </p:cNvPr>
+          <p:cNvSpPr txBox="1"/>
+          <p:nvPr/>
+        </p:nvSpPr>
+        <p:spPr>
+          <a:xfrm>
+            <a:off x="457200" y="1760593"/>
+            <a:ext cx="6324600" cy="369332"/>
+          </a:xfrm>
+          <a:prstGeom prst="rect">
+            <a:avLst/>
+          </a:prstGeom>
+          <a:noFill/>
+        </p:spPr>
+        <p:txBody>
+          <a:bodyPr wrap="square" rtlCol="0">
+            <a:spAutoFit/>
           </a:bodyPr>
           <a:lstStyle/>
           <a:p>
-            <a:pPr marL="0" indent="0" algn="l" rtl="0">
-              <a:buNone/>
-            </a:pPr>
-            <a:r>
-              <a:rPr lang="en-US" sz="2000" dirty="0"/>
-              <a:t>The next slides are a bit more advance.</a:t>
-            </a:r>
-          </a:p>
-          <a:p>
-            <a:pPr marL="0" indent="0" algn="l" rtl="0">
-              <a:buNone/>
-            </a:pPr>
-            <a:r>
-              <a:rPr lang="en-US" sz="2000" dirty="0"/>
-              <a:t>I encourage you to read them and ask about them, but they are not part of our course.</a:t>
-            </a:r>
-          </a:p>
-          <a:p>
-            <a:pPr marL="0" indent="0" algn="l" rtl="0">
-              <a:buNone/>
-            </a:pPr>
-            <a:endParaRPr lang="en-US" sz="2000" dirty="0"/>
+            <a:r>
+              <a:rPr lang="en-IL" dirty="0"/>
+              <a:t>What is the output?</a:t>
+            </a:r>
           </a:p>
         </p:txBody>
       </p:sp>
     </p:spTree>
     <p:extLst>
       <p:ext uri="{BB962C8B-B14F-4D97-AF65-F5344CB8AC3E}">
-        <p14:creationId xmlns:p14="http://schemas.microsoft.com/office/powerpoint/2010/main" val="915485839"/>
+        <p14:creationId xmlns:p14="http://schemas.microsoft.com/office/powerpoint/2010/main" val="3377479498"/>
       </p:ext>
     </p:extLst>
   </p:cSld>
@@ -10289,19 +10326,18 @@
           <a:lstStyle/>
           <a:p>
             <a:r>
-              <a:rPr lang="en-US" sz="4000" dirty="0"/>
-              <a:t>Template strings</a:t>
-            </a:r>
-            <a:endParaRPr lang="en-US" dirty="0"/>
-          </a:p>
-        </p:txBody>
-      </p:sp>
-      <p:sp>
-        <p:nvSpPr>
-          <p:cNvPr id="3" name="Content Placeholder 2">
+              <a:rPr lang="en-US" dirty="0"/>
+              <a:t>Promise</a:t>
+            </a:r>
+          </a:p>
+        </p:txBody>
+      </p:sp>
+      <p:sp>
+        <p:nvSpPr>
+          <p:cNvPr id="4" name="Content Placeholder 3">
             <a:extLst>
               <a:ext uri="{FF2B5EF4-FFF2-40B4-BE49-F238E27FC236}">
-                <a16:creationId xmlns:a16="http://schemas.microsoft.com/office/drawing/2014/main" id="{3AB0ED87-3538-4957-875E-DEA297FEE413}"/>
+                <a16:creationId xmlns:a16="http://schemas.microsoft.com/office/drawing/2014/main" id="{FEFF9CAA-4FD4-E74B-B1BE-3E6124087661}"/>
               </a:ext>
             </a:extLst>
           </p:cNvPr>
@@ -10319,76 +10355,72 @@
           </a:bodyPr>
           <a:lstStyle/>
           <a:p>
-            <a:pPr algn="l" rtl="0"/>
+            <a:pPr marL="0" indent="0" algn="l" rtl="0" eaLnBrk="1" latinLnBrk="0" hangingPunct="1">
+              <a:spcBef>
+                <a:spcPts val="600"/>
+              </a:spcBef>
+              <a:buClr>
+                <a:schemeClr val="tx2"/>
+              </a:buClr>
+              <a:buSzPct val="73000"/>
+              <a:buNone/>
+            </a:pPr>
+            <a:r>
+              <a:rPr lang="en-IL" sz="2000" dirty="0"/>
+              <a:t>Output result - </a:t>
+            </a:r>
+          </a:p>
+          <a:p>
+            <a:pPr marL="274320" indent="-274320" algn="l" rtl="0" eaLnBrk="1" latinLnBrk="0" hangingPunct="1">
+              <a:spcBef>
+                <a:spcPts val="600"/>
+              </a:spcBef>
+              <a:buClr>
+                <a:schemeClr val="tx2"/>
+              </a:buClr>
+              <a:buSzPct val="73000"/>
+              <a:buFont typeface="Wingdings 2"/>
+              <a:buChar char=""/>
+            </a:pPr>
+            <a:endParaRPr lang="en-IL" sz="2000" dirty="0"/>
+          </a:p>
+          <a:p>
+            <a:pPr marL="0" indent="0" algn="l" rtl="0">
+              <a:buNone/>
+            </a:pPr>
             <a:r>
               <a:rPr lang="en-US" sz="2000" dirty="0"/>
-              <a:t>Tagged Templates</a:t>
-            </a:r>
-          </a:p>
-          <a:p>
-            <a:pPr algn="l" rtl="0">
-              <a:buFont typeface="Wingdings" panose="05000000000000000000" pitchFamily="2" charset="2"/>
-              <a:buChar char="Ø"/>
-            </a:pPr>
-            <a:r>
+              <a:t>1. "inside the promise body" </a:t>
+            </a:r>
+            <a:br>
               <a:rPr lang="en-US" sz="2000" dirty="0"/>
-              <a:t>You can place a function (called a </a:t>
-            </a:r>
-            <a:r>
-              <a:rPr lang="en-US" sz="2000" b="1" dirty="0"/>
-              <a:t>tag</a:t>
-            </a:r>
+            </a:br>
+            <a:endParaRPr lang="en-US" sz="2000" dirty="0"/>
+          </a:p>
+          <a:p>
+            <a:pPr marL="0" indent="0" algn="l" rtl="0">
+              <a:buNone/>
+            </a:pPr>
             <a:r>
               <a:rPr lang="en-US" sz="2000" dirty="0"/>
-              <a:t>) before the template string and it gets the opportunity to pre process the template string literals plus the values of all the placeholder expressions and return a result.</a:t>
-            </a:r>
-          </a:p>
-          <a:p>
-            <a:pPr algn="l" rtl="0">
-              <a:buFont typeface="Wingdings" panose="05000000000000000000" pitchFamily="2" charset="2"/>
-              <a:buChar char="Ø"/>
-            </a:pPr>
+              <a:t>2. { "name": "test", "</a:t>
+            </a:r>
+            <a:r>
+              <a:rPr lang="en-US" sz="2000" dirty="0" err="1"/>
+              <a:t>lastName</a:t>
+            </a:r>
             <a:r>
               <a:rPr lang="en-US" sz="2000" dirty="0"/>
-              <a:t>Tags allow you to parse template literals with a function.</a:t>
-            </a:r>
-          </a:p>
-          <a:p>
-            <a:pPr algn="l" rtl="0">
-              <a:buFont typeface="Wingdings" panose="05000000000000000000" pitchFamily="2" charset="2"/>
-              <a:buChar char="Ø"/>
-            </a:pPr>
-            <a:r>
-              <a:rPr lang="en-US" sz="2000" dirty="0"/>
-              <a:t>The first argument of a tag function contains an array of string values. </a:t>
-            </a:r>
-          </a:p>
-          <a:p>
-            <a:pPr algn="l" rtl="0">
-              <a:buFont typeface="Wingdings" panose="05000000000000000000" pitchFamily="2" charset="2"/>
-              <a:buChar char="Ø"/>
-            </a:pPr>
-            <a:r>
-              <a:rPr lang="en-US" sz="2000" dirty="0"/>
-              <a:t>The remaining arguments are related to the expressions. </a:t>
-            </a:r>
-          </a:p>
-          <a:p>
-            <a:pPr algn="l" rtl="0">
-              <a:buFont typeface="Wingdings" panose="05000000000000000000" pitchFamily="2" charset="2"/>
-              <a:buChar char="Ø"/>
-            </a:pPr>
-            <a:r>
-              <a:rPr lang="en-US" sz="2000" dirty="0"/>
-              <a:t>In the end, your function can return your manipulated string or it can return something completely different.</a:t>
-            </a:r>
+              <a:t>": "last name test" } </a:t>
+            </a:r>
+            <a:endParaRPr lang="en-IL" sz="2000" dirty="0"/>
           </a:p>
         </p:txBody>
       </p:sp>
     </p:spTree>
     <p:extLst>
       <p:ext uri="{BB962C8B-B14F-4D97-AF65-F5344CB8AC3E}">
-        <p14:creationId xmlns:p14="http://schemas.microsoft.com/office/powerpoint/2010/main" val="3607536666"/>
+        <p14:creationId xmlns:p14="http://schemas.microsoft.com/office/powerpoint/2010/main" val="1831220368"/>
       </p:ext>
     </p:extLst>
   </p:cSld>
@@ -10439,31 +10471,66 @@
           <a:lstStyle/>
           <a:p>
             <a:r>
-              <a:rPr lang="en-US" sz="4000" dirty="0"/>
-              <a:t>Template strings</a:t>
-            </a:r>
-            <a:endParaRPr lang="en-US" dirty="0"/>
+              <a:rPr lang="en-US" dirty="0"/>
+              <a:t>Promise</a:t>
+            </a:r>
+          </a:p>
+        </p:txBody>
+      </p:sp>
+      <p:sp>
+        <p:nvSpPr>
+          <p:cNvPr id="4" name="Content Placeholder 3">
+            <a:extLst>
+              <a:ext uri="{FF2B5EF4-FFF2-40B4-BE49-F238E27FC236}">
+                <a16:creationId xmlns:a16="http://schemas.microsoft.com/office/drawing/2014/main" id="{FEFF9CAA-4FD4-E74B-B1BE-3E6124087661}"/>
+              </a:ext>
+            </a:extLst>
+          </p:cNvPr>
+          <p:cNvSpPr>
+            <a:spLocks noGrp="1"/>
+          </p:cNvSpPr>
+          <p:nvPr>
+            <p:ph idx="1"/>
+          </p:nvPr>
+        </p:nvSpPr>
+        <p:spPr/>
+        <p:txBody>
+          <a:bodyPr/>
+          <a:lstStyle/>
+          <a:p>
+            <a:pPr marL="0" indent="0" algn="l" rtl="0" eaLnBrk="1" latinLnBrk="0" hangingPunct="1">
+              <a:spcBef>
+                <a:spcPts val="600"/>
+              </a:spcBef>
+              <a:buClr>
+                <a:schemeClr val="tx2"/>
+              </a:buClr>
+              <a:buSzPct val="73000"/>
+              <a:buNone/>
+            </a:pPr>
+            <a:r>
+              <a:rPr lang="en-IL" dirty="0"/>
+              <a:t>What is the output ?</a:t>
+            </a:r>
           </a:p>
         </p:txBody>
       </p:sp>
       <p:pic>
         <p:nvPicPr>
-          <p:cNvPr id="5" name="Content Placeholder 4" descr="A screenshot of a cell phone&#10;&#10;Description generated with very high confidence">
+          <p:cNvPr id="6" name="Picture 5" descr="Text&#10;&#10;Description automatically generated">
             <a:extLst>
               <a:ext uri="{FF2B5EF4-FFF2-40B4-BE49-F238E27FC236}">
-                <a16:creationId xmlns:a16="http://schemas.microsoft.com/office/drawing/2014/main" id="{8ABC9A22-ABCC-4FBF-85A0-6908BC461883}"/>
+                <a16:creationId xmlns:a16="http://schemas.microsoft.com/office/drawing/2014/main" id="{7BF1FB79-6DE5-1948-B48E-0FD84E58CEA7}"/>
               </a:ext>
             </a:extLst>
           </p:cNvPr>
           <p:cNvPicPr>
-            <a:picLocks noGrp="1" noChangeAspect="1"/>
+            <a:picLocks noChangeAspect="1"/>
           </p:cNvPicPr>
-          <p:nvPr>
-            <p:ph idx="1"/>
-          </p:nvPr>
+          <p:nvPr/>
         </p:nvPicPr>
         <p:blipFill>
-          <a:blip r:embed="rId2" cstate="print">
+          <a:blip r:embed="rId2">
             <a:extLst>
               <a:ext uri="{28A0092B-C50C-407E-A947-70E740481C1C}">
                 <a14:useLocalDpi xmlns:a14="http://schemas.microsoft.com/office/drawing/2010/main" val="0"/>
@@ -10476,56 +10543,18 @@
         </p:blipFill>
         <p:spPr>
           <a:xfrm>
-            <a:off x="533400" y="1752600"/>
-            <a:ext cx="6881456" cy="2987299"/>
-          </a:xfrm>
-        </p:spPr>
-      </p:pic>
-      <p:sp>
-        <p:nvSpPr>
-          <p:cNvPr id="6" name="Rectangle 5">
-            <a:extLst>
-              <a:ext uri="{FF2B5EF4-FFF2-40B4-BE49-F238E27FC236}">
-                <a16:creationId xmlns:a16="http://schemas.microsoft.com/office/drawing/2014/main" id="{A282A978-4FEE-4CB8-B9D7-06D85291FFAA}"/>
-              </a:ext>
-            </a:extLst>
-          </p:cNvPr>
-          <p:cNvSpPr/>
-          <p:nvPr/>
-        </p:nvSpPr>
-        <p:spPr>
-          <a:xfrm>
-            <a:off x="533400" y="5105400"/>
-            <a:ext cx="4724400" cy="369332"/>
+            <a:off x="483476" y="2209800"/>
+            <a:ext cx="6132786" cy="4506781"/>
           </a:xfrm>
           <a:prstGeom prst="rect">
             <a:avLst/>
           </a:prstGeom>
         </p:spPr>
-        <p:txBody>
-          <a:bodyPr wrap="square">
-            <a:spAutoFit/>
-          </a:bodyPr>
-          <a:lstStyle/>
-          <a:p>
-            <a:r>
-              <a:rPr lang="en-US" dirty="0"/>
-              <a:t>Check out some real life uses </a:t>
-            </a:r>
-            <a:r>
-              <a:rPr lang="en-US" dirty="0">
-                <a:hlinkClick r:id="rId3"/>
-              </a:rPr>
-              <a:t>here</a:t>
-            </a:r>
-            <a:endParaRPr lang="he-IL" dirty="0"/>
-          </a:p>
-        </p:txBody>
-      </p:sp>
+      </p:pic>
     </p:spTree>
     <p:extLst>
       <p:ext uri="{BB962C8B-B14F-4D97-AF65-F5344CB8AC3E}">
-        <p14:creationId xmlns:p14="http://schemas.microsoft.com/office/powerpoint/2010/main" val="615500950"/>
+        <p14:creationId xmlns:p14="http://schemas.microsoft.com/office/powerpoint/2010/main" val="2952097402"/>
       </p:ext>
     </p:extLst>
   </p:cSld>
@@ -10717,6 +10746,2030 @@
       </p:grpSpPr>
       <p:sp>
         <p:nvSpPr>
+          <p:cNvPr id="2" name="Title 1">
+            <a:extLst>
+              <a:ext uri="{FF2B5EF4-FFF2-40B4-BE49-F238E27FC236}">
+                <a16:creationId xmlns:a16="http://schemas.microsoft.com/office/drawing/2014/main" id="{562C69D3-72AE-4D1A-903B-15355CAC6E81}"/>
+              </a:ext>
+            </a:extLst>
+          </p:cNvPr>
+          <p:cNvSpPr>
+            <a:spLocks noGrp="1"/>
+          </p:cNvSpPr>
+          <p:nvPr>
+            <p:ph type="title"/>
+          </p:nvPr>
+        </p:nvSpPr>
+        <p:spPr/>
+        <p:txBody>
+          <a:bodyPr>
+            <a:normAutofit/>
+          </a:bodyPr>
+          <a:lstStyle/>
+          <a:p>
+            <a:r>
+              <a:rPr lang="en-US" dirty="0"/>
+              <a:t>Promise</a:t>
+            </a:r>
+          </a:p>
+        </p:txBody>
+      </p:sp>
+      <p:sp>
+        <p:nvSpPr>
+          <p:cNvPr id="4" name="Content Placeholder 3">
+            <a:extLst>
+              <a:ext uri="{FF2B5EF4-FFF2-40B4-BE49-F238E27FC236}">
+                <a16:creationId xmlns:a16="http://schemas.microsoft.com/office/drawing/2014/main" id="{FEFF9CAA-4FD4-E74B-B1BE-3E6124087661}"/>
+              </a:ext>
+            </a:extLst>
+          </p:cNvPr>
+          <p:cNvSpPr>
+            <a:spLocks noGrp="1"/>
+          </p:cNvSpPr>
+          <p:nvPr>
+            <p:ph idx="1"/>
+          </p:nvPr>
+        </p:nvSpPr>
+        <p:spPr/>
+        <p:txBody>
+          <a:bodyPr>
+            <a:normAutofit/>
+          </a:bodyPr>
+          <a:lstStyle/>
+          <a:p>
+            <a:pPr marL="0" indent="0" algn="l" rtl="0">
+              <a:buNone/>
+            </a:pPr>
+            <a:r>
+              <a:rPr lang="en-IL" sz="2000" dirty="0"/>
+              <a:t>Output result – </a:t>
+            </a:r>
+          </a:p>
+          <a:p>
+            <a:pPr marL="0" indent="0" algn="l" rtl="0">
+              <a:buNone/>
+            </a:pPr>
+            <a:endParaRPr lang="en-US" sz="2000" dirty="0"/>
+          </a:p>
+          <a:p>
+            <a:pPr marL="0" indent="0" algn="l" rtl="0">
+              <a:buNone/>
+            </a:pPr>
+            <a:r>
+              <a:rPr lang="en-US" sz="2000" dirty="0"/>
+              <a:t>1. "inside the promise body" </a:t>
+            </a:r>
+          </a:p>
+          <a:p>
+            <a:pPr marL="0" indent="0" algn="l" rtl="0">
+              <a:buNone/>
+            </a:pPr>
+            <a:br>
+              <a:rPr lang="en-US" sz="2000" dirty="0"/>
+            </a:br>
+            <a:r>
+              <a:rPr lang="en-US" sz="2000" dirty="0"/>
+              <a:t>2. { "name": "test", "</a:t>
+            </a:r>
+            <a:r>
+              <a:rPr lang="en-US" sz="2000" dirty="0" err="1"/>
+              <a:t>lastName</a:t>
+            </a:r>
+            <a:r>
+              <a:rPr lang="en-US" sz="2000" dirty="0"/>
+              <a:t>": "last name test" } </a:t>
+            </a:r>
+            <a:br>
+              <a:rPr lang="en-US" sz="2000" dirty="0"/>
+            </a:br>
+            <a:endParaRPr lang="en-US" sz="2000" dirty="0"/>
+          </a:p>
+          <a:p>
+            <a:pPr marL="0" indent="0" algn="l" rtl="0">
+              <a:buNone/>
+            </a:pPr>
+            <a:r>
+              <a:rPr lang="en-US" sz="2000" dirty="0"/>
+              <a:t>3. { "name": "test", "</a:t>
+            </a:r>
+            <a:r>
+              <a:rPr lang="en-US" sz="2000" dirty="0" err="1"/>
+              <a:t>lastName</a:t>
+            </a:r>
+            <a:r>
+              <a:rPr lang="en-US" sz="2000" dirty="0"/>
+              <a:t>": "last name test" } </a:t>
+            </a:r>
+            <a:endParaRPr lang="en-IL" sz="2000" dirty="0"/>
+          </a:p>
+        </p:txBody>
+      </p:sp>
+    </p:spTree>
+    <p:extLst>
+      <p:ext uri="{BB962C8B-B14F-4D97-AF65-F5344CB8AC3E}">
+        <p14:creationId xmlns:p14="http://schemas.microsoft.com/office/powerpoint/2010/main" val="3284699695"/>
+      </p:ext>
+    </p:extLst>
+  </p:cSld>
+  <p:clrMapOvr>
+    <a:masterClrMapping/>
+  </p:clrMapOvr>
+</p:sld>
+</file>
+
+<file path=ppt/slides/slide51.xml><?xml version="1.0" encoding="utf-8"?>
+<p:sld xmlns:a="http://schemas.openxmlformats.org/drawingml/2006/main" xmlns:r="http://schemas.openxmlformats.org/officeDocument/2006/relationships" xmlns:p="http://schemas.openxmlformats.org/presentationml/2006/main">
+  <p:cSld>
+    <p:spTree>
+      <p:nvGrpSpPr>
+        <p:cNvPr id="1" name=""/>
+        <p:cNvGrpSpPr/>
+        <p:nvPr/>
+      </p:nvGrpSpPr>
+      <p:grpSpPr>
+        <a:xfrm>
+          <a:off x="0" y="0"/>
+          <a:ext cx="0" cy="0"/>
+          <a:chOff x="0" y="0"/>
+          <a:chExt cx="0" cy="0"/>
+        </a:xfrm>
+      </p:grpSpPr>
+      <p:sp>
+        <p:nvSpPr>
+          <p:cNvPr id="2" name="Title 1">
+            <a:extLst>
+              <a:ext uri="{FF2B5EF4-FFF2-40B4-BE49-F238E27FC236}">
+                <a16:creationId xmlns:a16="http://schemas.microsoft.com/office/drawing/2014/main" id="{562C69D3-72AE-4D1A-903B-15355CAC6E81}"/>
+              </a:ext>
+            </a:extLst>
+          </p:cNvPr>
+          <p:cNvSpPr>
+            <a:spLocks noGrp="1"/>
+          </p:cNvSpPr>
+          <p:nvPr>
+            <p:ph type="title"/>
+          </p:nvPr>
+        </p:nvSpPr>
+        <p:spPr/>
+        <p:txBody>
+          <a:bodyPr>
+            <a:normAutofit/>
+          </a:bodyPr>
+          <a:lstStyle/>
+          <a:p>
+            <a:r>
+              <a:rPr lang="en-US" dirty="0"/>
+              <a:t>Promise</a:t>
+            </a:r>
+          </a:p>
+        </p:txBody>
+      </p:sp>
+      <p:sp>
+        <p:nvSpPr>
+          <p:cNvPr id="4" name="Content Placeholder 3">
+            <a:extLst>
+              <a:ext uri="{FF2B5EF4-FFF2-40B4-BE49-F238E27FC236}">
+                <a16:creationId xmlns:a16="http://schemas.microsoft.com/office/drawing/2014/main" id="{FEFF9CAA-4FD4-E74B-B1BE-3E6124087661}"/>
+              </a:ext>
+            </a:extLst>
+          </p:cNvPr>
+          <p:cNvSpPr>
+            <a:spLocks noGrp="1"/>
+          </p:cNvSpPr>
+          <p:nvPr>
+            <p:ph idx="1"/>
+          </p:nvPr>
+        </p:nvSpPr>
+        <p:spPr/>
+        <p:txBody>
+          <a:bodyPr>
+            <a:normAutofit/>
+          </a:bodyPr>
+          <a:lstStyle/>
+          <a:p>
+            <a:pPr marL="0" indent="0" algn="l" rtl="0">
+              <a:buNone/>
+            </a:pPr>
+            <a:r>
+              <a:rPr lang="en-IL" sz="2000" dirty="0"/>
+              <a:t>What is the output ?</a:t>
+            </a:r>
+          </a:p>
+          <a:p>
+            <a:pPr marL="0" indent="0" algn="l" rtl="0">
+              <a:buNone/>
+            </a:pPr>
+            <a:endParaRPr lang="en-US" sz="2000" dirty="0"/>
+          </a:p>
+        </p:txBody>
+      </p:sp>
+      <p:pic>
+        <p:nvPicPr>
+          <p:cNvPr id="5" name="Picture 4" descr="Text&#10;&#10;Description automatically generated">
+            <a:extLst>
+              <a:ext uri="{FF2B5EF4-FFF2-40B4-BE49-F238E27FC236}">
+                <a16:creationId xmlns:a16="http://schemas.microsoft.com/office/drawing/2014/main" id="{9D7D2645-7D09-3540-8A3C-233B485C57B5}"/>
+              </a:ext>
+            </a:extLst>
+          </p:cNvPr>
+          <p:cNvPicPr>
+            <a:picLocks noChangeAspect="1"/>
+          </p:cNvPicPr>
+          <p:nvPr/>
+        </p:nvPicPr>
+        <p:blipFill>
+          <a:blip r:embed="rId2">
+            <a:extLst>
+              <a:ext uri="{28A0092B-C50C-407E-A947-70E740481C1C}">
+                <a14:useLocalDpi xmlns:a14="http://schemas.microsoft.com/office/drawing/2010/main" val="0"/>
+              </a:ext>
+            </a:extLst>
+          </a:blip>
+          <a:stretch>
+            <a:fillRect/>
+          </a:stretch>
+        </p:blipFill>
+        <p:spPr>
+          <a:xfrm>
+            <a:off x="457200" y="2286000"/>
+            <a:ext cx="5410200" cy="4039789"/>
+          </a:xfrm>
+          <a:prstGeom prst="rect">
+            <a:avLst/>
+          </a:prstGeom>
+        </p:spPr>
+      </p:pic>
+    </p:spTree>
+    <p:extLst>
+      <p:ext uri="{BB962C8B-B14F-4D97-AF65-F5344CB8AC3E}">
+        <p14:creationId xmlns:p14="http://schemas.microsoft.com/office/powerpoint/2010/main" val="2589083921"/>
+      </p:ext>
+    </p:extLst>
+  </p:cSld>
+  <p:clrMapOvr>
+    <a:masterClrMapping/>
+  </p:clrMapOvr>
+</p:sld>
+</file>
+
+<file path=ppt/slides/slide52.xml><?xml version="1.0" encoding="utf-8"?>
+<p:sld xmlns:a="http://schemas.openxmlformats.org/drawingml/2006/main" xmlns:r="http://schemas.openxmlformats.org/officeDocument/2006/relationships" xmlns:p="http://schemas.openxmlformats.org/presentationml/2006/main">
+  <p:cSld>
+    <p:spTree>
+      <p:nvGrpSpPr>
+        <p:cNvPr id="1" name=""/>
+        <p:cNvGrpSpPr/>
+        <p:nvPr/>
+      </p:nvGrpSpPr>
+      <p:grpSpPr>
+        <a:xfrm>
+          <a:off x="0" y="0"/>
+          <a:ext cx="0" cy="0"/>
+          <a:chOff x="0" y="0"/>
+          <a:chExt cx="0" cy="0"/>
+        </a:xfrm>
+      </p:grpSpPr>
+      <p:sp>
+        <p:nvSpPr>
+          <p:cNvPr id="2" name="Title 1">
+            <a:extLst>
+              <a:ext uri="{FF2B5EF4-FFF2-40B4-BE49-F238E27FC236}">
+                <a16:creationId xmlns:a16="http://schemas.microsoft.com/office/drawing/2014/main" id="{562C69D3-72AE-4D1A-903B-15355CAC6E81}"/>
+              </a:ext>
+            </a:extLst>
+          </p:cNvPr>
+          <p:cNvSpPr>
+            <a:spLocks noGrp="1"/>
+          </p:cNvSpPr>
+          <p:nvPr>
+            <p:ph type="title"/>
+          </p:nvPr>
+        </p:nvSpPr>
+        <p:spPr/>
+        <p:txBody>
+          <a:bodyPr>
+            <a:normAutofit/>
+          </a:bodyPr>
+          <a:lstStyle/>
+          <a:p>
+            <a:r>
+              <a:rPr lang="en-US" dirty="0"/>
+              <a:t>Promise</a:t>
+            </a:r>
+          </a:p>
+        </p:txBody>
+      </p:sp>
+      <p:sp>
+        <p:nvSpPr>
+          <p:cNvPr id="4" name="Content Placeholder 3">
+            <a:extLst>
+              <a:ext uri="{FF2B5EF4-FFF2-40B4-BE49-F238E27FC236}">
+                <a16:creationId xmlns:a16="http://schemas.microsoft.com/office/drawing/2014/main" id="{FEFF9CAA-4FD4-E74B-B1BE-3E6124087661}"/>
+              </a:ext>
+            </a:extLst>
+          </p:cNvPr>
+          <p:cNvSpPr>
+            <a:spLocks noGrp="1"/>
+          </p:cNvSpPr>
+          <p:nvPr>
+            <p:ph idx="1"/>
+          </p:nvPr>
+        </p:nvSpPr>
+        <p:spPr/>
+        <p:txBody>
+          <a:bodyPr>
+            <a:normAutofit/>
+          </a:bodyPr>
+          <a:lstStyle/>
+          <a:p>
+            <a:pPr marL="0" indent="0" algn="l" rtl="0">
+              <a:buNone/>
+            </a:pPr>
+            <a:r>
+              <a:rPr lang="en-US" sz="2000" dirty="0"/>
+              <a:t>1. "inside the promise body”</a:t>
+            </a:r>
+          </a:p>
+          <a:p>
+            <a:pPr marL="0" indent="0" algn="l" rtl="0">
+              <a:buNone/>
+            </a:pPr>
+            <a:br>
+              <a:rPr lang="en-US" sz="2000" dirty="0"/>
+            </a:br>
+            <a:r>
+              <a:rPr lang="en-US" sz="2000" dirty="0"/>
+              <a:t>2. "inside first then{"name":"test","</a:t>
+            </a:r>
+            <a:r>
+              <a:rPr lang="en-US" sz="2000" dirty="0" err="1"/>
+              <a:t>lastName</a:t>
+            </a:r>
+            <a:r>
+              <a:rPr lang="en-US" sz="2000" dirty="0"/>
+              <a:t>":"last name test"}" </a:t>
+            </a:r>
+          </a:p>
+          <a:p>
+            <a:pPr marL="0" indent="0" algn="l" rtl="0">
+              <a:buNone/>
+            </a:pPr>
+            <a:br>
+              <a:rPr lang="en-US" sz="2000" dirty="0"/>
+            </a:br>
+            <a:r>
+              <a:rPr lang="en-US" sz="2000" dirty="0"/>
+              <a:t>3. custom error </a:t>
+            </a:r>
+          </a:p>
+          <a:p>
+            <a:pPr marL="0" indent="0" algn="l" rtl="0">
+              <a:buNone/>
+            </a:pPr>
+            <a:br>
+              <a:rPr lang="en-US" sz="2000" dirty="0"/>
+            </a:br>
+            <a:r>
+              <a:rPr lang="en-US" sz="2000" dirty="0"/>
+              <a:t>4. custom error </a:t>
+            </a:r>
+          </a:p>
+        </p:txBody>
+      </p:sp>
+    </p:spTree>
+    <p:extLst>
+      <p:ext uri="{BB962C8B-B14F-4D97-AF65-F5344CB8AC3E}">
+        <p14:creationId xmlns:p14="http://schemas.microsoft.com/office/powerpoint/2010/main" val="3996976618"/>
+      </p:ext>
+    </p:extLst>
+  </p:cSld>
+  <p:clrMapOvr>
+    <a:masterClrMapping/>
+  </p:clrMapOvr>
+</p:sld>
+</file>
+
+<file path=ppt/slides/slide53.xml><?xml version="1.0" encoding="utf-8"?>
+<p:sld xmlns:a="http://schemas.openxmlformats.org/drawingml/2006/main" xmlns:r="http://schemas.openxmlformats.org/officeDocument/2006/relationships" xmlns:p="http://schemas.openxmlformats.org/presentationml/2006/main">
+  <p:cSld>
+    <p:spTree>
+      <p:nvGrpSpPr>
+        <p:cNvPr id="1" name=""/>
+        <p:cNvGrpSpPr/>
+        <p:nvPr/>
+      </p:nvGrpSpPr>
+      <p:grpSpPr>
+        <a:xfrm>
+          <a:off x="0" y="0"/>
+          <a:ext cx="0" cy="0"/>
+          <a:chOff x="0" y="0"/>
+          <a:chExt cx="0" cy="0"/>
+        </a:xfrm>
+      </p:grpSpPr>
+      <p:sp>
+        <p:nvSpPr>
+          <p:cNvPr id="2" name="Title 1">
+            <a:extLst>
+              <a:ext uri="{FF2B5EF4-FFF2-40B4-BE49-F238E27FC236}">
+                <a16:creationId xmlns:a16="http://schemas.microsoft.com/office/drawing/2014/main" id="{562C69D3-72AE-4D1A-903B-15355CAC6E81}"/>
+              </a:ext>
+            </a:extLst>
+          </p:cNvPr>
+          <p:cNvSpPr>
+            <a:spLocks noGrp="1"/>
+          </p:cNvSpPr>
+          <p:nvPr>
+            <p:ph type="title"/>
+          </p:nvPr>
+        </p:nvSpPr>
+        <p:spPr/>
+        <p:txBody>
+          <a:bodyPr>
+            <a:normAutofit/>
+          </a:bodyPr>
+          <a:lstStyle/>
+          <a:p>
+            <a:r>
+              <a:rPr lang="en-US" sz="4000" dirty="0"/>
+              <a:t>Promise</a:t>
+            </a:r>
+            <a:endParaRPr lang="en-US" dirty="0"/>
+          </a:p>
+        </p:txBody>
+      </p:sp>
+      <p:sp>
+        <p:nvSpPr>
+          <p:cNvPr id="3" name="Content Placeholder 2">
+            <a:extLst>
+              <a:ext uri="{FF2B5EF4-FFF2-40B4-BE49-F238E27FC236}">
+                <a16:creationId xmlns:a16="http://schemas.microsoft.com/office/drawing/2014/main" id="{3AB0ED87-3538-4957-875E-DEA297FEE413}"/>
+              </a:ext>
+            </a:extLst>
+          </p:cNvPr>
+          <p:cNvSpPr>
+            <a:spLocks noGrp="1"/>
+          </p:cNvSpPr>
+          <p:nvPr>
+            <p:ph idx="1"/>
+          </p:nvPr>
+        </p:nvSpPr>
+        <p:spPr/>
+        <p:txBody>
+          <a:bodyPr>
+            <a:normAutofit/>
+          </a:bodyPr>
+          <a:lstStyle/>
+          <a:p>
+            <a:pPr marL="0" indent="0" algn="l" rtl="0">
+              <a:buNone/>
+            </a:pPr>
+            <a:endParaRPr lang="en-US" sz="2000" dirty="0"/>
+          </a:p>
+        </p:txBody>
+      </p:sp>
+      <p:pic>
+        <p:nvPicPr>
+          <p:cNvPr id="5" name="Picture 4" descr="Diagram&#10;&#10;Description automatically generated">
+            <a:extLst>
+              <a:ext uri="{FF2B5EF4-FFF2-40B4-BE49-F238E27FC236}">
+                <a16:creationId xmlns:a16="http://schemas.microsoft.com/office/drawing/2014/main" id="{514B1040-99BA-BF46-8BBC-BC8347D493D1}"/>
+              </a:ext>
+            </a:extLst>
+          </p:cNvPr>
+          <p:cNvPicPr>
+            <a:picLocks noChangeAspect="1"/>
+          </p:cNvPicPr>
+          <p:nvPr/>
+        </p:nvPicPr>
+        <p:blipFill>
+          <a:blip r:embed="rId2">
+            <a:extLst>
+              <a:ext uri="{28A0092B-C50C-407E-A947-70E740481C1C}">
+                <a14:useLocalDpi xmlns:a14="http://schemas.microsoft.com/office/drawing/2010/main" val="0"/>
+              </a:ext>
+            </a:extLst>
+          </a:blip>
+          <a:stretch>
+            <a:fillRect/>
+          </a:stretch>
+        </p:blipFill>
+        <p:spPr>
+          <a:xfrm>
+            <a:off x="233417" y="1622554"/>
+            <a:ext cx="7594190" cy="3711446"/>
+          </a:xfrm>
+          <a:prstGeom prst="rect">
+            <a:avLst/>
+          </a:prstGeom>
+        </p:spPr>
+      </p:pic>
+    </p:spTree>
+    <p:extLst>
+      <p:ext uri="{BB962C8B-B14F-4D97-AF65-F5344CB8AC3E}">
+        <p14:creationId xmlns:p14="http://schemas.microsoft.com/office/powerpoint/2010/main" val="915485839"/>
+      </p:ext>
+    </p:extLst>
+  </p:cSld>
+  <p:clrMapOvr>
+    <a:masterClrMapping/>
+  </p:clrMapOvr>
+</p:sld>
+</file>
+
+<file path=ppt/slides/slide54.xml><?xml version="1.0" encoding="utf-8"?>
+<p:sld xmlns:a="http://schemas.openxmlformats.org/drawingml/2006/main" xmlns:r="http://schemas.openxmlformats.org/officeDocument/2006/relationships" xmlns:p="http://schemas.openxmlformats.org/presentationml/2006/main">
+  <p:cSld>
+    <p:spTree>
+      <p:nvGrpSpPr>
+        <p:cNvPr id="1" name=""/>
+        <p:cNvGrpSpPr/>
+        <p:nvPr/>
+      </p:nvGrpSpPr>
+      <p:grpSpPr>
+        <a:xfrm>
+          <a:off x="0" y="0"/>
+          <a:ext cx="0" cy="0"/>
+          <a:chOff x="0" y="0"/>
+          <a:chExt cx="0" cy="0"/>
+        </a:xfrm>
+      </p:grpSpPr>
+      <p:sp>
+        <p:nvSpPr>
+          <p:cNvPr id="2" name="Title 1">
+            <a:extLst>
+              <a:ext uri="{FF2B5EF4-FFF2-40B4-BE49-F238E27FC236}">
+                <a16:creationId xmlns:a16="http://schemas.microsoft.com/office/drawing/2014/main" id="{562C69D3-72AE-4D1A-903B-15355CAC6E81}"/>
+              </a:ext>
+            </a:extLst>
+          </p:cNvPr>
+          <p:cNvSpPr>
+            <a:spLocks noGrp="1"/>
+          </p:cNvSpPr>
+          <p:nvPr>
+            <p:ph type="title"/>
+          </p:nvPr>
+        </p:nvSpPr>
+        <p:spPr/>
+        <p:txBody>
+          <a:bodyPr>
+            <a:normAutofit/>
+          </a:bodyPr>
+          <a:lstStyle/>
+          <a:p>
+            <a:r>
+              <a:rPr lang="en-US" sz="4000" dirty="0"/>
+              <a:t>Async Await – key words</a:t>
+            </a:r>
+            <a:endParaRPr lang="en-US" dirty="0"/>
+          </a:p>
+        </p:txBody>
+      </p:sp>
+      <p:sp>
+        <p:nvSpPr>
+          <p:cNvPr id="3" name="Content Placeholder 2">
+            <a:extLst>
+              <a:ext uri="{FF2B5EF4-FFF2-40B4-BE49-F238E27FC236}">
+                <a16:creationId xmlns:a16="http://schemas.microsoft.com/office/drawing/2014/main" id="{3AB0ED87-3538-4957-875E-DEA297FEE413}"/>
+              </a:ext>
+            </a:extLst>
+          </p:cNvPr>
+          <p:cNvSpPr>
+            <a:spLocks noGrp="1"/>
+          </p:cNvSpPr>
+          <p:nvPr>
+            <p:ph idx="1"/>
+          </p:nvPr>
+        </p:nvSpPr>
+        <p:spPr/>
+        <p:txBody>
+          <a:bodyPr>
+            <a:normAutofit/>
+          </a:bodyPr>
+          <a:lstStyle/>
+          <a:p>
+            <a:pPr algn="l" rtl="0"/>
+            <a:r>
+              <a:rPr lang="en-US" sz="2000" dirty="0"/>
+              <a:t>Before we explain, lets have an example.</a:t>
+            </a:r>
+          </a:p>
+        </p:txBody>
+      </p:sp>
+      <p:pic>
+        <p:nvPicPr>
+          <p:cNvPr id="6" name="Picture 5" descr="Text&#10;&#10;Description automatically generated">
+            <a:extLst>
+              <a:ext uri="{FF2B5EF4-FFF2-40B4-BE49-F238E27FC236}">
+                <a16:creationId xmlns:a16="http://schemas.microsoft.com/office/drawing/2014/main" id="{F476DFAA-060F-C641-9B21-5DB1BEDBD5B8}"/>
+              </a:ext>
+            </a:extLst>
+          </p:cNvPr>
+          <p:cNvPicPr>
+            <a:picLocks noChangeAspect="1"/>
+          </p:cNvPicPr>
+          <p:nvPr/>
+        </p:nvPicPr>
+        <p:blipFill>
+          <a:blip r:embed="rId2">
+            <a:extLst>
+              <a:ext uri="{28A0092B-C50C-407E-A947-70E740481C1C}">
+                <a14:useLocalDpi xmlns:a14="http://schemas.microsoft.com/office/drawing/2010/main" val="0"/>
+              </a:ext>
+            </a:extLst>
+          </a:blip>
+          <a:stretch>
+            <a:fillRect/>
+          </a:stretch>
+        </p:blipFill>
+        <p:spPr>
+          <a:xfrm>
+            <a:off x="457200" y="2209800"/>
+            <a:ext cx="4025900" cy="4134708"/>
+          </a:xfrm>
+          <a:prstGeom prst="rect">
+            <a:avLst/>
+          </a:prstGeom>
+        </p:spPr>
+      </p:pic>
+      <p:sp>
+        <p:nvSpPr>
+          <p:cNvPr id="7" name="TextBox 6">
+            <a:extLst>
+              <a:ext uri="{FF2B5EF4-FFF2-40B4-BE49-F238E27FC236}">
+                <a16:creationId xmlns:a16="http://schemas.microsoft.com/office/drawing/2014/main" id="{8ECB367F-FCB5-7241-8AFC-04D6EBD8F6C7}"/>
+              </a:ext>
+            </a:extLst>
+          </p:cNvPr>
+          <p:cNvSpPr txBox="1"/>
+          <p:nvPr/>
+        </p:nvSpPr>
+        <p:spPr>
+          <a:xfrm>
+            <a:off x="4608566" y="2209800"/>
+            <a:ext cx="3544833" cy="5355312"/>
+          </a:xfrm>
+          <a:prstGeom prst="rect">
+            <a:avLst/>
+          </a:prstGeom>
+          <a:noFill/>
+        </p:spPr>
+        <p:txBody>
+          <a:bodyPr wrap="square" rtlCol="0">
+            <a:spAutoFit/>
+          </a:bodyPr>
+          <a:lstStyle/>
+          <a:p>
+            <a:pPr marL="285750" indent="-285750">
+              <a:buFont typeface="Arial" panose="020B0604020202020204" pitchFamily="34" charset="0"/>
+              <a:buChar char="•"/>
+            </a:pPr>
+            <a:endParaRPr lang="en-IL" dirty="0"/>
+          </a:p>
+          <a:p>
+            <a:pPr marL="285750" indent="-285750">
+              <a:buFont typeface="Arial" panose="020B0604020202020204" pitchFamily="34" charset="0"/>
+              <a:buChar char="•"/>
+            </a:pPr>
+            <a:endParaRPr lang="en-IL" dirty="0"/>
+          </a:p>
+          <a:p>
+            <a:pPr marL="285750" indent="-285750">
+              <a:buFont typeface="Arial" panose="020B0604020202020204" pitchFamily="34" charset="0"/>
+              <a:buChar char="•"/>
+            </a:pPr>
+            <a:endParaRPr lang="en-IL" dirty="0"/>
+          </a:p>
+          <a:p>
+            <a:pPr marL="285750" indent="-285750">
+              <a:buFont typeface="Arial" panose="020B0604020202020204" pitchFamily="34" charset="0"/>
+              <a:buChar char="•"/>
+            </a:pPr>
+            <a:endParaRPr lang="en-IL" dirty="0"/>
+          </a:p>
+          <a:p>
+            <a:r>
+              <a:rPr lang="en-IL" dirty="0"/>
+              <a:t>What is the return type of the function </a:t>
+            </a:r>
+            <a:r>
+              <a:rPr lang="en-IL" i="1" dirty="0"/>
+              <a:t>getUserData ?</a:t>
+            </a:r>
+          </a:p>
+          <a:p>
+            <a:endParaRPr lang="en-IL" i="1" dirty="0"/>
+          </a:p>
+          <a:p>
+            <a:endParaRPr lang="en-IL" i="1" dirty="0"/>
+          </a:p>
+          <a:p>
+            <a:endParaRPr lang="en-IL" i="1" dirty="0"/>
+          </a:p>
+          <a:p>
+            <a:endParaRPr lang="en-IL" i="1" dirty="0"/>
+          </a:p>
+          <a:p>
+            <a:endParaRPr lang="en-IL" i="1" dirty="0"/>
+          </a:p>
+          <a:p>
+            <a:endParaRPr lang="en-IL" i="1" dirty="0"/>
+          </a:p>
+          <a:p>
+            <a:endParaRPr lang="en-IL" i="1" dirty="0"/>
+          </a:p>
+          <a:p>
+            <a:endParaRPr lang="en-IL" i="1" dirty="0"/>
+          </a:p>
+          <a:p>
+            <a:endParaRPr lang="en-IL" i="1" dirty="0"/>
+          </a:p>
+          <a:p>
+            <a:endParaRPr lang="en-IL" i="1" dirty="0"/>
+          </a:p>
+          <a:p>
+            <a:endParaRPr lang="en-IL" i="1" dirty="0"/>
+          </a:p>
+          <a:p>
+            <a:endParaRPr lang="en-IL" i="1" dirty="0"/>
+          </a:p>
+          <a:p>
+            <a:endParaRPr lang="en-IL" dirty="0"/>
+          </a:p>
+        </p:txBody>
+      </p:sp>
+    </p:spTree>
+    <p:extLst>
+      <p:ext uri="{BB962C8B-B14F-4D97-AF65-F5344CB8AC3E}">
+        <p14:creationId xmlns:p14="http://schemas.microsoft.com/office/powerpoint/2010/main" val="322397430"/>
+      </p:ext>
+    </p:extLst>
+  </p:cSld>
+  <p:clrMapOvr>
+    <a:masterClrMapping/>
+  </p:clrMapOvr>
+</p:sld>
+</file>
+
+<file path=ppt/slides/slide55.xml><?xml version="1.0" encoding="utf-8"?>
+<p:sld xmlns:a="http://schemas.openxmlformats.org/drawingml/2006/main" xmlns:r="http://schemas.openxmlformats.org/officeDocument/2006/relationships" xmlns:p="http://schemas.openxmlformats.org/presentationml/2006/main">
+  <p:cSld>
+    <p:spTree>
+      <p:nvGrpSpPr>
+        <p:cNvPr id="1" name=""/>
+        <p:cNvGrpSpPr/>
+        <p:nvPr/>
+      </p:nvGrpSpPr>
+      <p:grpSpPr>
+        <a:xfrm>
+          <a:off x="0" y="0"/>
+          <a:ext cx="0" cy="0"/>
+          <a:chOff x="0" y="0"/>
+          <a:chExt cx="0" cy="0"/>
+        </a:xfrm>
+      </p:grpSpPr>
+      <p:sp>
+        <p:nvSpPr>
+          <p:cNvPr id="2" name="Title 1">
+            <a:extLst>
+              <a:ext uri="{FF2B5EF4-FFF2-40B4-BE49-F238E27FC236}">
+                <a16:creationId xmlns:a16="http://schemas.microsoft.com/office/drawing/2014/main" id="{562C69D3-72AE-4D1A-903B-15355CAC6E81}"/>
+              </a:ext>
+            </a:extLst>
+          </p:cNvPr>
+          <p:cNvSpPr>
+            <a:spLocks noGrp="1"/>
+          </p:cNvSpPr>
+          <p:nvPr>
+            <p:ph type="title"/>
+          </p:nvPr>
+        </p:nvSpPr>
+        <p:spPr/>
+        <p:txBody>
+          <a:bodyPr>
+            <a:normAutofit/>
+          </a:bodyPr>
+          <a:lstStyle/>
+          <a:p>
+            <a:r>
+              <a:rPr lang="en-US" sz="4000" dirty="0"/>
+              <a:t>Async Await – key words</a:t>
+            </a:r>
+            <a:endParaRPr lang="en-US" dirty="0"/>
+          </a:p>
+        </p:txBody>
+      </p:sp>
+      <p:sp>
+        <p:nvSpPr>
+          <p:cNvPr id="3" name="Content Placeholder 2">
+            <a:extLst>
+              <a:ext uri="{FF2B5EF4-FFF2-40B4-BE49-F238E27FC236}">
+                <a16:creationId xmlns:a16="http://schemas.microsoft.com/office/drawing/2014/main" id="{3AB0ED87-3538-4957-875E-DEA297FEE413}"/>
+              </a:ext>
+            </a:extLst>
+          </p:cNvPr>
+          <p:cNvSpPr>
+            <a:spLocks noGrp="1"/>
+          </p:cNvSpPr>
+          <p:nvPr>
+            <p:ph idx="1"/>
+          </p:nvPr>
+        </p:nvSpPr>
+        <p:spPr/>
+        <p:txBody>
+          <a:bodyPr>
+            <a:normAutofit/>
+          </a:bodyPr>
+          <a:lstStyle/>
+          <a:p>
+            <a:pPr algn="l" rtl="0"/>
+            <a:r>
+              <a:rPr lang="en-US" sz="2000" dirty="0"/>
+              <a:t>An </a:t>
+            </a:r>
+            <a:r>
+              <a:rPr lang="en-US" sz="2000" i="1" dirty="0"/>
+              <a:t>async</a:t>
+            </a:r>
+            <a:r>
+              <a:rPr lang="en-US" sz="2000" dirty="0"/>
+              <a:t> function is a function that knows how to expect the possibility of the </a:t>
+            </a:r>
+            <a:r>
+              <a:rPr lang="en-US" sz="2000" i="1" dirty="0"/>
+              <a:t>await</a:t>
+            </a:r>
+            <a:r>
+              <a:rPr lang="en-US" sz="2000" dirty="0"/>
+              <a:t> keyword being used to invoke asynchronous code.</a:t>
+            </a:r>
+          </a:p>
+          <a:p>
+            <a:pPr algn="l" rtl="0"/>
+            <a:r>
+              <a:rPr lang="en-US" sz="2000" i="1" dirty="0"/>
+              <a:t>async </a:t>
+            </a:r>
+            <a:r>
+              <a:rPr lang="en-US" sz="2000" dirty="0"/>
+              <a:t>function always returns a promise.</a:t>
+            </a:r>
+          </a:p>
+          <a:p>
+            <a:pPr algn="l" rtl="0"/>
+            <a:r>
+              <a:rPr lang="en-US" sz="2000" dirty="0"/>
+              <a:t>If you return a value from async function that is not a promise, it will automatically wrap the value with a promise.</a:t>
+            </a:r>
+          </a:p>
+          <a:p>
+            <a:pPr algn="l" rtl="0"/>
+            <a:r>
+              <a:rPr lang="en-US" sz="2000" dirty="0"/>
+              <a:t>Errors thrown inside async function can be handled using the </a:t>
+            </a:r>
+            <a:r>
+              <a:rPr lang="en-US" sz="2000" i="1" dirty="0"/>
+              <a:t>catch</a:t>
+            </a:r>
+            <a:r>
+              <a:rPr lang="en-US" sz="2000" dirty="0"/>
+              <a:t> method on promise or via </a:t>
+            </a:r>
+            <a:r>
+              <a:rPr lang="en-US" sz="2000" i="1" dirty="0"/>
+              <a:t>try...catch...</a:t>
+            </a:r>
+            <a:r>
+              <a:rPr lang="en-US" sz="2000" dirty="0"/>
+              <a:t> block.</a:t>
+            </a:r>
+          </a:p>
+        </p:txBody>
+      </p:sp>
+    </p:spTree>
+    <p:extLst>
+      <p:ext uri="{BB962C8B-B14F-4D97-AF65-F5344CB8AC3E}">
+        <p14:creationId xmlns:p14="http://schemas.microsoft.com/office/powerpoint/2010/main" val="3685898813"/>
+      </p:ext>
+    </p:extLst>
+  </p:cSld>
+  <p:clrMapOvr>
+    <a:masterClrMapping/>
+  </p:clrMapOvr>
+</p:sld>
+</file>
+
+<file path=ppt/slides/slide56.xml><?xml version="1.0" encoding="utf-8"?>
+<p:sld xmlns:a="http://schemas.openxmlformats.org/drawingml/2006/main" xmlns:r="http://schemas.openxmlformats.org/officeDocument/2006/relationships" xmlns:p="http://schemas.openxmlformats.org/presentationml/2006/main">
+  <p:cSld>
+    <p:spTree>
+      <p:nvGrpSpPr>
+        <p:cNvPr id="1" name=""/>
+        <p:cNvGrpSpPr/>
+        <p:nvPr/>
+      </p:nvGrpSpPr>
+      <p:grpSpPr>
+        <a:xfrm>
+          <a:off x="0" y="0"/>
+          <a:ext cx="0" cy="0"/>
+          <a:chOff x="0" y="0"/>
+          <a:chExt cx="0" cy="0"/>
+        </a:xfrm>
+      </p:grpSpPr>
+      <p:sp>
+        <p:nvSpPr>
+          <p:cNvPr id="2" name="Title 1">
+            <a:extLst>
+              <a:ext uri="{FF2B5EF4-FFF2-40B4-BE49-F238E27FC236}">
+                <a16:creationId xmlns:a16="http://schemas.microsoft.com/office/drawing/2014/main" id="{562C69D3-72AE-4D1A-903B-15355CAC6E81}"/>
+              </a:ext>
+            </a:extLst>
+          </p:cNvPr>
+          <p:cNvSpPr>
+            <a:spLocks noGrp="1"/>
+          </p:cNvSpPr>
+          <p:nvPr>
+            <p:ph type="title"/>
+          </p:nvPr>
+        </p:nvSpPr>
+        <p:spPr/>
+        <p:txBody>
+          <a:bodyPr>
+            <a:normAutofit/>
+          </a:bodyPr>
+          <a:lstStyle/>
+          <a:p>
+            <a:r>
+              <a:rPr lang="en-US" sz="4000" dirty="0"/>
+              <a:t>Async Await – key words</a:t>
+            </a:r>
+            <a:endParaRPr lang="en-US" dirty="0"/>
+          </a:p>
+        </p:txBody>
+      </p:sp>
+      <p:sp>
+        <p:nvSpPr>
+          <p:cNvPr id="3" name="Content Placeholder 2">
+            <a:extLst>
+              <a:ext uri="{FF2B5EF4-FFF2-40B4-BE49-F238E27FC236}">
+                <a16:creationId xmlns:a16="http://schemas.microsoft.com/office/drawing/2014/main" id="{3AB0ED87-3538-4957-875E-DEA297FEE413}"/>
+              </a:ext>
+            </a:extLst>
+          </p:cNvPr>
+          <p:cNvSpPr>
+            <a:spLocks noGrp="1"/>
+          </p:cNvSpPr>
+          <p:nvPr>
+            <p:ph idx="1"/>
+          </p:nvPr>
+        </p:nvSpPr>
+        <p:spPr/>
+        <p:txBody>
+          <a:bodyPr>
+            <a:normAutofit/>
+          </a:bodyPr>
+          <a:lstStyle/>
+          <a:p>
+            <a:pPr algn="l" rtl="0"/>
+            <a:r>
+              <a:rPr lang="en-US" sz="2000" dirty="0"/>
+              <a:t>An </a:t>
+            </a:r>
+            <a:r>
+              <a:rPr lang="en-US" sz="2000" i="1" dirty="0"/>
+              <a:t>async</a:t>
+            </a:r>
+            <a:r>
+              <a:rPr lang="en-US" sz="2000" dirty="0"/>
+              <a:t> function is a function that knows how to expect the possibility of the </a:t>
+            </a:r>
+            <a:r>
+              <a:rPr lang="en-US" sz="2000" i="1" dirty="0"/>
+              <a:t>await</a:t>
+            </a:r>
+            <a:r>
+              <a:rPr lang="en-US" sz="2000" dirty="0"/>
+              <a:t> keyword being used to invoke asynchronous code.</a:t>
+            </a:r>
+          </a:p>
+          <a:p>
+            <a:pPr algn="l" rtl="0"/>
+            <a:r>
+              <a:rPr lang="en-US" sz="2000" i="1" dirty="0"/>
+              <a:t>async </a:t>
+            </a:r>
+            <a:r>
+              <a:rPr lang="en-US" sz="2000" dirty="0"/>
+              <a:t>function always returns a promise.</a:t>
+            </a:r>
+          </a:p>
+          <a:p>
+            <a:pPr algn="l" rtl="0"/>
+            <a:r>
+              <a:rPr lang="en-US" sz="2000" dirty="0"/>
+              <a:t>If you return a value from async function that is not a promise, it will automatically wrap the value with a promise.</a:t>
+            </a:r>
+          </a:p>
+          <a:p>
+            <a:pPr algn="l" rtl="0"/>
+            <a:r>
+              <a:rPr lang="en-US" sz="2000" dirty="0"/>
+              <a:t>Errors thrown inside async function can be handled using the </a:t>
+            </a:r>
+            <a:r>
+              <a:rPr lang="en-US" sz="2000" i="1" dirty="0"/>
+              <a:t>catch</a:t>
+            </a:r>
+            <a:r>
+              <a:rPr lang="en-US" sz="2000" dirty="0"/>
+              <a:t> method on promise or via </a:t>
+            </a:r>
+            <a:r>
+              <a:rPr lang="en-US" sz="2000" i="1" dirty="0"/>
+              <a:t>try...catch...</a:t>
+            </a:r>
+            <a:r>
+              <a:rPr lang="en-US" sz="2000" dirty="0"/>
+              <a:t> block.</a:t>
+            </a:r>
+          </a:p>
+        </p:txBody>
+      </p:sp>
+    </p:spTree>
+    <p:extLst>
+      <p:ext uri="{BB962C8B-B14F-4D97-AF65-F5344CB8AC3E}">
+        <p14:creationId xmlns:p14="http://schemas.microsoft.com/office/powerpoint/2010/main" val="4184124334"/>
+      </p:ext>
+    </p:extLst>
+  </p:cSld>
+  <p:clrMapOvr>
+    <a:masterClrMapping/>
+  </p:clrMapOvr>
+</p:sld>
+</file>
+
+<file path=ppt/slides/slide57.xml><?xml version="1.0" encoding="utf-8"?>
+<p:sld xmlns:a="http://schemas.openxmlformats.org/drawingml/2006/main" xmlns:r="http://schemas.openxmlformats.org/officeDocument/2006/relationships" xmlns:p="http://schemas.openxmlformats.org/presentationml/2006/main">
+  <p:cSld>
+    <p:spTree>
+      <p:nvGrpSpPr>
+        <p:cNvPr id="1" name=""/>
+        <p:cNvGrpSpPr/>
+        <p:nvPr/>
+      </p:nvGrpSpPr>
+      <p:grpSpPr>
+        <a:xfrm>
+          <a:off x="0" y="0"/>
+          <a:ext cx="0" cy="0"/>
+          <a:chOff x="0" y="0"/>
+          <a:chExt cx="0" cy="0"/>
+        </a:xfrm>
+      </p:grpSpPr>
+      <p:sp>
+        <p:nvSpPr>
+          <p:cNvPr id="2" name="Title 1">
+            <a:extLst>
+              <a:ext uri="{FF2B5EF4-FFF2-40B4-BE49-F238E27FC236}">
+                <a16:creationId xmlns:a16="http://schemas.microsoft.com/office/drawing/2014/main" id="{562C69D3-72AE-4D1A-903B-15355CAC6E81}"/>
+              </a:ext>
+            </a:extLst>
+          </p:cNvPr>
+          <p:cNvSpPr>
+            <a:spLocks noGrp="1"/>
+          </p:cNvSpPr>
+          <p:nvPr>
+            <p:ph type="title"/>
+          </p:nvPr>
+        </p:nvSpPr>
+        <p:spPr/>
+        <p:txBody>
+          <a:bodyPr>
+            <a:normAutofit/>
+          </a:bodyPr>
+          <a:lstStyle/>
+          <a:p>
+            <a:r>
+              <a:rPr lang="en-US" sz="4000" dirty="0"/>
+              <a:t>Async Await – key words</a:t>
+            </a:r>
+            <a:endParaRPr lang="en-US" dirty="0"/>
+          </a:p>
+        </p:txBody>
+      </p:sp>
+      <p:pic>
+        <p:nvPicPr>
+          <p:cNvPr id="5" name="Content Placeholder 4" descr="A screenshot of a computer&#10;&#10;Description automatically generated with medium confidence">
+            <a:extLst>
+              <a:ext uri="{FF2B5EF4-FFF2-40B4-BE49-F238E27FC236}">
+                <a16:creationId xmlns:a16="http://schemas.microsoft.com/office/drawing/2014/main" id="{A692417C-5617-C147-92E1-50CCEFB0B47B}"/>
+              </a:ext>
+            </a:extLst>
+          </p:cNvPr>
+          <p:cNvPicPr>
+            <a:picLocks noGrp="1" noChangeAspect="1"/>
+          </p:cNvPicPr>
+          <p:nvPr>
+            <p:ph idx="1"/>
+          </p:nvPr>
+        </p:nvPicPr>
+        <p:blipFill>
+          <a:blip r:embed="rId2">
+            <a:extLst>
+              <a:ext uri="{28A0092B-C50C-407E-A947-70E740481C1C}">
+                <a14:useLocalDpi xmlns:a14="http://schemas.microsoft.com/office/drawing/2010/main" val="0"/>
+              </a:ext>
+            </a:extLst>
+          </a:blip>
+          <a:stretch>
+            <a:fillRect/>
+          </a:stretch>
+        </p:blipFill>
+        <p:spPr>
+          <a:xfrm>
+            <a:off x="457198" y="1683121"/>
+            <a:ext cx="3795103" cy="1766900"/>
+          </a:xfrm>
+        </p:spPr>
+      </p:pic>
+      <p:pic>
+        <p:nvPicPr>
+          <p:cNvPr id="7" name="Picture 6" descr="Text&#10;&#10;Description automatically generated">
+            <a:extLst>
+              <a:ext uri="{FF2B5EF4-FFF2-40B4-BE49-F238E27FC236}">
+                <a16:creationId xmlns:a16="http://schemas.microsoft.com/office/drawing/2014/main" id="{AF7CC66F-B81B-2649-9F0F-B0FC9600DD41}"/>
+              </a:ext>
+            </a:extLst>
+          </p:cNvPr>
+          <p:cNvPicPr>
+            <a:picLocks noChangeAspect="1"/>
+          </p:cNvPicPr>
+          <p:nvPr/>
+        </p:nvPicPr>
+        <p:blipFill>
+          <a:blip r:embed="rId3">
+            <a:extLst>
+              <a:ext uri="{28A0092B-C50C-407E-A947-70E740481C1C}">
+                <a14:useLocalDpi xmlns:a14="http://schemas.microsoft.com/office/drawing/2010/main" val="0"/>
+              </a:ext>
+            </a:extLst>
+          </a:blip>
+          <a:stretch>
+            <a:fillRect/>
+          </a:stretch>
+        </p:blipFill>
+        <p:spPr>
+          <a:xfrm>
+            <a:off x="457198" y="3886200"/>
+            <a:ext cx="3795103" cy="1699381"/>
+          </a:xfrm>
+          <a:prstGeom prst="rect">
+            <a:avLst/>
+          </a:prstGeom>
+        </p:spPr>
+      </p:pic>
+      <p:pic>
+        <p:nvPicPr>
+          <p:cNvPr id="9" name="Picture 8" descr="A screenshot of a computer&#10;&#10;Description automatically generated with medium confidence">
+            <a:extLst>
+              <a:ext uri="{FF2B5EF4-FFF2-40B4-BE49-F238E27FC236}">
+                <a16:creationId xmlns:a16="http://schemas.microsoft.com/office/drawing/2014/main" id="{B96CA96D-F433-1F48-B0CB-9713704309A6}"/>
+              </a:ext>
+            </a:extLst>
+          </p:cNvPr>
+          <p:cNvPicPr>
+            <a:picLocks noChangeAspect="1"/>
+          </p:cNvPicPr>
+          <p:nvPr/>
+        </p:nvPicPr>
+        <p:blipFill>
+          <a:blip r:embed="rId4">
+            <a:extLst>
+              <a:ext uri="{28A0092B-C50C-407E-A947-70E740481C1C}">
+                <a14:useLocalDpi xmlns:a14="http://schemas.microsoft.com/office/drawing/2010/main" val="0"/>
+              </a:ext>
+            </a:extLst>
+          </a:blip>
+          <a:stretch>
+            <a:fillRect/>
+          </a:stretch>
+        </p:blipFill>
+        <p:spPr>
+          <a:xfrm>
+            <a:off x="4430110" y="2286000"/>
+            <a:ext cx="3493773" cy="1766900"/>
+          </a:xfrm>
+          <a:prstGeom prst="rect">
+            <a:avLst/>
+          </a:prstGeom>
+        </p:spPr>
+      </p:pic>
+      <p:pic>
+        <p:nvPicPr>
+          <p:cNvPr id="13" name="Picture 12" descr="A screenshot of a computer&#10;&#10;Description automatically generated with medium confidence">
+            <a:extLst>
+              <a:ext uri="{FF2B5EF4-FFF2-40B4-BE49-F238E27FC236}">
+                <a16:creationId xmlns:a16="http://schemas.microsoft.com/office/drawing/2014/main" id="{0C032E6F-B6C1-3E41-9D8D-FDED5EA97BA3}"/>
+              </a:ext>
+            </a:extLst>
+          </p:cNvPr>
+          <p:cNvPicPr>
+            <a:picLocks noChangeAspect="1"/>
+          </p:cNvPicPr>
+          <p:nvPr/>
+        </p:nvPicPr>
+        <p:blipFill>
+          <a:blip r:embed="rId5">
+            <a:extLst>
+              <a:ext uri="{28A0092B-C50C-407E-A947-70E740481C1C}">
+                <a14:useLocalDpi xmlns:a14="http://schemas.microsoft.com/office/drawing/2010/main" val="0"/>
+              </a:ext>
+            </a:extLst>
+          </a:blip>
+          <a:stretch>
+            <a:fillRect/>
+          </a:stretch>
+        </p:blipFill>
+        <p:spPr>
+          <a:xfrm>
+            <a:off x="4419600" y="4370882"/>
+            <a:ext cx="3493773" cy="2099735"/>
+          </a:xfrm>
+          <a:prstGeom prst="rect">
+            <a:avLst/>
+          </a:prstGeom>
+        </p:spPr>
+      </p:pic>
+    </p:spTree>
+    <p:extLst>
+      <p:ext uri="{BB962C8B-B14F-4D97-AF65-F5344CB8AC3E}">
+        <p14:creationId xmlns:p14="http://schemas.microsoft.com/office/powerpoint/2010/main" val="4101777284"/>
+      </p:ext>
+    </p:extLst>
+  </p:cSld>
+  <p:clrMapOvr>
+    <a:masterClrMapping/>
+  </p:clrMapOvr>
+</p:sld>
+</file>
+
+<file path=ppt/slides/slide58.xml><?xml version="1.0" encoding="utf-8"?>
+<p:sld xmlns:a="http://schemas.openxmlformats.org/drawingml/2006/main" xmlns:r="http://schemas.openxmlformats.org/officeDocument/2006/relationships" xmlns:p="http://schemas.openxmlformats.org/presentationml/2006/main">
+  <p:cSld>
+    <p:spTree>
+      <p:nvGrpSpPr>
+        <p:cNvPr id="1" name=""/>
+        <p:cNvGrpSpPr/>
+        <p:nvPr/>
+      </p:nvGrpSpPr>
+      <p:grpSpPr>
+        <a:xfrm>
+          <a:off x="0" y="0"/>
+          <a:ext cx="0" cy="0"/>
+          <a:chOff x="0" y="0"/>
+          <a:chExt cx="0" cy="0"/>
+        </a:xfrm>
+      </p:grpSpPr>
+      <p:sp>
+        <p:nvSpPr>
+          <p:cNvPr id="2" name="Title 1">
+            <a:extLst>
+              <a:ext uri="{FF2B5EF4-FFF2-40B4-BE49-F238E27FC236}">
+                <a16:creationId xmlns:a16="http://schemas.microsoft.com/office/drawing/2014/main" id="{562C69D3-72AE-4D1A-903B-15355CAC6E81}"/>
+              </a:ext>
+            </a:extLst>
+          </p:cNvPr>
+          <p:cNvSpPr>
+            <a:spLocks noGrp="1"/>
+          </p:cNvSpPr>
+          <p:nvPr>
+            <p:ph type="title"/>
+          </p:nvPr>
+        </p:nvSpPr>
+        <p:spPr/>
+        <p:txBody>
+          <a:bodyPr>
+            <a:normAutofit/>
+          </a:bodyPr>
+          <a:lstStyle/>
+          <a:p>
+            <a:r>
+              <a:rPr lang="en-US" sz="4000" dirty="0"/>
+              <a:t>Async Await – key words</a:t>
+            </a:r>
+            <a:endParaRPr lang="en-US" dirty="0"/>
+          </a:p>
+        </p:txBody>
+      </p:sp>
+      <p:pic>
+        <p:nvPicPr>
+          <p:cNvPr id="15" name="Picture 14" descr="Text&#10;&#10;Description automatically generated">
+            <a:extLst>
+              <a:ext uri="{FF2B5EF4-FFF2-40B4-BE49-F238E27FC236}">
+                <a16:creationId xmlns:a16="http://schemas.microsoft.com/office/drawing/2014/main" id="{AEF7C3B0-5D51-414B-813D-CDE5CEFDB0C3}"/>
+              </a:ext>
+            </a:extLst>
+          </p:cNvPr>
+          <p:cNvPicPr>
+            <a:picLocks noChangeAspect="1"/>
+          </p:cNvPicPr>
+          <p:nvPr/>
+        </p:nvPicPr>
+        <p:blipFill>
+          <a:blip r:embed="rId2">
+            <a:extLst>
+              <a:ext uri="{28A0092B-C50C-407E-A947-70E740481C1C}">
+                <a14:useLocalDpi xmlns:a14="http://schemas.microsoft.com/office/drawing/2010/main" val="0"/>
+              </a:ext>
+            </a:extLst>
+          </a:blip>
+          <a:stretch>
+            <a:fillRect/>
+          </a:stretch>
+        </p:blipFill>
+        <p:spPr>
+          <a:xfrm>
+            <a:off x="457200" y="1566340"/>
+            <a:ext cx="4038600" cy="3725319"/>
+          </a:xfrm>
+          <a:prstGeom prst="rect">
+            <a:avLst/>
+          </a:prstGeom>
+        </p:spPr>
+      </p:pic>
+      <p:pic>
+        <p:nvPicPr>
+          <p:cNvPr id="8" name="Picture 7" descr="Graphical user interface, text, application, chat or text message&#10;&#10;Description automatically generated">
+            <a:extLst>
+              <a:ext uri="{FF2B5EF4-FFF2-40B4-BE49-F238E27FC236}">
+                <a16:creationId xmlns:a16="http://schemas.microsoft.com/office/drawing/2014/main" id="{FDF2B953-E82C-0C4A-8F84-EC69AF966925}"/>
+              </a:ext>
+            </a:extLst>
+          </p:cNvPr>
+          <p:cNvPicPr>
+            <a:picLocks noChangeAspect="1"/>
+          </p:cNvPicPr>
+          <p:nvPr/>
+        </p:nvPicPr>
+        <p:blipFill>
+          <a:blip r:embed="rId3">
+            <a:extLst>
+              <a:ext uri="{28A0092B-C50C-407E-A947-70E740481C1C}">
+                <a14:useLocalDpi xmlns:a14="http://schemas.microsoft.com/office/drawing/2010/main" val="0"/>
+              </a:ext>
+            </a:extLst>
+          </a:blip>
+          <a:stretch>
+            <a:fillRect/>
+          </a:stretch>
+        </p:blipFill>
+        <p:spPr>
+          <a:xfrm>
+            <a:off x="457200" y="5486400"/>
+            <a:ext cx="3505200" cy="1275663"/>
+          </a:xfrm>
+          <a:prstGeom prst="rect">
+            <a:avLst/>
+          </a:prstGeom>
+        </p:spPr>
+      </p:pic>
+      <p:sp>
+        <p:nvSpPr>
+          <p:cNvPr id="10" name="TextBox 9">
+            <a:extLst>
+              <a:ext uri="{FF2B5EF4-FFF2-40B4-BE49-F238E27FC236}">
+                <a16:creationId xmlns:a16="http://schemas.microsoft.com/office/drawing/2014/main" id="{ECE441CA-564C-9A44-9B9B-486780FC2863}"/>
+              </a:ext>
+            </a:extLst>
+          </p:cNvPr>
+          <p:cNvSpPr txBox="1"/>
+          <p:nvPr/>
+        </p:nvSpPr>
+        <p:spPr>
+          <a:xfrm>
+            <a:off x="4248807" y="5715000"/>
+            <a:ext cx="3429000" cy="646331"/>
+          </a:xfrm>
+          <a:prstGeom prst="rect">
+            <a:avLst/>
+          </a:prstGeom>
+          <a:noFill/>
+        </p:spPr>
+        <p:txBody>
+          <a:bodyPr wrap="square" rtlCol="0">
+            <a:spAutoFit/>
+          </a:bodyPr>
+          <a:lstStyle/>
+          <a:p>
+            <a:pPr algn="ctr"/>
+            <a:r>
+              <a:rPr lang="en-IL" dirty="0"/>
+              <a:t>Alternative implementation for </a:t>
+            </a:r>
+            <a:r>
+              <a:rPr lang="en-IL" i="1" dirty="0"/>
+              <a:t>getUserData </a:t>
+            </a:r>
+            <a:r>
+              <a:rPr lang="en-IL" dirty="0"/>
+              <a:t>function</a:t>
+            </a:r>
+          </a:p>
+        </p:txBody>
+      </p:sp>
+    </p:spTree>
+    <p:extLst>
+      <p:ext uri="{BB962C8B-B14F-4D97-AF65-F5344CB8AC3E}">
+        <p14:creationId xmlns:p14="http://schemas.microsoft.com/office/powerpoint/2010/main" val="1217279465"/>
+      </p:ext>
+    </p:extLst>
+  </p:cSld>
+  <p:clrMapOvr>
+    <a:masterClrMapping/>
+  </p:clrMapOvr>
+</p:sld>
+</file>
+
+<file path=ppt/slides/slide59.xml><?xml version="1.0" encoding="utf-8"?>
+<p:sld xmlns:a="http://schemas.openxmlformats.org/drawingml/2006/main" xmlns:r="http://schemas.openxmlformats.org/officeDocument/2006/relationships" xmlns:p="http://schemas.openxmlformats.org/presentationml/2006/main">
+  <p:cSld>
+    <p:spTree>
+      <p:nvGrpSpPr>
+        <p:cNvPr id="1" name=""/>
+        <p:cNvGrpSpPr/>
+        <p:nvPr/>
+      </p:nvGrpSpPr>
+      <p:grpSpPr>
+        <a:xfrm>
+          <a:off x="0" y="0"/>
+          <a:ext cx="0" cy="0"/>
+          <a:chOff x="0" y="0"/>
+          <a:chExt cx="0" cy="0"/>
+        </a:xfrm>
+      </p:grpSpPr>
+      <p:sp>
+        <p:nvSpPr>
+          <p:cNvPr id="2" name="Title 1">
+            <a:extLst>
+              <a:ext uri="{FF2B5EF4-FFF2-40B4-BE49-F238E27FC236}">
+                <a16:creationId xmlns:a16="http://schemas.microsoft.com/office/drawing/2014/main" id="{562C69D3-72AE-4D1A-903B-15355CAC6E81}"/>
+              </a:ext>
+            </a:extLst>
+          </p:cNvPr>
+          <p:cNvSpPr>
+            <a:spLocks noGrp="1"/>
+          </p:cNvSpPr>
+          <p:nvPr>
+            <p:ph type="title"/>
+          </p:nvPr>
+        </p:nvSpPr>
+        <p:spPr/>
+        <p:txBody>
+          <a:bodyPr>
+            <a:normAutofit/>
+          </a:bodyPr>
+          <a:lstStyle/>
+          <a:p>
+            <a:r>
+              <a:rPr lang="en-US" sz="4000" dirty="0"/>
+              <a:t>Extra</a:t>
+            </a:r>
+            <a:endParaRPr lang="en-US" dirty="0"/>
+          </a:p>
+        </p:txBody>
+      </p:sp>
+      <p:sp>
+        <p:nvSpPr>
+          <p:cNvPr id="3" name="Content Placeholder 2">
+            <a:extLst>
+              <a:ext uri="{FF2B5EF4-FFF2-40B4-BE49-F238E27FC236}">
+                <a16:creationId xmlns:a16="http://schemas.microsoft.com/office/drawing/2014/main" id="{3AB0ED87-3538-4957-875E-DEA297FEE413}"/>
+              </a:ext>
+            </a:extLst>
+          </p:cNvPr>
+          <p:cNvSpPr>
+            <a:spLocks noGrp="1"/>
+          </p:cNvSpPr>
+          <p:nvPr>
+            <p:ph idx="1"/>
+          </p:nvPr>
+        </p:nvSpPr>
+        <p:spPr/>
+        <p:txBody>
+          <a:bodyPr>
+            <a:normAutofit/>
+          </a:bodyPr>
+          <a:lstStyle/>
+          <a:p>
+            <a:pPr marL="0" indent="0" algn="l" rtl="0">
+              <a:buNone/>
+            </a:pPr>
+            <a:r>
+              <a:rPr lang="en-US" sz="2000" dirty="0"/>
+              <a:t>The next slides are a bit more advance.</a:t>
+            </a:r>
+          </a:p>
+          <a:p>
+            <a:pPr marL="0" indent="0" algn="l" rtl="0">
+              <a:buNone/>
+            </a:pPr>
+            <a:r>
+              <a:rPr lang="en-US" sz="2000" dirty="0"/>
+              <a:t>I encourage you to read them and ask about them, but they are not part of our course.</a:t>
+            </a:r>
+          </a:p>
+          <a:p>
+            <a:pPr marL="0" indent="0" algn="l" rtl="0">
+              <a:buNone/>
+            </a:pPr>
+            <a:endParaRPr lang="en-US" sz="2000" dirty="0"/>
+          </a:p>
+        </p:txBody>
+      </p:sp>
+    </p:spTree>
+    <p:extLst>
+      <p:ext uri="{BB962C8B-B14F-4D97-AF65-F5344CB8AC3E}">
+        <p14:creationId xmlns:p14="http://schemas.microsoft.com/office/powerpoint/2010/main" val="2489474499"/>
+      </p:ext>
+    </p:extLst>
+  </p:cSld>
+  <p:clrMapOvr>
+    <a:masterClrMapping/>
+  </p:clrMapOvr>
+</p:sld>
+</file>
+
+<file path=ppt/slides/slide6.xml><?xml version="1.0" encoding="utf-8"?>
+<p:sld xmlns:a="http://schemas.openxmlformats.org/drawingml/2006/main" xmlns:r="http://schemas.openxmlformats.org/officeDocument/2006/relationships" xmlns:p="http://schemas.openxmlformats.org/presentationml/2006/main">
+  <p:cSld>
+    <p:spTree>
+      <p:nvGrpSpPr>
+        <p:cNvPr id="1" name=""/>
+        <p:cNvGrpSpPr/>
+        <p:nvPr/>
+      </p:nvGrpSpPr>
+      <p:grpSpPr>
+        <a:xfrm>
+          <a:off x="0" y="0"/>
+          <a:ext cx="0" cy="0"/>
+          <a:chOff x="0" y="0"/>
+          <a:chExt cx="0" cy="0"/>
+        </a:xfrm>
+      </p:grpSpPr>
+      <p:sp>
+        <p:nvSpPr>
+          <p:cNvPr id="2" name="Title 1"/>
+          <p:cNvSpPr>
+            <a:spLocks noGrp="1"/>
+          </p:cNvSpPr>
+          <p:nvPr>
+            <p:ph type="title"/>
+          </p:nvPr>
+        </p:nvSpPr>
+        <p:spPr/>
+        <p:txBody>
+          <a:bodyPr/>
+          <a:lstStyle/>
+          <a:p>
+            <a:r>
+              <a:rPr lang="en-US" sz="4000" dirty="0"/>
+              <a:t>Equality</a:t>
+            </a:r>
+            <a:endParaRPr lang="he-IL" dirty="0"/>
+          </a:p>
+        </p:txBody>
+      </p:sp>
+      <p:sp>
+        <p:nvSpPr>
+          <p:cNvPr id="3" name="Content Placeholder 2"/>
+          <p:cNvSpPr>
+            <a:spLocks noGrp="1"/>
+          </p:cNvSpPr>
+          <p:nvPr>
+            <p:ph idx="1"/>
+          </p:nvPr>
+        </p:nvSpPr>
+        <p:spPr/>
+        <p:txBody>
+          <a:bodyPr/>
+          <a:lstStyle/>
+          <a:p>
+            <a:pPr algn="l" rtl="0">
+              <a:buNone/>
+            </a:pPr>
+            <a:r>
+              <a:rPr lang="en-US" dirty="0"/>
+              <a:t>As mentioned at the table above, objects</a:t>
+            </a:r>
+          </a:p>
+          <a:p>
+            <a:pPr algn="l" rtl="0">
+              <a:buNone/>
+            </a:pPr>
+            <a:r>
+              <a:rPr lang="en-US" dirty="0"/>
+              <a:t>Evaluated to true.</a:t>
+            </a:r>
+          </a:p>
+          <a:p>
+            <a:pPr algn="l" rtl="0">
+              <a:buNone/>
+            </a:pPr>
+            <a:r>
+              <a:rPr lang="en-US" dirty="0"/>
+              <a:t>That is why even an empty array evaluates to</a:t>
+            </a:r>
+          </a:p>
+          <a:p>
+            <a:pPr algn="l" rtl="0">
+              <a:buNone/>
+            </a:pPr>
+            <a:r>
+              <a:rPr lang="en-US" dirty="0"/>
+              <a:t>true.</a:t>
+            </a:r>
+          </a:p>
+          <a:p>
+            <a:pPr algn="l" rtl="0">
+              <a:buNone/>
+            </a:pPr>
+            <a:endParaRPr lang="en-US" dirty="0"/>
+          </a:p>
+          <a:p>
+            <a:pPr algn="l" rtl="0">
+              <a:buNone/>
+            </a:pPr>
+            <a:r>
+              <a:rPr lang="en-US" dirty="0">
+                <a:solidFill>
+                  <a:srgbClr val="FF0000"/>
+                </a:solidFill>
+              </a:rPr>
+              <a:t>If</a:t>
+            </a:r>
+            <a:r>
+              <a:rPr lang="en-US" dirty="0"/>
+              <a:t>([]) {</a:t>
+            </a:r>
+          </a:p>
+          <a:p>
+            <a:pPr algn="l" rtl="0">
+              <a:buNone/>
+            </a:pPr>
+            <a:r>
+              <a:rPr lang="en-US" dirty="0"/>
+              <a:t>	</a:t>
+            </a:r>
+            <a:r>
+              <a:rPr lang="en-US" dirty="0">
+                <a:solidFill>
+                  <a:srgbClr val="92D050"/>
+                </a:solidFill>
+              </a:rPr>
+              <a:t>// true</a:t>
+            </a:r>
+          </a:p>
+          <a:p>
+            <a:pPr algn="l" rtl="0">
+              <a:buNone/>
+            </a:pPr>
+            <a:r>
+              <a:rPr lang="en-US" dirty="0"/>
+              <a:t>	</a:t>
+            </a:r>
+            <a:r>
+              <a:rPr lang="en-US" dirty="0">
+                <a:solidFill>
+                  <a:srgbClr val="92D050"/>
+                </a:solidFill>
+              </a:rPr>
+              <a:t>// an array (even an empty one) is an    object, objects will evaluate to true</a:t>
+            </a:r>
+          </a:p>
+          <a:p>
+            <a:pPr algn="l" rtl="0">
+              <a:buNone/>
+            </a:pPr>
+            <a:r>
+              <a:rPr lang="en-US" dirty="0"/>
+              <a:t>}</a:t>
+            </a:r>
+          </a:p>
+        </p:txBody>
+      </p:sp>
+    </p:spTree>
+  </p:cSld>
+  <p:clrMapOvr>
+    <a:masterClrMapping/>
+  </p:clrMapOvr>
+</p:sld>
+</file>
+
+<file path=ppt/slides/slide60.xml><?xml version="1.0" encoding="utf-8"?>
+<p:sld xmlns:a="http://schemas.openxmlformats.org/drawingml/2006/main" xmlns:r="http://schemas.openxmlformats.org/officeDocument/2006/relationships" xmlns:p="http://schemas.openxmlformats.org/presentationml/2006/main">
+  <p:cSld>
+    <p:spTree>
+      <p:nvGrpSpPr>
+        <p:cNvPr id="1" name=""/>
+        <p:cNvGrpSpPr/>
+        <p:nvPr/>
+      </p:nvGrpSpPr>
+      <p:grpSpPr>
+        <a:xfrm>
+          <a:off x="0" y="0"/>
+          <a:ext cx="0" cy="0"/>
+          <a:chOff x="0" y="0"/>
+          <a:chExt cx="0" cy="0"/>
+        </a:xfrm>
+      </p:grpSpPr>
+      <p:sp>
+        <p:nvSpPr>
+          <p:cNvPr id="2" name="Title 1">
+            <a:extLst>
+              <a:ext uri="{FF2B5EF4-FFF2-40B4-BE49-F238E27FC236}">
+                <a16:creationId xmlns:a16="http://schemas.microsoft.com/office/drawing/2014/main" id="{562C69D3-72AE-4D1A-903B-15355CAC6E81}"/>
+              </a:ext>
+            </a:extLst>
+          </p:cNvPr>
+          <p:cNvSpPr>
+            <a:spLocks noGrp="1"/>
+          </p:cNvSpPr>
+          <p:nvPr>
+            <p:ph type="title"/>
+          </p:nvPr>
+        </p:nvSpPr>
+        <p:spPr/>
+        <p:txBody>
+          <a:bodyPr>
+            <a:normAutofit/>
+          </a:bodyPr>
+          <a:lstStyle/>
+          <a:p>
+            <a:r>
+              <a:rPr lang="en-US" sz="4000" dirty="0"/>
+              <a:t>Template strings</a:t>
+            </a:r>
+            <a:endParaRPr lang="en-US" dirty="0"/>
+          </a:p>
+        </p:txBody>
+      </p:sp>
+      <p:sp>
+        <p:nvSpPr>
+          <p:cNvPr id="3" name="Content Placeholder 2">
+            <a:extLst>
+              <a:ext uri="{FF2B5EF4-FFF2-40B4-BE49-F238E27FC236}">
+                <a16:creationId xmlns:a16="http://schemas.microsoft.com/office/drawing/2014/main" id="{3AB0ED87-3538-4957-875E-DEA297FEE413}"/>
+              </a:ext>
+            </a:extLst>
+          </p:cNvPr>
+          <p:cNvSpPr>
+            <a:spLocks noGrp="1"/>
+          </p:cNvSpPr>
+          <p:nvPr>
+            <p:ph idx="1"/>
+          </p:nvPr>
+        </p:nvSpPr>
+        <p:spPr/>
+        <p:txBody>
+          <a:bodyPr>
+            <a:normAutofit/>
+          </a:bodyPr>
+          <a:lstStyle/>
+          <a:p>
+            <a:pPr algn="l" rtl="0"/>
+            <a:r>
+              <a:rPr lang="en-US" sz="2000" dirty="0"/>
+              <a:t>Tagged Templates</a:t>
+            </a:r>
+          </a:p>
+          <a:p>
+            <a:pPr algn="l" rtl="0">
+              <a:buFont typeface="Wingdings" panose="05000000000000000000" pitchFamily="2" charset="2"/>
+              <a:buChar char="Ø"/>
+            </a:pPr>
+            <a:r>
+              <a:rPr lang="en-US" sz="2000" dirty="0"/>
+              <a:t>You can place a function (called a </a:t>
+            </a:r>
+            <a:r>
+              <a:rPr lang="en-US" sz="2000" b="1" dirty="0"/>
+              <a:t>tag</a:t>
+            </a:r>
+            <a:r>
+              <a:rPr lang="en-US" sz="2000" dirty="0"/>
+              <a:t>) before the template string and it gets the opportunity to pre process the template string literals plus the values of all the placeholder expressions and return a result.</a:t>
+            </a:r>
+          </a:p>
+          <a:p>
+            <a:pPr algn="l" rtl="0">
+              <a:buFont typeface="Wingdings" panose="05000000000000000000" pitchFamily="2" charset="2"/>
+              <a:buChar char="Ø"/>
+            </a:pPr>
+            <a:r>
+              <a:rPr lang="en-US" sz="2000" dirty="0"/>
+              <a:t>Tags allow you to parse template literals with a function.</a:t>
+            </a:r>
+          </a:p>
+          <a:p>
+            <a:pPr algn="l" rtl="0">
+              <a:buFont typeface="Wingdings" panose="05000000000000000000" pitchFamily="2" charset="2"/>
+              <a:buChar char="Ø"/>
+            </a:pPr>
+            <a:r>
+              <a:rPr lang="en-US" sz="2000" dirty="0"/>
+              <a:t>The first argument of a tag function contains an array of string values. </a:t>
+            </a:r>
+          </a:p>
+          <a:p>
+            <a:pPr algn="l" rtl="0">
+              <a:buFont typeface="Wingdings" panose="05000000000000000000" pitchFamily="2" charset="2"/>
+              <a:buChar char="Ø"/>
+            </a:pPr>
+            <a:r>
+              <a:rPr lang="en-US" sz="2000" dirty="0"/>
+              <a:t>The remaining arguments are related to the expressions. </a:t>
+            </a:r>
+          </a:p>
+          <a:p>
+            <a:pPr algn="l" rtl="0">
+              <a:buFont typeface="Wingdings" panose="05000000000000000000" pitchFamily="2" charset="2"/>
+              <a:buChar char="Ø"/>
+            </a:pPr>
+            <a:r>
+              <a:rPr lang="en-US" sz="2000" dirty="0"/>
+              <a:t>In the end, your function can return your manipulated string or it can return something completely different.</a:t>
+            </a:r>
+          </a:p>
+        </p:txBody>
+      </p:sp>
+    </p:spTree>
+    <p:extLst>
+      <p:ext uri="{BB962C8B-B14F-4D97-AF65-F5344CB8AC3E}">
+        <p14:creationId xmlns:p14="http://schemas.microsoft.com/office/powerpoint/2010/main" val="3607536666"/>
+      </p:ext>
+    </p:extLst>
+  </p:cSld>
+  <p:clrMapOvr>
+    <a:masterClrMapping/>
+  </p:clrMapOvr>
+</p:sld>
+</file>
+
+<file path=ppt/slides/slide61.xml><?xml version="1.0" encoding="utf-8"?>
+<p:sld xmlns:a="http://schemas.openxmlformats.org/drawingml/2006/main" xmlns:r="http://schemas.openxmlformats.org/officeDocument/2006/relationships" xmlns:p="http://schemas.openxmlformats.org/presentationml/2006/main">
+  <p:cSld>
+    <p:spTree>
+      <p:nvGrpSpPr>
+        <p:cNvPr id="1" name=""/>
+        <p:cNvGrpSpPr/>
+        <p:nvPr/>
+      </p:nvGrpSpPr>
+      <p:grpSpPr>
+        <a:xfrm>
+          <a:off x="0" y="0"/>
+          <a:ext cx="0" cy="0"/>
+          <a:chOff x="0" y="0"/>
+          <a:chExt cx="0" cy="0"/>
+        </a:xfrm>
+      </p:grpSpPr>
+      <p:sp>
+        <p:nvSpPr>
+          <p:cNvPr id="2" name="Title 1">
+            <a:extLst>
+              <a:ext uri="{FF2B5EF4-FFF2-40B4-BE49-F238E27FC236}">
+                <a16:creationId xmlns:a16="http://schemas.microsoft.com/office/drawing/2014/main" id="{562C69D3-72AE-4D1A-903B-15355CAC6E81}"/>
+              </a:ext>
+            </a:extLst>
+          </p:cNvPr>
+          <p:cNvSpPr>
+            <a:spLocks noGrp="1"/>
+          </p:cNvSpPr>
+          <p:nvPr>
+            <p:ph type="title"/>
+          </p:nvPr>
+        </p:nvSpPr>
+        <p:spPr/>
+        <p:txBody>
+          <a:bodyPr>
+            <a:normAutofit/>
+          </a:bodyPr>
+          <a:lstStyle/>
+          <a:p>
+            <a:r>
+              <a:rPr lang="en-US" sz="4000" dirty="0"/>
+              <a:t>Template strings</a:t>
+            </a:r>
+            <a:endParaRPr lang="en-US" dirty="0"/>
+          </a:p>
+        </p:txBody>
+      </p:sp>
+      <p:pic>
+        <p:nvPicPr>
+          <p:cNvPr id="5" name="Content Placeholder 4" descr="A screenshot of a cell phone&#10;&#10;Description generated with very high confidence">
+            <a:extLst>
+              <a:ext uri="{FF2B5EF4-FFF2-40B4-BE49-F238E27FC236}">
+                <a16:creationId xmlns:a16="http://schemas.microsoft.com/office/drawing/2014/main" id="{8ABC9A22-ABCC-4FBF-85A0-6908BC461883}"/>
+              </a:ext>
+            </a:extLst>
+          </p:cNvPr>
+          <p:cNvPicPr>
+            <a:picLocks noGrp="1" noChangeAspect="1"/>
+          </p:cNvPicPr>
+          <p:nvPr>
+            <p:ph idx="1"/>
+          </p:nvPr>
+        </p:nvPicPr>
+        <p:blipFill>
+          <a:blip r:embed="rId2" cstate="print">
+            <a:extLst>
+              <a:ext uri="{28A0092B-C50C-407E-A947-70E740481C1C}">
+                <a14:useLocalDpi xmlns:a14="http://schemas.microsoft.com/office/drawing/2010/main" val="0"/>
+              </a:ext>
+            </a:extLst>
+          </a:blip>
+          <a:stretch>
+            <a:fillRect/>
+          </a:stretch>
+        </p:blipFill>
+        <p:spPr>
+          <a:xfrm>
+            <a:off x="533400" y="1752600"/>
+            <a:ext cx="6881456" cy="2987299"/>
+          </a:xfrm>
+        </p:spPr>
+      </p:pic>
+      <p:sp>
+        <p:nvSpPr>
+          <p:cNvPr id="6" name="Rectangle 5">
+            <a:extLst>
+              <a:ext uri="{FF2B5EF4-FFF2-40B4-BE49-F238E27FC236}">
+                <a16:creationId xmlns:a16="http://schemas.microsoft.com/office/drawing/2014/main" id="{A282A978-4FEE-4CB8-B9D7-06D85291FFAA}"/>
+              </a:ext>
+            </a:extLst>
+          </p:cNvPr>
+          <p:cNvSpPr/>
+          <p:nvPr/>
+        </p:nvSpPr>
+        <p:spPr>
+          <a:xfrm>
+            <a:off x="533400" y="5105400"/>
+            <a:ext cx="4724400" cy="369332"/>
+          </a:xfrm>
+          <a:prstGeom prst="rect">
+            <a:avLst/>
+          </a:prstGeom>
+        </p:spPr>
+        <p:txBody>
+          <a:bodyPr wrap="square">
+            <a:spAutoFit/>
+          </a:bodyPr>
+          <a:lstStyle/>
+          <a:p>
+            <a:r>
+              <a:rPr lang="en-US" dirty="0"/>
+              <a:t>Check out some real life uses </a:t>
+            </a:r>
+            <a:r>
+              <a:rPr lang="en-US" dirty="0">
+                <a:hlinkClick r:id="rId3"/>
+              </a:rPr>
+              <a:t>here</a:t>
+            </a:r>
+            <a:endParaRPr lang="he-IL" dirty="0"/>
+          </a:p>
+        </p:txBody>
+      </p:sp>
+    </p:spTree>
+    <p:extLst>
+      <p:ext uri="{BB962C8B-B14F-4D97-AF65-F5344CB8AC3E}">
+        <p14:creationId xmlns:p14="http://schemas.microsoft.com/office/powerpoint/2010/main" val="615500950"/>
+      </p:ext>
+    </p:extLst>
+  </p:cSld>
+  <p:clrMapOvr>
+    <a:masterClrMapping/>
+  </p:clrMapOvr>
+</p:sld>
+</file>
+
+<file path=ppt/slides/slide62.xml><?xml version="1.0" encoding="utf-8"?>
+<p:sld xmlns:a="http://schemas.openxmlformats.org/drawingml/2006/main" xmlns:r="http://schemas.openxmlformats.org/officeDocument/2006/relationships" xmlns:p="http://schemas.openxmlformats.org/presentationml/2006/main">
+  <p:cSld>
+    <p:spTree>
+      <p:nvGrpSpPr>
+        <p:cNvPr id="1" name=""/>
+        <p:cNvGrpSpPr/>
+        <p:nvPr/>
+      </p:nvGrpSpPr>
+      <p:grpSpPr>
+        <a:xfrm>
+          <a:off x="0" y="0"/>
+          <a:ext cx="0" cy="0"/>
+          <a:chOff x="0" y="0"/>
+          <a:chExt cx="0" cy="0"/>
+        </a:xfrm>
+      </p:grpSpPr>
+      <p:sp>
+        <p:nvSpPr>
           <p:cNvPr id="2" name="Title 1"/>
           <p:cNvSpPr>
             <a:spLocks noGrp="1"/>
@@ -10788,7 +12841,7 @@
 </p:sld>
 </file>
 
-<file path=ppt/slides/slide51.xml><?xml version="1.0" encoding="utf-8"?>
+<file path=ppt/slides/slide63.xml><?xml version="1.0" encoding="utf-8"?>
 <p:sld xmlns:a="http://schemas.openxmlformats.org/drawingml/2006/main" xmlns:r="http://schemas.openxmlformats.org/officeDocument/2006/relationships" xmlns:p="http://schemas.openxmlformats.org/presentationml/2006/main">
   <p:cSld>
     <p:spTree>
@@ -10916,7 +12969,7 @@
 </p:sld>
 </file>
 
-<file path=ppt/slides/slide52.xml><?xml version="1.0" encoding="utf-8"?>
+<file path=ppt/slides/slide64.xml><?xml version="1.0" encoding="utf-8"?>
 <p:sld xmlns:a="http://schemas.openxmlformats.org/drawingml/2006/main" xmlns:r="http://schemas.openxmlformats.org/officeDocument/2006/relationships" xmlns:p="http://schemas.openxmlformats.org/presentationml/2006/main">
   <p:cSld>
     <p:spTree>
@@ -11089,7 +13142,7 @@
 </p:sld>
 </file>
 
-<file path=ppt/slides/slide53.xml><?xml version="1.0" encoding="utf-8"?>
+<file path=ppt/slides/slide65.xml><?xml version="1.0" encoding="utf-8"?>
 <p:sld xmlns:a="http://schemas.openxmlformats.org/drawingml/2006/main" xmlns:r="http://schemas.openxmlformats.org/officeDocument/2006/relationships" xmlns:p="http://schemas.openxmlformats.org/presentationml/2006/main">
   <p:cSld>
     <p:spTree>
@@ -11232,7 +13285,7 @@
 </p:sld>
 </file>
 
-<file path=ppt/slides/slide54.xml><?xml version="1.0" encoding="utf-8"?>
+<file path=ppt/slides/slide66.xml><?xml version="1.0" encoding="utf-8"?>
 <p:sld xmlns:a="http://schemas.openxmlformats.org/drawingml/2006/main" xmlns:r="http://schemas.openxmlformats.org/officeDocument/2006/relationships" xmlns:p="http://schemas.openxmlformats.org/presentationml/2006/main">
   <p:cSld>
     <p:spTree>
@@ -11360,7 +13413,7 @@
 </p:sld>
 </file>
 
-<file path=ppt/slides/slide55.xml><?xml version="1.0" encoding="utf-8"?>
+<file path=ppt/slides/slide67.xml><?xml version="1.0" encoding="utf-8"?>
 <p:sld xmlns:a="http://schemas.openxmlformats.org/drawingml/2006/main" xmlns:r="http://schemas.openxmlformats.org/officeDocument/2006/relationships" xmlns:p="http://schemas.openxmlformats.org/presentationml/2006/main">
   <p:cSld>
     <p:spTree>
@@ -11535,7 +13588,7 @@
 </p:sld>
 </file>
 
-<file path=ppt/slides/slide56.xml><?xml version="1.0" encoding="utf-8"?>
+<file path=ppt/slides/slide68.xml><?xml version="1.0" encoding="utf-8"?>
 <p:sld xmlns:a="http://schemas.openxmlformats.org/drawingml/2006/main" xmlns:r="http://schemas.openxmlformats.org/officeDocument/2006/relationships" xmlns:p="http://schemas.openxmlformats.org/presentationml/2006/main">
   <p:cSld>
     <p:spTree>
@@ -11724,7 +13777,7 @@
 </p:sld>
 </file>
 
-<file path=ppt/slides/slide57.xml><?xml version="1.0" encoding="utf-8"?>
+<file path=ppt/slides/slide69.xml><?xml version="1.0" encoding="utf-8"?>
 <p:sld xmlns:a="http://schemas.openxmlformats.org/drawingml/2006/main" xmlns:r="http://schemas.openxmlformats.org/officeDocument/2006/relationships" xmlns:p="http://schemas.openxmlformats.org/presentationml/2006/main">
   <p:cSld>
     <p:spTree>
@@ -11896,7 +13949,140 @@
 </p:sld>
 </file>
 
-<file path=ppt/slides/slide58.xml><?xml version="1.0" encoding="utf-8"?>
+<file path=ppt/slides/slide7.xml><?xml version="1.0" encoding="utf-8"?>
+<p:sld xmlns:a="http://schemas.openxmlformats.org/drawingml/2006/main" xmlns:r="http://schemas.openxmlformats.org/officeDocument/2006/relationships" xmlns:p="http://schemas.openxmlformats.org/presentationml/2006/main">
+  <p:cSld>
+    <p:spTree>
+      <p:nvGrpSpPr>
+        <p:cNvPr id="1" name=""/>
+        <p:cNvGrpSpPr/>
+        <p:nvPr/>
+      </p:nvGrpSpPr>
+      <p:grpSpPr>
+        <a:xfrm>
+          <a:off x="0" y="0"/>
+          <a:ext cx="0" cy="0"/>
+          <a:chOff x="0" y="0"/>
+          <a:chExt cx="0" cy="0"/>
+        </a:xfrm>
+      </p:grpSpPr>
+      <p:sp>
+        <p:nvSpPr>
+          <p:cNvPr id="2" name="Title 1"/>
+          <p:cNvSpPr>
+            <a:spLocks noGrp="1"/>
+          </p:cNvSpPr>
+          <p:nvPr>
+            <p:ph type="title"/>
+          </p:nvPr>
+        </p:nvSpPr>
+        <p:spPr/>
+        <p:txBody>
+          <a:bodyPr/>
+          <a:lstStyle/>
+          <a:p>
+            <a:r>
+              <a:rPr lang="en-US" dirty="0"/>
+              <a:t>Equality of References</a:t>
+            </a:r>
+            <a:endParaRPr lang="he-IL" dirty="0"/>
+          </a:p>
+        </p:txBody>
+      </p:sp>
+      <p:sp>
+        <p:nvSpPr>
+          <p:cNvPr id="3" name="Content Placeholder 2"/>
+          <p:cNvSpPr>
+            <a:spLocks noGrp="1"/>
+          </p:cNvSpPr>
+          <p:nvPr>
+            <p:ph idx="1"/>
+          </p:nvPr>
+        </p:nvSpPr>
+        <p:spPr/>
+        <p:txBody>
+          <a:bodyPr/>
+          <a:lstStyle/>
+          <a:p>
+            <a:pPr algn="l" rtl="0">
+              <a:buNone/>
+            </a:pPr>
+            <a:r>
+              <a:rPr lang="en-US" dirty="0"/>
+              <a:t>Any Object in JavaScript (including functions, </a:t>
+            </a:r>
+          </a:p>
+          <a:p>
+            <a:pPr algn="l" rtl="0">
+              <a:buNone/>
+            </a:pPr>
+            <a:r>
+              <a:rPr lang="en-US" dirty="0"/>
+              <a:t>arrays, </a:t>
+            </a:r>
+            <a:r>
+              <a:rPr lang="en-US" dirty="0" err="1"/>
+              <a:t>regexp</a:t>
+            </a:r>
+            <a:r>
+              <a:rPr lang="en-US" dirty="0"/>
+              <a:t> etc) are references.</a:t>
+            </a:r>
+            <a:endParaRPr lang="he-IL" dirty="0"/>
+          </a:p>
+          <a:p>
+            <a:pPr algn="l" rtl="0">
+              <a:buNone/>
+            </a:pPr>
+            <a:endParaRPr lang="en-US" dirty="0"/>
+          </a:p>
+          <a:p>
+            <a:pPr algn="l" rtl="0">
+              <a:buNone/>
+            </a:pPr>
+            <a:r>
+              <a:rPr lang="en-US" dirty="0"/>
+              <a:t>Object equality is for references:</a:t>
+            </a:r>
+            <a:endParaRPr lang="he-IL" dirty="0"/>
+          </a:p>
+        </p:txBody>
+      </p:sp>
+      <p:pic>
+        <p:nvPicPr>
+          <p:cNvPr id="1026" name="Picture 2" descr="C:\Users\israel\Desktop\Capture.PNG"/>
+          <p:cNvPicPr>
+            <a:picLocks noChangeAspect="1" noChangeArrowheads="1"/>
+          </p:cNvPicPr>
+          <p:nvPr/>
+        </p:nvPicPr>
+        <p:blipFill>
+          <a:blip r:embed="rId2" cstate="print"/>
+          <a:srcRect/>
+          <a:stretch>
+            <a:fillRect/>
+          </a:stretch>
+        </p:blipFill>
+        <p:spPr bwMode="auto">
+          <a:xfrm>
+            <a:off x="533400" y="3733800"/>
+            <a:ext cx="4876800" cy="1752600"/>
+          </a:xfrm>
+          <a:prstGeom prst="rect">
+            <a:avLst/>
+          </a:prstGeom>
+          <a:noFill/>
+        </p:spPr>
+      </p:pic>
+    </p:spTree>
+  </p:cSld>
+  <p:clrMapOvr>
+    <a:masterClrMapping/>
+  </p:clrMapOvr>
+</p:sld>
+</file>
+
+<file path=ppt/slides/slide70.xml><?xml version="1.0" encoding="utf-8"?>
 <p:sld xmlns:a="http://schemas.openxmlformats.org/drawingml/2006/main" xmlns:r="http://schemas.openxmlformats.org/officeDocument/2006/relationships" xmlns:p="http://schemas.openxmlformats.org/presentationml/2006/main">
   <p:cSld>
     <p:spTree>
@@ -12022,7 +14208,7 @@
 </p:sld>
 </file>
 
-<file path=ppt/slides/slide59.xml><?xml version="1.0" encoding="utf-8"?>
+<file path=ppt/slides/slide71.xml><?xml version="1.0" encoding="utf-8"?>
 <p:sld xmlns:a="http://schemas.openxmlformats.org/drawingml/2006/main" xmlns:r="http://schemas.openxmlformats.org/officeDocument/2006/relationships" xmlns:p="http://schemas.openxmlformats.org/presentationml/2006/main">
   <p:cSld>
     <p:spTree>
@@ -12184,173 +14370,7 @@
 </p:sld>
 </file>
 
-<file path=ppt/slides/slide6.xml><?xml version="1.0" encoding="utf-8"?>
-<p:sld xmlns:a="http://schemas.openxmlformats.org/drawingml/2006/main" xmlns:r="http://schemas.openxmlformats.org/officeDocument/2006/relationships" xmlns:p="http://schemas.openxmlformats.org/presentationml/2006/main">
-  <p:cSld>
-    <p:spTree>
-      <p:nvGrpSpPr>
-        <p:cNvPr id="1" name=""/>
-        <p:cNvGrpSpPr/>
-        <p:nvPr/>
-      </p:nvGrpSpPr>
-      <p:grpSpPr>
-        <a:xfrm>
-          <a:off x="0" y="0"/>
-          <a:ext cx="0" cy="0"/>
-          <a:chOff x="0" y="0"/>
-          <a:chExt cx="0" cy="0"/>
-        </a:xfrm>
-      </p:grpSpPr>
-      <p:sp>
-        <p:nvSpPr>
-          <p:cNvPr id="2" name="Title 1"/>
-          <p:cNvSpPr>
-            <a:spLocks noGrp="1"/>
-          </p:cNvSpPr>
-          <p:nvPr>
-            <p:ph type="title"/>
-          </p:nvPr>
-        </p:nvSpPr>
-        <p:spPr/>
-        <p:txBody>
-          <a:bodyPr/>
-          <a:lstStyle/>
-          <a:p>
-            <a:r>
-              <a:rPr lang="en-US" sz="4000" dirty="0"/>
-              <a:t>Equality</a:t>
-            </a:r>
-            <a:endParaRPr lang="he-IL" dirty="0"/>
-          </a:p>
-        </p:txBody>
-      </p:sp>
-      <p:sp>
-        <p:nvSpPr>
-          <p:cNvPr id="3" name="Content Placeholder 2"/>
-          <p:cNvSpPr>
-            <a:spLocks noGrp="1"/>
-          </p:cNvSpPr>
-          <p:nvPr>
-            <p:ph idx="1"/>
-          </p:nvPr>
-        </p:nvSpPr>
-        <p:spPr/>
-        <p:txBody>
-          <a:bodyPr/>
-          <a:lstStyle/>
-          <a:p>
-            <a:pPr algn="l" rtl="0">
-              <a:buNone/>
-            </a:pPr>
-            <a:r>
-              <a:rPr lang="en-US" dirty="0"/>
-              <a:t>As mentioned at the table above, objects</a:t>
-            </a:r>
-          </a:p>
-          <a:p>
-            <a:pPr algn="l" rtl="0">
-              <a:buNone/>
-            </a:pPr>
-            <a:r>
-              <a:rPr lang="en-US" dirty="0"/>
-              <a:t>Evaluated to true.</a:t>
-            </a:r>
-          </a:p>
-          <a:p>
-            <a:pPr algn="l" rtl="0">
-              <a:buNone/>
-            </a:pPr>
-            <a:r>
-              <a:rPr lang="en-US" dirty="0"/>
-              <a:t>That is why even an empty array evaluates to</a:t>
-            </a:r>
-          </a:p>
-          <a:p>
-            <a:pPr algn="l" rtl="0">
-              <a:buNone/>
-            </a:pPr>
-            <a:r>
-              <a:rPr lang="en-US" dirty="0"/>
-              <a:t>true.</a:t>
-            </a:r>
-          </a:p>
-          <a:p>
-            <a:pPr algn="l" rtl="0">
-              <a:buNone/>
-            </a:pPr>
-            <a:endParaRPr lang="en-US" dirty="0"/>
-          </a:p>
-          <a:p>
-            <a:pPr algn="l" rtl="0">
-              <a:buNone/>
-            </a:pPr>
-            <a:r>
-              <a:rPr lang="en-US" dirty="0">
-                <a:solidFill>
-                  <a:srgbClr val="FF0000"/>
-                </a:solidFill>
-              </a:rPr>
-              <a:t>If</a:t>
-            </a:r>
-            <a:r>
-              <a:rPr lang="en-US" dirty="0"/>
-              <a:t>([]) {</a:t>
-            </a:r>
-          </a:p>
-          <a:p>
-            <a:pPr algn="l" rtl="0">
-              <a:buNone/>
-            </a:pPr>
-            <a:r>
-              <a:rPr lang="en-US" dirty="0"/>
-              <a:t>	</a:t>
-            </a:r>
-            <a:r>
-              <a:rPr lang="en-US" dirty="0">
-                <a:solidFill>
-                  <a:srgbClr val="92D050"/>
-                </a:solidFill>
-              </a:rPr>
-              <a:t>// true</a:t>
-            </a:r>
-          </a:p>
-          <a:p>
-            <a:pPr algn="l" rtl="0">
-              <a:buNone/>
-            </a:pPr>
-            <a:r>
-              <a:rPr lang="en-US" dirty="0"/>
-              <a:t>	</a:t>
-            </a:r>
-            <a:r>
-              <a:rPr lang="en-US" dirty="0">
-                <a:solidFill>
-                  <a:srgbClr val="92D050"/>
-                </a:solidFill>
-              </a:rPr>
-              <a:t>// an array (even an empty one) is an    object, objects will evaluate to true</a:t>
-            </a:r>
-          </a:p>
-          <a:p>
-            <a:pPr algn="l" rtl="0">
-              <a:buNone/>
-            </a:pPr>
-            <a:r>
-              <a:rPr lang="en-US" dirty="0"/>
-              <a:t>}</a:t>
-            </a:r>
-          </a:p>
-        </p:txBody>
-      </p:sp>
-    </p:spTree>
-  </p:cSld>
-  <p:clrMapOvr>
-    <a:masterClrMapping/>
-  </p:clrMapOvr>
-</p:sld>
-</file>
-
-<file path=ppt/slides/slide60.xml><?xml version="1.0" encoding="utf-8"?>
+<file path=ppt/slides/slide72.xml><?xml version="1.0" encoding="utf-8"?>
 <p:sld xmlns:a="http://schemas.openxmlformats.org/drawingml/2006/main" xmlns:r="http://schemas.openxmlformats.org/officeDocument/2006/relationships" xmlns:p="http://schemas.openxmlformats.org/presentationml/2006/main">
   <p:cSld>
     <p:spTree>
@@ -12502,7 +14522,7 @@
 </p:sld>
 </file>
 
-<file path=ppt/slides/slide61.xml><?xml version="1.0" encoding="utf-8"?>
+<file path=ppt/slides/slide73.xml><?xml version="1.0" encoding="utf-8"?>
 <p:sld xmlns:a="http://schemas.openxmlformats.org/drawingml/2006/main" xmlns:r="http://schemas.openxmlformats.org/officeDocument/2006/relationships" xmlns:p="http://schemas.openxmlformats.org/presentationml/2006/main">
   <p:cSld>
     <p:spTree>
@@ -12638,7 +14658,7 @@
 </p:sld>
 </file>
 
-<file path=ppt/slides/slide62.xml><?xml version="1.0" encoding="utf-8"?>
+<file path=ppt/slides/slide74.xml><?xml version="1.0" encoding="utf-8"?>
 <p:sld xmlns:a="http://schemas.openxmlformats.org/drawingml/2006/main" xmlns:r="http://schemas.openxmlformats.org/officeDocument/2006/relationships" xmlns:p="http://schemas.openxmlformats.org/presentationml/2006/main">
   <p:cSld>
     <p:spTree>
@@ -12806,7 +14826,7 @@
 </p:sld>
 </file>
 
-<file path=ppt/slides/slide63.xml><?xml version="1.0" encoding="utf-8"?>
+<file path=ppt/slides/slide75.xml><?xml version="1.0" encoding="utf-8"?>
 <p:sld xmlns:a="http://schemas.openxmlformats.org/drawingml/2006/main" xmlns:r="http://schemas.openxmlformats.org/officeDocument/2006/relationships" xmlns:p="http://schemas.openxmlformats.org/presentationml/2006/main">
   <p:cSld>
     <p:spTree>
@@ -12946,7 +14966,7 @@
 </p:sld>
 </file>
 
-<file path=ppt/slides/slide64.xml><?xml version="1.0" encoding="utf-8"?>
+<file path=ppt/slides/slide76.xml><?xml version="1.0" encoding="utf-8"?>
 <p:sld xmlns:a="http://schemas.openxmlformats.org/drawingml/2006/main" xmlns:r="http://schemas.openxmlformats.org/officeDocument/2006/relationships" xmlns:p="http://schemas.openxmlformats.org/presentationml/2006/main">
   <p:cSld>
     <p:spTree>
@@ -13146,7 +15166,7 @@
 </p:sld>
 </file>
 
-<file path=ppt/slides/slide65.xml><?xml version="1.0" encoding="utf-8"?>
+<file path=ppt/slides/slide77.xml><?xml version="1.0" encoding="utf-8"?>
 <p:sld xmlns:a="http://schemas.openxmlformats.org/drawingml/2006/main" xmlns:r="http://schemas.openxmlformats.org/officeDocument/2006/relationships" xmlns:p="http://schemas.openxmlformats.org/presentationml/2006/main">
   <p:cSld>
     <p:spTree>
@@ -13329,7 +15349,7 @@
 </p:sld>
 </file>
 
-<file path=ppt/slides/slide66.xml><?xml version="1.0" encoding="utf-8"?>
+<file path=ppt/slides/slide78.xml><?xml version="1.0" encoding="utf-8"?>
 <p:sld xmlns:a="http://schemas.openxmlformats.org/drawingml/2006/main" xmlns:r="http://schemas.openxmlformats.org/officeDocument/2006/relationships" xmlns:p="http://schemas.openxmlformats.org/presentationml/2006/main">
   <p:cSld>
     <p:spTree>
@@ -13708,139 +15728,6 @@
           </a:p>
         </p:txBody>
       </p:sp>
-    </p:spTree>
-  </p:cSld>
-  <p:clrMapOvr>
-    <a:masterClrMapping/>
-  </p:clrMapOvr>
-</p:sld>
-</file>
-
-<file path=ppt/slides/slide7.xml><?xml version="1.0" encoding="utf-8"?>
-<p:sld xmlns:a="http://schemas.openxmlformats.org/drawingml/2006/main" xmlns:r="http://schemas.openxmlformats.org/officeDocument/2006/relationships" xmlns:p="http://schemas.openxmlformats.org/presentationml/2006/main">
-  <p:cSld>
-    <p:spTree>
-      <p:nvGrpSpPr>
-        <p:cNvPr id="1" name=""/>
-        <p:cNvGrpSpPr/>
-        <p:nvPr/>
-      </p:nvGrpSpPr>
-      <p:grpSpPr>
-        <a:xfrm>
-          <a:off x="0" y="0"/>
-          <a:ext cx="0" cy="0"/>
-          <a:chOff x="0" y="0"/>
-          <a:chExt cx="0" cy="0"/>
-        </a:xfrm>
-      </p:grpSpPr>
-      <p:sp>
-        <p:nvSpPr>
-          <p:cNvPr id="2" name="Title 1"/>
-          <p:cNvSpPr>
-            <a:spLocks noGrp="1"/>
-          </p:cNvSpPr>
-          <p:nvPr>
-            <p:ph type="title"/>
-          </p:nvPr>
-        </p:nvSpPr>
-        <p:spPr/>
-        <p:txBody>
-          <a:bodyPr/>
-          <a:lstStyle/>
-          <a:p>
-            <a:r>
-              <a:rPr lang="en-US" dirty="0"/>
-              <a:t>Equality of References</a:t>
-            </a:r>
-            <a:endParaRPr lang="he-IL" dirty="0"/>
-          </a:p>
-        </p:txBody>
-      </p:sp>
-      <p:sp>
-        <p:nvSpPr>
-          <p:cNvPr id="3" name="Content Placeholder 2"/>
-          <p:cNvSpPr>
-            <a:spLocks noGrp="1"/>
-          </p:cNvSpPr>
-          <p:nvPr>
-            <p:ph idx="1"/>
-          </p:nvPr>
-        </p:nvSpPr>
-        <p:spPr/>
-        <p:txBody>
-          <a:bodyPr/>
-          <a:lstStyle/>
-          <a:p>
-            <a:pPr algn="l" rtl="0">
-              <a:buNone/>
-            </a:pPr>
-            <a:r>
-              <a:rPr lang="en-US" dirty="0"/>
-              <a:t>Any Object in JavaScript (including functions, </a:t>
-            </a:r>
-          </a:p>
-          <a:p>
-            <a:pPr algn="l" rtl="0">
-              <a:buNone/>
-            </a:pPr>
-            <a:r>
-              <a:rPr lang="en-US" dirty="0"/>
-              <a:t>arrays, </a:t>
-            </a:r>
-            <a:r>
-              <a:rPr lang="en-US" dirty="0" err="1"/>
-              <a:t>regexp</a:t>
-            </a:r>
-            <a:r>
-              <a:rPr lang="en-US" dirty="0"/>
-              <a:t> etc) are references.</a:t>
-            </a:r>
-            <a:endParaRPr lang="he-IL" dirty="0"/>
-          </a:p>
-          <a:p>
-            <a:pPr algn="l" rtl="0">
-              <a:buNone/>
-            </a:pPr>
-            <a:endParaRPr lang="en-US" dirty="0"/>
-          </a:p>
-          <a:p>
-            <a:pPr algn="l" rtl="0">
-              <a:buNone/>
-            </a:pPr>
-            <a:r>
-              <a:rPr lang="en-US" dirty="0"/>
-              <a:t>Object equality is for references:</a:t>
-            </a:r>
-            <a:endParaRPr lang="he-IL" dirty="0"/>
-          </a:p>
-        </p:txBody>
-      </p:sp>
-      <p:pic>
-        <p:nvPicPr>
-          <p:cNvPr id="1026" name="Picture 2" descr="C:\Users\israel\Desktop\Capture.PNG"/>
-          <p:cNvPicPr>
-            <a:picLocks noChangeAspect="1" noChangeArrowheads="1"/>
-          </p:cNvPicPr>
-          <p:nvPr/>
-        </p:nvPicPr>
-        <p:blipFill>
-          <a:blip r:embed="rId2" cstate="print"/>
-          <a:srcRect/>
-          <a:stretch>
-            <a:fillRect/>
-          </a:stretch>
-        </p:blipFill>
-        <p:spPr bwMode="auto">
-          <a:xfrm>
-            <a:off x="533400" y="3733800"/>
-            <a:ext cx="4876800" cy="1752600"/>
-          </a:xfrm>
-          <a:prstGeom prst="rect">
-            <a:avLst/>
-          </a:prstGeom>
-          <a:noFill/>
-        </p:spPr>
-      </p:pic>
     </p:spTree>
   </p:cSld>
   <p:clrMapOvr>

--- a/Advanced Es6 & TypeScript.pptx
+++ b/Advanced Es6 & TypeScript.pptx
@@ -9,80 +9,83 @@
     <p:sldId id="261" r:id="rId3"/>
     <p:sldId id="257" r:id="rId4"/>
     <p:sldId id="258" r:id="rId5"/>
-    <p:sldId id="259" r:id="rId6"/>
-    <p:sldId id="260" r:id="rId7"/>
-    <p:sldId id="262" r:id="rId8"/>
-    <p:sldId id="263" r:id="rId9"/>
-    <p:sldId id="266" r:id="rId10"/>
-    <p:sldId id="271" r:id="rId11"/>
-    <p:sldId id="272" r:id="rId12"/>
-    <p:sldId id="264" r:id="rId13"/>
-    <p:sldId id="267" r:id="rId14"/>
-    <p:sldId id="269" r:id="rId15"/>
-    <p:sldId id="270" r:id="rId16"/>
-    <p:sldId id="265" r:id="rId17"/>
-    <p:sldId id="273" r:id="rId18"/>
-    <p:sldId id="274" r:id="rId19"/>
-    <p:sldId id="275" r:id="rId20"/>
-    <p:sldId id="276" r:id="rId21"/>
-    <p:sldId id="277" r:id="rId22"/>
-    <p:sldId id="278" r:id="rId23"/>
-    <p:sldId id="279" r:id="rId24"/>
-    <p:sldId id="280" r:id="rId25"/>
-    <p:sldId id="281" r:id="rId26"/>
-    <p:sldId id="282" r:id="rId27"/>
-    <p:sldId id="283" r:id="rId28"/>
-    <p:sldId id="284" r:id="rId29"/>
-    <p:sldId id="285" r:id="rId30"/>
-    <p:sldId id="286" r:id="rId31"/>
-    <p:sldId id="317" r:id="rId32"/>
-    <p:sldId id="318" r:id="rId33"/>
-    <p:sldId id="319" r:id="rId34"/>
-    <p:sldId id="320" r:id="rId35"/>
-    <p:sldId id="287" r:id="rId36"/>
-    <p:sldId id="288" r:id="rId37"/>
-    <p:sldId id="289" r:id="rId38"/>
-    <p:sldId id="290" r:id="rId39"/>
-    <p:sldId id="291" r:id="rId40"/>
-    <p:sldId id="292" r:id="rId41"/>
-    <p:sldId id="293" r:id="rId42"/>
-    <p:sldId id="294" r:id="rId43"/>
-    <p:sldId id="295" r:id="rId44"/>
-    <p:sldId id="299" r:id="rId45"/>
-    <p:sldId id="301" r:id="rId46"/>
-    <p:sldId id="300" r:id="rId47"/>
-    <p:sldId id="323" r:id="rId48"/>
-    <p:sldId id="324" r:id="rId49"/>
-    <p:sldId id="325" r:id="rId50"/>
-    <p:sldId id="326" r:id="rId51"/>
-    <p:sldId id="327" r:id="rId52"/>
-    <p:sldId id="328" r:id="rId53"/>
-    <p:sldId id="322" r:id="rId54"/>
-    <p:sldId id="330" r:id="rId55"/>
-    <p:sldId id="331" r:id="rId56"/>
-    <p:sldId id="332" r:id="rId57"/>
-    <p:sldId id="333" r:id="rId58"/>
-    <p:sldId id="334" r:id="rId59"/>
-    <p:sldId id="329" r:id="rId60"/>
-    <p:sldId id="321" r:id="rId61"/>
-    <p:sldId id="302" r:id="rId62"/>
-    <p:sldId id="296" r:id="rId63"/>
-    <p:sldId id="297" r:id="rId64"/>
-    <p:sldId id="298" r:id="rId65"/>
-    <p:sldId id="303" r:id="rId66"/>
-    <p:sldId id="304" r:id="rId67"/>
-    <p:sldId id="305" r:id="rId68"/>
-    <p:sldId id="306" r:id="rId69"/>
-    <p:sldId id="307" r:id="rId70"/>
-    <p:sldId id="308" r:id="rId71"/>
-    <p:sldId id="309" r:id="rId72"/>
-    <p:sldId id="310" r:id="rId73"/>
-    <p:sldId id="311" r:id="rId74"/>
-    <p:sldId id="312" r:id="rId75"/>
-    <p:sldId id="313" r:id="rId76"/>
-    <p:sldId id="314" r:id="rId77"/>
-    <p:sldId id="316" r:id="rId78"/>
-    <p:sldId id="268" r:id="rId79"/>
+    <p:sldId id="335" r:id="rId6"/>
+    <p:sldId id="259" r:id="rId7"/>
+    <p:sldId id="260" r:id="rId8"/>
+    <p:sldId id="262" r:id="rId9"/>
+    <p:sldId id="263" r:id="rId10"/>
+    <p:sldId id="266" r:id="rId11"/>
+    <p:sldId id="336" r:id="rId12"/>
+    <p:sldId id="271" r:id="rId13"/>
+    <p:sldId id="272" r:id="rId14"/>
+    <p:sldId id="264" r:id="rId15"/>
+    <p:sldId id="265" r:id="rId16"/>
+    <p:sldId id="267" r:id="rId17"/>
+    <p:sldId id="269" r:id="rId18"/>
+    <p:sldId id="270" r:id="rId19"/>
+    <p:sldId id="337" r:id="rId20"/>
+    <p:sldId id="273" r:id="rId21"/>
+    <p:sldId id="274" r:id="rId22"/>
+    <p:sldId id="275" r:id="rId23"/>
+    <p:sldId id="276" r:id="rId24"/>
+    <p:sldId id="277" r:id="rId25"/>
+    <p:sldId id="278" r:id="rId26"/>
+    <p:sldId id="279" r:id="rId27"/>
+    <p:sldId id="280" r:id="rId28"/>
+    <p:sldId id="281" r:id="rId29"/>
+    <p:sldId id="282" r:id="rId30"/>
+    <p:sldId id="283" r:id="rId31"/>
+    <p:sldId id="284" r:id="rId32"/>
+    <p:sldId id="285" r:id="rId33"/>
+    <p:sldId id="286" r:id="rId34"/>
+    <p:sldId id="317" r:id="rId35"/>
+    <p:sldId id="318" r:id="rId36"/>
+    <p:sldId id="319" r:id="rId37"/>
+    <p:sldId id="320" r:id="rId38"/>
+    <p:sldId id="287" r:id="rId39"/>
+    <p:sldId id="288" r:id="rId40"/>
+    <p:sldId id="289" r:id="rId41"/>
+    <p:sldId id="290" r:id="rId42"/>
+    <p:sldId id="291" r:id="rId43"/>
+    <p:sldId id="292" r:id="rId44"/>
+    <p:sldId id="293" r:id="rId45"/>
+    <p:sldId id="294" r:id="rId46"/>
+    <p:sldId id="295" r:id="rId47"/>
+    <p:sldId id="299" r:id="rId48"/>
+    <p:sldId id="301" r:id="rId49"/>
+    <p:sldId id="300" r:id="rId50"/>
+    <p:sldId id="323" r:id="rId51"/>
+    <p:sldId id="324" r:id="rId52"/>
+    <p:sldId id="325" r:id="rId53"/>
+    <p:sldId id="326" r:id="rId54"/>
+    <p:sldId id="327" r:id="rId55"/>
+    <p:sldId id="328" r:id="rId56"/>
+    <p:sldId id="322" r:id="rId57"/>
+    <p:sldId id="330" r:id="rId58"/>
+    <p:sldId id="331" r:id="rId59"/>
+    <p:sldId id="332" r:id="rId60"/>
+    <p:sldId id="333" r:id="rId61"/>
+    <p:sldId id="334" r:id="rId62"/>
+    <p:sldId id="329" r:id="rId63"/>
+    <p:sldId id="321" r:id="rId64"/>
+    <p:sldId id="302" r:id="rId65"/>
+    <p:sldId id="296" r:id="rId66"/>
+    <p:sldId id="297" r:id="rId67"/>
+    <p:sldId id="298" r:id="rId68"/>
+    <p:sldId id="303" r:id="rId69"/>
+    <p:sldId id="304" r:id="rId70"/>
+    <p:sldId id="305" r:id="rId71"/>
+    <p:sldId id="306" r:id="rId72"/>
+    <p:sldId id="307" r:id="rId73"/>
+    <p:sldId id="308" r:id="rId74"/>
+    <p:sldId id="309" r:id="rId75"/>
+    <p:sldId id="310" r:id="rId76"/>
+    <p:sldId id="311" r:id="rId77"/>
+    <p:sldId id="312" r:id="rId78"/>
+    <p:sldId id="313" r:id="rId79"/>
+    <p:sldId id="314" r:id="rId80"/>
+    <p:sldId id="316" r:id="rId81"/>
+    <p:sldId id="268" r:id="rId82"/>
   </p:sldIdLst>
   <p:sldSz cx="9144000" cy="6858000" type="screen4x3"/>
   <p:notesSz cx="6858000" cy="9144000"/>
@@ -3730,6 +3733,303 @@
         </p:nvSpPr>
         <p:spPr/>
         <p:txBody>
+          <a:bodyPr/>
+          <a:lstStyle/>
+          <a:p>
+            <a:pPr algn="l" rtl="0">
+              <a:buNone/>
+            </a:pPr>
+            <a:r>
+              <a:rPr lang="en-US" dirty="0"/>
+              <a:t>Let's see some examples:</a:t>
+            </a:r>
+            <a:endParaRPr lang="he-IL" dirty="0"/>
+          </a:p>
+        </p:txBody>
+      </p:sp>
+      <p:pic>
+        <p:nvPicPr>
+          <p:cNvPr id="5" name="Picture 4" descr="Text&#10;&#10;Description automatically generated">
+            <a:extLst>
+              <a:ext uri="{FF2B5EF4-FFF2-40B4-BE49-F238E27FC236}">
+                <a16:creationId xmlns:a16="http://schemas.microsoft.com/office/drawing/2014/main" id="{79D12836-D2B6-8D4C-8208-321B12CBE16E}"/>
+              </a:ext>
+            </a:extLst>
+          </p:cNvPr>
+          <p:cNvPicPr>
+            <a:picLocks noChangeAspect="1"/>
+          </p:cNvPicPr>
+          <p:nvPr/>
+        </p:nvPicPr>
+        <p:blipFill>
+          <a:blip r:embed="rId2">
+            <a:extLst>
+              <a:ext uri="{28A0092B-C50C-407E-A947-70E740481C1C}">
+                <a14:useLocalDpi xmlns:a14="http://schemas.microsoft.com/office/drawing/2010/main" val="0"/>
+              </a:ext>
+            </a:extLst>
+          </a:blip>
+          <a:stretch>
+            <a:fillRect/>
+          </a:stretch>
+        </p:blipFill>
+        <p:spPr>
+          <a:xfrm>
+            <a:off x="533400" y="2152252"/>
+            <a:ext cx="4495800" cy="1702955"/>
+          </a:xfrm>
+          <a:prstGeom prst="rect">
+            <a:avLst/>
+          </a:prstGeom>
+        </p:spPr>
+      </p:pic>
+      <p:pic>
+        <p:nvPicPr>
+          <p:cNvPr id="11" name="Picture 10" descr="Graphical user interface, text&#10;&#10;Description automatically generated">
+            <a:extLst>
+              <a:ext uri="{FF2B5EF4-FFF2-40B4-BE49-F238E27FC236}">
+                <a16:creationId xmlns:a16="http://schemas.microsoft.com/office/drawing/2014/main" id="{A30E9116-3D01-A945-9114-F2C241817375}"/>
+              </a:ext>
+            </a:extLst>
+          </p:cNvPr>
+          <p:cNvPicPr>
+            <a:picLocks noChangeAspect="1"/>
+          </p:cNvPicPr>
+          <p:nvPr/>
+        </p:nvPicPr>
+        <p:blipFill>
+          <a:blip r:embed="rId3">
+            <a:extLst>
+              <a:ext uri="{28A0092B-C50C-407E-A947-70E740481C1C}">
+                <a14:useLocalDpi xmlns:a14="http://schemas.microsoft.com/office/drawing/2010/main" val="0"/>
+              </a:ext>
+            </a:extLst>
+          </a:blip>
+          <a:stretch>
+            <a:fillRect/>
+          </a:stretch>
+        </p:blipFill>
+        <p:spPr>
+          <a:xfrm>
+            <a:off x="524422" y="4085743"/>
+            <a:ext cx="4504778" cy="902612"/>
+          </a:xfrm>
+          <a:prstGeom prst="rect">
+            <a:avLst/>
+          </a:prstGeom>
+        </p:spPr>
+      </p:pic>
+    </p:spTree>
+  </p:cSld>
+  <p:clrMapOvr>
+    <a:masterClrMapping/>
+  </p:clrMapOvr>
+</p:sld>
+</file>
+
+<file path=ppt/slides/slide11.xml><?xml version="1.0" encoding="utf-8"?>
+<p:sld xmlns:a="http://schemas.openxmlformats.org/drawingml/2006/main" xmlns:r="http://schemas.openxmlformats.org/officeDocument/2006/relationships" xmlns:p="http://schemas.openxmlformats.org/presentationml/2006/main">
+  <p:cSld>
+    <p:spTree>
+      <p:nvGrpSpPr>
+        <p:cNvPr id="1" name=""/>
+        <p:cNvGrpSpPr/>
+        <p:nvPr/>
+      </p:nvGrpSpPr>
+      <p:grpSpPr>
+        <a:xfrm>
+          <a:off x="0" y="0"/>
+          <a:ext cx="0" cy="0"/>
+          <a:chOff x="0" y="0"/>
+          <a:chExt cx="0" cy="0"/>
+        </a:xfrm>
+      </p:grpSpPr>
+      <p:sp>
+        <p:nvSpPr>
+          <p:cNvPr id="2" name="Title 1"/>
+          <p:cNvSpPr>
+            <a:spLocks noGrp="1"/>
+          </p:cNvSpPr>
+          <p:nvPr>
+            <p:ph type="title"/>
+          </p:nvPr>
+        </p:nvSpPr>
+        <p:spPr/>
+        <p:txBody>
+          <a:bodyPr/>
+          <a:lstStyle/>
+          <a:p>
+            <a:r>
+              <a:rPr lang="en-US" dirty="0"/>
+              <a:t>Null and undefined</a:t>
+            </a:r>
+            <a:endParaRPr lang="he-IL" dirty="0"/>
+          </a:p>
+        </p:txBody>
+      </p:sp>
+      <p:sp>
+        <p:nvSpPr>
+          <p:cNvPr id="3" name="Content Placeholder 2"/>
+          <p:cNvSpPr>
+            <a:spLocks noGrp="1"/>
+          </p:cNvSpPr>
+          <p:nvPr>
+            <p:ph idx="1"/>
+          </p:nvPr>
+        </p:nvSpPr>
+        <p:spPr/>
+        <p:txBody>
+          <a:bodyPr/>
+          <a:lstStyle/>
+          <a:p>
+            <a:pPr algn="l" rtl="0">
+              <a:buNone/>
+            </a:pPr>
+            <a:r>
+              <a:rPr lang="en-US" dirty="0"/>
+              <a:t>What do we see here?</a:t>
+            </a:r>
+            <a:endParaRPr lang="he-IL" dirty="0"/>
+          </a:p>
+        </p:txBody>
+      </p:sp>
+      <p:pic>
+        <p:nvPicPr>
+          <p:cNvPr id="7" name="Picture 6" descr="Graphical user interface, text&#10;&#10;Description automatically generated">
+            <a:extLst>
+              <a:ext uri="{FF2B5EF4-FFF2-40B4-BE49-F238E27FC236}">
+                <a16:creationId xmlns:a16="http://schemas.microsoft.com/office/drawing/2014/main" id="{ED9FB64D-724B-5F45-90ED-131F20AB57B2}"/>
+              </a:ext>
+            </a:extLst>
+          </p:cNvPr>
+          <p:cNvPicPr>
+            <a:picLocks noChangeAspect="1"/>
+          </p:cNvPicPr>
+          <p:nvPr/>
+        </p:nvPicPr>
+        <p:blipFill>
+          <a:blip r:embed="rId2">
+            <a:extLst>
+              <a:ext uri="{28A0092B-C50C-407E-A947-70E740481C1C}">
+                <a14:useLocalDpi xmlns:a14="http://schemas.microsoft.com/office/drawing/2010/main" val="0"/>
+              </a:ext>
+            </a:extLst>
+          </a:blip>
+          <a:stretch>
+            <a:fillRect/>
+          </a:stretch>
+        </p:blipFill>
+        <p:spPr>
+          <a:xfrm>
+            <a:off x="469024" y="4800600"/>
+            <a:ext cx="3810000" cy="1557680"/>
+          </a:xfrm>
+          <a:prstGeom prst="rect">
+            <a:avLst/>
+          </a:prstGeom>
+        </p:spPr>
+      </p:pic>
+      <p:pic>
+        <p:nvPicPr>
+          <p:cNvPr id="9" name="Picture 8" descr="Text&#10;&#10;Description automatically generated">
+            <a:extLst>
+              <a:ext uri="{FF2B5EF4-FFF2-40B4-BE49-F238E27FC236}">
+                <a16:creationId xmlns:a16="http://schemas.microsoft.com/office/drawing/2014/main" id="{8E61ABEB-8B8C-3840-8054-70000A0847B7}"/>
+              </a:ext>
+            </a:extLst>
+          </p:cNvPr>
+          <p:cNvPicPr>
+            <a:picLocks noChangeAspect="1"/>
+          </p:cNvPicPr>
+          <p:nvPr/>
+        </p:nvPicPr>
+        <p:blipFill>
+          <a:blip r:embed="rId3">
+            <a:extLst>
+              <a:ext uri="{28A0092B-C50C-407E-A947-70E740481C1C}">
+                <a14:useLocalDpi xmlns:a14="http://schemas.microsoft.com/office/drawing/2010/main" val="0"/>
+              </a:ext>
+            </a:extLst>
+          </a:blip>
+          <a:stretch>
+            <a:fillRect/>
+          </a:stretch>
+        </p:blipFill>
+        <p:spPr>
+          <a:xfrm>
+            <a:off x="457200" y="2467565"/>
+            <a:ext cx="3810000" cy="1922870"/>
+          </a:xfrm>
+          <a:prstGeom prst="rect">
+            <a:avLst/>
+          </a:prstGeom>
+        </p:spPr>
+      </p:pic>
+    </p:spTree>
+    <p:extLst>
+      <p:ext uri="{BB962C8B-B14F-4D97-AF65-F5344CB8AC3E}">
+        <p14:creationId xmlns:p14="http://schemas.microsoft.com/office/powerpoint/2010/main" val="2454825426"/>
+      </p:ext>
+    </p:extLst>
+  </p:cSld>
+  <p:clrMapOvr>
+    <a:masterClrMapping/>
+  </p:clrMapOvr>
+</p:sld>
+</file>
+
+<file path=ppt/slides/slide12.xml><?xml version="1.0" encoding="utf-8"?>
+<p:sld xmlns:a="http://schemas.openxmlformats.org/drawingml/2006/main" xmlns:r="http://schemas.openxmlformats.org/officeDocument/2006/relationships" xmlns:p="http://schemas.openxmlformats.org/presentationml/2006/main">
+  <p:cSld>
+    <p:spTree>
+      <p:nvGrpSpPr>
+        <p:cNvPr id="1" name=""/>
+        <p:cNvGrpSpPr/>
+        <p:nvPr/>
+      </p:nvGrpSpPr>
+      <p:grpSpPr>
+        <a:xfrm>
+          <a:off x="0" y="0"/>
+          <a:ext cx="0" cy="0"/>
+          <a:chOff x="0" y="0"/>
+          <a:chExt cx="0" cy="0"/>
+        </a:xfrm>
+      </p:grpSpPr>
+      <p:sp>
+        <p:nvSpPr>
+          <p:cNvPr id="2" name="Title 1"/>
+          <p:cNvSpPr>
+            <a:spLocks noGrp="1"/>
+          </p:cNvSpPr>
+          <p:nvPr>
+            <p:ph type="title"/>
+          </p:nvPr>
+        </p:nvSpPr>
+        <p:spPr/>
+        <p:txBody>
+          <a:bodyPr/>
+          <a:lstStyle/>
+          <a:p>
+            <a:r>
+              <a:rPr lang="en-US" dirty="0"/>
+              <a:t>Null and undefined</a:t>
+            </a:r>
+            <a:endParaRPr lang="he-IL" dirty="0"/>
+          </a:p>
+        </p:txBody>
+      </p:sp>
+      <p:sp>
+        <p:nvSpPr>
+          <p:cNvPr id="3" name="Content Placeholder 2"/>
+          <p:cNvSpPr>
+            <a:spLocks noGrp="1"/>
+          </p:cNvSpPr>
+          <p:nvPr>
+            <p:ph idx="1"/>
+          </p:nvPr>
+        </p:nvSpPr>
+        <p:spPr/>
+        <p:txBody>
           <a:bodyPr>
             <a:normAutofit/>
           </a:bodyPr>
@@ -3784,7 +4084,7 @@
                   <a:srgbClr val="FF0000"/>
                 </a:solidFill>
               </a:rPr>
-              <a:t>strict null checking mode </a:t>
+              <a:t>strict null check mode, </a:t>
             </a:r>
             <a:r>
               <a:rPr lang="en-US" sz="2000" dirty="0"/>
@@ -3806,16 +4106,7 @@
             </a:pPr>
             <a:r>
               <a:rPr lang="en-US" sz="2000" dirty="0"/>
-              <a:t>undefined to be in preceded by an assignment to that</a:t>
-            </a:r>
-          </a:p>
-          <a:p>
-            <a:pPr algn="l" rtl="0">
-              <a:buNone/>
-            </a:pPr>
-            <a:r>
-              <a:rPr lang="en-US" sz="2000" dirty="0"/>
-              <a:t>variable every possible preceding code path.</a:t>
+              <a:t>undefined to be initialized before its usage.</a:t>
             </a:r>
             <a:endParaRPr lang="he-IL" sz="2000" dirty="0"/>
           </a:p>
@@ -3855,7 +4146,7 @@
 </p:sld>
 </file>
 
-<file path=ppt/slides/slide11.xml><?xml version="1.0" encoding="utf-8"?>
+<file path=ppt/slides/slide13.xml><?xml version="1.0" encoding="utf-8"?>
 <p:sld xmlns:a="http://schemas.openxmlformats.org/drawingml/2006/main" xmlns:r="http://schemas.openxmlformats.org/officeDocument/2006/relationships" xmlns:p="http://schemas.openxmlformats.org/presentationml/2006/main">
   <p:cSld>
     <p:spTree>
@@ -4008,239 +4299,6 @@
 </p:sld>
 </file>
 
-<file path=ppt/slides/slide12.xml><?xml version="1.0" encoding="utf-8"?>
-<p:sld xmlns:a="http://schemas.openxmlformats.org/drawingml/2006/main" xmlns:r="http://schemas.openxmlformats.org/officeDocument/2006/relationships" xmlns:p="http://schemas.openxmlformats.org/presentationml/2006/main">
-  <p:cSld>
-    <p:spTree>
-      <p:nvGrpSpPr>
-        <p:cNvPr id="1" name=""/>
-        <p:cNvGrpSpPr/>
-        <p:nvPr/>
-      </p:nvGrpSpPr>
-      <p:grpSpPr>
-        <a:xfrm>
-          <a:off x="0" y="0"/>
-          <a:ext cx="0" cy="0"/>
-          <a:chOff x="0" y="0"/>
-          <a:chExt cx="0" cy="0"/>
-        </a:xfrm>
-      </p:grpSpPr>
-      <p:sp>
-        <p:nvSpPr>
-          <p:cNvPr id="2" name="Title 1"/>
-          <p:cNvSpPr>
-            <a:spLocks noGrp="1"/>
-          </p:cNvSpPr>
-          <p:nvPr>
-            <p:ph type="title"/>
-          </p:nvPr>
-        </p:nvSpPr>
-        <p:spPr/>
-        <p:txBody>
-          <a:bodyPr/>
-          <a:lstStyle/>
-          <a:p>
-            <a:r>
-              <a:rPr lang="en-US" dirty="0"/>
-              <a:t>Null and undefined</a:t>
-            </a:r>
-            <a:endParaRPr lang="he-IL" dirty="0"/>
-          </a:p>
-        </p:txBody>
-      </p:sp>
-      <p:sp>
-        <p:nvSpPr>
-          <p:cNvPr id="3" name="Content Placeholder 2"/>
-          <p:cNvSpPr>
-            <a:spLocks noGrp="1"/>
-          </p:cNvSpPr>
-          <p:nvPr>
-            <p:ph idx="1"/>
-          </p:nvPr>
-        </p:nvSpPr>
-        <p:spPr/>
-        <p:txBody>
-          <a:bodyPr/>
-          <a:lstStyle/>
-          <a:p>
-            <a:pPr algn="l" rtl="0"/>
-            <a:r>
-              <a:rPr lang="en-US" dirty="0"/>
-              <a:t>A </a:t>
-            </a:r>
-            <a:r>
-              <a:rPr lang="en-US" b="1" dirty="0"/>
-              <a:t>null</a:t>
-            </a:r>
-            <a:r>
-              <a:rPr lang="en-US" dirty="0"/>
-              <a:t> value represents a reference that points, generally intentionally, to a nonexistent or invalid object or address</a:t>
-            </a:r>
-          </a:p>
-          <a:p>
-            <a:pPr algn="l" rtl="0"/>
-            <a:r>
-              <a:rPr lang="en-US" dirty="0"/>
-              <a:t>In APIs, null is often retrieved in a place where an object can be expected but no object is relevant.</a:t>
-            </a:r>
-          </a:p>
-          <a:p>
-            <a:pPr algn="l" rtl="0"/>
-            <a:r>
-              <a:rPr lang="en-US" dirty="0"/>
-              <a:t>Something hasn't been initialized :</a:t>
-            </a:r>
-            <a:r>
-              <a:rPr lang="en-US" b="1" dirty="0"/>
-              <a:t> undefined</a:t>
-            </a:r>
-            <a:r>
-              <a:rPr lang="en-US" dirty="0"/>
-              <a:t>.</a:t>
-            </a:r>
-          </a:p>
-          <a:p>
-            <a:pPr algn="l" rtl="0"/>
-            <a:r>
-              <a:rPr lang="en-US" dirty="0"/>
-              <a:t>Something is currently unavailable: </a:t>
-            </a:r>
-            <a:r>
-              <a:rPr lang="en-US" b="1" dirty="0"/>
-              <a:t>null</a:t>
-            </a:r>
-            <a:r>
-              <a:rPr lang="en-US" dirty="0"/>
-              <a:t>.</a:t>
-            </a:r>
-          </a:p>
-          <a:p>
-            <a:pPr algn="l" rtl="0"/>
-            <a:endParaRPr lang="he-IL" dirty="0"/>
-          </a:p>
-        </p:txBody>
-      </p:sp>
-    </p:spTree>
-  </p:cSld>
-  <p:clrMapOvr>
-    <a:masterClrMapping/>
-  </p:clrMapOvr>
-</p:sld>
-</file>
-
-<file path=ppt/slides/slide13.xml><?xml version="1.0" encoding="utf-8"?>
-<p:sld xmlns:a="http://schemas.openxmlformats.org/drawingml/2006/main" xmlns:r="http://schemas.openxmlformats.org/officeDocument/2006/relationships" xmlns:p="http://schemas.openxmlformats.org/presentationml/2006/main">
-  <p:cSld>
-    <p:spTree>
-      <p:nvGrpSpPr>
-        <p:cNvPr id="1" name=""/>
-        <p:cNvGrpSpPr/>
-        <p:nvPr/>
-      </p:nvGrpSpPr>
-      <p:grpSpPr>
-        <a:xfrm>
-          <a:off x="0" y="0"/>
-          <a:ext cx="0" cy="0"/>
-          <a:chOff x="0" y="0"/>
-          <a:chExt cx="0" cy="0"/>
-        </a:xfrm>
-      </p:grpSpPr>
-      <p:sp>
-        <p:nvSpPr>
-          <p:cNvPr id="2" name="Title 1"/>
-          <p:cNvSpPr>
-            <a:spLocks noGrp="1"/>
-          </p:cNvSpPr>
-          <p:nvPr>
-            <p:ph type="title"/>
-          </p:nvPr>
-        </p:nvSpPr>
-        <p:spPr/>
-        <p:txBody>
-          <a:bodyPr/>
-          <a:lstStyle/>
-          <a:p>
-            <a:r>
-              <a:rPr lang="en-US" dirty="0"/>
-              <a:t>Null and undefined</a:t>
-            </a:r>
-            <a:endParaRPr lang="he-IL" dirty="0"/>
-          </a:p>
-        </p:txBody>
-      </p:sp>
-      <p:sp>
-        <p:nvSpPr>
-          <p:cNvPr id="3" name="Content Placeholder 2"/>
-          <p:cNvSpPr>
-            <a:spLocks noGrp="1"/>
-          </p:cNvSpPr>
-          <p:nvPr>
-            <p:ph idx="1"/>
-          </p:nvPr>
-        </p:nvSpPr>
-        <p:spPr/>
-        <p:txBody>
-          <a:bodyPr/>
-          <a:lstStyle/>
-          <a:p>
-            <a:pPr algn="l" rtl="0"/>
-            <a:r>
-              <a:rPr lang="en-US" dirty="0"/>
-              <a:t>both when negated are giving true (</a:t>
-            </a:r>
-            <a:r>
-              <a:rPr lang="en-US" dirty="0" err="1"/>
-              <a:t>falsy</a:t>
-            </a:r>
-            <a:r>
-              <a:rPr lang="en-US" dirty="0"/>
-              <a:t> values), but none of them equals true or false.</a:t>
-            </a:r>
-          </a:p>
-          <a:p>
-            <a:pPr algn="l" rtl="0"/>
-            <a:r>
-              <a:rPr lang="en-US" dirty="0"/>
-              <a:t>In JavaScript, undefined has its own data type (undefined), null is only an object.</a:t>
-            </a:r>
-          </a:p>
-          <a:p>
-            <a:pPr algn="l" rtl="0"/>
-            <a:r>
-              <a:rPr lang="en-US" dirty="0"/>
-              <a:t>In JavaScript, null is treated as 0 in basic arithmetic operations, undefined returns ‘</a:t>
-            </a:r>
-            <a:r>
-              <a:rPr lang="en-US" dirty="0" err="1"/>
-              <a:t>NaN</a:t>
-            </a:r>
-            <a:r>
-              <a:rPr lang="en-US" dirty="0"/>
-              <a:t>’</a:t>
-            </a:r>
-          </a:p>
-          <a:p>
-            <a:pPr algn="l" rtl="0"/>
-            <a:endParaRPr lang="en-US" dirty="0"/>
-          </a:p>
-          <a:p>
-            <a:pPr algn="l" rtl="0"/>
-            <a:endParaRPr lang="en-US" dirty="0"/>
-          </a:p>
-          <a:p>
-            <a:pPr algn="l" rtl="0"/>
-            <a:endParaRPr lang="he-IL" dirty="0"/>
-          </a:p>
-        </p:txBody>
-      </p:sp>
-    </p:spTree>
-  </p:cSld>
-  <p:clrMapOvr>
-    <a:masterClrMapping/>
-  </p:clrMapOvr>
-</p:sld>
-</file>
-
 <file path=ppt/slides/slide14.xml><?xml version="1.0" encoding="utf-8"?>
 <p:sld xmlns:a="http://schemas.openxmlformats.org/drawingml/2006/main" xmlns:r="http://schemas.openxmlformats.org/officeDocument/2006/relationships" xmlns:p="http://schemas.openxmlformats.org/presentationml/2006/main">
   <p:cSld>
@@ -4296,12 +4354,329 @@
           <a:bodyPr/>
           <a:lstStyle/>
           <a:p>
+            <a:pPr algn="l" rtl="0"/>
+            <a:r>
+              <a:rPr lang="en-US" dirty="0"/>
+              <a:t>A </a:t>
+            </a:r>
+            <a:r>
+              <a:rPr lang="en-US" b="1" dirty="0"/>
+              <a:t>null</a:t>
+            </a:r>
+            <a:r>
+              <a:rPr lang="en-US" dirty="0"/>
+              <a:t> value represents a reference that points, generally intentionally, to a nonexistent or invalid object or address.</a:t>
+            </a:r>
+          </a:p>
+          <a:p>
+            <a:pPr algn="l" rtl="0"/>
+            <a:r>
+              <a:rPr lang="en-US" dirty="0"/>
+              <a:t>In APIs, null is often retrieved in a place where an object can be expected but no object is relevant.</a:t>
+            </a:r>
+          </a:p>
+          <a:p>
+            <a:pPr algn="l" rtl="0"/>
+            <a:r>
+              <a:rPr lang="en-US" dirty="0"/>
+              <a:t>Something hasn't been initialized :</a:t>
+            </a:r>
+            <a:r>
+              <a:rPr lang="en-US" b="1" dirty="0"/>
+              <a:t> undefined</a:t>
+            </a:r>
+            <a:r>
+              <a:rPr lang="en-US" dirty="0"/>
+              <a:t>.</a:t>
+            </a:r>
+          </a:p>
+          <a:p>
+            <a:pPr algn="l" rtl="0"/>
+            <a:r>
+              <a:rPr lang="en-US" dirty="0"/>
+              <a:t>Something is currently unavailable: </a:t>
+            </a:r>
+            <a:r>
+              <a:rPr lang="en-US" b="1" dirty="0"/>
+              <a:t>null</a:t>
+            </a:r>
+            <a:r>
+              <a:rPr lang="en-US" dirty="0"/>
+              <a:t>.</a:t>
+            </a:r>
+          </a:p>
+          <a:p>
+            <a:pPr algn="l" rtl="0"/>
+            <a:endParaRPr lang="he-IL" dirty="0"/>
+          </a:p>
+        </p:txBody>
+      </p:sp>
+    </p:spTree>
+  </p:cSld>
+  <p:clrMapOvr>
+    <a:masterClrMapping/>
+  </p:clrMapOvr>
+</p:sld>
+</file>
+
+<file path=ppt/slides/slide15.xml><?xml version="1.0" encoding="utf-8"?>
+<p:sld xmlns:a="http://schemas.openxmlformats.org/drawingml/2006/main" xmlns:r="http://schemas.openxmlformats.org/officeDocument/2006/relationships" xmlns:p="http://schemas.openxmlformats.org/presentationml/2006/main">
+  <p:cSld>
+    <p:spTree>
+      <p:nvGrpSpPr>
+        <p:cNvPr id="1" name=""/>
+        <p:cNvGrpSpPr/>
+        <p:nvPr/>
+      </p:nvGrpSpPr>
+      <p:grpSpPr>
+        <a:xfrm>
+          <a:off x="0" y="0"/>
+          <a:ext cx="0" cy="0"/>
+          <a:chOff x="0" y="0"/>
+          <a:chExt cx="0" cy="0"/>
+        </a:xfrm>
+      </p:grpSpPr>
+      <p:sp>
+        <p:nvSpPr>
+          <p:cNvPr id="2" name="Title 1"/>
+          <p:cNvSpPr>
+            <a:spLocks noGrp="1"/>
+          </p:cNvSpPr>
+          <p:nvPr>
+            <p:ph type="title"/>
+          </p:nvPr>
+        </p:nvSpPr>
+        <p:spPr/>
+        <p:txBody>
+          <a:bodyPr/>
+          <a:lstStyle/>
+          <a:p>
+            <a:r>
+              <a:rPr lang="en-US" dirty="0"/>
+              <a:t>Null and undefined</a:t>
+            </a:r>
+            <a:endParaRPr lang="he-IL" dirty="0"/>
+          </a:p>
+        </p:txBody>
+      </p:sp>
+      <p:pic>
+        <p:nvPicPr>
+          <p:cNvPr id="5" name="Picture 4" descr="A picture containing text, bathroom, jack, screenshot&#10;&#10;Description automatically generated">
+            <a:extLst>
+              <a:ext uri="{FF2B5EF4-FFF2-40B4-BE49-F238E27FC236}">
+                <a16:creationId xmlns:a16="http://schemas.microsoft.com/office/drawing/2014/main" id="{A7CD878C-B6CA-DC4A-9FB6-2AD9FBF676CB}"/>
+              </a:ext>
+            </a:extLst>
+          </p:cNvPr>
+          <p:cNvPicPr>
+            <a:picLocks noChangeAspect="1"/>
+          </p:cNvPicPr>
+          <p:nvPr/>
+        </p:nvPicPr>
+        <p:blipFill>
+          <a:blip r:embed="rId2">
+            <a:extLst>
+              <a:ext uri="{28A0092B-C50C-407E-A947-70E740481C1C}">
+                <a14:useLocalDpi xmlns:a14="http://schemas.microsoft.com/office/drawing/2010/main" val="0"/>
+              </a:ext>
+            </a:extLst>
+          </a:blip>
+          <a:stretch>
+            <a:fillRect/>
+          </a:stretch>
+        </p:blipFill>
+        <p:spPr>
+          <a:xfrm>
+            <a:off x="304800" y="1752600"/>
+            <a:ext cx="5911228" cy="4648200"/>
+          </a:xfrm>
+          <a:prstGeom prst="rect">
+            <a:avLst/>
+          </a:prstGeom>
+        </p:spPr>
+      </p:pic>
+    </p:spTree>
+  </p:cSld>
+  <p:clrMapOvr>
+    <a:masterClrMapping/>
+  </p:clrMapOvr>
+</p:sld>
+</file>
+
+<file path=ppt/slides/slide16.xml><?xml version="1.0" encoding="utf-8"?>
+<p:sld xmlns:a="http://schemas.openxmlformats.org/drawingml/2006/main" xmlns:r="http://schemas.openxmlformats.org/officeDocument/2006/relationships" xmlns:p="http://schemas.openxmlformats.org/presentationml/2006/main">
+  <p:cSld>
+    <p:spTree>
+      <p:nvGrpSpPr>
+        <p:cNvPr id="1" name=""/>
+        <p:cNvGrpSpPr/>
+        <p:nvPr/>
+      </p:nvGrpSpPr>
+      <p:grpSpPr>
+        <a:xfrm>
+          <a:off x="0" y="0"/>
+          <a:ext cx="0" cy="0"/>
+          <a:chOff x="0" y="0"/>
+          <a:chExt cx="0" cy="0"/>
+        </a:xfrm>
+      </p:grpSpPr>
+      <p:sp>
+        <p:nvSpPr>
+          <p:cNvPr id="2" name="Title 1"/>
+          <p:cNvSpPr>
+            <a:spLocks noGrp="1"/>
+          </p:cNvSpPr>
+          <p:nvPr>
+            <p:ph type="title"/>
+          </p:nvPr>
+        </p:nvSpPr>
+        <p:spPr/>
+        <p:txBody>
+          <a:bodyPr/>
+          <a:lstStyle/>
+          <a:p>
+            <a:r>
+              <a:rPr lang="en-US" dirty="0"/>
+              <a:t>Null and undefined</a:t>
+            </a:r>
+            <a:endParaRPr lang="he-IL" dirty="0"/>
+          </a:p>
+        </p:txBody>
+      </p:sp>
+      <p:sp>
+        <p:nvSpPr>
+          <p:cNvPr id="3" name="Content Placeholder 2"/>
+          <p:cNvSpPr>
+            <a:spLocks noGrp="1"/>
+          </p:cNvSpPr>
+          <p:nvPr>
+            <p:ph idx="1"/>
+          </p:nvPr>
+        </p:nvSpPr>
+        <p:spPr/>
+        <p:txBody>
+          <a:bodyPr/>
+          <a:lstStyle/>
+          <a:p>
+            <a:pPr algn="l" rtl="0"/>
+            <a:r>
+              <a:rPr lang="en-US" dirty="0"/>
+              <a:t>both when negated are giving true (</a:t>
+            </a:r>
+            <a:r>
+              <a:rPr lang="en-US" dirty="0" err="1"/>
+              <a:t>falsy</a:t>
+            </a:r>
+            <a:r>
+              <a:rPr lang="en-US" dirty="0"/>
+              <a:t> values), but none of them equals true or false.</a:t>
+            </a:r>
+          </a:p>
+          <a:p>
+            <a:pPr algn="l" rtl="0"/>
+            <a:r>
+              <a:rPr lang="en-US" dirty="0"/>
+              <a:t>In JavaScript, undefined has its own data type (undefined), null is only an object.</a:t>
+            </a:r>
+          </a:p>
+          <a:p>
+            <a:pPr algn="l" rtl="0"/>
+            <a:r>
+              <a:rPr lang="en-US" dirty="0"/>
+              <a:t>In JavaScript, null is treated as 0 in basic arithmetic operations, undefined returns ‘</a:t>
+            </a:r>
+            <a:r>
+              <a:rPr lang="en-US" dirty="0" err="1"/>
+              <a:t>NaN</a:t>
+            </a:r>
+            <a:r>
+              <a:rPr lang="en-US" dirty="0"/>
+              <a:t>’.</a:t>
+            </a:r>
+          </a:p>
+          <a:p>
+            <a:pPr algn="l" rtl="0"/>
+            <a:endParaRPr lang="en-US" dirty="0"/>
+          </a:p>
+          <a:p>
+            <a:pPr algn="l" rtl="0"/>
+            <a:endParaRPr lang="en-US" dirty="0"/>
+          </a:p>
+          <a:p>
+            <a:pPr algn="l" rtl="0"/>
+            <a:endParaRPr lang="he-IL" dirty="0"/>
+          </a:p>
+        </p:txBody>
+      </p:sp>
+    </p:spTree>
+  </p:cSld>
+  <p:clrMapOvr>
+    <a:masterClrMapping/>
+  </p:clrMapOvr>
+</p:sld>
+</file>
+
+<file path=ppt/slides/slide17.xml><?xml version="1.0" encoding="utf-8"?>
+<p:sld xmlns:a="http://schemas.openxmlformats.org/drawingml/2006/main" xmlns:r="http://schemas.openxmlformats.org/officeDocument/2006/relationships" xmlns:p="http://schemas.openxmlformats.org/presentationml/2006/main">
+  <p:cSld>
+    <p:spTree>
+      <p:nvGrpSpPr>
+        <p:cNvPr id="1" name=""/>
+        <p:cNvGrpSpPr/>
+        <p:nvPr/>
+      </p:nvGrpSpPr>
+      <p:grpSpPr>
+        <a:xfrm>
+          <a:off x="0" y="0"/>
+          <a:ext cx="0" cy="0"/>
+          <a:chOff x="0" y="0"/>
+          <a:chExt cx="0" cy="0"/>
+        </a:xfrm>
+      </p:grpSpPr>
+      <p:sp>
+        <p:nvSpPr>
+          <p:cNvPr id="2" name="Title 1"/>
+          <p:cNvSpPr>
+            <a:spLocks noGrp="1"/>
+          </p:cNvSpPr>
+          <p:nvPr>
+            <p:ph type="title"/>
+          </p:nvPr>
+        </p:nvSpPr>
+        <p:spPr/>
+        <p:txBody>
+          <a:bodyPr/>
+          <a:lstStyle/>
+          <a:p>
+            <a:r>
+              <a:rPr lang="en-US" dirty="0"/>
+              <a:t>Null and undefined</a:t>
+            </a:r>
+            <a:endParaRPr lang="he-IL" dirty="0"/>
+          </a:p>
+        </p:txBody>
+      </p:sp>
+      <p:sp>
+        <p:nvSpPr>
+          <p:cNvPr id="3" name="Content Placeholder 2"/>
+          <p:cNvSpPr>
+            <a:spLocks noGrp="1"/>
+          </p:cNvSpPr>
+          <p:nvPr>
+            <p:ph idx="1"/>
+          </p:nvPr>
+        </p:nvSpPr>
+        <p:spPr/>
+        <p:txBody>
+          <a:bodyPr/>
+          <a:lstStyle/>
+          <a:p>
             <a:pPr algn="l" rtl="0">
               <a:buNone/>
             </a:pPr>
             <a:r>
               <a:rPr lang="en-US" dirty="0"/>
-              <a:t>Lets see some practical difference:</a:t>
+              <a:t>Let's see some practical difference:</a:t>
             </a:r>
           </a:p>
           <a:p>
@@ -4424,7 +4799,7 @@
 </p:sld>
 </file>
 
-<file path=ppt/slides/slide15.xml><?xml version="1.0" encoding="utf-8"?>
+<file path=ppt/slides/slide18.xml><?xml version="1.0" encoding="utf-8"?>
 <p:sld xmlns:a="http://schemas.openxmlformats.org/drawingml/2006/main" xmlns:r="http://schemas.openxmlformats.org/officeDocument/2006/relationships" xmlns:p="http://schemas.openxmlformats.org/presentationml/2006/main">
   <p:cSld>
     <p:spTree>
@@ -4598,7 +4973,7 @@
 </p:sld>
 </file>
 
-<file path=ppt/slides/slide16.xml><?xml version="1.0" encoding="utf-8"?>
+<file path=ppt/slides/slide19.xml><?xml version="1.0" encoding="utf-8"?>
 <p:sld xmlns:a="http://schemas.openxmlformats.org/drawingml/2006/main" xmlns:r="http://schemas.openxmlformats.org/officeDocument/2006/relationships" xmlns:p="http://schemas.openxmlformats.org/presentationml/2006/main">
   <p:cSld>
     <p:spTree>
@@ -4667,6 +5042,76 @@
             <a:r>
               <a:rPr lang="en-US" dirty="0"/>
               <a:t> sees null and undefined ? </a:t>
+            </a:r>
+            <a:endParaRPr lang="he-IL" dirty="0"/>
+          </a:p>
+          <a:p>
+            <a:pPr algn="l">
+              <a:buNone/>
+            </a:pPr>
+            <a:endParaRPr lang="en-US" dirty="0"/>
+          </a:p>
+          <a:p>
+            <a:pPr algn="l">
+              <a:buNone/>
+            </a:pPr>
+            <a:endParaRPr lang="en-US" dirty="0"/>
+          </a:p>
+          <a:p>
+            <a:pPr algn="l">
+              <a:buNone/>
+            </a:pPr>
+            <a:endParaRPr lang="en-US" dirty="0"/>
+          </a:p>
+          <a:p>
+            <a:pPr algn="l">
+              <a:buNone/>
+            </a:pPr>
+            <a:endParaRPr lang="en-US" dirty="0"/>
+          </a:p>
+          <a:p>
+            <a:pPr algn="l">
+              <a:buNone/>
+            </a:pPr>
+            <a:endParaRPr lang="en-US" dirty="0"/>
+          </a:p>
+          <a:p>
+            <a:pPr algn="l">
+              <a:buNone/>
+            </a:pPr>
+            <a:endParaRPr lang="en-US" dirty="0"/>
+          </a:p>
+          <a:p>
+            <a:pPr algn="l">
+              <a:buNone/>
+            </a:pPr>
+            <a:r>
+              <a:rPr lang="en-US" dirty="0"/>
+              <a:t>Why </a:t>
+            </a:r>
+            <a:r>
+              <a:rPr lang="en-US" dirty="0">
+                <a:solidFill>
+                  <a:srgbClr val="00B0F0"/>
+                </a:solidFill>
+              </a:rPr>
+              <a:t>null</a:t>
+            </a:r>
+            <a:r>
+              <a:rPr lang="en-US" dirty="0"/>
+              <a:t> == </a:t>
+            </a:r>
+            <a:r>
+              <a:rPr lang="en-US" dirty="0">
+                <a:solidFill>
+                  <a:srgbClr val="00B0F0"/>
+                </a:solidFill>
+              </a:rPr>
+              <a:t>undefined</a:t>
+            </a:r>
+            <a:r>
+              <a:rPr lang="en-US" dirty="0"/>
+              <a:t> equals to true ? </a:t>
             </a:r>
             <a:endParaRPr lang="he-IL" dirty="0"/>
           </a:p>
@@ -4699,6 +5144,11 @@
         </p:spPr>
       </p:pic>
     </p:spTree>
+    <p:extLst>
+      <p:ext uri="{BB962C8B-B14F-4D97-AF65-F5344CB8AC3E}">
+        <p14:creationId xmlns:p14="http://schemas.microsoft.com/office/powerpoint/2010/main" val="1577601103"/>
+      </p:ext>
+    </p:extLst>
   </p:cSld>
   <p:clrMapOvr>
     <a:masterClrMapping/>
@@ -4706,7 +5156,7 @@
 </p:sld>
 </file>
 
-<file path=ppt/slides/slide17.xml><?xml version="1.0" encoding="utf-8"?>
+<file path=ppt/slides/slide2.xml><?xml version="1.0" encoding="utf-8"?>
 <p:sld xmlns:a="http://schemas.openxmlformats.org/drawingml/2006/main" xmlns:r="http://schemas.openxmlformats.org/officeDocument/2006/relationships" xmlns:p="http://schemas.openxmlformats.org/presentationml/2006/main">
   <p:cSld>
     <p:spTree>
@@ -4735,43 +5185,158 @@
         </p:nvSpPr>
         <p:spPr/>
         <p:txBody>
+          <a:bodyPr/>
+          <a:lstStyle/>
+          <a:p>
+            <a:r>
+              <a:rPr lang="en-US" dirty="0"/>
+              <a:t>Table of content</a:t>
+            </a:r>
+            <a:endParaRPr lang="he-IL" dirty="0"/>
+          </a:p>
+        </p:txBody>
+      </p:sp>
+      <p:sp>
+        <p:nvSpPr>
+          <p:cNvPr id="3" name="Content Placeholder 2"/>
+          <p:cNvSpPr>
+            <a:spLocks noGrp="1"/>
+          </p:cNvSpPr>
+          <p:nvPr>
+            <p:ph idx="1"/>
+          </p:nvPr>
+        </p:nvSpPr>
+        <p:spPr/>
+        <p:txBody>
           <a:bodyPr>
-            <a:normAutofit fontScale="90000"/>
+            <a:normAutofit fontScale="62500" lnSpcReduction="20000"/>
           </a:bodyPr>
           <a:lstStyle/>
           <a:p>
-            <a:pPr rtl="0"/>
-            <a:r>
-              <a:rPr lang="en-US" sz="4000" dirty="0"/>
-              <a:t>‘This’ key word and Closure</a:t>
-            </a:r>
-          </a:p>
-        </p:txBody>
-      </p:sp>
-      <p:sp>
-        <p:nvSpPr>
-          <p:cNvPr id="3" name="Content Placeholder 2"/>
-          <p:cNvSpPr>
-            <a:spLocks noGrp="1"/>
-          </p:cNvSpPr>
-          <p:nvPr>
-            <p:ph idx="1"/>
-          </p:nvPr>
-        </p:nvSpPr>
-        <p:spPr/>
-        <p:txBody>
-          <a:bodyPr/>
-          <a:lstStyle/>
-          <a:p>
-            <a:pPr algn="l" rtl="0"/>
-            <a:r>
-              <a:rPr lang="en-US" dirty="0"/>
-              <a:t>The this keyword in JavaScript (and thus TypeScript) behaves differently than it does in many other languages.</a:t>
-            </a:r>
-          </a:p>
-          <a:p>
-            <a:pPr algn="l" rtl="0"/>
-            <a:endParaRPr lang="en-US" dirty="0"/>
+            <a:pPr algn="l" rtl="0"/>
+            <a:r>
+              <a:rPr lang="en-US" sz="2800" dirty="0"/>
+              <a:t>Equality</a:t>
+            </a:r>
+          </a:p>
+          <a:p>
+            <a:pPr algn="l" rtl="0"/>
+            <a:r>
+              <a:rPr lang="en-US" sz="2800" dirty="0"/>
+              <a:t>References</a:t>
+            </a:r>
+          </a:p>
+          <a:p>
+            <a:pPr algn="l" rtl="0"/>
+            <a:r>
+              <a:rPr lang="en-US" sz="2800" dirty="0"/>
+              <a:t>Null and Undefined</a:t>
+            </a:r>
+          </a:p>
+          <a:p>
+            <a:pPr algn="l" rtl="0"/>
+            <a:r>
+              <a:rPr lang="en-US" sz="2800" dirty="0"/>
+              <a:t>‘this’ key word and Closure</a:t>
+            </a:r>
+          </a:p>
+          <a:p>
+            <a:pPr algn="l" rtl="0"/>
+            <a:r>
+              <a:rPr lang="en-US" sz="2800" dirty="0"/>
+              <a:t>‘var’, ‘let’ and ‘const’ key words</a:t>
+            </a:r>
+          </a:p>
+          <a:p>
+            <a:pPr algn="l" rtl="0"/>
+            <a:r>
+              <a:rPr lang="en-US" sz="2800" dirty="0"/>
+              <a:t>Rest Parameters</a:t>
+            </a:r>
+          </a:p>
+          <a:p>
+            <a:pPr algn="l" rtl="0"/>
+            <a:r>
+              <a:rPr lang="en-US" sz="2800" dirty="0"/>
+              <a:t>Spread operator</a:t>
+            </a:r>
+          </a:p>
+          <a:p>
+            <a:pPr algn="l" rtl="0"/>
+            <a:r>
+              <a:rPr lang="en-US" sz="2800" dirty="0"/>
+              <a:t>Destructuring</a:t>
+            </a:r>
+          </a:p>
+          <a:p>
+            <a:pPr algn="l" rtl="0"/>
+            <a:r>
+              <a:rPr lang="en-US" sz="2800" dirty="0"/>
+              <a:t>‘for’, ‘of’, ‘in’ key words and iterators</a:t>
+            </a:r>
+          </a:p>
+          <a:p>
+            <a:pPr algn="l" rtl="0"/>
+            <a:r>
+              <a:rPr lang="en-US" sz="2800" dirty="0"/>
+              <a:t>Template strings</a:t>
+            </a:r>
+          </a:p>
+          <a:p>
+            <a:pPr algn="l" rtl="0"/>
+            <a:r>
+              <a:rPr lang="en-US" sz="2800" dirty="0"/>
+              <a:t>Enums and union types </a:t>
+            </a:r>
+          </a:p>
+          <a:p>
+            <a:pPr algn="l" rtl="0"/>
+            <a:r>
+              <a:rPr lang="en-US" sz="2800" dirty="0"/>
+              <a:t>‘promise’ and async await key words</a:t>
+            </a:r>
+          </a:p>
+          <a:p>
+            <a:pPr algn="l" rtl="0"/>
+            <a:r>
+              <a:rPr lang="en-US" sz="2800" dirty="0"/>
+              <a:t>Casting and type assertion</a:t>
+            </a:r>
+          </a:p>
+          <a:p>
+            <a:pPr algn="l" rtl="0"/>
+            <a:r>
+              <a:rPr lang="en-US" sz="2800" dirty="0"/>
+              <a:t>‘typeof’ and ‘instanceof’ key words</a:t>
+            </a:r>
+          </a:p>
+          <a:p>
+            <a:pPr algn="l" rtl="0"/>
+            <a:r>
+              <a:rPr lang="en-US" sz="2800" dirty="0"/>
+              <a:t>Generators</a:t>
+            </a:r>
+          </a:p>
+          <a:p>
+            <a:pPr algn="l" rtl="0"/>
+            <a:r>
+              <a:rPr lang="en-US" sz="2800" dirty="0"/>
+              <a:t>Symbols</a:t>
+            </a:r>
+          </a:p>
+          <a:p>
+            <a:pPr algn="l" rtl="0"/>
+            <a:endParaRPr lang="en-US" sz="2800" dirty="0"/>
+          </a:p>
+          <a:p>
+            <a:pPr algn="l" rtl="0">
+              <a:buNone/>
+            </a:pPr>
+            <a:endParaRPr lang="en-US" sz="2800" dirty="0"/>
+          </a:p>
+          <a:p>
+            <a:pPr algn="l" rtl="0"/>
+            <a:endParaRPr lang="he-IL" dirty="0"/>
           </a:p>
         </p:txBody>
       </p:sp>
@@ -4783,7 +5348,7 @@
 </p:sld>
 </file>
 
-<file path=ppt/slides/slide18.xml><?xml version="1.0" encoding="utf-8"?>
+<file path=ppt/slides/slide20.xml><?xml version="1.0" encoding="utf-8"?>
 <p:sld xmlns:a="http://schemas.openxmlformats.org/drawingml/2006/main" xmlns:r="http://schemas.openxmlformats.org/officeDocument/2006/relationships" xmlns:p="http://schemas.openxmlformats.org/presentationml/2006/main">
   <p:cSld>
     <p:spTree>
@@ -4837,124 +5402,17 @@
         </p:nvSpPr>
         <p:spPr/>
         <p:txBody>
-          <a:bodyPr>
-            <a:normAutofit fontScale="85000" lnSpcReduction="20000"/>
-          </a:bodyPr>
-          <a:lstStyle/>
-          <a:p>
-            <a:pPr algn="l" rtl="0">
-              <a:buNone/>
-            </a:pPr>
+          <a:bodyPr/>
+          <a:lstStyle/>
+          <a:p>
+            <a:pPr algn="l" rtl="0"/>
             <a:r>
               <a:rPr lang="en-US" dirty="0"/>
-              <a:t>What is </a:t>
-            </a:r>
-            <a:r>
-              <a:rPr lang="en-US" b="1" dirty="0"/>
-              <a:t>this</a:t>
-            </a:r>
-            <a:r>
-              <a:rPr lang="en-US" dirty="0"/>
-              <a:t> in JavaScript?</a:t>
-            </a:r>
-          </a:p>
-          <a:p>
-            <a:pPr algn="l" rtl="0">
-              <a:buNone/>
-            </a:pPr>
-            <a:endParaRPr lang="en-US" dirty="0"/>
-          </a:p>
-          <a:p>
-            <a:pPr algn="l" rtl="0">
-              <a:buNone/>
-            </a:pPr>
-            <a:r>
-              <a:rPr lang="en-US" dirty="0"/>
-              <a:t>When a function is invoked in JavaScript, you can</a:t>
-            </a:r>
-          </a:p>
-          <a:p>
-            <a:pPr algn="l" rtl="0">
-              <a:buNone/>
-            </a:pPr>
-            <a:r>
-              <a:rPr lang="en-US" dirty="0"/>
-              <a:t>follow these steps to determine what this will be</a:t>
-            </a:r>
-          </a:p>
-          <a:p>
-            <a:pPr algn="l" rtl="0">
-              <a:buNone/>
-            </a:pPr>
-            <a:r>
-              <a:rPr lang="en-US" dirty="0"/>
-              <a:t>(these rules are in priority order):</a:t>
-            </a:r>
-          </a:p>
-          <a:p>
-            <a:pPr algn="l" rtl="0">
-              <a:buNone/>
-            </a:pPr>
-            <a:endParaRPr lang="en-US" dirty="0"/>
-          </a:p>
-          <a:p>
-            <a:pPr algn="l" rtl="0"/>
-            <a:r>
-              <a:rPr lang="en-US" dirty="0"/>
-              <a:t>If the function was the result of a call to </a:t>
-            </a:r>
-            <a:r>
-              <a:rPr lang="en-US" dirty="0" err="1"/>
-              <a:t>function.bind</a:t>
-            </a:r>
-            <a:r>
-              <a:rPr lang="en-US" dirty="0"/>
-              <a:t>, this will be the argument given to bind.</a:t>
-            </a:r>
-          </a:p>
-          <a:p>
-            <a:pPr algn="l" rtl="0"/>
-            <a:r>
-              <a:rPr lang="en-US" dirty="0"/>
-              <a:t>If the function was invoked in the form </a:t>
-            </a:r>
-            <a:r>
-              <a:rPr lang="en-US" dirty="0" err="1"/>
-              <a:t>foo.func</a:t>
-            </a:r>
-            <a:r>
-              <a:rPr lang="en-US" dirty="0"/>
-              <a:t>(), this will be </a:t>
-            </a:r>
-            <a:r>
-              <a:rPr lang="en-US" dirty="0" err="1"/>
-              <a:t>foo</a:t>
-            </a:r>
-            <a:r>
-              <a:rPr lang="en-US" dirty="0"/>
-              <a:t>.</a:t>
-            </a:r>
-          </a:p>
-          <a:p>
-            <a:pPr algn="l" rtl="0"/>
-            <a:r>
-              <a:rPr lang="en-US" dirty="0"/>
-              <a:t>In a global context, If in strict mode, this will be undefined.</a:t>
-            </a:r>
-          </a:p>
-          <a:p>
-            <a:pPr algn="l" rtl="0">
-              <a:buNone/>
-            </a:pPr>
-            <a:r>
-              <a:rPr lang="en-US" dirty="0"/>
-              <a:t>	Otherwise, this will be the global object (window in a browser).</a:t>
-            </a:r>
-          </a:p>
-          <a:p>
-            <a:pPr algn="l" rtl="0">
-              <a:buNone/>
-            </a:pPr>
+              <a:t>The this keyword in JavaScript (and thus TypeScript) behaves differently than it does in many other languages.</a:t>
+            </a:r>
+          </a:p>
+          <a:p>
+            <a:pPr algn="l" rtl="0"/>
             <a:endParaRPr lang="en-US" dirty="0"/>
           </a:p>
         </p:txBody>
@@ -4967,7 +5425,191 @@
 </p:sld>
 </file>
 
-<file path=ppt/slides/slide19.xml><?xml version="1.0" encoding="utf-8"?>
+<file path=ppt/slides/slide21.xml><?xml version="1.0" encoding="utf-8"?>
+<p:sld xmlns:a="http://schemas.openxmlformats.org/drawingml/2006/main" xmlns:r="http://schemas.openxmlformats.org/officeDocument/2006/relationships" xmlns:p="http://schemas.openxmlformats.org/presentationml/2006/main">
+  <p:cSld>
+    <p:spTree>
+      <p:nvGrpSpPr>
+        <p:cNvPr id="1" name=""/>
+        <p:cNvGrpSpPr/>
+        <p:nvPr/>
+      </p:nvGrpSpPr>
+      <p:grpSpPr>
+        <a:xfrm>
+          <a:off x="0" y="0"/>
+          <a:ext cx="0" cy="0"/>
+          <a:chOff x="0" y="0"/>
+          <a:chExt cx="0" cy="0"/>
+        </a:xfrm>
+      </p:grpSpPr>
+      <p:sp>
+        <p:nvSpPr>
+          <p:cNvPr id="2" name="Title 1"/>
+          <p:cNvSpPr>
+            <a:spLocks noGrp="1"/>
+          </p:cNvSpPr>
+          <p:nvPr>
+            <p:ph type="title"/>
+          </p:nvPr>
+        </p:nvSpPr>
+        <p:spPr/>
+        <p:txBody>
+          <a:bodyPr>
+            <a:normAutofit fontScale="90000"/>
+          </a:bodyPr>
+          <a:lstStyle/>
+          <a:p>
+            <a:pPr rtl="0"/>
+            <a:r>
+              <a:rPr lang="en-US" sz="4000" dirty="0"/>
+              <a:t>‘This’ key word and Closure</a:t>
+            </a:r>
+          </a:p>
+        </p:txBody>
+      </p:sp>
+      <p:sp>
+        <p:nvSpPr>
+          <p:cNvPr id="3" name="Content Placeholder 2"/>
+          <p:cNvSpPr>
+            <a:spLocks noGrp="1"/>
+          </p:cNvSpPr>
+          <p:nvPr>
+            <p:ph idx="1"/>
+          </p:nvPr>
+        </p:nvSpPr>
+        <p:spPr/>
+        <p:txBody>
+          <a:bodyPr>
+            <a:normAutofit fontScale="85000" lnSpcReduction="20000"/>
+          </a:bodyPr>
+          <a:lstStyle/>
+          <a:p>
+            <a:pPr algn="l" rtl="0">
+              <a:buNone/>
+            </a:pPr>
+            <a:r>
+              <a:rPr lang="en-US" dirty="0"/>
+              <a:t>What is </a:t>
+            </a:r>
+            <a:r>
+              <a:rPr lang="en-US" b="1" dirty="0"/>
+              <a:t>this</a:t>
+            </a:r>
+            <a:r>
+              <a:rPr lang="en-US" dirty="0"/>
+              <a:t> in JavaScript?</a:t>
+            </a:r>
+          </a:p>
+          <a:p>
+            <a:pPr algn="l" rtl="0">
+              <a:buNone/>
+            </a:pPr>
+            <a:endParaRPr lang="en-US" dirty="0"/>
+          </a:p>
+          <a:p>
+            <a:pPr algn="l" rtl="0">
+              <a:buNone/>
+            </a:pPr>
+            <a:r>
+              <a:rPr lang="en-US" dirty="0"/>
+              <a:t>When a function is invoked in JavaScript, you can</a:t>
+            </a:r>
+          </a:p>
+          <a:p>
+            <a:pPr algn="l" rtl="0">
+              <a:buNone/>
+            </a:pPr>
+            <a:r>
+              <a:rPr lang="en-US" dirty="0"/>
+              <a:t>follow these steps to determine what this will be</a:t>
+            </a:r>
+          </a:p>
+          <a:p>
+            <a:pPr algn="l" rtl="0">
+              <a:buNone/>
+            </a:pPr>
+            <a:r>
+              <a:rPr lang="en-US" dirty="0"/>
+              <a:t>(these rules are in priority order):</a:t>
+            </a:r>
+          </a:p>
+          <a:p>
+            <a:pPr algn="l" rtl="0">
+              <a:buNone/>
+            </a:pPr>
+            <a:endParaRPr lang="en-US" dirty="0"/>
+          </a:p>
+          <a:p>
+            <a:pPr algn="l" rtl="0"/>
+            <a:r>
+              <a:rPr lang="en-US" dirty="0"/>
+              <a:t>If the function was the result of a call to </a:t>
+            </a:r>
+            <a:r>
+              <a:rPr lang="en-US" dirty="0" err="1"/>
+              <a:t>function.bind</a:t>
+            </a:r>
+            <a:r>
+              <a:rPr lang="en-US" dirty="0"/>
+              <a:t>, this will be the argument given to bind.</a:t>
+            </a:r>
+          </a:p>
+          <a:p>
+            <a:pPr algn="l" rtl="0"/>
+            <a:r>
+              <a:rPr lang="en-US" dirty="0"/>
+              <a:t>If the function was invoked in the form </a:t>
+            </a:r>
+            <a:r>
+              <a:rPr lang="en-US" dirty="0" err="1"/>
+              <a:t>foo.func</a:t>
+            </a:r>
+            <a:r>
+              <a:rPr lang="en-US" dirty="0"/>
+              <a:t>(), this will be </a:t>
+            </a:r>
+            <a:r>
+              <a:rPr lang="en-US" dirty="0" err="1"/>
+              <a:t>foo</a:t>
+            </a:r>
+            <a:r>
+              <a:rPr lang="en-US" dirty="0"/>
+              <a:t>.</a:t>
+            </a:r>
+          </a:p>
+          <a:p>
+            <a:pPr algn="l" rtl="0"/>
+            <a:r>
+              <a:rPr lang="en-US" dirty="0"/>
+              <a:t>In a global context, If in strict mode, this will be undefined.</a:t>
+            </a:r>
+          </a:p>
+          <a:p>
+            <a:pPr algn="l" rtl="0">
+              <a:buNone/>
+            </a:pPr>
+            <a:r>
+              <a:rPr lang="en-US" dirty="0"/>
+              <a:t>	Otherwise, this will be the global object (window in a browser).</a:t>
+            </a:r>
+          </a:p>
+          <a:p>
+            <a:pPr algn="l" rtl="0">
+              <a:buNone/>
+            </a:pPr>
+            <a:endParaRPr lang="en-US" dirty="0"/>
+          </a:p>
+        </p:txBody>
+      </p:sp>
+    </p:spTree>
+  </p:cSld>
+  <p:clrMapOvr>
+    <a:masterClrMapping/>
+  </p:clrMapOvr>
+</p:sld>
+</file>
+
+<file path=ppt/slides/slide22.xml><?xml version="1.0" encoding="utf-8"?>
 <p:sld xmlns:a="http://schemas.openxmlformats.org/drawingml/2006/main" xmlns:r="http://schemas.openxmlformats.org/officeDocument/2006/relationships" xmlns:p="http://schemas.openxmlformats.org/presentationml/2006/main">
   <p:cSld>
     <p:spTree>
@@ -5090,195 +5732,7 @@
 </p:sld>
 </file>
 
-<file path=ppt/slides/slide2.xml><?xml version="1.0" encoding="utf-8"?>
-<p:sld xmlns:a="http://schemas.openxmlformats.org/drawingml/2006/main" xmlns:r="http://schemas.openxmlformats.org/officeDocument/2006/relationships" xmlns:p="http://schemas.openxmlformats.org/presentationml/2006/main">
-  <p:cSld>
-    <p:spTree>
-      <p:nvGrpSpPr>
-        <p:cNvPr id="1" name=""/>
-        <p:cNvGrpSpPr/>
-        <p:nvPr/>
-      </p:nvGrpSpPr>
-      <p:grpSpPr>
-        <a:xfrm>
-          <a:off x="0" y="0"/>
-          <a:ext cx="0" cy="0"/>
-          <a:chOff x="0" y="0"/>
-          <a:chExt cx="0" cy="0"/>
-        </a:xfrm>
-      </p:grpSpPr>
-      <p:sp>
-        <p:nvSpPr>
-          <p:cNvPr id="2" name="Title 1"/>
-          <p:cNvSpPr>
-            <a:spLocks noGrp="1"/>
-          </p:cNvSpPr>
-          <p:nvPr>
-            <p:ph type="title"/>
-          </p:nvPr>
-        </p:nvSpPr>
-        <p:spPr/>
-        <p:txBody>
-          <a:bodyPr/>
-          <a:lstStyle/>
-          <a:p>
-            <a:r>
-              <a:rPr lang="en-US" dirty="0"/>
-              <a:t>Table of content</a:t>
-            </a:r>
-            <a:endParaRPr lang="he-IL" dirty="0"/>
-          </a:p>
-        </p:txBody>
-      </p:sp>
-      <p:sp>
-        <p:nvSpPr>
-          <p:cNvPr id="3" name="Content Placeholder 2"/>
-          <p:cNvSpPr>
-            <a:spLocks noGrp="1"/>
-          </p:cNvSpPr>
-          <p:nvPr>
-            <p:ph idx="1"/>
-          </p:nvPr>
-        </p:nvSpPr>
-        <p:spPr/>
-        <p:txBody>
-          <a:bodyPr>
-            <a:normAutofit fontScale="62500" lnSpcReduction="20000"/>
-          </a:bodyPr>
-          <a:lstStyle/>
-          <a:p>
-            <a:pPr algn="l" rtl="0"/>
-            <a:r>
-              <a:rPr lang="en-US" sz="2800" dirty="0"/>
-              <a:t>Equality</a:t>
-            </a:r>
-          </a:p>
-          <a:p>
-            <a:pPr algn="l" rtl="0"/>
-            <a:r>
-              <a:rPr lang="en-US" sz="2800" dirty="0"/>
-              <a:t>References</a:t>
-            </a:r>
-          </a:p>
-          <a:p>
-            <a:pPr algn="l" rtl="0"/>
-            <a:r>
-              <a:rPr lang="en-US" sz="2800" dirty="0"/>
-              <a:t>Null and Undefined</a:t>
-            </a:r>
-          </a:p>
-          <a:p>
-            <a:pPr algn="l" rtl="0"/>
-            <a:r>
-              <a:rPr lang="en-US" sz="2800" dirty="0"/>
-              <a:t>‘this’ key word and Closure</a:t>
-            </a:r>
-          </a:p>
-          <a:p>
-            <a:pPr algn="l" rtl="0"/>
-            <a:r>
-              <a:rPr lang="en-US" sz="2800" dirty="0"/>
-              <a:t>‘var’, ‘let’ and ‘const’ key words</a:t>
-            </a:r>
-          </a:p>
-          <a:p>
-            <a:pPr algn="l" rtl="0"/>
-            <a:r>
-              <a:rPr lang="en-US" sz="2800" dirty="0"/>
-              <a:t>Rest Parameters</a:t>
-            </a:r>
-          </a:p>
-          <a:p>
-            <a:pPr algn="l" rtl="0"/>
-            <a:r>
-              <a:rPr lang="en-US" sz="2800" dirty="0"/>
-              <a:t>Spread operator</a:t>
-            </a:r>
-          </a:p>
-          <a:p>
-            <a:pPr algn="l" rtl="0"/>
-            <a:r>
-              <a:rPr lang="en-US" sz="2800" dirty="0"/>
-              <a:t>Destructuring</a:t>
-            </a:r>
-          </a:p>
-          <a:p>
-            <a:pPr algn="l" rtl="0"/>
-            <a:r>
-              <a:rPr lang="en-US" sz="2800" dirty="0"/>
-              <a:t>‘for’, ‘of’, ‘in’ key words and iterators</a:t>
-            </a:r>
-          </a:p>
-          <a:p>
-            <a:pPr algn="l" rtl="0"/>
-            <a:r>
-              <a:rPr lang="en-US" sz="2800" dirty="0"/>
-              <a:t>Template strings</a:t>
-            </a:r>
-          </a:p>
-          <a:p>
-            <a:pPr algn="l" rtl="0"/>
-            <a:r>
-              <a:rPr lang="en-US" sz="2800" dirty="0"/>
-              <a:t>Generators</a:t>
-            </a:r>
-          </a:p>
-          <a:p>
-            <a:pPr algn="l" rtl="0"/>
-            <a:r>
-              <a:rPr lang="en-US" sz="2800" dirty="0"/>
-              <a:t>Symbols</a:t>
-            </a:r>
-          </a:p>
-          <a:p>
-            <a:pPr algn="l" rtl="0"/>
-            <a:r>
-              <a:rPr lang="en-US" sz="2800" dirty="0"/>
-              <a:t>Enums and union types </a:t>
-            </a:r>
-          </a:p>
-          <a:p>
-            <a:pPr algn="l" rtl="0"/>
-            <a:r>
-              <a:rPr lang="en-US" sz="2800" dirty="0"/>
-              <a:t>‘promise’ and async await key words</a:t>
-            </a:r>
-          </a:p>
-          <a:p>
-            <a:pPr algn="l" rtl="0"/>
-            <a:r>
-              <a:rPr lang="en-US" sz="2800" dirty="0"/>
-              <a:t>Casting and type assertion</a:t>
-            </a:r>
-          </a:p>
-          <a:p>
-            <a:pPr algn="l" rtl="0"/>
-            <a:r>
-              <a:rPr lang="en-US" sz="2800" dirty="0"/>
-              <a:t>‘typeof’ and ‘instanceof’ key words</a:t>
-            </a:r>
-          </a:p>
-          <a:p>
-            <a:pPr algn="l" rtl="0">
-              <a:buNone/>
-            </a:pPr>
-            <a:endParaRPr lang="en-US" sz="2800" dirty="0"/>
-          </a:p>
-          <a:p>
-            <a:pPr algn="l" rtl="0"/>
-            <a:endParaRPr lang="he-IL" dirty="0"/>
-          </a:p>
-        </p:txBody>
-      </p:sp>
-    </p:spTree>
-  </p:cSld>
-  <p:clrMapOvr>
-    <a:masterClrMapping/>
-  </p:clrMapOvr>
-</p:sld>
-</file>
-
-<file path=ppt/slides/slide20.xml><?xml version="1.0" encoding="utf-8"?>
+<file path=ppt/slides/slide23.xml><?xml version="1.0" encoding="utf-8"?>
 <p:sld xmlns:a="http://schemas.openxmlformats.org/drawingml/2006/main" xmlns:r="http://schemas.openxmlformats.org/officeDocument/2006/relationships" xmlns:p="http://schemas.openxmlformats.org/presentationml/2006/main">
   <p:cSld>
     <p:spTree>
@@ -5462,7 +5916,7 @@
 </p:sld>
 </file>
 
-<file path=ppt/slides/slide21.xml><?xml version="1.0" encoding="utf-8"?>
+<file path=ppt/slides/slide24.xml><?xml version="1.0" encoding="utf-8"?>
 <p:sld xmlns:a="http://schemas.openxmlformats.org/drawingml/2006/main" xmlns:r="http://schemas.openxmlformats.org/officeDocument/2006/relationships" xmlns:p="http://schemas.openxmlformats.org/presentationml/2006/main">
   <p:cSld>
     <p:spTree>
@@ -5580,7 +6034,7 @@
 </p:sld>
 </file>
 
-<file path=ppt/slides/slide22.xml><?xml version="1.0" encoding="utf-8"?>
+<file path=ppt/slides/slide25.xml><?xml version="1.0" encoding="utf-8"?>
 <p:sld xmlns:a="http://schemas.openxmlformats.org/drawingml/2006/main" xmlns:r="http://schemas.openxmlformats.org/officeDocument/2006/relationships" xmlns:p="http://schemas.openxmlformats.org/presentationml/2006/main">
   <p:cSld>
     <p:spTree>
@@ -5764,7 +6218,7 @@
 </p:sld>
 </file>
 
-<file path=ppt/slides/slide23.xml><?xml version="1.0" encoding="utf-8"?>
+<file path=ppt/slides/slide26.xml><?xml version="1.0" encoding="utf-8"?>
 <p:sld xmlns:a="http://schemas.openxmlformats.org/drawingml/2006/main" xmlns:r="http://schemas.openxmlformats.org/officeDocument/2006/relationships" xmlns:p="http://schemas.openxmlformats.org/presentationml/2006/main">
   <p:cSld>
     <p:spTree>
@@ -5859,7 +6313,7 @@
 </p:sld>
 </file>
 
-<file path=ppt/slides/slide24.xml><?xml version="1.0" encoding="utf-8"?>
+<file path=ppt/slides/slide27.xml><?xml version="1.0" encoding="utf-8"?>
 <p:sld xmlns:a="http://schemas.openxmlformats.org/drawingml/2006/main" xmlns:r="http://schemas.openxmlformats.org/officeDocument/2006/relationships" xmlns:p="http://schemas.openxmlformats.org/presentationml/2006/main">
   <p:cSld>
     <p:spTree>
@@ -5996,7 +6450,7 @@
 </p:sld>
 </file>
 
-<file path=ppt/slides/slide25.xml><?xml version="1.0" encoding="utf-8"?>
+<file path=ppt/slides/slide28.xml><?xml version="1.0" encoding="utf-8"?>
 <p:sld xmlns:a="http://schemas.openxmlformats.org/drawingml/2006/main" xmlns:r="http://schemas.openxmlformats.org/officeDocument/2006/relationships" xmlns:p="http://schemas.openxmlformats.org/presentationml/2006/main">
   <p:cSld>
     <p:spTree>
@@ -6153,7 +6607,7 @@
 </p:sld>
 </file>
 
-<file path=ppt/slides/slide26.xml><?xml version="1.0" encoding="utf-8"?>
+<file path=ppt/slides/slide29.xml><?xml version="1.0" encoding="utf-8"?>
 <p:sld xmlns:a="http://schemas.openxmlformats.org/drawingml/2006/main" xmlns:r="http://schemas.openxmlformats.org/officeDocument/2006/relationships" xmlns:p="http://schemas.openxmlformats.org/presentationml/2006/main">
   <p:cSld>
     <p:spTree>
@@ -6271,7 +6725,125 @@
 </p:sld>
 </file>
 
-<file path=ppt/slides/slide27.xml><?xml version="1.0" encoding="utf-8"?>
+<file path=ppt/slides/slide3.xml><?xml version="1.0" encoding="utf-8"?>
+<p:sld xmlns:a="http://schemas.openxmlformats.org/drawingml/2006/main" xmlns:r="http://schemas.openxmlformats.org/officeDocument/2006/relationships" xmlns:p="http://schemas.openxmlformats.org/presentationml/2006/main">
+  <p:cSld>
+    <p:spTree>
+      <p:nvGrpSpPr>
+        <p:cNvPr id="1" name=""/>
+        <p:cNvGrpSpPr/>
+        <p:nvPr/>
+      </p:nvGrpSpPr>
+      <p:grpSpPr>
+        <a:xfrm>
+          <a:off x="0" y="0"/>
+          <a:ext cx="0" cy="0"/>
+          <a:chOff x="0" y="0"/>
+          <a:chExt cx="0" cy="0"/>
+        </a:xfrm>
+      </p:grpSpPr>
+      <p:sp>
+        <p:nvSpPr>
+          <p:cNvPr id="2" name="Title 1"/>
+          <p:cNvSpPr>
+            <a:spLocks noGrp="1"/>
+          </p:cNvSpPr>
+          <p:nvPr>
+            <p:ph type="title"/>
+          </p:nvPr>
+        </p:nvSpPr>
+        <p:spPr/>
+        <p:txBody>
+          <a:bodyPr/>
+          <a:lstStyle/>
+          <a:p>
+            <a:r>
+              <a:rPr lang="en-US" sz="4000" dirty="0"/>
+              <a:t>Equality</a:t>
+            </a:r>
+            <a:endParaRPr lang="he-IL" dirty="0"/>
+          </a:p>
+        </p:txBody>
+      </p:sp>
+      <p:sp>
+        <p:nvSpPr>
+          <p:cNvPr id="3" name="Content Placeholder 2"/>
+          <p:cNvSpPr>
+            <a:spLocks noGrp="1"/>
+          </p:cNvSpPr>
+          <p:nvPr>
+            <p:ph idx="1"/>
+          </p:nvPr>
+        </p:nvSpPr>
+        <p:spPr/>
+        <p:txBody>
+          <a:bodyPr/>
+          <a:lstStyle/>
+          <a:p>
+            <a:pPr algn="l" rtl="0"/>
+            <a:r>
+              <a:rPr lang="en-US" dirty="0"/>
+              <a:t>One thing to be careful about in JavaScript is</a:t>
+            </a:r>
+          </a:p>
+          <a:p>
+            <a:pPr algn="l" rtl="0">
+              <a:buNone/>
+            </a:pPr>
+            <a:r>
+              <a:rPr lang="en-US" dirty="0"/>
+              <a:t>	the difference between == and ===.</a:t>
+            </a:r>
+          </a:p>
+          <a:p>
+            <a:pPr algn="l" rtl="0">
+              <a:buNone/>
+            </a:pPr>
+            <a:endParaRPr lang="en-US" dirty="0"/>
+          </a:p>
+          <a:p>
+            <a:pPr algn="l" rtl="0">
+              <a:buNone/>
+            </a:pPr>
+            <a:endParaRPr lang="en-US" dirty="0"/>
+          </a:p>
+        </p:txBody>
+      </p:sp>
+      <p:pic>
+        <p:nvPicPr>
+          <p:cNvPr id="1026" name="Picture 2" descr="C:\Users\israel\Desktop\Capture.PNG"/>
+          <p:cNvPicPr>
+            <a:picLocks noChangeAspect="1" noChangeArrowheads="1"/>
+          </p:cNvPicPr>
+          <p:nvPr/>
+        </p:nvPicPr>
+        <p:blipFill>
+          <a:blip r:embed="rId2" cstate="print"/>
+          <a:srcRect/>
+          <a:stretch>
+            <a:fillRect/>
+          </a:stretch>
+        </p:blipFill>
+        <p:spPr bwMode="auto">
+          <a:xfrm>
+            <a:off x="533400" y="2667000"/>
+            <a:ext cx="7354888" cy="809625"/>
+          </a:xfrm>
+          <a:prstGeom prst="rect">
+            <a:avLst/>
+          </a:prstGeom>
+          <a:noFill/>
+        </p:spPr>
+      </p:pic>
+    </p:spTree>
+  </p:cSld>
+  <p:clrMapOvr>
+    <a:masterClrMapping/>
+  </p:clrMapOvr>
+</p:sld>
+</file>
+
+<file path=ppt/slides/slide30.xml><?xml version="1.0" encoding="utf-8"?>
 <p:sld xmlns:a="http://schemas.openxmlformats.org/drawingml/2006/main" xmlns:r="http://schemas.openxmlformats.org/officeDocument/2006/relationships" xmlns:p="http://schemas.openxmlformats.org/presentationml/2006/main">
   <p:cSld>
     <p:spTree>
@@ -6416,7 +6988,7 @@
 </p:sld>
 </file>
 
-<file path=ppt/slides/slide28.xml><?xml version="1.0" encoding="utf-8"?>
+<file path=ppt/slides/slide31.xml><?xml version="1.0" encoding="utf-8"?>
 <p:sld xmlns:a="http://schemas.openxmlformats.org/drawingml/2006/main" xmlns:r="http://schemas.openxmlformats.org/officeDocument/2006/relationships" xmlns:p="http://schemas.openxmlformats.org/presentationml/2006/main">
   <p:cSld>
     <p:spTree>
@@ -6542,7 +7114,7 @@
 </p:sld>
 </file>
 
-<file path=ppt/slides/slide29.xml><?xml version="1.0" encoding="utf-8"?>
+<file path=ppt/slides/slide32.xml><?xml version="1.0" encoding="utf-8"?>
 <p:sld xmlns:a="http://schemas.openxmlformats.org/drawingml/2006/main" xmlns:r="http://schemas.openxmlformats.org/officeDocument/2006/relationships" xmlns:p="http://schemas.openxmlformats.org/presentationml/2006/main">
   <p:cSld>
     <p:spTree>
@@ -6886,146 +7458,7 @@
 </p:sld>
 </file>
 
-<file path=ppt/slides/slide3.xml><?xml version="1.0" encoding="utf-8"?>
-<p:sld xmlns:a="http://schemas.openxmlformats.org/drawingml/2006/main" xmlns:r="http://schemas.openxmlformats.org/officeDocument/2006/relationships" xmlns:p="http://schemas.openxmlformats.org/presentationml/2006/main">
-  <p:cSld>
-    <p:spTree>
-      <p:nvGrpSpPr>
-        <p:cNvPr id="1" name=""/>
-        <p:cNvGrpSpPr/>
-        <p:nvPr/>
-      </p:nvGrpSpPr>
-      <p:grpSpPr>
-        <a:xfrm>
-          <a:off x="0" y="0"/>
-          <a:ext cx="0" cy="0"/>
-          <a:chOff x="0" y="0"/>
-          <a:chExt cx="0" cy="0"/>
-        </a:xfrm>
-      </p:grpSpPr>
-      <p:sp>
-        <p:nvSpPr>
-          <p:cNvPr id="2" name="Title 1"/>
-          <p:cNvSpPr>
-            <a:spLocks noGrp="1"/>
-          </p:cNvSpPr>
-          <p:nvPr>
-            <p:ph type="title"/>
-          </p:nvPr>
-        </p:nvSpPr>
-        <p:spPr/>
-        <p:txBody>
-          <a:bodyPr/>
-          <a:lstStyle/>
-          <a:p>
-            <a:r>
-              <a:rPr lang="en-US" sz="4000" dirty="0"/>
-              <a:t>Equality</a:t>
-            </a:r>
-            <a:endParaRPr lang="he-IL" dirty="0"/>
-          </a:p>
-        </p:txBody>
-      </p:sp>
-      <p:sp>
-        <p:nvSpPr>
-          <p:cNvPr id="3" name="Content Placeholder 2"/>
-          <p:cNvSpPr>
-            <a:spLocks noGrp="1"/>
-          </p:cNvSpPr>
-          <p:nvPr>
-            <p:ph idx="1"/>
-          </p:nvPr>
-        </p:nvSpPr>
-        <p:spPr/>
-        <p:txBody>
-          <a:bodyPr/>
-          <a:lstStyle/>
-          <a:p>
-            <a:pPr algn="l" rtl="0"/>
-            <a:r>
-              <a:rPr lang="en-US" dirty="0"/>
-              <a:t>One thing to be careful about in JavaScript is</a:t>
-            </a:r>
-          </a:p>
-          <a:p>
-            <a:pPr algn="l" rtl="0">
-              <a:buNone/>
-            </a:pPr>
-            <a:r>
-              <a:rPr lang="en-US" dirty="0"/>
-              <a:t>	the difference between == and ===.</a:t>
-            </a:r>
-          </a:p>
-          <a:p>
-            <a:pPr algn="l" rtl="0">
-              <a:buNone/>
-            </a:pPr>
-            <a:endParaRPr lang="en-US" dirty="0"/>
-          </a:p>
-          <a:p>
-            <a:pPr algn="l" rtl="0">
-              <a:buNone/>
-            </a:pPr>
-            <a:endParaRPr lang="en-US" dirty="0"/>
-          </a:p>
-          <a:p>
-            <a:pPr algn="l" rtl="0"/>
-            <a:r>
-              <a:rPr lang="en-US" dirty="0"/>
-              <a:t>Similar to == vs. ===, there is != vs. !==.</a:t>
-            </a:r>
-          </a:p>
-          <a:p>
-            <a:pPr algn="l" rtl="0"/>
-            <a:r>
-              <a:rPr lang="en-US" dirty="0"/>
-              <a:t>Always use === and !==.</a:t>
-            </a:r>
-          </a:p>
-          <a:p>
-            <a:pPr algn="l" rtl="0"/>
-            <a:r>
-              <a:rPr lang="en-US" dirty="0"/>
-              <a:t>TypeScript object equality is the same as JavaScript object equality.</a:t>
-            </a:r>
-          </a:p>
-        </p:txBody>
-      </p:sp>
-      <p:pic>
-        <p:nvPicPr>
-          <p:cNvPr id="1026" name="Picture 2" descr="C:\Users\israel\Desktop\Capture.PNG"/>
-          <p:cNvPicPr>
-            <a:picLocks noChangeAspect="1" noChangeArrowheads="1"/>
-          </p:cNvPicPr>
-          <p:nvPr/>
-        </p:nvPicPr>
-        <p:blipFill>
-          <a:blip r:embed="rId2" cstate="print"/>
-          <a:srcRect/>
-          <a:stretch>
-            <a:fillRect/>
-          </a:stretch>
-        </p:blipFill>
-        <p:spPr bwMode="auto">
-          <a:xfrm>
-            <a:off x="533400" y="2667000"/>
-            <a:ext cx="7354888" cy="809625"/>
-          </a:xfrm>
-          <a:prstGeom prst="rect">
-            <a:avLst/>
-          </a:prstGeom>
-          <a:noFill/>
-        </p:spPr>
-      </p:pic>
-    </p:spTree>
-  </p:cSld>
-  <p:clrMapOvr>
-    <a:masterClrMapping/>
-  </p:clrMapOvr>
-</p:sld>
-</file>
-
-<file path=ppt/slides/slide30.xml><?xml version="1.0" encoding="utf-8"?>
+<file path=ppt/slides/slide33.xml><?xml version="1.0" encoding="utf-8"?>
 <p:sld xmlns:a="http://schemas.openxmlformats.org/drawingml/2006/main" xmlns:r="http://schemas.openxmlformats.org/officeDocument/2006/relationships" xmlns:p="http://schemas.openxmlformats.org/presentationml/2006/main">
   <p:cSld>
     <p:spTree>
@@ -7147,7 +7580,7 @@
 </p:sld>
 </file>
 
-<file path=ppt/slides/slide31.xml><?xml version="1.0" encoding="utf-8"?>
+<file path=ppt/slides/slide34.xml><?xml version="1.0" encoding="utf-8"?>
 <p:sld xmlns:a="http://schemas.openxmlformats.org/drawingml/2006/main" xmlns:r="http://schemas.openxmlformats.org/officeDocument/2006/relationships" xmlns:p="http://schemas.openxmlformats.org/presentationml/2006/main">
   <p:cSld>
     <p:spTree>
@@ -7331,7 +7764,7 @@
 </p:sld>
 </file>
 
-<file path=ppt/slides/slide32.xml><?xml version="1.0" encoding="utf-8"?>
+<file path=ppt/slides/slide35.xml><?xml version="1.0" encoding="utf-8"?>
 <p:sld xmlns:a="http://schemas.openxmlformats.org/drawingml/2006/main" xmlns:r="http://schemas.openxmlformats.org/officeDocument/2006/relationships" xmlns:p="http://schemas.openxmlformats.org/presentationml/2006/main">
   <p:cSld>
     <p:spTree>
@@ -7537,7 +7970,7 @@
 </p:sld>
 </file>
 
-<file path=ppt/slides/slide33.xml><?xml version="1.0" encoding="utf-8"?>
+<file path=ppt/slides/slide36.xml><?xml version="1.0" encoding="utf-8"?>
 <p:sld xmlns:a="http://schemas.openxmlformats.org/drawingml/2006/main" xmlns:r="http://schemas.openxmlformats.org/officeDocument/2006/relationships" xmlns:p="http://schemas.openxmlformats.org/presentationml/2006/main">
   <p:cSld>
     <p:spTree>
@@ -7778,7 +8211,7 @@
 </p:sld>
 </file>
 
-<file path=ppt/slides/slide34.xml><?xml version="1.0" encoding="utf-8"?>
+<file path=ppt/slides/slide37.xml><?xml version="1.0" encoding="utf-8"?>
 <p:sld xmlns:a="http://schemas.openxmlformats.org/drawingml/2006/main" xmlns:r="http://schemas.openxmlformats.org/officeDocument/2006/relationships" xmlns:p="http://schemas.openxmlformats.org/presentationml/2006/main">
   <p:cSld>
     <p:spTree>
@@ -7962,7 +8395,7 @@
 </p:sld>
 </file>
 
-<file path=ppt/slides/slide35.xml><?xml version="1.0" encoding="utf-8"?>
+<file path=ppt/slides/slide38.xml><?xml version="1.0" encoding="utf-8"?>
 <p:sld xmlns:a="http://schemas.openxmlformats.org/drawingml/2006/main" xmlns:r="http://schemas.openxmlformats.org/officeDocument/2006/relationships" xmlns:p="http://schemas.openxmlformats.org/presentationml/2006/main">
   <p:cSld>
     <p:spTree>
@@ -8101,7 +8534,7 @@
 </p:sld>
 </file>
 
-<file path=ppt/slides/slide36.xml><?xml version="1.0" encoding="utf-8"?>
+<file path=ppt/slides/slide39.xml><?xml version="1.0" encoding="utf-8"?>
 <p:sld xmlns:a="http://schemas.openxmlformats.org/drawingml/2006/main" xmlns:r="http://schemas.openxmlformats.org/officeDocument/2006/relationships" xmlns:p="http://schemas.openxmlformats.org/presentationml/2006/main">
   <p:cSld>
     <p:spTree>
@@ -8268,7 +8701,151 @@
 </p:sld>
 </file>
 
-<file path=ppt/slides/slide37.xml><?xml version="1.0" encoding="utf-8"?>
+<file path=ppt/slides/slide4.xml><?xml version="1.0" encoding="utf-8"?>
+<p:sld xmlns:a="http://schemas.openxmlformats.org/drawingml/2006/main" xmlns:r="http://schemas.openxmlformats.org/officeDocument/2006/relationships" xmlns:p="http://schemas.openxmlformats.org/presentationml/2006/main">
+  <p:cSld>
+    <p:spTree>
+      <p:nvGrpSpPr>
+        <p:cNvPr id="1" name=""/>
+        <p:cNvGrpSpPr/>
+        <p:nvPr/>
+      </p:nvGrpSpPr>
+      <p:grpSpPr>
+        <a:xfrm>
+          <a:off x="0" y="0"/>
+          <a:ext cx="0" cy="0"/>
+          <a:chOff x="0" y="0"/>
+          <a:chExt cx="0" cy="0"/>
+        </a:xfrm>
+      </p:grpSpPr>
+      <p:sp>
+        <p:nvSpPr>
+          <p:cNvPr id="2" name="Title 1"/>
+          <p:cNvSpPr>
+            <a:spLocks noGrp="1"/>
+          </p:cNvSpPr>
+          <p:nvPr>
+            <p:ph type="title"/>
+          </p:nvPr>
+        </p:nvSpPr>
+        <p:spPr/>
+        <p:txBody>
+          <a:bodyPr/>
+          <a:lstStyle/>
+          <a:p>
+            <a:r>
+              <a:rPr lang="en-US" sz="4000" dirty="0"/>
+              <a:t>Equality</a:t>
+            </a:r>
+            <a:endParaRPr lang="he-IL" dirty="0"/>
+          </a:p>
+        </p:txBody>
+      </p:sp>
+      <p:sp>
+        <p:nvSpPr>
+          <p:cNvPr id="3" name="Content Placeholder 2"/>
+          <p:cNvSpPr>
+            <a:spLocks noGrp="1"/>
+          </p:cNvSpPr>
+          <p:nvPr>
+            <p:ph idx="1"/>
+          </p:nvPr>
+        </p:nvSpPr>
+        <p:spPr/>
+        <p:txBody>
+          <a:bodyPr/>
+          <a:lstStyle/>
+          <a:p>
+            <a:pPr marL="0" indent="0" algn="l" rtl="0">
+              <a:buNone/>
+            </a:pPr>
+            <a:endParaRPr lang="en-US" b="1" dirty="0"/>
+          </a:p>
+          <a:p>
+            <a:pPr marL="0" indent="0" algn="l" rtl="0">
+              <a:buNone/>
+            </a:pPr>
+            <a:r>
+              <a:rPr lang="en-US" b="1" dirty="0"/>
+              <a:t>Equals Operator ( == )</a:t>
+            </a:r>
+          </a:p>
+          <a:p>
+            <a:pPr marL="0" indent="0" algn="l" rtl="0">
+              <a:buNone/>
+            </a:pPr>
+            <a:r>
+              <a:rPr lang="en-US" sz="1800" dirty="0"/>
+              <a:t>The comparison x == y with equals operator, where x and y are values, produces true or false. The important thing to know is that while comparing both values, JavaScript runtime will perform type conversions to make both values of same type.</a:t>
+            </a:r>
+          </a:p>
+          <a:p>
+            <a:pPr marL="0" indent="0" algn="l" rtl="0">
+              <a:buNone/>
+            </a:pPr>
+            <a:endParaRPr lang="en-US" sz="1800" dirty="0"/>
+          </a:p>
+          <a:p>
+            <a:pPr marL="0" indent="0" algn="l" rtl="0">
+              <a:buNone/>
+            </a:pPr>
+            <a:r>
+              <a:rPr lang="en-US" b="1" dirty="0"/>
+              <a:t>Strict Equals Operator ( === )</a:t>
+            </a:r>
+          </a:p>
+          <a:p>
+            <a:pPr marL="0" indent="0" algn="l" rtl="0">
+              <a:buNone/>
+            </a:pPr>
+            <a:r>
+              <a:rPr lang="en-US" sz="1800" dirty="0"/>
+              <a:t>The comparison x === y with equals operator, where x and y are values, produces true or false only when –</a:t>
+            </a:r>
+          </a:p>
+          <a:p>
+            <a:pPr marL="342900" indent="-342900" algn="l" rtl="0">
+              <a:buFont typeface="+mj-lt"/>
+              <a:buAutoNum type="arabicPeriod"/>
+            </a:pPr>
+            <a:r>
+              <a:rPr lang="en-US" sz="1800" dirty="0"/>
+              <a:t>types of x and y are same.</a:t>
+            </a:r>
+          </a:p>
+          <a:p>
+            <a:pPr marL="342900" indent="-342900" algn="l" rtl="0">
+              <a:buFont typeface="+mj-lt"/>
+              <a:buAutoNum type="arabicPeriod"/>
+            </a:pPr>
+            <a:r>
+              <a:rPr lang="en-US" sz="1800" dirty="0"/>
+              <a:t>values of x and y are equal.</a:t>
+            </a:r>
+          </a:p>
+          <a:p>
+            <a:pPr marL="0" indent="0" algn="l" rtl="0">
+              <a:buNone/>
+            </a:pPr>
+            <a:endParaRPr lang="en-US" sz="1800" dirty="0"/>
+          </a:p>
+          <a:p>
+            <a:pPr marL="0" indent="0" algn="l" rtl="0">
+              <a:buNone/>
+            </a:pPr>
+            <a:endParaRPr lang="en-US" dirty="0"/>
+          </a:p>
+        </p:txBody>
+      </p:sp>
+    </p:spTree>
+  </p:cSld>
+  <p:clrMapOvr>
+    <a:masterClrMapping/>
+  </p:clrMapOvr>
+</p:sld>
+</file>
+
+<file path=ppt/slides/slide40.xml><?xml version="1.0" encoding="utf-8"?>
 <p:sld xmlns:a="http://schemas.openxmlformats.org/drawingml/2006/main" xmlns:r="http://schemas.openxmlformats.org/officeDocument/2006/relationships" xmlns:p="http://schemas.openxmlformats.org/presentationml/2006/main">
   <p:cSld>
     <p:spTree>
@@ -8392,7 +8969,7 @@
 </p:sld>
 </file>
 
-<file path=ppt/slides/slide38.xml><?xml version="1.0" encoding="utf-8"?>
+<file path=ppt/slides/slide41.xml><?xml version="1.0" encoding="utf-8"?>
 <p:sld xmlns:a="http://schemas.openxmlformats.org/drawingml/2006/main" xmlns:r="http://schemas.openxmlformats.org/officeDocument/2006/relationships" xmlns:p="http://schemas.openxmlformats.org/presentationml/2006/main">
   <p:cSld>
     <p:spTree>
@@ -8532,7 +9109,7 @@
 </p:sld>
 </file>
 
-<file path=ppt/slides/slide39.xml><?xml version="1.0" encoding="utf-8"?>
+<file path=ppt/slides/slide42.xml><?xml version="1.0" encoding="utf-8"?>
 <p:sld xmlns:a="http://schemas.openxmlformats.org/drawingml/2006/main" xmlns:r="http://schemas.openxmlformats.org/officeDocument/2006/relationships" xmlns:p="http://schemas.openxmlformats.org/presentationml/2006/main">
   <p:cSld>
     <p:spTree>
@@ -8710,115 +9287,7 @@
 </p:sld>
 </file>
 
-<file path=ppt/slides/slide4.xml><?xml version="1.0" encoding="utf-8"?>
-<p:sld xmlns:a="http://schemas.openxmlformats.org/drawingml/2006/main" xmlns:r="http://schemas.openxmlformats.org/officeDocument/2006/relationships" xmlns:p="http://schemas.openxmlformats.org/presentationml/2006/main">
-  <p:cSld>
-    <p:spTree>
-      <p:nvGrpSpPr>
-        <p:cNvPr id="1" name=""/>
-        <p:cNvGrpSpPr/>
-        <p:nvPr/>
-      </p:nvGrpSpPr>
-      <p:grpSpPr>
-        <a:xfrm>
-          <a:off x="0" y="0"/>
-          <a:ext cx="0" cy="0"/>
-          <a:chOff x="0" y="0"/>
-          <a:chExt cx="0" cy="0"/>
-        </a:xfrm>
-      </p:grpSpPr>
-      <p:sp>
-        <p:nvSpPr>
-          <p:cNvPr id="2" name="Title 1"/>
-          <p:cNvSpPr>
-            <a:spLocks noGrp="1"/>
-          </p:cNvSpPr>
-          <p:nvPr>
-            <p:ph type="title"/>
-          </p:nvPr>
-        </p:nvSpPr>
-        <p:spPr/>
-        <p:txBody>
-          <a:bodyPr/>
-          <a:lstStyle/>
-          <a:p>
-            <a:r>
-              <a:rPr lang="en-US" sz="4000" dirty="0"/>
-              <a:t>Equality</a:t>
-            </a:r>
-            <a:endParaRPr lang="he-IL" dirty="0"/>
-          </a:p>
-        </p:txBody>
-      </p:sp>
-      <p:sp>
-        <p:nvSpPr>
-          <p:cNvPr id="3" name="Content Placeholder 2"/>
-          <p:cNvSpPr>
-            <a:spLocks noGrp="1"/>
-          </p:cNvSpPr>
-          <p:nvPr>
-            <p:ph idx="1"/>
-          </p:nvPr>
-        </p:nvSpPr>
-        <p:spPr/>
-        <p:txBody>
-          <a:bodyPr/>
-          <a:lstStyle/>
-          <a:p>
-            <a:pPr algn="l" rtl="0">
-              <a:buNone/>
-            </a:pPr>
-            <a:r>
-              <a:rPr lang="en-US" dirty="0"/>
-              <a:t>Conditional statements such as the ‘if’</a:t>
-            </a:r>
-          </a:p>
-          <a:p>
-            <a:pPr algn="l" rtl="0">
-              <a:buNone/>
-            </a:pPr>
-            <a:r>
-              <a:rPr lang="en-US" dirty="0"/>
-              <a:t>statement evaluate their expression using</a:t>
-            </a:r>
-          </a:p>
-          <a:p>
-            <a:pPr algn="l" rtl="0">
-              <a:buNone/>
-            </a:pPr>
-            <a:r>
-              <a:rPr lang="en-US" dirty="0"/>
-              <a:t>coercion with the ’</a:t>
-            </a:r>
-            <a:r>
-              <a:rPr lang="en-US" dirty="0" err="1"/>
-              <a:t>ToBoolean</a:t>
-            </a:r>
-            <a:r>
-              <a:rPr lang="en-US" dirty="0"/>
-              <a:t>’ abstract method</a:t>
-            </a:r>
-          </a:p>
-          <a:p>
-            <a:pPr algn="l" rtl="0">
-              <a:buNone/>
-            </a:pPr>
-            <a:r>
-              <a:rPr lang="en-US" dirty="0"/>
-              <a:t>and always follows the same rolls.</a:t>
-            </a:r>
-          </a:p>
-        </p:txBody>
-      </p:sp>
-    </p:spTree>
-  </p:cSld>
-  <p:clrMapOvr>
-    <a:masterClrMapping/>
-  </p:clrMapOvr>
-</p:sld>
-</file>
-
-<file path=ppt/slides/slide40.xml><?xml version="1.0" encoding="utf-8"?>
+<file path=ppt/slides/slide43.xml><?xml version="1.0" encoding="utf-8"?>
 <p:sld xmlns:a="http://schemas.openxmlformats.org/drawingml/2006/main" xmlns:r="http://schemas.openxmlformats.org/officeDocument/2006/relationships" xmlns:p="http://schemas.openxmlformats.org/presentationml/2006/main">
   <p:cSld>
     <p:spTree>
@@ -9023,7 +9492,7 @@
 </p:sld>
 </file>
 
-<file path=ppt/slides/slide41.xml><?xml version="1.0" encoding="utf-8"?>
+<file path=ppt/slides/slide44.xml><?xml version="1.0" encoding="utf-8"?>
 <p:sld xmlns:a="http://schemas.openxmlformats.org/drawingml/2006/main" xmlns:r="http://schemas.openxmlformats.org/officeDocument/2006/relationships" xmlns:p="http://schemas.openxmlformats.org/presentationml/2006/main">
   <p:cSld>
     <p:spTree>
@@ -9215,7 +9684,7 @@
 </p:sld>
 </file>
 
-<file path=ppt/slides/slide42.xml><?xml version="1.0" encoding="utf-8"?>
+<file path=ppt/slides/slide45.xml><?xml version="1.0" encoding="utf-8"?>
 <p:sld xmlns:a="http://schemas.openxmlformats.org/drawingml/2006/main" xmlns:r="http://schemas.openxmlformats.org/officeDocument/2006/relationships" xmlns:p="http://schemas.openxmlformats.org/presentationml/2006/main">
   <p:cSld>
     <p:spTree>
@@ -9381,7 +9850,7 @@
 </p:sld>
 </file>
 
-<file path=ppt/slides/slide43.xml><?xml version="1.0" encoding="utf-8"?>
+<file path=ppt/slides/slide46.xml><?xml version="1.0" encoding="utf-8"?>
 <p:sld xmlns:a="http://schemas.openxmlformats.org/drawingml/2006/main" xmlns:r="http://schemas.openxmlformats.org/officeDocument/2006/relationships" xmlns:p="http://schemas.openxmlformats.org/presentationml/2006/main">
   <p:cSld>
     <p:spTree>
@@ -9585,7 +10054,7 @@
 </p:sld>
 </file>
 
-<file path=ppt/slides/slide44.xml><?xml version="1.0" encoding="utf-8"?>
+<file path=ppt/slides/slide47.xml><?xml version="1.0" encoding="utf-8"?>
 <p:sld xmlns:a="http://schemas.openxmlformats.org/drawingml/2006/main" xmlns:r="http://schemas.openxmlformats.org/officeDocument/2006/relationships" xmlns:p="http://schemas.openxmlformats.org/presentationml/2006/main">
   <p:cSld>
     <p:spTree>
@@ -9841,7 +10310,7 @@
 </p:sld>
 </file>
 
-<file path=ppt/slides/slide45.xml><?xml version="1.0" encoding="utf-8"?>
+<file path=ppt/slides/slide48.xml><?xml version="1.0" encoding="utf-8"?>
 <p:sld xmlns:a="http://schemas.openxmlformats.org/drawingml/2006/main" xmlns:r="http://schemas.openxmlformats.org/officeDocument/2006/relationships" xmlns:p="http://schemas.openxmlformats.org/presentationml/2006/main">
   <p:cSld>
     <p:spTree>
@@ -10049,7 +10518,7 @@
 </p:sld>
 </file>
 
-<file path=ppt/slides/slide46.xml><?xml version="1.0" encoding="utf-8"?>
+<file path=ppt/slides/slide49.xml><?xml version="1.0" encoding="utf-8"?>
 <p:sld xmlns:a="http://schemas.openxmlformats.org/drawingml/2006/main" xmlns:r="http://schemas.openxmlformats.org/officeDocument/2006/relationships" xmlns:p="http://schemas.openxmlformats.org/presentationml/2006/main">
   <p:cSld>
     <p:spTree>
@@ -10155,7 +10624,109 @@
 </p:sld>
 </file>
 
-<file path=ppt/slides/slide47.xml><?xml version="1.0" encoding="utf-8"?>
+<file path=ppt/slides/slide5.xml><?xml version="1.0" encoding="utf-8"?>
+<p:sld xmlns:a="http://schemas.openxmlformats.org/drawingml/2006/main" xmlns:r="http://schemas.openxmlformats.org/officeDocument/2006/relationships" xmlns:p="http://schemas.openxmlformats.org/presentationml/2006/main">
+  <p:cSld>
+    <p:spTree>
+      <p:nvGrpSpPr>
+        <p:cNvPr id="1" name=""/>
+        <p:cNvGrpSpPr/>
+        <p:nvPr/>
+      </p:nvGrpSpPr>
+      <p:grpSpPr>
+        <a:xfrm>
+          <a:off x="0" y="0"/>
+          <a:ext cx="0" cy="0"/>
+          <a:chOff x="0" y="0"/>
+          <a:chExt cx="0" cy="0"/>
+        </a:xfrm>
+      </p:grpSpPr>
+      <p:sp>
+        <p:nvSpPr>
+          <p:cNvPr id="2" name="Title 1"/>
+          <p:cNvSpPr>
+            <a:spLocks noGrp="1"/>
+          </p:cNvSpPr>
+          <p:nvPr>
+            <p:ph type="title"/>
+          </p:nvPr>
+        </p:nvSpPr>
+        <p:spPr/>
+        <p:txBody>
+          <a:bodyPr/>
+          <a:lstStyle/>
+          <a:p>
+            <a:r>
+              <a:rPr lang="en-US" sz="4000" dirty="0"/>
+              <a:t>Equality</a:t>
+            </a:r>
+            <a:endParaRPr lang="he-IL" dirty="0"/>
+          </a:p>
+        </p:txBody>
+      </p:sp>
+      <p:sp>
+        <p:nvSpPr>
+          <p:cNvPr id="3" name="Content Placeholder 2"/>
+          <p:cNvSpPr>
+            <a:spLocks noGrp="1"/>
+          </p:cNvSpPr>
+          <p:nvPr>
+            <p:ph idx="1"/>
+          </p:nvPr>
+        </p:nvSpPr>
+        <p:spPr/>
+        <p:txBody>
+          <a:bodyPr/>
+          <a:lstStyle/>
+          <a:p>
+            <a:pPr algn="l" rtl="0"/>
+            <a:r>
+              <a:rPr lang="en-US" dirty="0"/>
+              <a:t>Similar to == vs. ===, there is != vs. !==.</a:t>
+            </a:r>
+          </a:p>
+          <a:p>
+            <a:pPr algn="l" rtl="0"/>
+            <a:r>
+              <a:rPr lang="en-US" dirty="0"/>
+              <a:t>Always use === and !==.</a:t>
+            </a:r>
+          </a:p>
+          <a:p>
+            <a:pPr algn="l" rtl="0"/>
+            <a:r>
+              <a:rPr lang="en-US" dirty="0"/>
+              <a:t>TypeScript object equality is the same as JavaScript object equality.</a:t>
+            </a:r>
+          </a:p>
+          <a:p>
+            <a:pPr marL="0" indent="0" algn="l" rtl="0">
+              <a:buNone/>
+            </a:pPr>
+            <a:endParaRPr lang="en-US" sz="1800" dirty="0"/>
+          </a:p>
+          <a:p>
+            <a:pPr marL="0" indent="0" algn="l" rtl="0">
+              <a:buNone/>
+            </a:pPr>
+            <a:endParaRPr lang="en-US" dirty="0"/>
+          </a:p>
+        </p:txBody>
+      </p:sp>
+    </p:spTree>
+    <p:extLst>
+      <p:ext uri="{BB962C8B-B14F-4D97-AF65-F5344CB8AC3E}">
+        <p14:creationId xmlns:p14="http://schemas.microsoft.com/office/powerpoint/2010/main" val="1378526269"/>
+      </p:ext>
+    </p:extLst>
+  </p:cSld>
+  <p:clrMapOvr>
+    <a:masterClrMapping/>
+  </p:clrMapOvr>
+</p:sld>
+</file>
+
+<file path=ppt/slides/slide50.xml><?xml version="1.0" encoding="utf-8"?>
 <p:sld xmlns:a="http://schemas.openxmlformats.org/drawingml/2006/main" xmlns:r="http://schemas.openxmlformats.org/officeDocument/2006/relationships" xmlns:p="http://schemas.openxmlformats.org/presentationml/2006/main">
   <p:cSld>
     <p:spTree>
@@ -10285,7 +10856,7 @@
 </p:sld>
 </file>
 
-<file path=ppt/slides/slide48.xml><?xml version="1.0" encoding="utf-8"?>
+<file path=ppt/slides/slide51.xml><?xml version="1.0" encoding="utf-8"?>
 <p:sld xmlns:a="http://schemas.openxmlformats.org/drawingml/2006/main" xmlns:r="http://schemas.openxmlformats.org/officeDocument/2006/relationships" xmlns:p="http://schemas.openxmlformats.org/presentationml/2006/main">
   <p:cSld>
     <p:spTree>
@@ -10430,7 +11001,7 @@
 </p:sld>
 </file>
 
-<file path=ppt/slides/slide49.xml><?xml version="1.0" encoding="utf-8"?>
+<file path=ppt/slides/slide52.xml><?xml version="1.0" encoding="utf-8"?>
 <p:sld xmlns:a="http://schemas.openxmlformats.org/drawingml/2006/main" xmlns:r="http://schemas.openxmlformats.org/officeDocument/2006/relationships" xmlns:p="http://schemas.openxmlformats.org/presentationml/2006/main">
   <p:cSld>
     <p:spTree>
@@ -10564,7 +11135,7 @@
 </p:sld>
 </file>
 
-<file path=ppt/slides/slide5.xml><?xml version="1.0" encoding="utf-8"?>
+<file path=ppt/slides/slide53.xml><?xml version="1.0" encoding="utf-8"?>
 <p:sld xmlns:a="http://schemas.openxmlformats.org/drawingml/2006/main" xmlns:r="http://schemas.openxmlformats.org/officeDocument/2006/relationships" xmlns:p="http://schemas.openxmlformats.org/presentationml/2006/main">
   <p:cSld>
     <p:spTree>
@@ -10583,169 +11154,6 @@
       </p:grpSpPr>
       <p:sp>
         <p:nvSpPr>
-          <p:cNvPr id="2" name="Title 1"/>
-          <p:cNvSpPr>
-            <a:spLocks noGrp="1"/>
-          </p:cNvSpPr>
-          <p:nvPr>
-            <p:ph type="title"/>
-          </p:nvPr>
-        </p:nvSpPr>
-        <p:spPr/>
-        <p:txBody>
-          <a:bodyPr/>
-          <a:lstStyle/>
-          <a:p>
-            <a:r>
-              <a:rPr lang="en-US" sz="4000" dirty="0"/>
-              <a:t>Equality</a:t>
-            </a:r>
-            <a:endParaRPr lang="he-IL" dirty="0"/>
-          </a:p>
-        </p:txBody>
-      </p:sp>
-      <p:sp>
-        <p:nvSpPr>
-          <p:cNvPr id="3" name="Content Placeholder 2"/>
-          <p:cNvSpPr>
-            <a:spLocks noGrp="1"/>
-          </p:cNvSpPr>
-          <p:nvPr>
-            <p:ph idx="1"/>
-          </p:nvPr>
-        </p:nvSpPr>
-        <p:spPr/>
-        <p:txBody>
-          <a:bodyPr>
-            <a:normAutofit/>
-          </a:bodyPr>
-          <a:lstStyle/>
-          <a:p>
-            <a:pPr algn="l" rtl="0">
-              <a:buNone/>
-            </a:pPr>
-            <a:r>
-              <a:rPr lang="en-US" sz="1800" dirty="0"/>
-              <a:t>From ES6 specification : “The abstract</a:t>
-            </a:r>
-          </a:p>
-          <a:p>
-            <a:pPr algn="l" rtl="0">
-              <a:buNone/>
-            </a:pPr>
-            <a:r>
-              <a:rPr lang="en-US" sz="1800" dirty="0"/>
-              <a:t>operation ‘</a:t>
-            </a:r>
-            <a:r>
-              <a:rPr lang="en-US" sz="1800" dirty="0" err="1"/>
-              <a:t>ToBoolean</a:t>
-            </a:r>
-            <a:r>
-              <a:rPr lang="en-US" sz="1800" dirty="0"/>
-              <a:t>’ converts argument to a</a:t>
-            </a:r>
-          </a:p>
-          <a:p>
-            <a:pPr algn="l" rtl="0">
-              <a:buNone/>
-            </a:pPr>
-            <a:r>
-              <a:rPr lang="en-US" sz="1800" dirty="0"/>
-              <a:t>value of type Boolean according to </a:t>
-            </a:r>
-            <a:r>
-              <a:rPr lang="en-US" sz="1800" dirty="0">
-                <a:hlinkClick r:id="rId2"/>
-              </a:rPr>
-              <a:t>table 10</a:t>
-            </a:r>
-            <a:r>
-              <a:rPr lang="en-US" sz="1800" dirty="0"/>
-              <a:t>”.</a:t>
-            </a:r>
-          </a:p>
-        </p:txBody>
-      </p:sp>
-      <p:pic>
-        <p:nvPicPr>
-          <p:cNvPr id="2050" name="Picture 2" descr="C:\Users\israel\Desktop\Capture.PNG"/>
-          <p:cNvPicPr>
-            <a:picLocks noChangeAspect="1" noChangeArrowheads="1"/>
-          </p:cNvPicPr>
-          <p:nvPr/>
-        </p:nvPicPr>
-        <p:blipFill>
-          <a:blip r:embed="rId3" cstate="print"/>
-          <a:srcRect/>
-          <a:stretch>
-            <a:fillRect/>
-          </a:stretch>
-        </p:blipFill>
-        <p:spPr bwMode="auto">
-          <a:xfrm>
-            <a:off x="228600" y="3124200"/>
-            <a:ext cx="7640638" cy="561975"/>
-          </a:xfrm>
-          <a:prstGeom prst="rect">
-            <a:avLst/>
-          </a:prstGeom>
-          <a:noFill/>
-        </p:spPr>
-      </p:pic>
-      <p:pic>
-        <p:nvPicPr>
-          <p:cNvPr id="2051" name="Picture 3" descr="C:\Users\israel\Desktop\Capture.PNG"/>
-          <p:cNvPicPr>
-            <a:picLocks noChangeAspect="1" noChangeArrowheads="1"/>
-          </p:cNvPicPr>
-          <p:nvPr/>
-        </p:nvPicPr>
-        <p:blipFill>
-          <a:blip r:embed="rId4" cstate="print"/>
-          <a:srcRect/>
-          <a:stretch>
-            <a:fillRect/>
-          </a:stretch>
-        </p:blipFill>
-        <p:spPr bwMode="auto">
-          <a:xfrm>
-            <a:off x="228600" y="3657600"/>
-            <a:ext cx="7631113" cy="2362200"/>
-          </a:xfrm>
-          <a:prstGeom prst="rect">
-            <a:avLst/>
-          </a:prstGeom>
-          <a:noFill/>
-        </p:spPr>
-      </p:pic>
-    </p:spTree>
-  </p:cSld>
-  <p:clrMapOvr>
-    <a:masterClrMapping/>
-  </p:clrMapOvr>
-</p:sld>
-</file>
-
-<file path=ppt/slides/slide50.xml><?xml version="1.0" encoding="utf-8"?>
-<p:sld xmlns:a="http://schemas.openxmlformats.org/drawingml/2006/main" xmlns:r="http://schemas.openxmlformats.org/officeDocument/2006/relationships" xmlns:p="http://schemas.openxmlformats.org/presentationml/2006/main">
-  <p:cSld>
-    <p:spTree>
-      <p:nvGrpSpPr>
-        <p:cNvPr id="1" name=""/>
-        <p:cNvGrpSpPr/>
-        <p:nvPr/>
-      </p:nvGrpSpPr>
-      <p:grpSpPr>
-        <a:xfrm>
-          <a:off x="0" y="0"/>
-          <a:ext cx="0" cy="0"/>
-          <a:chOff x="0" y="0"/>
-          <a:chExt cx="0" cy="0"/>
-        </a:xfrm>
-      </p:grpSpPr>
-      <p:sp>
-        <p:nvSpPr>
           <p:cNvPr id="2" name="Title 1">
             <a:extLst>
               <a:ext uri="{FF2B5EF4-FFF2-40B4-BE49-F238E27FC236}">
@@ -10877,7 +11285,7 @@
 </p:sld>
 </file>
 
-<file path=ppt/slides/slide51.xml><?xml version="1.0" encoding="utf-8"?>
+<file path=ppt/slides/slide54.xml><?xml version="1.0" encoding="utf-8"?>
 <p:sld xmlns:a="http://schemas.openxmlformats.org/drawingml/2006/main" xmlns:r="http://schemas.openxmlformats.org/officeDocument/2006/relationships" xmlns:p="http://schemas.openxmlformats.org/presentationml/2006/main">
   <p:cSld>
     <p:spTree>
@@ -11012,7 +11420,7 @@
 </p:sld>
 </file>
 
-<file path=ppt/slides/slide52.xml><?xml version="1.0" encoding="utf-8"?>
+<file path=ppt/slides/slide55.xml><?xml version="1.0" encoding="utf-8"?>
 <p:sld xmlns:a="http://schemas.openxmlformats.org/drawingml/2006/main" xmlns:r="http://schemas.openxmlformats.org/officeDocument/2006/relationships" xmlns:p="http://schemas.openxmlformats.org/presentationml/2006/main">
   <p:cSld>
     <p:spTree>
@@ -11086,7 +11494,23 @@
               <a:buNone/>
             </a:pPr>
             <a:r>
-              <a:rPr lang="en-US" sz="2000" dirty="0"/>
+              <a:rPr lang="en-IL" sz="2000" dirty="0"/>
+              <a:t>Output result – </a:t>
+            </a:r>
+            <a:endParaRPr lang="en-US" sz="2000" dirty="0"/>
+          </a:p>
+          <a:p>
+            <a:pPr marL="0" indent="0" algn="l" rtl="0">
+              <a:buNone/>
+            </a:pPr>
+            <a:endParaRPr lang="en-US" sz="2000" dirty="0"/>
+          </a:p>
+          <a:p>
+            <a:pPr marL="0" indent="0" algn="l" rtl="0">
+              <a:buNone/>
+            </a:pPr>
+            <a:r>
+              <a:rPr lang="en-US" sz="1800" dirty="0"/>
               <a:t>1. "inside the promise body”</a:t>
             </a:r>
           </a:p>
@@ -11095,18 +11519,18 @@
               <a:buNone/>
             </a:pPr>
             <a:br>
-              <a:rPr lang="en-US" sz="2000" dirty="0"/>
+              <a:rPr lang="en-US" sz="1800" dirty="0"/>
             </a:br>
             <a:r>
-              <a:rPr lang="en-US" sz="2000" dirty="0"/>
+              <a:rPr lang="en-US" sz="1800" dirty="0"/>
               <a:t>2. "inside first then{"name":"test","</a:t>
             </a:r>
             <a:r>
-              <a:rPr lang="en-US" sz="2000" dirty="0" err="1"/>
+              <a:rPr lang="en-US" sz="1800" dirty="0" err="1"/>
               <a:t>lastName</a:t>
             </a:r>
             <a:r>
-              <a:rPr lang="en-US" sz="2000" dirty="0"/>
+              <a:rPr lang="en-US" sz="1800" dirty="0"/>
               <a:t>":"last name test"}" </a:t>
             </a:r>
           </a:p>
@@ -11115,10 +11539,10 @@
               <a:buNone/>
             </a:pPr>
             <a:br>
-              <a:rPr lang="en-US" sz="2000" dirty="0"/>
+              <a:rPr lang="en-US" sz="1800" dirty="0"/>
             </a:br>
             <a:r>
-              <a:rPr lang="en-US" sz="2000" dirty="0"/>
+              <a:rPr lang="en-US" sz="1800" dirty="0"/>
               <a:t>3. custom error </a:t>
             </a:r>
           </a:p>
@@ -11127,10 +11551,10 @@
               <a:buNone/>
             </a:pPr>
             <a:br>
-              <a:rPr lang="en-US" sz="2000" dirty="0"/>
+              <a:rPr lang="en-US" sz="1800" dirty="0"/>
             </a:br>
             <a:r>
-              <a:rPr lang="en-US" sz="2000" dirty="0"/>
+              <a:rPr lang="en-US" sz="1800" dirty="0"/>
               <a:t>4. custom error </a:t>
             </a:r>
           </a:p>
@@ -11149,7 +11573,7 @@
 </p:sld>
 </file>
 
-<file path=ppt/slides/slide53.xml><?xml version="1.0" encoding="utf-8"?>
+<file path=ppt/slides/slide56.xml><?xml version="1.0" encoding="utf-8"?>
 <p:sld xmlns:a="http://schemas.openxmlformats.org/drawingml/2006/main" xmlns:r="http://schemas.openxmlformats.org/officeDocument/2006/relationships" xmlns:p="http://schemas.openxmlformats.org/presentationml/2006/main">
   <p:cSld>
     <p:spTree>
@@ -11194,36 +11618,6 @@
               <a:t>Promise</a:t>
             </a:r>
             <a:endParaRPr lang="en-US" dirty="0"/>
-          </a:p>
-        </p:txBody>
-      </p:sp>
-      <p:sp>
-        <p:nvSpPr>
-          <p:cNvPr id="3" name="Content Placeholder 2">
-            <a:extLst>
-              <a:ext uri="{FF2B5EF4-FFF2-40B4-BE49-F238E27FC236}">
-                <a16:creationId xmlns:a16="http://schemas.microsoft.com/office/drawing/2014/main" id="{3AB0ED87-3538-4957-875E-DEA297FEE413}"/>
-              </a:ext>
-            </a:extLst>
-          </p:cNvPr>
-          <p:cNvSpPr>
-            <a:spLocks noGrp="1"/>
-          </p:cNvSpPr>
-          <p:nvPr>
-            <p:ph idx="1"/>
-          </p:nvPr>
-        </p:nvSpPr>
-        <p:spPr/>
-        <p:txBody>
-          <a:bodyPr>
-            <a:normAutofit/>
-          </a:bodyPr>
-          <a:lstStyle/>
-          <a:p>
-            <a:pPr marL="0" indent="0" algn="l" rtl="0">
-              <a:buNone/>
-            </a:pPr>
-            <a:endParaRPr lang="en-US" sz="2000" dirty="0"/>
           </a:p>
         </p:txBody>
       </p:sp>
@@ -11276,7 +11670,7 @@
 </p:sld>
 </file>
 
-<file path=ppt/slides/slide54.xml><?xml version="1.0" encoding="utf-8"?>
+<file path=ppt/slides/slide57.xml><?xml version="1.0" encoding="utf-8"?>
 <p:sld xmlns:a="http://schemas.openxmlformats.org/drawingml/2006/main" xmlns:r="http://schemas.openxmlformats.org/officeDocument/2006/relationships" xmlns:p="http://schemas.openxmlformats.org/presentationml/2006/main">
   <p:cSld>
     <p:spTree>
@@ -11510,7 +11904,7 @@
 </p:sld>
 </file>
 
-<file path=ppt/slides/slide55.xml><?xml version="1.0" encoding="utf-8"?>
+<file path=ppt/slides/slide58.xml><?xml version="1.0" encoding="utf-8"?>
 <p:sld xmlns:a="http://schemas.openxmlformats.org/drawingml/2006/main" xmlns:r="http://schemas.openxmlformats.org/officeDocument/2006/relationships" xmlns:p="http://schemas.openxmlformats.org/presentationml/2006/main">
   <p:cSld>
     <p:spTree>
@@ -11659,7 +12053,7 @@
 </p:sld>
 </file>
 
-<file path=ppt/slides/slide56.xml><?xml version="1.0" encoding="utf-8"?>
+<file path=ppt/slides/slide59.xml><?xml version="1.0" encoding="utf-8"?>
 <p:sld xmlns:a="http://schemas.openxmlformats.org/drawingml/2006/main" xmlns:r="http://schemas.openxmlformats.org/officeDocument/2006/relationships" xmlns:p="http://schemas.openxmlformats.org/presentationml/2006/main">
   <p:cSld>
     <p:spTree>
@@ -11808,7 +12202,220 @@
 </p:sld>
 </file>
 
-<file path=ppt/slides/slide57.xml><?xml version="1.0" encoding="utf-8"?>
+<file path=ppt/slides/slide6.xml><?xml version="1.0" encoding="utf-8"?>
+<p:sld xmlns:a="http://schemas.openxmlformats.org/drawingml/2006/main" xmlns:r="http://schemas.openxmlformats.org/officeDocument/2006/relationships" xmlns:p="http://schemas.openxmlformats.org/presentationml/2006/main">
+  <p:cSld>
+    <p:spTree>
+      <p:nvGrpSpPr>
+        <p:cNvPr id="1" name=""/>
+        <p:cNvGrpSpPr/>
+        <p:nvPr/>
+      </p:nvGrpSpPr>
+      <p:grpSpPr>
+        <a:xfrm>
+          <a:off x="0" y="0"/>
+          <a:ext cx="0" cy="0"/>
+          <a:chOff x="0" y="0"/>
+          <a:chExt cx="0" cy="0"/>
+        </a:xfrm>
+      </p:grpSpPr>
+      <p:sp>
+        <p:nvSpPr>
+          <p:cNvPr id="2" name="Title 1"/>
+          <p:cNvSpPr>
+            <a:spLocks noGrp="1"/>
+          </p:cNvSpPr>
+          <p:nvPr>
+            <p:ph type="title"/>
+          </p:nvPr>
+        </p:nvSpPr>
+        <p:spPr/>
+        <p:txBody>
+          <a:bodyPr/>
+          <a:lstStyle/>
+          <a:p>
+            <a:r>
+              <a:rPr lang="en-US" sz="4000" dirty="0"/>
+              <a:t>Equality</a:t>
+            </a:r>
+            <a:endParaRPr lang="he-IL" dirty="0"/>
+          </a:p>
+        </p:txBody>
+      </p:sp>
+      <p:sp>
+        <p:nvSpPr>
+          <p:cNvPr id="3" name="Content Placeholder 2"/>
+          <p:cNvSpPr>
+            <a:spLocks noGrp="1"/>
+          </p:cNvSpPr>
+          <p:nvPr>
+            <p:ph idx="1"/>
+          </p:nvPr>
+        </p:nvSpPr>
+        <p:spPr/>
+        <p:txBody>
+          <a:bodyPr>
+            <a:normAutofit/>
+          </a:bodyPr>
+          <a:lstStyle/>
+          <a:p>
+            <a:pPr algn="l" rtl="0">
+              <a:buNone/>
+            </a:pPr>
+            <a:r>
+              <a:rPr lang="en-US" sz="1600" dirty="0"/>
+              <a:t>Conditional statements such as the ‘if’</a:t>
+            </a:r>
+          </a:p>
+          <a:p>
+            <a:pPr algn="l" rtl="0">
+              <a:buNone/>
+            </a:pPr>
+            <a:r>
+              <a:rPr lang="en-US" sz="1600" dirty="0"/>
+              <a:t>statement evaluate their expression using</a:t>
+            </a:r>
+          </a:p>
+          <a:p>
+            <a:pPr algn="l" rtl="0">
+              <a:buNone/>
+            </a:pPr>
+            <a:r>
+              <a:rPr lang="en-US" sz="1600" dirty="0"/>
+              <a:t>coercion with the ’</a:t>
+            </a:r>
+            <a:r>
+              <a:rPr lang="en-US" sz="1600" dirty="0" err="1"/>
+              <a:t>ToBoolean</a:t>
+            </a:r>
+            <a:r>
+              <a:rPr lang="en-US" sz="1600" dirty="0"/>
+              <a:t>’ abstract method</a:t>
+            </a:r>
+          </a:p>
+          <a:p>
+            <a:pPr algn="l" rtl="0">
+              <a:buNone/>
+            </a:pPr>
+            <a:r>
+              <a:rPr lang="en-US" sz="1600" dirty="0"/>
+              <a:t>and always follows the same rolls.</a:t>
+            </a:r>
+          </a:p>
+          <a:p>
+            <a:pPr algn="l" rtl="0">
+              <a:buNone/>
+            </a:pPr>
+            <a:endParaRPr lang="en-US" sz="1600" dirty="0"/>
+          </a:p>
+          <a:p>
+            <a:pPr algn="l" rtl="0">
+              <a:buNone/>
+            </a:pPr>
+            <a:r>
+              <a:rPr lang="en-US" sz="1600" dirty="0"/>
+              <a:t>From ES6 specification : “The abstract</a:t>
+            </a:r>
+          </a:p>
+          <a:p>
+            <a:pPr algn="l" rtl="0">
+              <a:buNone/>
+            </a:pPr>
+            <a:r>
+              <a:rPr lang="en-US" sz="1600" dirty="0"/>
+              <a:t>operation ‘</a:t>
+            </a:r>
+            <a:r>
+              <a:rPr lang="en-US" sz="1600" dirty="0" err="1"/>
+              <a:t>ToBoolean</a:t>
+            </a:r>
+            <a:r>
+              <a:rPr lang="en-US" sz="1600" dirty="0"/>
+              <a:t>’ converts argument to a</a:t>
+            </a:r>
+          </a:p>
+          <a:p>
+            <a:pPr algn="l" rtl="0">
+              <a:buNone/>
+            </a:pPr>
+            <a:r>
+              <a:rPr lang="en-US" sz="1600" dirty="0"/>
+              <a:t>value of type Boolean according to </a:t>
+            </a:r>
+            <a:r>
+              <a:rPr lang="en-US" sz="1600" dirty="0">
+                <a:hlinkClick r:id="rId2"/>
+              </a:rPr>
+              <a:t>table 10</a:t>
+            </a:r>
+            <a:r>
+              <a:rPr lang="en-US" sz="1600" dirty="0"/>
+              <a:t>”.</a:t>
+            </a:r>
+          </a:p>
+        </p:txBody>
+      </p:sp>
+      <p:pic>
+        <p:nvPicPr>
+          <p:cNvPr id="2050" name="Picture 2" descr="C:\Users\israel\Desktop\Capture.PNG"/>
+          <p:cNvPicPr>
+            <a:picLocks noChangeAspect="1" noChangeArrowheads="1"/>
+          </p:cNvPicPr>
+          <p:nvPr/>
+        </p:nvPicPr>
+        <p:blipFill>
+          <a:blip r:embed="rId3" cstate="print"/>
+          <a:srcRect/>
+          <a:stretch>
+            <a:fillRect/>
+          </a:stretch>
+        </p:blipFill>
+        <p:spPr bwMode="auto">
+          <a:xfrm>
+            <a:off x="430924" y="4357941"/>
+            <a:ext cx="5878513" cy="432369"/>
+          </a:xfrm>
+          <a:prstGeom prst="rect">
+            <a:avLst/>
+          </a:prstGeom>
+          <a:noFill/>
+        </p:spPr>
+      </p:pic>
+      <p:pic>
+        <p:nvPicPr>
+          <p:cNvPr id="2051" name="Picture 3" descr="C:\Users\israel\Desktop\Capture.PNG"/>
+          <p:cNvPicPr>
+            <a:picLocks noChangeAspect="1" noChangeArrowheads="1"/>
+          </p:cNvPicPr>
+          <p:nvPr/>
+        </p:nvPicPr>
+        <p:blipFill>
+          <a:blip r:embed="rId4" cstate="print"/>
+          <a:srcRect/>
+          <a:stretch>
+            <a:fillRect/>
+          </a:stretch>
+        </p:blipFill>
+        <p:spPr bwMode="auto">
+          <a:xfrm>
+            <a:off x="430925" y="4790310"/>
+            <a:ext cx="5878513" cy="1819685"/>
+          </a:xfrm>
+          <a:prstGeom prst="rect">
+            <a:avLst/>
+          </a:prstGeom>
+          <a:noFill/>
+        </p:spPr>
+      </p:pic>
+    </p:spTree>
+  </p:cSld>
+  <p:clrMapOvr>
+    <a:masterClrMapping/>
+  </p:clrMapOvr>
+</p:sld>
+</file>
+
+<file path=ppt/slides/slide60.xml><?xml version="1.0" encoding="utf-8"?>
 <p:sld xmlns:a="http://schemas.openxmlformats.org/drawingml/2006/main" xmlns:r="http://schemas.openxmlformats.org/officeDocument/2006/relationships" xmlns:p="http://schemas.openxmlformats.org/presentationml/2006/main">
   <p:cSld>
     <p:spTree>
@@ -12012,7 +12619,7 @@
 </p:sld>
 </file>
 
-<file path=ppt/slides/slide58.xml><?xml version="1.0" encoding="utf-8"?>
+<file path=ppt/slides/slide61.xml><?xml version="1.0" encoding="utf-8"?>
 <p:sld xmlns:a="http://schemas.openxmlformats.org/drawingml/2006/main" xmlns:r="http://schemas.openxmlformats.org/officeDocument/2006/relationships" xmlns:p="http://schemas.openxmlformats.org/presentationml/2006/main">
   <p:cSld>
     <p:spTree>
@@ -12189,7 +12796,7 @@
 </p:sld>
 </file>
 
-<file path=ppt/slides/slide59.xml><?xml version="1.0" encoding="utf-8"?>
+<file path=ppt/slides/slide62.xml><?xml version="1.0" encoding="utf-8"?>
 <p:sld xmlns:a="http://schemas.openxmlformats.org/drawingml/2006/main" xmlns:r="http://schemas.openxmlformats.org/officeDocument/2006/relationships" xmlns:p="http://schemas.openxmlformats.org/presentationml/2006/main">
   <p:cSld>
     <p:spTree>
@@ -12298,7 +12905,7 @@
 </p:sld>
 </file>
 
-<file path=ppt/slides/slide6.xml><?xml version="1.0" encoding="utf-8"?>
+<file path=ppt/slides/slide63.xml><?xml version="1.0" encoding="utf-8"?>
 <p:sld xmlns:a="http://schemas.openxmlformats.org/drawingml/2006/main" xmlns:r="http://schemas.openxmlformats.org/officeDocument/2006/relationships" xmlns:p="http://schemas.openxmlformats.org/presentationml/2006/main">
   <p:cSld>
     <p:spTree>
@@ -12317,172 +12924,6 @@
       </p:grpSpPr>
       <p:sp>
         <p:nvSpPr>
-          <p:cNvPr id="2" name="Title 1"/>
-          <p:cNvSpPr>
-            <a:spLocks noGrp="1"/>
-          </p:cNvSpPr>
-          <p:nvPr>
-            <p:ph type="title"/>
-          </p:nvPr>
-        </p:nvSpPr>
-        <p:spPr/>
-        <p:txBody>
-          <a:bodyPr/>
-          <a:lstStyle/>
-          <a:p>
-            <a:r>
-              <a:rPr lang="en-US" sz="4000" dirty="0"/>
-              <a:t>Equality</a:t>
-            </a:r>
-            <a:endParaRPr lang="he-IL" dirty="0"/>
-          </a:p>
-        </p:txBody>
-      </p:sp>
-      <p:sp>
-        <p:nvSpPr>
-          <p:cNvPr id="3" name="Content Placeholder 2"/>
-          <p:cNvSpPr>
-            <a:spLocks noGrp="1"/>
-          </p:cNvSpPr>
-          <p:nvPr>
-            <p:ph idx="1"/>
-          </p:nvPr>
-        </p:nvSpPr>
-        <p:spPr/>
-        <p:txBody>
-          <a:bodyPr/>
-          <a:lstStyle/>
-          <a:p>
-            <a:pPr algn="l" rtl="0">
-              <a:buNone/>
-            </a:pPr>
-            <a:r>
-              <a:rPr lang="en-US" dirty="0"/>
-              <a:t>As mentioned at the table above, objects</a:t>
-            </a:r>
-          </a:p>
-          <a:p>
-            <a:pPr algn="l" rtl="0">
-              <a:buNone/>
-            </a:pPr>
-            <a:r>
-              <a:rPr lang="en-US" dirty="0"/>
-              <a:t>Evaluated to true.</a:t>
-            </a:r>
-          </a:p>
-          <a:p>
-            <a:pPr algn="l" rtl="0">
-              <a:buNone/>
-            </a:pPr>
-            <a:r>
-              <a:rPr lang="en-US" dirty="0"/>
-              <a:t>That is why even an empty array evaluates to</a:t>
-            </a:r>
-          </a:p>
-          <a:p>
-            <a:pPr algn="l" rtl="0">
-              <a:buNone/>
-            </a:pPr>
-            <a:r>
-              <a:rPr lang="en-US" dirty="0"/>
-              <a:t>true.</a:t>
-            </a:r>
-          </a:p>
-          <a:p>
-            <a:pPr algn="l" rtl="0">
-              <a:buNone/>
-            </a:pPr>
-            <a:endParaRPr lang="en-US" dirty="0"/>
-          </a:p>
-          <a:p>
-            <a:pPr algn="l" rtl="0">
-              <a:buNone/>
-            </a:pPr>
-            <a:r>
-              <a:rPr lang="en-US" dirty="0">
-                <a:solidFill>
-                  <a:srgbClr val="FF0000"/>
-                </a:solidFill>
-              </a:rPr>
-              <a:t>If</a:t>
-            </a:r>
-            <a:r>
-              <a:rPr lang="en-US" dirty="0"/>
-              <a:t>([]) {</a:t>
-            </a:r>
-          </a:p>
-          <a:p>
-            <a:pPr algn="l" rtl="0">
-              <a:buNone/>
-            </a:pPr>
-            <a:r>
-              <a:rPr lang="en-US" dirty="0"/>
-              <a:t>	</a:t>
-            </a:r>
-            <a:r>
-              <a:rPr lang="en-US" dirty="0">
-                <a:solidFill>
-                  <a:srgbClr val="92D050"/>
-                </a:solidFill>
-              </a:rPr>
-              <a:t>// true</a:t>
-            </a:r>
-          </a:p>
-          <a:p>
-            <a:pPr algn="l" rtl="0">
-              <a:buNone/>
-            </a:pPr>
-            <a:r>
-              <a:rPr lang="en-US" dirty="0"/>
-              <a:t>	</a:t>
-            </a:r>
-            <a:r>
-              <a:rPr lang="en-US" dirty="0">
-                <a:solidFill>
-                  <a:srgbClr val="92D050"/>
-                </a:solidFill>
-              </a:rPr>
-              <a:t>// an array (even an empty one) is an    object, objects will evaluate to true</a:t>
-            </a:r>
-          </a:p>
-          <a:p>
-            <a:pPr algn="l" rtl="0">
-              <a:buNone/>
-            </a:pPr>
-            <a:r>
-              <a:rPr lang="en-US" dirty="0"/>
-              <a:t>}</a:t>
-            </a:r>
-          </a:p>
-        </p:txBody>
-      </p:sp>
-    </p:spTree>
-  </p:cSld>
-  <p:clrMapOvr>
-    <a:masterClrMapping/>
-  </p:clrMapOvr>
-</p:sld>
-</file>
-
-<file path=ppt/slides/slide60.xml><?xml version="1.0" encoding="utf-8"?>
-<p:sld xmlns:a="http://schemas.openxmlformats.org/drawingml/2006/main" xmlns:r="http://schemas.openxmlformats.org/officeDocument/2006/relationships" xmlns:p="http://schemas.openxmlformats.org/presentationml/2006/main">
-  <p:cSld>
-    <p:spTree>
-      <p:nvGrpSpPr>
-        <p:cNvPr id="1" name=""/>
-        <p:cNvGrpSpPr/>
-        <p:nvPr/>
-      </p:nvGrpSpPr>
-      <p:grpSpPr>
-        <a:xfrm>
-          <a:off x="0" y="0"/>
-          <a:ext cx="0" cy="0"/>
-          <a:chOff x="0" y="0"/>
-          <a:chExt cx="0" cy="0"/>
-        </a:xfrm>
-      </p:grpSpPr>
-      <p:sp>
-        <p:nvSpPr>
           <p:cNvPr id="2" name="Title 1">
             <a:extLst>
               <a:ext uri="{FF2B5EF4-FFF2-40B4-BE49-F238E27FC236}">
@@ -12614,7 +13055,7 @@
 </p:sld>
 </file>
 
-<file path=ppt/slides/slide61.xml><?xml version="1.0" encoding="utf-8"?>
+<file path=ppt/slides/slide64.xml><?xml version="1.0" encoding="utf-8"?>
 <p:sld xmlns:a="http://schemas.openxmlformats.org/drawingml/2006/main" xmlns:r="http://schemas.openxmlformats.org/officeDocument/2006/relationships" xmlns:p="http://schemas.openxmlformats.org/presentationml/2006/main">
   <p:cSld>
     <p:spTree>
@@ -12751,7 +13192,7 @@
 </p:sld>
 </file>
 
-<file path=ppt/slides/slide62.xml><?xml version="1.0" encoding="utf-8"?>
+<file path=ppt/slides/slide65.xml><?xml version="1.0" encoding="utf-8"?>
 <p:sld xmlns:a="http://schemas.openxmlformats.org/drawingml/2006/main" xmlns:r="http://schemas.openxmlformats.org/officeDocument/2006/relationships" xmlns:p="http://schemas.openxmlformats.org/presentationml/2006/main">
   <p:cSld>
     <p:spTree>
@@ -12841,7 +13282,7 @@
 </p:sld>
 </file>
 
-<file path=ppt/slides/slide63.xml><?xml version="1.0" encoding="utf-8"?>
+<file path=ppt/slides/slide66.xml><?xml version="1.0" encoding="utf-8"?>
 <p:sld xmlns:a="http://schemas.openxmlformats.org/drawingml/2006/main" xmlns:r="http://schemas.openxmlformats.org/officeDocument/2006/relationships" xmlns:p="http://schemas.openxmlformats.org/presentationml/2006/main">
   <p:cSld>
     <p:spTree>
@@ -12969,7 +13410,7 @@
 </p:sld>
 </file>
 
-<file path=ppt/slides/slide64.xml><?xml version="1.0" encoding="utf-8"?>
+<file path=ppt/slides/slide67.xml><?xml version="1.0" encoding="utf-8"?>
 <p:sld xmlns:a="http://schemas.openxmlformats.org/drawingml/2006/main" xmlns:r="http://schemas.openxmlformats.org/officeDocument/2006/relationships" xmlns:p="http://schemas.openxmlformats.org/presentationml/2006/main">
   <p:cSld>
     <p:spTree>
@@ -13142,7 +13583,7 @@
 </p:sld>
 </file>
 
-<file path=ppt/slides/slide65.xml><?xml version="1.0" encoding="utf-8"?>
+<file path=ppt/slides/slide68.xml><?xml version="1.0" encoding="utf-8"?>
 <p:sld xmlns:a="http://schemas.openxmlformats.org/drawingml/2006/main" xmlns:r="http://schemas.openxmlformats.org/officeDocument/2006/relationships" xmlns:p="http://schemas.openxmlformats.org/presentationml/2006/main">
   <p:cSld>
     <p:spTree>
@@ -13285,7 +13726,7 @@
 </p:sld>
 </file>
 
-<file path=ppt/slides/slide66.xml><?xml version="1.0" encoding="utf-8"?>
+<file path=ppt/slides/slide69.xml><?xml version="1.0" encoding="utf-8"?>
 <p:sld xmlns:a="http://schemas.openxmlformats.org/drawingml/2006/main" xmlns:r="http://schemas.openxmlformats.org/officeDocument/2006/relationships" xmlns:p="http://schemas.openxmlformats.org/presentationml/2006/main">
   <p:cSld>
     <p:spTree>
@@ -13413,7 +13854,7 @@
 </p:sld>
 </file>
 
-<file path=ppt/slides/slide67.xml><?xml version="1.0" encoding="utf-8"?>
+<file path=ppt/slides/slide7.xml><?xml version="1.0" encoding="utf-8"?>
 <p:sld xmlns:a="http://schemas.openxmlformats.org/drawingml/2006/main" xmlns:r="http://schemas.openxmlformats.org/officeDocument/2006/relationships" xmlns:p="http://schemas.openxmlformats.org/presentationml/2006/main">
   <p:cSld>
     <p:spTree>
@@ -13432,6 +13873,172 @@
       </p:grpSpPr>
       <p:sp>
         <p:nvSpPr>
+          <p:cNvPr id="2" name="Title 1"/>
+          <p:cNvSpPr>
+            <a:spLocks noGrp="1"/>
+          </p:cNvSpPr>
+          <p:nvPr>
+            <p:ph type="title"/>
+          </p:nvPr>
+        </p:nvSpPr>
+        <p:spPr/>
+        <p:txBody>
+          <a:bodyPr/>
+          <a:lstStyle/>
+          <a:p>
+            <a:r>
+              <a:rPr lang="en-US" sz="4000" dirty="0"/>
+              <a:t>Equality</a:t>
+            </a:r>
+            <a:endParaRPr lang="he-IL" dirty="0"/>
+          </a:p>
+        </p:txBody>
+      </p:sp>
+      <p:sp>
+        <p:nvSpPr>
+          <p:cNvPr id="3" name="Content Placeholder 2"/>
+          <p:cNvSpPr>
+            <a:spLocks noGrp="1"/>
+          </p:cNvSpPr>
+          <p:nvPr>
+            <p:ph idx="1"/>
+          </p:nvPr>
+        </p:nvSpPr>
+        <p:spPr/>
+        <p:txBody>
+          <a:bodyPr/>
+          <a:lstStyle/>
+          <a:p>
+            <a:pPr algn="l" rtl="0">
+              <a:buNone/>
+            </a:pPr>
+            <a:r>
+              <a:rPr lang="en-US" dirty="0"/>
+              <a:t>As mentioned at the table above, objects</a:t>
+            </a:r>
+          </a:p>
+          <a:p>
+            <a:pPr algn="l" rtl="0">
+              <a:buNone/>
+            </a:pPr>
+            <a:r>
+              <a:rPr lang="en-US" dirty="0"/>
+              <a:t>evaluated to true.</a:t>
+            </a:r>
+          </a:p>
+          <a:p>
+            <a:pPr algn="l" rtl="0">
+              <a:buNone/>
+            </a:pPr>
+            <a:r>
+              <a:rPr lang="en-US" dirty="0"/>
+              <a:t>That is why even an empty array evaluates to</a:t>
+            </a:r>
+          </a:p>
+          <a:p>
+            <a:pPr algn="l" rtl="0">
+              <a:buNone/>
+            </a:pPr>
+            <a:r>
+              <a:rPr lang="en-US" dirty="0"/>
+              <a:t>true.</a:t>
+            </a:r>
+          </a:p>
+          <a:p>
+            <a:pPr algn="l" rtl="0">
+              <a:buNone/>
+            </a:pPr>
+            <a:endParaRPr lang="en-US" dirty="0"/>
+          </a:p>
+          <a:p>
+            <a:pPr algn="l" rtl="0">
+              <a:buNone/>
+            </a:pPr>
+            <a:r>
+              <a:rPr lang="en-US" dirty="0">
+                <a:solidFill>
+                  <a:srgbClr val="FF0000"/>
+                </a:solidFill>
+              </a:rPr>
+              <a:t>If</a:t>
+            </a:r>
+            <a:r>
+              <a:rPr lang="en-US" dirty="0"/>
+              <a:t>([]) {</a:t>
+            </a:r>
+          </a:p>
+          <a:p>
+            <a:pPr algn="l" rtl="0">
+              <a:buNone/>
+            </a:pPr>
+            <a:r>
+              <a:rPr lang="en-US" dirty="0"/>
+              <a:t>	</a:t>
+            </a:r>
+            <a:r>
+              <a:rPr lang="en-US" dirty="0">
+                <a:solidFill>
+                  <a:srgbClr val="92D050"/>
+                </a:solidFill>
+              </a:rPr>
+              <a:t>// true</a:t>
+            </a:r>
+          </a:p>
+          <a:p>
+            <a:pPr algn="l" rtl="0">
+              <a:buNone/>
+            </a:pPr>
+            <a:r>
+              <a:rPr lang="en-US" dirty="0"/>
+              <a:t>	</a:t>
+            </a:r>
+            <a:r>
+              <a:rPr lang="en-US" dirty="0">
+                <a:solidFill>
+                  <a:srgbClr val="92D050"/>
+                </a:solidFill>
+              </a:rPr>
+              <a:t>// an array (even an empty one) is an    object, objects will evaluate to true</a:t>
+            </a:r>
+          </a:p>
+          <a:p>
+            <a:pPr algn="l" rtl="0">
+              <a:buNone/>
+            </a:pPr>
+            <a:r>
+              <a:rPr lang="en-US" dirty="0"/>
+              <a:t>}</a:t>
+            </a:r>
+          </a:p>
+        </p:txBody>
+      </p:sp>
+    </p:spTree>
+  </p:cSld>
+  <p:clrMapOvr>
+    <a:masterClrMapping/>
+  </p:clrMapOvr>
+</p:sld>
+</file>
+
+<file path=ppt/slides/slide70.xml><?xml version="1.0" encoding="utf-8"?>
+<p:sld xmlns:a="http://schemas.openxmlformats.org/drawingml/2006/main" xmlns:r="http://schemas.openxmlformats.org/officeDocument/2006/relationships" xmlns:p="http://schemas.openxmlformats.org/presentationml/2006/main">
+  <p:cSld>
+    <p:spTree>
+      <p:nvGrpSpPr>
+        <p:cNvPr id="1" name=""/>
+        <p:cNvGrpSpPr/>
+        <p:nvPr/>
+      </p:nvGrpSpPr>
+      <p:grpSpPr>
+        <a:xfrm>
+          <a:off x="0" y="0"/>
+          <a:ext cx="0" cy="0"/>
+          <a:chOff x="0" y="0"/>
+          <a:chExt cx="0" cy="0"/>
+        </a:xfrm>
+      </p:grpSpPr>
+      <p:sp>
+        <p:nvSpPr>
           <p:cNvPr id="2" name="Title 1">
             <a:extLst>
               <a:ext uri="{FF2B5EF4-FFF2-40B4-BE49-F238E27FC236}">
@@ -13588,7 +14195,7 @@
 </p:sld>
 </file>
 
-<file path=ppt/slides/slide68.xml><?xml version="1.0" encoding="utf-8"?>
+<file path=ppt/slides/slide71.xml><?xml version="1.0" encoding="utf-8"?>
 <p:sld xmlns:a="http://schemas.openxmlformats.org/drawingml/2006/main" xmlns:r="http://schemas.openxmlformats.org/officeDocument/2006/relationships" xmlns:p="http://schemas.openxmlformats.org/presentationml/2006/main">
   <p:cSld>
     <p:spTree>
@@ -13777,7 +14384,7 @@
 </p:sld>
 </file>
 
-<file path=ppt/slides/slide69.xml><?xml version="1.0" encoding="utf-8"?>
+<file path=ppt/slides/slide72.xml><?xml version="1.0" encoding="utf-8"?>
 <p:sld xmlns:a="http://schemas.openxmlformats.org/drawingml/2006/main" xmlns:r="http://schemas.openxmlformats.org/officeDocument/2006/relationships" xmlns:p="http://schemas.openxmlformats.org/presentationml/2006/main">
   <p:cSld>
     <p:spTree>
@@ -13949,140 +14556,7 @@
 </p:sld>
 </file>
 
-<file path=ppt/slides/slide7.xml><?xml version="1.0" encoding="utf-8"?>
-<p:sld xmlns:a="http://schemas.openxmlformats.org/drawingml/2006/main" xmlns:r="http://schemas.openxmlformats.org/officeDocument/2006/relationships" xmlns:p="http://schemas.openxmlformats.org/presentationml/2006/main">
-  <p:cSld>
-    <p:spTree>
-      <p:nvGrpSpPr>
-        <p:cNvPr id="1" name=""/>
-        <p:cNvGrpSpPr/>
-        <p:nvPr/>
-      </p:nvGrpSpPr>
-      <p:grpSpPr>
-        <a:xfrm>
-          <a:off x="0" y="0"/>
-          <a:ext cx="0" cy="0"/>
-          <a:chOff x="0" y="0"/>
-          <a:chExt cx="0" cy="0"/>
-        </a:xfrm>
-      </p:grpSpPr>
-      <p:sp>
-        <p:nvSpPr>
-          <p:cNvPr id="2" name="Title 1"/>
-          <p:cNvSpPr>
-            <a:spLocks noGrp="1"/>
-          </p:cNvSpPr>
-          <p:nvPr>
-            <p:ph type="title"/>
-          </p:nvPr>
-        </p:nvSpPr>
-        <p:spPr/>
-        <p:txBody>
-          <a:bodyPr/>
-          <a:lstStyle/>
-          <a:p>
-            <a:r>
-              <a:rPr lang="en-US" dirty="0"/>
-              <a:t>Equality of References</a:t>
-            </a:r>
-            <a:endParaRPr lang="he-IL" dirty="0"/>
-          </a:p>
-        </p:txBody>
-      </p:sp>
-      <p:sp>
-        <p:nvSpPr>
-          <p:cNvPr id="3" name="Content Placeholder 2"/>
-          <p:cNvSpPr>
-            <a:spLocks noGrp="1"/>
-          </p:cNvSpPr>
-          <p:nvPr>
-            <p:ph idx="1"/>
-          </p:nvPr>
-        </p:nvSpPr>
-        <p:spPr/>
-        <p:txBody>
-          <a:bodyPr/>
-          <a:lstStyle/>
-          <a:p>
-            <a:pPr algn="l" rtl="0">
-              <a:buNone/>
-            </a:pPr>
-            <a:r>
-              <a:rPr lang="en-US" dirty="0"/>
-              <a:t>Any Object in JavaScript (including functions, </a:t>
-            </a:r>
-          </a:p>
-          <a:p>
-            <a:pPr algn="l" rtl="0">
-              <a:buNone/>
-            </a:pPr>
-            <a:r>
-              <a:rPr lang="en-US" dirty="0"/>
-              <a:t>arrays, </a:t>
-            </a:r>
-            <a:r>
-              <a:rPr lang="en-US" dirty="0" err="1"/>
-              <a:t>regexp</a:t>
-            </a:r>
-            <a:r>
-              <a:rPr lang="en-US" dirty="0"/>
-              <a:t> etc) are references.</a:t>
-            </a:r>
-            <a:endParaRPr lang="he-IL" dirty="0"/>
-          </a:p>
-          <a:p>
-            <a:pPr algn="l" rtl="0">
-              <a:buNone/>
-            </a:pPr>
-            <a:endParaRPr lang="en-US" dirty="0"/>
-          </a:p>
-          <a:p>
-            <a:pPr algn="l" rtl="0">
-              <a:buNone/>
-            </a:pPr>
-            <a:r>
-              <a:rPr lang="en-US" dirty="0"/>
-              <a:t>Object equality is for references:</a:t>
-            </a:r>
-            <a:endParaRPr lang="he-IL" dirty="0"/>
-          </a:p>
-        </p:txBody>
-      </p:sp>
-      <p:pic>
-        <p:nvPicPr>
-          <p:cNvPr id="1026" name="Picture 2" descr="C:\Users\israel\Desktop\Capture.PNG"/>
-          <p:cNvPicPr>
-            <a:picLocks noChangeAspect="1" noChangeArrowheads="1"/>
-          </p:cNvPicPr>
-          <p:nvPr/>
-        </p:nvPicPr>
-        <p:blipFill>
-          <a:blip r:embed="rId2" cstate="print"/>
-          <a:srcRect/>
-          <a:stretch>
-            <a:fillRect/>
-          </a:stretch>
-        </p:blipFill>
-        <p:spPr bwMode="auto">
-          <a:xfrm>
-            <a:off x="533400" y="3733800"/>
-            <a:ext cx="4876800" cy="1752600"/>
-          </a:xfrm>
-          <a:prstGeom prst="rect">
-            <a:avLst/>
-          </a:prstGeom>
-          <a:noFill/>
-        </p:spPr>
-      </p:pic>
-    </p:spTree>
-  </p:cSld>
-  <p:clrMapOvr>
-    <a:masterClrMapping/>
-  </p:clrMapOvr>
-</p:sld>
-</file>
-
-<file path=ppt/slides/slide70.xml><?xml version="1.0" encoding="utf-8"?>
+<file path=ppt/slides/slide73.xml><?xml version="1.0" encoding="utf-8"?>
 <p:sld xmlns:a="http://schemas.openxmlformats.org/drawingml/2006/main" xmlns:r="http://schemas.openxmlformats.org/officeDocument/2006/relationships" xmlns:p="http://schemas.openxmlformats.org/presentationml/2006/main">
   <p:cSld>
     <p:spTree>
@@ -14208,7 +14682,7 @@
 </p:sld>
 </file>
 
-<file path=ppt/slides/slide71.xml><?xml version="1.0" encoding="utf-8"?>
+<file path=ppt/slides/slide74.xml><?xml version="1.0" encoding="utf-8"?>
 <p:sld xmlns:a="http://schemas.openxmlformats.org/drawingml/2006/main" xmlns:r="http://schemas.openxmlformats.org/officeDocument/2006/relationships" xmlns:p="http://schemas.openxmlformats.org/presentationml/2006/main">
   <p:cSld>
     <p:spTree>
@@ -14370,7 +14844,7 @@
 </p:sld>
 </file>
 
-<file path=ppt/slides/slide72.xml><?xml version="1.0" encoding="utf-8"?>
+<file path=ppt/slides/slide75.xml><?xml version="1.0" encoding="utf-8"?>
 <p:sld xmlns:a="http://schemas.openxmlformats.org/drawingml/2006/main" xmlns:r="http://schemas.openxmlformats.org/officeDocument/2006/relationships" xmlns:p="http://schemas.openxmlformats.org/presentationml/2006/main">
   <p:cSld>
     <p:spTree>
@@ -14522,7 +14996,7 @@
 </p:sld>
 </file>
 
-<file path=ppt/slides/slide73.xml><?xml version="1.0" encoding="utf-8"?>
+<file path=ppt/slides/slide76.xml><?xml version="1.0" encoding="utf-8"?>
 <p:sld xmlns:a="http://schemas.openxmlformats.org/drawingml/2006/main" xmlns:r="http://schemas.openxmlformats.org/officeDocument/2006/relationships" xmlns:p="http://schemas.openxmlformats.org/presentationml/2006/main">
   <p:cSld>
     <p:spTree>
@@ -14658,7 +15132,7 @@
 </p:sld>
 </file>
 
-<file path=ppt/slides/slide74.xml><?xml version="1.0" encoding="utf-8"?>
+<file path=ppt/slides/slide77.xml><?xml version="1.0" encoding="utf-8"?>
 <p:sld xmlns:a="http://schemas.openxmlformats.org/drawingml/2006/main" xmlns:r="http://schemas.openxmlformats.org/officeDocument/2006/relationships" xmlns:p="http://schemas.openxmlformats.org/presentationml/2006/main">
   <p:cSld>
     <p:spTree>
@@ -14826,7 +15300,7 @@
 </p:sld>
 </file>
 
-<file path=ppt/slides/slide75.xml><?xml version="1.0" encoding="utf-8"?>
+<file path=ppt/slides/slide78.xml><?xml version="1.0" encoding="utf-8"?>
 <p:sld xmlns:a="http://schemas.openxmlformats.org/drawingml/2006/main" xmlns:r="http://schemas.openxmlformats.org/officeDocument/2006/relationships" xmlns:p="http://schemas.openxmlformats.org/presentationml/2006/main">
   <p:cSld>
     <p:spTree>
@@ -14966,7 +15440,7 @@
 </p:sld>
 </file>
 
-<file path=ppt/slides/slide76.xml><?xml version="1.0" encoding="utf-8"?>
+<file path=ppt/slides/slide79.xml><?xml version="1.0" encoding="utf-8"?>
 <p:sld xmlns:a="http://schemas.openxmlformats.org/drawingml/2006/main" xmlns:r="http://schemas.openxmlformats.org/officeDocument/2006/relationships" xmlns:p="http://schemas.openxmlformats.org/presentationml/2006/main">
   <p:cSld>
     <p:spTree>
@@ -15166,7 +15640,140 @@
 </p:sld>
 </file>
 
-<file path=ppt/slides/slide77.xml><?xml version="1.0" encoding="utf-8"?>
+<file path=ppt/slides/slide8.xml><?xml version="1.0" encoding="utf-8"?>
+<p:sld xmlns:a="http://schemas.openxmlformats.org/drawingml/2006/main" xmlns:r="http://schemas.openxmlformats.org/officeDocument/2006/relationships" xmlns:p="http://schemas.openxmlformats.org/presentationml/2006/main">
+  <p:cSld>
+    <p:spTree>
+      <p:nvGrpSpPr>
+        <p:cNvPr id="1" name=""/>
+        <p:cNvGrpSpPr/>
+        <p:nvPr/>
+      </p:nvGrpSpPr>
+      <p:grpSpPr>
+        <a:xfrm>
+          <a:off x="0" y="0"/>
+          <a:ext cx="0" cy="0"/>
+          <a:chOff x="0" y="0"/>
+          <a:chExt cx="0" cy="0"/>
+        </a:xfrm>
+      </p:grpSpPr>
+      <p:sp>
+        <p:nvSpPr>
+          <p:cNvPr id="2" name="Title 1"/>
+          <p:cNvSpPr>
+            <a:spLocks noGrp="1"/>
+          </p:cNvSpPr>
+          <p:nvPr>
+            <p:ph type="title"/>
+          </p:nvPr>
+        </p:nvSpPr>
+        <p:spPr/>
+        <p:txBody>
+          <a:bodyPr/>
+          <a:lstStyle/>
+          <a:p>
+            <a:r>
+              <a:rPr lang="en-US" dirty="0"/>
+              <a:t>Equality of References</a:t>
+            </a:r>
+            <a:endParaRPr lang="he-IL" dirty="0"/>
+          </a:p>
+        </p:txBody>
+      </p:sp>
+      <p:sp>
+        <p:nvSpPr>
+          <p:cNvPr id="3" name="Content Placeholder 2"/>
+          <p:cNvSpPr>
+            <a:spLocks noGrp="1"/>
+          </p:cNvSpPr>
+          <p:nvPr>
+            <p:ph idx="1"/>
+          </p:nvPr>
+        </p:nvSpPr>
+        <p:spPr/>
+        <p:txBody>
+          <a:bodyPr/>
+          <a:lstStyle/>
+          <a:p>
+            <a:pPr algn="l" rtl="0">
+              <a:buNone/>
+            </a:pPr>
+            <a:r>
+              <a:rPr lang="en-US" dirty="0"/>
+              <a:t>Any object in JavaScript (including functions, </a:t>
+            </a:r>
+          </a:p>
+          <a:p>
+            <a:pPr algn="l" rtl="0">
+              <a:buNone/>
+            </a:pPr>
+            <a:r>
+              <a:rPr lang="en-US" dirty="0"/>
+              <a:t>arrays, </a:t>
+            </a:r>
+            <a:r>
+              <a:rPr lang="en-US" dirty="0" err="1"/>
+              <a:t>regexp</a:t>
+            </a:r>
+            <a:r>
+              <a:rPr lang="en-US" dirty="0"/>
+              <a:t> etc) are references.</a:t>
+            </a:r>
+            <a:endParaRPr lang="he-IL" dirty="0"/>
+          </a:p>
+          <a:p>
+            <a:pPr algn="l" rtl="0">
+              <a:buNone/>
+            </a:pPr>
+            <a:endParaRPr lang="en-US" dirty="0"/>
+          </a:p>
+          <a:p>
+            <a:pPr algn="l" rtl="0">
+              <a:buNone/>
+            </a:pPr>
+            <a:r>
+              <a:rPr lang="en-US" dirty="0"/>
+              <a:t>Object equality is for references:</a:t>
+            </a:r>
+            <a:endParaRPr lang="he-IL" dirty="0"/>
+          </a:p>
+        </p:txBody>
+      </p:sp>
+      <p:pic>
+        <p:nvPicPr>
+          <p:cNvPr id="1026" name="Picture 2" descr="C:\Users\israel\Desktop\Capture.PNG"/>
+          <p:cNvPicPr>
+            <a:picLocks noChangeAspect="1" noChangeArrowheads="1"/>
+          </p:cNvPicPr>
+          <p:nvPr/>
+        </p:nvPicPr>
+        <p:blipFill>
+          <a:blip r:embed="rId2" cstate="print"/>
+          <a:srcRect/>
+          <a:stretch>
+            <a:fillRect/>
+          </a:stretch>
+        </p:blipFill>
+        <p:spPr bwMode="auto">
+          <a:xfrm>
+            <a:off x="533400" y="3733800"/>
+            <a:ext cx="4876800" cy="1752600"/>
+          </a:xfrm>
+          <a:prstGeom prst="rect">
+            <a:avLst/>
+          </a:prstGeom>
+          <a:noFill/>
+        </p:spPr>
+      </p:pic>
+    </p:spTree>
+  </p:cSld>
+  <p:clrMapOvr>
+    <a:masterClrMapping/>
+  </p:clrMapOvr>
+</p:sld>
+</file>
+
+<file path=ppt/slides/slide80.xml><?xml version="1.0" encoding="utf-8"?>
 <p:sld xmlns:a="http://schemas.openxmlformats.org/drawingml/2006/main" xmlns:r="http://schemas.openxmlformats.org/officeDocument/2006/relationships" xmlns:p="http://schemas.openxmlformats.org/presentationml/2006/main">
   <p:cSld>
     <p:spTree>
@@ -15349,7 +15956,7 @@
 </p:sld>
 </file>
 
-<file path=ppt/slides/slide78.xml><?xml version="1.0" encoding="utf-8"?>
+<file path=ppt/slides/slide81.xml><?xml version="1.0" encoding="utf-8"?>
 <p:sld xmlns:a="http://schemas.openxmlformats.org/drawingml/2006/main" xmlns:r="http://schemas.openxmlformats.org/officeDocument/2006/relationships" xmlns:p="http://schemas.openxmlformats.org/presentationml/2006/main">
   <p:cSld>
     <p:spTree>
@@ -15725,129 +16332,6 @@
                 <a:srgbClr val="FF0000"/>
               </a:solidFill>
             </a:endParaRPr>
-          </a:p>
-        </p:txBody>
-      </p:sp>
-    </p:spTree>
-  </p:cSld>
-  <p:clrMapOvr>
-    <a:masterClrMapping/>
-  </p:clrMapOvr>
-</p:sld>
-</file>
-
-<file path=ppt/slides/slide8.xml><?xml version="1.0" encoding="utf-8"?>
-<p:sld xmlns:a="http://schemas.openxmlformats.org/drawingml/2006/main" xmlns:r="http://schemas.openxmlformats.org/officeDocument/2006/relationships" xmlns:p="http://schemas.openxmlformats.org/presentationml/2006/main">
-  <p:cSld>
-    <p:spTree>
-      <p:nvGrpSpPr>
-        <p:cNvPr id="1" name=""/>
-        <p:cNvGrpSpPr/>
-        <p:nvPr/>
-      </p:nvGrpSpPr>
-      <p:grpSpPr>
-        <a:xfrm>
-          <a:off x="0" y="0"/>
-          <a:ext cx="0" cy="0"/>
-          <a:chOff x="0" y="0"/>
-          <a:chExt cx="0" cy="0"/>
-        </a:xfrm>
-      </p:grpSpPr>
-      <p:sp>
-        <p:nvSpPr>
-          <p:cNvPr id="2" name="Title 1"/>
-          <p:cNvSpPr>
-            <a:spLocks noGrp="1"/>
-          </p:cNvSpPr>
-          <p:nvPr>
-            <p:ph type="title"/>
-          </p:nvPr>
-        </p:nvSpPr>
-        <p:spPr/>
-        <p:txBody>
-          <a:bodyPr/>
-          <a:lstStyle/>
-          <a:p>
-            <a:r>
-              <a:rPr lang="en-US" dirty="0"/>
-              <a:t>Null and undefined</a:t>
-            </a:r>
-            <a:endParaRPr lang="he-IL" dirty="0"/>
-          </a:p>
-        </p:txBody>
-      </p:sp>
-      <p:sp>
-        <p:nvSpPr>
-          <p:cNvPr id="3" name="Content Placeholder 2"/>
-          <p:cNvSpPr>
-            <a:spLocks noGrp="1"/>
-          </p:cNvSpPr>
-          <p:nvPr>
-            <p:ph idx="1"/>
-          </p:nvPr>
-        </p:nvSpPr>
-        <p:spPr/>
-        <p:txBody>
-          <a:bodyPr>
-            <a:noAutofit/>
-          </a:bodyPr>
-          <a:lstStyle/>
-          <a:p>
-            <a:pPr algn="l" rtl="0"/>
-            <a:r>
-              <a:rPr lang="en-US" dirty="0"/>
-              <a:t>TypeScript has two special types, </a:t>
-            </a:r>
-            <a:r>
-              <a:rPr lang="en-US" b="1" dirty="0"/>
-              <a:t>null</a:t>
-            </a:r>
-            <a:r>
-              <a:rPr lang="en-US" dirty="0"/>
-              <a:t> and </a:t>
-            </a:r>
-            <a:r>
-              <a:rPr lang="en-US" b="1" dirty="0"/>
-              <a:t>undefined</a:t>
-            </a:r>
-            <a:r>
-              <a:rPr lang="en-US" dirty="0"/>
-              <a:t>, that have the values null and undefined respectively.</a:t>
-            </a:r>
-          </a:p>
-          <a:p>
-            <a:pPr algn="l" rtl="0"/>
-            <a:r>
-              <a:rPr lang="en-US" dirty="0"/>
-              <a:t>By default null and undefined are valid values of every type. However, as of TypeScript 2 if a variable/parameter/return type of a function could be a string or null you will have to type it as such with a union type of both of them: string | null. Same for undefined. </a:t>
-            </a:r>
-          </a:p>
-          <a:p>
-            <a:pPr algn="l" rtl="0"/>
-            <a:r>
-              <a:rPr lang="en-US" dirty="0"/>
-              <a:t>this behavior can be change using ‘</a:t>
-            </a:r>
-            <a:r>
-              <a:rPr lang="en-US" dirty="0" err="1"/>
-              <a:t>strictNullChecks</a:t>
-            </a:r>
-            <a:r>
-              <a:rPr lang="en-US" dirty="0"/>
-              <a:t>’ flag in </a:t>
-            </a:r>
-            <a:r>
-              <a:rPr lang="en-US" dirty="0" err="1"/>
-              <a:t>tsconfig.json</a:t>
-            </a:r>
-            <a:r>
-              <a:rPr lang="en-US" dirty="0"/>
-              <a:t> file. </a:t>
-            </a:r>
-          </a:p>
-          <a:p>
-            <a:pPr algn="l" rtl="0"/>
-            <a:endParaRPr lang="he-IL" dirty="0"/>
           </a:p>
         </p:txBody>
       </p:sp>
@@ -15911,72 +16395,77 @@
         </p:nvSpPr>
         <p:spPr/>
         <p:txBody>
-          <a:bodyPr/>
-          <a:lstStyle/>
-          <a:p>
-            <a:pPr algn="l" rtl="0">
-              <a:buNone/>
-            </a:pPr>
-            <a:r>
-              <a:rPr lang="en-US" dirty="0"/>
-              <a:t>Lets see some examples:</a:t>
-            </a:r>
-            <a:endParaRPr lang="he-IL" dirty="0"/>
-          </a:p>
-        </p:txBody>
-      </p:sp>
-      <p:pic>
-        <p:nvPicPr>
-          <p:cNvPr id="3074" name="Picture 2" descr="C:\Users\israel\Desktop\Capture.PNG"/>
-          <p:cNvPicPr>
-            <a:picLocks noChangeAspect="1" noChangeArrowheads="1"/>
-          </p:cNvPicPr>
-          <p:nvPr/>
-        </p:nvPicPr>
-        <p:blipFill>
-          <a:blip r:embed="rId2" cstate="print"/>
-          <a:srcRect/>
-          <a:stretch>
-            <a:fillRect/>
-          </a:stretch>
-        </p:blipFill>
-        <p:spPr bwMode="auto">
-          <a:xfrm>
-            <a:off x="533400" y="2209800"/>
-            <a:ext cx="4667250" cy="1933575"/>
-          </a:xfrm>
-          <a:prstGeom prst="rect">
-            <a:avLst/>
-          </a:prstGeom>
-          <a:noFill/>
-        </p:spPr>
-      </p:pic>
-      <p:pic>
-        <p:nvPicPr>
-          <p:cNvPr id="3075" name="Picture 3" descr="C:\Users\israel\Desktop\Capture.PNG"/>
-          <p:cNvPicPr>
-            <a:picLocks noChangeAspect="1" noChangeArrowheads="1"/>
-          </p:cNvPicPr>
-          <p:nvPr/>
-        </p:nvPicPr>
-        <p:blipFill>
-          <a:blip r:embed="rId3" cstate="print"/>
-          <a:srcRect/>
-          <a:stretch>
-            <a:fillRect/>
-          </a:stretch>
-        </p:blipFill>
-        <p:spPr bwMode="auto">
-          <a:xfrm>
-            <a:off x="533400" y="4419600"/>
-            <a:ext cx="4648200" cy="866775"/>
-          </a:xfrm>
-          <a:prstGeom prst="rect">
-            <a:avLst/>
-          </a:prstGeom>
-          <a:noFill/>
-        </p:spPr>
-      </p:pic>
+          <a:bodyPr>
+            <a:noAutofit/>
+          </a:bodyPr>
+          <a:lstStyle/>
+          <a:p>
+            <a:pPr algn="l" rtl="0"/>
+            <a:r>
+              <a:rPr lang="en-US" sz="2200" dirty="0"/>
+              <a:t>TypeScript has two special types, </a:t>
+            </a:r>
+            <a:r>
+              <a:rPr lang="en-US" sz="2200" b="1" dirty="0"/>
+              <a:t>null</a:t>
+            </a:r>
+            <a:r>
+              <a:rPr lang="en-US" sz="2200" dirty="0"/>
+              <a:t> and </a:t>
+            </a:r>
+            <a:r>
+              <a:rPr lang="en-US" sz="2200" b="1" dirty="0"/>
+              <a:t>undefined</a:t>
+            </a:r>
+            <a:r>
+              <a:rPr lang="en-US" sz="2200" dirty="0"/>
+              <a:t>, that have the values null and undefined, respectively.</a:t>
+            </a:r>
+          </a:p>
+          <a:p>
+            <a:pPr algn="l" rtl="0"/>
+            <a:endParaRPr lang="en-US" sz="2200" dirty="0"/>
+          </a:p>
+          <a:p>
+            <a:pPr algn="l" rtl="0"/>
+            <a:r>
+              <a:rPr lang="en-US" sz="2200" dirty="0"/>
+              <a:t>By default, null and undefined are valid values of every type. However, as of TypeScript 2 if a variable/parameter/return type of a function could be a string or null you will have to type it as such with a union type of both: string | null. Same for undefined. </a:t>
+            </a:r>
+          </a:p>
+          <a:p>
+            <a:pPr algn="l" rtl="0"/>
+            <a:endParaRPr lang="en-US" sz="2200" dirty="0"/>
+          </a:p>
+          <a:p>
+            <a:pPr algn="l" rtl="0"/>
+            <a:r>
+              <a:rPr lang="en-US" sz="2200" dirty="0"/>
+              <a:t>This behavior can be change using ‘</a:t>
+            </a:r>
+            <a:r>
+              <a:rPr lang="en-US" sz="2200" dirty="0" err="1"/>
+              <a:t>strictNullChecks</a:t>
+            </a:r>
+            <a:r>
+              <a:rPr lang="en-US" sz="2200" dirty="0"/>
+              <a:t>’ flag in </a:t>
+            </a:r>
+            <a:r>
+              <a:rPr lang="en-US" sz="2200" dirty="0" err="1"/>
+              <a:t>tsconfig.json</a:t>
+            </a:r>
+            <a:r>
+              <a:rPr lang="en-US" sz="2200" dirty="0"/>
+              <a:t> file. </a:t>
+            </a:r>
+          </a:p>
+          <a:p>
+            <a:pPr algn="l" rtl="0"/>
+            <a:endParaRPr lang="he-IL" sz="2200" dirty="0"/>
+          </a:p>
+        </p:txBody>
+      </p:sp>
     </p:spTree>
   </p:cSld>
   <p:clrMapOvr>

--- a/Advanced Es6 & TypeScript.pptx
+++ b/Advanced Es6 & TypeScript.pptx
@@ -28,64 +28,61 @@
     <p:sldId id="274" r:id="rId22"/>
     <p:sldId id="275" r:id="rId23"/>
     <p:sldId id="276" r:id="rId24"/>
-    <p:sldId id="277" r:id="rId25"/>
-    <p:sldId id="278" r:id="rId26"/>
-    <p:sldId id="279" r:id="rId27"/>
-    <p:sldId id="280" r:id="rId28"/>
-    <p:sldId id="281" r:id="rId29"/>
-    <p:sldId id="282" r:id="rId30"/>
-    <p:sldId id="283" r:id="rId31"/>
-    <p:sldId id="284" r:id="rId32"/>
-    <p:sldId id="285" r:id="rId33"/>
-    <p:sldId id="286" r:id="rId34"/>
-    <p:sldId id="317" r:id="rId35"/>
-    <p:sldId id="318" r:id="rId36"/>
-    <p:sldId id="319" r:id="rId37"/>
-    <p:sldId id="320" r:id="rId38"/>
-    <p:sldId id="287" r:id="rId39"/>
-    <p:sldId id="288" r:id="rId40"/>
-    <p:sldId id="289" r:id="rId41"/>
-    <p:sldId id="290" r:id="rId42"/>
-    <p:sldId id="291" r:id="rId43"/>
-    <p:sldId id="292" r:id="rId44"/>
-    <p:sldId id="293" r:id="rId45"/>
-    <p:sldId id="294" r:id="rId46"/>
-    <p:sldId id="295" r:id="rId47"/>
-    <p:sldId id="299" r:id="rId48"/>
-    <p:sldId id="301" r:id="rId49"/>
-    <p:sldId id="300" r:id="rId50"/>
-    <p:sldId id="323" r:id="rId51"/>
-    <p:sldId id="324" r:id="rId52"/>
-    <p:sldId id="325" r:id="rId53"/>
-    <p:sldId id="326" r:id="rId54"/>
-    <p:sldId id="327" r:id="rId55"/>
-    <p:sldId id="328" r:id="rId56"/>
-    <p:sldId id="322" r:id="rId57"/>
-    <p:sldId id="330" r:id="rId58"/>
-    <p:sldId id="331" r:id="rId59"/>
-    <p:sldId id="332" r:id="rId60"/>
-    <p:sldId id="333" r:id="rId61"/>
-    <p:sldId id="334" r:id="rId62"/>
-    <p:sldId id="329" r:id="rId63"/>
-    <p:sldId id="321" r:id="rId64"/>
-    <p:sldId id="302" r:id="rId65"/>
-    <p:sldId id="296" r:id="rId66"/>
-    <p:sldId id="297" r:id="rId67"/>
-    <p:sldId id="298" r:id="rId68"/>
-    <p:sldId id="303" r:id="rId69"/>
-    <p:sldId id="304" r:id="rId70"/>
-    <p:sldId id="305" r:id="rId71"/>
-    <p:sldId id="306" r:id="rId72"/>
-    <p:sldId id="307" r:id="rId73"/>
-    <p:sldId id="308" r:id="rId74"/>
-    <p:sldId id="309" r:id="rId75"/>
-    <p:sldId id="310" r:id="rId76"/>
-    <p:sldId id="311" r:id="rId77"/>
-    <p:sldId id="312" r:id="rId78"/>
-    <p:sldId id="313" r:id="rId79"/>
-    <p:sldId id="314" r:id="rId80"/>
-    <p:sldId id="316" r:id="rId81"/>
-    <p:sldId id="268" r:id="rId82"/>
+    <p:sldId id="280" r:id="rId25"/>
+    <p:sldId id="281" r:id="rId26"/>
+    <p:sldId id="282" r:id="rId27"/>
+    <p:sldId id="283" r:id="rId28"/>
+    <p:sldId id="284" r:id="rId29"/>
+    <p:sldId id="285" r:id="rId30"/>
+    <p:sldId id="286" r:id="rId31"/>
+    <p:sldId id="317" r:id="rId32"/>
+    <p:sldId id="318" r:id="rId33"/>
+    <p:sldId id="319" r:id="rId34"/>
+    <p:sldId id="320" r:id="rId35"/>
+    <p:sldId id="287" r:id="rId36"/>
+    <p:sldId id="288" r:id="rId37"/>
+    <p:sldId id="289" r:id="rId38"/>
+    <p:sldId id="290" r:id="rId39"/>
+    <p:sldId id="291" r:id="rId40"/>
+    <p:sldId id="292" r:id="rId41"/>
+    <p:sldId id="293" r:id="rId42"/>
+    <p:sldId id="294" r:id="rId43"/>
+    <p:sldId id="295" r:id="rId44"/>
+    <p:sldId id="299" r:id="rId45"/>
+    <p:sldId id="301" r:id="rId46"/>
+    <p:sldId id="300" r:id="rId47"/>
+    <p:sldId id="323" r:id="rId48"/>
+    <p:sldId id="324" r:id="rId49"/>
+    <p:sldId id="325" r:id="rId50"/>
+    <p:sldId id="326" r:id="rId51"/>
+    <p:sldId id="327" r:id="rId52"/>
+    <p:sldId id="328" r:id="rId53"/>
+    <p:sldId id="322" r:id="rId54"/>
+    <p:sldId id="330" r:id="rId55"/>
+    <p:sldId id="331" r:id="rId56"/>
+    <p:sldId id="332" r:id="rId57"/>
+    <p:sldId id="333" r:id="rId58"/>
+    <p:sldId id="334" r:id="rId59"/>
+    <p:sldId id="329" r:id="rId60"/>
+    <p:sldId id="321" r:id="rId61"/>
+    <p:sldId id="302" r:id="rId62"/>
+    <p:sldId id="296" r:id="rId63"/>
+    <p:sldId id="297" r:id="rId64"/>
+    <p:sldId id="298" r:id="rId65"/>
+    <p:sldId id="303" r:id="rId66"/>
+    <p:sldId id="304" r:id="rId67"/>
+    <p:sldId id="305" r:id="rId68"/>
+    <p:sldId id="306" r:id="rId69"/>
+    <p:sldId id="307" r:id="rId70"/>
+    <p:sldId id="308" r:id="rId71"/>
+    <p:sldId id="309" r:id="rId72"/>
+    <p:sldId id="310" r:id="rId73"/>
+    <p:sldId id="311" r:id="rId74"/>
+    <p:sldId id="312" r:id="rId75"/>
+    <p:sldId id="313" r:id="rId76"/>
+    <p:sldId id="314" r:id="rId77"/>
+    <p:sldId id="316" r:id="rId78"/>
+    <p:sldId id="268" r:id="rId79"/>
   </p:sldIdLst>
   <p:sldSz cx="9144000" cy="6858000" type="screen4x3"/>
   <p:notesSz cx="6858000" cy="9144000"/>
@@ -4351,63 +4348,73 @@
         </p:nvSpPr>
         <p:spPr/>
         <p:txBody>
-          <a:bodyPr/>
-          <a:lstStyle/>
-          <a:p>
-            <a:pPr algn="l" rtl="0"/>
-            <a:r>
-              <a:rPr lang="en-US" dirty="0"/>
+          <a:bodyPr>
+            <a:normAutofit/>
+          </a:bodyPr>
+          <a:lstStyle/>
+          <a:p>
+            <a:pPr algn="l" rtl="0"/>
+            <a:r>
+              <a:rPr lang="en-US" sz="2300" dirty="0"/>
               <a:t>A </a:t>
             </a:r>
             <a:r>
-              <a:rPr lang="en-US" b="1" dirty="0"/>
+              <a:rPr lang="en-US" sz="2300" b="1" dirty="0"/>
               <a:t>null</a:t>
             </a:r>
             <a:r>
-              <a:rPr lang="en-US" dirty="0"/>
+              <a:rPr lang="en-US" sz="2300" dirty="0"/>
               <a:t> value represents a reference that points, generally intentionally, to a nonexistent or invalid object or address.</a:t>
             </a:r>
           </a:p>
           <a:p>
             <a:pPr algn="l" rtl="0"/>
-            <a:r>
-              <a:rPr lang="en-US" dirty="0"/>
+            <a:endParaRPr lang="en-US" sz="2300" dirty="0"/>
+          </a:p>
+          <a:p>
+            <a:pPr algn="l" rtl="0"/>
+            <a:r>
+              <a:rPr lang="en-US" sz="2300" dirty="0"/>
               <a:t>In APIs, null is often retrieved in a place where an object can be expected but no object is relevant.</a:t>
             </a:r>
           </a:p>
           <a:p>
             <a:pPr algn="l" rtl="0"/>
-            <a:r>
-              <a:rPr lang="en-US" dirty="0"/>
+            <a:endParaRPr lang="en-US" sz="2300" dirty="0"/>
+          </a:p>
+          <a:p>
+            <a:pPr algn="l" rtl="0"/>
+            <a:r>
+              <a:rPr lang="en-US" sz="2300" dirty="0"/>
               <a:t>Something hasn't been initialized :</a:t>
             </a:r>
             <a:r>
-              <a:rPr lang="en-US" b="1" dirty="0"/>
+              <a:rPr lang="en-US" sz="2300" b="1" dirty="0"/>
               <a:t> undefined</a:t>
             </a:r>
             <a:r>
-              <a:rPr lang="en-US" dirty="0"/>
+              <a:rPr lang="en-US" sz="2300" dirty="0"/>
               <a:t>.</a:t>
             </a:r>
           </a:p>
           <a:p>
             <a:pPr algn="l" rtl="0"/>
             <a:r>
-              <a:rPr lang="en-US" dirty="0"/>
+              <a:rPr lang="en-US" sz="2300" dirty="0"/>
               <a:t>Something is currently unavailable: </a:t>
             </a:r>
             <a:r>
-              <a:rPr lang="en-US" b="1" dirty="0"/>
+              <a:rPr lang="en-US" sz="2300" b="1" dirty="0"/>
               <a:t>null</a:t>
             </a:r>
             <a:r>
-              <a:rPr lang="en-US" dirty="0"/>
+              <a:rPr lang="en-US" sz="2300" dirty="0"/>
               <a:t>.</a:t>
             </a:r>
           </a:p>
           <a:p>
             <a:pPr algn="l" rtl="0"/>
-            <a:endParaRPr lang="he-IL" dirty="0"/>
+            <a:endParaRPr lang="he-IL" sz="2300" dirty="0"/>
           </a:p>
         </p:txBody>
       </p:sp>
@@ -5069,52 +5076,6 @@
             </a:pPr>
             <a:endParaRPr lang="en-US" dirty="0"/>
           </a:p>
-          <a:p>
-            <a:pPr algn="l">
-              <a:buNone/>
-            </a:pPr>
-            <a:endParaRPr lang="en-US" dirty="0"/>
-          </a:p>
-          <a:p>
-            <a:pPr algn="l">
-              <a:buNone/>
-            </a:pPr>
-            <a:endParaRPr lang="en-US" dirty="0"/>
-          </a:p>
-          <a:p>
-            <a:pPr algn="l">
-              <a:buNone/>
-            </a:pPr>
-            <a:r>
-              <a:rPr lang="en-US" dirty="0"/>
-              <a:t>Why </a:t>
-            </a:r>
-            <a:r>
-              <a:rPr lang="en-US" dirty="0">
-                <a:solidFill>
-                  <a:srgbClr val="00B0F0"/>
-                </a:solidFill>
-              </a:rPr>
-              <a:t>null</a:t>
-            </a:r>
-            <a:r>
-              <a:rPr lang="en-US" dirty="0"/>
-              <a:t> == </a:t>
-            </a:r>
-            <a:r>
-              <a:rPr lang="en-US" dirty="0">
-                <a:solidFill>
-                  <a:srgbClr val="00B0F0"/>
-                </a:solidFill>
-              </a:rPr>
-              <a:t>undefined</a:t>
-            </a:r>
-            <a:r>
-              <a:rPr lang="en-US" dirty="0"/>
-              <a:t> equals to true ? </a:t>
-            </a:r>
-            <a:endParaRPr lang="he-IL" dirty="0"/>
-          </a:p>
         </p:txBody>
       </p:sp>
       <p:pic>
@@ -5408,7 +5369,15 @@
             <a:pPr algn="l" rtl="0"/>
             <a:r>
               <a:rPr lang="en-US" dirty="0"/>
-              <a:t>The this keyword in JavaScript (and thus TypeScript) behaves differently than it does in many other languages.</a:t>
+              <a:t>The </a:t>
+            </a:r>
+            <a:r>
+              <a:rPr lang="en-US" b="1" dirty="0"/>
+              <a:t>this</a:t>
+            </a:r>
+            <a:r>
+              <a:rPr lang="en-US" dirty="0"/>
+              <a:t> keyword in JavaScript (and thus in TypeScript) behaves differently than it does in many other languages.</a:t>
             </a:r>
           </a:p>
           <a:p>
@@ -5480,7 +5449,7 @@
         <p:spPr/>
         <p:txBody>
           <a:bodyPr>
-            <a:normAutofit fontScale="85000" lnSpcReduction="20000"/>
+            <a:normAutofit/>
           </a:bodyPr>
           <a:lstStyle/>
           <a:p>
@@ -5488,15 +5457,15 @@
               <a:buNone/>
             </a:pPr>
             <a:r>
-              <a:rPr lang="en-US" dirty="0"/>
+              <a:rPr lang="en-US" sz="1800" dirty="0"/>
               <a:t>What is </a:t>
             </a:r>
             <a:r>
-              <a:rPr lang="en-US" b="1" dirty="0"/>
+              <a:rPr lang="en-US" sz="1800" b="1" dirty="0"/>
               <a:t>this</a:t>
             </a:r>
             <a:r>
-              <a:rPr lang="en-US" dirty="0"/>
+              <a:rPr lang="en-US" sz="1800" dirty="0"/>
               <a:t> in JavaScript?</a:t>
             </a:r>
           </a:p>
@@ -5504,14 +5473,14 @@
             <a:pPr algn="l" rtl="0">
               <a:buNone/>
             </a:pPr>
-            <a:endParaRPr lang="en-US" dirty="0"/>
+            <a:endParaRPr lang="en-US" sz="1000" dirty="0"/>
           </a:p>
           <a:p>
             <a:pPr algn="l" rtl="0">
               <a:buNone/>
             </a:pPr>
             <a:r>
-              <a:rPr lang="en-US" dirty="0"/>
+              <a:rPr lang="en-US" sz="1800" dirty="0"/>
               <a:t>When a function is invoked in JavaScript, you can</a:t>
             </a:r>
           </a:p>
@@ -5520,7 +5489,7 @@
               <a:buNone/>
             </a:pPr>
             <a:r>
-              <a:rPr lang="en-US" dirty="0"/>
+              <a:rPr lang="en-US" sz="1800" dirty="0"/>
               <a:t>follow these steps to determine what this will be</a:t>
             </a:r>
           </a:p>
@@ -5529,7 +5498,7 @@
               <a:buNone/>
             </a:pPr>
             <a:r>
-              <a:rPr lang="en-US" dirty="0"/>
+              <a:rPr lang="en-US" sz="1800" dirty="0"/>
               <a:t>(these rules are in priority order):</a:t>
             </a:r>
           </a:p>
@@ -5537,60 +5506,65 @@
             <a:pPr algn="l" rtl="0">
               <a:buNone/>
             </a:pPr>
-            <a:endParaRPr lang="en-US" dirty="0"/>
-          </a:p>
-          <a:p>
-            <a:pPr algn="l" rtl="0"/>
-            <a:r>
-              <a:rPr lang="en-US" dirty="0"/>
-              <a:t>If the function was the result of a call to </a:t>
-            </a:r>
-            <a:r>
-              <a:rPr lang="en-US" dirty="0" err="1"/>
+            <a:endParaRPr lang="en-US" sz="1200" dirty="0"/>
+          </a:p>
+          <a:p>
+            <a:pPr algn="l" rtl="0"/>
+            <a:r>
+              <a:rPr lang="en-US" sz="1900" dirty="0"/>
+              <a:t>If the function was the result of a call to ’</a:t>
+            </a:r>
+            <a:r>
+              <a:rPr lang="en-US" sz="1900" dirty="0" err="1"/>
               <a:t>function.bind</a:t>
             </a:r>
             <a:r>
-              <a:rPr lang="en-US" dirty="0"/>
-              <a:t>, this will be the argument given to bind.</a:t>
-            </a:r>
-          </a:p>
-          <a:p>
-            <a:pPr algn="l" rtl="0"/>
-            <a:r>
-              <a:rPr lang="en-US" dirty="0"/>
-              <a:t>If the function was invoked in the form </a:t>
-            </a:r>
-            <a:r>
-              <a:rPr lang="en-US" dirty="0" err="1"/>
+              <a:rPr lang="en-US" sz="1900" dirty="0"/>
+              <a:t>’, this will be the argument given to bind.</a:t>
+            </a:r>
+          </a:p>
+          <a:p>
+            <a:pPr algn="l" rtl="0"/>
+            <a:endParaRPr lang="en-US" sz="1000" dirty="0"/>
+          </a:p>
+          <a:p>
+            <a:pPr algn="l" rtl="0"/>
+            <a:r>
+              <a:rPr lang="en-US" sz="1900" dirty="0"/>
+              <a:t>If the function was invoked in the form of ‘</a:t>
+            </a:r>
+            <a:r>
+              <a:rPr lang="en-US" sz="1900" dirty="0" err="1"/>
               <a:t>foo.func</a:t>
             </a:r>
             <a:r>
-              <a:rPr lang="en-US" dirty="0"/>
-              <a:t>(), this will be </a:t>
-            </a:r>
-            <a:r>
-              <a:rPr lang="en-US" dirty="0" err="1"/>
-              <a:t>foo</a:t>
-            </a:r>
-            <a:r>
-              <a:rPr lang="en-US" dirty="0"/>
-              <a:t>.</a:t>
-            </a:r>
-          </a:p>
-          <a:p>
-            <a:pPr algn="l" rtl="0"/>
-            <a:r>
-              <a:rPr lang="en-US" dirty="0"/>
-              <a:t>In a global context, If in strict mode, this will be undefined.</a:t>
-            </a:r>
-          </a:p>
-          <a:p>
-            <a:pPr algn="l" rtl="0">
-              <a:buNone/>
-            </a:pPr>
-            <a:r>
-              <a:rPr lang="en-US" dirty="0"/>
-              <a:t>	Otherwise, this will be the global object (window in a browser).</a:t>
+              <a:rPr lang="en-US" sz="1900" dirty="0"/>
+              <a:t>()’, this will be ’foo’.</a:t>
+            </a:r>
+          </a:p>
+          <a:p>
+            <a:pPr algn="l" rtl="0"/>
+            <a:endParaRPr lang="en-US" sz="1000" dirty="0"/>
+          </a:p>
+          <a:p>
+            <a:pPr algn="l" rtl="0"/>
+            <a:r>
+              <a:rPr lang="en-US" sz="1900" dirty="0"/>
+              <a:t>In a global context:</a:t>
+            </a:r>
+          </a:p>
+          <a:p>
+            <a:pPr lvl="1" algn="l" rtl="0"/>
+            <a:r>
+              <a:rPr lang="en-US" sz="1600" dirty="0"/>
+              <a:t> If in strict mode, this will be undefined.</a:t>
+            </a:r>
+          </a:p>
+          <a:p>
+            <a:pPr lvl="1" algn="l" rtl="0"/>
+            <a:r>
+              <a:rPr lang="en-US" sz="1600" dirty="0"/>
+              <a:t>Otherwise, this will be the global object (window in a browser).</a:t>
             </a:r>
           </a:p>
           <a:p>
@@ -5979,403 +5953,6 @@
               <a:buNone/>
             </a:pPr>
             <a:r>
-              <a:rPr lang="en-US" sz="2000" dirty="0"/>
-              <a:t>TypeScript uses </a:t>
-            </a:r>
-            <a:r>
-              <a:rPr lang="en-US" sz="2000" dirty="0">
-                <a:solidFill>
-                  <a:srgbClr val="FF0000"/>
-                </a:solidFill>
-              </a:rPr>
-              <a:t>_this </a:t>
-            </a:r>
-            <a:r>
-              <a:rPr lang="en-US" sz="2000" dirty="0"/>
-              <a:t>in its </a:t>
-            </a:r>
-            <a:r>
-              <a:rPr lang="en-US" sz="2000" dirty="0" err="1"/>
-              <a:t>transpile</a:t>
-            </a:r>
-            <a:r>
-              <a:rPr lang="en-US" sz="2000" dirty="0"/>
-              <a:t> process, </a:t>
-            </a:r>
-          </a:p>
-          <a:p>
-            <a:pPr algn="l" rtl="0">
-              <a:buNone/>
-            </a:pPr>
-            <a:r>
-              <a:rPr lang="en-US" sz="2000" dirty="0"/>
-              <a:t>so </a:t>
-            </a:r>
-            <a:r>
-              <a:rPr lang="en-US" sz="2000" dirty="0">
-                <a:solidFill>
-                  <a:srgbClr val="FF0000"/>
-                </a:solidFill>
-              </a:rPr>
-              <a:t>never use _this </a:t>
-            </a:r>
-            <a:r>
-              <a:rPr lang="en-US" sz="2000" dirty="0"/>
-              <a:t>as a variable or property name.</a:t>
-            </a:r>
-          </a:p>
-        </p:txBody>
-      </p:sp>
-    </p:spTree>
-  </p:cSld>
-  <p:clrMapOvr>
-    <a:masterClrMapping/>
-  </p:clrMapOvr>
-</p:sld>
-</file>
-
-<file path=ppt/slides/slide25.xml><?xml version="1.0" encoding="utf-8"?>
-<p:sld xmlns:a="http://schemas.openxmlformats.org/drawingml/2006/main" xmlns:r="http://schemas.openxmlformats.org/officeDocument/2006/relationships" xmlns:p="http://schemas.openxmlformats.org/presentationml/2006/main">
-  <p:cSld>
-    <p:spTree>
-      <p:nvGrpSpPr>
-        <p:cNvPr id="1" name=""/>
-        <p:cNvGrpSpPr/>
-        <p:nvPr/>
-      </p:nvGrpSpPr>
-      <p:grpSpPr>
-        <a:xfrm>
-          <a:off x="0" y="0"/>
-          <a:ext cx="0" cy="0"/>
-          <a:chOff x="0" y="0"/>
-          <a:chExt cx="0" cy="0"/>
-        </a:xfrm>
-      </p:grpSpPr>
-      <p:sp>
-        <p:nvSpPr>
-          <p:cNvPr id="2" name="Title 1"/>
-          <p:cNvSpPr>
-            <a:spLocks noGrp="1"/>
-          </p:cNvSpPr>
-          <p:nvPr>
-            <p:ph type="title"/>
-          </p:nvPr>
-        </p:nvSpPr>
-        <p:spPr/>
-        <p:txBody>
-          <a:bodyPr>
-            <a:normAutofit fontScale="90000"/>
-          </a:bodyPr>
-          <a:lstStyle/>
-          <a:p>
-            <a:pPr rtl="0"/>
-            <a:r>
-              <a:rPr lang="en-US" sz="4000" dirty="0"/>
-              <a:t>‘This’ key word and Closure</a:t>
-            </a:r>
-          </a:p>
-        </p:txBody>
-      </p:sp>
-      <p:sp>
-        <p:nvSpPr>
-          <p:cNvPr id="3" name="Content Placeholder 2"/>
-          <p:cNvSpPr>
-            <a:spLocks noGrp="1"/>
-          </p:cNvSpPr>
-          <p:nvPr>
-            <p:ph idx="1"/>
-          </p:nvPr>
-        </p:nvSpPr>
-        <p:spPr/>
-        <p:txBody>
-          <a:bodyPr>
-            <a:normAutofit/>
-          </a:bodyPr>
-          <a:lstStyle/>
-          <a:p>
-            <a:pPr algn="l" rtl="0">
-              <a:lnSpc>
-                <a:spcPct val="150000"/>
-              </a:lnSpc>
-              <a:buNone/>
-            </a:pPr>
-            <a:r>
-              <a:rPr lang="en-US" sz="1600" dirty="0"/>
-              <a:t>For example:</a:t>
-            </a:r>
-          </a:p>
-          <a:p>
-            <a:pPr algn="l" rtl="0">
-              <a:lnSpc>
-                <a:spcPct val="150000"/>
-              </a:lnSpc>
-              <a:buNone/>
-            </a:pPr>
-            <a:endParaRPr lang="en-US" sz="1600" dirty="0"/>
-          </a:p>
-          <a:p>
-            <a:pPr algn="l" rtl="0">
-              <a:lnSpc>
-                <a:spcPct val="150000"/>
-              </a:lnSpc>
-              <a:buNone/>
-            </a:pPr>
-            <a:endParaRPr lang="en-US" sz="1600" dirty="0"/>
-          </a:p>
-          <a:p>
-            <a:pPr algn="l" rtl="0">
-              <a:lnSpc>
-                <a:spcPct val="150000"/>
-              </a:lnSpc>
-              <a:buNone/>
-            </a:pPr>
-            <a:endParaRPr lang="en-US" sz="1600" dirty="0"/>
-          </a:p>
-          <a:p>
-            <a:pPr algn="l" rtl="0">
-              <a:lnSpc>
-                <a:spcPct val="150000"/>
-              </a:lnSpc>
-              <a:buNone/>
-            </a:pPr>
-            <a:endParaRPr lang="en-US" sz="1600" dirty="0"/>
-          </a:p>
-          <a:p>
-            <a:pPr algn="l" rtl="0">
-              <a:lnSpc>
-                <a:spcPct val="200000"/>
-              </a:lnSpc>
-              <a:buNone/>
-            </a:pPr>
-            <a:r>
-              <a:rPr lang="en-US" sz="1600" dirty="0" err="1"/>
-              <a:t>Transpiles</a:t>
-            </a:r>
-            <a:r>
-              <a:rPr lang="en-US" sz="1600" dirty="0"/>
-              <a:t> to: </a:t>
-            </a:r>
-          </a:p>
-        </p:txBody>
-      </p:sp>
-      <p:pic>
-        <p:nvPicPr>
-          <p:cNvPr id="8195" name="Picture 3" descr="C:\Users\israel\Desktop\Capture.PNG"/>
-          <p:cNvPicPr>
-            <a:picLocks noChangeAspect="1" noChangeArrowheads="1"/>
-          </p:cNvPicPr>
-          <p:nvPr/>
-        </p:nvPicPr>
-        <p:blipFill>
-          <a:blip r:embed="rId2" cstate="print"/>
-          <a:srcRect/>
-          <a:stretch>
-            <a:fillRect/>
-          </a:stretch>
-        </p:blipFill>
-        <p:spPr bwMode="auto">
-          <a:xfrm>
-            <a:off x="533400" y="2057400"/>
-            <a:ext cx="5715000" cy="1905000"/>
-          </a:xfrm>
-          <a:prstGeom prst="rect">
-            <a:avLst/>
-          </a:prstGeom>
-          <a:noFill/>
-        </p:spPr>
-      </p:pic>
-      <p:pic>
-        <p:nvPicPr>
-          <p:cNvPr id="8196" name="Picture 4" descr="C:\Users\israel\Desktop\Capture.PNG"/>
-          <p:cNvPicPr>
-            <a:picLocks noChangeAspect="1" noChangeArrowheads="1"/>
-          </p:cNvPicPr>
-          <p:nvPr/>
-        </p:nvPicPr>
-        <p:blipFill>
-          <a:blip r:embed="rId3" cstate="print"/>
-          <a:srcRect/>
-          <a:stretch>
-            <a:fillRect/>
-          </a:stretch>
-        </p:blipFill>
-        <p:spPr bwMode="auto">
-          <a:xfrm>
-            <a:off x="533400" y="4419600"/>
-            <a:ext cx="5648325" cy="2219325"/>
-          </a:xfrm>
-          <a:prstGeom prst="rect">
-            <a:avLst/>
-          </a:prstGeom>
-          <a:noFill/>
-        </p:spPr>
-      </p:pic>
-    </p:spTree>
-  </p:cSld>
-  <p:clrMapOvr>
-    <a:masterClrMapping/>
-  </p:clrMapOvr>
-</p:sld>
-</file>
-
-<file path=ppt/slides/slide26.xml><?xml version="1.0" encoding="utf-8"?>
-<p:sld xmlns:a="http://schemas.openxmlformats.org/drawingml/2006/main" xmlns:r="http://schemas.openxmlformats.org/officeDocument/2006/relationships" xmlns:p="http://schemas.openxmlformats.org/presentationml/2006/main">
-  <p:cSld>
-    <p:spTree>
-      <p:nvGrpSpPr>
-        <p:cNvPr id="1" name=""/>
-        <p:cNvGrpSpPr/>
-        <p:nvPr/>
-      </p:nvGrpSpPr>
-      <p:grpSpPr>
-        <a:xfrm>
-          <a:off x="0" y="0"/>
-          <a:ext cx="0" cy="0"/>
-          <a:chOff x="0" y="0"/>
-          <a:chExt cx="0" cy="0"/>
-        </a:xfrm>
-      </p:grpSpPr>
-      <p:sp>
-        <p:nvSpPr>
-          <p:cNvPr id="2" name="Title 1"/>
-          <p:cNvSpPr>
-            <a:spLocks noGrp="1"/>
-          </p:cNvSpPr>
-          <p:nvPr>
-            <p:ph type="title"/>
-          </p:nvPr>
-        </p:nvSpPr>
-        <p:spPr/>
-        <p:txBody>
-          <a:bodyPr>
-            <a:normAutofit fontScale="90000"/>
-          </a:bodyPr>
-          <a:lstStyle/>
-          <a:p>
-            <a:pPr rtl="0"/>
-            <a:r>
-              <a:rPr lang="en-US" sz="4000" dirty="0"/>
-              <a:t>‘This’ key word and Closure</a:t>
-            </a:r>
-          </a:p>
-        </p:txBody>
-      </p:sp>
-      <p:sp>
-        <p:nvSpPr>
-          <p:cNvPr id="3" name="Content Placeholder 2"/>
-          <p:cNvSpPr>
-            <a:spLocks noGrp="1"/>
-          </p:cNvSpPr>
-          <p:nvPr>
-            <p:ph idx="1"/>
-          </p:nvPr>
-        </p:nvSpPr>
-        <p:spPr/>
-        <p:txBody>
-          <a:bodyPr>
-            <a:normAutofit/>
-          </a:bodyPr>
-          <a:lstStyle/>
-          <a:p>
-            <a:pPr algn="l" rtl="0">
-              <a:buNone/>
-            </a:pPr>
-            <a:r>
-              <a:rPr lang="en-US" sz="2000" dirty="0"/>
-              <a:t>The TypeScript compiler applies this type of transformation </a:t>
-            </a:r>
-          </a:p>
-          <a:p>
-            <a:pPr algn="l" rtl="0">
-              <a:buNone/>
-            </a:pPr>
-            <a:r>
-              <a:rPr lang="en-US" sz="2000" dirty="0"/>
-              <a:t>to rewrite arrow function expressions into standard function </a:t>
-            </a:r>
-          </a:p>
-          <a:p>
-            <a:pPr algn="l" rtl="0">
-              <a:buNone/>
-            </a:pPr>
-            <a:r>
-              <a:rPr lang="en-US" sz="2000" dirty="0"/>
-              <a:t>expressions.</a:t>
-            </a:r>
-          </a:p>
-        </p:txBody>
-      </p:sp>
-    </p:spTree>
-  </p:cSld>
-  <p:clrMapOvr>
-    <a:masterClrMapping/>
-  </p:clrMapOvr>
-</p:sld>
-</file>
-
-<file path=ppt/slides/slide27.xml><?xml version="1.0" encoding="utf-8"?>
-<p:sld xmlns:a="http://schemas.openxmlformats.org/drawingml/2006/main" xmlns:r="http://schemas.openxmlformats.org/officeDocument/2006/relationships" xmlns:p="http://schemas.openxmlformats.org/presentationml/2006/main">
-  <p:cSld>
-    <p:spTree>
-      <p:nvGrpSpPr>
-        <p:cNvPr id="1" name=""/>
-        <p:cNvGrpSpPr/>
-        <p:nvPr/>
-      </p:nvGrpSpPr>
-      <p:grpSpPr>
-        <a:xfrm>
-          <a:off x="0" y="0"/>
-          <a:ext cx="0" cy="0"/>
-          <a:chOff x="0" y="0"/>
-          <a:chExt cx="0" cy="0"/>
-        </a:xfrm>
-      </p:grpSpPr>
-      <p:sp>
-        <p:nvSpPr>
-          <p:cNvPr id="2" name="Title 1"/>
-          <p:cNvSpPr>
-            <a:spLocks noGrp="1"/>
-          </p:cNvSpPr>
-          <p:nvPr>
-            <p:ph type="title"/>
-          </p:nvPr>
-        </p:nvSpPr>
-        <p:spPr/>
-        <p:txBody>
-          <a:bodyPr>
-            <a:normAutofit fontScale="90000"/>
-          </a:bodyPr>
-          <a:lstStyle/>
-          <a:p>
-            <a:pPr rtl="0"/>
-            <a:r>
-              <a:rPr lang="en-US" sz="4000" dirty="0"/>
-              <a:t>‘This’ key word and Closure</a:t>
-            </a:r>
-          </a:p>
-        </p:txBody>
-      </p:sp>
-      <p:sp>
-        <p:nvSpPr>
-          <p:cNvPr id="3" name="Content Placeholder 2"/>
-          <p:cNvSpPr>
-            <a:spLocks noGrp="1"/>
-          </p:cNvSpPr>
-          <p:nvPr>
-            <p:ph idx="1"/>
-          </p:nvPr>
-        </p:nvSpPr>
-        <p:spPr/>
-        <p:txBody>
-          <a:bodyPr>
-            <a:normAutofit/>
-          </a:bodyPr>
-          <a:lstStyle/>
-          <a:p>
-            <a:pPr algn="l" rtl="0">
-              <a:buNone/>
-            </a:pPr>
-            <a:r>
               <a:rPr lang="en-US" sz="2400" b="1" dirty="0"/>
               <a:t>Closure</a:t>
             </a:r>
@@ -6450,7 +6027,7 @@
 </p:sld>
 </file>
 
-<file path=ppt/slides/slide28.xml><?xml version="1.0" encoding="utf-8"?>
+<file path=ppt/slides/slide25.xml><?xml version="1.0" encoding="utf-8"?>
 <p:sld xmlns:a="http://schemas.openxmlformats.org/drawingml/2006/main" xmlns:r="http://schemas.openxmlformats.org/officeDocument/2006/relationships" xmlns:p="http://schemas.openxmlformats.org/presentationml/2006/main">
   <p:cSld>
     <p:spTree>
@@ -6505,7 +6082,7 @@
         <p:spPr/>
         <p:txBody>
           <a:bodyPr>
-            <a:normAutofit/>
+            <a:normAutofit fontScale="92500" lnSpcReduction="20000"/>
           </a:bodyPr>
           <a:lstStyle/>
           <a:p>
@@ -6585,16 +6162,84 @@
             </a:r>
             <a:r>
               <a:rPr lang="en-US" sz="2000" dirty="0"/>
-              <a:t>. </a:t>
+              <a:t>.</a:t>
             </a:r>
           </a:p>
           <a:p>
             <a:pPr algn="l" rtl="0">
               <a:buNone/>
             </a:pPr>
+            <a:endParaRPr lang="en-US" sz="2000" dirty="0"/>
+          </a:p>
+          <a:p>
+            <a:pPr algn="l" rtl="0">
+              <a:buNone/>
+            </a:pPr>
             <a:r>
               <a:rPr lang="en-US" sz="2000" dirty="0"/>
-              <a:t>The concept in itself is simple enough and pretty intuitive.</a:t>
+              <a:t>From </a:t>
+            </a:r>
+            <a:r>
+              <a:rPr lang="en-US" sz="2000" dirty="0" err="1"/>
+              <a:t>Mozila</a:t>
+            </a:r>
+            <a:r>
+              <a:rPr lang="en-US" sz="2000" dirty="0"/>
+              <a:t> docs:</a:t>
+            </a:r>
+          </a:p>
+          <a:p>
+            <a:pPr algn="l" rtl="0">
+              <a:buNone/>
+            </a:pPr>
+            <a:r>
+              <a:rPr lang="en-US" sz="2000" dirty="0"/>
+              <a:t>“A closure is the combination of a function bundled together</a:t>
+            </a:r>
+          </a:p>
+          <a:p>
+            <a:pPr algn="l" rtl="0">
+              <a:buNone/>
+            </a:pPr>
+            <a:r>
+              <a:rPr lang="en-US" sz="2000" dirty="0"/>
+              <a:t>(enclosed) with references to its surrounding state</a:t>
+            </a:r>
+          </a:p>
+          <a:p>
+            <a:pPr algn="l" rtl="0">
+              <a:buNone/>
+            </a:pPr>
+            <a:r>
+              <a:rPr lang="en-US" sz="2000" dirty="0"/>
+              <a:t>(the lexical environment). In other words, a closure gives you</a:t>
+            </a:r>
+          </a:p>
+          <a:p>
+            <a:pPr algn="l" rtl="0">
+              <a:buNone/>
+            </a:pPr>
+            <a:r>
+              <a:rPr lang="en-US" sz="2000" dirty="0"/>
+              <a:t>access to an outer function’s scope from an inner function. In</a:t>
+            </a:r>
+          </a:p>
+          <a:p>
+            <a:pPr algn="l" rtl="0">
+              <a:buNone/>
+            </a:pPr>
+            <a:r>
+              <a:rPr lang="en-US" sz="2000" dirty="0"/>
+              <a:t>JavaScript, closures are created every time a function is</a:t>
+            </a:r>
+          </a:p>
+          <a:p>
+            <a:pPr algn="l" rtl="0">
+              <a:buNone/>
+            </a:pPr>
+            <a:r>
+              <a:rPr lang="en-US" sz="2000" dirty="0"/>
+              <a:t>created, at function creation time.”</a:t>
             </a:r>
           </a:p>
         </p:txBody>
@@ -6607,7 +6252,7 @@
 </p:sld>
 </file>
 
-<file path=ppt/slides/slide29.xml><?xml version="1.0" encoding="utf-8"?>
+<file path=ppt/slides/slide26.xml><?xml version="1.0" encoding="utf-8"?>
 <p:sld xmlns:a="http://schemas.openxmlformats.org/drawingml/2006/main" xmlns:r="http://schemas.openxmlformats.org/officeDocument/2006/relationships" xmlns:p="http://schemas.openxmlformats.org/presentationml/2006/main">
   <p:cSld>
     <p:spTree>
@@ -6725,125 +6370,7 @@
 </p:sld>
 </file>
 
-<file path=ppt/slides/slide3.xml><?xml version="1.0" encoding="utf-8"?>
-<p:sld xmlns:a="http://schemas.openxmlformats.org/drawingml/2006/main" xmlns:r="http://schemas.openxmlformats.org/officeDocument/2006/relationships" xmlns:p="http://schemas.openxmlformats.org/presentationml/2006/main">
-  <p:cSld>
-    <p:spTree>
-      <p:nvGrpSpPr>
-        <p:cNvPr id="1" name=""/>
-        <p:cNvGrpSpPr/>
-        <p:nvPr/>
-      </p:nvGrpSpPr>
-      <p:grpSpPr>
-        <a:xfrm>
-          <a:off x="0" y="0"/>
-          <a:ext cx="0" cy="0"/>
-          <a:chOff x="0" y="0"/>
-          <a:chExt cx="0" cy="0"/>
-        </a:xfrm>
-      </p:grpSpPr>
-      <p:sp>
-        <p:nvSpPr>
-          <p:cNvPr id="2" name="Title 1"/>
-          <p:cNvSpPr>
-            <a:spLocks noGrp="1"/>
-          </p:cNvSpPr>
-          <p:nvPr>
-            <p:ph type="title"/>
-          </p:nvPr>
-        </p:nvSpPr>
-        <p:spPr/>
-        <p:txBody>
-          <a:bodyPr/>
-          <a:lstStyle/>
-          <a:p>
-            <a:r>
-              <a:rPr lang="en-US" sz="4000" dirty="0"/>
-              <a:t>Equality</a:t>
-            </a:r>
-            <a:endParaRPr lang="he-IL" dirty="0"/>
-          </a:p>
-        </p:txBody>
-      </p:sp>
-      <p:sp>
-        <p:nvSpPr>
-          <p:cNvPr id="3" name="Content Placeholder 2"/>
-          <p:cNvSpPr>
-            <a:spLocks noGrp="1"/>
-          </p:cNvSpPr>
-          <p:nvPr>
-            <p:ph idx="1"/>
-          </p:nvPr>
-        </p:nvSpPr>
-        <p:spPr/>
-        <p:txBody>
-          <a:bodyPr/>
-          <a:lstStyle/>
-          <a:p>
-            <a:pPr algn="l" rtl="0"/>
-            <a:r>
-              <a:rPr lang="en-US" dirty="0"/>
-              <a:t>One thing to be careful about in JavaScript is</a:t>
-            </a:r>
-          </a:p>
-          <a:p>
-            <a:pPr algn="l" rtl="0">
-              <a:buNone/>
-            </a:pPr>
-            <a:r>
-              <a:rPr lang="en-US" dirty="0"/>
-              <a:t>	the difference between == and ===.</a:t>
-            </a:r>
-          </a:p>
-          <a:p>
-            <a:pPr algn="l" rtl="0">
-              <a:buNone/>
-            </a:pPr>
-            <a:endParaRPr lang="en-US" dirty="0"/>
-          </a:p>
-          <a:p>
-            <a:pPr algn="l" rtl="0">
-              <a:buNone/>
-            </a:pPr>
-            <a:endParaRPr lang="en-US" dirty="0"/>
-          </a:p>
-        </p:txBody>
-      </p:sp>
-      <p:pic>
-        <p:nvPicPr>
-          <p:cNvPr id="1026" name="Picture 2" descr="C:\Users\israel\Desktop\Capture.PNG"/>
-          <p:cNvPicPr>
-            <a:picLocks noChangeAspect="1" noChangeArrowheads="1"/>
-          </p:cNvPicPr>
-          <p:nvPr/>
-        </p:nvPicPr>
-        <p:blipFill>
-          <a:blip r:embed="rId2" cstate="print"/>
-          <a:srcRect/>
-          <a:stretch>
-            <a:fillRect/>
-          </a:stretch>
-        </p:blipFill>
-        <p:spPr bwMode="auto">
-          <a:xfrm>
-            <a:off x="533400" y="2667000"/>
-            <a:ext cx="7354888" cy="809625"/>
-          </a:xfrm>
-          <a:prstGeom prst="rect">
-            <a:avLst/>
-          </a:prstGeom>
-          <a:noFill/>
-        </p:spPr>
-      </p:pic>
-    </p:spTree>
-  </p:cSld>
-  <p:clrMapOvr>
-    <a:masterClrMapping/>
-  </p:clrMapOvr>
-</p:sld>
-</file>
-
-<file path=ppt/slides/slide30.xml><?xml version="1.0" encoding="utf-8"?>
+<file path=ppt/slides/slide27.xml><?xml version="1.0" encoding="utf-8"?>
 <p:sld xmlns:a="http://schemas.openxmlformats.org/drawingml/2006/main" xmlns:r="http://schemas.openxmlformats.org/officeDocument/2006/relationships" xmlns:p="http://schemas.openxmlformats.org/presentationml/2006/main">
   <p:cSld>
     <p:spTree>
@@ -6988,7 +6515,7 @@
 </p:sld>
 </file>
 
-<file path=ppt/slides/slide31.xml><?xml version="1.0" encoding="utf-8"?>
+<file path=ppt/slides/slide28.xml><?xml version="1.0" encoding="utf-8"?>
 <p:sld xmlns:a="http://schemas.openxmlformats.org/drawingml/2006/main" xmlns:r="http://schemas.openxmlformats.org/officeDocument/2006/relationships" xmlns:p="http://schemas.openxmlformats.org/presentationml/2006/main">
   <p:cSld>
     <p:spTree>
@@ -7114,7 +6641,7 @@
 </p:sld>
 </file>
 
-<file path=ppt/slides/slide32.xml><?xml version="1.0" encoding="utf-8"?>
+<file path=ppt/slides/slide29.xml><?xml version="1.0" encoding="utf-8"?>
 <p:sld xmlns:a="http://schemas.openxmlformats.org/drawingml/2006/main" xmlns:r="http://schemas.openxmlformats.org/officeDocument/2006/relationships" xmlns:p="http://schemas.openxmlformats.org/presentationml/2006/main">
   <p:cSld>
     <p:spTree>
@@ -7458,7 +6985,125 @@
 </p:sld>
 </file>
 
-<file path=ppt/slides/slide33.xml><?xml version="1.0" encoding="utf-8"?>
+<file path=ppt/slides/slide3.xml><?xml version="1.0" encoding="utf-8"?>
+<p:sld xmlns:a="http://schemas.openxmlformats.org/drawingml/2006/main" xmlns:r="http://schemas.openxmlformats.org/officeDocument/2006/relationships" xmlns:p="http://schemas.openxmlformats.org/presentationml/2006/main">
+  <p:cSld>
+    <p:spTree>
+      <p:nvGrpSpPr>
+        <p:cNvPr id="1" name=""/>
+        <p:cNvGrpSpPr/>
+        <p:nvPr/>
+      </p:nvGrpSpPr>
+      <p:grpSpPr>
+        <a:xfrm>
+          <a:off x="0" y="0"/>
+          <a:ext cx="0" cy="0"/>
+          <a:chOff x="0" y="0"/>
+          <a:chExt cx="0" cy="0"/>
+        </a:xfrm>
+      </p:grpSpPr>
+      <p:sp>
+        <p:nvSpPr>
+          <p:cNvPr id="2" name="Title 1"/>
+          <p:cNvSpPr>
+            <a:spLocks noGrp="1"/>
+          </p:cNvSpPr>
+          <p:nvPr>
+            <p:ph type="title"/>
+          </p:nvPr>
+        </p:nvSpPr>
+        <p:spPr/>
+        <p:txBody>
+          <a:bodyPr/>
+          <a:lstStyle/>
+          <a:p>
+            <a:r>
+              <a:rPr lang="en-US" sz="4000" dirty="0"/>
+              <a:t>Equality</a:t>
+            </a:r>
+            <a:endParaRPr lang="he-IL" dirty="0"/>
+          </a:p>
+        </p:txBody>
+      </p:sp>
+      <p:sp>
+        <p:nvSpPr>
+          <p:cNvPr id="3" name="Content Placeholder 2"/>
+          <p:cNvSpPr>
+            <a:spLocks noGrp="1"/>
+          </p:cNvSpPr>
+          <p:nvPr>
+            <p:ph idx="1"/>
+          </p:nvPr>
+        </p:nvSpPr>
+        <p:spPr/>
+        <p:txBody>
+          <a:bodyPr/>
+          <a:lstStyle/>
+          <a:p>
+            <a:pPr algn="l" rtl="0"/>
+            <a:r>
+              <a:rPr lang="en-US" dirty="0"/>
+              <a:t>One thing to be careful about in JavaScript is</a:t>
+            </a:r>
+          </a:p>
+          <a:p>
+            <a:pPr algn="l" rtl="0">
+              <a:buNone/>
+            </a:pPr>
+            <a:r>
+              <a:rPr lang="en-US" dirty="0"/>
+              <a:t>	the difference between == and ===.</a:t>
+            </a:r>
+          </a:p>
+          <a:p>
+            <a:pPr algn="l" rtl="0">
+              <a:buNone/>
+            </a:pPr>
+            <a:endParaRPr lang="en-US" dirty="0"/>
+          </a:p>
+          <a:p>
+            <a:pPr algn="l" rtl="0">
+              <a:buNone/>
+            </a:pPr>
+            <a:endParaRPr lang="en-US" dirty="0"/>
+          </a:p>
+        </p:txBody>
+      </p:sp>
+      <p:pic>
+        <p:nvPicPr>
+          <p:cNvPr id="1026" name="Picture 2" descr="C:\Users\israel\Desktop\Capture.PNG"/>
+          <p:cNvPicPr>
+            <a:picLocks noChangeAspect="1" noChangeArrowheads="1"/>
+          </p:cNvPicPr>
+          <p:nvPr/>
+        </p:nvPicPr>
+        <p:blipFill>
+          <a:blip r:embed="rId2" cstate="print"/>
+          <a:srcRect/>
+          <a:stretch>
+            <a:fillRect/>
+          </a:stretch>
+        </p:blipFill>
+        <p:spPr bwMode="auto">
+          <a:xfrm>
+            <a:off x="533400" y="2667000"/>
+            <a:ext cx="7354888" cy="809625"/>
+          </a:xfrm>
+          <a:prstGeom prst="rect">
+            <a:avLst/>
+          </a:prstGeom>
+          <a:noFill/>
+        </p:spPr>
+      </p:pic>
+    </p:spTree>
+  </p:cSld>
+  <p:clrMapOvr>
+    <a:masterClrMapping/>
+  </p:clrMapOvr>
+</p:sld>
+</file>
+
+<file path=ppt/slides/slide30.xml><?xml version="1.0" encoding="utf-8"?>
 <p:sld xmlns:a="http://schemas.openxmlformats.org/drawingml/2006/main" xmlns:r="http://schemas.openxmlformats.org/officeDocument/2006/relationships" xmlns:p="http://schemas.openxmlformats.org/presentationml/2006/main">
   <p:cSld>
     <p:spTree>
@@ -7580,7 +7225,7 @@
 </p:sld>
 </file>
 
-<file path=ppt/slides/slide34.xml><?xml version="1.0" encoding="utf-8"?>
+<file path=ppt/slides/slide31.xml><?xml version="1.0" encoding="utf-8"?>
 <p:sld xmlns:a="http://schemas.openxmlformats.org/drawingml/2006/main" xmlns:r="http://schemas.openxmlformats.org/officeDocument/2006/relationships" xmlns:p="http://schemas.openxmlformats.org/presentationml/2006/main">
   <p:cSld>
     <p:spTree>
@@ -7764,7 +7409,7 @@
 </p:sld>
 </file>
 
-<file path=ppt/slides/slide35.xml><?xml version="1.0" encoding="utf-8"?>
+<file path=ppt/slides/slide32.xml><?xml version="1.0" encoding="utf-8"?>
 <p:sld xmlns:a="http://schemas.openxmlformats.org/drawingml/2006/main" xmlns:r="http://schemas.openxmlformats.org/officeDocument/2006/relationships" xmlns:p="http://schemas.openxmlformats.org/presentationml/2006/main">
   <p:cSld>
     <p:spTree>
@@ -7970,7 +7615,7 @@
 </p:sld>
 </file>
 
-<file path=ppt/slides/slide36.xml><?xml version="1.0" encoding="utf-8"?>
+<file path=ppt/slides/slide33.xml><?xml version="1.0" encoding="utf-8"?>
 <p:sld xmlns:a="http://schemas.openxmlformats.org/drawingml/2006/main" xmlns:r="http://schemas.openxmlformats.org/officeDocument/2006/relationships" xmlns:p="http://schemas.openxmlformats.org/presentationml/2006/main">
   <p:cSld>
     <p:spTree>
@@ -8211,7 +7856,7 @@
 </p:sld>
 </file>
 
-<file path=ppt/slides/slide37.xml><?xml version="1.0" encoding="utf-8"?>
+<file path=ppt/slides/slide34.xml><?xml version="1.0" encoding="utf-8"?>
 <p:sld xmlns:a="http://schemas.openxmlformats.org/drawingml/2006/main" xmlns:r="http://schemas.openxmlformats.org/officeDocument/2006/relationships" xmlns:p="http://schemas.openxmlformats.org/presentationml/2006/main">
   <p:cSld>
     <p:spTree>
@@ -8395,7 +8040,7 @@
 </p:sld>
 </file>
 
-<file path=ppt/slides/slide38.xml><?xml version="1.0" encoding="utf-8"?>
+<file path=ppt/slides/slide35.xml><?xml version="1.0" encoding="utf-8"?>
 <p:sld xmlns:a="http://schemas.openxmlformats.org/drawingml/2006/main" xmlns:r="http://schemas.openxmlformats.org/officeDocument/2006/relationships" xmlns:p="http://schemas.openxmlformats.org/presentationml/2006/main">
   <p:cSld>
     <p:spTree>
@@ -8534,7 +8179,7 @@
 </p:sld>
 </file>
 
-<file path=ppt/slides/slide39.xml><?xml version="1.0" encoding="utf-8"?>
+<file path=ppt/slides/slide36.xml><?xml version="1.0" encoding="utf-8"?>
 <p:sld xmlns:a="http://schemas.openxmlformats.org/drawingml/2006/main" xmlns:r="http://schemas.openxmlformats.org/officeDocument/2006/relationships" xmlns:p="http://schemas.openxmlformats.org/presentationml/2006/main">
   <p:cSld>
     <p:spTree>
@@ -8701,151 +8346,7 @@
 </p:sld>
 </file>
 
-<file path=ppt/slides/slide4.xml><?xml version="1.0" encoding="utf-8"?>
-<p:sld xmlns:a="http://schemas.openxmlformats.org/drawingml/2006/main" xmlns:r="http://schemas.openxmlformats.org/officeDocument/2006/relationships" xmlns:p="http://schemas.openxmlformats.org/presentationml/2006/main">
-  <p:cSld>
-    <p:spTree>
-      <p:nvGrpSpPr>
-        <p:cNvPr id="1" name=""/>
-        <p:cNvGrpSpPr/>
-        <p:nvPr/>
-      </p:nvGrpSpPr>
-      <p:grpSpPr>
-        <a:xfrm>
-          <a:off x="0" y="0"/>
-          <a:ext cx="0" cy="0"/>
-          <a:chOff x="0" y="0"/>
-          <a:chExt cx="0" cy="0"/>
-        </a:xfrm>
-      </p:grpSpPr>
-      <p:sp>
-        <p:nvSpPr>
-          <p:cNvPr id="2" name="Title 1"/>
-          <p:cNvSpPr>
-            <a:spLocks noGrp="1"/>
-          </p:cNvSpPr>
-          <p:nvPr>
-            <p:ph type="title"/>
-          </p:nvPr>
-        </p:nvSpPr>
-        <p:spPr/>
-        <p:txBody>
-          <a:bodyPr/>
-          <a:lstStyle/>
-          <a:p>
-            <a:r>
-              <a:rPr lang="en-US" sz="4000" dirty="0"/>
-              <a:t>Equality</a:t>
-            </a:r>
-            <a:endParaRPr lang="he-IL" dirty="0"/>
-          </a:p>
-        </p:txBody>
-      </p:sp>
-      <p:sp>
-        <p:nvSpPr>
-          <p:cNvPr id="3" name="Content Placeholder 2"/>
-          <p:cNvSpPr>
-            <a:spLocks noGrp="1"/>
-          </p:cNvSpPr>
-          <p:nvPr>
-            <p:ph idx="1"/>
-          </p:nvPr>
-        </p:nvSpPr>
-        <p:spPr/>
-        <p:txBody>
-          <a:bodyPr/>
-          <a:lstStyle/>
-          <a:p>
-            <a:pPr marL="0" indent="0" algn="l" rtl="0">
-              <a:buNone/>
-            </a:pPr>
-            <a:endParaRPr lang="en-US" b="1" dirty="0"/>
-          </a:p>
-          <a:p>
-            <a:pPr marL="0" indent="0" algn="l" rtl="0">
-              <a:buNone/>
-            </a:pPr>
-            <a:r>
-              <a:rPr lang="en-US" b="1" dirty="0"/>
-              <a:t>Equals Operator ( == )</a:t>
-            </a:r>
-          </a:p>
-          <a:p>
-            <a:pPr marL="0" indent="0" algn="l" rtl="0">
-              <a:buNone/>
-            </a:pPr>
-            <a:r>
-              <a:rPr lang="en-US" sz="1800" dirty="0"/>
-              <a:t>The comparison x == y with equals operator, where x and y are values, produces true or false. The important thing to know is that while comparing both values, JavaScript runtime will perform type conversions to make both values of same type.</a:t>
-            </a:r>
-          </a:p>
-          <a:p>
-            <a:pPr marL="0" indent="0" algn="l" rtl="0">
-              <a:buNone/>
-            </a:pPr>
-            <a:endParaRPr lang="en-US" sz="1800" dirty="0"/>
-          </a:p>
-          <a:p>
-            <a:pPr marL="0" indent="0" algn="l" rtl="0">
-              <a:buNone/>
-            </a:pPr>
-            <a:r>
-              <a:rPr lang="en-US" b="1" dirty="0"/>
-              <a:t>Strict Equals Operator ( === )</a:t>
-            </a:r>
-          </a:p>
-          <a:p>
-            <a:pPr marL="0" indent="0" algn="l" rtl="0">
-              <a:buNone/>
-            </a:pPr>
-            <a:r>
-              <a:rPr lang="en-US" sz="1800" dirty="0"/>
-              <a:t>The comparison x === y with equals operator, where x and y are values, produces true or false only when –</a:t>
-            </a:r>
-          </a:p>
-          <a:p>
-            <a:pPr marL="342900" indent="-342900" algn="l" rtl="0">
-              <a:buFont typeface="+mj-lt"/>
-              <a:buAutoNum type="arabicPeriod"/>
-            </a:pPr>
-            <a:r>
-              <a:rPr lang="en-US" sz="1800" dirty="0"/>
-              <a:t>types of x and y are same.</a:t>
-            </a:r>
-          </a:p>
-          <a:p>
-            <a:pPr marL="342900" indent="-342900" algn="l" rtl="0">
-              <a:buFont typeface="+mj-lt"/>
-              <a:buAutoNum type="arabicPeriod"/>
-            </a:pPr>
-            <a:r>
-              <a:rPr lang="en-US" sz="1800" dirty="0"/>
-              <a:t>values of x and y are equal.</a:t>
-            </a:r>
-          </a:p>
-          <a:p>
-            <a:pPr marL="0" indent="0" algn="l" rtl="0">
-              <a:buNone/>
-            </a:pPr>
-            <a:endParaRPr lang="en-US" sz="1800" dirty="0"/>
-          </a:p>
-          <a:p>
-            <a:pPr marL="0" indent="0" algn="l" rtl="0">
-              <a:buNone/>
-            </a:pPr>
-            <a:endParaRPr lang="en-US" dirty="0"/>
-          </a:p>
-        </p:txBody>
-      </p:sp>
-    </p:spTree>
-  </p:cSld>
-  <p:clrMapOvr>
-    <a:masterClrMapping/>
-  </p:clrMapOvr>
-</p:sld>
-</file>
-
-<file path=ppt/slides/slide40.xml><?xml version="1.0" encoding="utf-8"?>
+<file path=ppt/slides/slide37.xml><?xml version="1.0" encoding="utf-8"?>
 <p:sld xmlns:a="http://schemas.openxmlformats.org/drawingml/2006/main" xmlns:r="http://schemas.openxmlformats.org/officeDocument/2006/relationships" xmlns:p="http://schemas.openxmlformats.org/presentationml/2006/main">
   <p:cSld>
     <p:spTree>
@@ -8969,7 +8470,7 @@
 </p:sld>
 </file>
 
-<file path=ppt/slides/slide41.xml><?xml version="1.0" encoding="utf-8"?>
+<file path=ppt/slides/slide38.xml><?xml version="1.0" encoding="utf-8"?>
 <p:sld xmlns:a="http://schemas.openxmlformats.org/drawingml/2006/main" xmlns:r="http://schemas.openxmlformats.org/officeDocument/2006/relationships" xmlns:p="http://schemas.openxmlformats.org/presentationml/2006/main">
   <p:cSld>
     <p:spTree>
@@ -9109,7 +8610,7 @@
 </p:sld>
 </file>
 
-<file path=ppt/slides/slide42.xml><?xml version="1.0" encoding="utf-8"?>
+<file path=ppt/slides/slide39.xml><?xml version="1.0" encoding="utf-8"?>
 <p:sld xmlns:a="http://schemas.openxmlformats.org/drawingml/2006/main" xmlns:r="http://schemas.openxmlformats.org/officeDocument/2006/relationships" xmlns:p="http://schemas.openxmlformats.org/presentationml/2006/main">
   <p:cSld>
     <p:spTree>
@@ -9287,7 +8788,151 @@
 </p:sld>
 </file>
 
-<file path=ppt/slides/slide43.xml><?xml version="1.0" encoding="utf-8"?>
+<file path=ppt/slides/slide4.xml><?xml version="1.0" encoding="utf-8"?>
+<p:sld xmlns:a="http://schemas.openxmlformats.org/drawingml/2006/main" xmlns:r="http://schemas.openxmlformats.org/officeDocument/2006/relationships" xmlns:p="http://schemas.openxmlformats.org/presentationml/2006/main">
+  <p:cSld>
+    <p:spTree>
+      <p:nvGrpSpPr>
+        <p:cNvPr id="1" name=""/>
+        <p:cNvGrpSpPr/>
+        <p:nvPr/>
+      </p:nvGrpSpPr>
+      <p:grpSpPr>
+        <a:xfrm>
+          <a:off x="0" y="0"/>
+          <a:ext cx="0" cy="0"/>
+          <a:chOff x="0" y="0"/>
+          <a:chExt cx="0" cy="0"/>
+        </a:xfrm>
+      </p:grpSpPr>
+      <p:sp>
+        <p:nvSpPr>
+          <p:cNvPr id="2" name="Title 1"/>
+          <p:cNvSpPr>
+            <a:spLocks noGrp="1"/>
+          </p:cNvSpPr>
+          <p:nvPr>
+            <p:ph type="title"/>
+          </p:nvPr>
+        </p:nvSpPr>
+        <p:spPr/>
+        <p:txBody>
+          <a:bodyPr/>
+          <a:lstStyle/>
+          <a:p>
+            <a:r>
+              <a:rPr lang="en-US" sz="4000" dirty="0"/>
+              <a:t>Equality</a:t>
+            </a:r>
+            <a:endParaRPr lang="he-IL" dirty="0"/>
+          </a:p>
+        </p:txBody>
+      </p:sp>
+      <p:sp>
+        <p:nvSpPr>
+          <p:cNvPr id="3" name="Content Placeholder 2"/>
+          <p:cNvSpPr>
+            <a:spLocks noGrp="1"/>
+          </p:cNvSpPr>
+          <p:nvPr>
+            <p:ph idx="1"/>
+          </p:nvPr>
+        </p:nvSpPr>
+        <p:spPr/>
+        <p:txBody>
+          <a:bodyPr/>
+          <a:lstStyle/>
+          <a:p>
+            <a:pPr marL="0" indent="0" algn="l" rtl="0">
+              <a:buNone/>
+            </a:pPr>
+            <a:endParaRPr lang="en-US" b="1" dirty="0"/>
+          </a:p>
+          <a:p>
+            <a:pPr marL="0" indent="0" algn="l" rtl="0">
+              <a:buNone/>
+            </a:pPr>
+            <a:r>
+              <a:rPr lang="en-US" b="1" dirty="0"/>
+              <a:t>Equals Operator ( == )</a:t>
+            </a:r>
+          </a:p>
+          <a:p>
+            <a:pPr marL="0" indent="0" algn="l" rtl="0">
+              <a:buNone/>
+            </a:pPr>
+            <a:r>
+              <a:rPr lang="en-US" sz="1800" dirty="0"/>
+              <a:t>The comparison x == y with equals operator, where x and y are values, produces true or false. The important thing to know is that while comparing both values, JavaScript runtime will perform type conversions to make both values of same type.</a:t>
+            </a:r>
+          </a:p>
+          <a:p>
+            <a:pPr marL="0" indent="0" algn="l" rtl="0">
+              <a:buNone/>
+            </a:pPr>
+            <a:endParaRPr lang="en-US" sz="1800" dirty="0"/>
+          </a:p>
+          <a:p>
+            <a:pPr marL="0" indent="0" algn="l" rtl="0">
+              <a:buNone/>
+            </a:pPr>
+            <a:r>
+              <a:rPr lang="en-US" b="1" dirty="0"/>
+              <a:t>Strict Equals Operator ( === )</a:t>
+            </a:r>
+          </a:p>
+          <a:p>
+            <a:pPr marL="0" indent="0" algn="l" rtl="0">
+              <a:buNone/>
+            </a:pPr>
+            <a:r>
+              <a:rPr lang="en-US" sz="1800" dirty="0"/>
+              <a:t>The comparison x === y with equals operator, where x and y are values, produces true or false only when –</a:t>
+            </a:r>
+          </a:p>
+          <a:p>
+            <a:pPr marL="342900" indent="-342900" algn="l" rtl="0">
+              <a:buFont typeface="+mj-lt"/>
+              <a:buAutoNum type="arabicPeriod"/>
+            </a:pPr>
+            <a:r>
+              <a:rPr lang="en-US" sz="1800" dirty="0"/>
+              <a:t>types of x and y are same.</a:t>
+            </a:r>
+          </a:p>
+          <a:p>
+            <a:pPr marL="342900" indent="-342900" algn="l" rtl="0">
+              <a:buFont typeface="+mj-lt"/>
+              <a:buAutoNum type="arabicPeriod"/>
+            </a:pPr>
+            <a:r>
+              <a:rPr lang="en-US" sz="1800" dirty="0"/>
+              <a:t>values of x and y are equal.</a:t>
+            </a:r>
+          </a:p>
+          <a:p>
+            <a:pPr marL="0" indent="0" algn="l" rtl="0">
+              <a:buNone/>
+            </a:pPr>
+            <a:endParaRPr lang="en-US" sz="1800" dirty="0"/>
+          </a:p>
+          <a:p>
+            <a:pPr marL="0" indent="0" algn="l" rtl="0">
+              <a:buNone/>
+            </a:pPr>
+            <a:endParaRPr lang="en-US" dirty="0"/>
+          </a:p>
+        </p:txBody>
+      </p:sp>
+    </p:spTree>
+  </p:cSld>
+  <p:clrMapOvr>
+    <a:masterClrMapping/>
+  </p:clrMapOvr>
+</p:sld>
+</file>
+
+<file path=ppt/slides/slide40.xml><?xml version="1.0" encoding="utf-8"?>
 <p:sld xmlns:a="http://schemas.openxmlformats.org/drawingml/2006/main" xmlns:r="http://schemas.openxmlformats.org/officeDocument/2006/relationships" xmlns:p="http://schemas.openxmlformats.org/presentationml/2006/main">
   <p:cSld>
     <p:spTree>
@@ -9492,7 +9137,7 @@
 </p:sld>
 </file>
 
-<file path=ppt/slides/slide44.xml><?xml version="1.0" encoding="utf-8"?>
+<file path=ppt/slides/slide41.xml><?xml version="1.0" encoding="utf-8"?>
 <p:sld xmlns:a="http://schemas.openxmlformats.org/drawingml/2006/main" xmlns:r="http://schemas.openxmlformats.org/officeDocument/2006/relationships" xmlns:p="http://schemas.openxmlformats.org/presentationml/2006/main">
   <p:cSld>
     <p:spTree>
@@ -9684,7 +9329,7 @@
 </p:sld>
 </file>
 
-<file path=ppt/slides/slide45.xml><?xml version="1.0" encoding="utf-8"?>
+<file path=ppt/slides/slide42.xml><?xml version="1.0" encoding="utf-8"?>
 <p:sld xmlns:a="http://schemas.openxmlformats.org/drawingml/2006/main" xmlns:r="http://schemas.openxmlformats.org/officeDocument/2006/relationships" xmlns:p="http://schemas.openxmlformats.org/presentationml/2006/main">
   <p:cSld>
     <p:spTree>
@@ -9850,7 +9495,7 @@
 </p:sld>
 </file>
 
-<file path=ppt/slides/slide46.xml><?xml version="1.0" encoding="utf-8"?>
+<file path=ppt/slides/slide43.xml><?xml version="1.0" encoding="utf-8"?>
 <p:sld xmlns:a="http://schemas.openxmlformats.org/drawingml/2006/main" xmlns:r="http://schemas.openxmlformats.org/officeDocument/2006/relationships" xmlns:p="http://schemas.openxmlformats.org/presentationml/2006/main">
   <p:cSld>
     <p:spTree>
@@ -10054,7 +9699,7 @@
 </p:sld>
 </file>
 
-<file path=ppt/slides/slide47.xml><?xml version="1.0" encoding="utf-8"?>
+<file path=ppt/slides/slide44.xml><?xml version="1.0" encoding="utf-8"?>
 <p:sld xmlns:a="http://schemas.openxmlformats.org/drawingml/2006/main" xmlns:r="http://schemas.openxmlformats.org/officeDocument/2006/relationships" xmlns:p="http://schemas.openxmlformats.org/presentationml/2006/main">
   <p:cSld>
     <p:spTree>
@@ -10310,7 +9955,7 @@
 </p:sld>
 </file>
 
-<file path=ppt/slides/slide48.xml><?xml version="1.0" encoding="utf-8"?>
+<file path=ppt/slides/slide45.xml><?xml version="1.0" encoding="utf-8"?>
 <p:sld xmlns:a="http://schemas.openxmlformats.org/drawingml/2006/main" xmlns:r="http://schemas.openxmlformats.org/officeDocument/2006/relationships" xmlns:p="http://schemas.openxmlformats.org/presentationml/2006/main">
   <p:cSld>
     <p:spTree>
@@ -10518,7 +10163,7 @@
 </p:sld>
 </file>
 
-<file path=ppt/slides/slide49.xml><?xml version="1.0" encoding="utf-8"?>
+<file path=ppt/slides/slide46.xml><?xml version="1.0" encoding="utf-8"?>
 <p:sld xmlns:a="http://schemas.openxmlformats.org/drawingml/2006/main" xmlns:r="http://schemas.openxmlformats.org/officeDocument/2006/relationships" xmlns:p="http://schemas.openxmlformats.org/presentationml/2006/main">
   <p:cSld>
     <p:spTree>
@@ -10624,109 +10269,7 @@
 </p:sld>
 </file>
 
-<file path=ppt/slides/slide5.xml><?xml version="1.0" encoding="utf-8"?>
-<p:sld xmlns:a="http://schemas.openxmlformats.org/drawingml/2006/main" xmlns:r="http://schemas.openxmlformats.org/officeDocument/2006/relationships" xmlns:p="http://schemas.openxmlformats.org/presentationml/2006/main">
-  <p:cSld>
-    <p:spTree>
-      <p:nvGrpSpPr>
-        <p:cNvPr id="1" name=""/>
-        <p:cNvGrpSpPr/>
-        <p:nvPr/>
-      </p:nvGrpSpPr>
-      <p:grpSpPr>
-        <a:xfrm>
-          <a:off x="0" y="0"/>
-          <a:ext cx="0" cy="0"/>
-          <a:chOff x="0" y="0"/>
-          <a:chExt cx="0" cy="0"/>
-        </a:xfrm>
-      </p:grpSpPr>
-      <p:sp>
-        <p:nvSpPr>
-          <p:cNvPr id="2" name="Title 1"/>
-          <p:cNvSpPr>
-            <a:spLocks noGrp="1"/>
-          </p:cNvSpPr>
-          <p:nvPr>
-            <p:ph type="title"/>
-          </p:nvPr>
-        </p:nvSpPr>
-        <p:spPr/>
-        <p:txBody>
-          <a:bodyPr/>
-          <a:lstStyle/>
-          <a:p>
-            <a:r>
-              <a:rPr lang="en-US" sz="4000" dirty="0"/>
-              <a:t>Equality</a:t>
-            </a:r>
-            <a:endParaRPr lang="he-IL" dirty="0"/>
-          </a:p>
-        </p:txBody>
-      </p:sp>
-      <p:sp>
-        <p:nvSpPr>
-          <p:cNvPr id="3" name="Content Placeholder 2"/>
-          <p:cNvSpPr>
-            <a:spLocks noGrp="1"/>
-          </p:cNvSpPr>
-          <p:nvPr>
-            <p:ph idx="1"/>
-          </p:nvPr>
-        </p:nvSpPr>
-        <p:spPr/>
-        <p:txBody>
-          <a:bodyPr/>
-          <a:lstStyle/>
-          <a:p>
-            <a:pPr algn="l" rtl="0"/>
-            <a:r>
-              <a:rPr lang="en-US" dirty="0"/>
-              <a:t>Similar to == vs. ===, there is != vs. !==.</a:t>
-            </a:r>
-          </a:p>
-          <a:p>
-            <a:pPr algn="l" rtl="0"/>
-            <a:r>
-              <a:rPr lang="en-US" dirty="0"/>
-              <a:t>Always use === and !==.</a:t>
-            </a:r>
-          </a:p>
-          <a:p>
-            <a:pPr algn="l" rtl="0"/>
-            <a:r>
-              <a:rPr lang="en-US" dirty="0"/>
-              <a:t>TypeScript object equality is the same as JavaScript object equality.</a:t>
-            </a:r>
-          </a:p>
-          <a:p>
-            <a:pPr marL="0" indent="0" algn="l" rtl="0">
-              <a:buNone/>
-            </a:pPr>
-            <a:endParaRPr lang="en-US" sz="1800" dirty="0"/>
-          </a:p>
-          <a:p>
-            <a:pPr marL="0" indent="0" algn="l" rtl="0">
-              <a:buNone/>
-            </a:pPr>
-            <a:endParaRPr lang="en-US" dirty="0"/>
-          </a:p>
-        </p:txBody>
-      </p:sp>
-    </p:spTree>
-    <p:extLst>
-      <p:ext uri="{BB962C8B-B14F-4D97-AF65-F5344CB8AC3E}">
-        <p14:creationId xmlns:p14="http://schemas.microsoft.com/office/powerpoint/2010/main" val="1378526269"/>
-      </p:ext>
-    </p:extLst>
-  </p:cSld>
-  <p:clrMapOvr>
-    <a:masterClrMapping/>
-  </p:clrMapOvr>
-</p:sld>
-</file>
-
-<file path=ppt/slides/slide50.xml><?xml version="1.0" encoding="utf-8"?>
+<file path=ppt/slides/slide47.xml><?xml version="1.0" encoding="utf-8"?>
 <p:sld xmlns:a="http://schemas.openxmlformats.org/drawingml/2006/main" xmlns:r="http://schemas.openxmlformats.org/officeDocument/2006/relationships" xmlns:p="http://schemas.openxmlformats.org/presentationml/2006/main">
   <p:cSld>
     <p:spTree>
@@ -10856,7 +10399,7 @@
 </p:sld>
 </file>
 
-<file path=ppt/slides/slide51.xml><?xml version="1.0" encoding="utf-8"?>
+<file path=ppt/slides/slide48.xml><?xml version="1.0" encoding="utf-8"?>
 <p:sld xmlns:a="http://schemas.openxmlformats.org/drawingml/2006/main" xmlns:r="http://schemas.openxmlformats.org/officeDocument/2006/relationships" xmlns:p="http://schemas.openxmlformats.org/presentationml/2006/main">
   <p:cSld>
     <p:spTree>
@@ -11001,7 +10544,7 @@
 </p:sld>
 </file>
 
-<file path=ppt/slides/slide52.xml><?xml version="1.0" encoding="utf-8"?>
+<file path=ppt/slides/slide49.xml><?xml version="1.0" encoding="utf-8"?>
 <p:sld xmlns:a="http://schemas.openxmlformats.org/drawingml/2006/main" xmlns:r="http://schemas.openxmlformats.org/officeDocument/2006/relationships" xmlns:p="http://schemas.openxmlformats.org/presentationml/2006/main">
   <p:cSld>
     <p:spTree>
@@ -11135,7 +10678,7 @@
 </p:sld>
 </file>
 
-<file path=ppt/slides/slide53.xml><?xml version="1.0" encoding="utf-8"?>
+<file path=ppt/slides/slide5.xml><?xml version="1.0" encoding="utf-8"?>
 <p:sld xmlns:a="http://schemas.openxmlformats.org/drawingml/2006/main" xmlns:r="http://schemas.openxmlformats.org/officeDocument/2006/relationships" xmlns:p="http://schemas.openxmlformats.org/presentationml/2006/main">
   <p:cSld>
     <p:spTree>
@@ -11154,6 +10697,108 @@
       </p:grpSpPr>
       <p:sp>
         <p:nvSpPr>
+          <p:cNvPr id="2" name="Title 1"/>
+          <p:cNvSpPr>
+            <a:spLocks noGrp="1"/>
+          </p:cNvSpPr>
+          <p:nvPr>
+            <p:ph type="title"/>
+          </p:nvPr>
+        </p:nvSpPr>
+        <p:spPr/>
+        <p:txBody>
+          <a:bodyPr/>
+          <a:lstStyle/>
+          <a:p>
+            <a:r>
+              <a:rPr lang="en-US" sz="4000" dirty="0"/>
+              <a:t>Equality</a:t>
+            </a:r>
+            <a:endParaRPr lang="he-IL" dirty="0"/>
+          </a:p>
+        </p:txBody>
+      </p:sp>
+      <p:sp>
+        <p:nvSpPr>
+          <p:cNvPr id="3" name="Content Placeholder 2"/>
+          <p:cNvSpPr>
+            <a:spLocks noGrp="1"/>
+          </p:cNvSpPr>
+          <p:nvPr>
+            <p:ph idx="1"/>
+          </p:nvPr>
+        </p:nvSpPr>
+        <p:spPr/>
+        <p:txBody>
+          <a:bodyPr/>
+          <a:lstStyle/>
+          <a:p>
+            <a:pPr algn="l" rtl="0"/>
+            <a:r>
+              <a:rPr lang="en-US" dirty="0"/>
+              <a:t>Similar to == vs. ===, there is != vs. !==.</a:t>
+            </a:r>
+          </a:p>
+          <a:p>
+            <a:pPr algn="l" rtl="0"/>
+            <a:r>
+              <a:rPr lang="en-US" dirty="0"/>
+              <a:t>Always use === and !==.</a:t>
+            </a:r>
+          </a:p>
+          <a:p>
+            <a:pPr algn="l" rtl="0"/>
+            <a:r>
+              <a:rPr lang="en-US" dirty="0"/>
+              <a:t>TypeScript object equality is the same as JavaScript object equality.</a:t>
+            </a:r>
+          </a:p>
+          <a:p>
+            <a:pPr marL="0" indent="0" algn="l" rtl="0">
+              <a:buNone/>
+            </a:pPr>
+            <a:endParaRPr lang="en-US" sz="1800" dirty="0"/>
+          </a:p>
+          <a:p>
+            <a:pPr marL="0" indent="0" algn="l" rtl="0">
+              <a:buNone/>
+            </a:pPr>
+            <a:endParaRPr lang="en-US" dirty="0"/>
+          </a:p>
+        </p:txBody>
+      </p:sp>
+    </p:spTree>
+    <p:extLst>
+      <p:ext uri="{BB962C8B-B14F-4D97-AF65-F5344CB8AC3E}">
+        <p14:creationId xmlns:p14="http://schemas.microsoft.com/office/powerpoint/2010/main" val="1378526269"/>
+      </p:ext>
+    </p:extLst>
+  </p:cSld>
+  <p:clrMapOvr>
+    <a:masterClrMapping/>
+  </p:clrMapOvr>
+</p:sld>
+</file>
+
+<file path=ppt/slides/slide50.xml><?xml version="1.0" encoding="utf-8"?>
+<p:sld xmlns:a="http://schemas.openxmlformats.org/drawingml/2006/main" xmlns:r="http://schemas.openxmlformats.org/officeDocument/2006/relationships" xmlns:p="http://schemas.openxmlformats.org/presentationml/2006/main">
+  <p:cSld>
+    <p:spTree>
+      <p:nvGrpSpPr>
+        <p:cNvPr id="1" name=""/>
+        <p:cNvGrpSpPr/>
+        <p:nvPr/>
+      </p:nvGrpSpPr>
+      <p:grpSpPr>
+        <a:xfrm>
+          <a:off x="0" y="0"/>
+          <a:ext cx="0" cy="0"/>
+          <a:chOff x="0" y="0"/>
+          <a:chExt cx="0" cy="0"/>
+        </a:xfrm>
+      </p:grpSpPr>
+      <p:sp>
+        <p:nvSpPr>
           <p:cNvPr id="2" name="Title 1">
             <a:extLst>
               <a:ext uri="{FF2B5EF4-FFF2-40B4-BE49-F238E27FC236}">
@@ -11285,7 +10930,7 @@
 </p:sld>
 </file>
 
-<file path=ppt/slides/slide54.xml><?xml version="1.0" encoding="utf-8"?>
+<file path=ppt/slides/slide51.xml><?xml version="1.0" encoding="utf-8"?>
 <p:sld xmlns:a="http://schemas.openxmlformats.org/drawingml/2006/main" xmlns:r="http://schemas.openxmlformats.org/officeDocument/2006/relationships" xmlns:p="http://schemas.openxmlformats.org/presentationml/2006/main">
   <p:cSld>
     <p:spTree>
@@ -11420,7 +11065,7 @@
 </p:sld>
 </file>
 
-<file path=ppt/slides/slide55.xml><?xml version="1.0" encoding="utf-8"?>
+<file path=ppt/slides/slide52.xml><?xml version="1.0" encoding="utf-8"?>
 <p:sld xmlns:a="http://schemas.openxmlformats.org/drawingml/2006/main" xmlns:r="http://schemas.openxmlformats.org/officeDocument/2006/relationships" xmlns:p="http://schemas.openxmlformats.org/presentationml/2006/main">
   <p:cSld>
     <p:spTree>
@@ -11573,7 +11218,7 @@
 </p:sld>
 </file>
 
-<file path=ppt/slides/slide56.xml><?xml version="1.0" encoding="utf-8"?>
+<file path=ppt/slides/slide53.xml><?xml version="1.0" encoding="utf-8"?>
 <p:sld xmlns:a="http://schemas.openxmlformats.org/drawingml/2006/main" xmlns:r="http://schemas.openxmlformats.org/officeDocument/2006/relationships" xmlns:p="http://schemas.openxmlformats.org/presentationml/2006/main">
   <p:cSld>
     <p:spTree>
@@ -11670,7 +11315,7 @@
 </p:sld>
 </file>
 
-<file path=ppt/slides/slide57.xml><?xml version="1.0" encoding="utf-8"?>
+<file path=ppt/slides/slide54.xml><?xml version="1.0" encoding="utf-8"?>
 <p:sld xmlns:a="http://schemas.openxmlformats.org/drawingml/2006/main" xmlns:r="http://schemas.openxmlformats.org/officeDocument/2006/relationships" xmlns:p="http://schemas.openxmlformats.org/presentationml/2006/main">
   <p:cSld>
     <p:spTree>
@@ -11904,7 +11549,7 @@
 </p:sld>
 </file>
 
-<file path=ppt/slides/slide58.xml><?xml version="1.0" encoding="utf-8"?>
+<file path=ppt/slides/slide55.xml><?xml version="1.0" encoding="utf-8"?>
 <p:sld xmlns:a="http://schemas.openxmlformats.org/drawingml/2006/main" xmlns:r="http://schemas.openxmlformats.org/officeDocument/2006/relationships" xmlns:p="http://schemas.openxmlformats.org/presentationml/2006/main">
   <p:cSld>
     <p:spTree>
@@ -12053,7 +11698,7 @@
 </p:sld>
 </file>
 
-<file path=ppt/slides/slide59.xml><?xml version="1.0" encoding="utf-8"?>
+<file path=ppt/slides/slide56.xml><?xml version="1.0" encoding="utf-8"?>
 <p:sld xmlns:a="http://schemas.openxmlformats.org/drawingml/2006/main" xmlns:r="http://schemas.openxmlformats.org/officeDocument/2006/relationships" xmlns:p="http://schemas.openxmlformats.org/presentationml/2006/main">
   <p:cSld>
     <p:spTree>
@@ -12202,220 +11847,7 @@
 </p:sld>
 </file>
 
-<file path=ppt/slides/slide6.xml><?xml version="1.0" encoding="utf-8"?>
-<p:sld xmlns:a="http://schemas.openxmlformats.org/drawingml/2006/main" xmlns:r="http://schemas.openxmlformats.org/officeDocument/2006/relationships" xmlns:p="http://schemas.openxmlformats.org/presentationml/2006/main">
-  <p:cSld>
-    <p:spTree>
-      <p:nvGrpSpPr>
-        <p:cNvPr id="1" name=""/>
-        <p:cNvGrpSpPr/>
-        <p:nvPr/>
-      </p:nvGrpSpPr>
-      <p:grpSpPr>
-        <a:xfrm>
-          <a:off x="0" y="0"/>
-          <a:ext cx="0" cy="0"/>
-          <a:chOff x="0" y="0"/>
-          <a:chExt cx="0" cy="0"/>
-        </a:xfrm>
-      </p:grpSpPr>
-      <p:sp>
-        <p:nvSpPr>
-          <p:cNvPr id="2" name="Title 1"/>
-          <p:cNvSpPr>
-            <a:spLocks noGrp="1"/>
-          </p:cNvSpPr>
-          <p:nvPr>
-            <p:ph type="title"/>
-          </p:nvPr>
-        </p:nvSpPr>
-        <p:spPr/>
-        <p:txBody>
-          <a:bodyPr/>
-          <a:lstStyle/>
-          <a:p>
-            <a:r>
-              <a:rPr lang="en-US" sz="4000" dirty="0"/>
-              <a:t>Equality</a:t>
-            </a:r>
-            <a:endParaRPr lang="he-IL" dirty="0"/>
-          </a:p>
-        </p:txBody>
-      </p:sp>
-      <p:sp>
-        <p:nvSpPr>
-          <p:cNvPr id="3" name="Content Placeholder 2"/>
-          <p:cNvSpPr>
-            <a:spLocks noGrp="1"/>
-          </p:cNvSpPr>
-          <p:nvPr>
-            <p:ph idx="1"/>
-          </p:nvPr>
-        </p:nvSpPr>
-        <p:spPr/>
-        <p:txBody>
-          <a:bodyPr>
-            <a:normAutofit/>
-          </a:bodyPr>
-          <a:lstStyle/>
-          <a:p>
-            <a:pPr algn="l" rtl="0">
-              <a:buNone/>
-            </a:pPr>
-            <a:r>
-              <a:rPr lang="en-US" sz="1600" dirty="0"/>
-              <a:t>Conditional statements such as the ‘if’</a:t>
-            </a:r>
-          </a:p>
-          <a:p>
-            <a:pPr algn="l" rtl="0">
-              <a:buNone/>
-            </a:pPr>
-            <a:r>
-              <a:rPr lang="en-US" sz="1600" dirty="0"/>
-              <a:t>statement evaluate their expression using</a:t>
-            </a:r>
-          </a:p>
-          <a:p>
-            <a:pPr algn="l" rtl="0">
-              <a:buNone/>
-            </a:pPr>
-            <a:r>
-              <a:rPr lang="en-US" sz="1600" dirty="0"/>
-              <a:t>coercion with the ’</a:t>
-            </a:r>
-            <a:r>
-              <a:rPr lang="en-US" sz="1600" dirty="0" err="1"/>
-              <a:t>ToBoolean</a:t>
-            </a:r>
-            <a:r>
-              <a:rPr lang="en-US" sz="1600" dirty="0"/>
-              <a:t>’ abstract method</a:t>
-            </a:r>
-          </a:p>
-          <a:p>
-            <a:pPr algn="l" rtl="0">
-              <a:buNone/>
-            </a:pPr>
-            <a:r>
-              <a:rPr lang="en-US" sz="1600" dirty="0"/>
-              <a:t>and always follows the same rolls.</a:t>
-            </a:r>
-          </a:p>
-          <a:p>
-            <a:pPr algn="l" rtl="0">
-              <a:buNone/>
-            </a:pPr>
-            <a:endParaRPr lang="en-US" sz="1600" dirty="0"/>
-          </a:p>
-          <a:p>
-            <a:pPr algn="l" rtl="0">
-              <a:buNone/>
-            </a:pPr>
-            <a:r>
-              <a:rPr lang="en-US" sz="1600" dirty="0"/>
-              <a:t>From ES6 specification : “The abstract</a:t>
-            </a:r>
-          </a:p>
-          <a:p>
-            <a:pPr algn="l" rtl="0">
-              <a:buNone/>
-            </a:pPr>
-            <a:r>
-              <a:rPr lang="en-US" sz="1600" dirty="0"/>
-              <a:t>operation ‘</a:t>
-            </a:r>
-            <a:r>
-              <a:rPr lang="en-US" sz="1600" dirty="0" err="1"/>
-              <a:t>ToBoolean</a:t>
-            </a:r>
-            <a:r>
-              <a:rPr lang="en-US" sz="1600" dirty="0"/>
-              <a:t>’ converts argument to a</a:t>
-            </a:r>
-          </a:p>
-          <a:p>
-            <a:pPr algn="l" rtl="0">
-              <a:buNone/>
-            </a:pPr>
-            <a:r>
-              <a:rPr lang="en-US" sz="1600" dirty="0"/>
-              <a:t>value of type Boolean according to </a:t>
-            </a:r>
-            <a:r>
-              <a:rPr lang="en-US" sz="1600" dirty="0">
-                <a:hlinkClick r:id="rId2"/>
-              </a:rPr>
-              <a:t>table 10</a:t>
-            </a:r>
-            <a:r>
-              <a:rPr lang="en-US" sz="1600" dirty="0"/>
-              <a:t>”.</a:t>
-            </a:r>
-          </a:p>
-        </p:txBody>
-      </p:sp>
-      <p:pic>
-        <p:nvPicPr>
-          <p:cNvPr id="2050" name="Picture 2" descr="C:\Users\israel\Desktop\Capture.PNG"/>
-          <p:cNvPicPr>
-            <a:picLocks noChangeAspect="1" noChangeArrowheads="1"/>
-          </p:cNvPicPr>
-          <p:nvPr/>
-        </p:nvPicPr>
-        <p:blipFill>
-          <a:blip r:embed="rId3" cstate="print"/>
-          <a:srcRect/>
-          <a:stretch>
-            <a:fillRect/>
-          </a:stretch>
-        </p:blipFill>
-        <p:spPr bwMode="auto">
-          <a:xfrm>
-            <a:off x="430924" y="4357941"/>
-            <a:ext cx="5878513" cy="432369"/>
-          </a:xfrm>
-          <a:prstGeom prst="rect">
-            <a:avLst/>
-          </a:prstGeom>
-          <a:noFill/>
-        </p:spPr>
-      </p:pic>
-      <p:pic>
-        <p:nvPicPr>
-          <p:cNvPr id="2051" name="Picture 3" descr="C:\Users\israel\Desktop\Capture.PNG"/>
-          <p:cNvPicPr>
-            <a:picLocks noChangeAspect="1" noChangeArrowheads="1"/>
-          </p:cNvPicPr>
-          <p:nvPr/>
-        </p:nvPicPr>
-        <p:blipFill>
-          <a:blip r:embed="rId4" cstate="print"/>
-          <a:srcRect/>
-          <a:stretch>
-            <a:fillRect/>
-          </a:stretch>
-        </p:blipFill>
-        <p:spPr bwMode="auto">
-          <a:xfrm>
-            <a:off x="430925" y="4790310"/>
-            <a:ext cx="5878513" cy="1819685"/>
-          </a:xfrm>
-          <a:prstGeom prst="rect">
-            <a:avLst/>
-          </a:prstGeom>
-          <a:noFill/>
-        </p:spPr>
-      </p:pic>
-    </p:spTree>
-  </p:cSld>
-  <p:clrMapOvr>
-    <a:masterClrMapping/>
-  </p:clrMapOvr>
-</p:sld>
-</file>
-
-<file path=ppt/slides/slide60.xml><?xml version="1.0" encoding="utf-8"?>
+<file path=ppt/slides/slide57.xml><?xml version="1.0" encoding="utf-8"?>
 <p:sld xmlns:a="http://schemas.openxmlformats.org/drawingml/2006/main" xmlns:r="http://schemas.openxmlformats.org/officeDocument/2006/relationships" xmlns:p="http://schemas.openxmlformats.org/presentationml/2006/main">
   <p:cSld>
     <p:spTree>
@@ -12619,7 +12051,7 @@
 </p:sld>
 </file>
 
-<file path=ppt/slides/slide61.xml><?xml version="1.0" encoding="utf-8"?>
+<file path=ppt/slides/slide58.xml><?xml version="1.0" encoding="utf-8"?>
 <p:sld xmlns:a="http://schemas.openxmlformats.org/drawingml/2006/main" xmlns:r="http://schemas.openxmlformats.org/officeDocument/2006/relationships" xmlns:p="http://schemas.openxmlformats.org/presentationml/2006/main">
   <p:cSld>
     <p:spTree>
@@ -12796,7 +12228,7 @@
 </p:sld>
 </file>
 
-<file path=ppt/slides/slide62.xml><?xml version="1.0" encoding="utf-8"?>
+<file path=ppt/slides/slide59.xml><?xml version="1.0" encoding="utf-8"?>
 <p:sld xmlns:a="http://schemas.openxmlformats.org/drawingml/2006/main" xmlns:r="http://schemas.openxmlformats.org/officeDocument/2006/relationships" xmlns:p="http://schemas.openxmlformats.org/presentationml/2006/main">
   <p:cSld>
     <p:spTree>
@@ -12905,7 +12337,7 @@
 </p:sld>
 </file>
 
-<file path=ppt/slides/slide63.xml><?xml version="1.0" encoding="utf-8"?>
+<file path=ppt/slides/slide6.xml><?xml version="1.0" encoding="utf-8"?>
 <p:sld xmlns:a="http://schemas.openxmlformats.org/drawingml/2006/main" xmlns:r="http://schemas.openxmlformats.org/officeDocument/2006/relationships" xmlns:p="http://schemas.openxmlformats.org/presentationml/2006/main">
   <p:cSld>
     <p:spTree>
@@ -12924,6 +12356,219 @@
       </p:grpSpPr>
       <p:sp>
         <p:nvSpPr>
+          <p:cNvPr id="2" name="Title 1"/>
+          <p:cNvSpPr>
+            <a:spLocks noGrp="1"/>
+          </p:cNvSpPr>
+          <p:nvPr>
+            <p:ph type="title"/>
+          </p:nvPr>
+        </p:nvSpPr>
+        <p:spPr/>
+        <p:txBody>
+          <a:bodyPr/>
+          <a:lstStyle/>
+          <a:p>
+            <a:r>
+              <a:rPr lang="en-US" sz="4000" dirty="0"/>
+              <a:t>Equality</a:t>
+            </a:r>
+            <a:endParaRPr lang="he-IL" dirty="0"/>
+          </a:p>
+        </p:txBody>
+      </p:sp>
+      <p:sp>
+        <p:nvSpPr>
+          <p:cNvPr id="3" name="Content Placeholder 2"/>
+          <p:cNvSpPr>
+            <a:spLocks noGrp="1"/>
+          </p:cNvSpPr>
+          <p:nvPr>
+            <p:ph idx="1"/>
+          </p:nvPr>
+        </p:nvSpPr>
+        <p:spPr/>
+        <p:txBody>
+          <a:bodyPr>
+            <a:normAutofit/>
+          </a:bodyPr>
+          <a:lstStyle/>
+          <a:p>
+            <a:pPr algn="l" rtl="0">
+              <a:buNone/>
+            </a:pPr>
+            <a:r>
+              <a:rPr lang="en-US" sz="1600" dirty="0"/>
+              <a:t>Conditional statements such as the ‘if’</a:t>
+            </a:r>
+          </a:p>
+          <a:p>
+            <a:pPr algn="l" rtl="0">
+              <a:buNone/>
+            </a:pPr>
+            <a:r>
+              <a:rPr lang="en-US" sz="1600" dirty="0"/>
+              <a:t>statement evaluate their expression using</a:t>
+            </a:r>
+          </a:p>
+          <a:p>
+            <a:pPr algn="l" rtl="0">
+              <a:buNone/>
+            </a:pPr>
+            <a:r>
+              <a:rPr lang="en-US" sz="1600" dirty="0"/>
+              <a:t>coercion with the ’</a:t>
+            </a:r>
+            <a:r>
+              <a:rPr lang="en-US" sz="1600" dirty="0" err="1"/>
+              <a:t>ToBoolean</a:t>
+            </a:r>
+            <a:r>
+              <a:rPr lang="en-US" sz="1600" dirty="0"/>
+              <a:t>’ abstract method</a:t>
+            </a:r>
+          </a:p>
+          <a:p>
+            <a:pPr algn="l" rtl="0">
+              <a:buNone/>
+            </a:pPr>
+            <a:r>
+              <a:rPr lang="en-US" sz="1600" dirty="0"/>
+              <a:t>and always follows the same rolls.</a:t>
+            </a:r>
+          </a:p>
+          <a:p>
+            <a:pPr algn="l" rtl="0">
+              <a:buNone/>
+            </a:pPr>
+            <a:endParaRPr lang="en-US" sz="1600" dirty="0"/>
+          </a:p>
+          <a:p>
+            <a:pPr algn="l" rtl="0">
+              <a:buNone/>
+            </a:pPr>
+            <a:r>
+              <a:rPr lang="en-US" sz="1600" dirty="0"/>
+              <a:t>From ES6 specification : “The abstract</a:t>
+            </a:r>
+          </a:p>
+          <a:p>
+            <a:pPr algn="l" rtl="0">
+              <a:buNone/>
+            </a:pPr>
+            <a:r>
+              <a:rPr lang="en-US" sz="1600" dirty="0"/>
+              <a:t>operation ‘</a:t>
+            </a:r>
+            <a:r>
+              <a:rPr lang="en-US" sz="1600" dirty="0" err="1"/>
+              <a:t>ToBoolean</a:t>
+            </a:r>
+            <a:r>
+              <a:rPr lang="en-US" sz="1600" dirty="0"/>
+              <a:t>’ converts argument to a</a:t>
+            </a:r>
+          </a:p>
+          <a:p>
+            <a:pPr algn="l" rtl="0">
+              <a:buNone/>
+            </a:pPr>
+            <a:r>
+              <a:rPr lang="en-US" sz="1600" dirty="0"/>
+              <a:t>value of type Boolean according to </a:t>
+            </a:r>
+            <a:r>
+              <a:rPr lang="en-US" sz="1600" dirty="0">
+                <a:hlinkClick r:id="rId2"/>
+              </a:rPr>
+              <a:t>table 10</a:t>
+            </a:r>
+            <a:r>
+              <a:rPr lang="en-US" sz="1600" dirty="0"/>
+              <a:t>”.</a:t>
+            </a:r>
+          </a:p>
+        </p:txBody>
+      </p:sp>
+      <p:pic>
+        <p:nvPicPr>
+          <p:cNvPr id="2050" name="Picture 2" descr="C:\Users\israel\Desktop\Capture.PNG"/>
+          <p:cNvPicPr>
+            <a:picLocks noChangeAspect="1" noChangeArrowheads="1"/>
+          </p:cNvPicPr>
+          <p:nvPr/>
+        </p:nvPicPr>
+        <p:blipFill>
+          <a:blip r:embed="rId3" cstate="print"/>
+          <a:srcRect/>
+          <a:stretch>
+            <a:fillRect/>
+          </a:stretch>
+        </p:blipFill>
+        <p:spPr bwMode="auto">
+          <a:xfrm>
+            <a:off x="430924" y="4357941"/>
+            <a:ext cx="5878513" cy="432369"/>
+          </a:xfrm>
+          <a:prstGeom prst="rect">
+            <a:avLst/>
+          </a:prstGeom>
+          <a:noFill/>
+        </p:spPr>
+      </p:pic>
+      <p:pic>
+        <p:nvPicPr>
+          <p:cNvPr id="2051" name="Picture 3" descr="C:\Users\israel\Desktop\Capture.PNG"/>
+          <p:cNvPicPr>
+            <a:picLocks noChangeAspect="1" noChangeArrowheads="1"/>
+          </p:cNvPicPr>
+          <p:nvPr/>
+        </p:nvPicPr>
+        <p:blipFill>
+          <a:blip r:embed="rId4" cstate="print"/>
+          <a:srcRect/>
+          <a:stretch>
+            <a:fillRect/>
+          </a:stretch>
+        </p:blipFill>
+        <p:spPr bwMode="auto">
+          <a:xfrm>
+            <a:off x="430925" y="4790310"/>
+            <a:ext cx="5878513" cy="1819685"/>
+          </a:xfrm>
+          <a:prstGeom prst="rect">
+            <a:avLst/>
+          </a:prstGeom>
+          <a:noFill/>
+        </p:spPr>
+      </p:pic>
+    </p:spTree>
+  </p:cSld>
+  <p:clrMapOvr>
+    <a:masterClrMapping/>
+  </p:clrMapOvr>
+</p:sld>
+</file>
+
+<file path=ppt/slides/slide60.xml><?xml version="1.0" encoding="utf-8"?>
+<p:sld xmlns:a="http://schemas.openxmlformats.org/drawingml/2006/main" xmlns:r="http://schemas.openxmlformats.org/officeDocument/2006/relationships" xmlns:p="http://schemas.openxmlformats.org/presentationml/2006/main">
+  <p:cSld>
+    <p:spTree>
+      <p:nvGrpSpPr>
+        <p:cNvPr id="1" name=""/>
+        <p:cNvGrpSpPr/>
+        <p:nvPr/>
+      </p:nvGrpSpPr>
+      <p:grpSpPr>
+        <a:xfrm>
+          <a:off x="0" y="0"/>
+          <a:ext cx="0" cy="0"/>
+          <a:chOff x="0" y="0"/>
+          <a:chExt cx="0" cy="0"/>
+        </a:xfrm>
+      </p:grpSpPr>
+      <p:sp>
+        <p:nvSpPr>
           <p:cNvPr id="2" name="Title 1">
             <a:extLst>
               <a:ext uri="{FF2B5EF4-FFF2-40B4-BE49-F238E27FC236}">
@@ -13055,7 +12700,7 @@
 </p:sld>
 </file>
 
-<file path=ppt/slides/slide64.xml><?xml version="1.0" encoding="utf-8"?>
+<file path=ppt/slides/slide61.xml><?xml version="1.0" encoding="utf-8"?>
 <p:sld xmlns:a="http://schemas.openxmlformats.org/drawingml/2006/main" xmlns:r="http://schemas.openxmlformats.org/officeDocument/2006/relationships" xmlns:p="http://schemas.openxmlformats.org/presentationml/2006/main">
   <p:cSld>
     <p:spTree>
@@ -13192,7 +12837,7 @@
 </p:sld>
 </file>
 
-<file path=ppt/slides/slide65.xml><?xml version="1.0" encoding="utf-8"?>
+<file path=ppt/slides/slide62.xml><?xml version="1.0" encoding="utf-8"?>
 <p:sld xmlns:a="http://schemas.openxmlformats.org/drawingml/2006/main" xmlns:r="http://schemas.openxmlformats.org/officeDocument/2006/relationships" xmlns:p="http://schemas.openxmlformats.org/presentationml/2006/main">
   <p:cSld>
     <p:spTree>
@@ -13282,7 +12927,7 @@
 </p:sld>
 </file>
 
-<file path=ppt/slides/slide66.xml><?xml version="1.0" encoding="utf-8"?>
+<file path=ppt/slides/slide63.xml><?xml version="1.0" encoding="utf-8"?>
 <p:sld xmlns:a="http://schemas.openxmlformats.org/drawingml/2006/main" xmlns:r="http://schemas.openxmlformats.org/officeDocument/2006/relationships" xmlns:p="http://schemas.openxmlformats.org/presentationml/2006/main">
   <p:cSld>
     <p:spTree>
@@ -13410,7 +13055,7 @@
 </p:sld>
 </file>
 
-<file path=ppt/slides/slide67.xml><?xml version="1.0" encoding="utf-8"?>
+<file path=ppt/slides/slide64.xml><?xml version="1.0" encoding="utf-8"?>
 <p:sld xmlns:a="http://schemas.openxmlformats.org/drawingml/2006/main" xmlns:r="http://schemas.openxmlformats.org/officeDocument/2006/relationships" xmlns:p="http://schemas.openxmlformats.org/presentationml/2006/main">
   <p:cSld>
     <p:spTree>
@@ -13583,7 +13228,7 @@
 </p:sld>
 </file>
 
-<file path=ppt/slides/slide68.xml><?xml version="1.0" encoding="utf-8"?>
+<file path=ppt/slides/slide65.xml><?xml version="1.0" encoding="utf-8"?>
 <p:sld xmlns:a="http://schemas.openxmlformats.org/drawingml/2006/main" xmlns:r="http://schemas.openxmlformats.org/officeDocument/2006/relationships" xmlns:p="http://schemas.openxmlformats.org/presentationml/2006/main">
   <p:cSld>
     <p:spTree>
@@ -13726,7 +13371,7 @@
 </p:sld>
 </file>
 
-<file path=ppt/slides/slide69.xml><?xml version="1.0" encoding="utf-8"?>
+<file path=ppt/slides/slide66.xml><?xml version="1.0" encoding="utf-8"?>
 <p:sld xmlns:a="http://schemas.openxmlformats.org/drawingml/2006/main" xmlns:r="http://schemas.openxmlformats.org/officeDocument/2006/relationships" xmlns:p="http://schemas.openxmlformats.org/presentationml/2006/main">
   <p:cSld>
     <p:spTree>
@@ -13854,7 +13499,7 @@
 </p:sld>
 </file>
 
-<file path=ppt/slides/slide7.xml><?xml version="1.0" encoding="utf-8"?>
+<file path=ppt/slides/slide67.xml><?xml version="1.0" encoding="utf-8"?>
 <p:sld xmlns:a="http://schemas.openxmlformats.org/drawingml/2006/main" xmlns:r="http://schemas.openxmlformats.org/officeDocument/2006/relationships" xmlns:p="http://schemas.openxmlformats.org/presentationml/2006/main">
   <p:cSld>
     <p:spTree>
@@ -13873,172 +13518,6 @@
       </p:grpSpPr>
       <p:sp>
         <p:nvSpPr>
-          <p:cNvPr id="2" name="Title 1"/>
-          <p:cNvSpPr>
-            <a:spLocks noGrp="1"/>
-          </p:cNvSpPr>
-          <p:nvPr>
-            <p:ph type="title"/>
-          </p:nvPr>
-        </p:nvSpPr>
-        <p:spPr/>
-        <p:txBody>
-          <a:bodyPr/>
-          <a:lstStyle/>
-          <a:p>
-            <a:r>
-              <a:rPr lang="en-US" sz="4000" dirty="0"/>
-              <a:t>Equality</a:t>
-            </a:r>
-            <a:endParaRPr lang="he-IL" dirty="0"/>
-          </a:p>
-        </p:txBody>
-      </p:sp>
-      <p:sp>
-        <p:nvSpPr>
-          <p:cNvPr id="3" name="Content Placeholder 2"/>
-          <p:cNvSpPr>
-            <a:spLocks noGrp="1"/>
-          </p:cNvSpPr>
-          <p:nvPr>
-            <p:ph idx="1"/>
-          </p:nvPr>
-        </p:nvSpPr>
-        <p:spPr/>
-        <p:txBody>
-          <a:bodyPr/>
-          <a:lstStyle/>
-          <a:p>
-            <a:pPr algn="l" rtl="0">
-              <a:buNone/>
-            </a:pPr>
-            <a:r>
-              <a:rPr lang="en-US" dirty="0"/>
-              <a:t>As mentioned at the table above, objects</a:t>
-            </a:r>
-          </a:p>
-          <a:p>
-            <a:pPr algn="l" rtl="0">
-              <a:buNone/>
-            </a:pPr>
-            <a:r>
-              <a:rPr lang="en-US" dirty="0"/>
-              <a:t>evaluated to true.</a:t>
-            </a:r>
-          </a:p>
-          <a:p>
-            <a:pPr algn="l" rtl="0">
-              <a:buNone/>
-            </a:pPr>
-            <a:r>
-              <a:rPr lang="en-US" dirty="0"/>
-              <a:t>That is why even an empty array evaluates to</a:t>
-            </a:r>
-          </a:p>
-          <a:p>
-            <a:pPr algn="l" rtl="0">
-              <a:buNone/>
-            </a:pPr>
-            <a:r>
-              <a:rPr lang="en-US" dirty="0"/>
-              <a:t>true.</a:t>
-            </a:r>
-          </a:p>
-          <a:p>
-            <a:pPr algn="l" rtl="0">
-              <a:buNone/>
-            </a:pPr>
-            <a:endParaRPr lang="en-US" dirty="0"/>
-          </a:p>
-          <a:p>
-            <a:pPr algn="l" rtl="0">
-              <a:buNone/>
-            </a:pPr>
-            <a:r>
-              <a:rPr lang="en-US" dirty="0">
-                <a:solidFill>
-                  <a:srgbClr val="FF0000"/>
-                </a:solidFill>
-              </a:rPr>
-              <a:t>If</a:t>
-            </a:r>
-            <a:r>
-              <a:rPr lang="en-US" dirty="0"/>
-              <a:t>([]) {</a:t>
-            </a:r>
-          </a:p>
-          <a:p>
-            <a:pPr algn="l" rtl="0">
-              <a:buNone/>
-            </a:pPr>
-            <a:r>
-              <a:rPr lang="en-US" dirty="0"/>
-              <a:t>	</a:t>
-            </a:r>
-            <a:r>
-              <a:rPr lang="en-US" dirty="0">
-                <a:solidFill>
-                  <a:srgbClr val="92D050"/>
-                </a:solidFill>
-              </a:rPr>
-              <a:t>// true</a:t>
-            </a:r>
-          </a:p>
-          <a:p>
-            <a:pPr algn="l" rtl="0">
-              <a:buNone/>
-            </a:pPr>
-            <a:r>
-              <a:rPr lang="en-US" dirty="0"/>
-              <a:t>	</a:t>
-            </a:r>
-            <a:r>
-              <a:rPr lang="en-US" dirty="0">
-                <a:solidFill>
-                  <a:srgbClr val="92D050"/>
-                </a:solidFill>
-              </a:rPr>
-              <a:t>// an array (even an empty one) is an    object, objects will evaluate to true</a:t>
-            </a:r>
-          </a:p>
-          <a:p>
-            <a:pPr algn="l" rtl="0">
-              <a:buNone/>
-            </a:pPr>
-            <a:r>
-              <a:rPr lang="en-US" dirty="0"/>
-              <a:t>}</a:t>
-            </a:r>
-          </a:p>
-        </p:txBody>
-      </p:sp>
-    </p:spTree>
-  </p:cSld>
-  <p:clrMapOvr>
-    <a:masterClrMapping/>
-  </p:clrMapOvr>
-</p:sld>
-</file>
-
-<file path=ppt/slides/slide70.xml><?xml version="1.0" encoding="utf-8"?>
-<p:sld xmlns:a="http://schemas.openxmlformats.org/drawingml/2006/main" xmlns:r="http://schemas.openxmlformats.org/officeDocument/2006/relationships" xmlns:p="http://schemas.openxmlformats.org/presentationml/2006/main">
-  <p:cSld>
-    <p:spTree>
-      <p:nvGrpSpPr>
-        <p:cNvPr id="1" name=""/>
-        <p:cNvGrpSpPr/>
-        <p:nvPr/>
-      </p:nvGrpSpPr>
-      <p:grpSpPr>
-        <a:xfrm>
-          <a:off x="0" y="0"/>
-          <a:ext cx="0" cy="0"/>
-          <a:chOff x="0" y="0"/>
-          <a:chExt cx="0" cy="0"/>
-        </a:xfrm>
-      </p:grpSpPr>
-      <p:sp>
-        <p:nvSpPr>
           <p:cNvPr id="2" name="Title 1">
             <a:extLst>
               <a:ext uri="{FF2B5EF4-FFF2-40B4-BE49-F238E27FC236}">
@@ -14195,7 +13674,7 @@
 </p:sld>
 </file>
 
-<file path=ppt/slides/slide71.xml><?xml version="1.0" encoding="utf-8"?>
+<file path=ppt/slides/slide68.xml><?xml version="1.0" encoding="utf-8"?>
 <p:sld xmlns:a="http://schemas.openxmlformats.org/drawingml/2006/main" xmlns:r="http://schemas.openxmlformats.org/officeDocument/2006/relationships" xmlns:p="http://schemas.openxmlformats.org/presentationml/2006/main">
   <p:cSld>
     <p:spTree>
@@ -14384,7 +13863,7 @@
 </p:sld>
 </file>
 
-<file path=ppt/slides/slide72.xml><?xml version="1.0" encoding="utf-8"?>
+<file path=ppt/slides/slide69.xml><?xml version="1.0" encoding="utf-8"?>
 <p:sld xmlns:a="http://schemas.openxmlformats.org/drawingml/2006/main" xmlns:r="http://schemas.openxmlformats.org/officeDocument/2006/relationships" xmlns:p="http://schemas.openxmlformats.org/presentationml/2006/main">
   <p:cSld>
     <p:spTree>
@@ -14556,7 +14035,173 @@
 </p:sld>
 </file>
 
-<file path=ppt/slides/slide73.xml><?xml version="1.0" encoding="utf-8"?>
+<file path=ppt/slides/slide7.xml><?xml version="1.0" encoding="utf-8"?>
+<p:sld xmlns:a="http://schemas.openxmlformats.org/drawingml/2006/main" xmlns:r="http://schemas.openxmlformats.org/officeDocument/2006/relationships" xmlns:p="http://schemas.openxmlformats.org/presentationml/2006/main">
+  <p:cSld>
+    <p:spTree>
+      <p:nvGrpSpPr>
+        <p:cNvPr id="1" name=""/>
+        <p:cNvGrpSpPr/>
+        <p:nvPr/>
+      </p:nvGrpSpPr>
+      <p:grpSpPr>
+        <a:xfrm>
+          <a:off x="0" y="0"/>
+          <a:ext cx="0" cy="0"/>
+          <a:chOff x="0" y="0"/>
+          <a:chExt cx="0" cy="0"/>
+        </a:xfrm>
+      </p:grpSpPr>
+      <p:sp>
+        <p:nvSpPr>
+          <p:cNvPr id="2" name="Title 1"/>
+          <p:cNvSpPr>
+            <a:spLocks noGrp="1"/>
+          </p:cNvSpPr>
+          <p:nvPr>
+            <p:ph type="title"/>
+          </p:nvPr>
+        </p:nvSpPr>
+        <p:spPr/>
+        <p:txBody>
+          <a:bodyPr/>
+          <a:lstStyle/>
+          <a:p>
+            <a:r>
+              <a:rPr lang="en-US" sz="4000" dirty="0"/>
+              <a:t>Equality</a:t>
+            </a:r>
+            <a:endParaRPr lang="he-IL" dirty="0"/>
+          </a:p>
+        </p:txBody>
+      </p:sp>
+      <p:sp>
+        <p:nvSpPr>
+          <p:cNvPr id="3" name="Content Placeholder 2"/>
+          <p:cNvSpPr>
+            <a:spLocks noGrp="1"/>
+          </p:cNvSpPr>
+          <p:nvPr>
+            <p:ph idx="1"/>
+          </p:nvPr>
+        </p:nvSpPr>
+        <p:spPr/>
+        <p:txBody>
+          <a:bodyPr/>
+          <a:lstStyle/>
+          <a:p>
+            <a:pPr algn="l" rtl="0">
+              <a:buNone/>
+            </a:pPr>
+            <a:r>
+              <a:rPr lang="en-US" dirty="0"/>
+              <a:t>As mentioned at the table above, objects</a:t>
+            </a:r>
+          </a:p>
+          <a:p>
+            <a:pPr algn="l" rtl="0">
+              <a:buNone/>
+            </a:pPr>
+            <a:r>
+              <a:rPr lang="en-US" dirty="0"/>
+              <a:t>evaluated to true.</a:t>
+            </a:r>
+          </a:p>
+          <a:p>
+            <a:pPr algn="l" rtl="0">
+              <a:buNone/>
+            </a:pPr>
+            <a:r>
+              <a:rPr lang="en-US" dirty="0"/>
+              <a:t>That is why even an empty array evaluates to</a:t>
+            </a:r>
+          </a:p>
+          <a:p>
+            <a:pPr algn="l" rtl="0">
+              <a:buNone/>
+            </a:pPr>
+            <a:r>
+              <a:rPr lang="en-US" dirty="0"/>
+              <a:t>true.</a:t>
+            </a:r>
+          </a:p>
+          <a:p>
+            <a:pPr algn="l" rtl="0">
+              <a:buNone/>
+            </a:pPr>
+            <a:endParaRPr lang="en-US" dirty="0"/>
+          </a:p>
+          <a:p>
+            <a:pPr algn="l" rtl="0">
+              <a:buNone/>
+            </a:pPr>
+            <a:r>
+              <a:rPr lang="en-US" dirty="0">
+                <a:solidFill>
+                  <a:srgbClr val="FF0000"/>
+                </a:solidFill>
+              </a:rPr>
+              <a:t>If</a:t>
+            </a:r>
+            <a:r>
+              <a:rPr lang="en-US" dirty="0"/>
+              <a:t>([]) {</a:t>
+            </a:r>
+          </a:p>
+          <a:p>
+            <a:pPr algn="l" rtl="0">
+              <a:buNone/>
+            </a:pPr>
+            <a:r>
+              <a:rPr lang="en-US" dirty="0"/>
+              <a:t>	</a:t>
+            </a:r>
+            <a:r>
+              <a:rPr lang="en-US" dirty="0">
+                <a:solidFill>
+                  <a:srgbClr val="92D050"/>
+                </a:solidFill>
+              </a:rPr>
+              <a:t>// true</a:t>
+            </a:r>
+          </a:p>
+          <a:p>
+            <a:pPr algn="l" rtl="0">
+              <a:buNone/>
+            </a:pPr>
+            <a:r>
+              <a:rPr lang="en-US" dirty="0"/>
+              <a:t>	</a:t>
+            </a:r>
+            <a:r>
+              <a:rPr lang="en-US" dirty="0">
+                <a:solidFill>
+                  <a:srgbClr val="92D050"/>
+                </a:solidFill>
+              </a:rPr>
+              <a:t>// an array (even an empty one) is an    object, objects will evaluate to true</a:t>
+            </a:r>
+          </a:p>
+          <a:p>
+            <a:pPr algn="l" rtl="0">
+              <a:buNone/>
+            </a:pPr>
+            <a:r>
+              <a:rPr lang="en-US" dirty="0"/>
+              <a:t>}</a:t>
+            </a:r>
+          </a:p>
+        </p:txBody>
+      </p:sp>
+    </p:spTree>
+  </p:cSld>
+  <p:clrMapOvr>
+    <a:masterClrMapping/>
+  </p:clrMapOvr>
+</p:sld>
+</file>
+
+<file path=ppt/slides/slide70.xml><?xml version="1.0" encoding="utf-8"?>
 <p:sld xmlns:a="http://schemas.openxmlformats.org/drawingml/2006/main" xmlns:r="http://schemas.openxmlformats.org/officeDocument/2006/relationships" xmlns:p="http://schemas.openxmlformats.org/presentationml/2006/main">
   <p:cSld>
     <p:spTree>
@@ -14682,7 +14327,7 @@
 </p:sld>
 </file>
 
-<file path=ppt/slides/slide74.xml><?xml version="1.0" encoding="utf-8"?>
+<file path=ppt/slides/slide71.xml><?xml version="1.0" encoding="utf-8"?>
 <p:sld xmlns:a="http://schemas.openxmlformats.org/drawingml/2006/main" xmlns:r="http://schemas.openxmlformats.org/officeDocument/2006/relationships" xmlns:p="http://schemas.openxmlformats.org/presentationml/2006/main">
   <p:cSld>
     <p:spTree>
@@ -14844,7 +14489,7 @@
 </p:sld>
 </file>
 
-<file path=ppt/slides/slide75.xml><?xml version="1.0" encoding="utf-8"?>
+<file path=ppt/slides/slide72.xml><?xml version="1.0" encoding="utf-8"?>
 <p:sld xmlns:a="http://schemas.openxmlformats.org/drawingml/2006/main" xmlns:r="http://schemas.openxmlformats.org/officeDocument/2006/relationships" xmlns:p="http://schemas.openxmlformats.org/presentationml/2006/main">
   <p:cSld>
     <p:spTree>
@@ -14996,7 +14641,7 @@
 </p:sld>
 </file>
 
-<file path=ppt/slides/slide76.xml><?xml version="1.0" encoding="utf-8"?>
+<file path=ppt/slides/slide73.xml><?xml version="1.0" encoding="utf-8"?>
 <p:sld xmlns:a="http://schemas.openxmlformats.org/drawingml/2006/main" xmlns:r="http://schemas.openxmlformats.org/officeDocument/2006/relationships" xmlns:p="http://schemas.openxmlformats.org/presentationml/2006/main">
   <p:cSld>
     <p:spTree>
@@ -15132,7 +14777,7 @@
 </p:sld>
 </file>
 
-<file path=ppt/slides/slide77.xml><?xml version="1.0" encoding="utf-8"?>
+<file path=ppt/slides/slide74.xml><?xml version="1.0" encoding="utf-8"?>
 <p:sld xmlns:a="http://schemas.openxmlformats.org/drawingml/2006/main" xmlns:r="http://schemas.openxmlformats.org/officeDocument/2006/relationships" xmlns:p="http://schemas.openxmlformats.org/presentationml/2006/main">
   <p:cSld>
     <p:spTree>
@@ -15300,7 +14945,7 @@
 </p:sld>
 </file>
 
-<file path=ppt/slides/slide78.xml><?xml version="1.0" encoding="utf-8"?>
+<file path=ppt/slides/slide75.xml><?xml version="1.0" encoding="utf-8"?>
 <p:sld xmlns:a="http://schemas.openxmlformats.org/drawingml/2006/main" xmlns:r="http://schemas.openxmlformats.org/officeDocument/2006/relationships" xmlns:p="http://schemas.openxmlformats.org/presentationml/2006/main">
   <p:cSld>
     <p:spTree>
@@ -15440,7 +15085,7 @@
 </p:sld>
 </file>
 
-<file path=ppt/slides/slide79.xml><?xml version="1.0" encoding="utf-8"?>
+<file path=ppt/slides/slide76.xml><?xml version="1.0" encoding="utf-8"?>
 <p:sld xmlns:a="http://schemas.openxmlformats.org/drawingml/2006/main" xmlns:r="http://schemas.openxmlformats.org/officeDocument/2006/relationships" xmlns:p="http://schemas.openxmlformats.org/presentationml/2006/main">
   <p:cSld>
     <p:spTree>
@@ -15640,140 +15285,7 @@
 </p:sld>
 </file>
 
-<file path=ppt/slides/slide8.xml><?xml version="1.0" encoding="utf-8"?>
-<p:sld xmlns:a="http://schemas.openxmlformats.org/drawingml/2006/main" xmlns:r="http://schemas.openxmlformats.org/officeDocument/2006/relationships" xmlns:p="http://schemas.openxmlformats.org/presentationml/2006/main">
-  <p:cSld>
-    <p:spTree>
-      <p:nvGrpSpPr>
-        <p:cNvPr id="1" name=""/>
-        <p:cNvGrpSpPr/>
-        <p:nvPr/>
-      </p:nvGrpSpPr>
-      <p:grpSpPr>
-        <a:xfrm>
-          <a:off x="0" y="0"/>
-          <a:ext cx="0" cy="0"/>
-          <a:chOff x="0" y="0"/>
-          <a:chExt cx="0" cy="0"/>
-        </a:xfrm>
-      </p:grpSpPr>
-      <p:sp>
-        <p:nvSpPr>
-          <p:cNvPr id="2" name="Title 1"/>
-          <p:cNvSpPr>
-            <a:spLocks noGrp="1"/>
-          </p:cNvSpPr>
-          <p:nvPr>
-            <p:ph type="title"/>
-          </p:nvPr>
-        </p:nvSpPr>
-        <p:spPr/>
-        <p:txBody>
-          <a:bodyPr/>
-          <a:lstStyle/>
-          <a:p>
-            <a:r>
-              <a:rPr lang="en-US" dirty="0"/>
-              <a:t>Equality of References</a:t>
-            </a:r>
-            <a:endParaRPr lang="he-IL" dirty="0"/>
-          </a:p>
-        </p:txBody>
-      </p:sp>
-      <p:sp>
-        <p:nvSpPr>
-          <p:cNvPr id="3" name="Content Placeholder 2"/>
-          <p:cNvSpPr>
-            <a:spLocks noGrp="1"/>
-          </p:cNvSpPr>
-          <p:nvPr>
-            <p:ph idx="1"/>
-          </p:nvPr>
-        </p:nvSpPr>
-        <p:spPr/>
-        <p:txBody>
-          <a:bodyPr/>
-          <a:lstStyle/>
-          <a:p>
-            <a:pPr algn="l" rtl="0">
-              <a:buNone/>
-            </a:pPr>
-            <a:r>
-              <a:rPr lang="en-US" dirty="0"/>
-              <a:t>Any object in JavaScript (including functions, </a:t>
-            </a:r>
-          </a:p>
-          <a:p>
-            <a:pPr algn="l" rtl="0">
-              <a:buNone/>
-            </a:pPr>
-            <a:r>
-              <a:rPr lang="en-US" dirty="0"/>
-              <a:t>arrays, </a:t>
-            </a:r>
-            <a:r>
-              <a:rPr lang="en-US" dirty="0" err="1"/>
-              <a:t>regexp</a:t>
-            </a:r>
-            <a:r>
-              <a:rPr lang="en-US" dirty="0"/>
-              <a:t> etc) are references.</a:t>
-            </a:r>
-            <a:endParaRPr lang="he-IL" dirty="0"/>
-          </a:p>
-          <a:p>
-            <a:pPr algn="l" rtl="0">
-              <a:buNone/>
-            </a:pPr>
-            <a:endParaRPr lang="en-US" dirty="0"/>
-          </a:p>
-          <a:p>
-            <a:pPr algn="l" rtl="0">
-              <a:buNone/>
-            </a:pPr>
-            <a:r>
-              <a:rPr lang="en-US" dirty="0"/>
-              <a:t>Object equality is for references:</a:t>
-            </a:r>
-            <a:endParaRPr lang="he-IL" dirty="0"/>
-          </a:p>
-        </p:txBody>
-      </p:sp>
-      <p:pic>
-        <p:nvPicPr>
-          <p:cNvPr id="1026" name="Picture 2" descr="C:\Users\israel\Desktop\Capture.PNG"/>
-          <p:cNvPicPr>
-            <a:picLocks noChangeAspect="1" noChangeArrowheads="1"/>
-          </p:cNvPicPr>
-          <p:nvPr/>
-        </p:nvPicPr>
-        <p:blipFill>
-          <a:blip r:embed="rId2" cstate="print"/>
-          <a:srcRect/>
-          <a:stretch>
-            <a:fillRect/>
-          </a:stretch>
-        </p:blipFill>
-        <p:spPr bwMode="auto">
-          <a:xfrm>
-            <a:off x="533400" y="3733800"/>
-            <a:ext cx="4876800" cy="1752600"/>
-          </a:xfrm>
-          <a:prstGeom prst="rect">
-            <a:avLst/>
-          </a:prstGeom>
-          <a:noFill/>
-        </p:spPr>
-      </p:pic>
-    </p:spTree>
-  </p:cSld>
-  <p:clrMapOvr>
-    <a:masterClrMapping/>
-  </p:clrMapOvr>
-</p:sld>
-</file>
-
-<file path=ppt/slides/slide80.xml><?xml version="1.0" encoding="utf-8"?>
+<file path=ppt/slides/slide77.xml><?xml version="1.0" encoding="utf-8"?>
 <p:sld xmlns:a="http://schemas.openxmlformats.org/drawingml/2006/main" xmlns:r="http://schemas.openxmlformats.org/officeDocument/2006/relationships" xmlns:p="http://schemas.openxmlformats.org/presentationml/2006/main">
   <p:cSld>
     <p:spTree>
@@ -15956,7 +15468,7 @@
 </p:sld>
 </file>
 
-<file path=ppt/slides/slide81.xml><?xml version="1.0" encoding="utf-8"?>
+<file path=ppt/slides/slide78.xml><?xml version="1.0" encoding="utf-8"?>
 <p:sld xmlns:a="http://schemas.openxmlformats.org/drawingml/2006/main" xmlns:r="http://schemas.openxmlformats.org/officeDocument/2006/relationships" xmlns:p="http://schemas.openxmlformats.org/presentationml/2006/main">
   <p:cSld>
     <p:spTree>
@@ -16335,6 +15847,139 @@
           </a:p>
         </p:txBody>
       </p:sp>
+    </p:spTree>
+  </p:cSld>
+  <p:clrMapOvr>
+    <a:masterClrMapping/>
+  </p:clrMapOvr>
+</p:sld>
+</file>
+
+<file path=ppt/slides/slide8.xml><?xml version="1.0" encoding="utf-8"?>
+<p:sld xmlns:a="http://schemas.openxmlformats.org/drawingml/2006/main" xmlns:r="http://schemas.openxmlformats.org/officeDocument/2006/relationships" xmlns:p="http://schemas.openxmlformats.org/presentationml/2006/main">
+  <p:cSld>
+    <p:spTree>
+      <p:nvGrpSpPr>
+        <p:cNvPr id="1" name=""/>
+        <p:cNvGrpSpPr/>
+        <p:nvPr/>
+      </p:nvGrpSpPr>
+      <p:grpSpPr>
+        <a:xfrm>
+          <a:off x="0" y="0"/>
+          <a:ext cx="0" cy="0"/>
+          <a:chOff x="0" y="0"/>
+          <a:chExt cx="0" cy="0"/>
+        </a:xfrm>
+      </p:grpSpPr>
+      <p:sp>
+        <p:nvSpPr>
+          <p:cNvPr id="2" name="Title 1"/>
+          <p:cNvSpPr>
+            <a:spLocks noGrp="1"/>
+          </p:cNvSpPr>
+          <p:nvPr>
+            <p:ph type="title"/>
+          </p:nvPr>
+        </p:nvSpPr>
+        <p:spPr/>
+        <p:txBody>
+          <a:bodyPr/>
+          <a:lstStyle/>
+          <a:p>
+            <a:r>
+              <a:rPr lang="en-US" dirty="0"/>
+              <a:t>Equality of References</a:t>
+            </a:r>
+            <a:endParaRPr lang="he-IL" dirty="0"/>
+          </a:p>
+        </p:txBody>
+      </p:sp>
+      <p:sp>
+        <p:nvSpPr>
+          <p:cNvPr id="3" name="Content Placeholder 2"/>
+          <p:cNvSpPr>
+            <a:spLocks noGrp="1"/>
+          </p:cNvSpPr>
+          <p:nvPr>
+            <p:ph idx="1"/>
+          </p:nvPr>
+        </p:nvSpPr>
+        <p:spPr/>
+        <p:txBody>
+          <a:bodyPr/>
+          <a:lstStyle/>
+          <a:p>
+            <a:pPr algn="l" rtl="0">
+              <a:buNone/>
+            </a:pPr>
+            <a:r>
+              <a:rPr lang="en-US" dirty="0"/>
+              <a:t>Any object in JavaScript (including functions, </a:t>
+            </a:r>
+          </a:p>
+          <a:p>
+            <a:pPr algn="l" rtl="0">
+              <a:buNone/>
+            </a:pPr>
+            <a:r>
+              <a:rPr lang="en-US" dirty="0"/>
+              <a:t>arrays, </a:t>
+            </a:r>
+            <a:r>
+              <a:rPr lang="en-US" dirty="0" err="1"/>
+              <a:t>regexp</a:t>
+            </a:r>
+            <a:r>
+              <a:rPr lang="en-US" dirty="0"/>
+              <a:t> etc) are references.</a:t>
+            </a:r>
+            <a:endParaRPr lang="he-IL" dirty="0"/>
+          </a:p>
+          <a:p>
+            <a:pPr algn="l" rtl="0">
+              <a:buNone/>
+            </a:pPr>
+            <a:endParaRPr lang="en-US" dirty="0"/>
+          </a:p>
+          <a:p>
+            <a:pPr algn="l" rtl="0">
+              <a:buNone/>
+            </a:pPr>
+            <a:r>
+              <a:rPr lang="en-US" dirty="0"/>
+              <a:t>Object equality is for references:</a:t>
+            </a:r>
+            <a:endParaRPr lang="he-IL" dirty="0"/>
+          </a:p>
+        </p:txBody>
+      </p:sp>
+      <p:pic>
+        <p:nvPicPr>
+          <p:cNvPr id="1026" name="Picture 2" descr="C:\Users\israel\Desktop\Capture.PNG"/>
+          <p:cNvPicPr>
+            <a:picLocks noChangeAspect="1" noChangeArrowheads="1"/>
+          </p:cNvPicPr>
+          <p:nvPr/>
+        </p:nvPicPr>
+        <p:blipFill>
+          <a:blip r:embed="rId2" cstate="print"/>
+          <a:srcRect/>
+          <a:stretch>
+            <a:fillRect/>
+          </a:stretch>
+        </p:blipFill>
+        <p:spPr bwMode="auto">
+          <a:xfrm>
+            <a:off x="533400" y="3733800"/>
+            <a:ext cx="4876800" cy="1752600"/>
+          </a:xfrm>
+          <a:prstGeom prst="rect">
+            <a:avLst/>
+          </a:prstGeom>
+          <a:noFill/>
+        </p:spPr>
+      </p:pic>
     </p:spTree>
   </p:cSld>
   <p:clrMapOvr>
